--- a/com.yrtech.bentleyAPI/com.yrtech.InventoryAPI/template/ReportOffLine.pptx
+++ b/com.yrtech.bentleyAPI/com.yrtech.InventoryAPI/template/ReportOffLine.pptx
@@ -225,7 +225,7 @@
           <a:p>
             <a:fld id="{69A4D669-94F9-4D70-8C76-4C2D35D4E5D0}" type="datetimeFigureOut">
               <a:rPr lang="en-US" smtClean="0"/>
-              <a:t>4/4/2022</a:t>
+              <a:t>4/9/2022</a:t>
             </a:fld>
             <a:endParaRPr lang="en-US"/>
           </a:p>
@@ -1866,7 +1866,7 @@
           <a:p>
             <a:fld id="{CB9F8517-1271-4F8B-9742-ECB8BBF22693}" type="datetimeFigureOut">
               <a:rPr lang="en-US" smtClean="0"/>
-              <a:t>4/4/2022</a:t>
+              <a:t>4/9/2022</a:t>
             </a:fld>
             <a:endParaRPr lang="en-US"/>
           </a:p>
@@ -2036,7 +2036,7 @@
           <a:p>
             <a:fld id="{CB9F8517-1271-4F8B-9742-ECB8BBF22693}" type="datetimeFigureOut">
               <a:rPr lang="en-US" smtClean="0"/>
-              <a:t>4/4/2022</a:t>
+              <a:t>4/9/2022</a:t>
             </a:fld>
             <a:endParaRPr lang="en-US"/>
           </a:p>
@@ -2216,7 +2216,7 @@
           <a:p>
             <a:fld id="{CB9F8517-1271-4F8B-9742-ECB8BBF22693}" type="datetimeFigureOut">
               <a:rPr lang="en-US" smtClean="0"/>
-              <a:t>4/4/2022</a:t>
+              <a:t>4/9/2022</a:t>
             </a:fld>
             <a:endParaRPr lang="en-US"/>
           </a:p>
@@ -2314,7 +2314,7 @@
           <a:graphicData uri="http://schemas.openxmlformats.org/presentationml/2006/ole">
             <mc:AlternateContent xmlns:mc="http://schemas.openxmlformats.org/markup-compatibility/2006">
               <mc:Choice xmlns:v="urn:schemas-microsoft-com:vml" Requires="v">
-                <p:oleObj spid="_x0000_s3139" name="think-cell Slide" r:id="rId4" imgW="216" imgH="216" progId="TCLayout.ActiveDocument.1">
+                <p:oleObj spid="_x0000_s3142" name="think-cell Slide" r:id="rId4" imgW="216" imgH="216" progId="TCLayout.ActiveDocument.1">
                   <p:embed/>
                 </p:oleObj>
               </mc:Choice>
@@ -3352,7 +3352,7 @@
           <a:graphicData uri="http://schemas.openxmlformats.org/presentationml/2006/ole">
             <mc:AlternateContent xmlns:mc="http://schemas.openxmlformats.org/markup-compatibility/2006">
               <mc:Choice xmlns:v="urn:schemas-microsoft-com:vml" Requires="v">
-                <p:oleObj spid="_x0000_s32823" name="think-cell Slide" r:id="rId5" imgW="216" imgH="216" progId="TCLayout.ActiveDocument.1">
+                <p:oleObj spid="_x0000_s32826" name="think-cell Slide" r:id="rId5" imgW="216" imgH="216" progId="TCLayout.ActiveDocument.1">
                   <p:embed/>
                 </p:oleObj>
               </mc:Choice>
@@ -3829,7 +3829,7 @@
           <a:graphicData uri="http://schemas.openxmlformats.org/presentationml/2006/ole">
             <mc:AlternateContent xmlns:mc="http://schemas.openxmlformats.org/markup-compatibility/2006">
               <mc:Choice xmlns:v="urn:schemas-microsoft-com:vml" Requires="v">
-                <p:oleObj spid="_x0000_s33847" name="think-cell Slide" r:id="rId4" imgW="216" imgH="216" progId="TCLayout.ActiveDocument.1">
+                <p:oleObj spid="_x0000_s33850" name="think-cell Slide" r:id="rId4" imgW="216" imgH="216" progId="TCLayout.ActiveDocument.1">
                   <p:embed/>
                 </p:oleObj>
               </mc:Choice>
@@ -4566,7 +4566,7 @@
           <a:graphicData uri="http://schemas.openxmlformats.org/presentationml/2006/ole">
             <mc:AlternateContent xmlns:mc="http://schemas.openxmlformats.org/markup-compatibility/2006">
               <mc:Choice xmlns:v="urn:schemas-microsoft-com:vml" Requires="v">
-                <p:oleObj spid="_x0000_s34871" name="think-cell Slide" r:id="rId4" imgW="216" imgH="216" progId="TCLayout.ActiveDocument.1">
+                <p:oleObj spid="_x0000_s34874" name="think-cell Slide" r:id="rId4" imgW="216" imgH="216" progId="TCLayout.ActiveDocument.1">
                   <p:embed/>
                 </p:oleObj>
               </mc:Choice>
@@ -5614,7 +5614,7 @@
           <a:graphicData uri="http://schemas.openxmlformats.org/presentationml/2006/ole">
             <mc:AlternateContent xmlns:mc="http://schemas.openxmlformats.org/markup-compatibility/2006">
               <mc:Choice xmlns:v="urn:schemas-microsoft-com:vml" Requires="v">
-                <p:oleObj spid="_x0000_s35895" name="think-cell Slide" r:id="rId5" imgW="216" imgH="216" progId="TCLayout.ActiveDocument.1">
+                <p:oleObj spid="_x0000_s35898" name="think-cell Slide" r:id="rId5" imgW="216" imgH="216" progId="TCLayout.ActiveDocument.1">
                   <p:embed/>
                 </p:oleObj>
               </mc:Choice>
@@ -6406,7 +6406,7 @@
           <a:graphicData uri="http://schemas.openxmlformats.org/presentationml/2006/ole">
             <mc:AlternateContent xmlns:mc="http://schemas.openxmlformats.org/markup-compatibility/2006">
               <mc:Choice xmlns:v="urn:schemas-microsoft-com:vml" Requires="v">
-                <p:oleObj spid="_x0000_s37943" name="think-cell Slide" r:id="rId5" imgW="216" imgH="216" progId="TCLayout.ActiveDocument.1">
+                <p:oleObj spid="_x0000_s37946" name="think-cell Slide" r:id="rId5" imgW="216" imgH="216" progId="TCLayout.ActiveDocument.1">
                   <p:embed/>
                 </p:oleObj>
               </mc:Choice>
@@ -6883,7 +6883,7 @@
           <a:graphicData uri="http://schemas.openxmlformats.org/presentationml/2006/ole">
             <mc:AlternateContent xmlns:mc="http://schemas.openxmlformats.org/markup-compatibility/2006">
               <mc:Choice xmlns:v="urn:schemas-microsoft-com:vml" Requires="v">
-                <p:oleObj spid="_x0000_s38967" name="think-cell Slide" r:id="rId4" imgW="216" imgH="216" progId="TCLayout.ActiveDocument.1">
+                <p:oleObj spid="_x0000_s38970" name="think-cell Slide" r:id="rId4" imgW="216" imgH="216" progId="TCLayout.ActiveDocument.1">
                   <p:embed/>
                 </p:oleObj>
               </mc:Choice>
@@ -7691,7 +7691,7 @@
           <a:p>
             <a:fld id="{CB9F8517-1271-4F8B-9742-ECB8BBF22693}" type="datetimeFigureOut">
               <a:rPr lang="en-US" smtClean="0"/>
-              <a:t>4/4/2022</a:t>
+              <a:t>4/9/2022</a:t>
             </a:fld>
             <a:endParaRPr lang="en-US"/>
           </a:p>
@@ -7790,7 +7790,7 @@
           <a:graphicData uri="http://schemas.openxmlformats.org/presentationml/2006/ole">
             <mc:AlternateContent xmlns:mc="http://schemas.openxmlformats.org/markup-compatibility/2006">
               <mc:Choice xmlns:v="urn:schemas-microsoft-com:vml" Requires="v">
-                <p:oleObj spid="_x0000_s39991" name="think-cell Slide" r:id="rId4" imgW="216" imgH="216" progId="TCLayout.ActiveDocument.1">
+                <p:oleObj spid="_x0000_s39994" name="think-cell Slide" r:id="rId4" imgW="216" imgH="216" progId="TCLayout.ActiveDocument.1">
                   <p:embed/>
                 </p:oleObj>
               </mc:Choice>
@@ -8838,7 +8838,7 @@
           <a:graphicData uri="http://schemas.openxmlformats.org/presentationml/2006/ole">
             <mc:AlternateContent xmlns:mc="http://schemas.openxmlformats.org/markup-compatibility/2006">
               <mc:Choice xmlns:v="urn:schemas-microsoft-com:vml" Requires="v">
-                <p:oleObj spid="_x0000_s41015" name="think-cell Slide" r:id="rId5" imgW="216" imgH="216" progId="TCLayout.ActiveDocument.1">
+                <p:oleObj spid="_x0000_s41018" name="think-cell Slide" r:id="rId5" imgW="216" imgH="216" progId="TCLayout.ActiveDocument.1">
                   <p:embed/>
                 </p:oleObj>
               </mc:Choice>
@@ -9777,7 +9777,7 @@
           <a:p>
             <a:fld id="{CB9F8517-1271-4F8B-9742-ECB8BBF22693}" type="datetimeFigureOut">
               <a:rPr lang="en-US" smtClean="0"/>
-              <a:t>4/4/2022</a:t>
+              <a:t>4/9/2022</a:t>
             </a:fld>
             <a:endParaRPr lang="en-US"/>
           </a:p>
@@ -10009,7 +10009,7 @@
           <a:p>
             <a:fld id="{CB9F8517-1271-4F8B-9742-ECB8BBF22693}" type="datetimeFigureOut">
               <a:rPr lang="en-US" smtClean="0"/>
-              <a:t>4/4/2022</a:t>
+              <a:t>4/9/2022</a:t>
             </a:fld>
             <a:endParaRPr lang="en-US"/>
           </a:p>
@@ -10376,7 +10376,7 @@
           <a:p>
             <a:fld id="{CB9F8517-1271-4F8B-9742-ECB8BBF22693}" type="datetimeFigureOut">
               <a:rPr lang="en-US" smtClean="0"/>
-              <a:t>4/4/2022</a:t>
+              <a:t>4/9/2022</a:t>
             </a:fld>
             <a:endParaRPr lang="en-US"/>
           </a:p>
@@ -10494,7 +10494,7 @@
           <a:p>
             <a:fld id="{CB9F8517-1271-4F8B-9742-ECB8BBF22693}" type="datetimeFigureOut">
               <a:rPr lang="en-US" smtClean="0"/>
-              <a:t>4/4/2022</a:t>
+              <a:t>4/9/2022</a:t>
             </a:fld>
             <a:endParaRPr lang="en-US"/>
           </a:p>
@@ -10589,7 +10589,7 @@
           <a:p>
             <a:fld id="{CB9F8517-1271-4F8B-9742-ECB8BBF22693}" type="datetimeFigureOut">
               <a:rPr lang="en-US" smtClean="0"/>
-              <a:t>4/4/2022</a:t>
+              <a:t>4/9/2022</a:t>
             </a:fld>
             <a:endParaRPr lang="en-US"/>
           </a:p>
@@ -10866,7 +10866,7 @@
           <a:p>
             <a:fld id="{CB9F8517-1271-4F8B-9742-ECB8BBF22693}" type="datetimeFigureOut">
               <a:rPr lang="en-US" smtClean="0"/>
-              <a:t>4/4/2022</a:t>
+              <a:t>4/9/2022</a:t>
             </a:fld>
             <a:endParaRPr lang="en-US"/>
           </a:p>
@@ -11119,7 +11119,7 @@
           <a:p>
             <a:fld id="{CB9F8517-1271-4F8B-9742-ECB8BBF22693}" type="datetimeFigureOut">
               <a:rPr lang="en-US" smtClean="0"/>
-              <a:t>4/4/2022</a:t>
+              <a:t>4/9/2022</a:t>
             </a:fld>
             <a:endParaRPr lang="en-US"/>
           </a:p>
@@ -11227,7 +11227,7 @@
           <a:graphicData uri="http://schemas.openxmlformats.org/presentationml/2006/ole">
             <mc:AlternateContent xmlns:mc="http://schemas.openxmlformats.org/markup-compatibility/2006">
               <mc:Choice xmlns:v="urn:schemas-microsoft-com:vml" Requires="v">
-                <p:oleObj spid="_x0000_s1091" name="think-cell Slide" r:id="rId16" imgW="416" imgH="416" progId="TCLayout.ActiveDocument.1">
+                <p:oleObj spid="_x0000_s1094" name="think-cell Slide" r:id="rId16" imgW="416" imgH="416" progId="TCLayout.ActiveDocument.1">
                   <p:embed/>
                 </p:oleObj>
               </mc:Choice>
@@ -11392,7 +11392,7 @@
           <a:p>
             <a:fld id="{CB9F8517-1271-4F8B-9742-ECB8BBF22693}" type="datetimeFigureOut">
               <a:rPr lang="en-US" smtClean="0"/>
-              <a:t>4/4/2022</a:t>
+              <a:t>4/9/2022</a:t>
             </a:fld>
             <a:endParaRPr lang="en-US"/>
           </a:p>
@@ -11828,7 +11828,7 @@
           <a:graphicData uri="http://schemas.openxmlformats.org/presentationml/2006/ole">
             <mc:AlternateContent xmlns:mc="http://schemas.openxmlformats.org/markup-compatibility/2006">
               <mc:Choice xmlns:v="urn:schemas-microsoft-com:vml" Requires="v">
-                <p:oleObj spid="_x0000_s31799" name="think-cell Slide" r:id="rId10" imgW="216" imgH="216" progId="TCLayout.ActiveDocument.1">
+                <p:oleObj spid="_x0000_s31802" name="think-cell Slide" r:id="rId10" imgW="216" imgH="216" progId="TCLayout.ActiveDocument.1">
                   <p:embed/>
                 </p:oleObj>
               </mc:Choice>
@@ -12586,7 +12586,7 @@
           <a:graphicData uri="http://schemas.openxmlformats.org/presentationml/2006/ole">
             <mc:AlternateContent xmlns:mc="http://schemas.openxmlformats.org/markup-compatibility/2006">
               <mc:Choice xmlns:v="urn:schemas-microsoft-com:vml" Requires="v">
-                <p:oleObj spid="_x0000_s36920" name="think-cell Slide" r:id="rId10" imgW="216" imgH="216" progId="TCLayout.ActiveDocument.1">
+                <p:oleObj spid="_x0000_s36923" name="think-cell Slide" r:id="rId10" imgW="216" imgH="216" progId="TCLayout.ActiveDocument.1">
                   <p:embed/>
                 </p:oleObj>
               </mc:Choice>
@@ -13339,7 +13339,7 @@
           <a:graphicData uri="http://schemas.openxmlformats.org/presentationml/2006/ole">
             <mc:AlternateContent xmlns:mc="http://schemas.openxmlformats.org/markup-compatibility/2006">
               <mc:Choice xmlns:v="urn:schemas-microsoft-com:vml" Requires="v">
-                <p:oleObj spid="_x0000_s14406" name="think-cell Slide" r:id="rId5" imgW="396" imgH="396" progId="TCLayout.ActiveDocument.1">
+                <p:oleObj spid="_x0000_s14409" name="think-cell Slide" r:id="rId5" imgW="396" imgH="396" progId="TCLayout.ActiveDocument.1">
                   <p:embed/>
                 </p:oleObj>
               </mc:Choice>
@@ -17709,7 +17709,7 @@
           <a:graphicData uri="http://schemas.openxmlformats.org/presentationml/2006/ole">
             <mc:AlternateContent xmlns:mc="http://schemas.openxmlformats.org/markup-compatibility/2006">
               <mc:Choice xmlns:v="urn:schemas-microsoft-com:vml" Requires="v">
-                <p:oleObj spid="_x0000_s42046" name="think-cell Slide" r:id="rId6" imgW="416" imgH="416" progId="TCLayout.ActiveDocument.1">
+                <p:oleObj spid="_x0000_s42049" name="think-cell Slide" r:id="rId6" imgW="416" imgH="416" progId="TCLayout.ActiveDocument.1">
                   <p:embed/>
                 </p:oleObj>
               </mc:Choice>
@@ -21553,14 +21553,14 @@
           <p:nvPr>
             <p:extLst>
               <p:ext uri="{D42A27DB-BD31-4B8C-83A1-F6EECF244321}">
-                <p14:modId xmlns:p14="http://schemas.microsoft.com/office/powerpoint/2010/main" val="3120179701"/>
+                <p14:modId xmlns:p14="http://schemas.microsoft.com/office/powerpoint/2010/main" val="2197285528"/>
               </p:ext>
             </p:extLst>
           </p:nvPr>
         </p:nvGraphicFramePr>
         <p:xfrm>
           <a:off x="539750" y="1254424"/>
-          <a:ext cx="11079995" cy="5225628"/>
+          <a:ext cx="11079996" cy="5192358"/>
         </p:xfrm>
         <a:graphic>
           <a:graphicData uri="http://schemas.openxmlformats.org/drawingml/2006/table">
@@ -21569,24 +21569,26 @@
                 <a:tableStyleId>{5C22544A-7EE6-4342-B048-85BDC9FD1C3A}</a:tableStyleId>
               </a:tblPr>
               <a:tblGrid>
-                <a:gridCol w="2012950">
+                <a:gridCol w="1450058">
                   <a:extLst>
                     <a:ext uri="{9D8B030D-6E8A-4147-A177-3AD203B41FA5}">
                       <a16:colId xmlns="" xmlns:a16="http://schemas.microsoft.com/office/drawing/2014/main" val="20000"/>
                     </a:ext>
                   </a:extLst>
                 </a:gridCol>
-                <a:gridCol w="1435100">
+                <a:gridCol w="1181231"/>
+                <a:gridCol w="1392572">
                   <a:extLst>
                     <a:ext uri="{9D8B030D-6E8A-4147-A177-3AD203B41FA5}">
                       <a16:colId xmlns="" xmlns:a16="http://schemas.microsoft.com/office/drawing/2014/main" val="20001"/>
                     </a:ext>
                   </a:extLst>
                 </a:gridCol>
-                <a:gridCol w="1171337"/>
-                <a:gridCol w="2153536"/>
-                <a:gridCol w="2153536"/>
-                <a:gridCol w="2153536"/>
+                <a:gridCol w="1199628"/>
+                <a:gridCol w="1710206"/>
+                <a:gridCol w="1502775"/>
+                <a:gridCol w="1065555"/>
+                <a:gridCol w="1577971"/>
               </a:tblGrid>
               <a:tr h="441918">
                 <a:tc>
@@ -21678,6 +21680,99 @@
                         </a:lnSpc>
                       </a:pPr>
                       <a:r>
+                        <a:rPr lang="en-US" altLang="zh-CN" sz="1400" b="1" kern="1200" dirty="0" smtClean="0">
+                          <a:solidFill>
+                            <a:schemeClr val="lt1"/>
+                          </a:solidFill>
+                          <a:latin typeface="+mn-lt"/>
+                          <a:ea typeface="+mn-ea"/>
+                          <a:cs typeface="+mn-ea"/>
+                          <a:sym typeface="+mn-lt"/>
+                        </a:rPr>
+                        <a:t>BP</a:t>
+                      </a:r>
+                      <a:r>
+                        <a:rPr lang="zh-CN" altLang="en-US" sz="1400" b="1" kern="1200" dirty="0" smtClean="0">
+                          <a:solidFill>
+                            <a:schemeClr val="lt1"/>
+                          </a:solidFill>
+                          <a:latin typeface="+mn-lt"/>
+                          <a:ea typeface="+mn-ea"/>
+                          <a:cs typeface="+mn-ea"/>
+                          <a:sym typeface="+mn-lt"/>
+                        </a:rPr>
+                        <a:t>号</a:t>
+                      </a:r>
+                      <a:endParaRPr lang="zh-CN" altLang="en-US" sz="1400" b="1" kern="1200" dirty="0">
+                        <a:solidFill>
+                          <a:schemeClr val="lt1"/>
+                        </a:solidFill>
+                        <a:latin typeface="+mn-lt"/>
+                        <a:ea typeface="+mn-ea"/>
+                        <a:cs typeface="+mn-ea"/>
+                        <a:sym typeface="+mn-lt"/>
+                      </a:endParaRPr>
+                    </a:p>
+                  </a:txBody>
+                  <a:tcPr marL="108522" marR="108522" marT="54261" marB="54261" anchor="ctr">
+                    <a:lnL w="12700" cap="flat" cmpd="sng" algn="ctr">
+                      <a:solidFill>
+                        <a:schemeClr val="bg1"/>
+                      </a:solidFill>
+                      <a:prstDash val="solid"/>
+                      <a:round/>
+                      <a:headEnd type="none" w="med" len="med"/>
+                      <a:tailEnd type="none" w="med" len="med"/>
+                    </a:lnL>
+                    <a:lnR w="12700" cap="flat" cmpd="sng" algn="ctr">
+                      <a:solidFill>
+                        <a:schemeClr val="bg1"/>
+                      </a:solidFill>
+                      <a:prstDash val="solid"/>
+                      <a:round/>
+                      <a:headEnd type="none" w="med" len="med"/>
+                      <a:tailEnd type="none" w="med" len="med"/>
+                    </a:lnR>
+                    <a:lnT w="38100" cap="flat" cmpd="sng" algn="ctr">
+                      <a:noFill/>
+                      <a:prstDash val="solid"/>
+                      <a:round/>
+                      <a:headEnd type="none" w="med" len="med"/>
+                      <a:tailEnd type="none" w="med" len="med"/>
+                    </a:lnT>
+                    <a:lnB w="6350" cap="flat" cmpd="sng" algn="ctr">
+                      <a:noFill/>
+                      <a:prstDash val="solid"/>
+                      <a:round/>
+                      <a:headEnd type="none" w="med" len="med"/>
+                      <a:tailEnd type="none" w="med" len="med"/>
+                    </a:lnB>
+                    <a:lnTlToBr w="12700" cmpd="sng">
+                      <a:noFill/>
+                      <a:prstDash val="solid"/>
+                    </a:lnTlToBr>
+                    <a:lnBlToTr w="12700" cmpd="sng">
+                      <a:noFill/>
+                      <a:prstDash val="solid"/>
+                    </a:lnBlToTr>
+                    <a:solidFill>
+                      <a:schemeClr val="accent1">
+                        <a:lumMod val="50000"/>
+                      </a:schemeClr>
+                    </a:solidFill>
+                  </a:tcPr>
+                </a:tc>
+                <a:tc>
+                  <a:txBody>
+                    <a:bodyPr/>
+                    <a:lstStyle/>
+                    <a:p>
+                      <a:pPr marL="0" algn="ctr" defTabSz="685792" rtl="0" eaLnBrk="1" latinLnBrk="0" hangingPunct="1">
+                        <a:lnSpc>
+                          <a:spcPct val="130000"/>
+                        </a:lnSpc>
+                      </a:pPr>
+                      <a:r>
                         <a:rPr lang="zh-CN" altLang="en-US" sz="1602" b="1" kern="1200" dirty="0" smtClean="0">
                           <a:solidFill>
                             <a:schemeClr val="lt1"/>
@@ -21685,8 +21780,9 @@
                           <a:latin typeface="+mn-lt"/>
                           <a:ea typeface="+mn-ea"/>
                           <a:cs typeface="+mn-cs"/>
+                          <a:sym typeface="+mn-lt"/>
                         </a:rPr>
-                        <a:t>顾客电话</a:t>
+                        <a:t>是否车主</a:t>
                       </a:r>
                       <a:endParaRPr lang="zh-CN" altLang="en-US" sz="1400" b="1" kern="1200" dirty="0">
                         <a:solidFill>
@@ -21766,7 +21862,88 @@
                           <a:ea typeface="+mn-ea"/>
                           <a:cs typeface="+mn-cs"/>
                         </a:rPr>
-                        <a:t>试驾</a:t>
+                        <a:t>是否试驾</a:t>
+                      </a:r>
+                      <a:endParaRPr lang="zh-CN" altLang="en-US" sz="1400" b="1" kern="1200" dirty="0">
+                        <a:solidFill>
+                          <a:schemeClr val="lt1"/>
+                        </a:solidFill>
+                        <a:latin typeface="+mn-lt"/>
+                        <a:ea typeface="+mn-ea"/>
+                        <a:cs typeface="+mn-ea"/>
+                        <a:sym typeface="+mn-lt"/>
+                      </a:endParaRPr>
+                    </a:p>
+                  </a:txBody>
+                  <a:tcPr marL="108522" marR="108522" marT="54261" marB="54261" anchor="ctr">
+                    <a:lnL w="12700" cap="flat" cmpd="sng" algn="ctr">
+                      <a:solidFill>
+                        <a:schemeClr val="bg1"/>
+                      </a:solidFill>
+                      <a:prstDash val="solid"/>
+                      <a:round/>
+                      <a:headEnd type="none" w="med" len="med"/>
+                      <a:tailEnd type="none" w="med" len="med"/>
+                    </a:lnL>
+                    <a:lnR w="12700" cap="flat" cmpd="sng" algn="ctr">
+                      <a:solidFill>
+                        <a:schemeClr val="bg1"/>
+                      </a:solidFill>
+                      <a:prstDash val="solid"/>
+                      <a:round/>
+                      <a:headEnd type="none" w="med" len="med"/>
+                      <a:tailEnd type="none" w="med" len="med"/>
+                    </a:lnR>
+                    <a:lnT w="38100" cap="flat" cmpd="sng" algn="ctr">
+                      <a:noFill/>
+                      <a:prstDash val="solid"/>
+                      <a:round/>
+                      <a:headEnd type="none" w="med" len="med"/>
+                      <a:tailEnd type="none" w="med" len="med"/>
+                    </a:lnT>
+                    <a:lnB w="6350" cap="flat" cmpd="sng" algn="ctr">
+                      <a:noFill/>
+                      <a:prstDash val="solid"/>
+                      <a:round/>
+                      <a:headEnd type="none" w="med" len="med"/>
+                      <a:tailEnd type="none" w="med" len="med"/>
+                    </a:lnB>
+                    <a:lnTlToBr w="12700" cmpd="sng">
+                      <a:noFill/>
+                      <a:prstDash val="solid"/>
+                    </a:lnTlToBr>
+                    <a:lnBlToTr w="12700" cmpd="sng">
+                      <a:noFill/>
+                      <a:prstDash val="solid"/>
+                    </a:lnBlToTr>
+                    <a:solidFill>
+                      <a:schemeClr val="accent1">
+                        <a:lumMod val="50000"/>
+                      </a:schemeClr>
+                    </a:solidFill>
+                  </a:tcPr>
+                </a:tc>
+                <a:tc>
+                  <a:txBody>
+                    <a:bodyPr/>
+                    <a:lstStyle/>
+                    <a:p>
+                      <a:pPr marL="0" algn="ctr" defTabSz="685792" rtl="0" eaLnBrk="1" latinLnBrk="0" hangingPunct="1">
+                        <a:lnSpc>
+                          <a:spcPct val="130000"/>
+                        </a:lnSpc>
+                      </a:pPr>
+                      <a:r>
+                        <a:rPr lang="zh-CN" altLang="en-US" sz="1400" b="1" kern="1200" dirty="0" smtClean="0">
+                          <a:solidFill>
+                            <a:schemeClr val="lt1"/>
+                          </a:solidFill>
+                          <a:latin typeface="+mn-lt"/>
+                          <a:ea typeface="+mn-ea"/>
+                          <a:cs typeface="+mn-ea"/>
+                          <a:sym typeface="+mn-lt"/>
+                        </a:rPr>
+                        <a:t>是否为线索</a:t>
                       </a:r>
                       <a:endParaRPr lang="zh-CN" altLang="en-US" sz="1400" b="1" kern="1200" dirty="0">
                         <a:solidFill>
@@ -21926,7 +22103,7 @@
                           <a:ea typeface="+mn-ea"/>
                           <a:cs typeface="+mn-cs"/>
                         </a:rPr>
-                        <a:t>成交</a:t>
+                        <a:t>是否成交</a:t>
                       </a:r>
                       <a:endParaRPr lang="zh-CN" altLang="en-US" sz="1400" b="1" kern="1200" dirty="0">
                         <a:solidFill>
@@ -22071,7 +22248,7 @@
                   </a:ext>
                 </a:extLst>
               </a:tr>
-              <a:tr h="488058">
+              <a:tr h="417684">
                 <a:tc>
                   <a:txBody>
                     <a:bodyPr/>
@@ -22117,6 +22294,158 @@
                       <a:tailEnd type="none" w="med" len="med"/>
                     </a:lnL>
                     <a:lnR w="3175" cap="flat" cmpd="sng" algn="ctr">
+                      <a:noFill/>
+                      <a:prstDash val="solid"/>
+                      <a:round/>
+                      <a:headEnd type="none" w="med" len="med"/>
+                      <a:tailEnd type="none" w="med" len="med"/>
+                    </a:lnR>
+                    <a:lnT w="6350" cap="flat" cmpd="sng" algn="ctr">
+                      <a:noFill/>
+                      <a:prstDash val="solid"/>
+                      <a:round/>
+                      <a:headEnd type="none" w="med" len="med"/>
+                      <a:tailEnd type="none" w="med" len="med"/>
+                    </a:lnT>
+                    <a:lnB w="3175" cap="flat" cmpd="sng" algn="ctr">
+                      <a:noFill/>
+                      <a:prstDash val="sysDot"/>
+                      <a:round/>
+                      <a:headEnd type="none" w="med" len="med"/>
+                      <a:tailEnd type="none" w="med" len="med"/>
+                    </a:lnB>
+                    <a:lnTlToBr w="12700" cmpd="sng">
+                      <a:noFill/>
+                      <a:prstDash val="solid"/>
+                    </a:lnTlToBr>
+                    <a:lnBlToTr w="12700" cmpd="sng">
+                      <a:noFill/>
+                      <a:prstDash val="solid"/>
+                    </a:lnBlToTr>
+                    <a:noFill/>
+                  </a:tcPr>
+                </a:tc>
+                <a:tc>
+                  <a:txBody>
+                    <a:bodyPr/>
+                    <a:lstStyle/>
+                    <a:p>
+                      <a:pPr marL="0" marR="0" lvl="0" indent="0" algn="l" defTabSz="685792" rtl="0" eaLnBrk="1" fontAlgn="auto" latinLnBrk="0" hangingPunct="1">
+                        <a:lnSpc>
+                          <a:spcPct val="130000"/>
+                        </a:lnSpc>
+                        <a:spcBef>
+                          <a:spcPts val="0"/>
+                        </a:spcBef>
+                        <a:spcAft>
+                          <a:spcPts val="0"/>
+                        </a:spcAft>
+                        <a:buClrTx/>
+                        <a:buSzTx/>
+                        <a:buFontTx/>
+                        <a:buNone/>
+                        <a:tabLst/>
+                        <a:defRPr/>
+                      </a:pPr>
+                      <a:endParaRPr lang="en-US" altLang="zh-CN" sz="1200" b="0" kern="1200" dirty="0">
+                        <a:solidFill>
+                          <a:schemeClr val="tx1">
+                            <a:lumMod val="75000"/>
+                            <a:lumOff val="25000"/>
+                          </a:schemeClr>
+                        </a:solidFill>
+                        <a:latin typeface="+mn-lt"/>
+                        <a:ea typeface="+mn-ea"/>
+                        <a:cs typeface="+mn-ea"/>
+                        <a:sym typeface="+mn-lt"/>
+                      </a:endParaRPr>
+                    </a:p>
+                  </a:txBody>
+                  <a:tcPr marL="108666" marR="108666" marT="108522" marB="108522" anchor="ctr">
+                    <a:lnL w="3175" cap="flat" cmpd="sng" algn="ctr">
+                      <a:noFill/>
+                      <a:prstDash val="solid"/>
+                      <a:round/>
+                      <a:headEnd type="none" w="med" len="med"/>
+                      <a:tailEnd type="none" w="med" len="med"/>
+                    </a:lnL>
+                    <a:lnR w="57150" cap="flat" cmpd="sng" algn="ctr">
+                      <a:noFill/>
+                      <a:prstDash val="solid"/>
+                      <a:round/>
+                      <a:headEnd type="none" w="med" len="med"/>
+                      <a:tailEnd type="none" w="med" len="med"/>
+                    </a:lnR>
+                    <a:lnT w="6350" cap="flat" cmpd="sng" algn="ctr">
+                      <a:noFill/>
+                      <a:prstDash val="solid"/>
+                      <a:round/>
+                      <a:headEnd type="none" w="med" len="med"/>
+                      <a:tailEnd type="none" w="med" len="med"/>
+                    </a:lnT>
+                    <a:lnB w="3175" cap="flat" cmpd="sng" algn="ctr">
+                      <a:noFill/>
+                      <a:prstDash val="sysDot"/>
+                      <a:round/>
+                      <a:headEnd type="none" w="med" len="med"/>
+                      <a:tailEnd type="none" w="med" len="med"/>
+                    </a:lnB>
+                    <a:lnTlToBr w="12700" cmpd="sng">
+                      <a:noFill/>
+                      <a:prstDash val="solid"/>
+                    </a:lnTlToBr>
+                    <a:lnBlToTr w="12700" cmpd="sng">
+                      <a:noFill/>
+                      <a:prstDash val="solid"/>
+                    </a:lnBlToTr>
+                    <a:noFill/>
+                  </a:tcPr>
+                </a:tc>
+                <a:tc>
+                  <a:txBody>
+                    <a:bodyPr/>
+                    <a:lstStyle/>
+                    <a:p>
+                      <a:pPr marL="0" marR="0" lvl="0" indent="0" algn="l" defTabSz="685792" rtl="0" eaLnBrk="1" fontAlgn="auto" latinLnBrk="0" hangingPunct="1">
+                        <a:lnSpc>
+                          <a:spcPct val="130000"/>
+                        </a:lnSpc>
+                        <a:spcBef>
+                          <a:spcPts val="0"/>
+                        </a:spcBef>
+                        <a:spcAft>
+                          <a:spcPts val="0"/>
+                        </a:spcAft>
+                        <a:buClrTx/>
+                        <a:buSzTx/>
+                        <a:buFontTx/>
+                        <a:buNone/>
+                        <a:tabLst/>
+                        <a:defRPr/>
+                      </a:pPr>
+                      <a:endParaRPr lang="en-US" altLang="zh-CN" sz="1200" b="0" kern="1200" dirty="0">
+                        <a:solidFill>
+                          <a:schemeClr val="tx1">
+                            <a:lumMod val="75000"/>
+                            <a:lumOff val="25000"/>
+                          </a:schemeClr>
+                        </a:solidFill>
+                        <a:latin typeface="+mn-lt"/>
+                        <a:ea typeface="+mn-ea"/>
+                        <a:cs typeface="+mn-ea"/>
+                        <a:sym typeface="+mn-lt"/>
+                      </a:endParaRPr>
+                    </a:p>
+                  </a:txBody>
+                  <a:tcPr marL="108666" marR="108666" marT="108522" marB="108522" anchor="ctr">
+                    <a:lnL w="3175" cap="flat" cmpd="sng" algn="ctr">
+                      <a:noFill/>
+                      <a:prstDash val="solid"/>
+                      <a:round/>
+                      <a:headEnd type="none" w="med" len="med"/>
+                      <a:tailEnd type="none" w="med" len="med"/>
+                    </a:lnL>
+                    <a:lnR w="57150" cap="flat" cmpd="sng" algn="ctr">
                       <a:noFill/>
                       <a:prstDash val="solid"/>
                       <a:round/>
@@ -22986,8 +23315,160 @@
                     <a:noFill/>
                   </a:tcPr>
                 </a:tc>
+                <a:tc>
+                  <a:txBody>
+                    <a:bodyPr/>
+                    <a:lstStyle/>
+                    <a:p>
+                      <a:pPr marL="0" marR="0" lvl="0" indent="0" algn="l" defTabSz="685792" rtl="0" eaLnBrk="1" fontAlgn="auto" latinLnBrk="0" hangingPunct="1">
+                        <a:lnSpc>
+                          <a:spcPct val="130000"/>
+                        </a:lnSpc>
+                        <a:spcBef>
+                          <a:spcPts val="0"/>
+                        </a:spcBef>
+                        <a:spcAft>
+                          <a:spcPts val="0"/>
+                        </a:spcAft>
+                        <a:buClrTx/>
+                        <a:buSzTx/>
+                        <a:buFontTx/>
+                        <a:buNone/>
+                        <a:tabLst/>
+                        <a:defRPr/>
+                      </a:pPr>
+                      <a:endParaRPr lang="en-US" altLang="zh-CN" sz="1200" b="0" kern="1200" dirty="0">
+                        <a:solidFill>
+                          <a:schemeClr val="tx1">
+                            <a:lumMod val="75000"/>
+                            <a:lumOff val="25000"/>
+                          </a:schemeClr>
+                        </a:solidFill>
+                        <a:latin typeface="+mn-lt"/>
+                        <a:ea typeface="+mn-ea"/>
+                        <a:cs typeface="+mn-ea"/>
+                        <a:sym typeface="+mn-lt"/>
+                      </a:endParaRPr>
+                    </a:p>
+                  </a:txBody>
+                  <a:tcPr marL="108666" marR="108666" marT="108522" marB="108522" anchor="ctr">
+                    <a:lnL w="3175" cap="flat" cmpd="sng" algn="ctr">
+                      <a:noFill/>
+                      <a:prstDash val="solid"/>
+                      <a:round/>
+                      <a:headEnd type="none" w="med" len="med"/>
+                      <a:tailEnd type="none" w="med" len="med"/>
+                    </a:lnL>
+                    <a:lnR w="57150" cap="flat" cmpd="sng" algn="ctr">
+                      <a:noFill/>
+                      <a:prstDash val="solid"/>
+                      <a:round/>
+                      <a:headEnd type="none" w="med" len="med"/>
+                      <a:tailEnd type="none" w="med" len="med"/>
+                    </a:lnR>
+                    <a:lnT w="6350" cap="flat" cmpd="sng" algn="ctr">
+                      <a:noFill/>
+                      <a:prstDash val="solid"/>
+                      <a:round/>
+                      <a:headEnd type="none" w="med" len="med"/>
+                      <a:tailEnd type="none" w="med" len="med"/>
+                    </a:lnT>
+                    <a:lnB w="3175" cap="flat" cmpd="sng" algn="ctr">
+                      <a:noFill/>
+                      <a:prstDash val="sysDot"/>
+                      <a:round/>
+                      <a:headEnd type="none" w="med" len="med"/>
+                      <a:tailEnd type="none" w="med" len="med"/>
+                    </a:lnB>
+                    <a:lnTlToBr w="12700" cmpd="sng">
+                      <a:noFill/>
+                      <a:prstDash val="solid"/>
+                    </a:lnTlToBr>
+                    <a:lnBlToTr w="12700" cmpd="sng">
+                      <a:noFill/>
+                      <a:prstDash val="solid"/>
+                    </a:lnBlToTr>
+                    <a:noFill/>
+                  </a:tcPr>
+                </a:tc>
+                <a:tc>
+                  <a:txBody>
+                    <a:bodyPr/>
+                    <a:lstStyle/>
+                    <a:p>
+                      <a:pPr marL="0" marR="0" lvl="0" indent="0" algn="l" defTabSz="685792" rtl="0" eaLnBrk="1" fontAlgn="auto" latinLnBrk="0" hangingPunct="1">
+                        <a:lnSpc>
+                          <a:spcPct val="130000"/>
+                        </a:lnSpc>
+                        <a:spcBef>
+                          <a:spcPts val="0"/>
+                        </a:spcBef>
+                        <a:spcAft>
+                          <a:spcPts val="0"/>
+                        </a:spcAft>
+                        <a:buClrTx/>
+                        <a:buSzTx/>
+                        <a:buFontTx/>
+                        <a:buNone/>
+                        <a:tabLst/>
+                        <a:defRPr/>
+                      </a:pPr>
+                      <a:endParaRPr lang="en-US" altLang="zh-CN" sz="1200" b="0" kern="1200" dirty="0">
+                        <a:solidFill>
+                          <a:schemeClr val="tx1">
+                            <a:lumMod val="75000"/>
+                            <a:lumOff val="25000"/>
+                          </a:schemeClr>
+                        </a:solidFill>
+                        <a:latin typeface="+mn-lt"/>
+                        <a:ea typeface="+mn-ea"/>
+                        <a:cs typeface="+mn-ea"/>
+                        <a:sym typeface="+mn-lt"/>
+                      </a:endParaRPr>
+                    </a:p>
+                  </a:txBody>
+                  <a:tcPr marL="108666" marR="108666" marT="108522" marB="108522" anchor="ctr">
+                    <a:lnL w="3175" cap="flat" cmpd="sng" algn="ctr">
+                      <a:noFill/>
+                      <a:prstDash val="solid"/>
+                      <a:round/>
+                      <a:headEnd type="none" w="med" len="med"/>
+                      <a:tailEnd type="none" w="med" len="med"/>
+                    </a:lnL>
+                    <a:lnR w="57150" cap="flat" cmpd="sng" algn="ctr">
+                      <a:noFill/>
+                      <a:prstDash val="solid"/>
+                      <a:round/>
+                      <a:headEnd type="none" w="med" len="med"/>
+                      <a:tailEnd type="none" w="med" len="med"/>
+                    </a:lnR>
+                    <a:lnT w="6350" cap="flat" cmpd="sng" algn="ctr">
+                      <a:noFill/>
+                      <a:prstDash val="solid"/>
+                      <a:round/>
+                      <a:headEnd type="none" w="med" len="med"/>
+                      <a:tailEnd type="none" w="med" len="med"/>
+                    </a:lnT>
+                    <a:lnB w="3175" cap="flat" cmpd="sng" algn="ctr">
+                      <a:noFill/>
+                      <a:prstDash val="sysDot"/>
+                      <a:round/>
+                      <a:headEnd type="none" w="med" len="med"/>
+                      <a:tailEnd type="none" w="med" len="med"/>
+                    </a:lnB>
+                    <a:lnTlToBr w="12700" cmpd="sng">
+                      <a:noFill/>
+                      <a:prstDash val="solid"/>
+                    </a:lnTlToBr>
+                    <a:lnBlToTr w="12700" cmpd="sng">
+                      <a:noFill/>
+                      <a:prstDash val="solid"/>
+                    </a:lnBlToTr>
+                    <a:noFill/>
+                  </a:tcPr>
+                </a:tc>
               </a:tr>
-              <a:tr h="406400">
+              <a:tr h="0">
                 <a:tc>
                   <a:txBody>
                     <a:bodyPr/>
@@ -23033,6 +23514,166 @@
                       <a:tailEnd type="none" w="med" len="med"/>
                     </a:lnL>
                     <a:lnR w="3175" cap="flat" cmpd="sng" algn="ctr">
+                      <a:noFill/>
+                      <a:prstDash val="solid"/>
+                      <a:round/>
+                      <a:headEnd type="none" w="med" len="med"/>
+                      <a:tailEnd type="none" w="med" len="med"/>
+                    </a:lnR>
+                    <a:lnT w="6350" cap="flat" cmpd="sng" algn="ctr">
+                      <a:noFill/>
+                      <a:prstDash val="solid"/>
+                      <a:round/>
+                      <a:headEnd type="none" w="med" len="med"/>
+                      <a:tailEnd type="none" w="med" len="med"/>
+                    </a:lnT>
+                    <a:lnB w="3175" cap="flat" cmpd="sng" algn="ctr">
+                      <a:solidFill>
+                        <a:schemeClr val="bg1">
+                          <a:lumMod val="75000"/>
+                        </a:schemeClr>
+                      </a:solidFill>
+                      <a:prstDash val="sysDot"/>
+                      <a:round/>
+                      <a:headEnd type="none" w="med" len="med"/>
+                      <a:tailEnd type="none" w="med" len="med"/>
+                    </a:lnB>
+                    <a:lnTlToBr w="12700" cmpd="sng">
+                      <a:noFill/>
+                      <a:prstDash val="solid"/>
+                    </a:lnTlToBr>
+                    <a:lnBlToTr w="12700" cmpd="sng">
+                      <a:noFill/>
+                      <a:prstDash val="solid"/>
+                    </a:lnBlToTr>
+                    <a:noFill/>
+                  </a:tcPr>
+                </a:tc>
+                <a:tc>
+                  <a:txBody>
+                    <a:bodyPr/>
+                    <a:lstStyle/>
+                    <a:p>
+                      <a:pPr marL="0" marR="0" lvl="0" indent="0" algn="l" defTabSz="685792" rtl="0" eaLnBrk="1" fontAlgn="auto" latinLnBrk="0" hangingPunct="1">
+                        <a:lnSpc>
+                          <a:spcPct val="130000"/>
+                        </a:lnSpc>
+                        <a:spcBef>
+                          <a:spcPts val="0"/>
+                        </a:spcBef>
+                        <a:spcAft>
+                          <a:spcPts val="0"/>
+                        </a:spcAft>
+                        <a:buClrTx/>
+                        <a:buSzTx/>
+                        <a:buFontTx/>
+                        <a:buNone/>
+                        <a:tabLst/>
+                        <a:defRPr/>
+                      </a:pPr>
+                      <a:endParaRPr lang="en-US" altLang="zh-CN" sz="1200" b="0" kern="1200" dirty="0">
+                        <a:solidFill>
+                          <a:schemeClr val="tx1">
+                            <a:lumMod val="75000"/>
+                            <a:lumOff val="25000"/>
+                          </a:schemeClr>
+                        </a:solidFill>
+                        <a:latin typeface="+mn-lt"/>
+                        <a:ea typeface="+mn-ea"/>
+                        <a:cs typeface="+mn-ea"/>
+                        <a:sym typeface="+mn-lt"/>
+                      </a:endParaRPr>
+                    </a:p>
+                  </a:txBody>
+                  <a:tcPr marL="108666" marR="108666" marT="108522" marB="108522" anchor="ctr">
+                    <a:lnL w="3175" cap="flat" cmpd="sng" algn="ctr">
+                      <a:noFill/>
+                      <a:prstDash val="solid"/>
+                      <a:round/>
+                      <a:headEnd type="none" w="med" len="med"/>
+                      <a:tailEnd type="none" w="med" len="med"/>
+                    </a:lnL>
+                    <a:lnR w="57150" cap="flat" cmpd="sng" algn="ctr">
+                      <a:noFill/>
+                      <a:prstDash val="solid"/>
+                      <a:round/>
+                      <a:headEnd type="none" w="med" len="med"/>
+                      <a:tailEnd type="none" w="med" len="med"/>
+                    </a:lnR>
+                    <a:lnT w="6350" cap="flat" cmpd="sng" algn="ctr">
+                      <a:noFill/>
+                      <a:prstDash val="solid"/>
+                      <a:round/>
+                      <a:headEnd type="none" w="med" len="med"/>
+                      <a:tailEnd type="none" w="med" len="med"/>
+                    </a:lnT>
+                    <a:lnB w="3175" cap="flat" cmpd="sng" algn="ctr">
+                      <a:solidFill>
+                        <a:schemeClr val="bg1">
+                          <a:lumMod val="75000"/>
+                        </a:schemeClr>
+                      </a:solidFill>
+                      <a:prstDash val="sysDot"/>
+                      <a:round/>
+                      <a:headEnd type="none" w="med" len="med"/>
+                      <a:tailEnd type="none" w="med" len="med"/>
+                    </a:lnB>
+                    <a:lnTlToBr w="12700" cmpd="sng">
+                      <a:noFill/>
+                      <a:prstDash val="solid"/>
+                    </a:lnTlToBr>
+                    <a:lnBlToTr w="12700" cmpd="sng">
+                      <a:noFill/>
+                      <a:prstDash val="solid"/>
+                    </a:lnBlToTr>
+                    <a:noFill/>
+                  </a:tcPr>
+                </a:tc>
+                <a:tc>
+                  <a:txBody>
+                    <a:bodyPr/>
+                    <a:lstStyle/>
+                    <a:p>
+                      <a:pPr marL="0" marR="0" lvl="0" indent="0" algn="l" defTabSz="685792" rtl="0" eaLnBrk="1" fontAlgn="auto" latinLnBrk="0" hangingPunct="1">
+                        <a:lnSpc>
+                          <a:spcPct val="130000"/>
+                        </a:lnSpc>
+                        <a:spcBef>
+                          <a:spcPts val="0"/>
+                        </a:spcBef>
+                        <a:spcAft>
+                          <a:spcPts val="0"/>
+                        </a:spcAft>
+                        <a:buClrTx/>
+                        <a:buSzTx/>
+                        <a:buFontTx/>
+                        <a:buNone/>
+                        <a:tabLst/>
+                        <a:defRPr/>
+                      </a:pPr>
+                      <a:endParaRPr lang="en-US" altLang="zh-CN" sz="1200" b="0" kern="1200" dirty="0">
+                        <a:solidFill>
+                          <a:schemeClr val="tx1">
+                            <a:lumMod val="75000"/>
+                            <a:lumOff val="25000"/>
+                          </a:schemeClr>
+                        </a:solidFill>
+                        <a:latin typeface="+mn-lt"/>
+                        <a:ea typeface="+mn-ea"/>
+                        <a:cs typeface="+mn-ea"/>
+                        <a:sym typeface="+mn-lt"/>
+                      </a:endParaRPr>
+                    </a:p>
+                  </a:txBody>
+                  <a:tcPr marL="108666" marR="108666" marT="108522" marB="108522" anchor="ctr">
+                    <a:lnL w="3175" cap="flat" cmpd="sng" algn="ctr">
+                      <a:noFill/>
+                      <a:prstDash val="solid"/>
+                      <a:round/>
+                      <a:headEnd type="none" w="med" len="med"/>
+                      <a:tailEnd type="none" w="med" len="med"/>
+                    </a:lnL>
+                    <a:lnR w="57150" cap="flat" cmpd="sng" algn="ctr">
                       <a:noFill/>
                       <a:prstDash val="solid"/>
                       <a:round/>
@@ -23979,6 +24620,174 @@
                     <a:noFill/>
                   </a:tcPr>
                 </a:tc>
+                <a:tc>
+                  <a:txBody>
+                    <a:bodyPr/>
+                    <a:lstStyle/>
+                    <a:p>
+                      <a:pPr marL="0" marR="0" lvl="0" indent="0" algn="l" defTabSz="685792" rtl="0" eaLnBrk="1" fontAlgn="auto" latinLnBrk="0" hangingPunct="1">
+                        <a:lnSpc>
+                          <a:spcPct val="130000"/>
+                        </a:lnSpc>
+                        <a:spcBef>
+                          <a:spcPts val="0"/>
+                        </a:spcBef>
+                        <a:spcAft>
+                          <a:spcPts val="0"/>
+                        </a:spcAft>
+                        <a:buClrTx/>
+                        <a:buSzTx/>
+                        <a:buFontTx/>
+                        <a:buNone/>
+                        <a:tabLst/>
+                        <a:defRPr/>
+                      </a:pPr>
+                      <a:endParaRPr lang="zh-CN" altLang="en-US" sz="1200" b="0" kern="1200" dirty="0">
+                        <a:solidFill>
+                          <a:schemeClr val="tx1">
+                            <a:lumMod val="75000"/>
+                            <a:lumOff val="25000"/>
+                          </a:schemeClr>
+                        </a:solidFill>
+                        <a:latin typeface="+mn-lt"/>
+                        <a:ea typeface="+mn-ea"/>
+                        <a:cs typeface="+mn-ea"/>
+                        <a:sym typeface="+mn-lt"/>
+                      </a:endParaRPr>
+                    </a:p>
+                  </a:txBody>
+                  <a:tcPr marL="108666" marR="108666" marT="108522" marB="108522" anchor="ctr">
+                    <a:lnL w="3175" cap="flat" cmpd="sng" algn="ctr">
+                      <a:noFill/>
+                      <a:prstDash val="solid"/>
+                      <a:round/>
+                      <a:headEnd type="none" w="med" len="med"/>
+                      <a:tailEnd type="none" w="med" len="med"/>
+                    </a:lnL>
+                    <a:lnR w="57150" cap="flat" cmpd="sng" algn="ctr">
+                      <a:noFill/>
+                      <a:prstDash val="solid"/>
+                      <a:round/>
+                      <a:headEnd type="none" w="med" len="med"/>
+                      <a:tailEnd type="none" w="med" len="med"/>
+                    </a:lnR>
+                    <a:lnT w="3175" cap="flat" cmpd="sng" algn="ctr">
+                      <a:solidFill>
+                        <a:schemeClr val="bg1">
+                          <a:lumMod val="75000"/>
+                        </a:schemeClr>
+                      </a:solidFill>
+                      <a:prstDash val="sysDot"/>
+                      <a:round/>
+                      <a:headEnd type="none" w="med" len="med"/>
+                      <a:tailEnd type="none" w="med" len="med"/>
+                    </a:lnT>
+                    <a:lnB w="3175" cap="flat" cmpd="sng" algn="ctr">
+                      <a:solidFill>
+                        <a:schemeClr val="bg1">
+                          <a:lumMod val="75000"/>
+                        </a:schemeClr>
+                      </a:solidFill>
+                      <a:prstDash val="sysDot"/>
+                      <a:round/>
+                      <a:headEnd type="none" w="med" len="med"/>
+                      <a:tailEnd type="none" w="med" len="med"/>
+                    </a:lnB>
+                    <a:lnTlToBr w="12700" cmpd="sng">
+                      <a:noFill/>
+                      <a:prstDash val="solid"/>
+                    </a:lnTlToBr>
+                    <a:lnBlToTr w="12700" cmpd="sng">
+                      <a:noFill/>
+                      <a:prstDash val="solid"/>
+                    </a:lnBlToTr>
+                    <a:noFill/>
+                  </a:tcPr>
+                </a:tc>
+                <a:tc>
+                  <a:txBody>
+                    <a:bodyPr/>
+                    <a:lstStyle/>
+                    <a:p>
+                      <a:pPr marL="0" marR="0" lvl="0" indent="0" algn="l" defTabSz="685792" rtl="0" eaLnBrk="1" fontAlgn="auto" latinLnBrk="0" hangingPunct="1">
+                        <a:lnSpc>
+                          <a:spcPct val="130000"/>
+                        </a:lnSpc>
+                        <a:spcBef>
+                          <a:spcPts val="0"/>
+                        </a:spcBef>
+                        <a:spcAft>
+                          <a:spcPts val="0"/>
+                        </a:spcAft>
+                        <a:buClrTx/>
+                        <a:buSzTx/>
+                        <a:buFontTx/>
+                        <a:buNone/>
+                        <a:tabLst/>
+                        <a:defRPr/>
+                      </a:pPr>
+                      <a:endParaRPr lang="zh-CN" altLang="en-US" sz="1200" b="0" kern="1200" dirty="0">
+                        <a:solidFill>
+                          <a:schemeClr val="tx1">
+                            <a:lumMod val="75000"/>
+                            <a:lumOff val="25000"/>
+                          </a:schemeClr>
+                        </a:solidFill>
+                        <a:latin typeface="+mn-lt"/>
+                        <a:ea typeface="+mn-ea"/>
+                        <a:cs typeface="+mn-ea"/>
+                        <a:sym typeface="+mn-lt"/>
+                      </a:endParaRPr>
+                    </a:p>
+                  </a:txBody>
+                  <a:tcPr marL="108666" marR="108666" marT="108522" marB="108522" anchor="ctr">
+                    <a:lnL w="3175" cap="flat" cmpd="sng" algn="ctr">
+                      <a:noFill/>
+                      <a:prstDash val="solid"/>
+                      <a:round/>
+                      <a:headEnd type="none" w="med" len="med"/>
+                      <a:tailEnd type="none" w="med" len="med"/>
+                    </a:lnL>
+                    <a:lnR w="57150" cap="flat" cmpd="sng" algn="ctr">
+                      <a:noFill/>
+                      <a:prstDash val="solid"/>
+                      <a:round/>
+                      <a:headEnd type="none" w="med" len="med"/>
+                      <a:tailEnd type="none" w="med" len="med"/>
+                    </a:lnR>
+                    <a:lnT w="3175" cap="flat" cmpd="sng" algn="ctr">
+                      <a:solidFill>
+                        <a:schemeClr val="bg1">
+                          <a:lumMod val="75000"/>
+                        </a:schemeClr>
+                      </a:solidFill>
+                      <a:prstDash val="sysDot"/>
+                      <a:round/>
+                      <a:headEnd type="none" w="med" len="med"/>
+                      <a:tailEnd type="none" w="med" len="med"/>
+                    </a:lnT>
+                    <a:lnB w="3175" cap="flat" cmpd="sng" algn="ctr">
+                      <a:solidFill>
+                        <a:schemeClr val="bg1">
+                          <a:lumMod val="75000"/>
+                        </a:schemeClr>
+                      </a:solidFill>
+                      <a:prstDash val="sysDot"/>
+                      <a:round/>
+                      <a:headEnd type="none" w="med" len="med"/>
+                      <a:tailEnd type="none" w="med" len="med"/>
+                    </a:lnB>
+                    <a:lnTlToBr w="12700" cmpd="sng">
+                      <a:noFill/>
+                      <a:prstDash val="solid"/>
+                    </a:lnTlToBr>
+                    <a:lnBlToTr w="12700" cmpd="sng">
+                      <a:noFill/>
+                      <a:prstDash val="solid"/>
+                    </a:lnBlToTr>
+                    <a:noFill/>
+                  </a:tcPr>
+                </a:tc>
                 <a:extLst>
                   <a:ext uri="{0D108BD9-81ED-4DB2-BD59-A6C34878D82A}">
                     <a16:rowId xmlns="" xmlns:a16="http://schemas.microsoft.com/office/drawing/2014/main" val="10002"/>
@@ -24031,6 +24840,174 @@
                       <a:tailEnd type="none" w="med" len="med"/>
                     </a:lnL>
                     <a:lnR w="3175" cap="flat" cmpd="sng" algn="ctr">
+                      <a:noFill/>
+                      <a:prstDash val="solid"/>
+                      <a:round/>
+                      <a:headEnd type="none" w="med" len="med"/>
+                      <a:tailEnd type="none" w="med" len="med"/>
+                    </a:lnR>
+                    <a:lnT w="3175" cap="flat" cmpd="sng" algn="ctr">
+                      <a:solidFill>
+                        <a:schemeClr val="bg1">
+                          <a:lumMod val="75000"/>
+                        </a:schemeClr>
+                      </a:solidFill>
+                      <a:prstDash val="sysDot"/>
+                      <a:round/>
+                      <a:headEnd type="none" w="med" len="med"/>
+                      <a:tailEnd type="none" w="med" len="med"/>
+                    </a:lnT>
+                    <a:lnB w="3175" cap="flat" cmpd="sng" algn="ctr">
+                      <a:solidFill>
+                        <a:schemeClr val="bg1">
+                          <a:lumMod val="75000"/>
+                        </a:schemeClr>
+                      </a:solidFill>
+                      <a:prstDash val="sysDot"/>
+                      <a:round/>
+                      <a:headEnd type="none" w="med" len="med"/>
+                      <a:tailEnd type="none" w="med" len="med"/>
+                    </a:lnB>
+                    <a:lnTlToBr w="12700" cmpd="sng">
+                      <a:noFill/>
+                      <a:prstDash val="solid"/>
+                    </a:lnTlToBr>
+                    <a:lnBlToTr w="12700" cmpd="sng">
+                      <a:noFill/>
+                      <a:prstDash val="solid"/>
+                    </a:lnBlToTr>
+                    <a:noFill/>
+                  </a:tcPr>
+                </a:tc>
+                <a:tc>
+                  <a:txBody>
+                    <a:bodyPr/>
+                    <a:lstStyle/>
+                    <a:p>
+                      <a:pPr marL="0" marR="0" lvl="0" indent="0" algn="l" defTabSz="685792" rtl="0" eaLnBrk="1" fontAlgn="auto" latinLnBrk="0" hangingPunct="1">
+                        <a:lnSpc>
+                          <a:spcPct val="130000"/>
+                        </a:lnSpc>
+                        <a:spcBef>
+                          <a:spcPts val="0"/>
+                        </a:spcBef>
+                        <a:spcAft>
+                          <a:spcPts val="0"/>
+                        </a:spcAft>
+                        <a:buClrTx/>
+                        <a:buSzTx/>
+                        <a:buFontTx/>
+                        <a:buNone/>
+                        <a:tabLst/>
+                        <a:defRPr/>
+                      </a:pPr>
+                      <a:endParaRPr lang="zh-CN" altLang="en-US" sz="1200" b="0" kern="1200" dirty="0">
+                        <a:solidFill>
+                          <a:schemeClr val="tx1">
+                            <a:lumMod val="75000"/>
+                            <a:lumOff val="25000"/>
+                          </a:schemeClr>
+                        </a:solidFill>
+                        <a:latin typeface="+mn-lt"/>
+                        <a:ea typeface="+mn-ea"/>
+                        <a:cs typeface="+mn-ea"/>
+                        <a:sym typeface="+mn-lt"/>
+                      </a:endParaRPr>
+                    </a:p>
+                  </a:txBody>
+                  <a:tcPr marL="108666" marR="108666" marT="108522" marB="108522" anchor="ctr">
+                    <a:lnL w="3175" cap="flat" cmpd="sng" algn="ctr">
+                      <a:noFill/>
+                      <a:prstDash val="solid"/>
+                      <a:round/>
+                      <a:headEnd type="none" w="med" len="med"/>
+                      <a:tailEnd type="none" w="med" len="med"/>
+                    </a:lnL>
+                    <a:lnR w="57150" cap="flat" cmpd="sng" algn="ctr">
+                      <a:noFill/>
+                      <a:prstDash val="solid"/>
+                      <a:round/>
+                      <a:headEnd type="none" w="med" len="med"/>
+                      <a:tailEnd type="none" w="med" len="med"/>
+                    </a:lnR>
+                    <a:lnT w="3175" cap="flat" cmpd="sng" algn="ctr">
+                      <a:solidFill>
+                        <a:schemeClr val="bg1">
+                          <a:lumMod val="75000"/>
+                        </a:schemeClr>
+                      </a:solidFill>
+                      <a:prstDash val="sysDot"/>
+                      <a:round/>
+                      <a:headEnd type="none" w="med" len="med"/>
+                      <a:tailEnd type="none" w="med" len="med"/>
+                    </a:lnT>
+                    <a:lnB w="3175" cap="flat" cmpd="sng" algn="ctr">
+                      <a:solidFill>
+                        <a:schemeClr val="bg1">
+                          <a:lumMod val="75000"/>
+                        </a:schemeClr>
+                      </a:solidFill>
+                      <a:prstDash val="sysDot"/>
+                      <a:round/>
+                      <a:headEnd type="none" w="med" len="med"/>
+                      <a:tailEnd type="none" w="med" len="med"/>
+                    </a:lnB>
+                    <a:lnTlToBr w="12700" cmpd="sng">
+                      <a:noFill/>
+                      <a:prstDash val="solid"/>
+                    </a:lnTlToBr>
+                    <a:lnBlToTr w="12700" cmpd="sng">
+                      <a:noFill/>
+                      <a:prstDash val="solid"/>
+                    </a:lnBlToTr>
+                    <a:noFill/>
+                  </a:tcPr>
+                </a:tc>
+                <a:tc>
+                  <a:txBody>
+                    <a:bodyPr/>
+                    <a:lstStyle/>
+                    <a:p>
+                      <a:pPr marL="0" marR="0" lvl="0" indent="0" algn="l" defTabSz="685792" rtl="0" eaLnBrk="1" fontAlgn="auto" latinLnBrk="0" hangingPunct="1">
+                        <a:lnSpc>
+                          <a:spcPct val="130000"/>
+                        </a:lnSpc>
+                        <a:spcBef>
+                          <a:spcPts val="0"/>
+                        </a:spcBef>
+                        <a:spcAft>
+                          <a:spcPts val="0"/>
+                        </a:spcAft>
+                        <a:buClrTx/>
+                        <a:buSzTx/>
+                        <a:buFontTx/>
+                        <a:buNone/>
+                        <a:tabLst/>
+                        <a:defRPr/>
+                      </a:pPr>
+                      <a:endParaRPr lang="zh-CN" altLang="en-US" sz="1200" b="0" kern="1200" dirty="0">
+                        <a:solidFill>
+                          <a:schemeClr val="tx1">
+                            <a:lumMod val="75000"/>
+                            <a:lumOff val="25000"/>
+                          </a:schemeClr>
+                        </a:solidFill>
+                        <a:latin typeface="+mn-lt"/>
+                        <a:ea typeface="+mn-ea"/>
+                        <a:cs typeface="+mn-ea"/>
+                        <a:sym typeface="+mn-lt"/>
+                      </a:endParaRPr>
+                    </a:p>
+                  </a:txBody>
+                  <a:tcPr marL="108666" marR="108666" marT="108522" marB="108522" anchor="ctr">
+                    <a:lnL w="3175" cap="flat" cmpd="sng" algn="ctr">
+                      <a:noFill/>
+                      <a:prstDash val="solid"/>
+                      <a:round/>
+                      <a:headEnd type="none" w="med" len="med"/>
+                      <a:tailEnd type="none" w="med" len="med"/>
+                    </a:lnL>
+                    <a:lnR w="57150" cap="flat" cmpd="sng" algn="ctr">
                       <a:noFill/>
                       <a:prstDash val="solid"/>
                       <a:round/>
@@ -25001,6 +25978,174 @@
                     <a:noFill/>
                   </a:tcPr>
                 </a:tc>
+                <a:tc>
+                  <a:txBody>
+                    <a:bodyPr/>
+                    <a:lstStyle/>
+                    <a:p>
+                      <a:pPr marL="0" marR="0" lvl="0" indent="0" algn="l" defTabSz="685792" rtl="0" eaLnBrk="1" fontAlgn="auto" latinLnBrk="0" hangingPunct="1">
+                        <a:lnSpc>
+                          <a:spcPct val="130000"/>
+                        </a:lnSpc>
+                        <a:spcBef>
+                          <a:spcPts val="0"/>
+                        </a:spcBef>
+                        <a:spcAft>
+                          <a:spcPts val="0"/>
+                        </a:spcAft>
+                        <a:buClrTx/>
+                        <a:buSzTx/>
+                        <a:buFontTx/>
+                        <a:buNone/>
+                        <a:tabLst/>
+                        <a:defRPr/>
+                      </a:pPr>
+                      <a:endParaRPr lang="zh-CN" altLang="en-US" sz="1200" b="0" kern="1200" dirty="0">
+                        <a:solidFill>
+                          <a:schemeClr val="tx1">
+                            <a:lumMod val="75000"/>
+                            <a:lumOff val="25000"/>
+                          </a:schemeClr>
+                        </a:solidFill>
+                        <a:latin typeface="+mn-lt"/>
+                        <a:ea typeface="+mn-ea"/>
+                        <a:cs typeface="+mn-ea"/>
+                        <a:sym typeface="+mn-lt"/>
+                      </a:endParaRPr>
+                    </a:p>
+                  </a:txBody>
+                  <a:tcPr marL="108666" marR="108666" marT="108522" marB="108522" anchor="ctr">
+                    <a:lnL w="3175" cap="flat" cmpd="sng" algn="ctr">
+                      <a:noFill/>
+                      <a:prstDash val="solid"/>
+                      <a:round/>
+                      <a:headEnd type="none" w="med" len="med"/>
+                      <a:tailEnd type="none" w="med" len="med"/>
+                    </a:lnL>
+                    <a:lnR w="57150" cap="flat" cmpd="sng" algn="ctr">
+                      <a:noFill/>
+                      <a:prstDash val="solid"/>
+                      <a:round/>
+                      <a:headEnd type="none" w="med" len="med"/>
+                      <a:tailEnd type="none" w="med" len="med"/>
+                    </a:lnR>
+                    <a:lnT w="3175" cap="flat" cmpd="sng" algn="ctr">
+                      <a:solidFill>
+                        <a:schemeClr val="bg1">
+                          <a:lumMod val="75000"/>
+                        </a:schemeClr>
+                      </a:solidFill>
+                      <a:prstDash val="sysDot"/>
+                      <a:round/>
+                      <a:headEnd type="none" w="med" len="med"/>
+                      <a:tailEnd type="none" w="med" len="med"/>
+                    </a:lnT>
+                    <a:lnB w="3175" cap="flat" cmpd="sng" algn="ctr">
+                      <a:solidFill>
+                        <a:schemeClr val="bg1">
+                          <a:lumMod val="75000"/>
+                        </a:schemeClr>
+                      </a:solidFill>
+                      <a:prstDash val="sysDot"/>
+                      <a:round/>
+                      <a:headEnd type="none" w="med" len="med"/>
+                      <a:tailEnd type="none" w="med" len="med"/>
+                    </a:lnB>
+                    <a:lnTlToBr w="12700" cmpd="sng">
+                      <a:noFill/>
+                      <a:prstDash val="solid"/>
+                    </a:lnTlToBr>
+                    <a:lnBlToTr w="12700" cmpd="sng">
+                      <a:noFill/>
+                      <a:prstDash val="solid"/>
+                    </a:lnBlToTr>
+                    <a:noFill/>
+                  </a:tcPr>
+                </a:tc>
+                <a:tc>
+                  <a:txBody>
+                    <a:bodyPr/>
+                    <a:lstStyle/>
+                    <a:p>
+                      <a:pPr marL="0" marR="0" lvl="0" indent="0" algn="l" defTabSz="685792" rtl="0" eaLnBrk="1" fontAlgn="auto" latinLnBrk="0" hangingPunct="1">
+                        <a:lnSpc>
+                          <a:spcPct val="130000"/>
+                        </a:lnSpc>
+                        <a:spcBef>
+                          <a:spcPts val="0"/>
+                        </a:spcBef>
+                        <a:spcAft>
+                          <a:spcPts val="0"/>
+                        </a:spcAft>
+                        <a:buClrTx/>
+                        <a:buSzTx/>
+                        <a:buFontTx/>
+                        <a:buNone/>
+                        <a:tabLst/>
+                        <a:defRPr/>
+                      </a:pPr>
+                      <a:endParaRPr lang="zh-CN" altLang="en-US" sz="1200" b="0" kern="1200" dirty="0">
+                        <a:solidFill>
+                          <a:schemeClr val="tx1">
+                            <a:lumMod val="75000"/>
+                            <a:lumOff val="25000"/>
+                          </a:schemeClr>
+                        </a:solidFill>
+                        <a:latin typeface="+mn-lt"/>
+                        <a:ea typeface="+mn-ea"/>
+                        <a:cs typeface="+mn-ea"/>
+                        <a:sym typeface="+mn-lt"/>
+                      </a:endParaRPr>
+                    </a:p>
+                  </a:txBody>
+                  <a:tcPr marL="108666" marR="108666" marT="108522" marB="108522" anchor="ctr">
+                    <a:lnL w="3175" cap="flat" cmpd="sng" algn="ctr">
+                      <a:noFill/>
+                      <a:prstDash val="solid"/>
+                      <a:round/>
+                      <a:headEnd type="none" w="med" len="med"/>
+                      <a:tailEnd type="none" w="med" len="med"/>
+                    </a:lnL>
+                    <a:lnR w="57150" cap="flat" cmpd="sng" algn="ctr">
+                      <a:noFill/>
+                      <a:prstDash val="solid"/>
+                      <a:round/>
+                      <a:headEnd type="none" w="med" len="med"/>
+                      <a:tailEnd type="none" w="med" len="med"/>
+                    </a:lnR>
+                    <a:lnT w="3175" cap="flat" cmpd="sng" algn="ctr">
+                      <a:solidFill>
+                        <a:schemeClr val="bg1">
+                          <a:lumMod val="75000"/>
+                        </a:schemeClr>
+                      </a:solidFill>
+                      <a:prstDash val="sysDot"/>
+                      <a:round/>
+                      <a:headEnd type="none" w="med" len="med"/>
+                      <a:tailEnd type="none" w="med" len="med"/>
+                    </a:lnT>
+                    <a:lnB w="3175" cap="flat" cmpd="sng" algn="ctr">
+                      <a:solidFill>
+                        <a:schemeClr val="bg1">
+                          <a:lumMod val="75000"/>
+                        </a:schemeClr>
+                      </a:solidFill>
+                      <a:prstDash val="sysDot"/>
+                      <a:round/>
+                      <a:headEnd type="none" w="med" len="med"/>
+                      <a:tailEnd type="none" w="med" len="med"/>
+                    </a:lnB>
+                    <a:lnTlToBr w="12700" cmpd="sng">
+                      <a:noFill/>
+                      <a:prstDash val="solid"/>
+                    </a:lnTlToBr>
+                    <a:lnBlToTr w="12700" cmpd="sng">
+                      <a:noFill/>
+                      <a:prstDash val="solid"/>
+                    </a:lnBlToTr>
+                    <a:noFill/>
+                  </a:tcPr>
+                </a:tc>
               </a:tr>
               <a:tr h="474724">
                 <a:tc>
@@ -25048,6 +26193,174 @@
                       <a:tailEnd type="none" w="med" len="med"/>
                     </a:lnL>
                     <a:lnR w="3175" cap="flat" cmpd="sng" algn="ctr">
+                      <a:noFill/>
+                      <a:prstDash val="solid"/>
+                      <a:round/>
+                      <a:headEnd type="none" w="med" len="med"/>
+                      <a:tailEnd type="none" w="med" len="med"/>
+                    </a:lnR>
+                    <a:lnT w="3175" cap="flat" cmpd="sng" algn="ctr">
+                      <a:solidFill>
+                        <a:schemeClr val="bg1">
+                          <a:lumMod val="75000"/>
+                        </a:schemeClr>
+                      </a:solidFill>
+                      <a:prstDash val="sysDot"/>
+                      <a:round/>
+                      <a:headEnd type="none" w="med" len="med"/>
+                      <a:tailEnd type="none" w="med" len="med"/>
+                    </a:lnT>
+                    <a:lnB w="3175" cap="flat" cmpd="sng" algn="ctr">
+                      <a:solidFill>
+                        <a:schemeClr val="bg1">
+                          <a:lumMod val="75000"/>
+                        </a:schemeClr>
+                      </a:solidFill>
+                      <a:prstDash val="sysDot"/>
+                      <a:round/>
+                      <a:headEnd type="none" w="med" len="med"/>
+                      <a:tailEnd type="none" w="med" len="med"/>
+                    </a:lnB>
+                    <a:lnTlToBr w="12700" cmpd="sng">
+                      <a:noFill/>
+                      <a:prstDash val="solid"/>
+                    </a:lnTlToBr>
+                    <a:lnBlToTr w="12700" cmpd="sng">
+                      <a:noFill/>
+                      <a:prstDash val="solid"/>
+                    </a:lnBlToTr>
+                    <a:noFill/>
+                  </a:tcPr>
+                </a:tc>
+                <a:tc>
+                  <a:txBody>
+                    <a:bodyPr/>
+                    <a:lstStyle/>
+                    <a:p>
+                      <a:pPr marL="0" marR="0" lvl="0" indent="0" algn="l" defTabSz="685792" rtl="0" eaLnBrk="1" fontAlgn="auto" latinLnBrk="0" hangingPunct="1">
+                        <a:lnSpc>
+                          <a:spcPct val="130000"/>
+                        </a:lnSpc>
+                        <a:spcBef>
+                          <a:spcPts val="0"/>
+                        </a:spcBef>
+                        <a:spcAft>
+                          <a:spcPts val="0"/>
+                        </a:spcAft>
+                        <a:buClrTx/>
+                        <a:buSzTx/>
+                        <a:buFontTx/>
+                        <a:buNone/>
+                        <a:tabLst/>
+                        <a:defRPr/>
+                      </a:pPr>
+                      <a:endParaRPr lang="zh-CN" altLang="en-US" sz="1200" b="0" kern="1200" dirty="0">
+                        <a:solidFill>
+                          <a:schemeClr val="tx1">
+                            <a:lumMod val="75000"/>
+                            <a:lumOff val="25000"/>
+                          </a:schemeClr>
+                        </a:solidFill>
+                        <a:latin typeface="+mn-lt"/>
+                        <a:ea typeface="+mn-ea"/>
+                        <a:cs typeface="+mn-ea"/>
+                        <a:sym typeface="+mn-lt"/>
+                      </a:endParaRPr>
+                    </a:p>
+                  </a:txBody>
+                  <a:tcPr marL="108666" marR="108666" marT="108522" marB="108522" anchor="ctr">
+                    <a:lnL w="3175" cap="flat" cmpd="sng" algn="ctr">
+                      <a:noFill/>
+                      <a:prstDash val="solid"/>
+                      <a:round/>
+                      <a:headEnd type="none" w="med" len="med"/>
+                      <a:tailEnd type="none" w="med" len="med"/>
+                    </a:lnL>
+                    <a:lnR w="57150" cap="flat" cmpd="sng" algn="ctr">
+                      <a:noFill/>
+                      <a:prstDash val="solid"/>
+                      <a:round/>
+                      <a:headEnd type="none" w="med" len="med"/>
+                      <a:tailEnd type="none" w="med" len="med"/>
+                    </a:lnR>
+                    <a:lnT w="3175" cap="flat" cmpd="sng" algn="ctr">
+                      <a:solidFill>
+                        <a:schemeClr val="bg1">
+                          <a:lumMod val="75000"/>
+                        </a:schemeClr>
+                      </a:solidFill>
+                      <a:prstDash val="sysDot"/>
+                      <a:round/>
+                      <a:headEnd type="none" w="med" len="med"/>
+                      <a:tailEnd type="none" w="med" len="med"/>
+                    </a:lnT>
+                    <a:lnB w="3175" cap="flat" cmpd="sng" algn="ctr">
+                      <a:solidFill>
+                        <a:schemeClr val="bg1">
+                          <a:lumMod val="75000"/>
+                        </a:schemeClr>
+                      </a:solidFill>
+                      <a:prstDash val="sysDot"/>
+                      <a:round/>
+                      <a:headEnd type="none" w="med" len="med"/>
+                      <a:tailEnd type="none" w="med" len="med"/>
+                    </a:lnB>
+                    <a:lnTlToBr w="12700" cmpd="sng">
+                      <a:noFill/>
+                      <a:prstDash val="solid"/>
+                    </a:lnTlToBr>
+                    <a:lnBlToTr w="12700" cmpd="sng">
+                      <a:noFill/>
+                      <a:prstDash val="solid"/>
+                    </a:lnBlToTr>
+                    <a:noFill/>
+                  </a:tcPr>
+                </a:tc>
+                <a:tc>
+                  <a:txBody>
+                    <a:bodyPr/>
+                    <a:lstStyle/>
+                    <a:p>
+                      <a:pPr marL="0" marR="0" lvl="0" indent="0" algn="l" defTabSz="685792" rtl="0" eaLnBrk="1" fontAlgn="auto" latinLnBrk="0" hangingPunct="1">
+                        <a:lnSpc>
+                          <a:spcPct val="130000"/>
+                        </a:lnSpc>
+                        <a:spcBef>
+                          <a:spcPts val="0"/>
+                        </a:spcBef>
+                        <a:spcAft>
+                          <a:spcPts val="0"/>
+                        </a:spcAft>
+                        <a:buClrTx/>
+                        <a:buSzTx/>
+                        <a:buFontTx/>
+                        <a:buNone/>
+                        <a:tabLst/>
+                        <a:defRPr/>
+                      </a:pPr>
+                      <a:endParaRPr lang="zh-CN" altLang="en-US" sz="1200" b="0" kern="1200" dirty="0">
+                        <a:solidFill>
+                          <a:schemeClr val="tx1">
+                            <a:lumMod val="75000"/>
+                            <a:lumOff val="25000"/>
+                          </a:schemeClr>
+                        </a:solidFill>
+                        <a:latin typeface="+mn-lt"/>
+                        <a:ea typeface="+mn-ea"/>
+                        <a:cs typeface="+mn-ea"/>
+                        <a:sym typeface="+mn-lt"/>
+                      </a:endParaRPr>
+                    </a:p>
+                  </a:txBody>
+                  <a:tcPr marL="108666" marR="108666" marT="108522" marB="108522" anchor="ctr">
+                    <a:lnL w="3175" cap="flat" cmpd="sng" algn="ctr">
+                      <a:noFill/>
+                      <a:prstDash val="solid"/>
+                      <a:round/>
+                      <a:headEnd type="none" w="med" len="med"/>
+                      <a:tailEnd type="none" w="med" len="med"/>
+                    </a:lnL>
+                    <a:lnR w="57150" cap="flat" cmpd="sng" algn="ctr">
                       <a:noFill/>
                       <a:prstDash val="solid"/>
                       <a:round/>
@@ -25554,6 +26867,174 @@
                       <a:tailEnd type="none" w="med" len="med"/>
                     </a:lnL>
                     <a:lnR w="3175" cap="flat" cmpd="sng" algn="ctr">
+                      <a:noFill/>
+                      <a:prstDash val="solid"/>
+                      <a:round/>
+                      <a:headEnd type="none" w="med" len="med"/>
+                      <a:tailEnd type="none" w="med" len="med"/>
+                    </a:lnR>
+                    <a:lnT w="3175" cap="flat" cmpd="sng" algn="ctr">
+                      <a:solidFill>
+                        <a:schemeClr val="bg1">
+                          <a:lumMod val="75000"/>
+                        </a:schemeClr>
+                      </a:solidFill>
+                      <a:prstDash val="sysDot"/>
+                      <a:round/>
+                      <a:headEnd type="none" w="med" len="med"/>
+                      <a:tailEnd type="none" w="med" len="med"/>
+                    </a:lnT>
+                    <a:lnB w="3175" cap="flat" cmpd="sng" algn="ctr">
+                      <a:solidFill>
+                        <a:schemeClr val="bg1">
+                          <a:lumMod val="75000"/>
+                        </a:schemeClr>
+                      </a:solidFill>
+                      <a:prstDash val="sysDot"/>
+                      <a:round/>
+                      <a:headEnd type="none" w="med" len="med"/>
+                      <a:tailEnd type="none" w="med" len="med"/>
+                    </a:lnB>
+                    <a:lnTlToBr w="12700" cmpd="sng">
+                      <a:noFill/>
+                      <a:prstDash val="solid"/>
+                    </a:lnTlToBr>
+                    <a:lnBlToTr w="12700" cmpd="sng">
+                      <a:noFill/>
+                      <a:prstDash val="solid"/>
+                    </a:lnBlToTr>
+                    <a:noFill/>
+                  </a:tcPr>
+                </a:tc>
+                <a:tc>
+                  <a:txBody>
+                    <a:bodyPr/>
+                    <a:lstStyle/>
+                    <a:p>
+                      <a:pPr marL="0" marR="0" lvl="0" indent="0" algn="l" defTabSz="685792" rtl="0" eaLnBrk="1" fontAlgn="auto" latinLnBrk="0" hangingPunct="1">
+                        <a:lnSpc>
+                          <a:spcPct val="130000"/>
+                        </a:lnSpc>
+                        <a:spcBef>
+                          <a:spcPts val="0"/>
+                        </a:spcBef>
+                        <a:spcAft>
+                          <a:spcPts val="0"/>
+                        </a:spcAft>
+                        <a:buClrTx/>
+                        <a:buSzTx/>
+                        <a:buFontTx/>
+                        <a:buNone/>
+                        <a:tabLst/>
+                        <a:defRPr/>
+                      </a:pPr>
+                      <a:endParaRPr lang="zh-CN" altLang="en-US" sz="1200" b="0" kern="1200" dirty="0">
+                        <a:solidFill>
+                          <a:schemeClr val="tx1">
+                            <a:lumMod val="75000"/>
+                            <a:lumOff val="25000"/>
+                          </a:schemeClr>
+                        </a:solidFill>
+                        <a:latin typeface="+mn-lt"/>
+                        <a:ea typeface="+mn-ea"/>
+                        <a:cs typeface="+mn-ea"/>
+                        <a:sym typeface="+mn-lt"/>
+                      </a:endParaRPr>
+                    </a:p>
+                  </a:txBody>
+                  <a:tcPr marL="108666" marR="108666" marT="108522" marB="108522" anchor="ctr">
+                    <a:lnL w="3175" cap="flat" cmpd="sng" algn="ctr">
+                      <a:noFill/>
+                      <a:prstDash val="solid"/>
+                      <a:round/>
+                      <a:headEnd type="none" w="med" len="med"/>
+                      <a:tailEnd type="none" w="med" len="med"/>
+                    </a:lnL>
+                    <a:lnR w="57150" cap="flat" cmpd="sng" algn="ctr">
+                      <a:noFill/>
+                      <a:prstDash val="solid"/>
+                      <a:round/>
+                      <a:headEnd type="none" w="med" len="med"/>
+                      <a:tailEnd type="none" w="med" len="med"/>
+                    </a:lnR>
+                    <a:lnT w="3175" cap="flat" cmpd="sng" algn="ctr">
+                      <a:solidFill>
+                        <a:schemeClr val="bg1">
+                          <a:lumMod val="75000"/>
+                        </a:schemeClr>
+                      </a:solidFill>
+                      <a:prstDash val="sysDot"/>
+                      <a:round/>
+                      <a:headEnd type="none" w="med" len="med"/>
+                      <a:tailEnd type="none" w="med" len="med"/>
+                    </a:lnT>
+                    <a:lnB w="3175" cap="flat" cmpd="sng" algn="ctr">
+                      <a:solidFill>
+                        <a:schemeClr val="bg1">
+                          <a:lumMod val="75000"/>
+                        </a:schemeClr>
+                      </a:solidFill>
+                      <a:prstDash val="sysDot"/>
+                      <a:round/>
+                      <a:headEnd type="none" w="med" len="med"/>
+                      <a:tailEnd type="none" w="med" len="med"/>
+                    </a:lnB>
+                    <a:lnTlToBr w="12700" cmpd="sng">
+                      <a:noFill/>
+                      <a:prstDash val="solid"/>
+                    </a:lnTlToBr>
+                    <a:lnBlToTr w="12700" cmpd="sng">
+                      <a:noFill/>
+                      <a:prstDash val="solid"/>
+                    </a:lnBlToTr>
+                    <a:noFill/>
+                  </a:tcPr>
+                </a:tc>
+                <a:tc>
+                  <a:txBody>
+                    <a:bodyPr/>
+                    <a:lstStyle/>
+                    <a:p>
+                      <a:pPr marL="0" marR="0" lvl="0" indent="0" algn="l" defTabSz="685792" rtl="0" eaLnBrk="1" fontAlgn="auto" latinLnBrk="0" hangingPunct="1">
+                        <a:lnSpc>
+                          <a:spcPct val="130000"/>
+                        </a:lnSpc>
+                        <a:spcBef>
+                          <a:spcPts val="0"/>
+                        </a:spcBef>
+                        <a:spcAft>
+                          <a:spcPts val="0"/>
+                        </a:spcAft>
+                        <a:buClrTx/>
+                        <a:buSzTx/>
+                        <a:buFontTx/>
+                        <a:buNone/>
+                        <a:tabLst/>
+                        <a:defRPr/>
+                      </a:pPr>
+                      <a:endParaRPr lang="zh-CN" altLang="en-US" sz="1200" b="0" kern="1200" dirty="0">
+                        <a:solidFill>
+                          <a:schemeClr val="tx1">
+                            <a:lumMod val="75000"/>
+                            <a:lumOff val="25000"/>
+                          </a:schemeClr>
+                        </a:solidFill>
+                        <a:latin typeface="+mn-lt"/>
+                        <a:ea typeface="+mn-ea"/>
+                        <a:cs typeface="+mn-ea"/>
+                        <a:sym typeface="+mn-lt"/>
+                      </a:endParaRPr>
+                    </a:p>
+                  </a:txBody>
+                  <a:tcPr marL="108666" marR="108666" marT="108522" marB="108522" anchor="ctr">
+                    <a:lnL w="3175" cap="flat" cmpd="sng" algn="ctr">
+                      <a:noFill/>
+                      <a:prstDash val="solid"/>
+                      <a:round/>
+                      <a:headEnd type="none" w="med" len="med"/>
+                      <a:tailEnd type="none" w="med" len="med"/>
+                    </a:lnL>
+                    <a:lnR w="57150" cap="flat" cmpd="sng" algn="ctr">
                       <a:noFill/>
                       <a:prstDash val="solid"/>
                       <a:round/>
@@ -26524,6 +28005,174 @@
                     <a:noFill/>
                   </a:tcPr>
                 </a:tc>
+                <a:tc>
+                  <a:txBody>
+                    <a:bodyPr/>
+                    <a:lstStyle/>
+                    <a:p>
+                      <a:pPr marL="0" marR="0" lvl="0" indent="0" algn="l" defTabSz="685792" rtl="0" eaLnBrk="1" fontAlgn="auto" latinLnBrk="0" hangingPunct="1">
+                        <a:lnSpc>
+                          <a:spcPct val="130000"/>
+                        </a:lnSpc>
+                        <a:spcBef>
+                          <a:spcPts val="0"/>
+                        </a:spcBef>
+                        <a:spcAft>
+                          <a:spcPts val="0"/>
+                        </a:spcAft>
+                        <a:buClrTx/>
+                        <a:buSzTx/>
+                        <a:buFontTx/>
+                        <a:buNone/>
+                        <a:tabLst/>
+                        <a:defRPr/>
+                      </a:pPr>
+                      <a:endParaRPr lang="zh-CN" altLang="en-US" sz="1200" b="0" kern="1200" dirty="0">
+                        <a:solidFill>
+                          <a:schemeClr val="tx1">
+                            <a:lumMod val="75000"/>
+                            <a:lumOff val="25000"/>
+                          </a:schemeClr>
+                        </a:solidFill>
+                        <a:latin typeface="+mn-lt"/>
+                        <a:ea typeface="+mn-ea"/>
+                        <a:cs typeface="+mn-ea"/>
+                        <a:sym typeface="+mn-lt"/>
+                      </a:endParaRPr>
+                    </a:p>
+                  </a:txBody>
+                  <a:tcPr marL="108666" marR="108666" marT="108522" marB="108522" anchor="ctr">
+                    <a:lnL w="3175" cap="flat" cmpd="sng" algn="ctr">
+                      <a:noFill/>
+                      <a:prstDash val="solid"/>
+                      <a:round/>
+                      <a:headEnd type="none" w="med" len="med"/>
+                      <a:tailEnd type="none" w="med" len="med"/>
+                    </a:lnL>
+                    <a:lnR w="57150" cap="flat" cmpd="sng" algn="ctr">
+                      <a:noFill/>
+                      <a:prstDash val="solid"/>
+                      <a:round/>
+                      <a:headEnd type="none" w="med" len="med"/>
+                      <a:tailEnd type="none" w="med" len="med"/>
+                    </a:lnR>
+                    <a:lnT w="3175" cap="flat" cmpd="sng" algn="ctr">
+                      <a:solidFill>
+                        <a:schemeClr val="bg1">
+                          <a:lumMod val="75000"/>
+                        </a:schemeClr>
+                      </a:solidFill>
+                      <a:prstDash val="sysDot"/>
+                      <a:round/>
+                      <a:headEnd type="none" w="med" len="med"/>
+                      <a:tailEnd type="none" w="med" len="med"/>
+                    </a:lnT>
+                    <a:lnB w="3175" cap="flat" cmpd="sng" algn="ctr">
+                      <a:solidFill>
+                        <a:schemeClr val="bg1">
+                          <a:lumMod val="75000"/>
+                        </a:schemeClr>
+                      </a:solidFill>
+                      <a:prstDash val="sysDot"/>
+                      <a:round/>
+                      <a:headEnd type="none" w="med" len="med"/>
+                      <a:tailEnd type="none" w="med" len="med"/>
+                    </a:lnB>
+                    <a:lnTlToBr w="12700" cmpd="sng">
+                      <a:noFill/>
+                      <a:prstDash val="solid"/>
+                    </a:lnTlToBr>
+                    <a:lnBlToTr w="12700" cmpd="sng">
+                      <a:noFill/>
+                      <a:prstDash val="solid"/>
+                    </a:lnBlToTr>
+                    <a:noFill/>
+                  </a:tcPr>
+                </a:tc>
+                <a:tc>
+                  <a:txBody>
+                    <a:bodyPr/>
+                    <a:lstStyle/>
+                    <a:p>
+                      <a:pPr marL="0" marR="0" lvl="0" indent="0" algn="l" defTabSz="685792" rtl="0" eaLnBrk="1" fontAlgn="auto" latinLnBrk="0" hangingPunct="1">
+                        <a:lnSpc>
+                          <a:spcPct val="130000"/>
+                        </a:lnSpc>
+                        <a:spcBef>
+                          <a:spcPts val="0"/>
+                        </a:spcBef>
+                        <a:spcAft>
+                          <a:spcPts val="0"/>
+                        </a:spcAft>
+                        <a:buClrTx/>
+                        <a:buSzTx/>
+                        <a:buFontTx/>
+                        <a:buNone/>
+                        <a:tabLst/>
+                        <a:defRPr/>
+                      </a:pPr>
+                      <a:endParaRPr lang="zh-CN" altLang="en-US" sz="1200" b="0" kern="1200" dirty="0">
+                        <a:solidFill>
+                          <a:schemeClr val="tx1">
+                            <a:lumMod val="75000"/>
+                            <a:lumOff val="25000"/>
+                          </a:schemeClr>
+                        </a:solidFill>
+                        <a:latin typeface="+mn-lt"/>
+                        <a:ea typeface="+mn-ea"/>
+                        <a:cs typeface="+mn-ea"/>
+                        <a:sym typeface="+mn-lt"/>
+                      </a:endParaRPr>
+                    </a:p>
+                  </a:txBody>
+                  <a:tcPr marL="108666" marR="108666" marT="108522" marB="108522" anchor="ctr">
+                    <a:lnL w="3175" cap="flat" cmpd="sng" algn="ctr">
+                      <a:noFill/>
+                      <a:prstDash val="solid"/>
+                      <a:round/>
+                      <a:headEnd type="none" w="med" len="med"/>
+                      <a:tailEnd type="none" w="med" len="med"/>
+                    </a:lnL>
+                    <a:lnR w="57150" cap="flat" cmpd="sng" algn="ctr">
+                      <a:noFill/>
+                      <a:prstDash val="solid"/>
+                      <a:round/>
+                      <a:headEnd type="none" w="med" len="med"/>
+                      <a:tailEnd type="none" w="med" len="med"/>
+                    </a:lnR>
+                    <a:lnT w="3175" cap="flat" cmpd="sng" algn="ctr">
+                      <a:solidFill>
+                        <a:schemeClr val="bg1">
+                          <a:lumMod val="75000"/>
+                        </a:schemeClr>
+                      </a:solidFill>
+                      <a:prstDash val="sysDot"/>
+                      <a:round/>
+                      <a:headEnd type="none" w="med" len="med"/>
+                      <a:tailEnd type="none" w="med" len="med"/>
+                    </a:lnT>
+                    <a:lnB w="3175" cap="flat" cmpd="sng" algn="ctr">
+                      <a:solidFill>
+                        <a:schemeClr val="bg1">
+                          <a:lumMod val="75000"/>
+                        </a:schemeClr>
+                      </a:solidFill>
+                      <a:prstDash val="sysDot"/>
+                      <a:round/>
+                      <a:headEnd type="none" w="med" len="med"/>
+                      <a:tailEnd type="none" w="med" len="med"/>
+                    </a:lnB>
+                    <a:lnTlToBr w="12700" cmpd="sng">
+                      <a:noFill/>
+                      <a:prstDash val="solid"/>
+                    </a:lnTlToBr>
+                    <a:lnBlToTr w="12700" cmpd="sng">
+                      <a:noFill/>
+                      <a:prstDash val="solid"/>
+                    </a:lnBlToTr>
+                    <a:noFill/>
+                  </a:tcPr>
+                </a:tc>
               </a:tr>
               <a:tr h="472952">
                 <a:tc>
@@ -26571,6 +28220,170 @@
                       <a:tailEnd type="none" w="med" len="med"/>
                     </a:lnL>
                     <a:lnR w="3175" cap="flat" cmpd="sng" algn="ctr">
+                      <a:noFill/>
+                      <a:prstDash val="solid"/>
+                      <a:round/>
+                      <a:headEnd type="none" w="med" len="med"/>
+                      <a:tailEnd type="none" w="med" len="med"/>
+                    </a:lnR>
+                    <a:lnT w="3175" cap="flat" cmpd="sng" algn="ctr">
+                      <a:solidFill>
+                        <a:schemeClr val="bg1">
+                          <a:lumMod val="75000"/>
+                        </a:schemeClr>
+                      </a:solidFill>
+                      <a:prstDash val="sysDot"/>
+                      <a:round/>
+                      <a:headEnd type="none" w="med" len="med"/>
+                      <a:tailEnd type="none" w="med" len="med"/>
+                    </a:lnT>
+                    <a:lnB w="6350" cap="flat" cmpd="sng" algn="ctr">
+                      <a:solidFill>
+                        <a:srgbClr val="BBBCBC"/>
+                      </a:solidFill>
+                      <a:prstDash val="solid"/>
+                      <a:round/>
+                      <a:headEnd type="none" w="med" len="med"/>
+                      <a:tailEnd type="none" w="med" len="med"/>
+                    </a:lnB>
+                    <a:lnTlToBr w="12700" cmpd="sng">
+                      <a:noFill/>
+                      <a:prstDash val="solid"/>
+                    </a:lnTlToBr>
+                    <a:lnBlToTr w="12700" cmpd="sng">
+                      <a:noFill/>
+                      <a:prstDash val="solid"/>
+                    </a:lnBlToTr>
+                    <a:noFill/>
+                  </a:tcPr>
+                </a:tc>
+                <a:tc>
+                  <a:txBody>
+                    <a:bodyPr/>
+                    <a:lstStyle/>
+                    <a:p>
+                      <a:pPr marL="0" marR="0" lvl="0" indent="0" algn="l" defTabSz="685792" rtl="0" eaLnBrk="1" fontAlgn="auto" latinLnBrk="0" hangingPunct="1">
+                        <a:lnSpc>
+                          <a:spcPct val="130000"/>
+                        </a:lnSpc>
+                        <a:spcBef>
+                          <a:spcPts val="0"/>
+                        </a:spcBef>
+                        <a:spcAft>
+                          <a:spcPts val="0"/>
+                        </a:spcAft>
+                        <a:buClrTx/>
+                        <a:buSzTx/>
+                        <a:buFontTx/>
+                        <a:buNone/>
+                        <a:tabLst/>
+                        <a:defRPr/>
+                      </a:pPr>
+                      <a:endParaRPr lang="zh-CN" altLang="en-US" sz="1200" b="0" kern="1200" dirty="0">
+                        <a:solidFill>
+                          <a:schemeClr val="tx1">
+                            <a:lumMod val="75000"/>
+                            <a:lumOff val="25000"/>
+                          </a:schemeClr>
+                        </a:solidFill>
+                        <a:latin typeface="+mn-lt"/>
+                        <a:ea typeface="+mn-ea"/>
+                        <a:cs typeface="+mn-ea"/>
+                        <a:sym typeface="+mn-lt"/>
+                      </a:endParaRPr>
+                    </a:p>
+                  </a:txBody>
+                  <a:tcPr marL="108666" marR="108666" marT="108522" marB="108522" anchor="ctr">
+                    <a:lnL w="3175" cap="flat" cmpd="sng" algn="ctr">
+                      <a:noFill/>
+                      <a:prstDash val="solid"/>
+                      <a:round/>
+                      <a:headEnd type="none" w="med" len="med"/>
+                      <a:tailEnd type="none" w="med" len="med"/>
+                    </a:lnL>
+                    <a:lnR w="57150" cap="flat" cmpd="sng" algn="ctr">
+                      <a:noFill/>
+                      <a:prstDash val="solid"/>
+                      <a:round/>
+                      <a:headEnd type="none" w="med" len="med"/>
+                      <a:tailEnd type="none" w="med" len="med"/>
+                    </a:lnR>
+                    <a:lnT w="3175" cap="flat" cmpd="sng" algn="ctr">
+                      <a:solidFill>
+                        <a:schemeClr val="bg1">
+                          <a:lumMod val="75000"/>
+                        </a:schemeClr>
+                      </a:solidFill>
+                      <a:prstDash val="sysDot"/>
+                      <a:round/>
+                      <a:headEnd type="none" w="med" len="med"/>
+                      <a:tailEnd type="none" w="med" len="med"/>
+                    </a:lnT>
+                    <a:lnB w="6350" cap="flat" cmpd="sng" algn="ctr">
+                      <a:solidFill>
+                        <a:srgbClr val="BBBCBC"/>
+                      </a:solidFill>
+                      <a:prstDash val="solid"/>
+                      <a:round/>
+                      <a:headEnd type="none" w="med" len="med"/>
+                      <a:tailEnd type="none" w="med" len="med"/>
+                    </a:lnB>
+                    <a:lnTlToBr w="12700" cmpd="sng">
+                      <a:noFill/>
+                      <a:prstDash val="solid"/>
+                    </a:lnTlToBr>
+                    <a:lnBlToTr w="12700" cmpd="sng">
+                      <a:noFill/>
+                      <a:prstDash val="solid"/>
+                    </a:lnBlToTr>
+                    <a:noFill/>
+                  </a:tcPr>
+                </a:tc>
+                <a:tc>
+                  <a:txBody>
+                    <a:bodyPr/>
+                    <a:lstStyle/>
+                    <a:p>
+                      <a:pPr marL="0" marR="0" lvl="0" indent="0" algn="l" defTabSz="685792" rtl="0" eaLnBrk="1" fontAlgn="auto" latinLnBrk="0" hangingPunct="1">
+                        <a:lnSpc>
+                          <a:spcPct val="130000"/>
+                        </a:lnSpc>
+                        <a:spcBef>
+                          <a:spcPts val="0"/>
+                        </a:spcBef>
+                        <a:spcAft>
+                          <a:spcPts val="0"/>
+                        </a:spcAft>
+                        <a:buClrTx/>
+                        <a:buSzTx/>
+                        <a:buFontTx/>
+                        <a:buNone/>
+                        <a:tabLst/>
+                        <a:defRPr/>
+                      </a:pPr>
+                      <a:endParaRPr lang="zh-CN" altLang="en-US" sz="1200" b="0" kern="1200" dirty="0">
+                        <a:solidFill>
+                          <a:schemeClr val="tx1">
+                            <a:lumMod val="75000"/>
+                            <a:lumOff val="25000"/>
+                          </a:schemeClr>
+                        </a:solidFill>
+                        <a:latin typeface="+mn-lt"/>
+                        <a:ea typeface="+mn-ea"/>
+                        <a:cs typeface="+mn-ea"/>
+                        <a:sym typeface="+mn-lt"/>
+                      </a:endParaRPr>
+                    </a:p>
+                  </a:txBody>
+                  <a:tcPr marL="108666" marR="108666" marT="108522" marB="108522" anchor="ctr">
+                    <a:lnL w="3175" cap="flat" cmpd="sng" algn="ctr">
+                      <a:noFill/>
+                      <a:prstDash val="solid"/>
+                      <a:round/>
+                      <a:headEnd type="none" w="med" len="med"/>
+                      <a:tailEnd type="none" w="med" len="med"/>
+                    </a:lnL>
+                    <a:lnR w="57150" cap="flat" cmpd="sng" algn="ctr">
                       <a:noFill/>
                       <a:prstDash val="solid"/>
                       <a:round/>
@@ -32567,7 +34380,7 @@
           <a:graphicData uri="http://schemas.openxmlformats.org/presentationml/2006/ole">
             <mc:AlternateContent xmlns:mc="http://schemas.openxmlformats.org/markup-compatibility/2006">
               <mc:Choice xmlns:v="urn:schemas-microsoft-com:vml" Requires="v">
-                <p:oleObj spid="_x0000_s44087" name="think-cell Slide" r:id="rId5" imgW="416" imgH="416" progId="TCLayout.ActiveDocument.1">
+                <p:oleObj spid="_x0000_s44090" name="think-cell Slide" r:id="rId5" imgW="416" imgH="416" progId="TCLayout.ActiveDocument.1">
                   <p:embed/>
                 </p:oleObj>
               </mc:Choice>
@@ -32978,6 +34791,87 @@
             <a:endParaRPr lang="zh-CN" altLang="en-US" sz="1187" dirty="0">
               <a:solidFill>
                 <a:srgbClr val="232323"/>
+              </a:solidFill>
+              <a:cs typeface="+mn-ea"/>
+              <a:sym typeface="+mn-lt"/>
+            </a:endParaRPr>
+          </a:p>
+        </p:txBody>
+      </p:sp>
+      <p:sp>
+        <p:nvSpPr>
+          <p:cNvPr id="10" name="Rectangle 3"/>
+          <p:cNvSpPr/>
+          <p:nvPr/>
+        </p:nvSpPr>
+        <p:spPr>
+          <a:xfrm>
+            <a:off x="8177026" y="6314606"/>
+            <a:ext cx="3442716" cy="466056"/>
+          </a:xfrm>
+          <a:prstGeom prst="rect">
+            <a:avLst/>
+          </a:prstGeom>
+          <a:solidFill>
+            <a:schemeClr val="accent1">
+              <a:lumMod val="50000"/>
+              <a:alpha val="50196"/>
+            </a:schemeClr>
+          </a:solidFill>
+          <a:ln w="6350" cmpd="sng">
+            <a:noFill/>
+            <a:miter lim="800000"/>
+            <a:headEnd/>
+            <a:tailEnd/>
+          </a:ln>
+        </p:spPr>
+        <p:txBody>
+          <a:bodyPr wrap="square" lIns="85451" rIns="85451" rtlCol="0" anchor="ctr">
+            <a:prstTxWarp prst="textNoShape">
+              <a:avLst/>
+            </a:prstTxWarp>
+            <a:noAutofit/>
+          </a:bodyPr>
+          <a:lstStyle/>
+          <a:p>
+            <a:pPr algn="r">
+              <a:lnSpc>
+                <a:spcPct val="130000"/>
+              </a:lnSpc>
+            </a:pPr>
+            <a:r>
+              <a:rPr lang="zh-CN" altLang="en-US" sz="1424" dirty="0" smtClean="0">
+                <a:solidFill>
+                  <a:schemeClr val="bg1"/>
+                </a:solidFill>
+                <a:cs typeface="+mn-ea"/>
+                <a:sym typeface="+mn-lt"/>
+              </a:rPr>
+              <a:t>请说明主</a:t>
+            </a:r>
+            <a:r>
+              <a:rPr lang="zh-CN" altLang="en-US" sz="1424" dirty="0">
+                <a:solidFill>
+                  <a:schemeClr val="bg1"/>
+                </a:solidFill>
+                <a:cs typeface="+mn-ea"/>
+                <a:sym typeface="+mn-lt"/>
+              </a:rPr>
+              <a:t>视觉</a:t>
+            </a:r>
+            <a:r>
+              <a:rPr lang="zh-CN" altLang="en-US" sz="1424" dirty="0" smtClean="0">
+                <a:solidFill>
+                  <a:schemeClr val="bg1"/>
+                </a:solidFill>
+                <a:cs typeface="+mn-ea"/>
+                <a:sym typeface="+mn-lt"/>
+              </a:rPr>
+              <a:t>图片是否已经获得批准</a:t>
+            </a:r>
+            <a:endParaRPr lang="zh-CN" altLang="en-US" sz="1424" dirty="0">
+              <a:solidFill>
+                <a:schemeClr val="bg1"/>
               </a:solidFill>
               <a:cs typeface="+mn-ea"/>
               <a:sym typeface="+mn-lt"/>

--- a/com.yrtech.bentleyAPI/com.yrtech.InventoryAPI/template/ReportOffLine.pptx
+++ b/com.yrtech.bentleyAPI/com.yrtech.InventoryAPI/template/ReportOffLine.pptx
@@ -126,7 +126,7 @@
   </p:defaultTextStyle>
   <p:extLst>
     <p:ext uri="{EFAFB233-063F-42B5-8137-9DF3F51BA10A}">
-      <p15:sldGuideLst xmlns="" xmlns:p15="http://schemas.microsoft.com/office/powerpoint/2012/main">
+      <p15:sldGuideLst xmlns:p15="http://schemas.microsoft.com/office/powerpoint/2012/main" xmlns="">
         <p15:guide id="1" pos="7310" userDrawn="1">
           <p15:clr>
             <a:srgbClr val="A4A3A4"/>
@@ -225,7 +225,7 @@
           <a:p>
             <a:fld id="{69A4D669-94F9-4D70-8C76-4C2D35D4E5D0}" type="datetimeFigureOut">
               <a:rPr lang="en-US" smtClean="0"/>
-              <a:t>4/9/2022</a:t>
+              <a:t>4/11/2022</a:t>
             </a:fld>
             <a:endParaRPr lang="en-US"/>
           </a:p>
@@ -1866,7 +1866,7 @@
           <a:p>
             <a:fld id="{CB9F8517-1271-4F8B-9742-ECB8BBF22693}" type="datetimeFigureOut">
               <a:rPr lang="en-US" smtClean="0"/>
-              <a:t>4/9/2022</a:t>
+              <a:t>4/11/2022</a:t>
             </a:fld>
             <a:endParaRPr lang="en-US"/>
           </a:p>
@@ -2036,7 +2036,7 @@
           <a:p>
             <a:fld id="{CB9F8517-1271-4F8B-9742-ECB8BBF22693}" type="datetimeFigureOut">
               <a:rPr lang="en-US" smtClean="0"/>
-              <a:t>4/9/2022</a:t>
+              <a:t>4/11/2022</a:t>
             </a:fld>
             <a:endParaRPr lang="en-US"/>
           </a:p>
@@ -2216,7 +2216,7 @@
           <a:p>
             <a:fld id="{CB9F8517-1271-4F8B-9742-ECB8BBF22693}" type="datetimeFigureOut">
               <a:rPr lang="en-US" smtClean="0"/>
-              <a:t>4/9/2022</a:t>
+              <a:t>4/11/2022</a:t>
             </a:fld>
             <a:endParaRPr lang="en-US"/>
           </a:p>
@@ -2314,7 +2314,7 @@
           <a:graphicData uri="http://schemas.openxmlformats.org/presentationml/2006/ole">
             <mc:AlternateContent xmlns:mc="http://schemas.openxmlformats.org/markup-compatibility/2006">
               <mc:Choice xmlns:v="urn:schemas-microsoft-com:vml" Requires="v">
-                <p:oleObj spid="_x0000_s3142" name="think-cell Slide" r:id="rId4" imgW="216" imgH="216" progId="TCLayout.ActiveDocument.1">
+                <p:oleObj spid="_x0000_s3143" name="think-cell Slide" r:id="rId4" imgW="216" imgH="216" progId="TCLayout.ActiveDocument.1">
                   <p:embed/>
                 </p:oleObj>
               </mc:Choice>
@@ -2354,7 +2354,7 @@
           <p:cNvPr id="8" name="Title 7">
             <a:extLst>
               <a:ext uri="{FF2B5EF4-FFF2-40B4-BE49-F238E27FC236}">
-                <a16:creationId xmlns="" xmlns:a16="http://schemas.microsoft.com/office/drawing/2014/main" id="{8A6F1540-D306-D44E-B1B3-1ACCF1041F70}"/>
+                <a16:creationId xmlns:a16="http://schemas.microsoft.com/office/drawing/2014/main" xmlns="" id="{8A6F1540-D306-D44E-B1B3-1ACCF1041F70}"/>
               </a:ext>
             </a:extLst>
           </p:cNvPr>
@@ -3150,7 +3150,7 @@
           <p:cNvPr id="37" name="Footer Placeholder 3">
             <a:extLst>
               <a:ext uri="{FF2B5EF4-FFF2-40B4-BE49-F238E27FC236}">
-                <a16:creationId xmlns="" xmlns:a16="http://schemas.microsoft.com/office/drawing/2014/main" id="{DBA440F4-82E0-7E45-8A6F-4A8C7572AEE5}"/>
+                <a16:creationId xmlns:a16="http://schemas.microsoft.com/office/drawing/2014/main" xmlns="" id="{DBA440F4-82E0-7E45-8A6F-4A8C7572AEE5}"/>
               </a:ext>
             </a:extLst>
           </p:cNvPr>
@@ -3209,7 +3209,7 @@
           <p:cNvPr id="38" name="Slide Number Placeholder 5">
             <a:extLst>
               <a:ext uri="{FF2B5EF4-FFF2-40B4-BE49-F238E27FC236}">
-                <a16:creationId xmlns="" xmlns:a16="http://schemas.microsoft.com/office/drawing/2014/main" id="{CC67CD5C-67EC-5144-B858-5347C50D1ACD}"/>
+                <a16:creationId xmlns:a16="http://schemas.microsoft.com/office/drawing/2014/main" xmlns="" id="{CC67CD5C-67EC-5144-B858-5347C50D1ACD}"/>
               </a:ext>
             </a:extLst>
           </p:cNvPr>
@@ -3256,7 +3256,7 @@
           <p:cNvPr id="39" name="Straight Connector 38">
             <a:extLst>
               <a:ext uri="{FF2B5EF4-FFF2-40B4-BE49-F238E27FC236}">
-                <a16:creationId xmlns="" xmlns:a16="http://schemas.microsoft.com/office/drawing/2014/main" id="{95C486A1-9876-924E-85C2-906892F8B9AC}"/>
+                <a16:creationId xmlns:a16="http://schemas.microsoft.com/office/drawing/2014/main" xmlns="" id="{95C486A1-9876-924E-85C2-906892F8B9AC}"/>
               </a:ext>
             </a:extLst>
           </p:cNvPr>
@@ -3352,7 +3352,7 @@
           <a:graphicData uri="http://schemas.openxmlformats.org/presentationml/2006/ole">
             <mc:AlternateContent xmlns:mc="http://schemas.openxmlformats.org/markup-compatibility/2006">
               <mc:Choice xmlns:v="urn:schemas-microsoft-com:vml" Requires="v">
-                <p:oleObj spid="_x0000_s32826" name="think-cell Slide" r:id="rId5" imgW="216" imgH="216" progId="TCLayout.ActiveDocument.1">
+                <p:oleObj spid="_x0000_s32827" name="think-cell Slide" r:id="rId5" imgW="216" imgH="216" progId="TCLayout.ActiveDocument.1">
                   <p:embed/>
                 </p:oleObj>
               </mc:Choice>
@@ -3549,7 +3549,7 @@
           <p:cNvPr id="4" name="Footer Placeholder 3">
             <a:extLst>
               <a:ext uri="{FF2B5EF4-FFF2-40B4-BE49-F238E27FC236}">
-                <a16:creationId xmlns="" xmlns:a16="http://schemas.microsoft.com/office/drawing/2014/main" id="{17D6DE4C-D976-4B4B-B087-C035EF8D4F6F}"/>
+                <a16:creationId xmlns:a16="http://schemas.microsoft.com/office/drawing/2014/main" xmlns="" id="{17D6DE4C-D976-4B4B-B087-C035EF8D4F6F}"/>
               </a:ext>
             </a:extLst>
           </p:cNvPr>
@@ -3608,7 +3608,7 @@
           <p:cNvPr id="13" name="Straight Connector 12">
             <a:extLst>
               <a:ext uri="{FF2B5EF4-FFF2-40B4-BE49-F238E27FC236}">
-                <a16:creationId xmlns="" xmlns:a16="http://schemas.microsoft.com/office/drawing/2014/main" id="{95C486A1-9876-924E-85C2-906892F8B9AC}"/>
+                <a16:creationId xmlns:a16="http://schemas.microsoft.com/office/drawing/2014/main" xmlns="" id="{95C486A1-9876-924E-85C2-906892F8B9AC}"/>
               </a:ext>
             </a:extLst>
           </p:cNvPr>
@@ -3651,7 +3651,7 @@
           <p:cNvPr id="17" name="Slide Number Placeholder 5">
             <a:extLst>
               <a:ext uri="{FF2B5EF4-FFF2-40B4-BE49-F238E27FC236}">
-                <a16:creationId xmlns="" xmlns:a16="http://schemas.microsoft.com/office/drawing/2014/main" id="{CC67CD5C-67EC-5144-B858-5347C50D1ACD}"/>
+                <a16:creationId xmlns:a16="http://schemas.microsoft.com/office/drawing/2014/main" xmlns="" id="{CC67CD5C-67EC-5144-B858-5347C50D1ACD}"/>
               </a:ext>
             </a:extLst>
           </p:cNvPr>
@@ -3703,7 +3703,7 @@
           <p:cNvPr id="8" name="Title 7">
             <a:extLst>
               <a:ext uri="{FF2B5EF4-FFF2-40B4-BE49-F238E27FC236}">
-                <a16:creationId xmlns="" xmlns:a16="http://schemas.microsoft.com/office/drawing/2014/main" id="{8A6F1540-D306-D44E-B1B3-1ACCF1041F70}"/>
+                <a16:creationId xmlns:a16="http://schemas.microsoft.com/office/drawing/2014/main" xmlns="" id="{8A6F1540-D306-D44E-B1B3-1ACCF1041F70}"/>
               </a:ext>
             </a:extLst>
           </p:cNvPr>
@@ -3829,7 +3829,7 @@
           <a:graphicData uri="http://schemas.openxmlformats.org/presentationml/2006/ole">
             <mc:AlternateContent xmlns:mc="http://schemas.openxmlformats.org/markup-compatibility/2006">
               <mc:Choice xmlns:v="urn:schemas-microsoft-com:vml" Requires="v">
-                <p:oleObj spid="_x0000_s33850" name="think-cell Slide" r:id="rId4" imgW="216" imgH="216" progId="TCLayout.ActiveDocument.1">
+                <p:oleObj spid="_x0000_s33851" name="think-cell Slide" r:id="rId4" imgW="216" imgH="216" progId="TCLayout.ActiveDocument.1">
                   <p:embed/>
                 </p:oleObj>
               </mc:Choice>
@@ -3955,7 +3955,7 @@
           <p:cNvPr id="8" name="Title 7">
             <a:extLst>
               <a:ext uri="{FF2B5EF4-FFF2-40B4-BE49-F238E27FC236}">
-                <a16:creationId xmlns="" xmlns:a16="http://schemas.microsoft.com/office/drawing/2014/main" id="{8A6F1540-D306-D44E-B1B3-1ACCF1041F70}"/>
+                <a16:creationId xmlns:a16="http://schemas.microsoft.com/office/drawing/2014/main" xmlns="" id="{8A6F1540-D306-D44E-B1B3-1ACCF1041F70}"/>
               </a:ext>
             </a:extLst>
           </p:cNvPr>
@@ -3991,7 +3991,7 @@
           <p:cNvPr id="9" name="Content Placeholder 2">
             <a:extLst>
               <a:ext uri="{FF2B5EF4-FFF2-40B4-BE49-F238E27FC236}">
-                <a16:creationId xmlns="" xmlns:a16="http://schemas.microsoft.com/office/drawing/2014/main" id="{0A7C1352-3D49-F849-9BC3-BC0AF9CD8F04}"/>
+                <a16:creationId xmlns:a16="http://schemas.microsoft.com/office/drawing/2014/main" xmlns="" id="{0A7C1352-3D49-F849-9BC3-BC0AF9CD8F04}"/>
               </a:ext>
             </a:extLst>
           </p:cNvPr>
@@ -4083,7 +4083,7 @@
           <p:cNvPr id="10" name="Content Placeholder 2">
             <a:extLst>
               <a:ext uri="{FF2B5EF4-FFF2-40B4-BE49-F238E27FC236}">
-                <a16:creationId xmlns="" xmlns:a16="http://schemas.microsoft.com/office/drawing/2014/main" id="{D1AA7CFB-7669-2648-A3E1-E647E531399E}"/>
+                <a16:creationId xmlns:a16="http://schemas.microsoft.com/office/drawing/2014/main" xmlns="" id="{D1AA7CFB-7669-2648-A3E1-E647E531399E}"/>
               </a:ext>
             </a:extLst>
           </p:cNvPr>
@@ -4175,7 +4175,7 @@
           <p:cNvPr id="11" name="Content Placeholder 2">
             <a:extLst>
               <a:ext uri="{FF2B5EF4-FFF2-40B4-BE49-F238E27FC236}">
-                <a16:creationId xmlns="" xmlns:a16="http://schemas.microsoft.com/office/drawing/2014/main" id="{2E4B4082-D988-5D43-9C32-2C7F747717ED}"/>
+                <a16:creationId xmlns:a16="http://schemas.microsoft.com/office/drawing/2014/main" xmlns="" id="{2E4B4082-D988-5D43-9C32-2C7F747717ED}"/>
               </a:ext>
             </a:extLst>
           </p:cNvPr>
@@ -4267,7 +4267,7 @@
           <p:cNvPr id="12" name="Content Placeholder 2">
             <a:extLst>
               <a:ext uri="{FF2B5EF4-FFF2-40B4-BE49-F238E27FC236}">
-                <a16:creationId xmlns="" xmlns:a16="http://schemas.microsoft.com/office/drawing/2014/main" id="{45B8DE4D-1F9B-7341-8CB2-D70634815B55}"/>
+                <a16:creationId xmlns:a16="http://schemas.microsoft.com/office/drawing/2014/main" xmlns="" id="{45B8DE4D-1F9B-7341-8CB2-D70634815B55}"/>
               </a:ext>
             </a:extLst>
           </p:cNvPr>
@@ -4359,7 +4359,7 @@
           <p:cNvPr id="14" name="Footer Placeholder 3">
             <a:extLst>
               <a:ext uri="{FF2B5EF4-FFF2-40B4-BE49-F238E27FC236}">
-                <a16:creationId xmlns="" xmlns:a16="http://schemas.microsoft.com/office/drawing/2014/main" id="{DBA440F4-82E0-7E45-8A6F-4A8C7572AEE5}"/>
+                <a16:creationId xmlns:a16="http://schemas.microsoft.com/office/drawing/2014/main" xmlns="" id="{DBA440F4-82E0-7E45-8A6F-4A8C7572AEE5}"/>
               </a:ext>
             </a:extLst>
           </p:cNvPr>
@@ -4418,7 +4418,7 @@
           <p:cNvPr id="15" name="Slide Number Placeholder 5">
             <a:extLst>
               <a:ext uri="{FF2B5EF4-FFF2-40B4-BE49-F238E27FC236}">
-                <a16:creationId xmlns="" xmlns:a16="http://schemas.microsoft.com/office/drawing/2014/main" id="{CC67CD5C-67EC-5144-B858-5347C50D1ACD}"/>
+                <a16:creationId xmlns:a16="http://schemas.microsoft.com/office/drawing/2014/main" xmlns="" id="{CC67CD5C-67EC-5144-B858-5347C50D1ACD}"/>
               </a:ext>
             </a:extLst>
           </p:cNvPr>
@@ -4470,7 +4470,7 @@
           <p:cNvPr id="16" name="Straight Connector 15">
             <a:extLst>
               <a:ext uri="{FF2B5EF4-FFF2-40B4-BE49-F238E27FC236}">
-                <a16:creationId xmlns="" xmlns:a16="http://schemas.microsoft.com/office/drawing/2014/main" id="{95C486A1-9876-924E-85C2-906892F8B9AC}"/>
+                <a16:creationId xmlns:a16="http://schemas.microsoft.com/office/drawing/2014/main" xmlns="" id="{95C486A1-9876-924E-85C2-906892F8B9AC}"/>
               </a:ext>
             </a:extLst>
           </p:cNvPr>
@@ -4566,7 +4566,7 @@
           <a:graphicData uri="http://schemas.openxmlformats.org/presentationml/2006/ole">
             <mc:AlternateContent xmlns:mc="http://schemas.openxmlformats.org/markup-compatibility/2006">
               <mc:Choice xmlns:v="urn:schemas-microsoft-com:vml" Requires="v">
-                <p:oleObj spid="_x0000_s34874" name="think-cell Slide" r:id="rId4" imgW="216" imgH="216" progId="TCLayout.ActiveDocument.1">
+                <p:oleObj spid="_x0000_s34875" name="think-cell Slide" r:id="rId4" imgW="216" imgH="216" progId="TCLayout.ActiveDocument.1">
                   <p:embed/>
                 </p:oleObj>
               </mc:Choice>
@@ -4606,7 +4606,7 @@
           <p:cNvPr id="8" name="Title 7">
             <a:extLst>
               <a:ext uri="{FF2B5EF4-FFF2-40B4-BE49-F238E27FC236}">
-                <a16:creationId xmlns="" xmlns:a16="http://schemas.microsoft.com/office/drawing/2014/main" id="{8A6F1540-D306-D44E-B1B3-1ACCF1041F70}"/>
+                <a16:creationId xmlns:a16="http://schemas.microsoft.com/office/drawing/2014/main" xmlns="" id="{8A6F1540-D306-D44E-B1B3-1ACCF1041F70}"/>
               </a:ext>
             </a:extLst>
           </p:cNvPr>
@@ -5402,7 +5402,7 @@
           <p:cNvPr id="37" name="Footer Placeholder 3">
             <a:extLst>
               <a:ext uri="{FF2B5EF4-FFF2-40B4-BE49-F238E27FC236}">
-                <a16:creationId xmlns="" xmlns:a16="http://schemas.microsoft.com/office/drawing/2014/main" id="{DBA440F4-82E0-7E45-8A6F-4A8C7572AEE5}"/>
+                <a16:creationId xmlns:a16="http://schemas.microsoft.com/office/drawing/2014/main" xmlns="" id="{DBA440F4-82E0-7E45-8A6F-4A8C7572AEE5}"/>
               </a:ext>
             </a:extLst>
           </p:cNvPr>
@@ -5461,7 +5461,7 @@
           <p:cNvPr id="38" name="Slide Number Placeholder 5">
             <a:extLst>
               <a:ext uri="{FF2B5EF4-FFF2-40B4-BE49-F238E27FC236}">
-                <a16:creationId xmlns="" xmlns:a16="http://schemas.microsoft.com/office/drawing/2014/main" id="{CC67CD5C-67EC-5144-B858-5347C50D1ACD}"/>
+                <a16:creationId xmlns:a16="http://schemas.microsoft.com/office/drawing/2014/main" xmlns="" id="{CC67CD5C-67EC-5144-B858-5347C50D1ACD}"/>
               </a:ext>
             </a:extLst>
           </p:cNvPr>
@@ -5513,7 +5513,7 @@
           <p:cNvPr id="39" name="Straight Connector 38">
             <a:extLst>
               <a:ext uri="{FF2B5EF4-FFF2-40B4-BE49-F238E27FC236}">
-                <a16:creationId xmlns="" xmlns:a16="http://schemas.microsoft.com/office/drawing/2014/main" id="{95C486A1-9876-924E-85C2-906892F8B9AC}"/>
+                <a16:creationId xmlns:a16="http://schemas.microsoft.com/office/drawing/2014/main" xmlns="" id="{95C486A1-9876-924E-85C2-906892F8B9AC}"/>
               </a:ext>
             </a:extLst>
           </p:cNvPr>
@@ -5614,7 +5614,7 @@
           <a:graphicData uri="http://schemas.openxmlformats.org/presentationml/2006/ole">
             <mc:AlternateContent xmlns:mc="http://schemas.openxmlformats.org/markup-compatibility/2006">
               <mc:Choice xmlns:v="urn:schemas-microsoft-com:vml" Requires="v">
-                <p:oleObj spid="_x0000_s35898" name="think-cell Slide" r:id="rId5" imgW="216" imgH="216" progId="TCLayout.ActiveDocument.1">
+                <p:oleObj spid="_x0000_s35899" name="think-cell Slide" r:id="rId5" imgW="216" imgH="216" progId="TCLayout.ActiveDocument.1">
                   <p:embed/>
                 </p:oleObj>
               </mc:Choice>
@@ -5831,7 +5831,7 @@
           <p:cNvPr id="4" name="Footer Placeholder 3">
             <a:extLst>
               <a:ext uri="{FF2B5EF4-FFF2-40B4-BE49-F238E27FC236}">
-                <a16:creationId xmlns="" xmlns:a16="http://schemas.microsoft.com/office/drawing/2014/main" id="{17D6DE4C-D976-4B4B-B087-C035EF8D4F6F}"/>
+                <a16:creationId xmlns:a16="http://schemas.microsoft.com/office/drawing/2014/main" xmlns="" id="{17D6DE4C-D976-4B4B-B087-C035EF8D4F6F}"/>
               </a:ext>
             </a:extLst>
           </p:cNvPr>
@@ -5890,7 +5890,7 @@
           <p:cNvPr id="17" name="Slide Number Placeholder 5">
             <a:extLst>
               <a:ext uri="{FF2B5EF4-FFF2-40B4-BE49-F238E27FC236}">
-                <a16:creationId xmlns="" xmlns:a16="http://schemas.microsoft.com/office/drawing/2014/main" id="{CC67CD5C-67EC-5144-B858-5347C50D1ACD}"/>
+                <a16:creationId xmlns:a16="http://schemas.microsoft.com/office/drawing/2014/main" xmlns="" id="{CC67CD5C-67EC-5144-B858-5347C50D1ACD}"/>
               </a:ext>
             </a:extLst>
           </p:cNvPr>
@@ -5942,7 +5942,7 @@
           <p:cNvPr id="8" name="Title 7">
             <a:extLst>
               <a:ext uri="{FF2B5EF4-FFF2-40B4-BE49-F238E27FC236}">
-                <a16:creationId xmlns="" xmlns:a16="http://schemas.microsoft.com/office/drawing/2014/main" id="{8A6F1540-D306-D44E-B1B3-1ACCF1041F70}"/>
+                <a16:creationId xmlns:a16="http://schemas.microsoft.com/office/drawing/2014/main" xmlns="" id="{8A6F1540-D306-D44E-B1B3-1ACCF1041F70}"/>
               </a:ext>
             </a:extLst>
           </p:cNvPr>
@@ -5986,7 +5986,7 @@
           <p:cNvPr id="9" name="Straight Connector 8">
             <a:extLst>
               <a:ext uri="{FF2B5EF4-FFF2-40B4-BE49-F238E27FC236}">
-                <a16:creationId xmlns="" xmlns:a16="http://schemas.microsoft.com/office/drawing/2014/main" id="{BB1AA2BE-B537-254D-958A-FBAFDE7E90DC}"/>
+                <a16:creationId xmlns:a16="http://schemas.microsoft.com/office/drawing/2014/main" xmlns="" id="{BB1AA2BE-B537-254D-958A-FBAFDE7E90DC}"/>
               </a:ext>
             </a:extLst>
           </p:cNvPr>
@@ -6029,7 +6029,7 @@
           <p:cNvPr id="10" name="Straight Connector 9">
             <a:extLst>
               <a:ext uri="{FF2B5EF4-FFF2-40B4-BE49-F238E27FC236}">
-                <a16:creationId xmlns="" xmlns:a16="http://schemas.microsoft.com/office/drawing/2014/main" id="{95C486A1-9876-924E-85C2-906892F8B9AC}"/>
+                <a16:creationId xmlns:a16="http://schemas.microsoft.com/office/drawing/2014/main" xmlns="" id="{95C486A1-9876-924E-85C2-906892F8B9AC}"/>
               </a:ext>
             </a:extLst>
           </p:cNvPr>
@@ -6406,7 +6406,7 @@
           <a:graphicData uri="http://schemas.openxmlformats.org/presentationml/2006/ole">
             <mc:AlternateContent xmlns:mc="http://schemas.openxmlformats.org/markup-compatibility/2006">
               <mc:Choice xmlns:v="urn:schemas-microsoft-com:vml" Requires="v">
-                <p:oleObj spid="_x0000_s37946" name="think-cell Slide" r:id="rId5" imgW="216" imgH="216" progId="TCLayout.ActiveDocument.1">
+                <p:oleObj spid="_x0000_s37947" name="think-cell Slide" r:id="rId5" imgW="216" imgH="216" progId="TCLayout.ActiveDocument.1">
                   <p:embed/>
                 </p:oleObj>
               </mc:Choice>
@@ -6603,7 +6603,7 @@
           <p:cNvPr id="4" name="Footer Placeholder 3">
             <a:extLst>
               <a:ext uri="{FF2B5EF4-FFF2-40B4-BE49-F238E27FC236}">
-                <a16:creationId xmlns="" xmlns:a16="http://schemas.microsoft.com/office/drawing/2014/main" id="{17D6DE4C-D976-4B4B-B087-C035EF8D4F6F}"/>
+                <a16:creationId xmlns:a16="http://schemas.microsoft.com/office/drawing/2014/main" xmlns="" id="{17D6DE4C-D976-4B4B-B087-C035EF8D4F6F}"/>
               </a:ext>
             </a:extLst>
           </p:cNvPr>
@@ -6662,7 +6662,7 @@
           <p:cNvPr id="13" name="Straight Connector 12">
             <a:extLst>
               <a:ext uri="{FF2B5EF4-FFF2-40B4-BE49-F238E27FC236}">
-                <a16:creationId xmlns="" xmlns:a16="http://schemas.microsoft.com/office/drawing/2014/main" id="{95C486A1-9876-924E-85C2-906892F8B9AC}"/>
+                <a16:creationId xmlns:a16="http://schemas.microsoft.com/office/drawing/2014/main" xmlns="" id="{95C486A1-9876-924E-85C2-906892F8B9AC}"/>
               </a:ext>
             </a:extLst>
           </p:cNvPr>
@@ -6705,7 +6705,7 @@
           <p:cNvPr id="17" name="Slide Number Placeholder 5">
             <a:extLst>
               <a:ext uri="{FF2B5EF4-FFF2-40B4-BE49-F238E27FC236}">
-                <a16:creationId xmlns="" xmlns:a16="http://schemas.microsoft.com/office/drawing/2014/main" id="{CC67CD5C-67EC-5144-B858-5347C50D1ACD}"/>
+                <a16:creationId xmlns:a16="http://schemas.microsoft.com/office/drawing/2014/main" xmlns="" id="{CC67CD5C-67EC-5144-B858-5347C50D1ACD}"/>
               </a:ext>
             </a:extLst>
           </p:cNvPr>
@@ -6757,7 +6757,7 @@
           <p:cNvPr id="8" name="Title 7">
             <a:extLst>
               <a:ext uri="{FF2B5EF4-FFF2-40B4-BE49-F238E27FC236}">
-                <a16:creationId xmlns="" xmlns:a16="http://schemas.microsoft.com/office/drawing/2014/main" id="{8A6F1540-D306-D44E-B1B3-1ACCF1041F70}"/>
+                <a16:creationId xmlns:a16="http://schemas.microsoft.com/office/drawing/2014/main" xmlns="" id="{8A6F1540-D306-D44E-B1B3-1ACCF1041F70}"/>
               </a:ext>
             </a:extLst>
           </p:cNvPr>
@@ -6883,7 +6883,7 @@
           <a:graphicData uri="http://schemas.openxmlformats.org/presentationml/2006/ole">
             <mc:AlternateContent xmlns:mc="http://schemas.openxmlformats.org/markup-compatibility/2006">
               <mc:Choice xmlns:v="urn:schemas-microsoft-com:vml" Requires="v">
-                <p:oleObj spid="_x0000_s38970" name="think-cell Slide" r:id="rId4" imgW="216" imgH="216" progId="TCLayout.ActiveDocument.1">
+                <p:oleObj spid="_x0000_s38971" name="think-cell Slide" r:id="rId4" imgW="216" imgH="216" progId="TCLayout.ActiveDocument.1">
                   <p:embed/>
                 </p:oleObj>
               </mc:Choice>
@@ -7009,7 +7009,7 @@
           <p:cNvPr id="8" name="Title 7">
             <a:extLst>
               <a:ext uri="{FF2B5EF4-FFF2-40B4-BE49-F238E27FC236}">
-                <a16:creationId xmlns="" xmlns:a16="http://schemas.microsoft.com/office/drawing/2014/main" id="{8A6F1540-D306-D44E-B1B3-1ACCF1041F70}"/>
+                <a16:creationId xmlns:a16="http://schemas.microsoft.com/office/drawing/2014/main" xmlns="" id="{8A6F1540-D306-D44E-B1B3-1ACCF1041F70}"/>
               </a:ext>
             </a:extLst>
           </p:cNvPr>
@@ -7045,7 +7045,7 @@
           <p:cNvPr id="9" name="Content Placeholder 2">
             <a:extLst>
               <a:ext uri="{FF2B5EF4-FFF2-40B4-BE49-F238E27FC236}">
-                <a16:creationId xmlns="" xmlns:a16="http://schemas.microsoft.com/office/drawing/2014/main" id="{0A7C1352-3D49-F849-9BC3-BC0AF9CD8F04}"/>
+                <a16:creationId xmlns:a16="http://schemas.microsoft.com/office/drawing/2014/main" xmlns="" id="{0A7C1352-3D49-F849-9BC3-BC0AF9CD8F04}"/>
               </a:ext>
             </a:extLst>
           </p:cNvPr>
@@ -7137,7 +7137,7 @@
           <p:cNvPr id="10" name="Content Placeholder 2">
             <a:extLst>
               <a:ext uri="{FF2B5EF4-FFF2-40B4-BE49-F238E27FC236}">
-                <a16:creationId xmlns="" xmlns:a16="http://schemas.microsoft.com/office/drawing/2014/main" id="{D1AA7CFB-7669-2648-A3E1-E647E531399E}"/>
+                <a16:creationId xmlns:a16="http://schemas.microsoft.com/office/drawing/2014/main" xmlns="" id="{D1AA7CFB-7669-2648-A3E1-E647E531399E}"/>
               </a:ext>
             </a:extLst>
           </p:cNvPr>
@@ -7229,7 +7229,7 @@
           <p:cNvPr id="11" name="Content Placeholder 2">
             <a:extLst>
               <a:ext uri="{FF2B5EF4-FFF2-40B4-BE49-F238E27FC236}">
-                <a16:creationId xmlns="" xmlns:a16="http://schemas.microsoft.com/office/drawing/2014/main" id="{2E4B4082-D988-5D43-9C32-2C7F747717ED}"/>
+                <a16:creationId xmlns:a16="http://schemas.microsoft.com/office/drawing/2014/main" xmlns="" id="{2E4B4082-D988-5D43-9C32-2C7F747717ED}"/>
               </a:ext>
             </a:extLst>
           </p:cNvPr>
@@ -7321,7 +7321,7 @@
           <p:cNvPr id="12" name="Content Placeholder 2">
             <a:extLst>
               <a:ext uri="{FF2B5EF4-FFF2-40B4-BE49-F238E27FC236}">
-                <a16:creationId xmlns="" xmlns:a16="http://schemas.microsoft.com/office/drawing/2014/main" id="{45B8DE4D-1F9B-7341-8CB2-D70634815B55}"/>
+                <a16:creationId xmlns:a16="http://schemas.microsoft.com/office/drawing/2014/main" xmlns="" id="{45B8DE4D-1F9B-7341-8CB2-D70634815B55}"/>
               </a:ext>
             </a:extLst>
           </p:cNvPr>
@@ -7413,7 +7413,7 @@
           <p:cNvPr id="14" name="Footer Placeholder 3">
             <a:extLst>
               <a:ext uri="{FF2B5EF4-FFF2-40B4-BE49-F238E27FC236}">
-                <a16:creationId xmlns="" xmlns:a16="http://schemas.microsoft.com/office/drawing/2014/main" id="{DBA440F4-82E0-7E45-8A6F-4A8C7572AEE5}"/>
+                <a16:creationId xmlns:a16="http://schemas.microsoft.com/office/drawing/2014/main" xmlns="" id="{DBA440F4-82E0-7E45-8A6F-4A8C7572AEE5}"/>
               </a:ext>
             </a:extLst>
           </p:cNvPr>
@@ -7472,7 +7472,7 @@
           <p:cNvPr id="15" name="Slide Number Placeholder 5">
             <a:extLst>
               <a:ext uri="{FF2B5EF4-FFF2-40B4-BE49-F238E27FC236}">
-                <a16:creationId xmlns="" xmlns:a16="http://schemas.microsoft.com/office/drawing/2014/main" id="{CC67CD5C-67EC-5144-B858-5347C50D1ACD}"/>
+                <a16:creationId xmlns:a16="http://schemas.microsoft.com/office/drawing/2014/main" xmlns="" id="{CC67CD5C-67EC-5144-B858-5347C50D1ACD}"/>
               </a:ext>
             </a:extLst>
           </p:cNvPr>
@@ -7524,7 +7524,7 @@
           <p:cNvPr id="16" name="Straight Connector 15">
             <a:extLst>
               <a:ext uri="{FF2B5EF4-FFF2-40B4-BE49-F238E27FC236}">
-                <a16:creationId xmlns="" xmlns:a16="http://schemas.microsoft.com/office/drawing/2014/main" id="{95C486A1-9876-924E-85C2-906892F8B9AC}"/>
+                <a16:creationId xmlns:a16="http://schemas.microsoft.com/office/drawing/2014/main" xmlns="" id="{95C486A1-9876-924E-85C2-906892F8B9AC}"/>
               </a:ext>
             </a:extLst>
           </p:cNvPr>
@@ -7691,7 +7691,7 @@
           <a:p>
             <a:fld id="{CB9F8517-1271-4F8B-9742-ECB8BBF22693}" type="datetimeFigureOut">
               <a:rPr lang="en-US" smtClean="0"/>
-              <a:t>4/9/2022</a:t>
+              <a:t>4/11/2022</a:t>
             </a:fld>
             <a:endParaRPr lang="en-US"/>
           </a:p>
@@ -7790,7 +7790,7 @@
           <a:graphicData uri="http://schemas.openxmlformats.org/presentationml/2006/ole">
             <mc:AlternateContent xmlns:mc="http://schemas.openxmlformats.org/markup-compatibility/2006">
               <mc:Choice xmlns:v="urn:schemas-microsoft-com:vml" Requires="v">
-                <p:oleObj spid="_x0000_s39994" name="think-cell Slide" r:id="rId4" imgW="216" imgH="216" progId="TCLayout.ActiveDocument.1">
+                <p:oleObj spid="_x0000_s39995" name="think-cell Slide" r:id="rId4" imgW="216" imgH="216" progId="TCLayout.ActiveDocument.1">
                   <p:embed/>
                 </p:oleObj>
               </mc:Choice>
@@ -7830,7 +7830,7 @@
           <p:cNvPr id="8" name="Title 7">
             <a:extLst>
               <a:ext uri="{FF2B5EF4-FFF2-40B4-BE49-F238E27FC236}">
-                <a16:creationId xmlns="" xmlns:a16="http://schemas.microsoft.com/office/drawing/2014/main" id="{8A6F1540-D306-D44E-B1B3-1ACCF1041F70}"/>
+                <a16:creationId xmlns:a16="http://schemas.microsoft.com/office/drawing/2014/main" xmlns="" id="{8A6F1540-D306-D44E-B1B3-1ACCF1041F70}"/>
               </a:ext>
             </a:extLst>
           </p:cNvPr>
@@ -8626,7 +8626,7 @@
           <p:cNvPr id="37" name="Footer Placeholder 3">
             <a:extLst>
               <a:ext uri="{FF2B5EF4-FFF2-40B4-BE49-F238E27FC236}">
-                <a16:creationId xmlns="" xmlns:a16="http://schemas.microsoft.com/office/drawing/2014/main" id="{DBA440F4-82E0-7E45-8A6F-4A8C7572AEE5}"/>
+                <a16:creationId xmlns:a16="http://schemas.microsoft.com/office/drawing/2014/main" xmlns="" id="{DBA440F4-82E0-7E45-8A6F-4A8C7572AEE5}"/>
               </a:ext>
             </a:extLst>
           </p:cNvPr>
@@ -8685,7 +8685,7 @@
           <p:cNvPr id="38" name="Slide Number Placeholder 5">
             <a:extLst>
               <a:ext uri="{FF2B5EF4-FFF2-40B4-BE49-F238E27FC236}">
-                <a16:creationId xmlns="" xmlns:a16="http://schemas.microsoft.com/office/drawing/2014/main" id="{CC67CD5C-67EC-5144-B858-5347C50D1ACD}"/>
+                <a16:creationId xmlns:a16="http://schemas.microsoft.com/office/drawing/2014/main" xmlns="" id="{CC67CD5C-67EC-5144-B858-5347C50D1ACD}"/>
               </a:ext>
             </a:extLst>
           </p:cNvPr>
@@ -8737,7 +8737,7 @@
           <p:cNvPr id="39" name="Straight Connector 38">
             <a:extLst>
               <a:ext uri="{FF2B5EF4-FFF2-40B4-BE49-F238E27FC236}">
-                <a16:creationId xmlns="" xmlns:a16="http://schemas.microsoft.com/office/drawing/2014/main" id="{95C486A1-9876-924E-85C2-906892F8B9AC}"/>
+                <a16:creationId xmlns:a16="http://schemas.microsoft.com/office/drawing/2014/main" xmlns="" id="{95C486A1-9876-924E-85C2-906892F8B9AC}"/>
               </a:ext>
             </a:extLst>
           </p:cNvPr>
@@ -8838,7 +8838,7 @@
           <a:graphicData uri="http://schemas.openxmlformats.org/presentationml/2006/ole">
             <mc:AlternateContent xmlns:mc="http://schemas.openxmlformats.org/markup-compatibility/2006">
               <mc:Choice xmlns:v="urn:schemas-microsoft-com:vml" Requires="v">
-                <p:oleObj spid="_x0000_s41018" name="think-cell Slide" r:id="rId5" imgW="216" imgH="216" progId="TCLayout.ActiveDocument.1">
+                <p:oleObj spid="_x0000_s41019" name="think-cell Slide" r:id="rId5" imgW="216" imgH="216" progId="TCLayout.ActiveDocument.1">
                   <p:embed/>
                 </p:oleObj>
               </mc:Choice>
@@ -9055,7 +9055,7 @@
           <p:cNvPr id="4" name="Footer Placeholder 3">
             <a:extLst>
               <a:ext uri="{FF2B5EF4-FFF2-40B4-BE49-F238E27FC236}">
-                <a16:creationId xmlns="" xmlns:a16="http://schemas.microsoft.com/office/drawing/2014/main" id="{17D6DE4C-D976-4B4B-B087-C035EF8D4F6F}"/>
+                <a16:creationId xmlns:a16="http://schemas.microsoft.com/office/drawing/2014/main" xmlns="" id="{17D6DE4C-D976-4B4B-B087-C035EF8D4F6F}"/>
               </a:ext>
             </a:extLst>
           </p:cNvPr>
@@ -9114,7 +9114,7 @@
           <p:cNvPr id="17" name="Slide Number Placeholder 5">
             <a:extLst>
               <a:ext uri="{FF2B5EF4-FFF2-40B4-BE49-F238E27FC236}">
-                <a16:creationId xmlns="" xmlns:a16="http://schemas.microsoft.com/office/drawing/2014/main" id="{CC67CD5C-67EC-5144-B858-5347C50D1ACD}"/>
+                <a16:creationId xmlns:a16="http://schemas.microsoft.com/office/drawing/2014/main" xmlns="" id="{CC67CD5C-67EC-5144-B858-5347C50D1ACD}"/>
               </a:ext>
             </a:extLst>
           </p:cNvPr>
@@ -9166,7 +9166,7 @@
           <p:cNvPr id="8" name="Title 7">
             <a:extLst>
               <a:ext uri="{FF2B5EF4-FFF2-40B4-BE49-F238E27FC236}">
-                <a16:creationId xmlns="" xmlns:a16="http://schemas.microsoft.com/office/drawing/2014/main" id="{8A6F1540-D306-D44E-B1B3-1ACCF1041F70}"/>
+                <a16:creationId xmlns:a16="http://schemas.microsoft.com/office/drawing/2014/main" xmlns="" id="{8A6F1540-D306-D44E-B1B3-1ACCF1041F70}"/>
               </a:ext>
             </a:extLst>
           </p:cNvPr>
@@ -9210,7 +9210,7 @@
           <p:cNvPr id="9" name="Straight Connector 8">
             <a:extLst>
               <a:ext uri="{FF2B5EF4-FFF2-40B4-BE49-F238E27FC236}">
-                <a16:creationId xmlns="" xmlns:a16="http://schemas.microsoft.com/office/drawing/2014/main" id="{BB1AA2BE-B537-254D-958A-FBAFDE7E90DC}"/>
+                <a16:creationId xmlns:a16="http://schemas.microsoft.com/office/drawing/2014/main" xmlns="" id="{BB1AA2BE-B537-254D-958A-FBAFDE7E90DC}"/>
               </a:ext>
             </a:extLst>
           </p:cNvPr>
@@ -9253,7 +9253,7 @@
           <p:cNvPr id="10" name="Straight Connector 9">
             <a:extLst>
               <a:ext uri="{FF2B5EF4-FFF2-40B4-BE49-F238E27FC236}">
-                <a16:creationId xmlns="" xmlns:a16="http://schemas.microsoft.com/office/drawing/2014/main" id="{95C486A1-9876-924E-85C2-906892F8B9AC}"/>
+                <a16:creationId xmlns:a16="http://schemas.microsoft.com/office/drawing/2014/main" xmlns="" id="{95C486A1-9876-924E-85C2-906892F8B9AC}"/>
               </a:ext>
             </a:extLst>
           </p:cNvPr>
@@ -9777,7 +9777,7 @@
           <a:p>
             <a:fld id="{CB9F8517-1271-4F8B-9742-ECB8BBF22693}" type="datetimeFigureOut">
               <a:rPr lang="en-US" smtClean="0"/>
-              <a:t>4/9/2022</a:t>
+              <a:t>4/11/2022</a:t>
             </a:fld>
             <a:endParaRPr lang="en-US"/>
           </a:p>
@@ -10009,7 +10009,7 @@
           <a:p>
             <a:fld id="{CB9F8517-1271-4F8B-9742-ECB8BBF22693}" type="datetimeFigureOut">
               <a:rPr lang="en-US" smtClean="0"/>
-              <a:t>4/9/2022</a:t>
+              <a:t>4/11/2022</a:t>
             </a:fld>
             <a:endParaRPr lang="en-US"/>
           </a:p>
@@ -10376,7 +10376,7 @@
           <a:p>
             <a:fld id="{CB9F8517-1271-4F8B-9742-ECB8BBF22693}" type="datetimeFigureOut">
               <a:rPr lang="en-US" smtClean="0"/>
-              <a:t>4/9/2022</a:t>
+              <a:t>4/11/2022</a:t>
             </a:fld>
             <a:endParaRPr lang="en-US"/>
           </a:p>
@@ -10494,7 +10494,7 @@
           <a:p>
             <a:fld id="{CB9F8517-1271-4F8B-9742-ECB8BBF22693}" type="datetimeFigureOut">
               <a:rPr lang="en-US" smtClean="0"/>
-              <a:t>4/9/2022</a:t>
+              <a:t>4/11/2022</a:t>
             </a:fld>
             <a:endParaRPr lang="en-US"/>
           </a:p>
@@ -10589,7 +10589,7 @@
           <a:p>
             <a:fld id="{CB9F8517-1271-4F8B-9742-ECB8BBF22693}" type="datetimeFigureOut">
               <a:rPr lang="en-US" smtClean="0"/>
-              <a:t>4/9/2022</a:t>
+              <a:t>4/11/2022</a:t>
             </a:fld>
             <a:endParaRPr lang="en-US"/>
           </a:p>
@@ -10866,7 +10866,7 @@
           <a:p>
             <a:fld id="{CB9F8517-1271-4F8B-9742-ECB8BBF22693}" type="datetimeFigureOut">
               <a:rPr lang="en-US" smtClean="0"/>
-              <a:t>4/9/2022</a:t>
+              <a:t>4/11/2022</a:t>
             </a:fld>
             <a:endParaRPr lang="en-US"/>
           </a:p>
@@ -11119,7 +11119,7 @@
           <a:p>
             <a:fld id="{CB9F8517-1271-4F8B-9742-ECB8BBF22693}" type="datetimeFigureOut">
               <a:rPr lang="en-US" smtClean="0"/>
-              <a:t>4/9/2022</a:t>
+              <a:t>4/11/2022</a:t>
             </a:fld>
             <a:endParaRPr lang="en-US"/>
           </a:p>
@@ -11227,7 +11227,7 @@
           <a:graphicData uri="http://schemas.openxmlformats.org/presentationml/2006/ole">
             <mc:AlternateContent xmlns:mc="http://schemas.openxmlformats.org/markup-compatibility/2006">
               <mc:Choice xmlns:v="urn:schemas-microsoft-com:vml" Requires="v">
-                <p:oleObj spid="_x0000_s1094" name="think-cell Slide" r:id="rId16" imgW="416" imgH="416" progId="TCLayout.ActiveDocument.1">
+                <p:oleObj spid="_x0000_s1095" name="think-cell Slide" r:id="rId16" imgW="416" imgH="416" progId="TCLayout.ActiveDocument.1">
                   <p:embed/>
                 </p:oleObj>
               </mc:Choice>
@@ -11392,7 +11392,7 @@
           <a:p>
             <a:fld id="{CB9F8517-1271-4F8B-9742-ECB8BBF22693}" type="datetimeFigureOut">
               <a:rPr lang="en-US" smtClean="0"/>
-              <a:t>4/9/2022</a:t>
+              <a:t>4/11/2022</a:t>
             </a:fld>
             <a:endParaRPr lang="en-US"/>
           </a:p>
@@ -11828,7 +11828,7 @@
           <a:graphicData uri="http://schemas.openxmlformats.org/presentationml/2006/ole">
             <mc:AlternateContent xmlns:mc="http://schemas.openxmlformats.org/markup-compatibility/2006">
               <mc:Choice xmlns:v="urn:schemas-microsoft-com:vml" Requires="v">
-                <p:oleObj spid="_x0000_s31802" name="think-cell Slide" r:id="rId10" imgW="216" imgH="216" progId="TCLayout.ActiveDocument.1">
+                <p:oleObj spid="_x0000_s31803" name="think-cell Slide" r:id="rId10" imgW="216" imgH="216" progId="TCLayout.ActiveDocument.1">
                   <p:embed/>
                 </p:oleObj>
               </mc:Choice>
@@ -11948,7 +11948,7 @@
           <p:cNvPr id="10" name="Straight Connector 9">
             <a:extLst>
               <a:ext uri="{FF2B5EF4-FFF2-40B4-BE49-F238E27FC236}">
-                <a16:creationId xmlns="" xmlns:a16="http://schemas.microsoft.com/office/drawing/2014/main" id="{BB1AA2BE-B537-254D-958A-FBAFDE7E90DC}"/>
+                <a16:creationId xmlns:a16="http://schemas.microsoft.com/office/drawing/2014/main" xmlns="" id="{BB1AA2BE-B537-254D-958A-FBAFDE7E90DC}"/>
               </a:ext>
             </a:extLst>
           </p:cNvPr>
@@ -11991,7 +11991,7 @@
           <p:cNvPr id="15" name="Footer Placeholder 3">
             <a:extLst>
               <a:ext uri="{FF2B5EF4-FFF2-40B4-BE49-F238E27FC236}">
-                <a16:creationId xmlns="" xmlns:a16="http://schemas.microsoft.com/office/drawing/2014/main" id="{DBA440F4-82E0-7E45-8A6F-4A8C7572AEE5}"/>
+                <a16:creationId xmlns:a16="http://schemas.microsoft.com/office/drawing/2014/main" xmlns="" id="{DBA440F4-82E0-7E45-8A6F-4A8C7572AEE5}"/>
               </a:ext>
             </a:extLst>
           </p:cNvPr>
@@ -12050,7 +12050,7 @@
           <p:cNvPr id="16" name="Slide Number Placeholder 5">
             <a:extLst>
               <a:ext uri="{FF2B5EF4-FFF2-40B4-BE49-F238E27FC236}">
-                <a16:creationId xmlns="" xmlns:a16="http://schemas.microsoft.com/office/drawing/2014/main" id="{2D9636C8-FF6B-E141-B9E1-70C7091B23B1}"/>
+                <a16:creationId xmlns:a16="http://schemas.microsoft.com/office/drawing/2014/main" xmlns="" id="{2D9636C8-FF6B-E141-B9E1-70C7091B23B1}"/>
               </a:ext>
             </a:extLst>
           </p:cNvPr>
@@ -12417,7 +12417,7 @@
   </p:txStyles>
   <p:extLst mod="1">
     <p:ext uri="{27BBF7A9-308A-43DC-89C8-2F10F3537804}">
-      <p15:sldGuideLst xmlns="" xmlns:p15="http://schemas.microsoft.com/office/powerpoint/2012/main">
+      <p15:sldGuideLst xmlns:p15="http://schemas.microsoft.com/office/powerpoint/2012/main" xmlns="">
         <p15:guide id="1" orient="horz" pos="2041">
           <p15:clr>
             <a:srgbClr val="F26B43"/>
@@ -12586,7 +12586,7 @@
           <a:graphicData uri="http://schemas.openxmlformats.org/presentationml/2006/ole">
             <mc:AlternateContent xmlns:mc="http://schemas.openxmlformats.org/markup-compatibility/2006">
               <mc:Choice xmlns:v="urn:schemas-microsoft-com:vml" Requires="v">
-                <p:oleObj spid="_x0000_s36923" name="think-cell Slide" r:id="rId10" imgW="216" imgH="216" progId="TCLayout.ActiveDocument.1">
+                <p:oleObj spid="_x0000_s36924" name="think-cell Slide" r:id="rId10" imgW="216" imgH="216" progId="TCLayout.ActiveDocument.1">
                   <p:embed/>
                 </p:oleObj>
               </mc:Choice>
@@ -12706,7 +12706,7 @@
           <p:cNvPr id="10" name="Straight Connector 9">
             <a:extLst>
               <a:ext uri="{FF2B5EF4-FFF2-40B4-BE49-F238E27FC236}">
-                <a16:creationId xmlns="" xmlns:a16="http://schemas.microsoft.com/office/drawing/2014/main" id="{BB1AA2BE-B537-254D-958A-FBAFDE7E90DC}"/>
+                <a16:creationId xmlns:a16="http://schemas.microsoft.com/office/drawing/2014/main" xmlns="" id="{BB1AA2BE-B537-254D-958A-FBAFDE7E90DC}"/>
               </a:ext>
             </a:extLst>
           </p:cNvPr>
@@ -12749,7 +12749,7 @@
           <p:cNvPr id="15" name="Footer Placeholder 3">
             <a:extLst>
               <a:ext uri="{FF2B5EF4-FFF2-40B4-BE49-F238E27FC236}">
-                <a16:creationId xmlns="" xmlns:a16="http://schemas.microsoft.com/office/drawing/2014/main" id="{DBA440F4-82E0-7E45-8A6F-4A8C7572AEE5}"/>
+                <a16:creationId xmlns:a16="http://schemas.microsoft.com/office/drawing/2014/main" xmlns="" id="{DBA440F4-82E0-7E45-8A6F-4A8C7572AEE5}"/>
               </a:ext>
             </a:extLst>
           </p:cNvPr>
@@ -12808,7 +12808,7 @@
           <p:cNvPr id="16" name="Slide Number Placeholder 5">
             <a:extLst>
               <a:ext uri="{FF2B5EF4-FFF2-40B4-BE49-F238E27FC236}">
-                <a16:creationId xmlns="" xmlns:a16="http://schemas.microsoft.com/office/drawing/2014/main" id="{2D9636C8-FF6B-E141-B9E1-70C7091B23B1}"/>
+                <a16:creationId xmlns:a16="http://schemas.microsoft.com/office/drawing/2014/main" xmlns="" id="{2D9636C8-FF6B-E141-B9E1-70C7091B23B1}"/>
               </a:ext>
             </a:extLst>
           </p:cNvPr>
@@ -13175,7 +13175,7 @@
   </p:txStyles>
   <p:extLst mod="1">
     <p:ext uri="{27BBF7A9-308A-43DC-89C8-2F10F3537804}">
-      <p15:sldGuideLst xmlns="" xmlns:p15="http://schemas.microsoft.com/office/powerpoint/2012/main">
+      <p15:sldGuideLst xmlns:p15="http://schemas.microsoft.com/office/powerpoint/2012/main" xmlns="">
         <p15:guide id="1" orient="horz" pos="2041">
           <p15:clr>
             <a:srgbClr val="F26B43"/>
@@ -13339,7 +13339,7 @@
           <a:graphicData uri="http://schemas.openxmlformats.org/presentationml/2006/ole">
             <mc:AlternateContent xmlns:mc="http://schemas.openxmlformats.org/markup-compatibility/2006">
               <mc:Choice xmlns:v="urn:schemas-microsoft-com:vml" Requires="v">
-                <p:oleObj spid="_x0000_s14409" name="think-cell Slide" r:id="rId5" imgW="396" imgH="396" progId="TCLayout.ActiveDocument.1">
+                <p:oleObj spid="_x0000_s14410" name="think-cell Slide" r:id="rId5" imgW="396" imgH="396" progId="TCLayout.ActiveDocument.1">
                   <p:embed/>
                 </p:oleObj>
               </mc:Choice>
@@ -13379,7 +13379,7 @@
           <p:cNvPr id="63" name="图片 2">
             <a:extLst>
               <a:ext uri="{FF2B5EF4-FFF2-40B4-BE49-F238E27FC236}">
-                <a16:creationId xmlns="" xmlns:a16="http://schemas.microsoft.com/office/drawing/2014/main" id="{321341A2-5A29-6A47-A5DC-E12071424359}"/>
+                <a16:creationId xmlns:a16="http://schemas.microsoft.com/office/drawing/2014/main" xmlns="" id="{321341A2-5A29-6A47-A5DC-E12071424359}"/>
               </a:ext>
             </a:extLst>
           </p:cNvPr>
@@ -13415,7 +13415,7 @@
           <p:cNvPr id="69" name="矩形 197">
             <a:extLst>
               <a:ext uri="{FF2B5EF4-FFF2-40B4-BE49-F238E27FC236}">
-                <a16:creationId xmlns="" xmlns:a16="http://schemas.microsoft.com/office/drawing/2014/main" id="{A26E02F6-ED45-2E46-B455-D7E64937829D}"/>
+                <a16:creationId xmlns:a16="http://schemas.microsoft.com/office/drawing/2014/main" xmlns="" id="{A26E02F6-ED45-2E46-B455-D7E64937829D}"/>
               </a:ext>
             </a:extLst>
           </p:cNvPr>
@@ -15238,7 +15238,7 @@
           <p:cNvPr id="37" name="Straight Connector 22">
             <a:extLst>
               <a:ext uri="{FF2B5EF4-FFF2-40B4-BE49-F238E27FC236}">
-                <a16:creationId xmlns="" xmlns:a16="http://schemas.microsoft.com/office/drawing/2014/main" id="{145705CD-70A8-344F-AEB6-14ED3BCA6F5B}"/>
+                <a16:creationId xmlns:a16="http://schemas.microsoft.com/office/drawing/2014/main" xmlns="" id="{145705CD-70A8-344F-AEB6-14ED3BCA6F5B}"/>
               </a:ext>
             </a:extLst>
           </p:cNvPr>
@@ -15291,7 +15291,7 @@
           <p:cNvPr id="42" name="Title 2">
             <a:extLst>
               <a:ext uri="{FF2B5EF4-FFF2-40B4-BE49-F238E27FC236}">
-                <a16:creationId xmlns="" xmlns:a16="http://schemas.microsoft.com/office/drawing/2014/main" id="{2AA0B7C0-B58E-2540-93F4-0E5771E03B19}"/>
+                <a16:creationId xmlns:a16="http://schemas.microsoft.com/office/drawing/2014/main" xmlns="" id="{2AA0B7C0-B58E-2540-93F4-0E5771E03B19}"/>
               </a:ext>
             </a:extLst>
           </p:cNvPr>
@@ -17709,7 +17709,7 @@
           <a:graphicData uri="http://schemas.openxmlformats.org/presentationml/2006/ole">
             <mc:AlternateContent xmlns:mc="http://schemas.openxmlformats.org/markup-compatibility/2006">
               <mc:Choice xmlns:v="urn:schemas-microsoft-com:vml" Requires="v">
-                <p:oleObj spid="_x0000_s42049" name="think-cell Slide" r:id="rId6" imgW="416" imgH="416" progId="TCLayout.ActiveDocument.1">
+                <p:oleObj spid="_x0000_s42050" name="think-cell Slide" r:id="rId6" imgW="416" imgH="416" progId="TCLayout.ActiveDocument.1">
                   <p:embed/>
                 </p:oleObj>
               </mc:Choice>
@@ -18113,7 +18113,7 @@
           <p:nvPr>
             <p:extLst>
               <p:ext uri="{D42A27DB-BD31-4B8C-83A1-F6EECF244321}">
-                <p14:modId xmlns:p14="http://schemas.microsoft.com/office/powerpoint/2010/main" val="1954897931"/>
+                <p14:modId xmlns:p14="http://schemas.microsoft.com/office/powerpoint/2010/main" val="2753780361"/>
               </p:ext>
             </p:extLst>
           </p:nvPr>
@@ -18132,35 +18132,35 @@
                 <a:gridCol w="1624339">
                   <a:extLst>
                     <a:ext uri="{9D8B030D-6E8A-4147-A177-3AD203B41FA5}">
-                      <a16:colId xmlns="" xmlns:a16="http://schemas.microsoft.com/office/drawing/2014/main" val="1228268629"/>
+                      <a16:colId xmlns:a16="http://schemas.microsoft.com/office/drawing/2014/main" xmlns="" val="1228268629"/>
                     </a:ext>
                   </a:extLst>
                 </a:gridCol>
                 <a:gridCol w="1886015">
                   <a:extLst>
                     <a:ext uri="{9D8B030D-6E8A-4147-A177-3AD203B41FA5}">
-                      <a16:colId xmlns="" xmlns:a16="http://schemas.microsoft.com/office/drawing/2014/main" val="4045974056"/>
+                      <a16:colId xmlns:a16="http://schemas.microsoft.com/office/drawing/2014/main" xmlns="" val="4045974056"/>
                     </a:ext>
                   </a:extLst>
                 </a:gridCol>
                 <a:gridCol w="1428139">
                   <a:extLst>
                     <a:ext uri="{9D8B030D-6E8A-4147-A177-3AD203B41FA5}">
-                      <a16:colId xmlns="" xmlns:a16="http://schemas.microsoft.com/office/drawing/2014/main" val="2462729159"/>
+                      <a16:colId xmlns:a16="http://schemas.microsoft.com/office/drawing/2014/main" xmlns="" val="2462729159"/>
                     </a:ext>
                   </a:extLst>
                 </a:gridCol>
                 <a:gridCol w="2349121">
                   <a:extLst>
                     <a:ext uri="{9D8B030D-6E8A-4147-A177-3AD203B41FA5}">
-                      <a16:colId xmlns="" xmlns:a16="http://schemas.microsoft.com/office/drawing/2014/main" val="978489334"/>
+                      <a16:colId xmlns:a16="http://schemas.microsoft.com/office/drawing/2014/main" xmlns="" val="978489334"/>
                     </a:ext>
                   </a:extLst>
                 </a:gridCol>
                 <a:gridCol w="3777260">
                   <a:extLst>
                     <a:ext uri="{9D8B030D-6E8A-4147-A177-3AD203B41FA5}">
-                      <a16:colId xmlns="" xmlns:a16="http://schemas.microsoft.com/office/drawing/2014/main" val="988664389"/>
+                      <a16:colId xmlns:a16="http://schemas.microsoft.com/office/drawing/2014/main" xmlns="" val="988664389"/>
                     </a:ext>
                   </a:extLst>
                 </a:gridCol>
@@ -18330,7 +18330,7 @@
                 </a:tc>
                 <a:extLst>
                   <a:ext uri="{0D108BD9-81ED-4DB2-BD59-A6C34878D82A}">
-                    <a16:rowId xmlns="" xmlns:a16="http://schemas.microsoft.com/office/drawing/2014/main" val="1879564901"/>
+                    <a16:rowId xmlns:a16="http://schemas.microsoft.com/office/drawing/2014/main" xmlns="" val="1879564901"/>
                   </a:ext>
                 </a:extLst>
               </a:tr>
@@ -18435,17 +18435,14 @@
                         <a:tabLst/>
                         <a:defRPr/>
                       </a:pPr>
-                      <a:r>
-                        <a:rPr lang="en-US" sz="1200" b="0" kern="1200" dirty="0" smtClean="0">
-                          <a:solidFill>
-                            <a:schemeClr val="tx1"/>
-                          </a:solidFill>
-                          <a:latin typeface="+mn-lt"/>
-                          <a:ea typeface="+mn-ea"/>
-                          <a:cs typeface="+mn-cs"/>
-                        </a:rPr>
-                        <a:t>XXXX</a:t>
-                      </a:r>
+                      <a:endParaRPr lang="en-US" sz="1200" b="0" kern="1200" dirty="0" smtClean="0">
+                        <a:solidFill>
+                          <a:schemeClr val="tx1"/>
+                        </a:solidFill>
+                        <a:latin typeface="+mn-lt"/>
+                        <a:ea typeface="+mn-ea"/>
+                        <a:cs typeface="+mn-cs"/>
+                      </a:endParaRPr>
                     </a:p>
                   </a:txBody>
                   <a:tcPr marL="102727" marR="102727" marT="51364" marB="51364" anchor="ctr">
@@ -18550,17 +18547,14 @@
                         <a:tabLst/>
                         <a:defRPr/>
                       </a:pPr>
-                      <a:r>
-                        <a:rPr lang="en-US" sz="1200" b="0" kern="1200" dirty="0" smtClean="0">
-                          <a:solidFill>
-                            <a:schemeClr val="tx1"/>
-                          </a:solidFill>
-                          <a:latin typeface="+mn-lt"/>
-                          <a:ea typeface="+mn-ea"/>
-                          <a:cs typeface="+mn-cs"/>
-                        </a:rPr>
-                        <a:t>XX/XX/2022 – XX/XX/2022</a:t>
-                      </a:r>
+                      <a:endParaRPr lang="en-US" sz="1200" b="0" kern="1200" dirty="0" smtClean="0">
+                        <a:solidFill>
+                          <a:schemeClr val="tx1"/>
+                        </a:solidFill>
+                        <a:latin typeface="+mn-lt"/>
+                        <a:ea typeface="+mn-ea"/>
+                        <a:cs typeface="+mn-cs"/>
+                      </a:endParaRPr>
                     </a:p>
                   </a:txBody>
                   <a:tcPr marL="102727" marR="102727" marT="51364" marB="51364" anchor="ctr">
@@ -18571,7 +18565,7 @@
                 </a:tc>
                 <a:extLst>
                   <a:ext uri="{0D108BD9-81ED-4DB2-BD59-A6C34878D82A}">
-                    <a16:rowId xmlns="" xmlns:a16="http://schemas.microsoft.com/office/drawing/2014/main" val="359195167"/>
+                    <a16:rowId xmlns:a16="http://schemas.microsoft.com/office/drawing/2014/main" xmlns="" val="359195167"/>
                   </a:ext>
                 </a:extLst>
               </a:tr>
@@ -18644,14 +18638,6 @@
                     <a:bodyPr/>
                     <a:lstStyle/>
                     <a:p>
-                      <a:r>
-                        <a:rPr lang="en-US" sz="1200" dirty="0" smtClean="0">
-                          <a:solidFill>
-                            <a:schemeClr val="tx1"/>
-                          </a:solidFill>
-                        </a:rPr>
-                        <a:t>XXXX</a:t>
-                      </a:r>
                       <a:endParaRPr lang="en-US" sz="1200" dirty="0">
                         <a:solidFill>
                           <a:schemeClr val="tx1"/>
@@ -18730,7 +18716,7 @@
                 </a:tc>
                 <a:extLst>
                   <a:ext uri="{0D108BD9-81ED-4DB2-BD59-A6C34878D82A}">
-                    <a16:rowId xmlns="" xmlns:a16="http://schemas.microsoft.com/office/drawing/2014/main" val="2388008764"/>
+                    <a16:rowId xmlns:a16="http://schemas.microsoft.com/office/drawing/2014/main" xmlns="" val="2388008764"/>
                   </a:ext>
                 </a:extLst>
               </a:tr>
@@ -19030,7 +19016,7 @@
                 </a:tc>
                 <a:extLst>
                   <a:ext uri="{0D108BD9-81ED-4DB2-BD59-A6C34878D82A}">
-                    <a16:rowId xmlns="" xmlns:a16="http://schemas.microsoft.com/office/drawing/2014/main" val="3742758418"/>
+                    <a16:rowId xmlns:a16="http://schemas.microsoft.com/office/drawing/2014/main" xmlns="" val="3742758418"/>
                   </a:ext>
                 </a:extLst>
               </a:tr>
@@ -19172,14 +19158,6 @@
                     <a:bodyPr/>
                     <a:lstStyle/>
                     <a:p>
-                      <a:r>
-                        <a:rPr lang="en-US" sz="1200" dirty="0" smtClean="0">
-                          <a:solidFill>
-                            <a:schemeClr val="tx1"/>
-                          </a:solidFill>
-                        </a:rPr>
-                        <a:t>XX</a:t>
-                      </a:r>
                       <a:endParaRPr lang="en-US" sz="1200" dirty="0">
                         <a:solidFill>
                           <a:schemeClr val="tx1"/>
@@ -19240,14 +19218,6 @@
                     <a:bodyPr/>
                     <a:lstStyle/>
                     <a:p>
-                      <a:r>
-                        <a:rPr lang="en-US" sz="1200" dirty="0" smtClean="0">
-                          <a:solidFill>
-                            <a:schemeClr val="tx1"/>
-                          </a:solidFill>
-                        </a:rPr>
-                        <a:t>XX</a:t>
-                      </a:r>
                       <a:endParaRPr lang="en-US" sz="1200" dirty="0">
                         <a:solidFill>
                           <a:schemeClr val="tx1"/>
@@ -19265,7 +19235,7 @@
                 </a:tc>
                 <a:extLst>
                   <a:ext uri="{0D108BD9-81ED-4DB2-BD59-A6C34878D82A}">
-                    <a16:rowId xmlns="" xmlns:a16="http://schemas.microsoft.com/office/drawing/2014/main" val="3286601418"/>
+                    <a16:rowId xmlns:a16="http://schemas.microsoft.com/office/drawing/2014/main" xmlns="" val="3286601418"/>
                   </a:ext>
                 </a:extLst>
               </a:tr>
@@ -19407,14 +19377,6 @@
                     <a:bodyPr/>
                     <a:lstStyle/>
                     <a:p>
-                      <a:r>
-                        <a:rPr lang="en-US" sz="1200" dirty="0" smtClean="0">
-                          <a:solidFill>
-                            <a:schemeClr val="tx1"/>
-                          </a:solidFill>
-                        </a:rPr>
-                        <a:t>XX</a:t>
-                      </a:r>
                       <a:endParaRPr lang="en-US" sz="1200" dirty="0">
                         <a:solidFill>
                           <a:schemeClr val="tx1"/>
@@ -19475,14 +19437,6 @@
                     <a:bodyPr/>
                     <a:lstStyle/>
                     <a:p>
-                      <a:r>
-                        <a:rPr lang="en-US" sz="1200" dirty="0" smtClean="0">
-                          <a:solidFill>
-                            <a:schemeClr val="tx1"/>
-                          </a:solidFill>
-                        </a:rPr>
-                        <a:t>XX</a:t>
-                      </a:r>
                       <a:endParaRPr lang="en-US" sz="1200" dirty="0">
                         <a:solidFill>
                           <a:schemeClr val="tx1"/>
@@ -19500,7 +19454,7 @@
                 </a:tc>
                 <a:extLst>
                   <a:ext uri="{0D108BD9-81ED-4DB2-BD59-A6C34878D82A}">
-                    <a16:rowId xmlns="" xmlns:a16="http://schemas.microsoft.com/office/drawing/2014/main" val="628591838"/>
+                    <a16:rowId xmlns:a16="http://schemas.microsoft.com/office/drawing/2014/main" xmlns="" val="628591838"/>
                   </a:ext>
                 </a:extLst>
               </a:tr>
@@ -19631,14 +19585,6 @@
                     <a:bodyPr/>
                     <a:lstStyle/>
                     <a:p>
-                      <a:r>
-                        <a:rPr lang="en-US" sz="1200" dirty="0" smtClean="0">
-                          <a:solidFill>
-                            <a:schemeClr val="tx1"/>
-                          </a:solidFill>
-                        </a:rPr>
-                        <a:t>RMB X,XXX</a:t>
-                      </a:r>
                       <a:endParaRPr lang="en-US" sz="1200" dirty="0">
                         <a:solidFill>
                           <a:schemeClr val="tx1"/>
@@ -19699,14 +19645,6 @@
                     <a:bodyPr/>
                     <a:lstStyle/>
                     <a:p>
-                      <a:r>
-                        <a:rPr lang="en-US" sz="1200" dirty="0" smtClean="0">
-                          <a:solidFill>
-                            <a:schemeClr val="tx1"/>
-                          </a:solidFill>
-                        </a:rPr>
-                        <a:t>RMB X,XXX</a:t>
-                      </a:r>
                       <a:endParaRPr lang="en-US" sz="1200" dirty="0">
                         <a:solidFill>
                           <a:schemeClr val="tx1"/>
@@ -19724,7 +19662,7 @@
                 </a:tc>
                 <a:extLst>
                   <a:ext uri="{0D108BD9-81ED-4DB2-BD59-A6C34878D82A}">
-                    <a16:rowId xmlns="" xmlns:a16="http://schemas.microsoft.com/office/drawing/2014/main" val="1485137538"/>
+                    <a16:rowId xmlns:a16="http://schemas.microsoft.com/office/drawing/2014/main" xmlns="" val="1485137538"/>
                   </a:ext>
                 </a:extLst>
               </a:tr>
@@ -19880,14 +19818,6 @@
                     <a:bodyPr/>
                     <a:lstStyle/>
                     <a:p>
-                      <a:r>
-                        <a:rPr lang="en-US" sz="1200" dirty="0" smtClean="0">
-                          <a:solidFill>
-                            <a:schemeClr val="tx1"/>
-                          </a:solidFill>
-                        </a:rPr>
-                        <a:t>XX</a:t>
-                      </a:r>
                       <a:endParaRPr lang="en-US" sz="1200" dirty="0">
                         <a:solidFill>
                           <a:schemeClr val="tx1"/>
@@ -19948,14 +19878,6 @@
                     <a:bodyPr/>
                     <a:lstStyle/>
                     <a:p>
-                      <a:r>
-                        <a:rPr lang="en-US" sz="1200" dirty="0" smtClean="0">
-                          <a:solidFill>
-                            <a:schemeClr val="tx1"/>
-                          </a:solidFill>
-                        </a:rPr>
-                        <a:t>XX</a:t>
-                      </a:r>
                       <a:endParaRPr lang="en-US" sz="1200" dirty="0">
                         <a:solidFill>
                           <a:schemeClr val="tx1"/>
@@ -19973,7 +19895,7 @@
                 </a:tc>
                 <a:extLst>
                   <a:ext uri="{0D108BD9-81ED-4DB2-BD59-A6C34878D82A}">
-                    <a16:rowId xmlns="" xmlns:a16="http://schemas.microsoft.com/office/drawing/2014/main" val="1220343380"/>
+                    <a16:rowId xmlns:a16="http://schemas.microsoft.com/office/drawing/2014/main" xmlns="" val="1220343380"/>
                   </a:ext>
                 </a:extLst>
               </a:tr>
@@ -20010,35 +19932,35 @@
                 <a:gridCol w="2454326">
                   <a:extLst>
                     <a:ext uri="{9D8B030D-6E8A-4147-A177-3AD203B41FA5}">
-                      <a16:colId xmlns="" xmlns:a16="http://schemas.microsoft.com/office/drawing/2014/main" val="20000"/>
+                      <a16:colId xmlns:a16="http://schemas.microsoft.com/office/drawing/2014/main" xmlns="" val="20000"/>
                     </a:ext>
                   </a:extLst>
                 </a:gridCol>
                 <a:gridCol w="2306453">
                   <a:extLst>
                     <a:ext uri="{9D8B030D-6E8A-4147-A177-3AD203B41FA5}">
-                      <a16:colId xmlns="" xmlns:a16="http://schemas.microsoft.com/office/drawing/2014/main" val="20002"/>
+                      <a16:colId xmlns:a16="http://schemas.microsoft.com/office/drawing/2014/main" xmlns="" val="20002"/>
                     </a:ext>
                   </a:extLst>
                 </a:gridCol>
                 <a:gridCol w="2254336">
                   <a:extLst>
                     <a:ext uri="{9D8B030D-6E8A-4147-A177-3AD203B41FA5}">
-                      <a16:colId xmlns="" xmlns:a16="http://schemas.microsoft.com/office/drawing/2014/main" val="2575180168"/>
+                      <a16:colId xmlns:a16="http://schemas.microsoft.com/office/drawing/2014/main" xmlns="" val="2575180168"/>
                     </a:ext>
                   </a:extLst>
                 </a:gridCol>
                 <a:gridCol w="2355667">
                   <a:extLst>
                     <a:ext uri="{9D8B030D-6E8A-4147-A177-3AD203B41FA5}">
-                      <a16:colId xmlns="" xmlns:a16="http://schemas.microsoft.com/office/drawing/2014/main" val="20003"/>
+                      <a16:colId xmlns:a16="http://schemas.microsoft.com/office/drawing/2014/main" xmlns="" val="20003"/>
                     </a:ext>
                   </a:extLst>
                 </a:gridCol>
                 <a:gridCol w="1661586">
                   <a:extLst>
                     <a:ext uri="{9D8B030D-6E8A-4147-A177-3AD203B41FA5}">
-                      <a16:colId xmlns="" xmlns:a16="http://schemas.microsoft.com/office/drawing/2014/main" val="1141158204"/>
+                      <a16:colId xmlns:a16="http://schemas.microsoft.com/office/drawing/2014/main" xmlns="" val="1141158204"/>
                     </a:ext>
                   </a:extLst>
                 </a:gridCol>
@@ -20722,7 +20644,7 @@
                 </a:tc>
                 <a:extLst>
                   <a:ext uri="{0D108BD9-81ED-4DB2-BD59-A6C34878D82A}">
-                    <a16:rowId xmlns="" xmlns:a16="http://schemas.microsoft.com/office/drawing/2014/main" val="10000"/>
+                    <a16:rowId xmlns:a16="http://schemas.microsoft.com/office/drawing/2014/main" xmlns="" val="10000"/>
                   </a:ext>
                 </a:extLst>
               </a:tr>
@@ -21110,7 +21032,7 @@
                 </a:tc>
                 <a:extLst>
                   <a:ext uri="{0D108BD9-81ED-4DB2-BD59-A6C34878D82A}">
-                    <a16:rowId xmlns="" xmlns:a16="http://schemas.microsoft.com/office/drawing/2014/main" val="3242880312"/>
+                    <a16:rowId xmlns:a16="http://schemas.microsoft.com/office/drawing/2014/main" xmlns="" val="3242880312"/>
                   </a:ext>
                 </a:extLst>
               </a:tr>
@@ -21572,7 +21494,7 @@
                 <a:gridCol w="1450058">
                   <a:extLst>
                     <a:ext uri="{9D8B030D-6E8A-4147-A177-3AD203B41FA5}">
-                      <a16:colId xmlns="" xmlns:a16="http://schemas.microsoft.com/office/drawing/2014/main" val="20000"/>
+                      <a16:colId xmlns:a16="http://schemas.microsoft.com/office/drawing/2014/main" xmlns="" val="20000"/>
                     </a:ext>
                   </a:extLst>
                 </a:gridCol>
@@ -21580,7 +21502,7 @@
                 <a:gridCol w="1392572">
                   <a:extLst>
                     <a:ext uri="{9D8B030D-6E8A-4147-A177-3AD203B41FA5}">
-                      <a16:colId xmlns="" xmlns:a16="http://schemas.microsoft.com/office/drawing/2014/main" val="20001"/>
+                      <a16:colId xmlns:a16="http://schemas.microsoft.com/office/drawing/2014/main" xmlns="" val="20001"/>
                     </a:ext>
                   </a:extLst>
                 </a:gridCol>
@@ -22244,7 +22166,7 @@
                 </a:tc>
                 <a:extLst>
                   <a:ext uri="{0D108BD9-81ED-4DB2-BD59-A6C34878D82A}">
-                    <a16:rowId xmlns="" xmlns:a16="http://schemas.microsoft.com/office/drawing/2014/main" val="10000"/>
+                    <a16:rowId xmlns:a16="http://schemas.microsoft.com/office/drawing/2014/main" xmlns="" val="10000"/>
                   </a:ext>
                 </a:extLst>
               </a:tr>
@@ -24111,7 +24033,7 @@
                 </a:tc>
                 <a:extLst>
                   <a:ext uri="{0D108BD9-81ED-4DB2-BD59-A6C34878D82A}">
-                    <a16:rowId xmlns="" xmlns:a16="http://schemas.microsoft.com/office/drawing/2014/main" val="10001"/>
+                    <a16:rowId xmlns:a16="http://schemas.microsoft.com/office/drawing/2014/main" xmlns="" val="10001"/>
                   </a:ext>
                 </a:extLst>
               </a:tr>
@@ -24790,7 +24712,7 @@
                 </a:tc>
                 <a:extLst>
                   <a:ext uri="{0D108BD9-81ED-4DB2-BD59-A6C34878D82A}">
-                    <a16:rowId xmlns="" xmlns:a16="http://schemas.microsoft.com/office/drawing/2014/main" val="10002"/>
+                    <a16:rowId xmlns:a16="http://schemas.microsoft.com/office/drawing/2014/main" xmlns="" val="10002"/>
                   </a:ext>
                 </a:extLst>
               </a:tr>
@@ -25469,7 +25391,7 @@
                 </a:tc>
                 <a:extLst>
                   <a:ext uri="{0D108BD9-81ED-4DB2-BD59-A6C34878D82A}">
-                    <a16:rowId xmlns="" xmlns:a16="http://schemas.microsoft.com/office/drawing/2014/main" val="10003"/>
+                    <a16:rowId xmlns:a16="http://schemas.microsoft.com/office/drawing/2014/main" xmlns="" val="10003"/>
                   </a:ext>
                 </a:extLst>
               </a:tr>
@@ -27496,7 +27418,7 @@
                 </a:tc>
                 <a:extLst>
                   <a:ext uri="{0D108BD9-81ED-4DB2-BD59-A6C34878D82A}">
-                    <a16:rowId xmlns="" xmlns:a16="http://schemas.microsoft.com/office/drawing/2014/main" val="10004"/>
+                    <a16:rowId xmlns:a16="http://schemas.microsoft.com/office/drawing/2014/main" xmlns="" val="10004"/>
                   </a:ext>
                 </a:extLst>
               </a:tr>
@@ -29163,7 +29085,7 @@
                 <a:gridCol w="11048531">
                   <a:extLst>
                     <a:ext uri="{9D8B030D-6E8A-4147-A177-3AD203B41FA5}">
-                      <a16:colId xmlns="" xmlns:a16="http://schemas.microsoft.com/office/drawing/2014/main" val="1357581311"/>
+                      <a16:colId xmlns:a16="http://schemas.microsoft.com/office/drawing/2014/main" xmlns="" val="1357581311"/>
                     </a:ext>
                   </a:extLst>
                 </a:gridCol>
@@ -29250,7 +29172,7 @@
                 </a:tc>
                 <a:extLst>
                   <a:ext uri="{0D108BD9-81ED-4DB2-BD59-A6C34878D82A}">
-                    <a16:rowId xmlns="" xmlns:a16="http://schemas.microsoft.com/office/drawing/2014/main" val="3203583067"/>
+                    <a16:rowId xmlns:a16="http://schemas.microsoft.com/office/drawing/2014/main" xmlns="" val="3203583067"/>
                   </a:ext>
                 </a:extLst>
               </a:tr>
@@ -29286,21 +29208,21 @@
                 <a:gridCol w="3682842">
                   <a:extLst>
                     <a:ext uri="{9D8B030D-6E8A-4147-A177-3AD203B41FA5}">
-                      <a16:colId xmlns="" xmlns:a16="http://schemas.microsoft.com/office/drawing/2014/main" val="1109671872"/>
+                      <a16:colId xmlns:a16="http://schemas.microsoft.com/office/drawing/2014/main" xmlns="" val="1109671872"/>
                     </a:ext>
                   </a:extLst>
                 </a:gridCol>
                 <a:gridCol w="3682842">
                   <a:extLst>
                     <a:ext uri="{9D8B030D-6E8A-4147-A177-3AD203B41FA5}">
-                      <a16:colId xmlns="" xmlns:a16="http://schemas.microsoft.com/office/drawing/2014/main" val="390604985"/>
+                      <a16:colId xmlns:a16="http://schemas.microsoft.com/office/drawing/2014/main" xmlns="" val="390604985"/>
                     </a:ext>
                   </a:extLst>
                 </a:gridCol>
                 <a:gridCol w="3682842">
                   <a:extLst>
                     <a:ext uri="{9D8B030D-6E8A-4147-A177-3AD203B41FA5}">
-                      <a16:colId xmlns="" xmlns:a16="http://schemas.microsoft.com/office/drawing/2014/main" val="3548678291"/>
+                      <a16:colId xmlns:a16="http://schemas.microsoft.com/office/drawing/2014/main" xmlns="" val="3548678291"/>
                     </a:ext>
                   </a:extLst>
                 </a:gridCol>
@@ -29410,7 +29332,7 @@
                 </a:tc>
                 <a:extLst>
                   <a:ext uri="{0D108BD9-81ED-4DB2-BD59-A6C34878D82A}">
-                    <a16:rowId xmlns="" xmlns:a16="http://schemas.microsoft.com/office/drawing/2014/main" val="2826780448"/>
+                    <a16:rowId xmlns:a16="http://schemas.microsoft.com/office/drawing/2014/main" xmlns="" val="2826780448"/>
                   </a:ext>
                 </a:extLst>
               </a:tr>
@@ -29520,7 +29442,7 @@
                 </a:tc>
                 <a:extLst>
                   <a:ext uri="{0D108BD9-81ED-4DB2-BD59-A6C34878D82A}">
-                    <a16:rowId xmlns="" xmlns:a16="http://schemas.microsoft.com/office/drawing/2014/main" val="2074693909"/>
+                    <a16:rowId xmlns:a16="http://schemas.microsoft.com/office/drawing/2014/main" xmlns="" val="2074693909"/>
                   </a:ext>
                 </a:extLst>
               </a:tr>
@@ -29630,7 +29552,7 @@
                 </a:tc>
                 <a:extLst>
                   <a:ext uri="{0D108BD9-81ED-4DB2-BD59-A6C34878D82A}">
-                    <a16:rowId xmlns="" xmlns:a16="http://schemas.microsoft.com/office/drawing/2014/main" val="3442556936"/>
+                    <a16:rowId xmlns:a16="http://schemas.microsoft.com/office/drawing/2014/main" xmlns="" val="3442556936"/>
                   </a:ext>
                 </a:extLst>
               </a:tr>
@@ -29666,35 +29588,35 @@
                 <a:gridCol w="2209707">
                   <a:extLst>
                     <a:ext uri="{9D8B030D-6E8A-4147-A177-3AD203B41FA5}">
-                      <a16:colId xmlns="" xmlns:a16="http://schemas.microsoft.com/office/drawing/2014/main" val="4105844897"/>
+                      <a16:colId xmlns:a16="http://schemas.microsoft.com/office/drawing/2014/main" xmlns="" val="4105844897"/>
                     </a:ext>
                   </a:extLst>
                 </a:gridCol>
                 <a:gridCol w="2547324">
                   <a:extLst>
                     <a:ext uri="{9D8B030D-6E8A-4147-A177-3AD203B41FA5}">
-                      <a16:colId xmlns="" xmlns:a16="http://schemas.microsoft.com/office/drawing/2014/main" val="4142034472"/>
+                      <a16:colId xmlns:a16="http://schemas.microsoft.com/office/drawing/2014/main" xmlns="" val="4142034472"/>
                     </a:ext>
                   </a:extLst>
                 </a:gridCol>
                 <a:gridCol w="2601685">
                   <a:extLst>
                     <a:ext uri="{9D8B030D-6E8A-4147-A177-3AD203B41FA5}">
-                      <a16:colId xmlns="" xmlns:a16="http://schemas.microsoft.com/office/drawing/2014/main" val="2076643704"/>
+                      <a16:colId xmlns:a16="http://schemas.microsoft.com/office/drawing/2014/main" xmlns="" val="2076643704"/>
                     </a:ext>
                   </a:extLst>
                 </a:gridCol>
                 <a:gridCol w="1480110">
                   <a:extLst>
                     <a:ext uri="{9D8B030D-6E8A-4147-A177-3AD203B41FA5}">
-                      <a16:colId xmlns="" xmlns:a16="http://schemas.microsoft.com/office/drawing/2014/main" val="3774860856"/>
+                      <a16:colId xmlns:a16="http://schemas.microsoft.com/office/drawing/2014/main" xmlns="" val="3774860856"/>
                     </a:ext>
                   </a:extLst>
                 </a:gridCol>
                 <a:gridCol w="2209707">
                   <a:extLst>
                     <a:ext uri="{9D8B030D-6E8A-4147-A177-3AD203B41FA5}">
-                      <a16:colId xmlns="" xmlns:a16="http://schemas.microsoft.com/office/drawing/2014/main" val="690038618"/>
+                      <a16:colId xmlns:a16="http://schemas.microsoft.com/office/drawing/2014/main" xmlns="" val="690038618"/>
                     </a:ext>
                   </a:extLst>
                 </a:gridCol>
@@ -29982,7 +29904,7 @@
                 </a:tc>
                 <a:extLst>
                   <a:ext uri="{0D108BD9-81ED-4DB2-BD59-A6C34878D82A}">
-                    <a16:rowId xmlns="" xmlns:a16="http://schemas.microsoft.com/office/drawing/2014/main" val="2703049425"/>
+                    <a16:rowId xmlns:a16="http://schemas.microsoft.com/office/drawing/2014/main" xmlns="" val="2703049425"/>
                   </a:ext>
                 </a:extLst>
               </a:tr>
@@ -30208,7 +30130,7 @@
                 </a:tc>
                 <a:extLst>
                   <a:ext uri="{0D108BD9-81ED-4DB2-BD59-A6C34878D82A}">
-                    <a16:rowId xmlns="" xmlns:a16="http://schemas.microsoft.com/office/drawing/2014/main" val="741824064"/>
+                    <a16:rowId xmlns:a16="http://schemas.microsoft.com/office/drawing/2014/main" xmlns="" val="741824064"/>
                   </a:ext>
                 </a:extLst>
               </a:tr>
@@ -30451,7 +30373,7 @@
                 </a:tc>
                 <a:extLst>
                   <a:ext uri="{0D108BD9-81ED-4DB2-BD59-A6C34878D82A}">
-                    <a16:rowId xmlns="" xmlns:a16="http://schemas.microsoft.com/office/drawing/2014/main" val="3076205638"/>
+                    <a16:rowId xmlns:a16="http://schemas.microsoft.com/office/drawing/2014/main" xmlns="" val="3076205638"/>
                   </a:ext>
                 </a:extLst>
               </a:tr>
@@ -30696,7 +30618,7 @@
                 </a:tc>
                 <a:extLst>
                   <a:ext uri="{0D108BD9-81ED-4DB2-BD59-A6C34878D82A}">
-                    <a16:rowId xmlns="" xmlns:a16="http://schemas.microsoft.com/office/drawing/2014/main" val="2309071906"/>
+                    <a16:rowId xmlns:a16="http://schemas.microsoft.com/office/drawing/2014/main" xmlns="" val="2309071906"/>
                   </a:ext>
                 </a:extLst>
               </a:tr>
@@ -30920,7 +30842,7 @@
                 </a:tc>
                 <a:extLst>
                   <a:ext uri="{0D108BD9-81ED-4DB2-BD59-A6C34878D82A}">
-                    <a16:rowId xmlns="" xmlns:a16="http://schemas.microsoft.com/office/drawing/2014/main" val="932990606"/>
+                    <a16:rowId xmlns:a16="http://schemas.microsoft.com/office/drawing/2014/main" xmlns="" val="932990606"/>
                   </a:ext>
                 </a:extLst>
               </a:tr>
@@ -31156,7 +31078,7 @@
                 </a:tc>
                 <a:extLst>
                   <a:ext uri="{0D108BD9-81ED-4DB2-BD59-A6C34878D82A}">
-                    <a16:rowId xmlns="" xmlns:a16="http://schemas.microsoft.com/office/drawing/2014/main" val="3524779542"/>
+                    <a16:rowId xmlns:a16="http://schemas.microsoft.com/office/drawing/2014/main" xmlns="" val="3524779542"/>
                   </a:ext>
                 </a:extLst>
               </a:tr>
@@ -31392,7 +31314,7 @@
                 </a:tc>
                 <a:extLst>
                   <a:ext uri="{0D108BD9-81ED-4DB2-BD59-A6C34878D82A}">
-                    <a16:rowId xmlns="" xmlns:a16="http://schemas.microsoft.com/office/drawing/2014/main" val="2910126378"/>
+                    <a16:rowId xmlns:a16="http://schemas.microsoft.com/office/drawing/2014/main" xmlns="" val="2910126378"/>
                   </a:ext>
                 </a:extLst>
               </a:tr>
@@ -31633,7 +31555,7 @@
                 </a:tc>
                 <a:extLst>
                   <a:ext uri="{0D108BD9-81ED-4DB2-BD59-A6C34878D82A}">
-                    <a16:rowId xmlns="" xmlns:a16="http://schemas.microsoft.com/office/drawing/2014/main" val="2470890304"/>
+                    <a16:rowId xmlns:a16="http://schemas.microsoft.com/office/drawing/2014/main" xmlns="" val="2470890304"/>
                   </a:ext>
                 </a:extLst>
               </a:tr>
@@ -31874,7 +31796,7 @@
                 </a:tc>
                 <a:extLst>
                   <a:ext uri="{0D108BD9-81ED-4DB2-BD59-A6C34878D82A}">
-                    <a16:rowId xmlns="" xmlns:a16="http://schemas.microsoft.com/office/drawing/2014/main" val="2698866000"/>
+                    <a16:rowId xmlns:a16="http://schemas.microsoft.com/office/drawing/2014/main" xmlns="" val="2698866000"/>
                   </a:ext>
                 </a:extLst>
               </a:tr>
@@ -31910,7 +31832,7 @@
                 <a:gridCol w="11048534">
                   <a:extLst>
                     <a:ext uri="{9D8B030D-6E8A-4147-A177-3AD203B41FA5}">
-                      <a16:colId xmlns="" xmlns:a16="http://schemas.microsoft.com/office/drawing/2014/main" val="1357581311"/>
+                      <a16:colId xmlns:a16="http://schemas.microsoft.com/office/drawing/2014/main" xmlns="" val="1357581311"/>
                     </a:ext>
                   </a:extLst>
                 </a:gridCol>
@@ -31997,7 +31919,7 @@
                 </a:tc>
                 <a:extLst>
                   <a:ext uri="{0D108BD9-81ED-4DB2-BD59-A6C34878D82A}">
-                    <a16:rowId xmlns="" xmlns:a16="http://schemas.microsoft.com/office/drawing/2014/main" val="3203583067"/>
+                    <a16:rowId xmlns:a16="http://schemas.microsoft.com/office/drawing/2014/main" xmlns="" val="3203583067"/>
                   </a:ext>
                 </a:extLst>
               </a:tr>
@@ -32146,14 +32068,14 @@
                 <a:gridCol w="2890433">
                   <a:extLst>
                     <a:ext uri="{9D8B030D-6E8A-4147-A177-3AD203B41FA5}">
-                      <a16:colId xmlns="" xmlns:a16="http://schemas.microsoft.com/office/drawing/2014/main" val="20000"/>
+                      <a16:colId xmlns:a16="http://schemas.microsoft.com/office/drawing/2014/main" xmlns="" val="20000"/>
                     </a:ext>
                   </a:extLst>
                 </a:gridCol>
                 <a:gridCol w="8189560">
                   <a:extLst>
                     <a:ext uri="{9D8B030D-6E8A-4147-A177-3AD203B41FA5}">
-                      <a16:colId xmlns="" xmlns:a16="http://schemas.microsoft.com/office/drawing/2014/main" val="20001"/>
+                      <a16:colId xmlns:a16="http://schemas.microsoft.com/office/drawing/2014/main" xmlns="" val="20001"/>
                     </a:ext>
                   </a:extLst>
                 </a:gridCol>
@@ -32343,7 +32265,7 @@
                 </a:tc>
                 <a:extLst>
                   <a:ext uri="{0D108BD9-81ED-4DB2-BD59-A6C34878D82A}">
-                    <a16:rowId xmlns="" xmlns:a16="http://schemas.microsoft.com/office/drawing/2014/main" val="10000"/>
+                    <a16:rowId xmlns:a16="http://schemas.microsoft.com/office/drawing/2014/main" xmlns="" val="10000"/>
                   </a:ext>
                 </a:extLst>
               </a:tr>
@@ -32510,7 +32432,7 @@
                 </a:tc>
                 <a:extLst>
                   <a:ext uri="{0D108BD9-81ED-4DB2-BD59-A6C34878D82A}">
-                    <a16:rowId xmlns="" xmlns:a16="http://schemas.microsoft.com/office/drawing/2014/main" val="10001"/>
+                    <a16:rowId xmlns:a16="http://schemas.microsoft.com/office/drawing/2014/main" xmlns="" val="10001"/>
                   </a:ext>
                 </a:extLst>
               </a:tr>
@@ -32685,7 +32607,7 @@
                 </a:tc>
                 <a:extLst>
                   <a:ext uri="{0D108BD9-81ED-4DB2-BD59-A6C34878D82A}">
-                    <a16:rowId xmlns="" xmlns:a16="http://schemas.microsoft.com/office/drawing/2014/main" val="10002"/>
+                    <a16:rowId xmlns:a16="http://schemas.microsoft.com/office/drawing/2014/main" xmlns="" val="10002"/>
                   </a:ext>
                 </a:extLst>
               </a:tr>
@@ -32860,7 +32782,7 @@
                 </a:tc>
                 <a:extLst>
                   <a:ext uri="{0D108BD9-81ED-4DB2-BD59-A6C34878D82A}">
-                    <a16:rowId xmlns="" xmlns:a16="http://schemas.microsoft.com/office/drawing/2014/main" val="10003"/>
+                    <a16:rowId xmlns:a16="http://schemas.microsoft.com/office/drawing/2014/main" xmlns="" val="10003"/>
                   </a:ext>
                 </a:extLst>
               </a:tr>
@@ -33031,7 +32953,7 @@
                 </a:tc>
                 <a:extLst>
                   <a:ext uri="{0D108BD9-81ED-4DB2-BD59-A6C34878D82A}">
-                    <a16:rowId xmlns="" xmlns:a16="http://schemas.microsoft.com/office/drawing/2014/main" val="10004"/>
+                    <a16:rowId xmlns:a16="http://schemas.microsoft.com/office/drawing/2014/main" xmlns="" val="10004"/>
                   </a:ext>
                 </a:extLst>
               </a:tr>
@@ -34380,7 +34302,7 @@
           <a:graphicData uri="http://schemas.openxmlformats.org/presentationml/2006/ole">
             <mc:AlternateContent xmlns:mc="http://schemas.openxmlformats.org/markup-compatibility/2006">
               <mc:Choice xmlns:v="urn:schemas-microsoft-com:vml" Requires="v">
-                <p:oleObj spid="_x0000_s44090" name="think-cell Slide" r:id="rId5" imgW="416" imgH="416" progId="TCLayout.ActiveDocument.1">
+                <p:oleObj spid="_x0000_s44091" name="think-cell Slide" r:id="rId5" imgW="416" imgH="416" progId="TCLayout.ActiveDocument.1">
                   <p:embed/>
                 </p:oleObj>
               </mc:Choice>
@@ -35670,7 +35592,7 @@
   <a:extraClrSchemeLst/>
   <a:extLst>
     <a:ext uri="{05A4C25C-085E-4340-85A3-A5531E510DB2}">
-      <thm15:themeFamily xmlns="" xmlns:thm15="http://schemas.microsoft.com/office/thememl/2012/main" name="Office Theme" id="{62F939B6-93AF-4DB8-9C6B-D6C7DFDC589F}" vid="{4A3C46E8-61CC-4603-A589-7422A47A8E4A}"/>
+      <thm15:themeFamily xmlns:thm15="http://schemas.microsoft.com/office/thememl/2012/main" xmlns="" name="Office Theme" id="{62F939B6-93AF-4DB8-9C6B-D6C7DFDC589F}" vid="{4A3C46E8-61CC-4603-A589-7422A47A8E4A}"/>
     </a:ext>
   </a:extLst>
 </a:theme>
@@ -35904,7 +35826,7 @@
   <a:extraClrSchemeLst/>
   <a:extLst>
     <a:ext uri="{05A4C25C-085E-4340-85A3-A5531E510DB2}">
-      <thm15:themeFamily xmlns="" xmlns:thm15="http://schemas.microsoft.com/office/thememl/2012/main" name="Bentley template 2021.potx" id="{C9F80F40-B2B1-4DB6-919B-71F3AAFFE5B0}" vid="{F9D38CA0-4F02-4029-A6BC-9642EF690A5C}"/>
+      <thm15:themeFamily xmlns:thm15="http://schemas.microsoft.com/office/thememl/2012/main" xmlns="" name="Bentley template 2021.potx" id="{C9F80F40-B2B1-4DB6-919B-71F3AAFFE5B0}" vid="{F9D38CA0-4F02-4029-A6BC-9642EF690A5C}"/>
     </a:ext>
   </a:extLst>
 </a:theme>
@@ -36138,7 +36060,7 @@
   <a:extraClrSchemeLst/>
   <a:extLst>
     <a:ext uri="{05A4C25C-085E-4340-85A3-A5531E510DB2}">
-      <thm15:themeFamily xmlns="" xmlns:thm15="http://schemas.microsoft.com/office/thememl/2012/main" name="Bentley template 2021.potx" id="{C9F80F40-B2B1-4DB6-919B-71F3AAFFE5B0}" vid="{F9D38CA0-4F02-4029-A6BC-9642EF690A5C}"/>
+      <thm15:themeFamily xmlns:thm15="http://schemas.microsoft.com/office/thememl/2012/main" xmlns="" name="Bentley template 2021.potx" id="{C9F80F40-B2B1-4DB6-919B-71F3AAFFE5B0}" vid="{F9D38CA0-4F02-4029-A6BC-9642EF690A5C}"/>
     </a:ext>
   </a:extLst>
 </a:theme>
@@ -36399,7 +36321,7 @@
   <a:extraClrSchemeLst/>
   <a:extLst>
     <a:ext uri="{05A4C25C-085E-4340-85A3-A5531E510DB2}">
-      <thm15:themeFamily xmlns="" xmlns:thm15="http://schemas.microsoft.com/office/thememl/2012/main" name="Office Theme" id="{62F939B6-93AF-4DB8-9C6B-D6C7DFDC589F}" vid="{4A3C46E8-61CC-4603-A589-7422A47A8E4A}"/>
+      <thm15:themeFamily xmlns:thm15="http://schemas.microsoft.com/office/thememl/2012/main" xmlns="" name="Office Theme" id="{62F939B6-93AF-4DB8-9C6B-D6C7DFDC589F}" vid="{4A3C46E8-61CC-4603-A589-7422A47A8E4A}"/>
     </a:ext>
   </a:extLst>
 </a:theme>

--- a/com.yrtech.bentleyAPI/com.yrtech.InventoryAPI/template/ReportOffLine.pptx
+++ b/com.yrtech.bentleyAPI/com.yrtech.InventoryAPI/template/ReportOffLine.pptx
@@ -126,7 +126,7 @@
   </p:defaultTextStyle>
   <p:extLst>
     <p:ext uri="{EFAFB233-063F-42B5-8137-9DF3F51BA10A}">
-      <p15:sldGuideLst xmlns:p15="http://schemas.microsoft.com/office/powerpoint/2012/main" xmlns="">
+      <p15:sldGuideLst xmlns="" xmlns:p15="http://schemas.microsoft.com/office/powerpoint/2012/main">
         <p15:guide id="1" pos="7310" userDrawn="1">
           <p15:clr>
             <a:srgbClr val="A4A3A4"/>
@@ -225,7 +225,7 @@
           <a:p>
             <a:fld id="{69A4D669-94F9-4D70-8C76-4C2D35D4E5D0}" type="datetimeFigureOut">
               <a:rPr lang="en-US" smtClean="0"/>
-              <a:t>4/11/2022</a:t>
+              <a:t>4/16/2022</a:t>
             </a:fld>
             <a:endParaRPr lang="en-US"/>
           </a:p>
@@ -1866,7 +1866,7 @@
           <a:p>
             <a:fld id="{CB9F8517-1271-4F8B-9742-ECB8BBF22693}" type="datetimeFigureOut">
               <a:rPr lang="en-US" smtClean="0"/>
-              <a:t>4/11/2022</a:t>
+              <a:t>4/16/2022</a:t>
             </a:fld>
             <a:endParaRPr lang="en-US"/>
           </a:p>
@@ -2036,7 +2036,7 @@
           <a:p>
             <a:fld id="{CB9F8517-1271-4F8B-9742-ECB8BBF22693}" type="datetimeFigureOut">
               <a:rPr lang="en-US" smtClean="0"/>
-              <a:t>4/11/2022</a:t>
+              <a:t>4/16/2022</a:t>
             </a:fld>
             <a:endParaRPr lang="en-US"/>
           </a:p>
@@ -2216,7 +2216,7 @@
           <a:p>
             <a:fld id="{CB9F8517-1271-4F8B-9742-ECB8BBF22693}" type="datetimeFigureOut">
               <a:rPr lang="en-US" smtClean="0"/>
-              <a:t>4/11/2022</a:t>
+              <a:t>4/16/2022</a:t>
             </a:fld>
             <a:endParaRPr lang="en-US"/>
           </a:p>
@@ -2314,7 +2314,7 @@
           <a:graphicData uri="http://schemas.openxmlformats.org/presentationml/2006/ole">
             <mc:AlternateContent xmlns:mc="http://schemas.openxmlformats.org/markup-compatibility/2006">
               <mc:Choice xmlns:v="urn:schemas-microsoft-com:vml" Requires="v">
-                <p:oleObj spid="_x0000_s3143" name="think-cell Slide" r:id="rId4" imgW="216" imgH="216" progId="TCLayout.ActiveDocument.1">
+                <p:oleObj spid="_x0000_s3145" name="think-cell Slide" r:id="rId4" imgW="216" imgH="216" progId="TCLayout.ActiveDocument.1">
                   <p:embed/>
                 </p:oleObj>
               </mc:Choice>
@@ -2354,7 +2354,7 @@
           <p:cNvPr id="8" name="Title 7">
             <a:extLst>
               <a:ext uri="{FF2B5EF4-FFF2-40B4-BE49-F238E27FC236}">
-                <a16:creationId xmlns:a16="http://schemas.microsoft.com/office/drawing/2014/main" xmlns="" id="{8A6F1540-D306-D44E-B1B3-1ACCF1041F70}"/>
+                <a16:creationId xmlns="" xmlns:a16="http://schemas.microsoft.com/office/drawing/2014/main" id="{8A6F1540-D306-D44E-B1B3-1ACCF1041F70}"/>
               </a:ext>
             </a:extLst>
           </p:cNvPr>
@@ -3150,7 +3150,7 @@
           <p:cNvPr id="37" name="Footer Placeholder 3">
             <a:extLst>
               <a:ext uri="{FF2B5EF4-FFF2-40B4-BE49-F238E27FC236}">
-                <a16:creationId xmlns:a16="http://schemas.microsoft.com/office/drawing/2014/main" xmlns="" id="{DBA440F4-82E0-7E45-8A6F-4A8C7572AEE5}"/>
+                <a16:creationId xmlns="" xmlns:a16="http://schemas.microsoft.com/office/drawing/2014/main" id="{DBA440F4-82E0-7E45-8A6F-4A8C7572AEE5}"/>
               </a:ext>
             </a:extLst>
           </p:cNvPr>
@@ -3209,7 +3209,7 @@
           <p:cNvPr id="38" name="Slide Number Placeholder 5">
             <a:extLst>
               <a:ext uri="{FF2B5EF4-FFF2-40B4-BE49-F238E27FC236}">
-                <a16:creationId xmlns:a16="http://schemas.microsoft.com/office/drawing/2014/main" xmlns="" id="{CC67CD5C-67EC-5144-B858-5347C50D1ACD}"/>
+                <a16:creationId xmlns="" xmlns:a16="http://schemas.microsoft.com/office/drawing/2014/main" id="{CC67CD5C-67EC-5144-B858-5347C50D1ACD}"/>
               </a:ext>
             </a:extLst>
           </p:cNvPr>
@@ -3256,7 +3256,7 @@
           <p:cNvPr id="39" name="Straight Connector 38">
             <a:extLst>
               <a:ext uri="{FF2B5EF4-FFF2-40B4-BE49-F238E27FC236}">
-                <a16:creationId xmlns:a16="http://schemas.microsoft.com/office/drawing/2014/main" xmlns="" id="{95C486A1-9876-924E-85C2-906892F8B9AC}"/>
+                <a16:creationId xmlns="" xmlns:a16="http://schemas.microsoft.com/office/drawing/2014/main" id="{95C486A1-9876-924E-85C2-906892F8B9AC}"/>
               </a:ext>
             </a:extLst>
           </p:cNvPr>
@@ -3352,7 +3352,7 @@
           <a:graphicData uri="http://schemas.openxmlformats.org/presentationml/2006/ole">
             <mc:AlternateContent xmlns:mc="http://schemas.openxmlformats.org/markup-compatibility/2006">
               <mc:Choice xmlns:v="urn:schemas-microsoft-com:vml" Requires="v">
-                <p:oleObj spid="_x0000_s32827" name="think-cell Slide" r:id="rId5" imgW="216" imgH="216" progId="TCLayout.ActiveDocument.1">
+                <p:oleObj spid="_x0000_s32829" name="think-cell Slide" r:id="rId5" imgW="216" imgH="216" progId="TCLayout.ActiveDocument.1">
                   <p:embed/>
                 </p:oleObj>
               </mc:Choice>
@@ -3549,7 +3549,7 @@
           <p:cNvPr id="4" name="Footer Placeholder 3">
             <a:extLst>
               <a:ext uri="{FF2B5EF4-FFF2-40B4-BE49-F238E27FC236}">
-                <a16:creationId xmlns:a16="http://schemas.microsoft.com/office/drawing/2014/main" xmlns="" id="{17D6DE4C-D976-4B4B-B087-C035EF8D4F6F}"/>
+                <a16:creationId xmlns="" xmlns:a16="http://schemas.microsoft.com/office/drawing/2014/main" id="{17D6DE4C-D976-4B4B-B087-C035EF8D4F6F}"/>
               </a:ext>
             </a:extLst>
           </p:cNvPr>
@@ -3608,7 +3608,7 @@
           <p:cNvPr id="13" name="Straight Connector 12">
             <a:extLst>
               <a:ext uri="{FF2B5EF4-FFF2-40B4-BE49-F238E27FC236}">
-                <a16:creationId xmlns:a16="http://schemas.microsoft.com/office/drawing/2014/main" xmlns="" id="{95C486A1-9876-924E-85C2-906892F8B9AC}"/>
+                <a16:creationId xmlns="" xmlns:a16="http://schemas.microsoft.com/office/drawing/2014/main" id="{95C486A1-9876-924E-85C2-906892F8B9AC}"/>
               </a:ext>
             </a:extLst>
           </p:cNvPr>
@@ -3651,7 +3651,7 @@
           <p:cNvPr id="17" name="Slide Number Placeholder 5">
             <a:extLst>
               <a:ext uri="{FF2B5EF4-FFF2-40B4-BE49-F238E27FC236}">
-                <a16:creationId xmlns:a16="http://schemas.microsoft.com/office/drawing/2014/main" xmlns="" id="{CC67CD5C-67EC-5144-B858-5347C50D1ACD}"/>
+                <a16:creationId xmlns="" xmlns:a16="http://schemas.microsoft.com/office/drawing/2014/main" id="{CC67CD5C-67EC-5144-B858-5347C50D1ACD}"/>
               </a:ext>
             </a:extLst>
           </p:cNvPr>
@@ -3703,7 +3703,7 @@
           <p:cNvPr id="8" name="Title 7">
             <a:extLst>
               <a:ext uri="{FF2B5EF4-FFF2-40B4-BE49-F238E27FC236}">
-                <a16:creationId xmlns:a16="http://schemas.microsoft.com/office/drawing/2014/main" xmlns="" id="{8A6F1540-D306-D44E-B1B3-1ACCF1041F70}"/>
+                <a16:creationId xmlns="" xmlns:a16="http://schemas.microsoft.com/office/drawing/2014/main" id="{8A6F1540-D306-D44E-B1B3-1ACCF1041F70}"/>
               </a:ext>
             </a:extLst>
           </p:cNvPr>
@@ -3829,7 +3829,7 @@
           <a:graphicData uri="http://schemas.openxmlformats.org/presentationml/2006/ole">
             <mc:AlternateContent xmlns:mc="http://schemas.openxmlformats.org/markup-compatibility/2006">
               <mc:Choice xmlns:v="urn:schemas-microsoft-com:vml" Requires="v">
-                <p:oleObj spid="_x0000_s33851" name="think-cell Slide" r:id="rId4" imgW="216" imgH="216" progId="TCLayout.ActiveDocument.1">
+                <p:oleObj spid="_x0000_s33853" name="think-cell Slide" r:id="rId4" imgW="216" imgH="216" progId="TCLayout.ActiveDocument.1">
                   <p:embed/>
                 </p:oleObj>
               </mc:Choice>
@@ -3955,7 +3955,7 @@
           <p:cNvPr id="8" name="Title 7">
             <a:extLst>
               <a:ext uri="{FF2B5EF4-FFF2-40B4-BE49-F238E27FC236}">
-                <a16:creationId xmlns:a16="http://schemas.microsoft.com/office/drawing/2014/main" xmlns="" id="{8A6F1540-D306-D44E-B1B3-1ACCF1041F70}"/>
+                <a16:creationId xmlns="" xmlns:a16="http://schemas.microsoft.com/office/drawing/2014/main" id="{8A6F1540-D306-D44E-B1B3-1ACCF1041F70}"/>
               </a:ext>
             </a:extLst>
           </p:cNvPr>
@@ -3991,7 +3991,7 @@
           <p:cNvPr id="9" name="Content Placeholder 2">
             <a:extLst>
               <a:ext uri="{FF2B5EF4-FFF2-40B4-BE49-F238E27FC236}">
-                <a16:creationId xmlns:a16="http://schemas.microsoft.com/office/drawing/2014/main" xmlns="" id="{0A7C1352-3D49-F849-9BC3-BC0AF9CD8F04}"/>
+                <a16:creationId xmlns="" xmlns:a16="http://schemas.microsoft.com/office/drawing/2014/main" id="{0A7C1352-3D49-F849-9BC3-BC0AF9CD8F04}"/>
               </a:ext>
             </a:extLst>
           </p:cNvPr>
@@ -4083,7 +4083,7 @@
           <p:cNvPr id="10" name="Content Placeholder 2">
             <a:extLst>
               <a:ext uri="{FF2B5EF4-FFF2-40B4-BE49-F238E27FC236}">
-                <a16:creationId xmlns:a16="http://schemas.microsoft.com/office/drawing/2014/main" xmlns="" id="{D1AA7CFB-7669-2648-A3E1-E647E531399E}"/>
+                <a16:creationId xmlns="" xmlns:a16="http://schemas.microsoft.com/office/drawing/2014/main" id="{D1AA7CFB-7669-2648-A3E1-E647E531399E}"/>
               </a:ext>
             </a:extLst>
           </p:cNvPr>
@@ -4175,7 +4175,7 @@
           <p:cNvPr id="11" name="Content Placeholder 2">
             <a:extLst>
               <a:ext uri="{FF2B5EF4-FFF2-40B4-BE49-F238E27FC236}">
-                <a16:creationId xmlns:a16="http://schemas.microsoft.com/office/drawing/2014/main" xmlns="" id="{2E4B4082-D988-5D43-9C32-2C7F747717ED}"/>
+                <a16:creationId xmlns="" xmlns:a16="http://schemas.microsoft.com/office/drawing/2014/main" id="{2E4B4082-D988-5D43-9C32-2C7F747717ED}"/>
               </a:ext>
             </a:extLst>
           </p:cNvPr>
@@ -4267,7 +4267,7 @@
           <p:cNvPr id="12" name="Content Placeholder 2">
             <a:extLst>
               <a:ext uri="{FF2B5EF4-FFF2-40B4-BE49-F238E27FC236}">
-                <a16:creationId xmlns:a16="http://schemas.microsoft.com/office/drawing/2014/main" xmlns="" id="{45B8DE4D-1F9B-7341-8CB2-D70634815B55}"/>
+                <a16:creationId xmlns="" xmlns:a16="http://schemas.microsoft.com/office/drawing/2014/main" id="{45B8DE4D-1F9B-7341-8CB2-D70634815B55}"/>
               </a:ext>
             </a:extLst>
           </p:cNvPr>
@@ -4359,7 +4359,7 @@
           <p:cNvPr id="14" name="Footer Placeholder 3">
             <a:extLst>
               <a:ext uri="{FF2B5EF4-FFF2-40B4-BE49-F238E27FC236}">
-                <a16:creationId xmlns:a16="http://schemas.microsoft.com/office/drawing/2014/main" xmlns="" id="{DBA440F4-82E0-7E45-8A6F-4A8C7572AEE5}"/>
+                <a16:creationId xmlns="" xmlns:a16="http://schemas.microsoft.com/office/drawing/2014/main" id="{DBA440F4-82E0-7E45-8A6F-4A8C7572AEE5}"/>
               </a:ext>
             </a:extLst>
           </p:cNvPr>
@@ -4418,7 +4418,7 @@
           <p:cNvPr id="15" name="Slide Number Placeholder 5">
             <a:extLst>
               <a:ext uri="{FF2B5EF4-FFF2-40B4-BE49-F238E27FC236}">
-                <a16:creationId xmlns:a16="http://schemas.microsoft.com/office/drawing/2014/main" xmlns="" id="{CC67CD5C-67EC-5144-B858-5347C50D1ACD}"/>
+                <a16:creationId xmlns="" xmlns:a16="http://schemas.microsoft.com/office/drawing/2014/main" id="{CC67CD5C-67EC-5144-B858-5347C50D1ACD}"/>
               </a:ext>
             </a:extLst>
           </p:cNvPr>
@@ -4470,7 +4470,7 @@
           <p:cNvPr id="16" name="Straight Connector 15">
             <a:extLst>
               <a:ext uri="{FF2B5EF4-FFF2-40B4-BE49-F238E27FC236}">
-                <a16:creationId xmlns:a16="http://schemas.microsoft.com/office/drawing/2014/main" xmlns="" id="{95C486A1-9876-924E-85C2-906892F8B9AC}"/>
+                <a16:creationId xmlns="" xmlns:a16="http://schemas.microsoft.com/office/drawing/2014/main" id="{95C486A1-9876-924E-85C2-906892F8B9AC}"/>
               </a:ext>
             </a:extLst>
           </p:cNvPr>
@@ -4566,7 +4566,7 @@
           <a:graphicData uri="http://schemas.openxmlformats.org/presentationml/2006/ole">
             <mc:AlternateContent xmlns:mc="http://schemas.openxmlformats.org/markup-compatibility/2006">
               <mc:Choice xmlns:v="urn:schemas-microsoft-com:vml" Requires="v">
-                <p:oleObj spid="_x0000_s34875" name="think-cell Slide" r:id="rId4" imgW="216" imgH="216" progId="TCLayout.ActiveDocument.1">
+                <p:oleObj spid="_x0000_s34877" name="think-cell Slide" r:id="rId4" imgW="216" imgH="216" progId="TCLayout.ActiveDocument.1">
                   <p:embed/>
                 </p:oleObj>
               </mc:Choice>
@@ -4606,7 +4606,7 @@
           <p:cNvPr id="8" name="Title 7">
             <a:extLst>
               <a:ext uri="{FF2B5EF4-FFF2-40B4-BE49-F238E27FC236}">
-                <a16:creationId xmlns:a16="http://schemas.microsoft.com/office/drawing/2014/main" xmlns="" id="{8A6F1540-D306-D44E-B1B3-1ACCF1041F70}"/>
+                <a16:creationId xmlns="" xmlns:a16="http://schemas.microsoft.com/office/drawing/2014/main" id="{8A6F1540-D306-D44E-B1B3-1ACCF1041F70}"/>
               </a:ext>
             </a:extLst>
           </p:cNvPr>
@@ -5402,7 +5402,7 @@
           <p:cNvPr id="37" name="Footer Placeholder 3">
             <a:extLst>
               <a:ext uri="{FF2B5EF4-FFF2-40B4-BE49-F238E27FC236}">
-                <a16:creationId xmlns:a16="http://schemas.microsoft.com/office/drawing/2014/main" xmlns="" id="{DBA440F4-82E0-7E45-8A6F-4A8C7572AEE5}"/>
+                <a16:creationId xmlns="" xmlns:a16="http://schemas.microsoft.com/office/drawing/2014/main" id="{DBA440F4-82E0-7E45-8A6F-4A8C7572AEE5}"/>
               </a:ext>
             </a:extLst>
           </p:cNvPr>
@@ -5461,7 +5461,7 @@
           <p:cNvPr id="38" name="Slide Number Placeholder 5">
             <a:extLst>
               <a:ext uri="{FF2B5EF4-FFF2-40B4-BE49-F238E27FC236}">
-                <a16:creationId xmlns:a16="http://schemas.microsoft.com/office/drawing/2014/main" xmlns="" id="{CC67CD5C-67EC-5144-B858-5347C50D1ACD}"/>
+                <a16:creationId xmlns="" xmlns:a16="http://schemas.microsoft.com/office/drawing/2014/main" id="{CC67CD5C-67EC-5144-B858-5347C50D1ACD}"/>
               </a:ext>
             </a:extLst>
           </p:cNvPr>
@@ -5513,7 +5513,7 @@
           <p:cNvPr id="39" name="Straight Connector 38">
             <a:extLst>
               <a:ext uri="{FF2B5EF4-FFF2-40B4-BE49-F238E27FC236}">
-                <a16:creationId xmlns:a16="http://schemas.microsoft.com/office/drawing/2014/main" xmlns="" id="{95C486A1-9876-924E-85C2-906892F8B9AC}"/>
+                <a16:creationId xmlns="" xmlns:a16="http://schemas.microsoft.com/office/drawing/2014/main" id="{95C486A1-9876-924E-85C2-906892F8B9AC}"/>
               </a:ext>
             </a:extLst>
           </p:cNvPr>
@@ -5614,7 +5614,7 @@
           <a:graphicData uri="http://schemas.openxmlformats.org/presentationml/2006/ole">
             <mc:AlternateContent xmlns:mc="http://schemas.openxmlformats.org/markup-compatibility/2006">
               <mc:Choice xmlns:v="urn:schemas-microsoft-com:vml" Requires="v">
-                <p:oleObj spid="_x0000_s35899" name="think-cell Slide" r:id="rId5" imgW="216" imgH="216" progId="TCLayout.ActiveDocument.1">
+                <p:oleObj spid="_x0000_s35901" name="think-cell Slide" r:id="rId5" imgW="216" imgH="216" progId="TCLayout.ActiveDocument.1">
                   <p:embed/>
                 </p:oleObj>
               </mc:Choice>
@@ -5831,7 +5831,7 @@
           <p:cNvPr id="4" name="Footer Placeholder 3">
             <a:extLst>
               <a:ext uri="{FF2B5EF4-FFF2-40B4-BE49-F238E27FC236}">
-                <a16:creationId xmlns:a16="http://schemas.microsoft.com/office/drawing/2014/main" xmlns="" id="{17D6DE4C-D976-4B4B-B087-C035EF8D4F6F}"/>
+                <a16:creationId xmlns="" xmlns:a16="http://schemas.microsoft.com/office/drawing/2014/main" id="{17D6DE4C-D976-4B4B-B087-C035EF8D4F6F}"/>
               </a:ext>
             </a:extLst>
           </p:cNvPr>
@@ -5890,7 +5890,7 @@
           <p:cNvPr id="17" name="Slide Number Placeholder 5">
             <a:extLst>
               <a:ext uri="{FF2B5EF4-FFF2-40B4-BE49-F238E27FC236}">
-                <a16:creationId xmlns:a16="http://schemas.microsoft.com/office/drawing/2014/main" xmlns="" id="{CC67CD5C-67EC-5144-B858-5347C50D1ACD}"/>
+                <a16:creationId xmlns="" xmlns:a16="http://schemas.microsoft.com/office/drawing/2014/main" id="{CC67CD5C-67EC-5144-B858-5347C50D1ACD}"/>
               </a:ext>
             </a:extLst>
           </p:cNvPr>
@@ -5942,7 +5942,7 @@
           <p:cNvPr id="8" name="Title 7">
             <a:extLst>
               <a:ext uri="{FF2B5EF4-FFF2-40B4-BE49-F238E27FC236}">
-                <a16:creationId xmlns:a16="http://schemas.microsoft.com/office/drawing/2014/main" xmlns="" id="{8A6F1540-D306-D44E-B1B3-1ACCF1041F70}"/>
+                <a16:creationId xmlns="" xmlns:a16="http://schemas.microsoft.com/office/drawing/2014/main" id="{8A6F1540-D306-D44E-B1B3-1ACCF1041F70}"/>
               </a:ext>
             </a:extLst>
           </p:cNvPr>
@@ -5986,7 +5986,7 @@
           <p:cNvPr id="9" name="Straight Connector 8">
             <a:extLst>
               <a:ext uri="{FF2B5EF4-FFF2-40B4-BE49-F238E27FC236}">
-                <a16:creationId xmlns:a16="http://schemas.microsoft.com/office/drawing/2014/main" xmlns="" id="{BB1AA2BE-B537-254D-958A-FBAFDE7E90DC}"/>
+                <a16:creationId xmlns="" xmlns:a16="http://schemas.microsoft.com/office/drawing/2014/main" id="{BB1AA2BE-B537-254D-958A-FBAFDE7E90DC}"/>
               </a:ext>
             </a:extLst>
           </p:cNvPr>
@@ -6029,7 +6029,7 @@
           <p:cNvPr id="10" name="Straight Connector 9">
             <a:extLst>
               <a:ext uri="{FF2B5EF4-FFF2-40B4-BE49-F238E27FC236}">
-                <a16:creationId xmlns:a16="http://schemas.microsoft.com/office/drawing/2014/main" xmlns="" id="{95C486A1-9876-924E-85C2-906892F8B9AC}"/>
+                <a16:creationId xmlns="" xmlns:a16="http://schemas.microsoft.com/office/drawing/2014/main" id="{95C486A1-9876-924E-85C2-906892F8B9AC}"/>
               </a:ext>
             </a:extLst>
           </p:cNvPr>
@@ -6406,7 +6406,7 @@
           <a:graphicData uri="http://schemas.openxmlformats.org/presentationml/2006/ole">
             <mc:AlternateContent xmlns:mc="http://schemas.openxmlformats.org/markup-compatibility/2006">
               <mc:Choice xmlns:v="urn:schemas-microsoft-com:vml" Requires="v">
-                <p:oleObj spid="_x0000_s37947" name="think-cell Slide" r:id="rId5" imgW="216" imgH="216" progId="TCLayout.ActiveDocument.1">
+                <p:oleObj spid="_x0000_s37949" name="think-cell Slide" r:id="rId5" imgW="216" imgH="216" progId="TCLayout.ActiveDocument.1">
                   <p:embed/>
                 </p:oleObj>
               </mc:Choice>
@@ -6603,7 +6603,7 @@
           <p:cNvPr id="4" name="Footer Placeholder 3">
             <a:extLst>
               <a:ext uri="{FF2B5EF4-FFF2-40B4-BE49-F238E27FC236}">
-                <a16:creationId xmlns:a16="http://schemas.microsoft.com/office/drawing/2014/main" xmlns="" id="{17D6DE4C-D976-4B4B-B087-C035EF8D4F6F}"/>
+                <a16:creationId xmlns="" xmlns:a16="http://schemas.microsoft.com/office/drawing/2014/main" id="{17D6DE4C-D976-4B4B-B087-C035EF8D4F6F}"/>
               </a:ext>
             </a:extLst>
           </p:cNvPr>
@@ -6662,7 +6662,7 @@
           <p:cNvPr id="13" name="Straight Connector 12">
             <a:extLst>
               <a:ext uri="{FF2B5EF4-FFF2-40B4-BE49-F238E27FC236}">
-                <a16:creationId xmlns:a16="http://schemas.microsoft.com/office/drawing/2014/main" xmlns="" id="{95C486A1-9876-924E-85C2-906892F8B9AC}"/>
+                <a16:creationId xmlns="" xmlns:a16="http://schemas.microsoft.com/office/drawing/2014/main" id="{95C486A1-9876-924E-85C2-906892F8B9AC}"/>
               </a:ext>
             </a:extLst>
           </p:cNvPr>
@@ -6705,7 +6705,7 @@
           <p:cNvPr id="17" name="Slide Number Placeholder 5">
             <a:extLst>
               <a:ext uri="{FF2B5EF4-FFF2-40B4-BE49-F238E27FC236}">
-                <a16:creationId xmlns:a16="http://schemas.microsoft.com/office/drawing/2014/main" xmlns="" id="{CC67CD5C-67EC-5144-B858-5347C50D1ACD}"/>
+                <a16:creationId xmlns="" xmlns:a16="http://schemas.microsoft.com/office/drawing/2014/main" id="{CC67CD5C-67EC-5144-B858-5347C50D1ACD}"/>
               </a:ext>
             </a:extLst>
           </p:cNvPr>
@@ -6757,7 +6757,7 @@
           <p:cNvPr id="8" name="Title 7">
             <a:extLst>
               <a:ext uri="{FF2B5EF4-FFF2-40B4-BE49-F238E27FC236}">
-                <a16:creationId xmlns:a16="http://schemas.microsoft.com/office/drawing/2014/main" xmlns="" id="{8A6F1540-D306-D44E-B1B3-1ACCF1041F70}"/>
+                <a16:creationId xmlns="" xmlns:a16="http://schemas.microsoft.com/office/drawing/2014/main" id="{8A6F1540-D306-D44E-B1B3-1ACCF1041F70}"/>
               </a:ext>
             </a:extLst>
           </p:cNvPr>
@@ -6883,7 +6883,7 @@
           <a:graphicData uri="http://schemas.openxmlformats.org/presentationml/2006/ole">
             <mc:AlternateContent xmlns:mc="http://schemas.openxmlformats.org/markup-compatibility/2006">
               <mc:Choice xmlns:v="urn:schemas-microsoft-com:vml" Requires="v">
-                <p:oleObj spid="_x0000_s38971" name="think-cell Slide" r:id="rId4" imgW="216" imgH="216" progId="TCLayout.ActiveDocument.1">
+                <p:oleObj spid="_x0000_s38973" name="think-cell Slide" r:id="rId4" imgW="216" imgH="216" progId="TCLayout.ActiveDocument.1">
                   <p:embed/>
                 </p:oleObj>
               </mc:Choice>
@@ -7009,7 +7009,7 @@
           <p:cNvPr id="8" name="Title 7">
             <a:extLst>
               <a:ext uri="{FF2B5EF4-FFF2-40B4-BE49-F238E27FC236}">
-                <a16:creationId xmlns:a16="http://schemas.microsoft.com/office/drawing/2014/main" xmlns="" id="{8A6F1540-D306-D44E-B1B3-1ACCF1041F70}"/>
+                <a16:creationId xmlns="" xmlns:a16="http://schemas.microsoft.com/office/drawing/2014/main" id="{8A6F1540-D306-D44E-B1B3-1ACCF1041F70}"/>
               </a:ext>
             </a:extLst>
           </p:cNvPr>
@@ -7045,7 +7045,7 @@
           <p:cNvPr id="9" name="Content Placeholder 2">
             <a:extLst>
               <a:ext uri="{FF2B5EF4-FFF2-40B4-BE49-F238E27FC236}">
-                <a16:creationId xmlns:a16="http://schemas.microsoft.com/office/drawing/2014/main" xmlns="" id="{0A7C1352-3D49-F849-9BC3-BC0AF9CD8F04}"/>
+                <a16:creationId xmlns="" xmlns:a16="http://schemas.microsoft.com/office/drawing/2014/main" id="{0A7C1352-3D49-F849-9BC3-BC0AF9CD8F04}"/>
               </a:ext>
             </a:extLst>
           </p:cNvPr>
@@ -7137,7 +7137,7 @@
           <p:cNvPr id="10" name="Content Placeholder 2">
             <a:extLst>
               <a:ext uri="{FF2B5EF4-FFF2-40B4-BE49-F238E27FC236}">
-                <a16:creationId xmlns:a16="http://schemas.microsoft.com/office/drawing/2014/main" xmlns="" id="{D1AA7CFB-7669-2648-A3E1-E647E531399E}"/>
+                <a16:creationId xmlns="" xmlns:a16="http://schemas.microsoft.com/office/drawing/2014/main" id="{D1AA7CFB-7669-2648-A3E1-E647E531399E}"/>
               </a:ext>
             </a:extLst>
           </p:cNvPr>
@@ -7229,7 +7229,7 @@
           <p:cNvPr id="11" name="Content Placeholder 2">
             <a:extLst>
               <a:ext uri="{FF2B5EF4-FFF2-40B4-BE49-F238E27FC236}">
-                <a16:creationId xmlns:a16="http://schemas.microsoft.com/office/drawing/2014/main" xmlns="" id="{2E4B4082-D988-5D43-9C32-2C7F747717ED}"/>
+                <a16:creationId xmlns="" xmlns:a16="http://schemas.microsoft.com/office/drawing/2014/main" id="{2E4B4082-D988-5D43-9C32-2C7F747717ED}"/>
               </a:ext>
             </a:extLst>
           </p:cNvPr>
@@ -7321,7 +7321,7 @@
           <p:cNvPr id="12" name="Content Placeholder 2">
             <a:extLst>
               <a:ext uri="{FF2B5EF4-FFF2-40B4-BE49-F238E27FC236}">
-                <a16:creationId xmlns:a16="http://schemas.microsoft.com/office/drawing/2014/main" xmlns="" id="{45B8DE4D-1F9B-7341-8CB2-D70634815B55}"/>
+                <a16:creationId xmlns="" xmlns:a16="http://schemas.microsoft.com/office/drawing/2014/main" id="{45B8DE4D-1F9B-7341-8CB2-D70634815B55}"/>
               </a:ext>
             </a:extLst>
           </p:cNvPr>
@@ -7413,7 +7413,7 @@
           <p:cNvPr id="14" name="Footer Placeholder 3">
             <a:extLst>
               <a:ext uri="{FF2B5EF4-FFF2-40B4-BE49-F238E27FC236}">
-                <a16:creationId xmlns:a16="http://schemas.microsoft.com/office/drawing/2014/main" xmlns="" id="{DBA440F4-82E0-7E45-8A6F-4A8C7572AEE5}"/>
+                <a16:creationId xmlns="" xmlns:a16="http://schemas.microsoft.com/office/drawing/2014/main" id="{DBA440F4-82E0-7E45-8A6F-4A8C7572AEE5}"/>
               </a:ext>
             </a:extLst>
           </p:cNvPr>
@@ -7472,7 +7472,7 @@
           <p:cNvPr id="15" name="Slide Number Placeholder 5">
             <a:extLst>
               <a:ext uri="{FF2B5EF4-FFF2-40B4-BE49-F238E27FC236}">
-                <a16:creationId xmlns:a16="http://schemas.microsoft.com/office/drawing/2014/main" xmlns="" id="{CC67CD5C-67EC-5144-B858-5347C50D1ACD}"/>
+                <a16:creationId xmlns="" xmlns:a16="http://schemas.microsoft.com/office/drawing/2014/main" id="{CC67CD5C-67EC-5144-B858-5347C50D1ACD}"/>
               </a:ext>
             </a:extLst>
           </p:cNvPr>
@@ -7524,7 +7524,7 @@
           <p:cNvPr id="16" name="Straight Connector 15">
             <a:extLst>
               <a:ext uri="{FF2B5EF4-FFF2-40B4-BE49-F238E27FC236}">
-                <a16:creationId xmlns:a16="http://schemas.microsoft.com/office/drawing/2014/main" xmlns="" id="{95C486A1-9876-924E-85C2-906892F8B9AC}"/>
+                <a16:creationId xmlns="" xmlns:a16="http://schemas.microsoft.com/office/drawing/2014/main" id="{95C486A1-9876-924E-85C2-906892F8B9AC}"/>
               </a:ext>
             </a:extLst>
           </p:cNvPr>
@@ -7691,7 +7691,7 @@
           <a:p>
             <a:fld id="{CB9F8517-1271-4F8B-9742-ECB8BBF22693}" type="datetimeFigureOut">
               <a:rPr lang="en-US" smtClean="0"/>
-              <a:t>4/11/2022</a:t>
+              <a:t>4/16/2022</a:t>
             </a:fld>
             <a:endParaRPr lang="en-US"/>
           </a:p>
@@ -7790,7 +7790,7 @@
           <a:graphicData uri="http://schemas.openxmlformats.org/presentationml/2006/ole">
             <mc:AlternateContent xmlns:mc="http://schemas.openxmlformats.org/markup-compatibility/2006">
               <mc:Choice xmlns:v="urn:schemas-microsoft-com:vml" Requires="v">
-                <p:oleObj spid="_x0000_s39995" name="think-cell Slide" r:id="rId4" imgW="216" imgH="216" progId="TCLayout.ActiveDocument.1">
+                <p:oleObj spid="_x0000_s39997" name="think-cell Slide" r:id="rId4" imgW="216" imgH="216" progId="TCLayout.ActiveDocument.1">
                   <p:embed/>
                 </p:oleObj>
               </mc:Choice>
@@ -7830,7 +7830,7 @@
           <p:cNvPr id="8" name="Title 7">
             <a:extLst>
               <a:ext uri="{FF2B5EF4-FFF2-40B4-BE49-F238E27FC236}">
-                <a16:creationId xmlns:a16="http://schemas.microsoft.com/office/drawing/2014/main" xmlns="" id="{8A6F1540-D306-D44E-B1B3-1ACCF1041F70}"/>
+                <a16:creationId xmlns="" xmlns:a16="http://schemas.microsoft.com/office/drawing/2014/main" id="{8A6F1540-D306-D44E-B1B3-1ACCF1041F70}"/>
               </a:ext>
             </a:extLst>
           </p:cNvPr>
@@ -8626,7 +8626,7 @@
           <p:cNvPr id="37" name="Footer Placeholder 3">
             <a:extLst>
               <a:ext uri="{FF2B5EF4-FFF2-40B4-BE49-F238E27FC236}">
-                <a16:creationId xmlns:a16="http://schemas.microsoft.com/office/drawing/2014/main" xmlns="" id="{DBA440F4-82E0-7E45-8A6F-4A8C7572AEE5}"/>
+                <a16:creationId xmlns="" xmlns:a16="http://schemas.microsoft.com/office/drawing/2014/main" id="{DBA440F4-82E0-7E45-8A6F-4A8C7572AEE5}"/>
               </a:ext>
             </a:extLst>
           </p:cNvPr>
@@ -8685,7 +8685,7 @@
           <p:cNvPr id="38" name="Slide Number Placeholder 5">
             <a:extLst>
               <a:ext uri="{FF2B5EF4-FFF2-40B4-BE49-F238E27FC236}">
-                <a16:creationId xmlns:a16="http://schemas.microsoft.com/office/drawing/2014/main" xmlns="" id="{CC67CD5C-67EC-5144-B858-5347C50D1ACD}"/>
+                <a16:creationId xmlns="" xmlns:a16="http://schemas.microsoft.com/office/drawing/2014/main" id="{CC67CD5C-67EC-5144-B858-5347C50D1ACD}"/>
               </a:ext>
             </a:extLst>
           </p:cNvPr>
@@ -8737,7 +8737,7 @@
           <p:cNvPr id="39" name="Straight Connector 38">
             <a:extLst>
               <a:ext uri="{FF2B5EF4-FFF2-40B4-BE49-F238E27FC236}">
-                <a16:creationId xmlns:a16="http://schemas.microsoft.com/office/drawing/2014/main" xmlns="" id="{95C486A1-9876-924E-85C2-906892F8B9AC}"/>
+                <a16:creationId xmlns="" xmlns:a16="http://schemas.microsoft.com/office/drawing/2014/main" id="{95C486A1-9876-924E-85C2-906892F8B9AC}"/>
               </a:ext>
             </a:extLst>
           </p:cNvPr>
@@ -8838,7 +8838,7 @@
           <a:graphicData uri="http://schemas.openxmlformats.org/presentationml/2006/ole">
             <mc:AlternateContent xmlns:mc="http://schemas.openxmlformats.org/markup-compatibility/2006">
               <mc:Choice xmlns:v="urn:schemas-microsoft-com:vml" Requires="v">
-                <p:oleObj spid="_x0000_s41019" name="think-cell Slide" r:id="rId5" imgW="216" imgH="216" progId="TCLayout.ActiveDocument.1">
+                <p:oleObj spid="_x0000_s41021" name="think-cell Slide" r:id="rId5" imgW="216" imgH="216" progId="TCLayout.ActiveDocument.1">
                   <p:embed/>
                 </p:oleObj>
               </mc:Choice>
@@ -9055,7 +9055,7 @@
           <p:cNvPr id="4" name="Footer Placeholder 3">
             <a:extLst>
               <a:ext uri="{FF2B5EF4-FFF2-40B4-BE49-F238E27FC236}">
-                <a16:creationId xmlns:a16="http://schemas.microsoft.com/office/drawing/2014/main" xmlns="" id="{17D6DE4C-D976-4B4B-B087-C035EF8D4F6F}"/>
+                <a16:creationId xmlns="" xmlns:a16="http://schemas.microsoft.com/office/drawing/2014/main" id="{17D6DE4C-D976-4B4B-B087-C035EF8D4F6F}"/>
               </a:ext>
             </a:extLst>
           </p:cNvPr>
@@ -9114,7 +9114,7 @@
           <p:cNvPr id="17" name="Slide Number Placeholder 5">
             <a:extLst>
               <a:ext uri="{FF2B5EF4-FFF2-40B4-BE49-F238E27FC236}">
-                <a16:creationId xmlns:a16="http://schemas.microsoft.com/office/drawing/2014/main" xmlns="" id="{CC67CD5C-67EC-5144-B858-5347C50D1ACD}"/>
+                <a16:creationId xmlns="" xmlns:a16="http://schemas.microsoft.com/office/drawing/2014/main" id="{CC67CD5C-67EC-5144-B858-5347C50D1ACD}"/>
               </a:ext>
             </a:extLst>
           </p:cNvPr>
@@ -9166,7 +9166,7 @@
           <p:cNvPr id="8" name="Title 7">
             <a:extLst>
               <a:ext uri="{FF2B5EF4-FFF2-40B4-BE49-F238E27FC236}">
-                <a16:creationId xmlns:a16="http://schemas.microsoft.com/office/drawing/2014/main" xmlns="" id="{8A6F1540-D306-D44E-B1B3-1ACCF1041F70}"/>
+                <a16:creationId xmlns="" xmlns:a16="http://schemas.microsoft.com/office/drawing/2014/main" id="{8A6F1540-D306-D44E-B1B3-1ACCF1041F70}"/>
               </a:ext>
             </a:extLst>
           </p:cNvPr>
@@ -9210,7 +9210,7 @@
           <p:cNvPr id="9" name="Straight Connector 8">
             <a:extLst>
               <a:ext uri="{FF2B5EF4-FFF2-40B4-BE49-F238E27FC236}">
-                <a16:creationId xmlns:a16="http://schemas.microsoft.com/office/drawing/2014/main" xmlns="" id="{BB1AA2BE-B537-254D-958A-FBAFDE7E90DC}"/>
+                <a16:creationId xmlns="" xmlns:a16="http://schemas.microsoft.com/office/drawing/2014/main" id="{BB1AA2BE-B537-254D-958A-FBAFDE7E90DC}"/>
               </a:ext>
             </a:extLst>
           </p:cNvPr>
@@ -9253,7 +9253,7 @@
           <p:cNvPr id="10" name="Straight Connector 9">
             <a:extLst>
               <a:ext uri="{FF2B5EF4-FFF2-40B4-BE49-F238E27FC236}">
-                <a16:creationId xmlns:a16="http://schemas.microsoft.com/office/drawing/2014/main" xmlns="" id="{95C486A1-9876-924E-85C2-906892F8B9AC}"/>
+                <a16:creationId xmlns="" xmlns:a16="http://schemas.microsoft.com/office/drawing/2014/main" id="{95C486A1-9876-924E-85C2-906892F8B9AC}"/>
               </a:ext>
             </a:extLst>
           </p:cNvPr>
@@ -9777,7 +9777,7 @@
           <a:p>
             <a:fld id="{CB9F8517-1271-4F8B-9742-ECB8BBF22693}" type="datetimeFigureOut">
               <a:rPr lang="en-US" smtClean="0"/>
-              <a:t>4/11/2022</a:t>
+              <a:t>4/16/2022</a:t>
             </a:fld>
             <a:endParaRPr lang="en-US"/>
           </a:p>
@@ -10009,7 +10009,7 @@
           <a:p>
             <a:fld id="{CB9F8517-1271-4F8B-9742-ECB8BBF22693}" type="datetimeFigureOut">
               <a:rPr lang="en-US" smtClean="0"/>
-              <a:t>4/11/2022</a:t>
+              <a:t>4/16/2022</a:t>
             </a:fld>
             <a:endParaRPr lang="en-US"/>
           </a:p>
@@ -10376,7 +10376,7 @@
           <a:p>
             <a:fld id="{CB9F8517-1271-4F8B-9742-ECB8BBF22693}" type="datetimeFigureOut">
               <a:rPr lang="en-US" smtClean="0"/>
-              <a:t>4/11/2022</a:t>
+              <a:t>4/16/2022</a:t>
             </a:fld>
             <a:endParaRPr lang="en-US"/>
           </a:p>
@@ -10494,7 +10494,7 @@
           <a:p>
             <a:fld id="{CB9F8517-1271-4F8B-9742-ECB8BBF22693}" type="datetimeFigureOut">
               <a:rPr lang="en-US" smtClean="0"/>
-              <a:t>4/11/2022</a:t>
+              <a:t>4/16/2022</a:t>
             </a:fld>
             <a:endParaRPr lang="en-US"/>
           </a:p>
@@ -10589,7 +10589,7 @@
           <a:p>
             <a:fld id="{CB9F8517-1271-4F8B-9742-ECB8BBF22693}" type="datetimeFigureOut">
               <a:rPr lang="en-US" smtClean="0"/>
-              <a:t>4/11/2022</a:t>
+              <a:t>4/16/2022</a:t>
             </a:fld>
             <a:endParaRPr lang="en-US"/>
           </a:p>
@@ -10866,7 +10866,7 @@
           <a:p>
             <a:fld id="{CB9F8517-1271-4F8B-9742-ECB8BBF22693}" type="datetimeFigureOut">
               <a:rPr lang="en-US" smtClean="0"/>
-              <a:t>4/11/2022</a:t>
+              <a:t>4/16/2022</a:t>
             </a:fld>
             <a:endParaRPr lang="en-US"/>
           </a:p>
@@ -11119,7 +11119,7 @@
           <a:p>
             <a:fld id="{CB9F8517-1271-4F8B-9742-ECB8BBF22693}" type="datetimeFigureOut">
               <a:rPr lang="en-US" smtClean="0"/>
-              <a:t>4/11/2022</a:t>
+              <a:t>4/16/2022</a:t>
             </a:fld>
             <a:endParaRPr lang="en-US"/>
           </a:p>
@@ -11227,7 +11227,7 @@
           <a:graphicData uri="http://schemas.openxmlformats.org/presentationml/2006/ole">
             <mc:AlternateContent xmlns:mc="http://schemas.openxmlformats.org/markup-compatibility/2006">
               <mc:Choice xmlns:v="urn:schemas-microsoft-com:vml" Requires="v">
-                <p:oleObj spid="_x0000_s1095" name="think-cell Slide" r:id="rId16" imgW="416" imgH="416" progId="TCLayout.ActiveDocument.1">
+                <p:oleObj spid="_x0000_s1097" name="think-cell Slide" r:id="rId16" imgW="416" imgH="416" progId="TCLayout.ActiveDocument.1">
                   <p:embed/>
                 </p:oleObj>
               </mc:Choice>
@@ -11392,7 +11392,7 @@
           <a:p>
             <a:fld id="{CB9F8517-1271-4F8B-9742-ECB8BBF22693}" type="datetimeFigureOut">
               <a:rPr lang="en-US" smtClean="0"/>
-              <a:t>4/11/2022</a:t>
+              <a:t>4/16/2022</a:t>
             </a:fld>
             <a:endParaRPr lang="en-US"/>
           </a:p>
@@ -11828,7 +11828,7 @@
           <a:graphicData uri="http://schemas.openxmlformats.org/presentationml/2006/ole">
             <mc:AlternateContent xmlns:mc="http://schemas.openxmlformats.org/markup-compatibility/2006">
               <mc:Choice xmlns:v="urn:schemas-microsoft-com:vml" Requires="v">
-                <p:oleObj spid="_x0000_s31803" name="think-cell Slide" r:id="rId10" imgW="216" imgH="216" progId="TCLayout.ActiveDocument.1">
+                <p:oleObj spid="_x0000_s31805" name="think-cell Slide" r:id="rId10" imgW="216" imgH="216" progId="TCLayout.ActiveDocument.1">
                   <p:embed/>
                 </p:oleObj>
               </mc:Choice>
@@ -11948,7 +11948,7 @@
           <p:cNvPr id="10" name="Straight Connector 9">
             <a:extLst>
               <a:ext uri="{FF2B5EF4-FFF2-40B4-BE49-F238E27FC236}">
-                <a16:creationId xmlns:a16="http://schemas.microsoft.com/office/drawing/2014/main" xmlns="" id="{BB1AA2BE-B537-254D-958A-FBAFDE7E90DC}"/>
+                <a16:creationId xmlns="" xmlns:a16="http://schemas.microsoft.com/office/drawing/2014/main" id="{BB1AA2BE-B537-254D-958A-FBAFDE7E90DC}"/>
               </a:ext>
             </a:extLst>
           </p:cNvPr>
@@ -11991,7 +11991,7 @@
           <p:cNvPr id="15" name="Footer Placeholder 3">
             <a:extLst>
               <a:ext uri="{FF2B5EF4-FFF2-40B4-BE49-F238E27FC236}">
-                <a16:creationId xmlns:a16="http://schemas.microsoft.com/office/drawing/2014/main" xmlns="" id="{DBA440F4-82E0-7E45-8A6F-4A8C7572AEE5}"/>
+                <a16:creationId xmlns="" xmlns:a16="http://schemas.microsoft.com/office/drawing/2014/main" id="{DBA440F4-82E0-7E45-8A6F-4A8C7572AEE5}"/>
               </a:ext>
             </a:extLst>
           </p:cNvPr>
@@ -12050,7 +12050,7 @@
           <p:cNvPr id="16" name="Slide Number Placeholder 5">
             <a:extLst>
               <a:ext uri="{FF2B5EF4-FFF2-40B4-BE49-F238E27FC236}">
-                <a16:creationId xmlns:a16="http://schemas.microsoft.com/office/drawing/2014/main" xmlns="" id="{2D9636C8-FF6B-E141-B9E1-70C7091B23B1}"/>
+                <a16:creationId xmlns="" xmlns:a16="http://schemas.microsoft.com/office/drawing/2014/main" id="{2D9636C8-FF6B-E141-B9E1-70C7091B23B1}"/>
               </a:ext>
             </a:extLst>
           </p:cNvPr>
@@ -12417,7 +12417,7 @@
   </p:txStyles>
   <p:extLst mod="1">
     <p:ext uri="{27BBF7A9-308A-43DC-89C8-2F10F3537804}">
-      <p15:sldGuideLst xmlns:p15="http://schemas.microsoft.com/office/powerpoint/2012/main" xmlns="">
+      <p15:sldGuideLst xmlns="" xmlns:p15="http://schemas.microsoft.com/office/powerpoint/2012/main">
         <p15:guide id="1" orient="horz" pos="2041">
           <p15:clr>
             <a:srgbClr val="F26B43"/>
@@ -12586,7 +12586,7 @@
           <a:graphicData uri="http://schemas.openxmlformats.org/presentationml/2006/ole">
             <mc:AlternateContent xmlns:mc="http://schemas.openxmlformats.org/markup-compatibility/2006">
               <mc:Choice xmlns:v="urn:schemas-microsoft-com:vml" Requires="v">
-                <p:oleObj spid="_x0000_s36924" name="think-cell Slide" r:id="rId10" imgW="216" imgH="216" progId="TCLayout.ActiveDocument.1">
+                <p:oleObj spid="_x0000_s36926" name="think-cell Slide" r:id="rId10" imgW="216" imgH="216" progId="TCLayout.ActiveDocument.1">
                   <p:embed/>
                 </p:oleObj>
               </mc:Choice>
@@ -12706,7 +12706,7 @@
           <p:cNvPr id="10" name="Straight Connector 9">
             <a:extLst>
               <a:ext uri="{FF2B5EF4-FFF2-40B4-BE49-F238E27FC236}">
-                <a16:creationId xmlns:a16="http://schemas.microsoft.com/office/drawing/2014/main" xmlns="" id="{BB1AA2BE-B537-254D-958A-FBAFDE7E90DC}"/>
+                <a16:creationId xmlns="" xmlns:a16="http://schemas.microsoft.com/office/drawing/2014/main" id="{BB1AA2BE-B537-254D-958A-FBAFDE7E90DC}"/>
               </a:ext>
             </a:extLst>
           </p:cNvPr>
@@ -12749,7 +12749,7 @@
           <p:cNvPr id="15" name="Footer Placeholder 3">
             <a:extLst>
               <a:ext uri="{FF2B5EF4-FFF2-40B4-BE49-F238E27FC236}">
-                <a16:creationId xmlns:a16="http://schemas.microsoft.com/office/drawing/2014/main" xmlns="" id="{DBA440F4-82E0-7E45-8A6F-4A8C7572AEE5}"/>
+                <a16:creationId xmlns="" xmlns:a16="http://schemas.microsoft.com/office/drawing/2014/main" id="{DBA440F4-82E0-7E45-8A6F-4A8C7572AEE5}"/>
               </a:ext>
             </a:extLst>
           </p:cNvPr>
@@ -12808,7 +12808,7 @@
           <p:cNvPr id="16" name="Slide Number Placeholder 5">
             <a:extLst>
               <a:ext uri="{FF2B5EF4-FFF2-40B4-BE49-F238E27FC236}">
-                <a16:creationId xmlns:a16="http://schemas.microsoft.com/office/drawing/2014/main" xmlns="" id="{2D9636C8-FF6B-E141-B9E1-70C7091B23B1}"/>
+                <a16:creationId xmlns="" xmlns:a16="http://schemas.microsoft.com/office/drawing/2014/main" id="{2D9636C8-FF6B-E141-B9E1-70C7091B23B1}"/>
               </a:ext>
             </a:extLst>
           </p:cNvPr>
@@ -13175,7 +13175,7 @@
   </p:txStyles>
   <p:extLst mod="1">
     <p:ext uri="{27BBF7A9-308A-43DC-89C8-2F10F3537804}">
-      <p15:sldGuideLst xmlns:p15="http://schemas.microsoft.com/office/powerpoint/2012/main" xmlns="">
+      <p15:sldGuideLst xmlns="" xmlns:p15="http://schemas.microsoft.com/office/powerpoint/2012/main">
         <p15:guide id="1" orient="horz" pos="2041">
           <p15:clr>
             <a:srgbClr val="F26B43"/>
@@ -13339,7 +13339,7 @@
           <a:graphicData uri="http://schemas.openxmlformats.org/presentationml/2006/ole">
             <mc:AlternateContent xmlns:mc="http://schemas.openxmlformats.org/markup-compatibility/2006">
               <mc:Choice xmlns:v="urn:schemas-microsoft-com:vml" Requires="v">
-                <p:oleObj spid="_x0000_s14410" name="think-cell Slide" r:id="rId5" imgW="396" imgH="396" progId="TCLayout.ActiveDocument.1">
+                <p:oleObj spid="_x0000_s14412" name="think-cell Slide" r:id="rId5" imgW="396" imgH="396" progId="TCLayout.ActiveDocument.1">
                   <p:embed/>
                 </p:oleObj>
               </mc:Choice>
@@ -13379,7 +13379,7 @@
           <p:cNvPr id="63" name="图片 2">
             <a:extLst>
               <a:ext uri="{FF2B5EF4-FFF2-40B4-BE49-F238E27FC236}">
-                <a16:creationId xmlns:a16="http://schemas.microsoft.com/office/drawing/2014/main" xmlns="" id="{321341A2-5A29-6A47-A5DC-E12071424359}"/>
+                <a16:creationId xmlns="" xmlns:a16="http://schemas.microsoft.com/office/drawing/2014/main" id="{321341A2-5A29-6A47-A5DC-E12071424359}"/>
               </a:ext>
             </a:extLst>
           </p:cNvPr>
@@ -13415,7 +13415,7 @@
           <p:cNvPr id="69" name="矩形 197">
             <a:extLst>
               <a:ext uri="{FF2B5EF4-FFF2-40B4-BE49-F238E27FC236}">
-                <a16:creationId xmlns:a16="http://schemas.microsoft.com/office/drawing/2014/main" xmlns="" id="{A26E02F6-ED45-2E46-B455-D7E64937829D}"/>
+                <a16:creationId xmlns="" xmlns:a16="http://schemas.microsoft.com/office/drawing/2014/main" id="{A26E02F6-ED45-2E46-B455-D7E64937829D}"/>
               </a:ext>
             </a:extLst>
           </p:cNvPr>
@@ -15238,7 +15238,7 @@
           <p:cNvPr id="37" name="Straight Connector 22">
             <a:extLst>
               <a:ext uri="{FF2B5EF4-FFF2-40B4-BE49-F238E27FC236}">
-                <a16:creationId xmlns:a16="http://schemas.microsoft.com/office/drawing/2014/main" xmlns="" id="{145705CD-70A8-344F-AEB6-14ED3BCA6F5B}"/>
+                <a16:creationId xmlns="" xmlns:a16="http://schemas.microsoft.com/office/drawing/2014/main" id="{145705CD-70A8-344F-AEB6-14ED3BCA6F5B}"/>
               </a:ext>
             </a:extLst>
           </p:cNvPr>
@@ -15291,7 +15291,7 @@
           <p:cNvPr id="42" name="Title 2">
             <a:extLst>
               <a:ext uri="{FF2B5EF4-FFF2-40B4-BE49-F238E27FC236}">
-                <a16:creationId xmlns:a16="http://schemas.microsoft.com/office/drawing/2014/main" xmlns="" id="{2AA0B7C0-B58E-2540-93F4-0E5771E03B19}"/>
+                <a16:creationId xmlns="" xmlns:a16="http://schemas.microsoft.com/office/drawing/2014/main" id="{2AA0B7C0-B58E-2540-93F4-0E5771E03B19}"/>
               </a:ext>
             </a:extLst>
           </p:cNvPr>
@@ -17709,7 +17709,7 @@
           <a:graphicData uri="http://schemas.openxmlformats.org/presentationml/2006/ole">
             <mc:AlternateContent xmlns:mc="http://schemas.openxmlformats.org/markup-compatibility/2006">
               <mc:Choice xmlns:v="urn:schemas-microsoft-com:vml" Requires="v">
-                <p:oleObj spid="_x0000_s42050" name="think-cell Slide" r:id="rId6" imgW="416" imgH="416" progId="TCLayout.ActiveDocument.1">
+                <p:oleObj spid="_x0000_s42052" name="think-cell Slide" r:id="rId6" imgW="416" imgH="416" progId="TCLayout.ActiveDocument.1">
                   <p:embed/>
                 </p:oleObj>
               </mc:Choice>
@@ -18132,35 +18132,35 @@
                 <a:gridCol w="1624339">
                   <a:extLst>
                     <a:ext uri="{9D8B030D-6E8A-4147-A177-3AD203B41FA5}">
-                      <a16:colId xmlns:a16="http://schemas.microsoft.com/office/drawing/2014/main" xmlns="" val="1228268629"/>
+                      <a16:colId xmlns="" xmlns:a16="http://schemas.microsoft.com/office/drawing/2014/main" val="1228268629"/>
                     </a:ext>
                   </a:extLst>
                 </a:gridCol>
                 <a:gridCol w="1886015">
                   <a:extLst>
                     <a:ext uri="{9D8B030D-6E8A-4147-A177-3AD203B41FA5}">
-                      <a16:colId xmlns:a16="http://schemas.microsoft.com/office/drawing/2014/main" xmlns="" val="4045974056"/>
+                      <a16:colId xmlns="" xmlns:a16="http://schemas.microsoft.com/office/drawing/2014/main" val="4045974056"/>
                     </a:ext>
                   </a:extLst>
                 </a:gridCol>
                 <a:gridCol w="1428139">
                   <a:extLst>
                     <a:ext uri="{9D8B030D-6E8A-4147-A177-3AD203B41FA5}">
-                      <a16:colId xmlns:a16="http://schemas.microsoft.com/office/drawing/2014/main" xmlns="" val="2462729159"/>
+                      <a16:colId xmlns="" xmlns:a16="http://schemas.microsoft.com/office/drawing/2014/main" val="2462729159"/>
                     </a:ext>
                   </a:extLst>
                 </a:gridCol>
                 <a:gridCol w="2349121">
                   <a:extLst>
                     <a:ext uri="{9D8B030D-6E8A-4147-A177-3AD203B41FA5}">
-                      <a16:colId xmlns:a16="http://schemas.microsoft.com/office/drawing/2014/main" xmlns="" val="978489334"/>
+                      <a16:colId xmlns="" xmlns:a16="http://schemas.microsoft.com/office/drawing/2014/main" val="978489334"/>
                     </a:ext>
                   </a:extLst>
                 </a:gridCol>
                 <a:gridCol w="3777260">
                   <a:extLst>
                     <a:ext uri="{9D8B030D-6E8A-4147-A177-3AD203B41FA5}">
-                      <a16:colId xmlns:a16="http://schemas.microsoft.com/office/drawing/2014/main" xmlns="" val="988664389"/>
+                      <a16:colId xmlns="" xmlns:a16="http://schemas.microsoft.com/office/drawing/2014/main" val="988664389"/>
                     </a:ext>
                   </a:extLst>
                 </a:gridCol>
@@ -18330,7 +18330,7 @@
                 </a:tc>
                 <a:extLst>
                   <a:ext uri="{0D108BD9-81ED-4DB2-BD59-A6C34878D82A}">
-                    <a16:rowId xmlns:a16="http://schemas.microsoft.com/office/drawing/2014/main" xmlns="" val="1879564901"/>
+                    <a16:rowId xmlns="" xmlns:a16="http://schemas.microsoft.com/office/drawing/2014/main" val="1879564901"/>
                   </a:ext>
                 </a:extLst>
               </a:tr>
@@ -18565,7 +18565,7 @@
                 </a:tc>
                 <a:extLst>
                   <a:ext uri="{0D108BD9-81ED-4DB2-BD59-A6C34878D82A}">
-                    <a16:rowId xmlns:a16="http://schemas.microsoft.com/office/drawing/2014/main" xmlns="" val="359195167"/>
+                    <a16:rowId xmlns="" xmlns:a16="http://schemas.microsoft.com/office/drawing/2014/main" val="359195167"/>
                   </a:ext>
                 </a:extLst>
               </a:tr>
@@ -18716,7 +18716,7 @@
                 </a:tc>
                 <a:extLst>
                   <a:ext uri="{0D108BD9-81ED-4DB2-BD59-A6C34878D82A}">
-                    <a16:rowId xmlns:a16="http://schemas.microsoft.com/office/drawing/2014/main" xmlns="" val="2388008764"/>
+                    <a16:rowId xmlns="" xmlns:a16="http://schemas.microsoft.com/office/drawing/2014/main" val="2388008764"/>
                   </a:ext>
                 </a:extLst>
               </a:tr>
@@ -19016,7 +19016,7 @@
                 </a:tc>
                 <a:extLst>
                   <a:ext uri="{0D108BD9-81ED-4DB2-BD59-A6C34878D82A}">
-                    <a16:rowId xmlns:a16="http://schemas.microsoft.com/office/drawing/2014/main" xmlns="" val="3742758418"/>
+                    <a16:rowId xmlns="" xmlns:a16="http://schemas.microsoft.com/office/drawing/2014/main" val="3742758418"/>
                   </a:ext>
                 </a:extLst>
               </a:tr>
@@ -19235,7 +19235,7 @@
                 </a:tc>
                 <a:extLst>
                   <a:ext uri="{0D108BD9-81ED-4DB2-BD59-A6C34878D82A}">
-                    <a16:rowId xmlns:a16="http://schemas.microsoft.com/office/drawing/2014/main" xmlns="" val="3286601418"/>
+                    <a16:rowId xmlns="" xmlns:a16="http://schemas.microsoft.com/office/drawing/2014/main" val="3286601418"/>
                   </a:ext>
                 </a:extLst>
               </a:tr>
@@ -19454,7 +19454,7 @@
                 </a:tc>
                 <a:extLst>
                   <a:ext uri="{0D108BD9-81ED-4DB2-BD59-A6C34878D82A}">
-                    <a16:rowId xmlns:a16="http://schemas.microsoft.com/office/drawing/2014/main" xmlns="" val="628591838"/>
+                    <a16:rowId xmlns="" xmlns:a16="http://schemas.microsoft.com/office/drawing/2014/main" val="628591838"/>
                   </a:ext>
                 </a:extLst>
               </a:tr>
@@ -19662,7 +19662,7 @@
                 </a:tc>
                 <a:extLst>
                   <a:ext uri="{0D108BD9-81ED-4DB2-BD59-A6C34878D82A}">
-                    <a16:rowId xmlns:a16="http://schemas.microsoft.com/office/drawing/2014/main" xmlns="" val="1485137538"/>
+                    <a16:rowId xmlns="" xmlns:a16="http://schemas.microsoft.com/office/drawing/2014/main" val="1485137538"/>
                   </a:ext>
                 </a:extLst>
               </a:tr>
@@ -19895,7 +19895,7 @@
                 </a:tc>
                 <a:extLst>
                   <a:ext uri="{0D108BD9-81ED-4DB2-BD59-A6C34878D82A}">
-                    <a16:rowId xmlns:a16="http://schemas.microsoft.com/office/drawing/2014/main" xmlns="" val="1220343380"/>
+                    <a16:rowId xmlns="" xmlns:a16="http://schemas.microsoft.com/office/drawing/2014/main" val="1220343380"/>
                   </a:ext>
                 </a:extLst>
               </a:tr>
@@ -19932,35 +19932,35 @@
                 <a:gridCol w="2454326">
                   <a:extLst>
                     <a:ext uri="{9D8B030D-6E8A-4147-A177-3AD203B41FA5}">
-                      <a16:colId xmlns:a16="http://schemas.microsoft.com/office/drawing/2014/main" xmlns="" val="20000"/>
+                      <a16:colId xmlns="" xmlns:a16="http://schemas.microsoft.com/office/drawing/2014/main" val="20000"/>
                     </a:ext>
                   </a:extLst>
                 </a:gridCol>
                 <a:gridCol w="2306453">
                   <a:extLst>
                     <a:ext uri="{9D8B030D-6E8A-4147-A177-3AD203B41FA5}">
-                      <a16:colId xmlns:a16="http://schemas.microsoft.com/office/drawing/2014/main" xmlns="" val="20002"/>
+                      <a16:colId xmlns="" xmlns:a16="http://schemas.microsoft.com/office/drawing/2014/main" val="20002"/>
                     </a:ext>
                   </a:extLst>
                 </a:gridCol>
                 <a:gridCol w="2254336">
                   <a:extLst>
                     <a:ext uri="{9D8B030D-6E8A-4147-A177-3AD203B41FA5}">
-                      <a16:colId xmlns:a16="http://schemas.microsoft.com/office/drawing/2014/main" xmlns="" val="2575180168"/>
+                      <a16:colId xmlns="" xmlns:a16="http://schemas.microsoft.com/office/drawing/2014/main" val="2575180168"/>
                     </a:ext>
                   </a:extLst>
                 </a:gridCol>
                 <a:gridCol w="2355667">
                   <a:extLst>
                     <a:ext uri="{9D8B030D-6E8A-4147-A177-3AD203B41FA5}">
-                      <a16:colId xmlns:a16="http://schemas.microsoft.com/office/drawing/2014/main" xmlns="" val="20003"/>
+                      <a16:colId xmlns="" xmlns:a16="http://schemas.microsoft.com/office/drawing/2014/main" val="20003"/>
                     </a:ext>
                   </a:extLst>
                 </a:gridCol>
                 <a:gridCol w="1661586">
                   <a:extLst>
                     <a:ext uri="{9D8B030D-6E8A-4147-A177-3AD203B41FA5}">
-                      <a16:colId xmlns:a16="http://schemas.microsoft.com/office/drawing/2014/main" xmlns="" val="1141158204"/>
+                      <a16:colId xmlns="" xmlns:a16="http://schemas.microsoft.com/office/drawing/2014/main" val="1141158204"/>
                     </a:ext>
                   </a:extLst>
                 </a:gridCol>
@@ -20644,7 +20644,7 @@
                 </a:tc>
                 <a:extLst>
                   <a:ext uri="{0D108BD9-81ED-4DB2-BD59-A6C34878D82A}">
-                    <a16:rowId xmlns:a16="http://schemas.microsoft.com/office/drawing/2014/main" xmlns="" val="10000"/>
+                    <a16:rowId xmlns="" xmlns:a16="http://schemas.microsoft.com/office/drawing/2014/main" val="10000"/>
                   </a:ext>
                 </a:extLst>
               </a:tr>
@@ -21032,7 +21032,7 @@
                 </a:tc>
                 <a:extLst>
                   <a:ext uri="{0D108BD9-81ED-4DB2-BD59-A6C34878D82A}">
-                    <a16:rowId xmlns:a16="http://schemas.microsoft.com/office/drawing/2014/main" xmlns="" val="3242880312"/>
+                    <a16:rowId xmlns="" xmlns:a16="http://schemas.microsoft.com/office/drawing/2014/main" val="3242880312"/>
                   </a:ext>
                 </a:extLst>
               </a:tr>
@@ -21475,14 +21475,14 @@
           <p:nvPr>
             <p:extLst>
               <p:ext uri="{D42A27DB-BD31-4B8C-83A1-F6EECF244321}">
-                <p14:modId xmlns:p14="http://schemas.microsoft.com/office/powerpoint/2010/main" val="2197285528"/>
+                <p14:modId xmlns:p14="http://schemas.microsoft.com/office/powerpoint/2010/main" val="521586992"/>
               </p:ext>
             </p:extLst>
           </p:nvPr>
         </p:nvGraphicFramePr>
         <p:xfrm>
-          <a:off x="539750" y="1254424"/>
-          <a:ext cx="11079996" cy="5192358"/>
+          <a:off x="539751" y="1205410"/>
+          <a:ext cx="11079992" cy="5324253"/>
         </p:xfrm>
         <a:graphic>
           <a:graphicData uri="http://schemas.openxmlformats.org/drawingml/2006/table">
@@ -21491,28 +21491,27 @@
                 <a:tableStyleId>{5C22544A-7EE6-4342-B048-85BDC9FD1C3A}</a:tableStyleId>
               </a:tblPr>
               <a:tblGrid>
-                <a:gridCol w="1450058">
+                <a:gridCol w="1632001">
                   <a:extLst>
                     <a:ext uri="{9D8B030D-6E8A-4147-A177-3AD203B41FA5}">
-                      <a16:colId xmlns:a16="http://schemas.microsoft.com/office/drawing/2014/main" xmlns="" val="20000"/>
+                      <a16:colId xmlns="" xmlns:a16="http://schemas.microsoft.com/office/drawing/2014/main" val="20000"/>
                     </a:ext>
                   </a:extLst>
                 </a:gridCol>
-                <a:gridCol w="1181231"/>
-                <a:gridCol w="1392572">
+                <a:gridCol w="1318766"/>
+                <a:gridCol w="2102761">
                   <a:extLst>
                     <a:ext uri="{9D8B030D-6E8A-4147-A177-3AD203B41FA5}">
-                      <a16:colId xmlns:a16="http://schemas.microsoft.com/office/drawing/2014/main" xmlns="" val="20001"/>
+                      <a16:colId xmlns="" xmlns:a16="http://schemas.microsoft.com/office/drawing/2014/main" val="20001"/>
                     </a:ext>
                   </a:extLst>
                 </a:gridCol>
-                <a:gridCol w="1199628"/>
-                <a:gridCol w="1710206"/>
-                <a:gridCol w="1502775"/>
-                <a:gridCol w="1065555"/>
-                <a:gridCol w="1577971"/>
+                <a:gridCol w="1376741"/>
+                <a:gridCol w="1685234"/>
+                <a:gridCol w="1194929"/>
+                <a:gridCol w="1769560"/>
               </a:tblGrid>
-              <a:tr h="441918">
+              <a:tr h="650361">
                 <a:tc>
                   <a:txBody>
                     <a:bodyPr/>
@@ -21524,7 +21523,7 @@
                         </a:lnSpc>
                       </a:pPr>
                       <a:r>
-                        <a:rPr lang="zh-CN" altLang="en-US" sz="1602" b="1" kern="1200" dirty="0" smtClean="0">
+                        <a:rPr lang="zh-CN" altLang="en-US" sz="1400" b="1" kern="1200" dirty="0" smtClean="0">
                           <a:solidFill>
                             <a:schemeClr val="lt1"/>
                           </a:solidFill>
@@ -21532,7 +21531,7 @@
                           <a:ea typeface="+mn-ea"/>
                           <a:cs typeface="+mn-cs"/>
                         </a:rPr>
-                        <a:t>顾客姓名</a:t>
+                        <a:t>客户姓名</a:t>
                       </a:r>
                       <a:endParaRPr lang="zh-CN" altLang="en-US" sz="1400" b="1" kern="1200" dirty="0">
                         <a:solidFill>
@@ -21611,19 +21610,7 @@
                           <a:cs typeface="+mn-ea"/>
                           <a:sym typeface="+mn-lt"/>
                         </a:rPr>
-                        <a:t>BP</a:t>
-                      </a:r>
-                      <a:r>
-                        <a:rPr lang="zh-CN" altLang="en-US" sz="1400" b="1" kern="1200" dirty="0" smtClean="0">
-                          <a:solidFill>
-                            <a:schemeClr val="lt1"/>
-                          </a:solidFill>
-                          <a:latin typeface="+mn-lt"/>
-                          <a:ea typeface="+mn-ea"/>
-                          <a:cs typeface="+mn-ea"/>
-                          <a:sym typeface="+mn-lt"/>
-                        </a:rPr>
-                        <a:t>号</a:t>
+                        <a:t>DCPID</a:t>
                       </a:r>
                       <a:endParaRPr lang="zh-CN" altLang="en-US" sz="1400" b="1" kern="1200" dirty="0">
                         <a:solidFill>
@@ -21695,96 +21682,28 @@
                         </a:lnSpc>
                       </a:pPr>
                       <a:r>
-                        <a:rPr lang="zh-CN" altLang="en-US" sz="1602" b="1" kern="1200" dirty="0" smtClean="0">
+                        <a:rPr lang="zh-CN" altLang="en-US" sz="1400" b="1" kern="1200" dirty="0" smtClean="0">
                           <a:solidFill>
                             <a:schemeClr val="lt1"/>
                           </a:solidFill>
                           <a:latin typeface="+mn-lt"/>
                           <a:ea typeface="+mn-ea"/>
-                          <a:cs typeface="+mn-cs"/>
+                          <a:cs typeface="+mn-ea"/>
                           <a:sym typeface="+mn-lt"/>
                         </a:rPr>
-                        <a:t>是否车主</a:t>
+                        <a:t>活动前是否已有</a:t>
                       </a:r>
-                      <a:endParaRPr lang="zh-CN" altLang="en-US" sz="1400" b="1" kern="1200" dirty="0">
-                        <a:solidFill>
-                          <a:schemeClr val="lt1"/>
-                        </a:solidFill>
-                        <a:latin typeface="+mn-lt"/>
-                        <a:ea typeface="+mn-ea"/>
-                        <a:cs typeface="+mn-ea"/>
-                        <a:sym typeface="+mn-lt"/>
-                      </a:endParaRPr>
-                    </a:p>
-                  </a:txBody>
-                  <a:tcPr marL="108522" marR="108522" marT="54261" marB="54261" anchor="ctr">
-                    <a:lnL w="12700" cap="flat" cmpd="sng" algn="ctr">
-                      <a:solidFill>
-                        <a:schemeClr val="bg1"/>
-                      </a:solidFill>
-                      <a:prstDash val="solid"/>
-                      <a:round/>
-                      <a:headEnd type="none" w="med" len="med"/>
-                      <a:tailEnd type="none" w="med" len="med"/>
-                    </a:lnL>
-                    <a:lnR w="12700" cap="flat" cmpd="sng" algn="ctr">
-                      <a:solidFill>
-                        <a:schemeClr val="bg1"/>
-                      </a:solidFill>
-                      <a:prstDash val="solid"/>
-                      <a:round/>
-                      <a:headEnd type="none" w="med" len="med"/>
-                      <a:tailEnd type="none" w="med" len="med"/>
-                    </a:lnR>
-                    <a:lnT w="38100" cap="flat" cmpd="sng" algn="ctr">
-                      <a:noFill/>
-                      <a:prstDash val="solid"/>
-                      <a:round/>
-                      <a:headEnd type="none" w="med" len="med"/>
-                      <a:tailEnd type="none" w="med" len="med"/>
-                    </a:lnT>
-                    <a:lnB w="6350" cap="flat" cmpd="sng" algn="ctr">
-                      <a:noFill/>
-                      <a:prstDash val="solid"/>
-                      <a:round/>
-                      <a:headEnd type="none" w="med" len="med"/>
-                      <a:tailEnd type="none" w="med" len="med"/>
-                    </a:lnB>
-                    <a:lnTlToBr w="12700" cmpd="sng">
-                      <a:noFill/>
-                      <a:prstDash val="solid"/>
-                    </a:lnTlToBr>
-                    <a:lnBlToTr w="12700" cmpd="sng">
-                      <a:noFill/>
-                      <a:prstDash val="solid"/>
-                    </a:lnBlToTr>
-                    <a:solidFill>
-                      <a:schemeClr val="accent1">
-                        <a:lumMod val="50000"/>
-                      </a:schemeClr>
-                    </a:solidFill>
-                  </a:tcPr>
-                </a:tc>
-                <a:tc>
-                  <a:txBody>
-                    <a:bodyPr/>
-                    <a:lstStyle/>
-                    <a:p>
-                      <a:pPr marL="0" algn="ctr" defTabSz="685792" rtl="0" eaLnBrk="1" latinLnBrk="0" hangingPunct="1">
-                        <a:lnSpc>
-                          <a:spcPct val="130000"/>
-                        </a:lnSpc>
-                      </a:pPr>
                       <a:r>
-                        <a:rPr lang="zh-CN" altLang="en-US" sz="1602" b="1" kern="1200" dirty="0" smtClean="0">
+                        <a:rPr lang="en-US" altLang="zh-CN" sz="1400" b="1" kern="1200" dirty="0" smtClean="0">
                           <a:solidFill>
                             <a:schemeClr val="lt1"/>
                           </a:solidFill>
                           <a:latin typeface="+mn-lt"/>
                           <a:ea typeface="+mn-ea"/>
-                          <a:cs typeface="+mn-cs"/>
+                          <a:cs typeface="+mn-ea"/>
+                          <a:sym typeface="+mn-lt"/>
                         </a:rPr>
-                        <a:t>是否试驾</a:t>
+                        <a:t>DCP</a:t>
                       </a:r>
                       <a:endParaRPr lang="zh-CN" altLang="en-US" sz="1400" b="1" kern="1200" dirty="0">
                         <a:solidFill>
@@ -21937,7 +21856,7 @@
                         </a:lnSpc>
                       </a:pPr>
                       <a:r>
-                        <a:rPr lang="zh-CN" altLang="en-US" sz="1602" b="1" kern="1200" dirty="0" smtClean="0">
+                        <a:rPr lang="zh-CN" altLang="en-US" sz="1400" b="1" kern="1200" dirty="0" smtClean="0">
                           <a:solidFill>
                             <a:schemeClr val="lt1"/>
                           </a:solidFill>
@@ -22017,7 +21936,7 @@
                         </a:lnSpc>
                       </a:pPr>
                       <a:r>
-                        <a:rPr lang="zh-CN" altLang="en-US" sz="1602" b="1" kern="1200" dirty="0" smtClean="0">
+                        <a:rPr lang="zh-CN" altLang="en-US" sz="1400" b="1" kern="1200" dirty="0" smtClean="0">
                           <a:solidFill>
                             <a:schemeClr val="lt1"/>
                           </a:solidFill>
@@ -22097,7 +22016,7 @@
                         </a:lnSpc>
                       </a:pPr>
                       <a:r>
-                        <a:rPr lang="zh-CN" altLang="en-US" sz="1602" b="1" kern="1200" dirty="0" smtClean="0">
+                        <a:rPr lang="zh-CN" altLang="en-US" sz="1400" b="1" kern="1200" dirty="0" smtClean="0">
                           <a:solidFill>
                             <a:schemeClr val="lt1"/>
                           </a:solidFill>
@@ -22166,11 +22085,11 @@
                 </a:tc>
                 <a:extLst>
                   <a:ext uri="{0D108BD9-81ED-4DB2-BD59-A6C34878D82A}">
-                    <a16:rowId xmlns:a16="http://schemas.microsoft.com/office/drawing/2014/main" xmlns="" val="10000"/>
+                    <a16:rowId xmlns="" xmlns:a16="http://schemas.microsoft.com/office/drawing/2014/main" val="10000"/>
                   </a:ext>
                 </a:extLst>
               </a:tr>
-              <a:tr h="417684">
+              <a:tr h="445945">
                 <a:tc>
                   <a:txBody>
                     <a:bodyPr/>
@@ -22703,84 +22622,8 @@
                     <a:noFill/>
                   </a:tcPr>
                 </a:tc>
-                <a:tc>
-                  <a:txBody>
-                    <a:bodyPr/>
-                    <a:lstStyle/>
-                    <a:p>
-                      <a:pPr marL="0" marR="0" lvl="0" indent="0" algn="l" defTabSz="685792" rtl="0" eaLnBrk="1" fontAlgn="auto" latinLnBrk="0" hangingPunct="1">
-                        <a:lnSpc>
-                          <a:spcPct val="130000"/>
-                        </a:lnSpc>
-                        <a:spcBef>
-                          <a:spcPts val="0"/>
-                        </a:spcBef>
-                        <a:spcAft>
-                          <a:spcPts val="0"/>
-                        </a:spcAft>
-                        <a:buClrTx/>
-                        <a:buSzTx/>
-                        <a:buFontTx/>
-                        <a:buNone/>
-                        <a:tabLst/>
-                        <a:defRPr/>
-                      </a:pPr>
-                      <a:endParaRPr lang="en-US" altLang="zh-CN" sz="1200" b="0" kern="1200" dirty="0">
-                        <a:solidFill>
-                          <a:schemeClr val="tx1">
-                            <a:lumMod val="75000"/>
-                            <a:lumOff val="25000"/>
-                          </a:schemeClr>
-                        </a:solidFill>
-                        <a:latin typeface="+mn-lt"/>
-                        <a:ea typeface="+mn-ea"/>
-                        <a:cs typeface="+mn-ea"/>
-                        <a:sym typeface="+mn-lt"/>
-                      </a:endParaRPr>
-                    </a:p>
-                  </a:txBody>
-                  <a:tcPr marL="108666" marR="108666" marT="108522" marB="108522" anchor="ctr">
-                    <a:lnL w="3175" cap="flat" cmpd="sng" algn="ctr">
-                      <a:noFill/>
-                      <a:prstDash val="solid"/>
-                      <a:round/>
-                      <a:headEnd type="none" w="med" len="med"/>
-                      <a:tailEnd type="none" w="med" len="med"/>
-                    </a:lnL>
-                    <a:lnR w="57150" cap="flat" cmpd="sng" algn="ctr">
-                      <a:noFill/>
-                      <a:prstDash val="solid"/>
-                      <a:round/>
-                      <a:headEnd type="none" w="med" len="med"/>
-                      <a:tailEnd type="none" w="med" len="med"/>
-                    </a:lnR>
-                    <a:lnT w="6350" cap="flat" cmpd="sng" algn="ctr">
-                      <a:noFill/>
-                      <a:prstDash val="solid"/>
-                      <a:round/>
-                      <a:headEnd type="none" w="med" len="med"/>
-                      <a:tailEnd type="none" w="med" len="med"/>
-                    </a:lnT>
-                    <a:lnB w="3175" cap="flat" cmpd="sng" algn="ctr">
-                      <a:noFill/>
-                      <a:prstDash val="sysDot"/>
-                      <a:round/>
-                      <a:headEnd type="none" w="med" len="med"/>
-                      <a:tailEnd type="none" w="med" len="med"/>
-                    </a:lnB>
-                    <a:lnTlToBr w="12700" cmpd="sng">
-                      <a:noFill/>
-                      <a:prstDash val="solid"/>
-                    </a:lnTlToBr>
-                    <a:lnBlToTr w="12700" cmpd="sng">
-                      <a:noFill/>
-                      <a:prstDash val="solid"/>
-                    </a:lnBlToTr>
-                    <a:noFill/>
-                  </a:tcPr>
-                </a:tc>
               </a:tr>
-              <a:tr h="495300">
+              <a:tr h="485669">
                 <a:tc>
                   <a:txBody>
                     <a:bodyPr/>
@@ -23313,84 +23156,8 @@
                     <a:noFill/>
                   </a:tcPr>
                 </a:tc>
-                <a:tc>
-                  <a:txBody>
-                    <a:bodyPr/>
-                    <a:lstStyle/>
-                    <a:p>
-                      <a:pPr marL="0" marR="0" lvl="0" indent="0" algn="l" defTabSz="685792" rtl="0" eaLnBrk="1" fontAlgn="auto" latinLnBrk="0" hangingPunct="1">
-                        <a:lnSpc>
-                          <a:spcPct val="130000"/>
-                        </a:lnSpc>
-                        <a:spcBef>
-                          <a:spcPts val="0"/>
-                        </a:spcBef>
-                        <a:spcAft>
-                          <a:spcPts val="0"/>
-                        </a:spcAft>
-                        <a:buClrTx/>
-                        <a:buSzTx/>
-                        <a:buFontTx/>
-                        <a:buNone/>
-                        <a:tabLst/>
-                        <a:defRPr/>
-                      </a:pPr>
-                      <a:endParaRPr lang="en-US" altLang="zh-CN" sz="1200" b="0" kern="1200" dirty="0">
-                        <a:solidFill>
-                          <a:schemeClr val="tx1">
-                            <a:lumMod val="75000"/>
-                            <a:lumOff val="25000"/>
-                          </a:schemeClr>
-                        </a:solidFill>
-                        <a:latin typeface="+mn-lt"/>
-                        <a:ea typeface="+mn-ea"/>
-                        <a:cs typeface="+mn-ea"/>
-                        <a:sym typeface="+mn-lt"/>
-                      </a:endParaRPr>
-                    </a:p>
-                  </a:txBody>
-                  <a:tcPr marL="108666" marR="108666" marT="108522" marB="108522" anchor="ctr">
-                    <a:lnL w="3175" cap="flat" cmpd="sng" algn="ctr">
-                      <a:noFill/>
-                      <a:prstDash val="solid"/>
-                      <a:round/>
-                      <a:headEnd type="none" w="med" len="med"/>
-                      <a:tailEnd type="none" w="med" len="med"/>
-                    </a:lnL>
-                    <a:lnR w="57150" cap="flat" cmpd="sng" algn="ctr">
-                      <a:noFill/>
-                      <a:prstDash val="solid"/>
-                      <a:round/>
-                      <a:headEnd type="none" w="med" len="med"/>
-                      <a:tailEnd type="none" w="med" len="med"/>
-                    </a:lnR>
-                    <a:lnT w="6350" cap="flat" cmpd="sng" algn="ctr">
-                      <a:noFill/>
-                      <a:prstDash val="solid"/>
-                      <a:round/>
-                      <a:headEnd type="none" w="med" len="med"/>
-                      <a:tailEnd type="none" w="med" len="med"/>
-                    </a:lnT>
-                    <a:lnB w="3175" cap="flat" cmpd="sng" algn="ctr">
-                      <a:noFill/>
-                      <a:prstDash val="sysDot"/>
-                      <a:round/>
-                      <a:headEnd type="none" w="med" len="med"/>
-                      <a:tailEnd type="none" w="med" len="med"/>
-                    </a:lnB>
-                    <a:lnTlToBr w="12700" cmpd="sng">
-                      <a:noFill/>
-                      <a:prstDash val="solid"/>
-                    </a:lnTlToBr>
-                    <a:lnBlToTr w="12700" cmpd="sng">
-                      <a:noFill/>
-                      <a:prstDash val="solid"/>
-                    </a:lnBlToTr>
-                    <a:noFill/>
-                  </a:tcPr>
-                </a:tc>
               </a:tr>
-              <a:tr h="0">
+              <a:tr h="445945">
                 <a:tc>
                   <a:txBody>
                     <a:bodyPr/>
@@ -23951,93 +23718,13 @@
                     <a:noFill/>
                   </a:tcPr>
                 </a:tc>
-                <a:tc>
-                  <a:txBody>
-                    <a:bodyPr/>
-                    <a:lstStyle/>
-                    <a:p>
-                      <a:pPr marL="0" marR="0" lvl="0" indent="0" algn="l" defTabSz="685792" rtl="0" eaLnBrk="1" fontAlgn="auto" latinLnBrk="0" hangingPunct="1">
-                        <a:lnSpc>
-                          <a:spcPct val="130000"/>
-                        </a:lnSpc>
-                        <a:spcBef>
-                          <a:spcPts val="0"/>
-                        </a:spcBef>
-                        <a:spcAft>
-                          <a:spcPts val="0"/>
-                        </a:spcAft>
-                        <a:buClrTx/>
-                        <a:buSzTx/>
-                        <a:buFontTx/>
-                        <a:buNone/>
-                        <a:tabLst/>
-                        <a:defRPr/>
-                      </a:pPr>
-                      <a:endParaRPr lang="en-US" altLang="zh-CN" sz="1200" b="0" kern="1200" dirty="0">
-                        <a:solidFill>
-                          <a:schemeClr val="tx1">
-                            <a:lumMod val="75000"/>
-                            <a:lumOff val="25000"/>
-                          </a:schemeClr>
-                        </a:solidFill>
-                        <a:latin typeface="+mn-lt"/>
-                        <a:ea typeface="+mn-ea"/>
-                        <a:cs typeface="+mn-ea"/>
-                        <a:sym typeface="+mn-lt"/>
-                      </a:endParaRPr>
-                    </a:p>
-                  </a:txBody>
-                  <a:tcPr marL="108666" marR="108666" marT="108522" marB="108522" anchor="ctr">
-                    <a:lnL w="3175" cap="flat" cmpd="sng" algn="ctr">
-                      <a:noFill/>
-                      <a:prstDash val="solid"/>
-                      <a:round/>
-                      <a:headEnd type="none" w="med" len="med"/>
-                      <a:tailEnd type="none" w="med" len="med"/>
-                    </a:lnL>
-                    <a:lnR w="57150" cap="flat" cmpd="sng" algn="ctr">
-                      <a:noFill/>
-                      <a:prstDash val="solid"/>
-                      <a:round/>
-                      <a:headEnd type="none" w="med" len="med"/>
-                      <a:tailEnd type="none" w="med" len="med"/>
-                    </a:lnR>
-                    <a:lnT w="6350" cap="flat" cmpd="sng" algn="ctr">
-                      <a:noFill/>
-                      <a:prstDash val="solid"/>
-                      <a:round/>
-                      <a:headEnd type="none" w="med" len="med"/>
-                      <a:tailEnd type="none" w="med" len="med"/>
-                    </a:lnT>
-                    <a:lnB w="3175" cap="flat" cmpd="sng" algn="ctr">
-                      <a:solidFill>
-                        <a:schemeClr val="bg1">
-                          <a:lumMod val="75000"/>
-                        </a:schemeClr>
-                      </a:solidFill>
-                      <a:prstDash val="sysDot"/>
-                      <a:round/>
-                      <a:headEnd type="none" w="med" len="med"/>
-                      <a:tailEnd type="none" w="med" len="med"/>
-                    </a:lnB>
-                    <a:lnTlToBr w="12700" cmpd="sng">
-                      <a:noFill/>
-                      <a:prstDash val="solid"/>
-                    </a:lnTlToBr>
-                    <a:lnBlToTr w="12700" cmpd="sng">
-                      <a:noFill/>
-                      <a:prstDash val="solid"/>
-                    </a:lnBlToTr>
-                    <a:noFill/>
-                  </a:tcPr>
-                </a:tc>
                 <a:extLst>
                   <a:ext uri="{0D108BD9-81ED-4DB2-BD59-A6C34878D82A}">
-                    <a16:rowId xmlns:a16="http://schemas.microsoft.com/office/drawing/2014/main" xmlns="" val="10001"/>
+                    <a16:rowId xmlns="" xmlns:a16="http://schemas.microsoft.com/office/drawing/2014/main" val="10001"/>
                   </a:ext>
                 </a:extLst>
               </a:tr>
-              <a:tr h="0">
+              <a:tr h="445945">
                 <a:tc>
                   <a:txBody>
                     <a:bodyPr/>
@@ -24626,97 +24313,13 @@
                     <a:noFill/>
                   </a:tcPr>
                 </a:tc>
-                <a:tc>
-                  <a:txBody>
-                    <a:bodyPr/>
-                    <a:lstStyle/>
-                    <a:p>
-                      <a:pPr marL="0" marR="0" lvl="0" indent="0" algn="l" defTabSz="685792" rtl="0" eaLnBrk="1" fontAlgn="auto" latinLnBrk="0" hangingPunct="1">
-                        <a:lnSpc>
-                          <a:spcPct val="130000"/>
-                        </a:lnSpc>
-                        <a:spcBef>
-                          <a:spcPts val="0"/>
-                        </a:spcBef>
-                        <a:spcAft>
-                          <a:spcPts val="0"/>
-                        </a:spcAft>
-                        <a:buClrTx/>
-                        <a:buSzTx/>
-                        <a:buFontTx/>
-                        <a:buNone/>
-                        <a:tabLst/>
-                        <a:defRPr/>
-                      </a:pPr>
-                      <a:endParaRPr lang="zh-CN" altLang="en-US" sz="1200" b="0" kern="1200" dirty="0">
-                        <a:solidFill>
-                          <a:schemeClr val="tx1">
-                            <a:lumMod val="75000"/>
-                            <a:lumOff val="25000"/>
-                          </a:schemeClr>
-                        </a:solidFill>
-                        <a:latin typeface="+mn-lt"/>
-                        <a:ea typeface="+mn-ea"/>
-                        <a:cs typeface="+mn-ea"/>
-                        <a:sym typeface="+mn-lt"/>
-                      </a:endParaRPr>
-                    </a:p>
-                  </a:txBody>
-                  <a:tcPr marL="108666" marR="108666" marT="108522" marB="108522" anchor="ctr">
-                    <a:lnL w="3175" cap="flat" cmpd="sng" algn="ctr">
-                      <a:noFill/>
-                      <a:prstDash val="solid"/>
-                      <a:round/>
-                      <a:headEnd type="none" w="med" len="med"/>
-                      <a:tailEnd type="none" w="med" len="med"/>
-                    </a:lnL>
-                    <a:lnR w="57150" cap="flat" cmpd="sng" algn="ctr">
-                      <a:noFill/>
-                      <a:prstDash val="solid"/>
-                      <a:round/>
-                      <a:headEnd type="none" w="med" len="med"/>
-                      <a:tailEnd type="none" w="med" len="med"/>
-                    </a:lnR>
-                    <a:lnT w="3175" cap="flat" cmpd="sng" algn="ctr">
-                      <a:solidFill>
-                        <a:schemeClr val="bg1">
-                          <a:lumMod val="75000"/>
-                        </a:schemeClr>
-                      </a:solidFill>
-                      <a:prstDash val="sysDot"/>
-                      <a:round/>
-                      <a:headEnd type="none" w="med" len="med"/>
-                      <a:tailEnd type="none" w="med" len="med"/>
-                    </a:lnT>
-                    <a:lnB w="3175" cap="flat" cmpd="sng" algn="ctr">
-                      <a:solidFill>
-                        <a:schemeClr val="bg1">
-                          <a:lumMod val="75000"/>
-                        </a:schemeClr>
-                      </a:solidFill>
-                      <a:prstDash val="sysDot"/>
-                      <a:round/>
-                      <a:headEnd type="none" w="med" len="med"/>
-                      <a:tailEnd type="none" w="med" len="med"/>
-                    </a:lnB>
-                    <a:lnTlToBr w="12700" cmpd="sng">
-                      <a:noFill/>
-                      <a:prstDash val="solid"/>
-                    </a:lnTlToBr>
-                    <a:lnBlToTr w="12700" cmpd="sng">
-                      <a:noFill/>
-                      <a:prstDash val="solid"/>
-                    </a:lnBlToTr>
-                    <a:noFill/>
-                  </a:tcPr>
-                </a:tc>
                 <a:extLst>
                   <a:ext uri="{0D108BD9-81ED-4DB2-BD59-A6C34878D82A}">
-                    <a16:rowId xmlns:a16="http://schemas.microsoft.com/office/drawing/2014/main" xmlns="" val="10002"/>
+                    <a16:rowId xmlns="" xmlns:a16="http://schemas.microsoft.com/office/drawing/2014/main" val="10002"/>
                   </a:ext>
                 </a:extLst>
               </a:tr>
-              <a:tr h="474724">
+              <a:tr h="465493">
                 <a:tc>
                   <a:txBody>
                     <a:bodyPr/>
@@ -25305,97 +24908,13 @@
                     <a:noFill/>
                   </a:tcPr>
                 </a:tc>
-                <a:tc>
-                  <a:txBody>
-                    <a:bodyPr/>
-                    <a:lstStyle/>
-                    <a:p>
-                      <a:pPr marL="0" marR="0" lvl="0" indent="0" algn="l" defTabSz="685792" rtl="0" eaLnBrk="1" fontAlgn="auto" latinLnBrk="0" hangingPunct="1">
-                        <a:lnSpc>
-                          <a:spcPct val="130000"/>
-                        </a:lnSpc>
-                        <a:spcBef>
-                          <a:spcPts val="0"/>
-                        </a:spcBef>
-                        <a:spcAft>
-                          <a:spcPts val="0"/>
-                        </a:spcAft>
-                        <a:buClrTx/>
-                        <a:buSzTx/>
-                        <a:buFontTx/>
-                        <a:buNone/>
-                        <a:tabLst/>
-                        <a:defRPr/>
-                      </a:pPr>
-                      <a:endParaRPr lang="zh-CN" altLang="en-US" sz="1200" b="0" kern="1200" dirty="0">
-                        <a:solidFill>
-                          <a:schemeClr val="tx1">
-                            <a:lumMod val="75000"/>
-                            <a:lumOff val="25000"/>
-                          </a:schemeClr>
-                        </a:solidFill>
-                        <a:latin typeface="+mn-lt"/>
-                        <a:ea typeface="+mn-ea"/>
-                        <a:cs typeface="+mn-ea"/>
-                        <a:sym typeface="+mn-lt"/>
-                      </a:endParaRPr>
-                    </a:p>
-                  </a:txBody>
-                  <a:tcPr marL="108666" marR="108666" marT="108522" marB="108522" anchor="ctr">
-                    <a:lnL w="3175" cap="flat" cmpd="sng" algn="ctr">
-                      <a:noFill/>
-                      <a:prstDash val="solid"/>
-                      <a:round/>
-                      <a:headEnd type="none" w="med" len="med"/>
-                      <a:tailEnd type="none" w="med" len="med"/>
-                    </a:lnL>
-                    <a:lnR w="57150" cap="flat" cmpd="sng" algn="ctr">
-                      <a:noFill/>
-                      <a:prstDash val="solid"/>
-                      <a:round/>
-                      <a:headEnd type="none" w="med" len="med"/>
-                      <a:tailEnd type="none" w="med" len="med"/>
-                    </a:lnR>
-                    <a:lnT w="3175" cap="flat" cmpd="sng" algn="ctr">
-                      <a:solidFill>
-                        <a:schemeClr val="bg1">
-                          <a:lumMod val="75000"/>
-                        </a:schemeClr>
-                      </a:solidFill>
-                      <a:prstDash val="sysDot"/>
-                      <a:round/>
-                      <a:headEnd type="none" w="med" len="med"/>
-                      <a:tailEnd type="none" w="med" len="med"/>
-                    </a:lnT>
-                    <a:lnB w="3175" cap="flat" cmpd="sng" algn="ctr">
-                      <a:solidFill>
-                        <a:schemeClr val="bg1">
-                          <a:lumMod val="75000"/>
-                        </a:schemeClr>
-                      </a:solidFill>
-                      <a:prstDash val="sysDot"/>
-                      <a:round/>
-                      <a:headEnd type="none" w="med" len="med"/>
-                      <a:tailEnd type="none" w="med" len="med"/>
-                    </a:lnB>
-                    <a:lnTlToBr w="12700" cmpd="sng">
-                      <a:noFill/>
-                      <a:prstDash val="solid"/>
-                    </a:lnTlToBr>
-                    <a:lnBlToTr w="12700" cmpd="sng">
-                      <a:noFill/>
-                      <a:prstDash val="solid"/>
-                    </a:lnBlToTr>
-                    <a:noFill/>
-                  </a:tcPr>
-                </a:tc>
                 <a:extLst>
                   <a:ext uri="{0D108BD9-81ED-4DB2-BD59-A6C34878D82A}">
-                    <a16:rowId xmlns:a16="http://schemas.microsoft.com/office/drawing/2014/main" xmlns="" val="10003"/>
+                    <a16:rowId xmlns="" xmlns:a16="http://schemas.microsoft.com/office/drawing/2014/main" val="10003"/>
                   </a:ext>
                 </a:extLst>
               </a:tr>
-              <a:tr h="474724">
+              <a:tr h="465493">
                 <a:tc>
                   <a:txBody>
                     <a:bodyPr/>
@@ -25984,92 +25503,8 @@
                     <a:noFill/>
                   </a:tcPr>
                 </a:tc>
-                <a:tc>
-                  <a:txBody>
-                    <a:bodyPr/>
-                    <a:lstStyle/>
-                    <a:p>
-                      <a:pPr marL="0" marR="0" lvl="0" indent="0" algn="l" defTabSz="685792" rtl="0" eaLnBrk="1" fontAlgn="auto" latinLnBrk="0" hangingPunct="1">
-                        <a:lnSpc>
-                          <a:spcPct val="130000"/>
-                        </a:lnSpc>
-                        <a:spcBef>
-                          <a:spcPts val="0"/>
-                        </a:spcBef>
-                        <a:spcAft>
-                          <a:spcPts val="0"/>
-                        </a:spcAft>
-                        <a:buClrTx/>
-                        <a:buSzTx/>
-                        <a:buFontTx/>
-                        <a:buNone/>
-                        <a:tabLst/>
-                        <a:defRPr/>
-                      </a:pPr>
-                      <a:endParaRPr lang="zh-CN" altLang="en-US" sz="1200" b="0" kern="1200" dirty="0">
-                        <a:solidFill>
-                          <a:schemeClr val="tx1">
-                            <a:lumMod val="75000"/>
-                            <a:lumOff val="25000"/>
-                          </a:schemeClr>
-                        </a:solidFill>
-                        <a:latin typeface="+mn-lt"/>
-                        <a:ea typeface="+mn-ea"/>
-                        <a:cs typeface="+mn-ea"/>
-                        <a:sym typeface="+mn-lt"/>
-                      </a:endParaRPr>
-                    </a:p>
-                  </a:txBody>
-                  <a:tcPr marL="108666" marR="108666" marT="108522" marB="108522" anchor="ctr">
-                    <a:lnL w="3175" cap="flat" cmpd="sng" algn="ctr">
-                      <a:noFill/>
-                      <a:prstDash val="solid"/>
-                      <a:round/>
-                      <a:headEnd type="none" w="med" len="med"/>
-                      <a:tailEnd type="none" w="med" len="med"/>
-                    </a:lnL>
-                    <a:lnR w="57150" cap="flat" cmpd="sng" algn="ctr">
-                      <a:noFill/>
-                      <a:prstDash val="solid"/>
-                      <a:round/>
-                      <a:headEnd type="none" w="med" len="med"/>
-                      <a:tailEnd type="none" w="med" len="med"/>
-                    </a:lnR>
-                    <a:lnT w="3175" cap="flat" cmpd="sng" algn="ctr">
-                      <a:solidFill>
-                        <a:schemeClr val="bg1">
-                          <a:lumMod val="75000"/>
-                        </a:schemeClr>
-                      </a:solidFill>
-                      <a:prstDash val="sysDot"/>
-                      <a:round/>
-                      <a:headEnd type="none" w="med" len="med"/>
-                      <a:tailEnd type="none" w="med" len="med"/>
-                    </a:lnT>
-                    <a:lnB w="3175" cap="flat" cmpd="sng" algn="ctr">
-                      <a:solidFill>
-                        <a:schemeClr val="bg1">
-                          <a:lumMod val="75000"/>
-                        </a:schemeClr>
-                      </a:solidFill>
-                      <a:prstDash val="sysDot"/>
-                      <a:round/>
-                      <a:headEnd type="none" w="med" len="med"/>
-                      <a:tailEnd type="none" w="med" len="med"/>
-                    </a:lnB>
-                    <a:lnTlToBr w="12700" cmpd="sng">
-                      <a:noFill/>
-                      <a:prstDash val="solid"/>
-                    </a:lnTlToBr>
-                    <a:lnBlToTr w="12700" cmpd="sng">
-                      <a:noFill/>
-                      <a:prstDash val="solid"/>
-                    </a:lnBlToTr>
-                    <a:noFill/>
-                  </a:tcPr>
-                </a:tc>
               </a:tr>
-              <a:tr h="474724">
+              <a:tr h="445945">
                 <a:tc>
                   <a:txBody>
                     <a:bodyPr/>
@@ -26658,92 +26093,8 @@
                     <a:noFill/>
                   </a:tcPr>
                 </a:tc>
-                <a:tc>
-                  <a:txBody>
-                    <a:bodyPr/>
-                    <a:lstStyle/>
-                    <a:p>
-                      <a:pPr marL="0" marR="0" lvl="0" indent="0" algn="l" defTabSz="685792" rtl="0" eaLnBrk="1" fontAlgn="auto" latinLnBrk="0" hangingPunct="1">
-                        <a:lnSpc>
-                          <a:spcPct val="130000"/>
-                        </a:lnSpc>
-                        <a:spcBef>
-                          <a:spcPts val="0"/>
-                        </a:spcBef>
-                        <a:spcAft>
-                          <a:spcPts val="0"/>
-                        </a:spcAft>
-                        <a:buClrTx/>
-                        <a:buSzTx/>
-                        <a:buFontTx/>
-                        <a:buNone/>
-                        <a:tabLst/>
-                        <a:defRPr/>
-                      </a:pPr>
-                      <a:endParaRPr lang="zh-CN" altLang="en-US" sz="1200" b="0" kern="1200" dirty="0">
-                        <a:solidFill>
-                          <a:schemeClr val="tx1">
-                            <a:lumMod val="75000"/>
-                            <a:lumOff val="25000"/>
-                          </a:schemeClr>
-                        </a:solidFill>
-                        <a:latin typeface="+mn-lt"/>
-                        <a:ea typeface="+mn-ea"/>
-                        <a:cs typeface="+mn-ea"/>
-                        <a:sym typeface="+mn-lt"/>
-                      </a:endParaRPr>
-                    </a:p>
-                  </a:txBody>
-                  <a:tcPr marL="108666" marR="108666" marT="108522" marB="108522" anchor="ctr">
-                    <a:lnL w="3175" cap="flat" cmpd="sng" algn="ctr">
-                      <a:noFill/>
-                      <a:prstDash val="solid"/>
-                      <a:round/>
-                      <a:headEnd type="none" w="med" len="med"/>
-                      <a:tailEnd type="none" w="med" len="med"/>
-                    </a:lnL>
-                    <a:lnR w="57150" cap="flat" cmpd="sng" algn="ctr">
-                      <a:noFill/>
-                      <a:prstDash val="solid"/>
-                      <a:round/>
-                      <a:headEnd type="none" w="med" len="med"/>
-                      <a:tailEnd type="none" w="med" len="med"/>
-                    </a:lnR>
-                    <a:lnT w="3175" cap="flat" cmpd="sng" algn="ctr">
-                      <a:solidFill>
-                        <a:schemeClr val="bg1">
-                          <a:lumMod val="75000"/>
-                        </a:schemeClr>
-                      </a:solidFill>
-                      <a:prstDash val="sysDot"/>
-                      <a:round/>
-                      <a:headEnd type="none" w="med" len="med"/>
-                      <a:tailEnd type="none" w="med" len="med"/>
-                    </a:lnT>
-                    <a:lnB w="3175" cap="flat" cmpd="sng" algn="ctr">
-                      <a:solidFill>
-                        <a:schemeClr val="bg1">
-                          <a:lumMod val="75000"/>
-                        </a:schemeClr>
-                      </a:solidFill>
-                      <a:prstDash val="sysDot"/>
-                      <a:round/>
-                      <a:headEnd type="none" w="med" len="med"/>
-                      <a:tailEnd type="none" w="med" len="med"/>
-                    </a:lnB>
-                    <a:lnTlToBr w="12700" cmpd="sng">
-                      <a:noFill/>
-                      <a:prstDash val="solid"/>
-                    </a:lnTlToBr>
-                    <a:lnBlToTr w="12700" cmpd="sng">
-                      <a:noFill/>
-                      <a:prstDash val="solid"/>
-                    </a:lnBlToTr>
-                    <a:noFill/>
-                  </a:tcPr>
-                </a:tc>
               </a:tr>
-              <a:tr h="520700">
+              <a:tr h="510575">
                 <a:tc>
                   <a:txBody>
                     <a:bodyPr/>
@@ -27332,97 +26683,13 @@
                     <a:noFill/>
                   </a:tcPr>
                 </a:tc>
-                <a:tc>
-                  <a:txBody>
-                    <a:bodyPr/>
-                    <a:lstStyle/>
-                    <a:p>
-                      <a:pPr marL="0" marR="0" lvl="0" indent="0" algn="l" defTabSz="685792" rtl="0" eaLnBrk="1" fontAlgn="auto" latinLnBrk="0" hangingPunct="1">
-                        <a:lnSpc>
-                          <a:spcPct val="130000"/>
-                        </a:lnSpc>
-                        <a:spcBef>
-                          <a:spcPts val="0"/>
-                        </a:spcBef>
-                        <a:spcAft>
-                          <a:spcPts val="0"/>
-                        </a:spcAft>
-                        <a:buClrTx/>
-                        <a:buSzTx/>
-                        <a:buFontTx/>
-                        <a:buNone/>
-                        <a:tabLst/>
-                        <a:defRPr/>
-                      </a:pPr>
-                      <a:endParaRPr lang="zh-CN" altLang="en-US" sz="1200" b="0" kern="1200" dirty="0">
-                        <a:solidFill>
-                          <a:schemeClr val="tx1">
-                            <a:lumMod val="75000"/>
-                            <a:lumOff val="25000"/>
-                          </a:schemeClr>
-                        </a:solidFill>
-                        <a:latin typeface="+mn-lt"/>
-                        <a:ea typeface="+mn-ea"/>
-                        <a:cs typeface="+mn-ea"/>
-                        <a:sym typeface="+mn-lt"/>
-                      </a:endParaRPr>
-                    </a:p>
-                  </a:txBody>
-                  <a:tcPr marL="108666" marR="108666" marT="108522" marB="108522" anchor="ctr">
-                    <a:lnL w="3175" cap="flat" cmpd="sng" algn="ctr">
-                      <a:noFill/>
-                      <a:prstDash val="solid"/>
-                      <a:round/>
-                      <a:headEnd type="none" w="med" len="med"/>
-                      <a:tailEnd type="none" w="med" len="med"/>
-                    </a:lnL>
-                    <a:lnR w="57150" cap="flat" cmpd="sng" algn="ctr">
-                      <a:noFill/>
-                      <a:prstDash val="solid"/>
-                      <a:round/>
-                      <a:headEnd type="none" w="med" len="med"/>
-                      <a:tailEnd type="none" w="med" len="med"/>
-                    </a:lnR>
-                    <a:lnT w="3175" cap="flat" cmpd="sng" algn="ctr">
-                      <a:solidFill>
-                        <a:schemeClr val="bg1">
-                          <a:lumMod val="75000"/>
-                        </a:schemeClr>
-                      </a:solidFill>
-                      <a:prstDash val="sysDot"/>
-                      <a:round/>
-                      <a:headEnd type="none" w="med" len="med"/>
-                      <a:tailEnd type="none" w="med" len="med"/>
-                    </a:lnT>
-                    <a:lnB w="3175" cap="flat" cmpd="sng" algn="ctr">
-                      <a:solidFill>
-                        <a:schemeClr val="bg1">
-                          <a:lumMod val="75000"/>
-                        </a:schemeClr>
-                      </a:solidFill>
-                      <a:prstDash val="sysDot"/>
-                      <a:round/>
-                      <a:headEnd type="none" w="med" len="med"/>
-                      <a:tailEnd type="none" w="med" len="med"/>
-                    </a:lnB>
-                    <a:lnTlToBr w="12700" cmpd="sng">
-                      <a:noFill/>
-                      <a:prstDash val="solid"/>
-                    </a:lnTlToBr>
-                    <a:lnBlToTr w="12700" cmpd="sng">
-                      <a:noFill/>
-                      <a:prstDash val="solid"/>
-                    </a:lnBlToTr>
-                    <a:noFill/>
-                  </a:tcPr>
-                </a:tc>
                 <a:extLst>
                   <a:ext uri="{0D108BD9-81ED-4DB2-BD59-A6C34878D82A}">
-                    <a16:rowId xmlns:a16="http://schemas.microsoft.com/office/drawing/2014/main" xmlns="" val="10004"/>
+                    <a16:rowId xmlns="" xmlns:a16="http://schemas.microsoft.com/office/drawing/2014/main" val="10004"/>
                   </a:ext>
                 </a:extLst>
               </a:tr>
-              <a:tr h="472952">
+              <a:tr h="463755">
                 <a:tc>
                   <a:txBody>
                     <a:bodyPr/>
@@ -28011,92 +27278,8 @@
                     <a:noFill/>
                   </a:tcPr>
                 </a:tc>
-                <a:tc>
-                  <a:txBody>
-                    <a:bodyPr/>
-                    <a:lstStyle/>
-                    <a:p>
-                      <a:pPr marL="0" marR="0" lvl="0" indent="0" algn="l" defTabSz="685792" rtl="0" eaLnBrk="1" fontAlgn="auto" latinLnBrk="0" hangingPunct="1">
-                        <a:lnSpc>
-                          <a:spcPct val="130000"/>
-                        </a:lnSpc>
-                        <a:spcBef>
-                          <a:spcPts val="0"/>
-                        </a:spcBef>
-                        <a:spcAft>
-                          <a:spcPts val="0"/>
-                        </a:spcAft>
-                        <a:buClrTx/>
-                        <a:buSzTx/>
-                        <a:buFontTx/>
-                        <a:buNone/>
-                        <a:tabLst/>
-                        <a:defRPr/>
-                      </a:pPr>
-                      <a:endParaRPr lang="zh-CN" altLang="en-US" sz="1200" b="0" kern="1200" dirty="0">
-                        <a:solidFill>
-                          <a:schemeClr val="tx1">
-                            <a:lumMod val="75000"/>
-                            <a:lumOff val="25000"/>
-                          </a:schemeClr>
-                        </a:solidFill>
-                        <a:latin typeface="+mn-lt"/>
-                        <a:ea typeface="+mn-ea"/>
-                        <a:cs typeface="+mn-ea"/>
-                        <a:sym typeface="+mn-lt"/>
-                      </a:endParaRPr>
-                    </a:p>
-                  </a:txBody>
-                  <a:tcPr marL="108666" marR="108666" marT="108522" marB="108522" anchor="ctr">
-                    <a:lnL w="3175" cap="flat" cmpd="sng" algn="ctr">
-                      <a:noFill/>
-                      <a:prstDash val="solid"/>
-                      <a:round/>
-                      <a:headEnd type="none" w="med" len="med"/>
-                      <a:tailEnd type="none" w="med" len="med"/>
-                    </a:lnL>
-                    <a:lnR w="57150" cap="flat" cmpd="sng" algn="ctr">
-                      <a:noFill/>
-                      <a:prstDash val="solid"/>
-                      <a:round/>
-                      <a:headEnd type="none" w="med" len="med"/>
-                      <a:tailEnd type="none" w="med" len="med"/>
-                    </a:lnR>
-                    <a:lnT w="3175" cap="flat" cmpd="sng" algn="ctr">
-                      <a:solidFill>
-                        <a:schemeClr val="bg1">
-                          <a:lumMod val="75000"/>
-                        </a:schemeClr>
-                      </a:solidFill>
-                      <a:prstDash val="sysDot"/>
-                      <a:round/>
-                      <a:headEnd type="none" w="med" len="med"/>
-                      <a:tailEnd type="none" w="med" len="med"/>
-                    </a:lnT>
-                    <a:lnB w="3175" cap="flat" cmpd="sng" algn="ctr">
-                      <a:solidFill>
-                        <a:schemeClr val="bg1">
-                          <a:lumMod val="75000"/>
-                        </a:schemeClr>
-                      </a:solidFill>
-                      <a:prstDash val="sysDot"/>
-                      <a:round/>
-                      <a:headEnd type="none" w="med" len="med"/>
-                      <a:tailEnd type="none" w="med" len="med"/>
-                    </a:lnB>
-                    <a:lnTlToBr w="12700" cmpd="sng">
-                      <a:noFill/>
-                      <a:prstDash val="solid"/>
-                    </a:lnTlToBr>
-                    <a:lnBlToTr w="12700" cmpd="sng">
-                      <a:noFill/>
-                      <a:prstDash val="solid"/>
-                    </a:lnBlToTr>
-                    <a:noFill/>
-                  </a:tcPr>
-                </a:tc>
               </a:tr>
-              <a:tr h="472952">
+              <a:tr h="463755">
                 <a:tc>
                   <a:txBody>
                     <a:bodyPr/>
@@ -28142,88 +27325,6 @@
                       <a:tailEnd type="none" w="med" len="med"/>
                     </a:lnL>
                     <a:lnR w="3175" cap="flat" cmpd="sng" algn="ctr">
-                      <a:noFill/>
-                      <a:prstDash val="solid"/>
-                      <a:round/>
-                      <a:headEnd type="none" w="med" len="med"/>
-                      <a:tailEnd type="none" w="med" len="med"/>
-                    </a:lnR>
-                    <a:lnT w="3175" cap="flat" cmpd="sng" algn="ctr">
-                      <a:solidFill>
-                        <a:schemeClr val="bg1">
-                          <a:lumMod val="75000"/>
-                        </a:schemeClr>
-                      </a:solidFill>
-                      <a:prstDash val="sysDot"/>
-                      <a:round/>
-                      <a:headEnd type="none" w="med" len="med"/>
-                      <a:tailEnd type="none" w="med" len="med"/>
-                    </a:lnT>
-                    <a:lnB w="6350" cap="flat" cmpd="sng" algn="ctr">
-                      <a:solidFill>
-                        <a:srgbClr val="BBBCBC"/>
-                      </a:solidFill>
-                      <a:prstDash val="solid"/>
-                      <a:round/>
-                      <a:headEnd type="none" w="med" len="med"/>
-                      <a:tailEnd type="none" w="med" len="med"/>
-                    </a:lnB>
-                    <a:lnTlToBr w="12700" cmpd="sng">
-                      <a:noFill/>
-                      <a:prstDash val="solid"/>
-                    </a:lnTlToBr>
-                    <a:lnBlToTr w="12700" cmpd="sng">
-                      <a:noFill/>
-                      <a:prstDash val="solid"/>
-                    </a:lnBlToTr>
-                    <a:noFill/>
-                  </a:tcPr>
-                </a:tc>
-                <a:tc>
-                  <a:txBody>
-                    <a:bodyPr/>
-                    <a:lstStyle/>
-                    <a:p>
-                      <a:pPr marL="0" marR="0" lvl="0" indent="0" algn="l" defTabSz="685792" rtl="0" eaLnBrk="1" fontAlgn="auto" latinLnBrk="0" hangingPunct="1">
-                        <a:lnSpc>
-                          <a:spcPct val="130000"/>
-                        </a:lnSpc>
-                        <a:spcBef>
-                          <a:spcPts val="0"/>
-                        </a:spcBef>
-                        <a:spcAft>
-                          <a:spcPts val="0"/>
-                        </a:spcAft>
-                        <a:buClrTx/>
-                        <a:buSzTx/>
-                        <a:buFontTx/>
-                        <a:buNone/>
-                        <a:tabLst/>
-                        <a:defRPr/>
-                      </a:pPr>
-                      <a:endParaRPr lang="zh-CN" altLang="en-US" sz="1200" b="0" kern="1200" dirty="0">
-                        <a:solidFill>
-                          <a:schemeClr val="tx1">
-                            <a:lumMod val="75000"/>
-                            <a:lumOff val="25000"/>
-                          </a:schemeClr>
-                        </a:solidFill>
-                        <a:latin typeface="+mn-lt"/>
-                        <a:ea typeface="+mn-ea"/>
-                        <a:cs typeface="+mn-ea"/>
-                        <a:sym typeface="+mn-lt"/>
-                      </a:endParaRPr>
-                    </a:p>
-                  </a:txBody>
-                  <a:tcPr marL="108666" marR="108666" marT="108522" marB="108522" anchor="ctr">
-                    <a:lnL w="3175" cap="flat" cmpd="sng" algn="ctr">
-                      <a:noFill/>
-                      <a:prstDash val="solid"/>
-                      <a:round/>
-                      <a:headEnd type="none" w="med" len="med"/>
-                      <a:tailEnd type="none" w="med" len="med"/>
-                    </a:lnL>
-                    <a:lnR w="57150" cap="flat" cmpd="sng" algn="ctr">
                       <a:noFill/>
                       <a:prstDash val="solid"/>
                       <a:round/>
@@ -29085,7 +28186,7 @@
                 <a:gridCol w="11048531">
                   <a:extLst>
                     <a:ext uri="{9D8B030D-6E8A-4147-A177-3AD203B41FA5}">
-                      <a16:colId xmlns:a16="http://schemas.microsoft.com/office/drawing/2014/main" xmlns="" val="1357581311"/>
+                      <a16:colId xmlns="" xmlns:a16="http://schemas.microsoft.com/office/drawing/2014/main" val="1357581311"/>
                     </a:ext>
                   </a:extLst>
                 </a:gridCol>
@@ -29172,7 +28273,7 @@
                 </a:tc>
                 <a:extLst>
                   <a:ext uri="{0D108BD9-81ED-4DB2-BD59-A6C34878D82A}">
-                    <a16:rowId xmlns:a16="http://schemas.microsoft.com/office/drawing/2014/main" xmlns="" val="3203583067"/>
+                    <a16:rowId xmlns="" xmlns:a16="http://schemas.microsoft.com/office/drawing/2014/main" val="3203583067"/>
                   </a:ext>
                 </a:extLst>
               </a:tr>
@@ -29208,21 +28309,21 @@
                 <a:gridCol w="3682842">
                   <a:extLst>
                     <a:ext uri="{9D8B030D-6E8A-4147-A177-3AD203B41FA5}">
-                      <a16:colId xmlns:a16="http://schemas.microsoft.com/office/drawing/2014/main" xmlns="" val="1109671872"/>
+                      <a16:colId xmlns="" xmlns:a16="http://schemas.microsoft.com/office/drawing/2014/main" val="1109671872"/>
                     </a:ext>
                   </a:extLst>
                 </a:gridCol>
                 <a:gridCol w="3682842">
                   <a:extLst>
                     <a:ext uri="{9D8B030D-6E8A-4147-A177-3AD203B41FA5}">
-                      <a16:colId xmlns:a16="http://schemas.microsoft.com/office/drawing/2014/main" xmlns="" val="390604985"/>
+                      <a16:colId xmlns="" xmlns:a16="http://schemas.microsoft.com/office/drawing/2014/main" val="390604985"/>
                     </a:ext>
                   </a:extLst>
                 </a:gridCol>
                 <a:gridCol w="3682842">
                   <a:extLst>
                     <a:ext uri="{9D8B030D-6E8A-4147-A177-3AD203B41FA5}">
-                      <a16:colId xmlns:a16="http://schemas.microsoft.com/office/drawing/2014/main" xmlns="" val="3548678291"/>
+                      <a16:colId xmlns="" xmlns:a16="http://schemas.microsoft.com/office/drawing/2014/main" val="3548678291"/>
                     </a:ext>
                   </a:extLst>
                 </a:gridCol>
@@ -29332,7 +28433,7 @@
                 </a:tc>
                 <a:extLst>
                   <a:ext uri="{0D108BD9-81ED-4DB2-BD59-A6C34878D82A}">
-                    <a16:rowId xmlns:a16="http://schemas.microsoft.com/office/drawing/2014/main" xmlns="" val="2826780448"/>
+                    <a16:rowId xmlns="" xmlns:a16="http://schemas.microsoft.com/office/drawing/2014/main" val="2826780448"/>
                   </a:ext>
                 </a:extLst>
               </a:tr>
@@ -29442,7 +28543,7 @@
                 </a:tc>
                 <a:extLst>
                   <a:ext uri="{0D108BD9-81ED-4DB2-BD59-A6C34878D82A}">
-                    <a16:rowId xmlns:a16="http://schemas.microsoft.com/office/drawing/2014/main" xmlns="" val="2074693909"/>
+                    <a16:rowId xmlns="" xmlns:a16="http://schemas.microsoft.com/office/drawing/2014/main" val="2074693909"/>
                   </a:ext>
                 </a:extLst>
               </a:tr>
@@ -29552,7 +28653,7 @@
                 </a:tc>
                 <a:extLst>
                   <a:ext uri="{0D108BD9-81ED-4DB2-BD59-A6C34878D82A}">
-                    <a16:rowId xmlns:a16="http://schemas.microsoft.com/office/drawing/2014/main" xmlns="" val="3442556936"/>
+                    <a16:rowId xmlns="" xmlns:a16="http://schemas.microsoft.com/office/drawing/2014/main" val="3442556936"/>
                   </a:ext>
                 </a:extLst>
               </a:tr>
@@ -29588,35 +28689,35 @@
                 <a:gridCol w="2209707">
                   <a:extLst>
                     <a:ext uri="{9D8B030D-6E8A-4147-A177-3AD203B41FA5}">
-                      <a16:colId xmlns:a16="http://schemas.microsoft.com/office/drawing/2014/main" xmlns="" val="4105844897"/>
+                      <a16:colId xmlns="" xmlns:a16="http://schemas.microsoft.com/office/drawing/2014/main" val="4105844897"/>
                     </a:ext>
                   </a:extLst>
                 </a:gridCol>
                 <a:gridCol w="2547324">
                   <a:extLst>
                     <a:ext uri="{9D8B030D-6E8A-4147-A177-3AD203B41FA5}">
-                      <a16:colId xmlns:a16="http://schemas.microsoft.com/office/drawing/2014/main" xmlns="" val="4142034472"/>
+                      <a16:colId xmlns="" xmlns:a16="http://schemas.microsoft.com/office/drawing/2014/main" val="4142034472"/>
                     </a:ext>
                   </a:extLst>
                 </a:gridCol>
                 <a:gridCol w="2601685">
                   <a:extLst>
                     <a:ext uri="{9D8B030D-6E8A-4147-A177-3AD203B41FA5}">
-                      <a16:colId xmlns:a16="http://schemas.microsoft.com/office/drawing/2014/main" xmlns="" val="2076643704"/>
+                      <a16:colId xmlns="" xmlns:a16="http://schemas.microsoft.com/office/drawing/2014/main" val="2076643704"/>
                     </a:ext>
                   </a:extLst>
                 </a:gridCol>
                 <a:gridCol w="1480110">
                   <a:extLst>
                     <a:ext uri="{9D8B030D-6E8A-4147-A177-3AD203B41FA5}">
-                      <a16:colId xmlns:a16="http://schemas.microsoft.com/office/drawing/2014/main" xmlns="" val="3774860856"/>
+                      <a16:colId xmlns="" xmlns:a16="http://schemas.microsoft.com/office/drawing/2014/main" val="3774860856"/>
                     </a:ext>
                   </a:extLst>
                 </a:gridCol>
                 <a:gridCol w="2209707">
                   <a:extLst>
                     <a:ext uri="{9D8B030D-6E8A-4147-A177-3AD203B41FA5}">
-                      <a16:colId xmlns:a16="http://schemas.microsoft.com/office/drawing/2014/main" xmlns="" val="690038618"/>
+                      <a16:colId xmlns="" xmlns:a16="http://schemas.microsoft.com/office/drawing/2014/main" val="690038618"/>
                     </a:ext>
                   </a:extLst>
                 </a:gridCol>
@@ -29904,7 +29005,7 @@
                 </a:tc>
                 <a:extLst>
                   <a:ext uri="{0D108BD9-81ED-4DB2-BD59-A6C34878D82A}">
-                    <a16:rowId xmlns:a16="http://schemas.microsoft.com/office/drawing/2014/main" xmlns="" val="2703049425"/>
+                    <a16:rowId xmlns="" xmlns:a16="http://schemas.microsoft.com/office/drawing/2014/main" val="2703049425"/>
                   </a:ext>
                 </a:extLst>
               </a:tr>
@@ -30130,7 +29231,7 @@
                 </a:tc>
                 <a:extLst>
                   <a:ext uri="{0D108BD9-81ED-4DB2-BD59-A6C34878D82A}">
-                    <a16:rowId xmlns:a16="http://schemas.microsoft.com/office/drawing/2014/main" xmlns="" val="741824064"/>
+                    <a16:rowId xmlns="" xmlns:a16="http://schemas.microsoft.com/office/drawing/2014/main" val="741824064"/>
                   </a:ext>
                 </a:extLst>
               </a:tr>
@@ -30373,7 +29474,7 @@
                 </a:tc>
                 <a:extLst>
                   <a:ext uri="{0D108BD9-81ED-4DB2-BD59-A6C34878D82A}">
-                    <a16:rowId xmlns:a16="http://schemas.microsoft.com/office/drawing/2014/main" xmlns="" val="3076205638"/>
+                    <a16:rowId xmlns="" xmlns:a16="http://schemas.microsoft.com/office/drawing/2014/main" val="3076205638"/>
                   </a:ext>
                 </a:extLst>
               </a:tr>
@@ -30618,7 +29719,7 @@
                 </a:tc>
                 <a:extLst>
                   <a:ext uri="{0D108BD9-81ED-4DB2-BD59-A6C34878D82A}">
-                    <a16:rowId xmlns:a16="http://schemas.microsoft.com/office/drawing/2014/main" xmlns="" val="2309071906"/>
+                    <a16:rowId xmlns="" xmlns:a16="http://schemas.microsoft.com/office/drawing/2014/main" val="2309071906"/>
                   </a:ext>
                 </a:extLst>
               </a:tr>
@@ -30842,7 +29943,7 @@
                 </a:tc>
                 <a:extLst>
                   <a:ext uri="{0D108BD9-81ED-4DB2-BD59-A6C34878D82A}">
-                    <a16:rowId xmlns:a16="http://schemas.microsoft.com/office/drawing/2014/main" xmlns="" val="932990606"/>
+                    <a16:rowId xmlns="" xmlns:a16="http://schemas.microsoft.com/office/drawing/2014/main" val="932990606"/>
                   </a:ext>
                 </a:extLst>
               </a:tr>
@@ -31078,7 +30179,7 @@
                 </a:tc>
                 <a:extLst>
                   <a:ext uri="{0D108BD9-81ED-4DB2-BD59-A6C34878D82A}">
-                    <a16:rowId xmlns:a16="http://schemas.microsoft.com/office/drawing/2014/main" xmlns="" val="3524779542"/>
+                    <a16:rowId xmlns="" xmlns:a16="http://schemas.microsoft.com/office/drawing/2014/main" val="3524779542"/>
                   </a:ext>
                 </a:extLst>
               </a:tr>
@@ -31314,7 +30415,7 @@
                 </a:tc>
                 <a:extLst>
                   <a:ext uri="{0D108BD9-81ED-4DB2-BD59-A6C34878D82A}">
-                    <a16:rowId xmlns:a16="http://schemas.microsoft.com/office/drawing/2014/main" xmlns="" val="2910126378"/>
+                    <a16:rowId xmlns="" xmlns:a16="http://schemas.microsoft.com/office/drawing/2014/main" val="2910126378"/>
                   </a:ext>
                 </a:extLst>
               </a:tr>
@@ -31555,7 +30656,7 @@
                 </a:tc>
                 <a:extLst>
                   <a:ext uri="{0D108BD9-81ED-4DB2-BD59-A6C34878D82A}">
-                    <a16:rowId xmlns:a16="http://schemas.microsoft.com/office/drawing/2014/main" xmlns="" val="2470890304"/>
+                    <a16:rowId xmlns="" xmlns:a16="http://schemas.microsoft.com/office/drawing/2014/main" val="2470890304"/>
                   </a:ext>
                 </a:extLst>
               </a:tr>
@@ -31796,7 +30897,7 @@
                 </a:tc>
                 <a:extLst>
                   <a:ext uri="{0D108BD9-81ED-4DB2-BD59-A6C34878D82A}">
-                    <a16:rowId xmlns:a16="http://schemas.microsoft.com/office/drawing/2014/main" xmlns="" val="2698866000"/>
+                    <a16:rowId xmlns="" xmlns:a16="http://schemas.microsoft.com/office/drawing/2014/main" val="2698866000"/>
                   </a:ext>
                 </a:extLst>
               </a:tr>
@@ -31832,7 +30933,7 @@
                 <a:gridCol w="11048534">
                   <a:extLst>
                     <a:ext uri="{9D8B030D-6E8A-4147-A177-3AD203B41FA5}">
-                      <a16:colId xmlns:a16="http://schemas.microsoft.com/office/drawing/2014/main" xmlns="" val="1357581311"/>
+                      <a16:colId xmlns="" xmlns:a16="http://schemas.microsoft.com/office/drawing/2014/main" val="1357581311"/>
                     </a:ext>
                   </a:extLst>
                 </a:gridCol>
@@ -31919,7 +31020,7 @@
                 </a:tc>
                 <a:extLst>
                   <a:ext uri="{0D108BD9-81ED-4DB2-BD59-A6C34878D82A}">
-                    <a16:rowId xmlns:a16="http://schemas.microsoft.com/office/drawing/2014/main" xmlns="" val="3203583067"/>
+                    <a16:rowId xmlns="" xmlns:a16="http://schemas.microsoft.com/office/drawing/2014/main" val="3203583067"/>
                   </a:ext>
                 </a:extLst>
               </a:tr>
@@ -32068,14 +31169,14 @@
                 <a:gridCol w="2890433">
                   <a:extLst>
                     <a:ext uri="{9D8B030D-6E8A-4147-A177-3AD203B41FA5}">
-                      <a16:colId xmlns:a16="http://schemas.microsoft.com/office/drawing/2014/main" xmlns="" val="20000"/>
+                      <a16:colId xmlns="" xmlns:a16="http://schemas.microsoft.com/office/drawing/2014/main" val="20000"/>
                     </a:ext>
                   </a:extLst>
                 </a:gridCol>
                 <a:gridCol w="8189560">
                   <a:extLst>
                     <a:ext uri="{9D8B030D-6E8A-4147-A177-3AD203B41FA5}">
-                      <a16:colId xmlns:a16="http://schemas.microsoft.com/office/drawing/2014/main" xmlns="" val="20001"/>
+                      <a16:colId xmlns="" xmlns:a16="http://schemas.microsoft.com/office/drawing/2014/main" val="20001"/>
                     </a:ext>
                   </a:extLst>
                 </a:gridCol>
@@ -32265,7 +31366,7 @@
                 </a:tc>
                 <a:extLst>
                   <a:ext uri="{0D108BD9-81ED-4DB2-BD59-A6C34878D82A}">
-                    <a16:rowId xmlns:a16="http://schemas.microsoft.com/office/drawing/2014/main" xmlns="" val="10000"/>
+                    <a16:rowId xmlns="" xmlns:a16="http://schemas.microsoft.com/office/drawing/2014/main" val="10000"/>
                   </a:ext>
                 </a:extLst>
               </a:tr>
@@ -32432,7 +31533,7 @@
                 </a:tc>
                 <a:extLst>
                   <a:ext uri="{0D108BD9-81ED-4DB2-BD59-A6C34878D82A}">
-                    <a16:rowId xmlns:a16="http://schemas.microsoft.com/office/drawing/2014/main" xmlns="" val="10001"/>
+                    <a16:rowId xmlns="" xmlns:a16="http://schemas.microsoft.com/office/drawing/2014/main" val="10001"/>
                   </a:ext>
                 </a:extLst>
               </a:tr>
@@ -32607,7 +31708,7 @@
                 </a:tc>
                 <a:extLst>
                   <a:ext uri="{0D108BD9-81ED-4DB2-BD59-A6C34878D82A}">
-                    <a16:rowId xmlns:a16="http://schemas.microsoft.com/office/drawing/2014/main" xmlns="" val="10002"/>
+                    <a16:rowId xmlns="" xmlns:a16="http://schemas.microsoft.com/office/drawing/2014/main" val="10002"/>
                   </a:ext>
                 </a:extLst>
               </a:tr>
@@ -32782,7 +31883,7 @@
                 </a:tc>
                 <a:extLst>
                   <a:ext uri="{0D108BD9-81ED-4DB2-BD59-A6C34878D82A}">
-                    <a16:rowId xmlns:a16="http://schemas.microsoft.com/office/drawing/2014/main" xmlns="" val="10003"/>
+                    <a16:rowId xmlns="" xmlns:a16="http://schemas.microsoft.com/office/drawing/2014/main" val="10003"/>
                   </a:ext>
                 </a:extLst>
               </a:tr>
@@ -32953,7 +32054,7 @@
                 </a:tc>
                 <a:extLst>
                   <a:ext uri="{0D108BD9-81ED-4DB2-BD59-A6C34878D82A}">
-                    <a16:rowId xmlns:a16="http://schemas.microsoft.com/office/drawing/2014/main" xmlns="" val="10004"/>
+                    <a16:rowId xmlns="" xmlns:a16="http://schemas.microsoft.com/office/drawing/2014/main" val="10004"/>
                   </a:ext>
                 </a:extLst>
               </a:tr>
@@ -34302,7 +33403,7 @@
           <a:graphicData uri="http://schemas.openxmlformats.org/presentationml/2006/ole">
             <mc:AlternateContent xmlns:mc="http://schemas.openxmlformats.org/markup-compatibility/2006">
               <mc:Choice xmlns:v="urn:schemas-microsoft-com:vml" Requires="v">
-                <p:oleObj spid="_x0000_s44091" name="think-cell Slide" r:id="rId5" imgW="416" imgH="416" progId="TCLayout.ActiveDocument.1">
+                <p:oleObj spid="_x0000_s44093" name="think-cell Slide" r:id="rId5" imgW="416" imgH="416" progId="TCLayout.ActiveDocument.1">
                   <p:embed/>
                 </p:oleObj>
               </mc:Choice>
@@ -35592,7 +34693,7 @@
   <a:extraClrSchemeLst/>
   <a:extLst>
     <a:ext uri="{05A4C25C-085E-4340-85A3-A5531E510DB2}">
-      <thm15:themeFamily xmlns:thm15="http://schemas.microsoft.com/office/thememl/2012/main" xmlns="" name="Office Theme" id="{62F939B6-93AF-4DB8-9C6B-D6C7DFDC589F}" vid="{4A3C46E8-61CC-4603-A589-7422A47A8E4A}"/>
+      <thm15:themeFamily xmlns="" xmlns:thm15="http://schemas.microsoft.com/office/thememl/2012/main" name="Office Theme" id="{62F939B6-93AF-4DB8-9C6B-D6C7DFDC589F}" vid="{4A3C46E8-61CC-4603-A589-7422A47A8E4A}"/>
     </a:ext>
   </a:extLst>
 </a:theme>
@@ -35826,7 +34927,7 @@
   <a:extraClrSchemeLst/>
   <a:extLst>
     <a:ext uri="{05A4C25C-085E-4340-85A3-A5531E510DB2}">
-      <thm15:themeFamily xmlns:thm15="http://schemas.microsoft.com/office/thememl/2012/main" xmlns="" name="Bentley template 2021.potx" id="{C9F80F40-B2B1-4DB6-919B-71F3AAFFE5B0}" vid="{F9D38CA0-4F02-4029-A6BC-9642EF690A5C}"/>
+      <thm15:themeFamily xmlns="" xmlns:thm15="http://schemas.microsoft.com/office/thememl/2012/main" name="Bentley template 2021.potx" id="{C9F80F40-B2B1-4DB6-919B-71F3AAFFE5B0}" vid="{F9D38CA0-4F02-4029-A6BC-9642EF690A5C}"/>
     </a:ext>
   </a:extLst>
 </a:theme>
@@ -36060,7 +35161,7 @@
   <a:extraClrSchemeLst/>
   <a:extLst>
     <a:ext uri="{05A4C25C-085E-4340-85A3-A5531E510DB2}">
-      <thm15:themeFamily xmlns:thm15="http://schemas.microsoft.com/office/thememl/2012/main" xmlns="" name="Bentley template 2021.potx" id="{C9F80F40-B2B1-4DB6-919B-71F3AAFFE5B0}" vid="{F9D38CA0-4F02-4029-A6BC-9642EF690A5C}"/>
+      <thm15:themeFamily xmlns="" xmlns:thm15="http://schemas.microsoft.com/office/thememl/2012/main" name="Bentley template 2021.potx" id="{C9F80F40-B2B1-4DB6-919B-71F3AAFFE5B0}" vid="{F9D38CA0-4F02-4029-A6BC-9642EF690A5C}"/>
     </a:ext>
   </a:extLst>
 </a:theme>
@@ -36321,7 +35422,7 @@
   <a:extraClrSchemeLst/>
   <a:extLst>
     <a:ext uri="{05A4C25C-085E-4340-85A3-A5531E510DB2}">
-      <thm15:themeFamily xmlns:thm15="http://schemas.microsoft.com/office/thememl/2012/main" xmlns="" name="Office Theme" id="{62F939B6-93AF-4DB8-9C6B-D6C7DFDC589F}" vid="{4A3C46E8-61CC-4603-A589-7422A47A8E4A}"/>
+      <thm15:themeFamily xmlns="" xmlns:thm15="http://schemas.microsoft.com/office/thememl/2012/main" name="Office Theme" id="{62F939B6-93AF-4DB8-9C6B-D6C7DFDC589F}" vid="{4A3C46E8-61CC-4603-A589-7422A47A8E4A}"/>
     </a:ext>
   </a:extLst>
 </a:theme>

--- a/com.yrtech.bentleyAPI/com.yrtech.InventoryAPI/template/ReportOffLine.pptx
+++ b/com.yrtech.bentleyAPI/com.yrtech.InventoryAPI/template/ReportOffLine.pptx
@@ -126,7 +126,7 @@
   </p:defaultTextStyle>
   <p:extLst>
     <p:ext uri="{EFAFB233-063F-42B5-8137-9DF3F51BA10A}">
-      <p15:sldGuideLst xmlns="" xmlns:p15="http://schemas.microsoft.com/office/powerpoint/2012/main">
+      <p15:sldGuideLst xmlns:p15="http://schemas.microsoft.com/office/powerpoint/2012/main">
         <p15:guide id="1" pos="7310" userDrawn="1">
           <p15:clr>
             <a:srgbClr val="A4A3A4"/>
@@ -225,7 +225,7 @@
           <a:p>
             <a:fld id="{69A4D669-94F9-4D70-8C76-4C2D35D4E5D0}" type="datetimeFigureOut">
               <a:rPr lang="en-US" smtClean="0"/>
-              <a:t>4/16/2022</a:t>
+              <a:t>4/23/2022</a:t>
             </a:fld>
             <a:endParaRPr lang="en-US"/>
           </a:p>
@@ -1866,7 +1866,7 @@
           <a:p>
             <a:fld id="{CB9F8517-1271-4F8B-9742-ECB8BBF22693}" type="datetimeFigureOut">
               <a:rPr lang="en-US" smtClean="0"/>
-              <a:t>4/16/2022</a:t>
+              <a:t>4/23/2022</a:t>
             </a:fld>
             <a:endParaRPr lang="en-US"/>
           </a:p>
@@ -2036,7 +2036,7 @@
           <a:p>
             <a:fld id="{CB9F8517-1271-4F8B-9742-ECB8BBF22693}" type="datetimeFigureOut">
               <a:rPr lang="en-US" smtClean="0"/>
-              <a:t>4/16/2022</a:t>
+              <a:t>4/23/2022</a:t>
             </a:fld>
             <a:endParaRPr lang="en-US"/>
           </a:p>
@@ -2216,7 +2216,7 @@
           <a:p>
             <a:fld id="{CB9F8517-1271-4F8B-9742-ECB8BBF22693}" type="datetimeFigureOut">
               <a:rPr lang="en-US" smtClean="0"/>
-              <a:t>4/16/2022</a:t>
+              <a:t>4/23/2022</a:t>
             </a:fld>
             <a:endParaRPr lang="en-US"/>
           </a:p>
@@ -2314,7 +2314,7 @@
           <a:graphicData uri="http://schemas.openxmlformats.org/presentationml/2006/ole">
             <mc:AlternateContent xmlns:mc="http://schemas.openxmlformats.org/markup-compatibility/2006">
               <mc:Choice xmlns:v="urn:schemas-microsoft-com:vml" Requires="v">
-                <p:oleObj spid="_x0000_s3145" name="think-cell Slide" r:id="rId4" imgW="216" imgH="216" progId="TCLayout.ActiveDocument.1">
+                <p:oleObj spid="_x0000_s3146" name="think-cell Slide" r:id="rId4" imgW="216" imgH="216" progId="TCLayout.ActiveDocument.1">
                   <p:embed/>
                 </p:oleObj>
               </mc:Choice>
@@ -2354,7 +2354,7 @@
           <p:cNvPr id="8" name="Title 7">
             <a:extLst>
               <a:ext uri="{FF2B5EF4-FFF2-40B4-BE49-F238E27FC236}">
-                <a16:creationId xmlns="" xmlns:a16="http://schemas.microsoft.com/office/drawing/2014/main" id="{8A6F1540-D306-D44E-B1B3-1ACCF1041F70}"/>
+                <a16:creationId xmlns:a16="http://schemas.microsoft.com/office/drawing/2014/main" id="{8A6F1540-D306-D44E-B1B3-1ACCF1041F70}"/>
               </a:ext>
             </a:extLst>
           </p:cNvPr>
@@ -3150,7 +3150,7 @@
           <p:cNvPr id="37" name="Footer Placeholder 3">
             <a:extLst>
               <a:ext uri="{FF2B5EF4-FFF2-40B4-BE49-F238E27FC236}">
-                <a16:creationId xmlns="" xmlns:a16="http://schemas.microsoft.com/office/drawing/2014/main" id="{DBA440F4-82E0-7E45-8A6F-4A8C7572AEE5}"/>
+                <a16:creationId xmlns:a16="http://schemas.microsoft.com/office/drawing/2014/main" id="{DBA440F4-82E0-7E45-8A6F-4A8C7572AEE5}"/>
               </a:ext>
             </a:extLst>
           </p:cNvPr>
@@ -3209,7 +3209,7 @@
           <p:cNvPr id="38" name="Slide Number Placeholder 5">
             <a:extLst>
               <a:ext uri="{FF2B5EF4-FFF2-40B4-BE49-F238E27FC236}">
-                <a16:creationId xmlns="" xmlns:a16="http://schemas.microsoft.com/office/drawing/2014/main" id="{CC67CD5C-67EC-5144-B858-5347C50D1ACD}"/>
+                <a16:creationId xmlns:a16="http://schemas.microsoft.com/office/drawing/2014/main" id="{CC67CD5C-67EC-5144-B858-5347C50D1ACD}"/>
               </a:ext>
             </a:extLst>
           </p:cNvPr>
@@ -3256,7 +3256,7 @@
           <p:cNvPr id="39" name="Straight Connector 38">
             <a:extLst>
               <a:ext uri="{FF2B5EF4-FFF2-40B4-BE49-F238E27FC236}">
-                <a16:creationId xmlns="" xmlns:a16="http://schemas.microsoft.com/office/drawing/2014/main" id="{95C486A1-9876-924E-85C2-906892F8B9AC}"/>
+                <a16:creationId xmlns:a16="http://schemas.microsoft.com/office/drawing/2014/main" id="{95C486A1-9876-924E-85C2-906892F8B9AC}"/>
               </a:ext>
             </a:extLst>
           </p:cNvPr>
@@ -3352,7 +3352,7 @@
           <a:graphicData uri="http://schemas.openxmlformats.org/presentationml/2006/ole">
             <mc:AlternateContent xmlns:mc="http://schemas.openxmlformats.org/markup-compatibility/2006">
               <mc:Choice xmlns:v="urn:schemas-microsoft-com:vml" Requires="v">
-                <p:oleObj spid="_x0000_s32829" name="think-cell Slide" r:id="rId5" imgW="216" imgH="216" progId="TCLayout.ActiveDocument.1">
+                <p:oleObj spid="_x0000_s32830" name="think-cell Slide" r:id="rId5" imgW="216" imgH="216" progId="TCLayout.ActiveDocument.1">
                   <p:embed/>
                 </p:oleObj>
               </mc:Choice>
@@ -3549,7 +3549,7 @@
           <p:cNvPr id="4" name="Footer Placeholder 3">
             <a:extLst>
               <a:ext uri="{FF2B5EF4-FFF2-40B4-BE49-F238E27FC236}">
-                <a16:creationId xmlns="" xmlns:a16="http://schemas.microsoft.com/office/drawing/2014/main" id="{17D6DE4C-D976-4B4B-B087-C035EF8D4F6F}"/>
+                <a16:creationId xmlns:a16="http://schemas.microsoft.com/office/drawing/2014/main" id="{17D6DE4C-D976-4B4B-B087-C035EF8D4F6F}"/>
               </a:ext>
             </a:extLst>
           </p:cNvPr>
@@ -3608,7 +3608,7 @@
           <p:cNvPr id="13" name="Straight Connector 12">
             <a:extLst>
               <a:ext uri="{FF2B5EF4-FFF2-40B4-BE49-F238E27FC236}">
-                <a16:creationId xmlns="" xmlns:a16="http://schemas.microsoft.com/office/drawing/2014/main" id="{95C486A1-9876-924E-85C2-906892F8B9AC}"/>
+                <a16:creationId xmlns:a16="http://schemas.microsoft.com/office/drawing/2014/main" id="{95C486A1-9876-924E-85C2-906892F8B9AC}"/>
               </a:ext>
             </a:extLst>
           </p:cNvPr>
@@ -3651,7 +3651,7 @@
           <p:cNvPr id="17" name="Slide Number Placeholder 5">
             <a:extLst>
               <a:ext uri="{FF2B5EF4-FFF2-40B4-BE49-F238E27FC236}">
-                <a16:creationId xmlns="" xmlns:a16="http://schemas.microsoft.com/office/drawing/2014/main" id="{CC67CD5C-67EC-5144-B858-5347C50D1ACD}"/>
+                <a16:creationId xmlns:a16="http://schemas.microsoft.com/office/drawing/2014/main" id="{CC67CD5C-67EC-5144-B858-5347C50D1ACD}"/>
               </a:ext>
             </a:extLst>
           </p:cNvPr>
@@ -3703,7 +3703,7 @@
           <p:cNvPr id="8" name="Title 7">
             <a:extLst>
               <a:ext uri="{FF2B5EF4-FFF2-40B4-BE49-F238E27FC236}">
-                <a16:creationId xmlns="" xmlns:a16="http://schemas.microsoft.com/office/drawing/2014/main" id="{8A6F1540-D306-D44E-B1B3-1ACCF1041F70}"/>
+                <a16:creationId xmlns:a16="http://schemas.microsoft.com/office/drawing/2014/main" id="{8A6F1540-D306-D44E-B1B3-1ACCF1041F70}"/>
               </a:ext>
             </a:extLst>
           </p:cNvPr>
@@ -3829,7 +3829,7 @@
           <a:graphicData uri="http://schemas.openxmlformats.org/presentationml/2006/ole">
             <mc:AlternateContent xmlns:mc="http://schemas.openxmlformats.org/markup-compatibility/2006">
               <mc:Choice xmlns:v="urn:schemas-microsoft-com:vml" Requires="v">
-                <p:oleObj spid="_x0000_s33853" name="think-cell Slide" r:id="rId4" imgW="216" imgH="216" progId="TCLayout.ActiveDocument.1">
+                <p:oleObj spid="_x0000_s33854" name="think-cell Slide" r:id="rId4" imgW="216" imgH="216" progId="TCLayout.ActiveDocument.1">
                   <p:embed/>
                 </p:oleObj>
               </mc:Choice>
@@ -3955,7 +3955,7 @@
           <p:cNvPr id="8" name="Title 7">
             <a:extLst>
               <a:ext uri="{FF2B5EF4-FFF2-40B4-BE49-F238E27FC236}">
-                <a16:creationId xmlns="" xmlns:a16="http://schemas.microsoft.com/office/drawing/2014/main" id="{8A6F1540-D306-D44E-B1B3-1ACCF1041F70}"/>
+                <a16:creationId xmlns:a16="http://schemas.microsoft.com/office/drawing/2014/main" id="{8A6F1540-D306-D44E-B1B3-1ACCF1041F70}"/>
               </a:ext>
             </a:extLst>
           </p:cNvPr>
@@ -3991,7 +3991,7 @@
           <p:cNvPr id="9" name="Content Placeholder 2">
             <a:extLst>
               <a:ext uri="{FF2B5EF4-FFF2-40B4-BE49-F238E27FC236}">
-                <a16:creationId xmlns="" xmlns:a16="http://schemas.microsoft.com/office/drawing/2014/main" id="{0A7C1352-3D49-F849-9BC3-BC0AF9CD8F04}"/>
+                <a16:creationId xmlns:a16="http://schemas.microsoft.com/office/drawing/2014/main" id="{0A7C1352-3D49-F849-9BC3-BC0AF9CD8F04}"/>
               </a:ext>
             </a:extLst>
           </p:cNvPr>
@@ -4083,7 +4083,7 @@
           <p:cNvPr id="10" name="Content Placeholder 2">
             <a:extLst>
               <a:ext uri="{FF2B5EF4-FFF2-40B4-BE49-F238E27FC236}">
-                <a16:creationId xmlns="" xmlns:a16="http://schemas.microsoft.com/office/drawing/2014/main" id="{D1AA7CFB-7669-2648-A3E1-E647E531399E}"/>
+                <a16:creationId xmlns:a16="http://schemas.microsoft.com/office/drawing/2014/main" id="{D1AA7CFB-7669-2648-A3E1-E647E531399E}"/>
               </a:ext>
             </a:extLst>
           </p:cNvPr>
@@ -4175,7 +4175,7 @@
           <p:cNvPr id="11" name="Content Placeholder 2">
             <a:extLst>
               <a:ext uri="{FF2B5EF4-FFF2-40B4-BE49-F238E27FC236}">
-                <a16:creationId xmlns="" xmlns:a16="http://schemas.microsoft.com/office/drawing/2014/main" id="{2E4B4082-D988-5D43-9C32-2C7F747717ED}"/>
+                <a16:creationId xmlns:a16="http://schemas.microsoft.com/office/drawing/2014/main" id="{2E4B4082-D988-5D43-9C32-2C7F747717ED}"/>
               </a:ext>
             </a:extLst>
           </p:cNvPr>
@@ -4267,7 +4267,7 @@
           <p:cNvPr id="12" name="Content Placeholder 2">
             <a:extLst>
               <a:ext uri="{FF2B5EF4-FFF2-40B4-BE49-F238E27FC236}">
-                <a16:creationId xmlns="" xmlns:a16="http://schemas.microsoft.com/office/drawing/2014/main" id="{45B8DE4D-1F9B-7341-8CB2-D70634815B55}"/>
+                <a16:creationId xmlns:a16="http://schemas.microsoft.com/office/drawing/2014/main" id="{45B8DE4D-1F9B-7341-8CB2-D70634815B55}"/>
               </a:ext>
             </a:extLst>
           </p:cNvPr>
@@ -4359,7 +4359,7 @@
           <p:cNvPr id="14" name="Footer Placeholder 3">
             <a:extLst>
               <a:ext uri="{FF2B5EF4-FFF2-40B4-BE49-F238E27FC236}">
-                <a16:creationId xmlns="" xmlns:a16="http://schemas.microsoft.com/office/drawing/2014/main" id="{DBA440F4-82E0-7E45-8A6F-4A8C7572AEE5}"/>
+                <a16:creationId xmlns:a16="http://schemas.microsoft.com/office/drawing/2014/main" id="{DBA440F4-82E0-7E45-8A6F-4A8C7572AEE5}"/>
               </a:ext>
             </a:extLst>
           </p:cNvPr>
@@ -4418,7 +4418,7 @@
           <p:cNvPr id="15" name="Slide Number Placeholder 5">
             <a:extLst>
               <a:ext uri="{FF2B5EF4-FFF2-40B4-BE49-F238E27FC236}">
-                <a16:creationId xmlns="" xmlns:a16="http://schemas.microsoft.com/office/drawing/2014/main" id="{CC67CD5C-67EC-5144-B858-5347C50D1ACD}"/>
+                <a16:creationId xmlns:a16="http://schemas.microsoft.com/office/drawing/2014/main" id="{CC67CD5C-67EC-5144-B858-5347C50D1ACD}"/>
               </a:ext>
             </a:extLst>
           </p:cNvPr>
@@ -4470,7 +4470,7 @@
           <p:cNvPr id="16" name="Straight Connector 15">
             <a:extLst>
               <a:ext uri="{FF2B5EF4-FFF2-40B4-BE49-F238E27FC236}">
-                <a16:creationId xmlns="" xmlns:a16="http://schemas.microsoft.com/office/drawing/2014/main" id="{95C486A1-9876-924E-85C2-906892F8B9AC}"/>
+                <a16:creationId xmlns:a16="http://schemas.microsoft.com/office/drawing/2014/main" id="{95C486A1-9876-924E-85C2-906892F8B9AC}"/>
               </a:ext>
             </a:extLst>
           </p:cNvPr>
@@ -4566,7 +4566,7 @@
           <a:graphicData uri="http://schemas.openxmlformats.org/presentationml/2006/ole">
             <mc:AlternateContent xmlns:mc="http://schemas.openxmlformats.org/markup-compatibility/2006">
               <mc:Choice xmlns:v="urn:schemas-microsoft-com:vml" Requires="v">
-                <p:oleObj spid="_x0000_s34877" name="think-cell Slide" r:id="rId4" imgW="216" imgH="216" progId="TCLayout.ActiveDocument.1">
+                <p:oleObj spid="_x0000_s34878" name="think-cell Slide" r:id="rId4" imgW="216" imgH="216" progId="TCLayout.ActiveDocument.1">
                   <p:embed/>
                 </p:oleObj>
               </mc:Choice>
@@ -4606,7 +4606,7 @@
           <p:cNvPr id="8" name="Title 7">
             <a:extLst>
               <a:ext uri="{FF2B5EF4-FFF2-40B4-BE49-F238E27FC236}">
-                <a16:creationId xmlns="" xmlns:a16="http://schemas.microsoft.com/office/drawing/2014/main" id="{8A6F1540-D306-D44E-B1B3-1ACCF1041F70}"/>
+                <a16:creationId xmlns:a16="http://schemas.microsoft.com/office/drawing/2014/main" id="{8A6F1540-D306-D44E-B1B3-1ACCF1041F70}"/>
               </a:ext>
             </a:extLst>
           </p:cNvPr>
@@ -5402,7 +5402,7 @@
           <p:cNvPr id="37" name="Footer Placeholder 3">
             <a:extLst>
               <a:ext uri="{FF2B5EF4-FFF2-40B4-BE49-F238E27FC236}">
-                <a16:creationId xmlns="" xmlns:a16="http://schemas.microsoft.com/office/drawing/2014/main" id="{DBA440F4-82E0-7E45-8A6F-4A8C7572AEE5}"/>
+                <a16:creationId xmlns:a16="http://schemas.microsoft.com/office/drawing/2014/main" id="{DBA440F4-82E0-7E45-8A6F-4A8C7572AEE5}"/>
               </a:ext>
             </a:extLst>
           </p:cNvPr>
@@ -5461,7 +5461,7 @@
           <p:cNvPr id="38" name="Slide Number Placeholder 5">
             <a:extLst>
               <a:ext uri="{FF2B5EF4-FFF2-40B4-BE49-F238E27FC236}">
-                <a16:creationId xmlns="" xmlns:a16="http://schemas.microsoft.com/office/drawing/2014/main" id="{CC67CD5C-67EC-5144-B858-5347C50D1ACD}"/>
+                <a16:creationId xmlns:a16="http://schemas.microsoft.com/office/drawing/2014/main" id="{CC67CD5C-67EC-5144-B858-5347C50D1ACD}"/>
               </a:ext>
             </a:extLst>
           </p:cNvPr>
@@ -5513,7 +5513,7 @@
           <p:cNvPr id="39" name="Straight Connector 38">
             <a:extLst>
               <a:ext uri="{FF2B5EF4-FFF2-40B4-BE49-F238E27FC236}">
-                <a16:creationId xmlns="" xmlns:a16="http://schemas.microsoft.com/office/drawing/2014/main" id="{95C486A1-9876-924E-85C2-906892F8B9AC}"/>
+                <a16:creationId xmlns:a16="http://schemas.microsoft.com/office/drawing/2014/main" id="{95C486A1-9876-924E-85C2-906892F8B9AC}"/>
               </a:ext>
             </a:extLst>
           </p:cNvPr>
@@ -5614,7 +5614,7 @@
           <a:graphicData uri="http://schemas.openxmlformats.org/presentationml/2006/ole">
             <mc:AlternateContent xmlns:mc="http://schemas.openxmlformats.org/markup-compatibility/2006">
               <mc:Choice xmlns:v="urn:schemas-microsoft-com:vml" Requires="v">
-                <p:oleObj spid="_x0000_s35901" name="think-cell Slide" r:id="rId5" imgW="216" imgH="216" progId="TCLayout.ActiveDocument.1">
+                <p:oleObj spid="_x0000_s35902" name="think-cell Slide" r:id="rId5" imgW="216" imgH="216" progId="TCLayout.ActiveDocument.1">
                   <p:embed/>
                 </p:oleObj>
               </mc:Choice>
@@ -5831,7 +5831,7 @@
           <p:cNvPr id="4" name="Footer Placeholder 3">
             <a:extLst>
               <a:ext uri="{FF2B5EF4-FFF2-40B4-BE49-F238E27FC236}">
-                <a16:creationId xmlns="" xmlns:a16="http://schemas.microsoft.com/office/drawing/2014/main" id="{17D6DE4C-D976-4B4B-B087-C035EF8D4F6F}"/>
+                <a16:creationId xmlns:a16="http://schemas.microsoft.com/office/drawing/2014/main" id="{17D6DE4C-D976-4B4B-B087-C035EF8D4F6F}"/>
               </a:ext>
             </a:extLst>
           </p:cNvPr>
@@ -5890,7 +5890,7 @@
           <p:cNvPr id="17" name="Slide Number Placeholder 5">
             <a:extLst>
               <a:ext uri="{FF2B5EF4-FFF2-40B4-BE49-F238E27FC236}">
-                <a16:creationId xmlns="" xmlns:a16="http://schemas.microsoft.com/office/drawing/2014/main" id="{CC67CD5C-67EC-5144-B858-5347C50D1ACD}"/>
+                <a16:creationId xmlns:a16="http://schemas.microsoft.com/office/drawing/2014/main" id="{CC67CD5C-67EC-5144-B858-5347C50D1ACD}"/>
               </a:ext>
             </a:extLst>
           </p:cNvPr>
@@ -5942,7 +5942,7 @@
           <p:cNvPr id="8" name="Title 7">
             <a:extLst>
               <a:ext uri="{FF2B5EF4-FFF2-40B4-BE49-F238E27FC236}">
-                <a16:creationId xmlns="" xmlns:a16="http://schemas.microsoft.com/office/drawing/2014/main" id="{8A6F1540-D306-D44E-B1B3-1ACCF1041F70}"/>
+                <a16:creationId xmlns:a16="http://schemas.microsoft.com/office/drawing/2014/main" id="{8A6F1540-D306-D44E-B1B3-1ACCF1041F70}"/>
               </a:ext>
             </a:extLst>
           </p:cNvPr>
@@ -5986,7 +5986,7 @@
           <p:cNvPr id="9" name="Straight Connector 8">
             <a:extLst>
               <a:ext uri="{FF2B5EF4-FFF2-40B4-BE49-F238E27FC236}">
-                <a16:creationId xmlns="" xmlns:a16="http://schemas.microsoft.com/office/drawing/2014/main" id="{BB1AA2BE-B537-254D-958A-FBAFDE7E90DC}"/>
+                <a16:creationId xmlns:a16="http://schemas.microsoft.com/office/drawing/2014/main" id="{BB1AA2BE-B537-254D-958A-FBAFDE7E90DC}"/>
               </a:ext>
             </a:extLst>
           </p:cNvPr>
@@ -6029,7 +6029,7 @@
           <p:cNvPr id="10" name="Straight Connector 9">
             <a:extLst>
               <a:ext uri="{FF2B5EF4-FFF2-40B4-BE49-F238E27FC236}">
-                <a16:creationId xmlns="" xmlns:a16="http://schemas.microsoft.com/office/drawing/2014/main" id="{95C486A1-9876-924E-85C2-906892F8B9AC}"/>
+                <a16:creationId xmlns:a16="http://schemas.microsoft.com/office/drawing/2014/main" id="{95C486A1-9876-924E-85C2-906892F8B9AC}"/>
               </a:ext>
             </a:extLst>
           </p:cNvPr>
@@ -6406,7 +6406,7 @@
           <a:graphicData uri="http://schemas.openxmlformats.org/presentationml/2006/ole">
             <mc:AlternateContent xmlns:mc="http://schemas.openxmlformats.org/markup-compatibility/2006">
               <mc:Choice xmlns:v="urn:schemas-microsoft-com:vml" Requires="v">
-                <p:oleObj spid="_x0000_s37949" name="think-cell Slide" r:id="rId5" imgW="216" imgH="216" progId="TCLayout.ActiveDocument.1">
+                <p:oleObj spid="_x0000_s37950" name="think-cell Slide" r:id="rId5" imgW="216" imgH="216" progId="TCLayout.ActiveDocument.1">
                   <p:embed/>
                 </p:oleObj>
               </mc:Choice>
@@ -6603,7 +6603,7 @@
           <p:cNvPr id="4" name="Footer Placeholder 3">
             <a:extLst>
               <a:ext uri="{FF2B5EF4-FFF2-40B4-BE49-F238E27FC236}">
-                <a16:creationId xmlns="" xmlns:a16="http://schemas.microsoft.com/office/drawing/2014/main" id="{17D6DE4C-D976-4B4B-B087-C035EF8D4F6F}"/>
+                <a16:creationId xmlns:a16="http://schemas.microsoft.com/office/drawing/2014/main" id="{17D6DE4C-D976-4B4B-B087-C035EF8D4F6F}"/>
               </a:ext>
             </a:extLst>
           </p:cNvPr>
@@ -6662,7 +6662,7 @@
           <p:cNvPr id="13" name="Straight Connector 12">
             <a:extLst>
               <a:ext uri="{FF2B5EF4-FFF2-40B4-BE49-F238E27FC236}">
-                <a16:creationId xmlns="" xmlns:a16="http://schemas.microsoft.com/office/drawing/2014/main" id="{95C486A1-9876-924E-85C2-906892F8B9AC}"/>
+                <a16:creationId xmlns:a16="http://schemas.microsoft.com/office/drawing/2014/main" id="{95C486A1-9876-924E-85C2-906892F8B9AC}"/>
               </a:ext>
             </a:extLst>
           </p:cNvPr>
@@ -6705,7 +6705,7 @@
           <p:cNvPr id="17" name="Slide Number Placeholder 5">
             <a:extLst>
               <a:ext uri="{FF2B5EF4-FFF2-40B4-BE49-F238E27FC236}">
-                <a16:creationId xmlns="" xmlns:a16="http://schemas.microsoft.com/office/drawing/2014/main" id="{CC67CD5C-67EC-5144-B858-5347C50D1ACD}"/>
+                <a16:creationId xmlns:a16="http://schemas.microsoft.com/office/drawing/2014/main" id="{CC67CD5C-67EC-5144-B858-5347C50D1ACD}"/>
               </a:ext>
             </a:extLst>
           </p:cNvPr>
@@ -6757,7 +6757,7 @@
           <p:cNvPr id="8" name="Title 7">
             <a:extLst>
               <a:ext uri="{FF2B5EF4-FFF2-40B4-BE49-F238E27FC236}">
-                <a16:creationId xmlns="" xmlns:a16="http://schemas.microsoft.com/office/drawing/2014/main" id="{8A6F1540-D306-D44E-B1B3-1ACCF1041F70}"/>
+                <a16:creationId xmlns:a16="http://schemas.microsoft.com/office/drawing/2014/main" id="{8A6F1540-D306-D44E-B1B3-1ACCF1041F70}"/>
               </a:ext>
             </a:extLst>
           </p:cNvPr>
@@ -6883,7 +6883,7 @@
           <a:graphicData uri="http://schemas.openxmlformats.org/presentationml/2006/ole">
             <mc:AlternateContent xmlns:mc="http://schemas.openxmlformats.org/markup-compatibility/2006">
               <mc:Choice xmlns:v="urn:schemas-microsoft-com:vml" Requires="v">
-                <p:oleObj spid="_x0000_s38973" name="think-cell Slide" r:id="rId4" imgW="216" imgH="216" progId="TCLayout.ActiveDocument.1">
+                <p:oleObj spid="_x0000_s38974" name="think-cell Slide" r:id="rId4" imgW="216" imgH="216" progId="TCLayout.ActiveDocument.1">
                   <p:embed/>
                 </p:oleObj>
               </mc:Choice>
@@ -7009,7 +7009,7 @@
           <p:cNvPr id="8" name="Title 7">
             <a:extLst>
               <a:ext uri="{FF2B5EF4-FFF2-40B4-BE49-F238E27FC236}">
-                <a16:creationId xmlns="" xmlns:a16="http://schemas.microsoft.com/office/drawing/2014/main" id="{8A6F1540-D306-D44E-B1B3-1ACCF1041F70}"/>
+                <a16:creationId xmlns:a16="http://schemas.microsoft.com/office/drawing/2014/main" id="{8A6F1540-D306-D44E-B1B3-1ACCF1041F70}"/>
               </a:ext>
             </a:extLst>
           </p:cNvPr>
@@ -7045,7 +7045,7 @@
           <p:cNvPr id="9" name="Content Placeholder 2">
             <a:extLst>
               <a:ext uri="{FF2B5EF4-FFF2-40B4-BE49-F238E27FC236}">
-                <a16:creationId xmlns="" xmlns:a16="http://schemas.microsoft.com/office/drawing/2014/main" id="{0A7C1352-3D49-F849-9BC3-BC0AF9CD8F04}"/>
+                <a16:creationId xmlns:a16="http://schemas.microsoft.com/office/drawing/2014/main" id="{0A7C1352-3D49-F849-9BC3-BC0AF9CD8F04}"/>
               </a:ext>
             </a:extLst>
           </p:cNvPr>
@@ -7137,7 +7137,7 @@
           <p:cNvPr id="10" name="Content Placeholder 2">
             <a:extLst>
               <a:ext uri="{FF2B5EF4-FFF2-40B4-BE49-F238E27FC236}">
-                <a16:creationId xmlns="" xmlns:a16="http://schemas.microsoft.com/office/drawing/2014/main" id="{D1AA7CFB-7669-2648-A3E1-E647E531399E}"/>
+                <a16:creationId xmlns:a16="http://schemas.microsoft.com/office/drawing/2014/main" id="{D1AA7CFB-7669-2648-A3E1-E647E531399E}"/>
               </a:ext>
             </a:extLst>
           </p:cNvPr>
@@ -7229,7 +7229,7 @@
           <p:cNvPr id="11" name="Content Placeholder 2">
             <a:extLst>
               <a:ext uri="{FF2B5EF4-FFF2-40B4-BE49-F238E27FC236}">
-                <a16:creationId xmlns="" xmlns:a16="http://schemas.microsoft.com/office/drawing/2014/main" id="{2E4B4082-D988-5D43-9C32-2C7F747717ED}"/>
+                <a16:creationId xmlns:a16="http://schemas.microsoft.com/office/drawing/2014/main" id="{2E4B4082-D988-5D43-9C32-2C7F747717ED}"/>
               </a:ext>
             </a:extLst>
           </p:cNvPr>
@@ -7321,7 +7321,7 @@
           <p:cNvPr id="12" name="Content Placeholder 2">
             <a:extLst>
               <a:ext uri="{FF2B5EF4-FFF2-40B4-BE49-F238E27FC236}">
-                <a16:creationId xmlns="" xmlns:a16="http://schemas.microsoft.com/office/drawing/2014/main" id="{45B8DE4D-1F9B-7341-8CB2-D70634815B55}"/>
+                <a16:creationId xmlns:a16="http://schemas.microsoft.com/office/drawing/2014/main" id="{45B8DE4D-1F9B-7341-8CB2-D70634815B55}"/>
               </a:ext>
             </a:extLst>
           </p:cNvPr>
@@ -7413,7 +7413,7 @@
           <p:cNvPr id="14" name="Footer Placeholder 3">
             <a:extLst>
               <a:ext uri="{FF2B5EF4-FFF2-40B4-BE49-F238E27FC236}">
-                <a16:creationId xmlns="" xmlns:a16="http://schemas.microsoft.com/office/drawing/2014/main" id="{DBA440F4-82E0-7E45-8A6F-4A8C7572AEE5}"/>
+                <a16:creationId xmlns:a16="http://schemas.microsoft.com/office/drawing/2014/main" id="{DBA440F4-82E0-7E45-8A6F-4A8C7572AEE5}"/>
               </a:ext>
             </a:extLst>
           </p:cNvPr>
@@ -7472,7 +7472,7 @@
           <p:cNvPr id="15" name="Slide Number Placeholder 5">
             <a:extLst>
               <a:ext uri="{FF2B5EF4-FFF2-40B4-BE49-F238E27FC236}">
-                <a16:creationId xmlns="" xmlns:a16="http://schemas.microsoft.com/office/drawing/2014/main" id="{CC67CD5C-67EC-5144-B858-5347C50D1ACD}"/>
+                <a16:creationId xmlns:a16="http://schemas.microsoft.com/office/drawing/2014/main" id="{CC67CD5C-67EC-5144-B858-5347C50D1ACD}"/>
               </a:ext>
             </a:extLst>
           </p:cNvPr>
@@ -7524,7 +7524,7 @@
           <p:cNvPr id="16" name="Straight Connector 15">
             <a:extLst>
               <a:ext uri="{FF2B5EF4-FFF2-40B4-BE49-F238E27FC236}">
-                <a16:creationId xmlns="" xmlns:a16="http://schemas.microsoft.com/office/drawing/2014/main" id="{95C486A1-9876-924E-85C2-906892F8B9AC}"/>
+                <a16:creationId xmlns:a16="http://schemas.microsoft.com/office/drawing/2014/main" id="{95C486A1-9876-924E-85C2-906892F8B9AC}"/>
               </a:ext>
             </a:extLst>
           </p:cNvPr>
@@ -7691,7 +7691,7 @@
           <a:p>
             <a:fld id="{CB9F8517-1271-4F8B-9742-ECB8BBF22693}" type="datetimeFigureOut">
               <a:rPr lang="en-US" smtClean="0"/>
-              <a:t>4/16/2022</a:t>
+              <a:t>4/23/2022</a:t>
             </a:fld>
             <a:endParaRPr lang="en-US"/>
           </a:p>
@@ -7790,7 +7790,7 @@
           <a:graphicData uri="http://schemas.openxmlformats.org/presentationml/2006/ole">
             <mc:AlternateContent xmlns:mc="http://schemas.openxmlformats.org/markup-compatibility/2006">
               <mc:Choice xmlns:v="urn:schemas-microsoft-com:vml" Requires="v">
-                <p:oleObj spid="_x0000_s39997" name="think-cell Slide" r:id="rId4" imgW="216" imgH="216" progId="TCLayout.ActiveDocument.1">
+                <p:oleObj spid="_x0000_s39998" name="think-cell Slide" r:id="rId4" imgW="216" imgH="216" progId="TCLayout.ActiveDocument.1">
                   <p:embed/>
                 </p:oleObj>
               </mc:Choice>
@@ -7830,7 +7830,7 @@
           <p:cNvPr id="8" name="Title 7">
             <a:extLst>
               <a:ext uri="{FF2B5EF4-FFF2-40B4-BE49-F238E27FC236}">
-                <a16:creationId xmlns="" xmlns:a16="http://schemas.microsoft.com/office/drawing/2014/main" id="{8A6F1540-D306-D44E-B1B3-1ACCF1041F70}"/>
+                <a16:creationId xmlns:a16="http://schemas.microsoft.com/office/drawing/2014/main" id="{8A6F1540-D306-D44E-B1B3-1ACCF1041F70}"/>
               </a:ext>
             </a:extLst>
           </p:cNvPr>
@@ -8626,7 +8626,7 @@
           <p:cNvPr id="37" name="Footer Placeholder 3">
             <a:extLst>
               <a:ext uri="{FF2B5EF4-FFF2-40B4-BE49-F238E27FC236}">
-                <a16:creationId xmlns="" xmlns:a16="http://schemas.microsoft.com/office/drawing/2014/main" id="{DBA440F4-82E0-7E45-8A6F-4A8C7572AEE5}"/>
+                <a16:creationId xmlns:a16="http://schemas.microsoft.com/office/drawing/2014/main" id="{DBA440F4-82E0-7E45-8A6F-4A8C7572AEE5}"/>
               </a:ext>
             </a:extLst>
           </p:cNvPr>
@@ -8685,7 +8685,7 @@
           <p:cNvPr id="38" name="Slide Number Placeholder 5">
             <a:extLst>
               <a:ext uri="{FF2B5EF4-FFF2-40B4-BE49-F238E27FC236}">
-                <a16:creationId xmlns="" xmlns:a16="http://schemas.microsoft.com/office/drawing/2014/main" id="{CC67CD5C-67EC-5144-B858-5347C50D1ACD}"/>
+                <a16:creationId xmlns:a16="http://schemas.microsoft.com/office/drawing/2014/main" id="{CC67CD5C-67EC-5144-B858-5347C50D1ACD}"/>
               </a:ext>
             </a:extLst>
           </p:cNvPr>
@@ -8737,7 +8737,7 @@
           <p:cNvPr id="39" name="Straight Connector 38">
             <a:extLst>
               <a:ext uri="{FF2B5EF4-FFF2-40B4-BE49-F238E27FC236}">
-                <a16:creationId xmlns="" xmlns:a16="http://schemas.microsoft.com/office/drawing/2014/main" id="{95C486A1-9876-924E-85C2-906892F8B9AC}"/>
+                <a16:creationId xmlns:a16="http://schemas.microsoft.com/office/drawing/2014/main" id="{95C486A1-9876-924E-85C2-906892F8B9AC}"/>
               </a:ext>
             </a:extLst>
           </p:cNvPr>
@@ -8838,7 +8838,7 @@
           <a:graphicData uri="http://schemas.openxmlformats.org/presentationml/2006/ole">
             <mc:AlternateContent xmlns:mc="http://schemas.openxmlformats.org/markup-compatibility/2006">
               <mc:Choice xmlns:v="urn:schemas-microsoft-com:vml" Requires="v">
-                <p:oleObj spid="_x0000_s41021" name="think-cell Slide" r:id="rId5" imgW="216" imgH="216" progId="TCLayout.ActiveDocument.1">
+                <p:oleObj spid="_x0000_s41022" name="think-cell Slide" r:id="rId5" imgW="216" imgH="216" progId="TCLayout.ActiveDocument.1">
                   <p:embed/>
                 </p:oleObj>
               </mc:Choice>
@@ -9055,7 +9055,7 @@
           <p:cNvPr id="4" name="Footer Placeholder 3">
             <a:extLst>
               <a:ext uri="{FF2B5EF4-FFF2-40B4-BE49-F238E27FC236}">
-                <a16:creationId xmlns="" xmlns:a16="http://schemas.microsoft.com/office/drawing/2014/main" id="{17D6DE4C-D976-4B4B-B087-C035EF8D4F6F}"/>
+                <a16:creationId xmlns:a16="http://schemas.microsoft.com/office/drawing/2014/main" id="{17D6DE4C-D976-4B4B-B087-C035EF8D4F6F}"/>
               </a:ext>
             </a:extLst>
           </p:cNvPr>
@@ -9114,7 +9114,7 @@
           <p:cNvPr id="17" name="Slide Number Placeholder 5">
             <a:extLst>
               <a:ext uri="{FF2B5EF4-FFF2-40B4-BE49-F238E27FC236}">
-                <a16:creationId xmlns="" xmlns:a16="http://schemas.microsoft.com/office/drawing/2014/main" id="{CC67CD5C-67EC-5144-B858-5347C50D1ACD}"/>
+                <a16:creationId xmlns:a16="http://schemas.microsoft.com/office/drawing/2014/main" id="{CC67CD5C-67EC-5144-B858-5347C50D1ACD}"/>
               </a:ext>
             </a:extLst>
           </p:cNvPr>
@@ -9166,7 +9166,7 @@
           <p:cNvPr id="8" name="Title 7">
             <a:extLst>
               <a:ext uri="{FF2B5EF4-FFF2-40B4-BE49-F238E27FC236}">
-                <a16:creationId xmlns="" xmlns:a16="http://schemas.microsoft.com/office/drawing/2014/main" id="{8A6F1540-D306-D44E-B1B3-1ACCF1041F70}"/>
+                <a16:creationId xmlns:a16="http://schemas.microsoft.com/office/drawing/2014/main" id="{8A6F1540-D306-D44E-B1B3-1ACCF1041F70}"/>
               </a:ext>
             </a:extLst>
           </p:cNvPr>
@@ -9210,7 +9210,7 @@
           <p:cNvPr id="9" name="Straight Connector 8">
             <a:extLst>
               <a:ext uri="{FF2B5EF4-FFF2-40B4-BE49-F238E27FC236}">
-                <a16:creationId xmlns="" xmlns:a16="http://schemas.microsoft.com/office/drawing/2014/main" id="{BB1AA2BE-B537-254D-958A-FBAFDE7E90DC}"/>
+                <a16:creationId xmlns:a16="http://schemas.microsoft.com/office/drawing/2014/main" id="{BB1AA2BE-B537-254D-958A-FBAFDE7E90DC}"/>
               </a:ext>
             </a:extLst>
           </p:cNvPr>
@@ -9253,7 +9253,7 @@
           <p:cNvPr id="10" name="Straight Connector 9">
             <a:extLst>
               <a:ext uri="{FF2B5EF4-FFF2-40B4-BE49-F238E27FC236}">
-                <a16:creationId xmlns="" xmlns:a16="http://schemas.microsoft.com/office/drawing/2014/main" id="{95C486A1-9876-924E-85C2-906892F8B9AC}"/>
+                <a16:creationId xmlns:a16="http://schemas.microsoft.com/office/drawing/2014/main" id="{95C486A1-9876-924E-85C2-906892F8B9AC}"/>
               </a:ext>
             </a:extLst>
           </p:cNvPr>
@@ -9777,7 +9777,7 @@
           <a:p>
             <a:fld id="{CB9F8517-1271-4F8B-9742-ECB8BBF22693}" type="datetimeFigureOut">
               <a:rPr lang="en-US" smtClean="0"/>
-              <a:t>4/16/2022</a:t>
+              <a:t>4/23/2022</a:t>
             </a:fld>
             <a:endParaRPr lang="en-US"/>
           </a:p>
@@ -10009,7 +10009,7 @@
           <a:p>
             <a:fld id="{CB9F8517-1271-4F8B-9742-ECB8BBF22693}" type="datetimeFigureOut">
               <a:rPr lang="en-US" smtClean="0"/>
-              <a:t>4/16/2022</a:t>
+              <a:t>4/23/2022</a:t>
             </a:fld>
             <a:endParaRPr lang="en-US"/>
           </a:p>
@@ -10376,7 +10376,7 @@
           <a:p>
             <a:fld id="{CB9F8517-1271-4F8B-9742-ECB8BBF22693}" type="datetimeFigureOut">
               <a:rPr lang="en-US" smtClean="0"/>
-              <a:t>4/16/2022</a:t>
+              <a:t>4/23/2022</a:t>
             </a:fld>
             <a:endParaRPr lang="en-US"/>
           </a:p>
@@ -10494,7 +10494,7 @@
           <a:p>
             <a:fld id="{CB9F8517-1271-4F8B-9742-ECB8BBF22693}" type="datetimeFigureOut">
               <a:rPr lang="en-US" smtClean="0"/>
-              <a:t>4/16/2022</a:t>
+              <a:t>4/23/2022</a:t>
             </a:fld>
             <a:endParaRPr lang="en-US"/>
           </a:p>
@@ -10589,7 +10589,7 @@
           <a:p>
             <a:fld id="{CB9F8517-1271-4F8B-9742-ECB8BBF22693}" type="datetimeFigureOut">
               <a:rPr lang="en-US" smtClean="0"/>
-              <a:t>4/16/2022</a:t>
+              <a:t>4/23/2022</a:t>
             </a:fld>
             <a:endParaRPr lang="en-US"/>
           </a:p>
@@ -10866,7 +10866,7 @@
           <a:p>
             <a:fld id="{CB9F8517-1271-4F8B-9742-ECB8BBF22693}" type="datetimeFigureOut">
               <a:rPr lang="en-US" smtClean="0"/>
-              <a:t>4/16/2022</a:t>
+              <a:t>4/23/2022</a:t>
             </a:fld>
             <a:endParaRPr lang="en-US"/>
           </a:p>
@@ -11119,7 +11119,7 @@
           <a:p>
             <a:fld id="{CB9F8517-1271-4F8B-9742-ECB8BBF22693}" type="datetimeFigureOut">
               <a:rPr lang="en-US" smtClean="0"/>
-              <a:t>4/16/2022</a:t>
+              <a:t>4/23/2022</a:t>
             </a:fld>
             <a:endParaRPr lang="en-US"/>
           </a:p>
@@ -11227,7 +11227,7 @@
           <a:graphicData uri="http://schemas.openxmlformats.org/presentationml/2006/ole">
             <mc:AlternateContent xmlns:mc="http://schemas.openxmlformats.org/markup-compatibility/2006">
               <mc:Choice xmlns:v="urn:schemas-microsoft-com:vml" Requires="v">
-                <p:oleObj spid="_x0000_s1097" name="think-cell Slide" r:id="rId16" imgW="416" imgH="416" progId="TCLayout.ActiveDocument.1">
+                <p:oleObj spid="_x0000_s1098" name="think-cell Slide" r:id="rId16" imgW="416" imgH="416" progId="TCLayout.ActiveDocument.1">
                   <p:embed/>
                 </p:oleObj>
               </mc:Choice>
@@ -11392,7 +11392,7 @@
           <a:p>
             <a:fld id="{CB9F8517-1271-4F8B-9742-ECB8BBF22693}" type="datetimeFigureOut">
               <a:rPr lang="en-US" smtClean="0"/>
-              <a:t>4/16/2022</a:t>
+              <a:t>4/23/2022</a:t>
             </a:fld>
             <a:endParaRPr lang="en-US"/>
           </a:p>
@@ -11828,7 +11828,7 @@
           <a:graphicData uri="http://schemas.openxmlformats.org/presentationml/2006/ole">
             <mc:AlternateContent xmlns:mc="http://schemas.openxmlformats.org/markup-compatibility/2006">
               <mc:Choice xmlns:v="urn:schemas-microsoft-com:vml" Requires="v">
-                <p:oleObj spid="_x0000_s31805" name="think-cell Slide" r:id="rId10" imgW="216" imgH="216" progId="TCLayout.ActiveDocument.1">
+                <p:oleObj spid="_x0000_s31806" name="think-cell Slide" r:id="rId10" imgW="216" imgH="216" progId="TCLayout.ActiveDocument.1">
                   <p:embed/>
                 </p:oleObj>
               </mc:Choice>
@@ -11948,7 +11948,7 @@
           <p:cNvPr id="10" name="Straight Connector 9">
             <a:extLst>
               <a:ext uri="{FF2B5EF4-FFF2-40B4-BE49-F238E27FC236}">
-                <a16:creationId xmlns="" xmlns:a16="http://schemas.microsoft.com/office/drawing/2014/main" id="{BB1AA2BE-B537-254D-958A-FBAFDE7E90DC}"/>
+                <a16:creationId xmlns:a16="http://schemas.microsoft.com/office/drawing/2014/main" id="{BB1AA2BE-B537-254D-958A-FBAFDE7E90DC}"/>
               </a:ext>
             </a:extLst>
           </p:cNvPr>
@@ -11991,7 +11991,7 @@
           <p:cNvPr id="15" name="Footer Placeholder 3">
             <a:extLst>
               <a:ext uri="{FF2B5EF4-FFF2-40B4-BE49-F238E27FC236}">
-                <a16:creationId xmlns="" xmlns:a16="http://schemas.microsoft.com/office/drawing/2014/main" id="{DBA440F4-82E0-7E45-8A6F-4A8C7572AEE5}"/>
+                <a16:creationId xmlns:a16="http://schemas.microsoft.com/office/drawing/2014/main" id="{DBA440F4-82E0-7E45-8A6F-4A8C7572AEE5}"/>
               </a:ext>
             </a:extLst>
           </p:cNvPr>
@@ -12050,7 +12050,7 @@
           <p:cNvPr id="16" name="Slide Number Placeholder 5">
             <a:extLst>
               <a:ext uri="{FF2B5EF4-FFF2-40B4-BE49-F238E27FC236}">
-                <a16:creationId xmlns="" xmlns:a16="http://schemas.microsoft.com/office/drawing/2014/main" id="{2D9636C8-FF6B-E141-B9E1-70C7091B23B1}"/>
+                <a16:creationId xmlns:a16="http://schemas.microsoft.com/office/drawing/2014/main" id="{2D9636C8-FF6B-E141-B9E1-70C7091B23B1}"/>
               </a:ext>
             </a:extLst>
           </p:cNvPr>
@@ -12417,7 +12417,7 @@
   </p:txStyles>
   <p:extLst mod="1">
     <p:ext uri="{27BBF7A9-308A-43DC-89C8-2F10F3537804}">
-      <p15:sldGuideLst xmlns="" xmlns:p15="http://schemas.microsoft.com/office/powerpoint/2012/main">
+      <p15:sldGuideLst xmlns:p15="http://schemas.microsoft.com/office/powerpoint/2012/main">
         <p15:guide id="1" orient="horz" pos="2041">
           <p15:clr>
             <a:srgbClr val="F26B43"/>
@@ -12586,7 +12586,7 @@
           <a:graphicData uri="http://schemas.openxmlformats.org/presentationml/2006/ole">
             <mc:AlternateContent xmlns:mc="http://schemas.openxmlformats.org/markup-compatibility/2006">
               <mc:Choice xmlns:v="urn:schemas-microsoft-com:vml" Requires="v">
-                <p:oleObj spid="_x0000_s36926" name="think-cell Slide" r:id="rId10" imgW="216" imgH="216" progId="TCLayout.ActiveDocument.1">
+                <p:oleObj spid="_x0000_s36927" name="think-cell Slide" r:id="rId10" imgW="216" imgH="216" progId="TCLayout.ActiveDocument.1">
                   <p:embed/>
                 </p:oleObj>
               </mc:Choice>
@@ -12706,7 +12706,7 @@
           <p:cNvPr id="10" name="Straight Connector 9">
             <a:extLst>
               <a:ext uri="{FF2B5EF4-FFF2-40B4-BE49-F238E27FC236}">
-                <a16:creationId xmlns="" xmlns:a16="http://schemas.microsoft.com/office/drawing/2014/main" id="{BB1AA2BE-B537-254D-958A-FBAFDE7E90DC}"/>
+                <a16:creationId xmlns:a16="http://schemas.microsoft.com/office/drawing/2014/main" id="{BB1AA2BE-B537-254D-958A-FBAFDE7E90DC}"/>
               </a:ext>
             </a:extLst>
           </p:cNvPr>
@@ -12749,7 +12749,7 @@
           <p:cNvPr id="15" name="Footer Placeholder 3">
             <a:extLst>
               <a:ext uri="{FF2B5EF4-FFF2-40B4-BE49-F238E27FC236}">
-                <a16:creationId xmlns="" xmlns:a16="http://schemas.microsoft.com/office/drawing/2014/main" id="{DBA440F4-82E0-7E45-8A6F-4A8C7572AEE5}"/>
+                <a16:creationId xmlns:a16="http://schemas.microsoft.com/office/drawing/2014/main" id="{DBA440F4-82E0-7E45-8A6F-4A8C7572AEE5}"/>
               </a:ext>
             </a:extLst>
           </p:cNvPr>
@@ -12808,7 +12808,7 @@
           <p:cNvPr id="16" name="Slide Number Placeholder 5">
             <a:extLst>
               <a:ext uri="{FF2B5EF4-FFF2-40B4-BE49-F238E27FC236}">
-                <a16:creationId xmlns="" xmlns:a16="http://schemas.microsoft.com/office/drawing/2014/main" id="{2D9636C8-FF6B-E141-B9E1-70C7091B23B1}"/>
+                <a16:creationId xmlns:a16="http://schemas.microsoft.com/office/drawing/2014/main" id="{2D9636C8-FF6B-E141-B9E1-70C7091B23B1}"/>
               </a:ext>
             </a:extLst>
           </p:cNvPr>
@@ -13175,7 +13175,7 @@
   </p:txStyles>
   <p:extLst mod="1">
     <p:ext uri="{27BBF7A9-308A-43DC-89C8-2F10F3537804}">
-      <p15:sldGuideLst xmlns="" xmlns:p15="http://schemas.microsoft.com/office/powerpoint/2012/main">
+      <p15:sldGuideLst xmlns:p15="http://schemas.microsoft.com/office/powerpoint/2012/main">
         <p15:guide id="1" orient="horz" pos="2041">
           <p15:clr>
             <a:srgbClr val="F26B43"/>
@@ -13339,7 +13339,7 @@
           <a:graphicData uri="http://schemas.openxmlformats.org/presentationml/2006/ole">
             <mc:AlternateContent xmlns:mc="http://schemas.openxmlformats.org/markup-compatibility/2006">
               <mc:Choice xmlns:v="urn:schemas-microsoft-com:vml" Requires="v">
-                <p:oleObj spid="_x0000_s14412" name="think-cell Slide" r:id="rId5" imgW="396" imgH="396" progId="TCLayout.ActiveDocument.1">
+                <p:oleObj spid="_x0000_s14413" name="think-cell Slide" r:id="rId5" imgW="396" imgH="396" progId="TCLayout.ActiveDocument.1">
                   <p:embed/>
                 </p:oleObj>
               </mc:Choice>
@@ -13379,7 +13379,7 @@
           <p:cNvPr id="63" name="图片 2">
             <a:extLst>
               <a:ext uri="{FF2B5EF4-FFF2-40B4-BE49-F238E27FC236}">
-                <a16:creationId xmlns="" xmlns:a16="http://schemas.microsoft.com/office/drawing/2014/main" id="{321341A2-5A29-6A47-A5DC-E12071424359}"/>
+                <a16:creationId xmlns:a16="http://schemas.microsoft.com/office/drawing/2014/main" id="{321341A2-5A29-6A47-A5DC-E12071424359}"/>
               </a:ext>
             </a:extLst>
           </p:cNvPr>
@@ -13415,7 +13415,7 @@
           <p:cNvPr id="69" name="矩形 197">
             <a:extLst>
               <a:ext uri="{FF2B5EF4-FFF2-40B4-BE49-F238E27FC236}">
-                <a16:creationId xmlns="" xmlns:a16="http://schemas.microsoft.com/office/drawing/2014/main" id="{A26E02F6-ED45-2E46-B455-D7E64937829D}"/>
+                <a16:creationId xmlns:a16="http://schemas.microsoft.com/office/drawing/2014/main" id="{A26E02F6-ED45-2E46-B455-D7E64937829D}"/>
               </a:ext>
             </a:extLst>
           </p:cNvPr>
@@ -15238,7 +15238,7 @@
           <p:cNvPr id="37" name="Straight Connector 22">
             <a:extLst>
               <a:ext uri="{FF2B5EF4-FFF2-40B4-BE49-F238E27FC236}">
-                <a16:creationId xmlns="" xmlns:a16="http://schemas.microsoft.com/office/drawing/2014/main" id="{145705CD-70A8-344F-AEB6-14ED3BCA6F5B}"/>
+                <a16:creationId xmlns:a16="http://schemas.microsoft.com/office/drawing/2014/main" id="{145705CD-70A8-344F-AEB6-14ED3BCA6F5B}"/>
               </a:ext>
             </a:extLst>
           </p:cNvPr>
@@ -15291,7 +15291,7 @@
           <p:cNvPr id="42" name="Title 2">
             <a:extLst>
               <a:ext uri="{FF2B5EF4-FFF2-40B4-BE49-F238E27FC236}">
-                <a16:creationId xmlns="" xmlns:a16="http://schemas.microsoft.com/office/drawing/2014/main" id="{2AA0B7C0-B58E-2540-93F4-0E5771E03B19}"/>
+                <a16:creationId xmlns:a16="http://schemas.microsoft.com/office/drawing/2014/main" id="{2AA0B7C0-B58E-2540-93F4-0E5771E03B19}"/>
               </a:ext>
             </a:extLst>
           </p:cNvPr>
@@ -17709,7 +17709,7 @@
           <a:graphicData uri="http://schemas.openxmlformats.org/presentationml/2006/ole">
             <mc:AlternateContent xmlns:mc="http://schemas.openxmlformats.org/markup-compatibility/2006">
               <mc:Choice xmlns:v="urn:schemas-microsoft-com:vml" Requires="v">
-                <p:oleObj spid="_x0000_s42052" name="think-cell Slide" r:id="rId6" imgW="416" imgH="416" progId="TCLayout.ActiveDocument.1">
+                <p:oleObj spid="_x0000_s42053" name="think-cell Slide" r:id="rId6" imgW="416" imgH="416" progId="TCLayout.ActiveDocument.1">
                   <p:embed/>
                 </p:oleObj>
               </mc:Choice>
@@ -18132,35 +18132,35 @@
                 <a:gridCol w="1624339">
                   <a:extLst>
                     <a:ext uri="{9D8B030D-6E8A-4147-A177-3AD203B41FA5}">
-                      <a16:colId xmlns="" xmlns:a16="http://schemas.microsoft.com/office/drawing/2014/main" val="1228268629"/>
+                      <a16:colId xmlns:a16="http://schemas.microsoft.com/office/drawing/2014/main" val="1228268629"/>
                     </a:ext>
                   </a:extLst>
                 </a:gridCol>
                 <a:gridCol w="1886015">
                   <a:extLst>
                     <a:ext uri="{9D8B030D-6E8A-4147-A177-3AD203B41FA5}">
-                      <a16:colId xmlns="" xmlns:a16="http://schemas.microsoft.com/office/drawing/2014/main" val="4045974056"/>
+                      <a16:colId xmlns:a16="http://schemas.microsoft.com/office/drawing/2014/main" val="4045974056"/>
                     </a:ext>
                   </a:extLst>
                 </a:gridCol>
                 <a:gridCol w="1428139">
                   <a:extLst>
                     <a:ext uri="{9D8B030D-6E8A-4147-A177-3AD203B41FA5}">
-                      <a16:colId xmlns="" xmlns:a16="http://schemas.microsoft.com/office/drawing/2014/main" val="2462729159"/>
+                      <a16:colId xmlns:a16="http://schemas.microsoft.com/office/drawing/2014/main" val="2462729159"/>
                     </a:ext>
                   </a:extLst>
                 </a:gridCol>
                 <a:gridCol w="2349121">
                   <a:extLst>
                     <a:ext uri="{9D8B030D-6E8A-4147-A177-3AD203B41FA5}">
-                      <a16:colId xmlns="" xmlns:a16="http://schemas.microsoft.com/office/drawing/2014/main" val="978489334"/>
+                      <a16:colId xmlns:a16="http://schemas.microsoft.com/office/drawing/2014/main" val="978489334"/>
                     </a:ext>
                   </a:extLst>
                 </a:gridCol>
                 <a:gridCol w="3777260">
                   <a:extLst>
                     <a:ext uri="{9D8B030D-6E8A-4147-A177-3AD203B41FA5}">
-                      <a16:colId xmlns="" xmlns:a16="http://schemas.microsoft.com/office/drawing/2014/main" val="988664389"/>
+                      <a16:colId xmlns:a16="http://schemas.microsoft.com/office/drawing/2014/main" val="988664389"/>
                     </a:ext>
                   </a:extLst>
                 </a:gridCol>
@@ -18330,7 +18330,7 @@
                 </a:tc>
                 <a:extLst>
                   <a:ext uri="{0D108BD9-81ED-4DB2-BD59-A6C34878D82A}">
-                    <a16:rowId xmlns="" xmlns:a16="http://schemas.microsoft.com/office/drawing/2014/main" val="1879564901"/>
+                    <a16:rowId xmlns:a16="http://schemas.microsoft.com/office/drawing/2014/main" val="1879564901"/>
                   </a:ext>
                 </a:extLst>
               </a:tr>
@@ -18565,7 +18565,7 @@
                 </a:tc>
                 <a:extLst>
                   <a:ext uri="{0D108BD9-81ED-4DB2-BD59-A6C34878D82A}">
-                    <a16:rowId xmlns="" xmlns:a16="http://schemas.microsoft.com/office/drawing/2014/main" val="359195167"/>
+                    <a16:rowId xmlns:a16="http://schemas.microsoft.com/office/drawing/2014/main" val="359195167"/>
                   </a:ext>
                 </a:extLst>
               </a:tr>
@@ -18716,7 +18716,7 @@
                 </a:tc>
                 <a:extLst>
                   <a:ext uri="{0D108BD9-81ED-4DB2-BD59-A6C34878D82A}">
-                    <a16:rowId xmlns="" xmlns:a16="http://schemas.microsoft.com/office/drawing/2014/main" val="2388008764"/>
+                    <a16:rowId xmlns:a16="http://schemas.microsoft.com/office/drawing/2014/main" val="2388008764"/>
                   </a:ext>
                 </a:extLst>
               </a:tr>
@@ -19016,7 +19016,7 @@
                 </a:tc>
                 <a:extLst>
                   <a:ext uri="{0D108BD9-81ED-4DB2-BD59-A6C34878D82A}">
-                    <a16:rowId xmlns="" xmlns:a16="http://schemas.microsoft.com/office/drawing/2014/main" val="3742758418"/>
+                    <a16:rowId xmlns:a16="http://schemas.microsoft.com/office/drawing/2014/main" val="3742758418"/>
                   </a:ext>
                 </a:extLst>
               </a:tr>
@@ -19235,7 +19235,7 @@
                 </a:tc>
                 <a:extLst>
                   <a:ext uri="{0D108BD9-81ED-4DB2-BD59-A6C34878D82A}">
-                    <a16:rowId xmlns="" xmlns:a16="http://schemas.microsoft.com/office/drawing/2014/main" val="3286601418"/>
+                    <a16:rowId xmlns:a16="http://schemas.microsoft.com/office/drawing/2014/main" val="3286601418"/>
                   </a:ext>
                 </a:extLst>
               </a:tr>
@@ -19454,7 +19454,7 @@
                 </a:tc>
                 <a:extLst>
                   <a:ext uri="{0D108BD9-81ED-4DB2-BD59-A6C34878D82A}">
-                    <a16:rowId xmlns="" xmlns:a16="http://schemas.microsoft.com/office/drawing/2014/main" val="628591838"/>
+                    <a16:rowId xmlns:a16="http://schemas.microsoft.com/office/drawing/2014/main" val="628591838"/>
                   </a:ext>
                 </a:extLst>
               </a:tr>
@@ -19662,7 +19662,7 @@
                 </a:tc>
                 <a:extLst>
                   <a:ext uri="{0D108BD9-81ED-4DB2-BD59-A6C34878D82A}">
-                    <a16:rowId xmlns="" xmlns:a16="http://schemas.microsoft.com/office/drawing/2014/main" val="1485137538"/>
+                    <a16:rowId xmlns:a16="http://schemas.microsoft.com/office/drawing/2014/main" val="1485137538"/>
                   </a:ext>
                 </a:extLst>
               </a:tr>
@@ -19895,7 +19895,7 @@
                 </a:tc>
                 <a:extLst>
                   <a:ext uri="{0D108BD9-81ED-4DB2-BD59-A6C34878D82A}">
-                    <a16:rowId xmlns="" xmlns:a16="http://schemas.microsoft.com/office/drawing/2014/main" val="1220343380"/>
+                    <a16:rowId xmlns:a16="http://schemas.microsoft.com/office/drawing/2014/main" val="1220343380"/>
                   </a:ext>
                 </a:extLst>
               </a:tr>
@@ -19932,35 +19932,35 @@
                 <a:gridCol w="2454326">
                   <a:extLst>
                     <a:ext uri="{9D8B030D-6E8A-4147-A177-3AD203B41FA5}">
-                      <a16:colId xmlns="" xmlns:a16="http://schemas.microsoft.com/office/drawing/2014/main" val="20000"/>
+                      <a16:colId xmlns:a16="http://schemas.microsoft.com/office/drawing/2014/main" val="20000"/>
                     </a:ext>
                   </a:extLst>
                 </a:gridCol>
                 <a:gridCol w="2306453">
                   <a:extLst>
                     <a:ext uri="{9D8B030D-6E8A-4147-A177-3AD203B41FA5}">
-                      <a16:colId xmlns="" xmlns:a16="http://schemas.microsoft.com/office/drawing/2014/main" val="20002"/>
+                      <a16:colId xmlns:a16="http://schemas.microsoft.com/office/drawing/2014/main" val="20002"/>
                     </a:ext>
                   </a:extLst>
                 </a:gridCol>
                 <a:gridCol w="2254336">
                   <a:extLst>
                     <a:ext uri="{9D8B030D-6E8A-4147-A177-3AD203B41FA5}">
-                      <a16:colId xmlns="" xmlns:a16="http://schemas.microsoft.com/office/drawing/2014/main" val="2575180168"/>
+                      <a16:colId xmlns:a16="http://schemas.microsoft.com/office/drawing/2014/main" val="2575180168"/>
                     </a:ext>
                   </a:extLst>
                 </a:gridCol>
                 <a:gridCol w="2355667">
                   <a:extLst>
                     <a:ext uri="{9D8B030D-6E8A-4147-A177-3AD203B41FA5}">
-                      <a16:colId xmlns="" xmlns:a16="http://schemas.microsoft.com/office/drawing/2014/main" val="20003"/>
+                      <a16:colId xmlns:a16="http://schemas.microsoft.com/office/drawing/2014/main" val="20003"/>
                     </a:ext>
                   </a:extLst>
                 </a:gridCol>
                 <a:gridCol w="1661586">
                   <a:extLst>
                     <a:ext uri="{9D8B030D-6E8A-4147-A177-3AD203B41FA5}">
-                      <a16:colId xmlns="" xmlns:a16="http://schemas.microsoft.com/office/drawing/2014/main" val="1141158204"/>
+                      <a16:colId xmlns:a16="http://schemas.microsoft.com/office/drawing/2014/main" val="1141158204"/>
                     </a:ext>
                   </a:extLst>
                 </a:gridCol>
@@ -20644,7 +20644,7 @@
                 </a:tc>
                 <a:extLst>
                   <a:ext uri="{0D108BD9-81ED-4DB2-BD59-A6C34878D82A}">
-                    <a16:rowId xmlns="" xmlns:a16="http://schemas.microsoft.com/office/drawing/2014/main" val="10000"/>
+                    <a16:rowId xmlns:a16="http://schemas.microsoft.com/office/drawing/2014/main" val="10000"/>
                   </a:ext>
                 </a:extLst>
               </a:tr>
@@ -21032,7 +21032,7 @@
                 </a:tc>
                 <a:extLst>
                   <a:ext uri="{0D108BD9-81ED-4DB2-BD59-A6C34878D82A}">
-                    <a16:rowId xmlns="" xmlns:a16="http://schemas.microsoft.com/office/drawing/2014/main" val="3242880312"/>
+                    <a16:rowId xmlns:a16="http://schemas.microsoft.com/office/drawing/2014/main" val="3242880312"/>
                   </a:ext>
                 </a:extLst>
               </a:tr>
@@ -21494,22 +21494,52 @@
                 <a:gridCol w="1632001">
                   <a:extLst>
                     <a:ext uri="{9D8B030D-6E8A-4147-A177-3AD203B41FA5}">
-                      <a16:colId xmlns="" xmlns:a16="http://schemas.microsoft.com/office/drawing/2014/main" val="20000"/>
+                      <a16:colId xmlns:a16="http://schemas.microsoft.com/office/drawing/2014/main" val="20000"/>
                     </a:ext>
                   </a:extLst>
                 </a:gridCol>
-                <a:gridCol w="1318766"/>
+                <a:gridCol w="1318766">
+                  <a:extLst>
+                    <a:ext uri="{9D8B030D-6E8A-4147-A177-3AD203B41FA5}">
+                      <a16:colId xmlns:a16="http://schemas.microsoft.com/office/drawing/2014/main" val="20002"/>
+                    </a:ext>
+                  </a:extLst>
+                </a:gridCol>
                 <a:gridCol w="2102761">
                   <a:extLst>
                     <a:ext uri="{9D8B030D-6E8A-4147-A177-3AD203B41FA5}">
-                      <a16:colId xmlns="" xmlns:a16="http://schemas.microsoft.com/office/drawing/2014/main" val="20001"/>
+                      <a16:colId xmlns:a16="http://schemas.microsoft.com/office/drawing/2014/main" val="20001"/>
                     </a:ext>
                   </a:extLst>
                 </a:gridCol>
-                <a:gridCol w="1376741"/>
-                <a:gridCol w="1685234"/>
-                <a:gridCol w="1194929"/>
-                <a:gridCol w="1769560"/>
+                <a:gridCol w="1376741">
+                  <a:extLst>
+                    <a:ext uri="{9D8B030D-6E8A-4147-A177-3AD203B41FA5}">
+                      <a16:colId xmlns:a16="http://schemas.microsoft.com/office/drawing/2014/main" val="20003"/>
+                    </a:ext>
+                  </a:extLst>
+                </a:gridCol>
+                <a:gridCol w="1685234">
+                  <a:extLst>
+                    <a:ext uri="{9D8B030D-6E8A-4147-A177-3AD203B41FA5}">
+                      <a16:colId xmlns:a16="http://schemas.microsoft.com/office/drawing/2014/main" val="20004"/>
+                    </a:ext>
+                  </a:extLst>
+                </a:gridCol>
+                <a:gridCol w="1194929">
+                  <a:extLst>
+                    <a:ext uri="{9D8B030D-6E8A-4147-A177-3AD203B41FA5}">
+                      <a16:colId xmlns:a16="http://schemas.microsoft.com/office/drawing/2014/main" val="20005"/>
+                    </a:ext>
+                  </a:extLst>
+                </a:gridCol>
+                <a:gridCol w="1769560">
+                  <a:extLst>
+                    <a:ext uri="{9D8B030D-6E8A-4147-A177-3AD203B41FA5}">
+                      <a16:colId xmlns:a16="http://schemas.microsoft.com/office/drawing/2014/main" val="20006"/>
+                    </a:ext>
+                  </a:extLst>
+                </a:gridCol>
               </a:tblGrid>
               <a:tr h="650361">
                 <a:tc>
@@ -22085,7 +22115,7 @@
                 </a:tc>
                 <a:extLst>
                   <a:ext uri="{0D108BD9-81ED-4DB2-BD59-A6C34878D82A}">
-                    <a16:rowId xmlns="" xmlns:a16="http://schemas.microsoft.com/office/drawing/2014/main" val="10000"/>
+                    <a16:rowId xmlns:a16="http://schemas.microsoft.com/office/drawing/2014/main" val="10000"/>
                   </a:ext>
                 </a:extLst>
               </a:tr>
@@ -22622,6 +22652,11 @@
                     <a:noFill/>
                   </a:tcPr>
                 </a:tc>
+                <a:extLst>
+                  <a:ext uri="{0D108BD9-81ED-4DB2-BD59-A6C34878D82A}">
+                    <a16:rowId xmlns:a16="http://schemas.microsoft.com/office/drawing/2014/main" val="10005"/>
+                  </a:ext>
+                </a:extLst>
               </a:tr>
               <a:tr h="485669">
                 <a:tc>
@@ -23156,6 +23191,11 @@
                     <a:noFill/>
                   </a:tcPr>
                 </a:tc>
+                <a:extLst>
+                  <a:ext uri="{0D108BD9-81ED-4DB2-BD59-A6C34878D82A}">
+                    <a16:rowId xmlns:a16="http://schemas.microsoft.com/office/drawing/2014/main" val="10006"/>
+                  </a:ext>
+                </a:extLst>
               </a:tr>
               <a:tr h="445945">
                 <a:tc>
@@ -23720,7 +23760,7 @@
                 </a:tc>
                 <a:extLst>
                   <a:ext uri="{0D108BD9-81ED-4DB2-BD59-A6C34878D82A}">
-                    <a16:rowId xmlns="" xmlns:a16="http://schemas.microsoft.com/office/drawing/2014/main" val="10001"/>
+                    <a16:rowId xmlns:a16="http://schemas.microsoft.com/office/drawing/2014/main" val="10001"/>
                   </a:ext>
                 </a:extLst>
               </a:tr>
@@ -24315,7 +24355,7 @@
                 </a:tc>
                 <a:extLst>
                   <a:ext uri="{0D108BD9-81ED-4DB2-BD59-A6C34878D82A}">
-                    <a16:rowId xmlns="" xmlns:a16="http://schemas.microsoft.com/office/drawing/2014/main" val="10002"/>
+                    <a16:rowId xmlns:a16="http://schemas.microsoft.com/office/drawing/2014/main" val="10002"/>
                   </a:ext>
                 </a:extLst>
               </a:tr>
@@ -24910,7 +24950,7 @@
                 </a:tc>
                 <a:extLst>
                   <a:ext uri="{0D108BD9-81ED-4DB2-BD59-A6C34878D82A}">
-                    <a16:rowId xmlns="" xmlns:a16="http://schemas.microsoft.com/office/drawing/2014/main" val="10003"/>
+                    <a16:rowId xmlns:a16="http://schemas.microsoft.com/office/drawing/2014/main" val="10003"/>
                   </a:ext>
                 </a:extLst>
               </a:tr>
@@ -25503,6 +25543,11 @@
                     <a:noFill/>
                   </a:tcPr>
                 </a:tc>
+                <a:extLst>
+                  <a:ext uri="{0D108BD9-81ED-4DB2-BD59-A6C34878D82A}">
+                    <a16:rowId xmlns:a16="http://schemas.microsoft.com/office/drawing/2014/main" val="10007"/>
+                  </a:ext>
+                </a:extLst>
               </a:tr>
               <a:tr h="445945">
                 <a:tc>
@@ -26093,6 +26138,11 @@
                     <a:noFill/>
                   </a:tcPr>
                 </a:tc>
+                <a:extLst>
+                  <a:ext uri="{0D108BD9-81ED-4DB2-BD59-A6C34878D82A}">
+                    <a16:rowId xmlns:a16="http://schemas.microsoft.com/office/drawing/2014/main" val="10008"/>
+                  </a:ext>
+                </a:extLst>
               </a:tr>
               <a:tr h="510575">
                 <a:tc>
@@ -26685,7 +26735,7 @@
                 </a:tc>
                 <a:extLst>
                   <a:ext uri="{0D108BD9-81ED-4DB2-BD59-A6C34878D82A}">
-                    <a16:rowId xmlns="" xmlns:a16="http://schemas.microsoft.com/office/drawing/2014/main" val="10004"/>
+                    <a16:rowId xmlns:a16="http://schemas.microsoft.com/office/drawing/2014/main" val="10004"/>
                   </a:ext>
                 </a:extLst>
               </a:tr>
@@ -27278,6 +27328,11 @@
                     <a:noFill/>
                   </a:tcPr>
                 </a:tc>
+                <a:extLst>
+                  <a:ext uri="{0D108BD9-81ED-4DB2-BD59-A6C34878D82A}">
+                    <a16:rowId xmlns:a16="http://schemas.microsoft.com/office/drawing/2014/main" val="10009"/>
+                  </a:ext>
+                </a:extLst>
               </a:tr>
               <a:tr h="463755">
                 <a:tc>
@@ -27854,6 +27909,11 @@
                     <a:noFill/>
                   </a:tcPr>
                 </a:tc>
+                <a:extLst>
+                  <a:ext uri="{0D108BD9-81ED-4DB2-BD59-A6C34878D82A}">
+                    <a16:rowId xmlns:a16="http://schemas.microsoft.com/office/drawing/2014/main" val="10010"/>
+                  </a:ext>
+                </a:extLst>
               </a:tr>
             </a:tbl>
           </a:graphicData>
@@ -28186,7 +28246,7 @@
                 <a:gridCol w="11048531">
                   <a:extLst>
                     <a:ext uri="{9D8B030D-6E8A-4147-A177-3AD203B41FA5}">
-                      <a16:colId xmlns="" xmlns:a16="http://schemas.microsoft.com/office/drawing/2014/main" val="1357581311"/>
+                      <a16:colId xmlns:a16="http://schemas.microsoft.com/office/drawing/2014/main" val="1357581311"/>
                     </a:ext>
                   </a:extLst>
                 </a:gridCol>
@@ -28273,7 +28333,7 @@
                 </a:tc>
                 <a:extLst>
                   <a:ext uri="{0D108BD9-81ED-4DB2-BD59-A6C34878D82A}">
-                    <a16:rowId xmlns="" xmlns:a16="http://schemas.microsoft.com/office/drawing/2014/main" val="3203583067"/>
+                    <a16:rowId xmlns:a16="http://schemas.microsoft.com/office/drawing/2014/main" val="3203583067"/>
                   </a:ext>
                 </a:extLst>
               </a:tr>
@@ -28309,21 +28369,21 @@
                 <a:gridCol w="3682842">
                   <a:extLst>
                     <a:ext uri="{9D8B030D-6E8A-4147-A177-3AD203B41FA5}">
-                      <a16:colId xmlns="" xmlns:a16="http://schemas.microsoft.com/office/drawing/2014/main" val="1109671872"/>
+                      <a16:colId xmlns:a16="http://schemas.microsoft.com/office/drawing/2014/main" val="1109671872"/>
                     </a:ext>
                   </a:extLst>
                 </a:gridCol>
                 <a:gridCol w="3682842">
                   <a:extLst>
                     <a:ext uri="{9D8B030D-6E8A-4147-A177-3AD203B41FA5}">
-                      <a16:colId xmlns="" xmlns:a16="http://schemas.microsoft.com/office/drawing/2014/main" val="390604985"/>
+                      <a16:colId xmlns:a16="http://schemas.microsoft.com/office/drawing/2014/main" val="390604985"/>
                     </a:ext>
                   </a:extLst>
                 </a:gridCol>
                 <a:gridCol w="3682842">
                   <a:extLst>
                     <a:ext uri="{9D8B030D-6E8A-4147-A177-3AD203B41FA5}">
-                      <a16:colId xmlns="" xmlns:a16="http://schemas.microsoft.com/office/drawing/2014/main" val="3548678291"/>
+                      <a16:colId xmlns:a16="http://schemas.microsoft.com/office/drawing/2014/main" val="3548678291"/>
                     </a:ext>
                   </a:extLst>
                 </a:gridCol>
@@ -28433,7 +28493,7 @@
                 </a:tc>
                 <a:extLst>
                   <a:ext uri="{0D108BD9-81ED-4DB2-BD59-A6C34878D82A}">
-                    <a16:rowId xmlns="" xmlns:a16="http://schemas.microsoft.com/office/drawing/2014/main" val="2826780448"/>
+                    <a16:rowId xmlns:a16="http://schemas.microsoft.com/office/drawing/2014/main" val="2826780448"/>
                   </a:ext>
                 </a:extLst>
               </a:tr>
@@ -28543,7 +28603,7 @@
                 </a:tc>
                 <a:extLst>
                   <a:ext uri="{0D108BD9-81ED-4DB2-BD59-A6C34878D82A}">
-                    <a16:rowId xmlns="" xmlns:a16="http://schemas.microsoft.com/office/drawing/2014/main" val="2074693909"/>
+                    <a16:rowId xmlns:a16="http://schemas.microsoft.com/office/drawing/2014/main" val="2074693909"/>
                   </a:ext>
                 </a:extLst>
               </a:tr>
@@ -28653,7 +28713,7 @@
                 </a:tc>
                 <a:extLst>
                   <a:ext uri="{0D108BD9-81ED-4DB2-BD59-A6C34878D82A}">
-                    <a16:rowId xmlns="" xmlns:a16="http://schemas.microsoft.com/office/drawing/2014/main" val="3442556936"/>
+                    <a16:rowId xmlns:a16="http://schemas.microsoft.com/office/drawing/2014/main" val="3442556936"/>
                   </a:ext>
                 </a:extLst>
               </a:tr>
@@ -28689,35 +28749,35 @@
                 <a:gridCol w="2209707">
                   <a:extLst>
                     <a:ext uri="{9D8B030D-6E8A-4147-A177-3AD203B41FA5}">
-                      <a16:colId xmlns="" xmlns:a16="http://schemas.microsoft.com/office/drawing/2014/main" val="4105844897"/>
+                      <a16:colId xmlns:a16="http://schemas.microsoft.com/office/drawing/2014/main" val="4105844897"/>
                     </a:ext>
                   </a:extLst>
                 </a:gridCol>
                 <a:gridCol w="2547324">
                   <a:extLst>
                     <a:ext uri="{9D8B030D-6E8A-4147-A177-3AD203B41FA5}">
-                      <a16:colId xmlns="" xmlns:a16="http://schemas.microsoft.com/office/drawing/2014/main" val="4142034472"/>
+                      <a16:colId xmlns:a16="http://schemas.microsoft.com/office/drawing/2014/main" val="4142034472"/>
                     </a:ext>
                   </a:extLst>
                 </a:gridCol>
                 <a:gridCol w="2601685">
                   <a:extLst>
                     <a:ext uri="{9D8B030D-6E8A-4147-A177-3AD203B41FA5}">
-                      <a16:colId xmlns="" xmlns:a16="http://schemas.microsoft.com/office/drawing/2014/main" val="2076643704"/>
+                      <a16:colId xmlns:a16="http://schemas.microsoft.com/office/drawing/2014/main" val="2076643704"/>
                     </a:ext>
                   </a:extLst>
                 </a:gridCol>
                 <a:gridCol w="1480110">
                   <a:extLst>
                     <a:ext uri="{9D8B030D-6E8A-4147-A177-3AD203B41FA5}">
-                      <a16:colId xmlns="" xmlns:a16="http://schemas.microsoft.com/office/drawing/2014/main" val="3774860856"/>
+                      <a16:colId xmlns:a16="http://schemas.microsoft.com/office/drawing/2014/main" val="3774860856"/>
                     </a:ext>
                   </a:extLst>
                 </a:gridCol>
                 <a:gridCol w="2209707">
                   <a:extLst>
                     <a:ext uri="{9D8B030D-6E8A-4147-A177-3AD203B41FA5}">
-                      <a16:colId xmlns="" xmlns:a16="http://schemas.microsoft.com/office/drawing/2014/main" val="690038618"/>
+                      <a16:colId xmlns:a16="http://schemas.microsoft.com/office/drawing/2014/main" val="690038618"/>
                     </a:ext>
                   </a:extLst>
                 </a:gridCol>
@@ -29005,7 +29065,7 @@
                 </a:tc>
                 <a:extLst>
                   <a:ext uri="{0D108BD9-81ED-4DB2-BD59-A6C34878D82A}">
-                    <a16:rowId xmlns="" xmlns:a16="http://schemas.microsoft.com/office/drawing/2014/main" val="2703049425"/>
+                    <a16:rowId xmlns:a16="http://schemas.microsoft.com/office/drawing/2014/main" val="2703049425"/>
                   </a:ext>
                 </a:extLst>
               </a:tr>
@@ -29231,7 +29291,7 @@
                 </a:tc>
                 <a:extLst>
                   <a:ext uri="{0D108BD9-81ED-4DB2-BD59-A6C34878D82A}">
-                    <a16:rowId xmlns="" xmlns:a16="http://schemas.microsoft.com/office/drawing/2014/main" val="741824064"/>
+                    <a16:rowId xmlns:a16="http://schemas.microsoft.com/office/drawing/2014/main" val="741824064"/>
                   </a:ext>
                 </a:extLst>
               </a:tr>
@@ -29474,7 +29534,7 @@
                 </a:tc>
                 <a:extLst>
                   <a:ext uri="{0D108BD9-81ED-4DB2-BD59-A6C34878D82A}">
-                    <a16:rowId xmlns="" xmlns:a16="http://schemas.microsoft.com/office/drawing/2014/main" val="3076205638"/>
+                    <a16:rowId xmlns:a16="http://schemas.microsoft.com/office/drawing/2014/main" val="3076205638"/>
                   </a:ext>
                 </a:extLst>
               </a:tr>
@@ -29719,7 +29779,7 @@
                 </a:tc>
                 <a:extLst>
                   <a:ext uri="{0D108BD9-81ED-4DB2-BD59-A6C34878D82A}">
-                    <a16:rowId xmlns="" xmlns:a16="http://schemas.microsoft.com/office/drawing/2014/main" val="2309071906"/>
+                    <a16:rowId xmlns:a16="http://schemas.microsoft.com/office/drawing/2014/main" val="2309071906"/>
                   </a:ext>
                 </a:extLst>
               </a:tr>
@@ -29943,7 +30003,7 @@
                 </a:tc>
                 <a:extLst>
                   <a:ext uri="{0D108BD9-81ED-4DB2-BD59-A6C34878D82A}">
-                    <a16:rowId xmlns="" xmlns:a16="http://schemas.microsoft.com/office/drawing/2014/main" val="932990606"/>
+                    <a16:rowId xmlns:a16="http://schemas.microsoft.com/office/drawing/2014/main" val="932990606"/>
                   </a:ext>
                 </a:extLst>
               </a:tr>
@@ -30179,7 +30239,7 @@
                 </a:tc>
                 <a:extLst>
                   <a:ext uri="{0D108BD9-81ED-4DB2-BD59-A6C34878D82A}">
-                    <a16:rowId xmlns="" xmlns:a16="http://schemas.microsoft.com/office/drawing/2014/main" val="3524779542"/>
+                    <a16:rowId xmlns:a16="http://schemas.microsoft.com/office/drawing/2014/main" val="3524779542"/>
                   </a:ext>
                 </a:extLst>
               </a:tr>
@@ -30415,7 +30475,7 @@
                 </a:tc>
                 <a:extLst>
                   <a:ext uri="{0D108BD9-81ED-4DB2-BD59-A6C34878D82A}">
-                    <a16:rowId xmlns="" xmlns:a16="http://schemas.microsoft.com/office/drawing/2014/main" val="2910126378"/>
+                    <a16:rowId xmlns:a16="http://schemas.microsoft.com/office/drawing/2014/main" val="2910126378"/>
                   </a:ext>
                 </a:extLst>
               </a:tr>
@@ -30656,7 +30716,7 @@
                 </a:tc>
                 <a:extLst>
                   <a:ext uri="{0D108BD9-81ED-4DB2-BD59-A6C34878D82A}">
-                    <a16:rowId xmlns="" xmlns:a16="http://schemas.microsoft.com/office/drawing/2014/main" val="2470890304"/>
+                    <a16:rowId xmlns:a16="http://schemas.microsoft.com/office/drawing/2014/main" val="2470890304"/>
                   </a:ext>
                 </a:extLst>
               </a:tr>
@@ -30897,7 +30957,7 @@
                 </a:tc>
                 <a:extLst>
                   <a:ext uri="{0D108BD9-81ED-4DB2-BD59-A6C34878D82A}">
-                    <a16:rowId xmlns="" xmlns:a16="http://schemas.microsoft.com/office/drawing/2014/main" val="2698866000"/>
+                    <a16:rowId xmlns:a16="http://schemas.microsoft.com/office/drawing/2014/main" val="2698866000"/>
                   </a:ext>
                 </a:extLst>
               </a:tr>
@@ -30933,7 +30993,7 @@
                 <a:gridCol w="11048534">
                   <a:extLst>
                     <a:ext uri="{9D8B030D-6E8A-4147-A177-3AD203B41FA5}">
-                      <a16:colId xmlns="" xmlns:a16="http://schemas.microsoft.com/office/drawing/2014/main" val="1357581311"/>
+                      <a16:colId xmlns:a16="http://schemas.microsoft.com/office/drawing/2014/main" val="1357581311"/>
                     </a:ext>
                   </a:extLst>
                 </a:gridCol>
@@ -31020,7 +31080,7 @@
                 </a:tc>
                 <a:extLst>
                   <a:ext uri="{0D108BD9-81ED-4DB2-BD59-A6C34878D82A}">
-                    <a16:rowId xmlns="" xmlns:a16="http://schemas.microsoft.com/office/drawing/2014/main" val="3203583067"/>
+                    <a16:rowId xmlns:a16="http://schemas.microsoft.com/office/drawing/2014/main" val="3203583067"/>
                   </a:ext>
                 </a:extLst>
               </a:tr>
@@ -31150,14 +31210,14 @@
           <p:nvPr>
             <p:extLst>
               <p:ext uri="{D42A27DB-BD31-4B8C-83A1-F6EECF244321}">
-                <p14:modId xmlns:p14="http://schemas.microsoft.com/office/powerpoint/2010/main" val="1332554040"/>
+                <p14:modId xmlns:p14="http://schemas.microsoft.com/office/powerpoint/2010/main" val="2997684753"/>
               </p:ext>
             </p:extLst>
           </p:nvPr>
         </p:nvGraphicFramePr>
         <p:xfrm>
           <a:off x="539750" y="1254424"/>
-          <a:ext cx="11079993" cy="4762914"/>
+          <a:ext cx="11079992" cy="4762914"/>
         </p:xfrm>
         <a:graphic>
           <a:graphicData uri="http://schemas.openxmlformats.org/drawingml/2006/table">
@@ -31166,17 +31226,24 @@
                 <a:tableStyleId>{5C22544A-7EE6-4342-B048-85BDC9FD1C3A}</a:tableStyleId>
               </a:tblPr>
               <a:tblGrid>
-                <a:gridCol w="2890433">
+                <a:gridCol w="2292412">
                   <a:extLst>
                     <a:ext uri="{9D8B030D-6E8A-4147-A177-3AD203B41FA5}">
-                      <a16:colId xmlns="" xmlns:a16="http://schemas.microsoft.com/office/drawing/2014/main" val="20000"/>
+                      <a16:colId xmlns:a16="http://schemas.microsoft.com/office/drawing/2014/main" val="1701192910"/>
                     </a:ext>
                   </a:extLst>
                 </a:gridCol>
-                <a:gridCol w="8189560">
+                <a:gridCol w="2292412">
                   <a:extLst>
                     <a:ext uri="{9D8B030D-6E8A-4147-A177-3AD203B41FA5}">
-                      <a16:colId xmlns="" xmlns:a16="http://schemas.microsoft.com/office/drawing/2014/main" val="20001"/>
+                      <a16:colId xmlns:a16="http://schemas.microsoft.com/office/drawing/2014/main" val="20000"/>
+                    </a:ext>
+                  </a:extLst>
+                </a:gridCol>
+                <a:gridCol w="6495168">
+                  <a:extLst>
+                    <a:ext uri="{9D8B030D-6E8A-4147-A177-3AD203B41FA5}">
+                      <a16:colId xmlns:a16="http://schemas.microsoft.com/office/drawing/2014/main" val="20001"/>
                     </a:ext>
                   </a:extLst>
                 </a:gridCol>
@@ -31193,7 +31260,7 @@
                         </a:lnSpc>
                       </a:pPr>
                       <a:r>
-                        <a:rPr lang="en-US" altLang="zh-CN" sz="1400" b="1" kern="1200" dirty="0" smtClean="0">
+                        <a:rPr lang="en-US" altLang="zh-CN" sz="1400" b="1" kern="1200" dirty="0" err="1" smtClean="0">
                           <a:solidFill>
                             <a:schemeClr val="lt1"/>
                           </a:solidFill>
@@ -31202,7 +31269,7 @@
                           <a:cs typeface="+mn-ea"/>
                           <a:sym typeface="+mn-lt"/>
                         </a:rPr>
-                        <a:t>Period </a:t>
+                        <a:t>StartTime</a:t>
                       </a:r>
                       <a:r>
                         <a:rPr lang="zh-CN" altLang="en-US" sz="1400" b="1" kern="1200" dirty="0" smtClean="0">
@@ -31214,7 +31281,7 @@
                           <a:cs typeface="+mn-ea"/>
                           <a:sym typeface="+mn-lt"/>
                         </a:rPr>
-                        <a:t>时间</a:t>
+                        <a:t>开始时间</a:t>
                       </a:r>
                       <a:endParaRPr lang="zh-CN" altLang="en-US" sz="1400" b="1" kern="1200" dirty="0">
                         <a:solidFill>
@@ -31230,6 +31297,99 @@
                   <a:tcPr marL="108522" marR="108522" marT="54261" marB="54261" anchor="ctr">
                     <a:lnL w="57150" cap="flat" cmpd="sng" algn="ctr">
                       <a:noFill/>
+                      <a:prstDash val="solid"/>
+                      <a:round/>
+                      <a:headEnd type="none" w="med" len="med"/>
+                      <a:tailEnd type="none" w="med" len="med"/>
+                    </a:lnL>
+                    <a:lnR w="12700" cap="flat" cmpd="sng" algn="ctr">
+                      <a:solidFill>
+                        <a:schemeClr val="bg1"/>
+                      </a:solidFill>
+                      <a:prstDash val="solid"/>
+                      <a:round/>
+                      <a:headEnd type="none" w="med" len="med"/>
+                      <a:tailEnd type="none" w="med" len="med"/>
+                    </a:lnR>
+                    <a:lnT w="38100" cap="flat" cmpd="sng" algn="ctr">
+                      <a:noFill/>
+                      <a:prstDash val="solid"/>
+                      <a:round/>
+                      <a:headEnd type="none" w="med" len="med"/>
+                      <a:tailEnd type="none" w="med" len="med"/>
+                    </a:lnT>
+                    <a:lnB w="6350" cap="flat" cmpd="sng" algn="ctr">
+                      <a:noFill/>
+                      <a:prstDash val="solid"/>
+                      <a:round/>
+                      <a:headEnd type="none" w="med" len="med"/>
+                      <a:tailEnd type="none" w="med" len="med"/>
+                    </a:lnB>
+                    <a:lnTlToBr w="12700" cmpd="sng">
+                      <a:noFill/>
+                      <a:prstDash val="solid"/>
+                    </a:lnTlToBr>
+                    <a:lnBlToTr w="12700" cmpd="sng">
+                      <a:noFill/>
+                      <a:prstDash val="solid"/>
+                    </a:lnBlToTr>
+                    <a:solidFill>
+                      <a:schemeClr val="accent1">
+                        <a:lumMod val="50000"/>
+                      </a:schemeClr>
+                    </a:solidFill>
+                  </a:tcPr>
+                </a:tc>
+                <a:tc>
+                  <a:txBody>
+                    <a:bodyPr/>
+                    <a:lstStyle/>
+                    <a:p>
+                      <a:pPr marL="0" algn="ctr" defTabSz="685792" rtl="0" eaLnBrk="1" latinLnBrk="0" hangingPunct="1">
+                        <a:lnSpc>
+                          <a:spcPct val="130000"/>
+                        </a:lnSpc>
+                      </a:pPr>
+                      <a:r>
+                        <a:rPr lang="en-US" altLang="zh-CN" sz="1400" b="1" kern="1200" smtClean="0">
+                          <a:solidFill>
+                            <a:schemeClr val="lt1"/>
+                          </a:solidFill>
+                          <a:latin typeface="+mn-lt"/>
+                          <a:ea typeface="+mn-ea"/>
+                          <a:cs typeface="+mn-ea"/>
+                          <a:sym typeface="+mn-lt"/>
+                        </a:rPr>
+                        <a:t>EndTime </a:t>
+                      </a:r>
+                      <a:r>
+                        <a:rPr lang="zh-CN" altLang="en-US" sz="1400" b="1" kern="1200" dirty="0" smtClean="0">
+                          <a:solidFill>
+                            <a:schemeClr val="lt1"/>
+                          </a:solidFill>
+                          <a:latin typeface="+mn-lt"/>
+                          <a:ea typeface="+mn-ea"/>
+                          <a:cs typeface="+mn-ea"/>
+                          <a:sym typeface="+mn-lt"/>
+                        </a:rPr>
+                        <a:t>结束时间</a:t>
+                      </a:r>
+                      <a:endParaRPr lang="zh-CN" altLang="en-US" sz="1400" b="1" kern="1200" dirty="0">
+                        <a:solidFill>
+                          <a:schemeClr val="lt1"/>
+                        </a:solidFill>
+                        <a:latin typeface="+mn-lt"/>
+                        <a:ea typeface="+mn-ea"/>
+                        <a:cs typeface="+mn-ea"/>
+                        <a:sym typeface="+mn-lt"/>
+                      </a:endParaRPr>
+                    </a:p>
+                  </a:txBody>
+                  <a:tcPr marL="108522" marR="108522" marT="54261" marB="54261" anchor="ctr">
+                    <a:lnL w="12700" cap="flat" cmpd="sng" algn="ctr">
+                      <a:solidFill>
+                        <a:schemeClr val="bg1"/>
+                      </a:solidFill>
                       <a:prstDash val="solid"/>
                       <a:round/>
                       <a:headEnd type="none" w="med" len="med"/>
@@ -31366,7 +31526,7 @@
                 </a:tc>
                 <a:extLst>
                   <a:ext uri="{0D108BD9-81ED-4DB2-BD59-A6C34878D82A}">
-                    <a16:rowId xmlns="" xmlns:a16="http://schemas.microsoft.com/office/drawing/2014/main" val="10000"/>
+                    <a16:rowId xmlns:a16="http://schemas.microsoft.com/office/drawing/2014/main" val="10000"/>
                   </a:ext>
                 </a:extLst>
               </a:tr>
@@ -31456,6 +31616,86 @@
                     <a:bodyPr/>
                     <a:lstStyle/>
                     <a:p>
+                      <a:pPr marL="0" marR="0" lvl="0" indent="0" algn="ctr" defTabSz="685792" rtl="0" eaLnBrk="1" fontAlgn="auto" latinLnBrk="0" hangingPunct="1">
+                        <a:lnSpc>
+                          <a:spcPct val="130000"/>
+                        </a:lnSpc>
+                        <a:spcBef>
+                          <a:spcPts val="0"/>
+                        </a:spcBef>
+                        <a:spcAft>
+                          <a:spcPts val="0"/>
+                        </a:spcAft>
+                        <a:buClrTx/>
+                        <a:buSzTx/>
+                        <a:buFontTx/>
+                        <a:buNone/>
+                        <a:tabLst/>
+                        <a:defRPr/>
+                      </a:pPr>
+                      <a:endParaRPr lang="en-US" sz="1200" b="0" kern="1200" dirty="0" smtClean="0">
+                        <a:solidFill>
+                          <a:schemeClr val="tx1">
+                            <a:lumMod val="75000"/>
+                            <a:lumOff val="25000"/>
+                          </a:schemeClr>
+                        </a:solidFill>
+                        <a:latin typeface="+mn-lt"/>
+                        <a:ea typeface="+mn-ea"/>
+                        <a:cs typeface="+mn-ea"/>
+                        <a:sym typeface="+mn-lt"/>
+                      </a:endParaRPr>
+                    </a:p>
+                  </a:txBody>
+                  <a:tcPr marL="108666" marR="108666" marT="108522" marB="108522" anchor="ctr">
+                    <a:lnL w="57150" cap="flat" cmpd="sng" algn="ctr">
+                      <a:noFill/>
+                      <a:prstDash val="solid"/>
+                      <a:round/>
+                      <a:headEnd type="none" w="med" len="med"/>
+                      <a:tailEnd type="none" w="med" len="med"/>
+                    </a:lnL>
+                    <a:lnR w="3175" cap="flat" cmpd="sng" algn="ctr">
+                      <a:noFill/>
+                      <a:prstDash val="solid"/>
+                      <a:round/>
+                      <a:headEnd type="none" w="med" len="med"/>
+                      <a:tailEnd type="none" w="med" len="med"/>
+                    </a:lnR>
+                    <a:lnT w="6350" cap="flat" cmpd="sng" algn="ctr">
+                      <a:noFill/>
+                      <a:prstDash val="solid"/>
+                      <a:round/>
+                      <a:headEnd type="none" w="med" len="med"/>
+                      <a:tailEnd type="none" w="med" len="med"/>
+                    </a:lnT>
+                    <a:lnB w="3175" cap="flat" cmpd="sng" algn="ctr">
+                      <a:solidFill>
+                        <a:schemeClr val="bg1">
+                          <a:lumMod val="75000"/>
+                        </a:schemeClr>
+                      </a:solidFill>
+                      <a:prstDash val="sysDot"/>
+                      <a:round/>
+                      <a:headEnd type="none" w="med" len="med"/>
+                      <a:tailEnd type="none" w="med" len="med"/>
+                    </a:lnB>
+                    <a:lnTlToBr w="12700" cmpd="sng">
+                      <a:noFill/>
+                      <a:prstDash val="solid"/>
+                    </a:lnTlToBr>
+                    <a:lnBlToTr w="12700" cmpd="sng">
+                      <a:noFill/>
+                      <a:prstDash val="solid"/>
+                    </a:lnBlToTr>
+                    <a:noFill/>
+                  </a:tcPr>
+                </a:tc>
+                <a:tc>
+                  <a:txBody>
+                    <a:bodyPr/>
+                    <a:lstStyle/>
+                    <a:p>
                       <a:pPr marL="0" marR="0" lvl="0" indent="0" algn="l" defTabSz="685792" rtl="0" eaLnBrk="1" fontAlgn="auto" latinLnBrk="0" hangingPunct="1">
                         <a:lnSpc>
                           <a:spcPct val="130000"/>
@@ -31533,7 +31773,7 @@
                 </a:tc>
                 <a:extLst>
                   <a:ext uri="{0D108BD9-81ED-4DB2-BD59-A6C34878D82A}">
-                    <a16:rowId xmlns="" xmlns:a16="http://schemas.microsoft.com/office/drawing/2014/main" val="10001"/>
+                    <a16:rowId xmlns:a16="http://schemas.microsoft.com/office/drawing/2014/main" val="10001"/>
                   </a:ext>
                 </a:extLst>
               </a:tr>
@@ -31627,6 +31867,90 @@
                     <a:bodyPr/>
                     <a:lstStyle/>
                     <a:p>
+                      <a:pPr marL="0" marR="0" lvl="0" indent="0" algn="ctr" defTabSz="685792" rtl="0" eaLnBrk="1" fontAlgn="auto" latinLnBrk="0" hangingPunct="1">
+                        <a:lnSpc>
+                          <a:spcPct val="130000"/>
+                        </a:lnSpc>
+                        <a:spcBef>
+                          <a:spcPts val="0"/>
+                        </a:spcBef>
+                        <a:spcAft>
+                          <a:spcPts val="0"/>
+                        </a:spcAft>
+                        <a:buClrTx/>
+                        <a:buSzTx/>
+                        <a:buFontTx/>
+                        <a:buNone/>
+                        <a:tabLst/>
+                        <a:defRPr/>
+                      </a:pPr>
+                      <a:endParaRPr lang="zh-CN" altLang="en-US" sz="1200" b="0" kern="1200" dirty="0">
+                        <a:solidFill>
+                          <a:schemeClr val="tx1">
+                            <a:lumMod val="75000"/>
+                            <a:lumOff val="25000"/>
+                          </a:schemeClr>
+                        </a:solidFill>
+                        <a:latin typeface="+mn-lt"/>
+                        <a:ea typeface="+mn-ea"/>
+                        <a:cs typeface="+mn-ea"/>
+                        <a:sym typeface="+mn-lt"/>
+                      </a:endParaRPr>
+                    </a:p>
+                  </a:txBody>
+                  <a:tcPr marL="108666" marR="108666" marT="108522" marB="108522" anchor="ctr">
+                    <a:lnL w="57150" cap="flat" cmpd="sng" algn="ctr">
+                      <a:noFill/>
+                      <a:prstDash val="solid"/>
+                      <a:round/>
+                      <a:headEnd type="none" w="med" len="med"/>
+                      <a:tailEnd type="none" w="med" len="med"/>
+                    </a:lnL>
+                    <a:lnR w="3175" cap="flat" cmpd="sng" algn="ctr">
+                      <a:noFill/>
+                      <a:prstDash val="solid"/>
+                      <a:round/>
+                      <a:headEnd type="none" w="med" len="med"/>
+                      <a:tailEnd type="none" w="med" len="med"/>
+                    </a:lnR>
+                    <a:lnT w="3175" cap="flat" cmpd="sng" algn="ctr">
+                      <a:solidFill>
+                        <a:schemeClr val="bg1">
+                          <a:lumMod val="75000"/>
+                        </a:schemeClr>
+                      </a:solidFill>
+                      <a:prstDash val="sysDot"/>
+                      <a:round/>
+                      <a:headEnd type="none" w="med" len="med"/>
+                      <a:tailEnd type="none" w="med" len="med"/>
+                    </a:lnT>
+                    <a:lnB w="3175" cap="flat" cmpd="sng" algn="ctr">
+                      <a:solidFill>
+                        <a:schemeClr val="bg1">
+                          <a:lumMod val="75000"/>
+                        </a:schemeClr>
+                      </a:solidFill>
+                      <a:prstDash val="sysDot"/>
+                      <a:round/>
+                      <a:headEnd type="none" w="med" len="med"/>
+                      <a:tailEnd type="none" w="med" len="med"/>
+                    </a:lnB>
+                    <a:lnTlToBr w="12700" cmpd="sng">
+                      <a:noFill/>
+                      <a:prstDash val="solid"/>
+                    </a:lnTlToBr>
+                    <a:lnBlToTr w="12700" cmpd="sng">
+                      <a:noFill/>
+                      <a:prstDash val="solid"/>
+                    </a:lnBlToTr>
+                    <a:noFill/>
+                  </a:tcPr>
+                </a:tc>
+                <a:tc>
+                  <a:txBody>
+                    <a:bodyPr/>
+                    <a:lstStyle/>
+                    <a:p>
                       <a:pPr marL="0" marR="0" lvl="0" indent="0" algn="l" defTabSz="685792" rtl="0" eaLnBrk="1" fontAlgn="auto" latinLnBrk="0" hangingPunct="1">
                         <a:lnSpc>
                           <a:spcPct val="130000"/>
@@ -31708,7 +32032,7 @@
                 </a:tc>
                 <a:extLst>
                   <a:ext uri="{0D108BD9-81ED-4DB2-BD59-A6C34878D82A}">
-                    <a16:rowId xmlns="" xmlns:a16="http://schemas.microsoft.com/office/drawing/2014/main" val="10002"/>
+                    <a16:rowId xmlns:a16="http://schemas.microsoft.com/office/drawing/2014/main" val="10002"/>
                   </a:ext>
                 </a:extLst>
               </a:tr>
@@ -31802,6 +32126,90 @@
                     <a:bodyPr/>
                     <a:lstStyle/>
                     <a:p>
+                      <a:pPr marL="0" marR="0" lvl="0" indent="0" algn="ctr" defTabSz="685792" rtl="0" eaLnBrk="1" fontAlgn="auto" latinLnBrk="0" hangingPunct="1">
+                        <a:lnSpc>
+                          <a:spcPct val="130000"/>
+                        </a:lnSpc>
+                        <a:spcBef>
+                          <a:spcPts val="0"/>
+                        </a:spcBef>
+                        <a:spcAft>
+                          <a:spcPts val="0"/>
+                        </a:spcAft>
+                        <a:buClrTx/>
+                        <a:buSzTx/>
+                        <a:buFontTx/>
+                        <a:buNone/>
+                        <a:tabLst/>
+                        <a:defRPr/>
+                      </a:pPr>
+                      <a:endParaRPr lang="zh-CN" altLang="en-US" sz="1200" b="0" kern="1200" dirty="0">
+                        <a:solidFill>
+                          <a:schemeClr val="tx1">
+                            <a:lumMod val="75000"/>
+                            <a:lumOff val="25000"/>
+                          </a:schemeClr>
+                        </a:solidFill>
+                        <a:latin typeface="+mn-lt"/>
+                        <a:ea typeface="+mn-ea"/>
+                        <a:cs typeface="+mn-ea"/>
+                        <a:sym typeface="+mn-lt"/>
+                      </a:endParaRPr>
+                    </a:p>
+                  </a:txBody>
+                  <a:tcPr marL="108666" marR="108666" marT="108522" marB="108522" anchor="ctr">
+                    <a:lnL w="57150" cap="flat" cmpd="sng" algn="ctr">
+                      <a:noFill/>
+                      <a:prstDash val="solid"/>
+                      <a:round/>
+                      <a:headEnd type="none" w="med" len="med"/>
+                      <a:tailEnd type="none" w="med" len="med"/>
+                    </a:lnL>
+                    <a:lnR w="3175" cap="flat" cmpd="sng" algn="ctr">
+                      <a:noFill/>
+                      <a:prstDash val="solid"/>
+                      <a:round/>
+                      <a:headEnd type="none" w="med" len="med"/>
+                      <a:tailEnd type="none" w="med" len="med"/>
+                    </a:lnR>
+                    <a:lnT w="3175" cap="flat" cmpd="sng" algn="ctr">
+                      <a:solidFill>
+                        <a:schemeClr val="bg1">
+                          <a:lumMod val="75000"/>
+                        </a:schemeClr>
+                      </a:solidFill>
+                      <a:prstDash val="sysDot"/>
+                      <a:round/>
+                      <a:headEnd type="none" w="med" len="med"/>
+                      <a:tailEnd type="none" w="med" len="med"/>
+                    </a:lnT>
+                    <a:lnB w="3175" cap="flat" cmpd="sng" algn="ctr">
+                      <a:solidFill>
+                        <a:schemeClr val="bg1">
+                          <a:lumMod val="75000"/>
+                        </a:schemeClr>
+                      </a:solidFill>
+                      <a:prstDash val="sysDot"/>
+                      <a:round/>
+                      <a:headEnd type="none" w="med" len="med"/>
+                      <a:tailEnd type="none" w="med" len="med"/>
+                    </a:lnB>
+                    <a:lnTlToBr w="12700" cmpd="sng">
+                      <a:noFill/>
+                      <a:prstDash val="solid"/>
+                    </a:lnTlToBr>
+                    <a:lnBlToTr w="12700" cmpd="sng">
+                      <a:noFill/>
+                      <a:prstDash val="solid"/>
+                    </a:lnBlToTr>
+                    <a:noFill/>
+                  </a:tcPr>
+                </a:tc>
+                <a:tc>
+                  <a:txBody>
+                    <a:bodyPr/>
+                    <a:lstStyle/>
+                    <a:p>
                       <a:pPr marL="0" marR="0" lvl="0" indent="0" algn="l" defTabSz="685792" rtl="0" eaLnBrk="1" fontAlgn="auto" latinLnBrk="0" hangingPunct="1">
                         <a:lnSpc>
                           <a:spcPct val="130000"/>
@@ -31883,7 +32291,7 @@
                 </a:tc>
                 <a:extLst>
                   <a:ext uri="{0D108BD9-81ED-4DB2-BD59-A6C34878D82A}">
-                    <a16:rowId xmlns="" xmlns:a16="http://schemas.microsoft.com/office/drawing/2014/main" val="10003"/>
+                    <a16:rowId xmlns:a16="http://schemas.microsoft.com/office/drawing/2014/main" val="10003"/>
                   </a:ext>
                 </a:extLst>
               </a:tr>
@@ -31975,6 +32383,88 @@
                     <a:bodyPr/>
                     <a:lstStyle/>
                     <a:p>
+                      <a:pPr marL="0" marR="0" lvl="0" indent="0" algn="ctr" defTabSz="685792" rtl="0" eaLnBrk="1" fontAlgn="auto" latinLnBrk="0" hangingPunct="1">
+                        <a:lnSpc>
+                          <a:spcPct val="130000"/>
+                        </a:lnSpc>
+                        <a:spcBef>
+                          <a:spcPts val="0"/>
+                        </a:spcBef>
+                        <a:spcAft>
+                          <a:spcPts val="0"/>
+                        </a:spcAft>
+                        <a:buClrTx/>
+                        <a:buSzTx/>
+                        <a:buFontTx/>
+                        <a:buNone/>
+                        <a:tabLst/>
+                        <a:defRPr/>
+                      </a:pPr>
+                      <a:endParaRPr lang="zh-CN" altLang="en-US" sz="1200" b="0" kern="1200" dirty="0">
+                        <a:solidFill>
+                          <a:schemeClr val="tx1">
+                            <a:lumMod val="75000"/>
+                            <a:lumOff val="25000"/>
+                          </a:schemeClr>
+                        </a:solidFill>
+                        <a:latin typeface="+mn-lt"/>
+                        <a:ea typeface="+mn-ea"/>
+                        <a:cs typeface="+mn-ea"/>
+                        <a:sym typeface="+mn-lt"/>
+                      </a:endParaRPr>
+                    </a:p>
+                  </a:txBody>
+                  <a:tcPr marL="108666" marR="108666" marT="108522" marB="108522" anchor="ctr">
+                    <a:lnL w="57150" cap="flat" cmpd="sng" algn="ctr">
+                      <a:noFill/>
+                      <a:prstDash val="solid"/>
+                      <a:round/>
+                      <a:headEnd type="none" w="med" len="med"/>
+                      <a:tailEnd type="none" w="med" len="med"/>
+                    </a:lnL>
+                    <a:lnR w="3175" cap="flat" cmpd="sng" algn="ctr">
+                      <a:noFill/>
+                      <a:prstDash val="solid"/>
+                      <a:round/>
+                      <a:headEnd type="none" w="med" len="med"/>
+                      <a:tailEnd type="none" w="med" len="med"/>
+                    </a:lnR>
+                    <a:lnT w="3175" cap="flat" cmpd="sng" algn="ctr">
+                      <a:solidFill>
+                        <a:schemeClr val="bg1">
+                          <a:lumMod val="75000"/>
+                        </a:schemeClr>
+                      </a:solidFill>
+                      <a:prstDash val="sysDot"/>
+                      <a:round/>
+                      <a:headEnd type="none" w="med" len="med"/>
+                      <a:tailEnd type="none" w="med" len="med"/>
+                    </a:lnT>
+                    <a:lnB w="6350" cap="flat" cmpd="sng" algn="ctr">
+                      <a:solidFill>
+                        <a:srgbClr val="BBBCBC"/>
+                      </a:solidFill>
+                      <a:prstDash val="solid"/>
+                      <a:round/>
+                      <a:headEnd type="none" w="med" len="med"/>
+                      <a:tailEnd type="none" w="med" len="med"/>
+                    </a:lnB>
+                    <a:lnTlToBr w="12700" cmpd="sng">
+                      <a:noFill/>
+                      <a:prstDash val="solid"/>
+                    </a:lnTlToBr>
+                    <a:lnBlToTr w="12700" cmpd="sng">
+                      <a:noFill/>
+                      <a:prstDash val="solid"/>
+                    </a:lnBlToTr>
+                    <a:noFill/>
+                  </a:tcPr>
+                </a:tc>
+                <a:tc>
+                  <a:txBody>
+                    <a:bodyPr/>
+                    <a:lstStyle/>
+                    <a:p>
                       <a:pPr marL="0" marR="0" lvl="0" indent="0" algn="l" defTabSz="685792" rtl="0" eaLnBrk="1" fontAlgn="auto" latinLnBrk="0" hangingPunct="1">
                         <a:lnSpc>
                           <a:spcPct val="130000"/>
@@ -32054,7 +32544,7 @@
                 </a:tc>
                 <a:extLst>
                   <a:ext uri="{0D108BD9-81ED-4DB2-BD59-A6C34878D82A}">
-                    <a16:rowId xmlns="" xmlns:a16="http://schemas.microsoft.com/office/drawing/2014/main" val="10004"/>
+                    <a16:rowId xmlns:a16="http://schemas.microsoft.com/office/drawing/2014/main" val="10004"/>
                   </a:ext>
                 </a:extLst>
               </a:tr>
@@ -33403,7 +33893,7 @@
           <a:graphicData uri="http://schemas.openxmlformats.org/presentationml/2006/ole">
             <mc:AlternateContent xmlns:mc="http://schemas.openxmlformats.org/markup-compatibility/2006">
               <mc:Choice xmlns:v="urn:schemas-microsoft-com:vml" Requires="v">
-                <p:oleObj spid="_x0000_s44093" name="think-cell Slide" r:id="rId5" imgW="416" imgH="416" progId="TCLayout.ActiveDocument.1">
+                <p:oleObj spid="_x0000_s44094" name="think-cell Slide" r:id="rId5" imgW="416" imgH="416" progId="TCLayout.ActiveDocument.1">
                   <p:embed/>
                 </p:oleObj>
               </mc:Choice>
@@ -34693,7 +35183,7 @@
   <a:extraClrSchemeLst/>
   <a:extLst>
     <a:ext uri="{05A4C25C-085E-4340-85A3-A5531E510DB2}">
-      <thm15:themeFamily xmlns="" xmlns:thm15="http://schemas.microsoft.com/office/thememl/2012/main" name="Office Theme" id="{62F939B6-93AF-4DB8-9C6B-D6C7DFDC589F}" vid="{4A3C46E8-61CC-4603-A589-7422A47A8E4A}"/>
+      <thm15:themeFamily xmlns:thm15="http://schemas.microsoft.com/office/thememl/2012/main" name="Office Theme" id="{62F939B6-93AF-4DB8-9C6B-D6C7DFDC589F}" vid="{4A3C46E8-61CC-4603-A589-7422A47A8E4A}"/>
     </a:ext>
   </a:extLst>
 </a:theme>
@@ -34927,7 +35417,7 @@
   <a:extraClrSchemeLst/>
   <a:extLst>
     <a:ext uri="{05A4C25C-085E-4340-85A3-A5531E510DB2}">
-      <thm15:themeFamily xmlns="" xmlns:thm15="http://schemas.microsoft.com/office/thememl/2012/main" name="Bentley template 2021.potx" id="{C9F80F40-B2B1-4DB6-919B-71F3AAFFE5B0}" vid="{F9D38CA0-4F02-4029-A6BC-9642EF690A5C}"/>
+      <thm15:themeFamily xmlns:thm15="http://schemas.microsoft.com/office/thememl/2012/main" name="Bentley template 2021.potx" id="{C9F80F40-B2B1-4DB6-919B-71F3AAFFE5B0}" vid="{F9D38CA0-4F02-4029-A6BC-9642EF690A5C}"/>
     </a:ext>
   </a:extLst>
 </a:theme>
@@ -35161,7 +35651,7 @@
   <a:extraClrSchemeLst/>
   <a:extLst>
     <a:ext uri="{05A4C25C-085E-4340-85A3-A5531E510DB2}">
-      <thm15:themeFamily xmlns="" xmlns:thm15="http://schemas.microsoft.com/office/thememl/2012/main" name="Bentley template 2021.potx" id="{C9F80F40-B2B1-4DB6-919B-71F3AAFFE5B0}" vid="{F9D38CA0-4F02-4029-A6BC-9642EF690A5C}"/>
+      <thm15:themeFamily xmlns:thm15="http://schemas.microsoft.com/office/thememl/2012/main" name="Bentley template 2021.potx" id="{C9F80F40-B2B1-4DB6-919B-71F3AAFFE5B0}" vid="{F9D38CA0-4F02-4029-A6BC-9642EF690A5C}"/>
     </a:ext>
   </a:extLst>
 </a:theme>
@@ -35422,7 +35912,7 @@
   <a:extraClrSchemeLst/>
   <a:extLst>
     <a:ext uri="{05A4C25C-085E-4340-85A3-A5531E510DB2}">
-      <thm15:themeFamily xmlns="" xmlns:thm15="http://schemas.microsoft.com/office/thememl/2012/main" name="Office Theme" id="{62F939B6-93AF-4DB8-9C6B-D6C7DFDC589F}" vid="{4A3C46E8-61CC-4603-A589-7422A47A8E4A}"/>
+      <thm15:themeFamily xmlns:thm15="http://schemas.microsoft.com/office/thememl/2012/main" name="Office Theme" id="{62F939B6-93AF-4DB8-9C6B-D6C7DFDC589F}" vid="{4A3C46E8-61CC-4603-A589-7422A47A8E4A}"/>
     </a:ext>
   </a:extLst>
 </a:theme>

--- a/com.yrtech.bentleyAPI/com.yrtech.InventoryAPI/template/ReportOffLine.pptx
+++ b/com.yrtech.bentleyAPI/com.yrtech.InventoryAPI/template/ReportOffLine.pptx
@@ -126,7 +126,7 @@
   </p:defaultTextStyle>
   <p:extLst>
     <p:ext uri="{EFAFB233-063F-42B5-8137-9DF3F51BA10A}">
-      <p15:sldGuideLst xmlns:p15="http://schemas.microsoft.com/office/powerpoint/2012/main">
+      <p15:sldGuideLst xmlns:p15="http://schemas.microsoft.com/office/powerpoint/2012/main" xmlns="">
         <p15:guide id="1" pos="7310" userDrawn="1">
           <p15:clr>
             <a:srgbClr val="A4A3A4"/>
@@ -225,7 +225,7 @@
           <a:p>
             <a:fld id="{69A4D669-94F9-4D70-8C76-4C2D35D4E5D0}" type="datetimeFigureOut">
               <a:rPr lang="en-US" smtClean="0"/>
-              <a:t>4/23/2022</a:t>
+              <a:t>4/24/2022</a:t>
             </a:fld>
             <a:endParaRPr lang="en-US"/>
           </a:p>
@@ -1866,7 +1866,7 @@
           <a:p>
             <a:fld id="{CB9F8517-1271-4F8B-9742-ECB8BBF22693}" type="datetimeFigureOut">
               <a:rPr lang="en-US" smtClean="0"/>
-              <a:t>4/23/2022</a:t>
+              <a:t>4/24/2022</a:t>
             </a:fld>
             <a:endParaRPr lang="en-US"/>
           </a:p>
@@ -2036,7 +2036,7 @@
           <a:p>
             <a:fld id="{CB9F8517-1271-4F8B-9742-ECB8BBF22693}" type="datetimeFigureOut">
               <a:rPr lang="en-US" smtClean="0"/>
-              <a:t>4/23/2022</a:t>
+              <a:t>4/24/2022</a:t>
             </a:fld>
             <a:endParaRPr lang="en-US"/>
           </a:p>
@@ -2216,7 +2216,7 @@
           <a:p>
             <a:fld id="{CB9F8517-1271-4F8B-9742-ECB8BBF22693}" type="datetimeFigureOut">
               <a:rPr lang="en-US" smtClean="0"/>
-              <a:t>4/23/2022</a:t>
+              <a:t>4/24/2022</a:t>
             </a:fld>
             <a:endParaRPr lang="en-US"/>
           </a:p>
@@ -2314,7 +2314,7 @@
           <a:graphicData uri="http://schemas.openxmlformats.org/presentationml/2006/ole">
             <mc:AlternateContent xmlns:mc="http://schemas.openxmlformats.org/markup-compatibility/2006">
               <mc:Choice xmlns:v="urn:schemas-microsoft-com:vml" Requires="v">
-                <p:oleObj spid="_x0000_s3146" name="think-cell Slide" r:id="rId4" imgW="216" imgH="216" progId="TCLayout.ActiveDocument.1">
+                <p:oleObj spid="_x0000_s3153" name="think-cell Slide" r:id="rId4" imgW="216" imgH="216" progId="TCLayout.ActiveDocument.1">
                   <p:embed/>
                 </p:oleObj>
               </mc:Choice>
@@ -2354,7 +2354,7 @@
           <p:cNvPr id="8" name="Title 7">
             <a:extLst>
               <a:ext uri="{FF2B5EF4-FFF2-40B4-BE49-F238E27FC236}">
-                <a16:creationId xmlns:a16="http://schemas.microsoft.com/office/drawing/2014/main" id="{8A6F1540-D306-D44E-B1B3-1ACCF1041F70}"/>
+                <a16:creationId xmlns:a16="http://schemas.microsoft.com/office/drawing/2014/main" xmlns="" id="{8A6F1540-D306-D44E-B1B3-1ACCF1041F70}"/>
               </a:ext>
             </a:extLst>
           </p:cNvPr>
@@ -3150,7 +3150,7 @@
           <p:cNvPr id="37" name="Footer Placeholder 3">
             <a:extLst>
               <a:ext uri="{FF2B5EF4-FFF2-40B4-BE49-F238E27FC236}">
-                <a16:creationId xmlns:a16="http://schemas.microsoft.com/office/drawing/2014/main" id="{DBA440F4-82E0-7E45-8A6F-4A8C7572AEE5}"/>
+                <a16:creationId xmlns:a16="http://schemas.microsoft.com/office/drawing/2014/main" xmlns="" id="{DBA440F4-82E0-7E45-8A6F-4A8C7572AEE5}"/>
               </a:ext>
             </a:extLst>
           </p:cNvPr>
@@ -3209,7 +3209,7 @@
           <p:cNvPr id="38" name="Slide Number Placeholder 5">
             <a:extLst>
               <a:ext uri="{FF2B5EF4-FFF2-40B4-BE49-F238E27FC236}">
-                <a16:creationId xmlns:a16="http://schemas.microsoft.com/office/drawing/2014/main" id="{CC67CD5C-67EC-5144-B858-5347C50D1ACD}"/>
+                <a16:creationId xmlns:a16="http://schemas.microsoft.com/office/drawing/2014/main" xmlns="" id="{CC67CD5C-67EC-5144-B858-5347C50D1ACD}"/>
               </a:ext>
             </a:extLst>
           </p:cNvPr>
@@ -3256,7 +3256,7 @@
           <p:cNvPr id="39" name="Straight Connector 38">
             <a:extLst>
               <a:ext uri="{FF2B5EF4-FFF2-40B4-BE49-F238E27FC236}">
-                <a16:creationId xmlns:a16="http://schemas.microsoft.com/office/drawing/2014/main" id="{95C486A1-9876-924E-85C2-906892F8B9AC}"/>
+                <a16:creationId xmlns:a16="http://schemas.microsoft.com/office/drawing/2014/main" xmlns="" id="{95C486A1-9876-924E-85C2-906892F8B9AC}"/>
               </a:ext>
             </a:extLst>
           </p:cNvPr>
@@ -3352,7 +3352,7 @@
           <a:graphicData uri="http://schemas.openxmlformats.org/presentationml/2006/ole">
             <mc:AlternateContent xmlns:mc="http://schemas.openxmlformats.org/markup-compatibility/2006">
               <mc:Choice xmlns:v="urn:schemas-microsoft-com:vml" Requires="v">
-                <p:oleObj spid="_x0000_s32830" name="think-cell Slide" r:id="rId5" imgW="216" imgH="216" progId="TCLayout.ActiveDocument.1">
+                <p:oleObj spid="_x0000_s32837" name="think-cell Slide" r:id="rId5" imgW="216" imgH="216" progId="TCLayout.ActiveDocument.1">
                   <p:embed/>
                 </p:oleObj>
               </mc:Choice>
@@ -3549,7 +3549,7 @@
           <p:cNvPr id="4" name="Footer Placeholder 3">
             <a:extLst>
               <a:ext uri="{FF2B5EF4-FFF2-40B4-BE49-F238E27FC236}">
-                <a16:creationId xmlns:a16="http://schemas.microsoft.com/office/drawing/2014/main" id="{17D6DE4C-D976-4B4B-B087-C035EF8D4F6F}"/>
+                <a16:creationId xmlns:a16="http://schemas.microsoft.com/office/drawing/2014/main" xmlns="" id="{17D6DE4C-D976-4B4B-B087-C035EF8D4F6F}"/>
               </a:ext>
             </a:extLst>
           </p:cNvPr>
@@ -3608,7 +3608,7 @@
           <p:cNvPr id="13" name="Straight Connector 12">
             <a:extLst>
               <a:ext uri="{FF2B5EF4-FFF2-40B4-BE49-F238E27FC236}">
-                <a16:creationId xmlns:a16="http://schemas.microsoft.com/office/drawing/2014/main" id="{95C486A1-9876-924E-85C2-906892F8B9AC}"/>
+                <a16:creationId xmlns:a16="http://schemas.microsoft.com/office/drawing/2014/main" xmlns="" id="{95C486A1-9876-924E-85C2-906892F8B9AC}"/>
               </a:ext>
             </a:extLst>
           </p:cNvPr>
@@ -3651,7 +3651,7 @@
           <p:cNvPr id="17" name="Slide Number Placeholder 5">
             <a:extLst>
               <a:ext uri="{FF2B5EF4-FFF2-40B4-BE49-F238E27FC236}">
-                <a16:creationId xmlns:a16="http://schemas.microsoft.com/office/drawing/2014/main" id="{CC67CD5C-67EC-5144-B858-5347C50D1ACD}"/>
+                <a16:creationId xmlns:a16="http://schemas.microsoft.com/office/drawing/2014/main" xmlns="" id="{CC67CD5C-67EC-5144-B858-5347C50D1ACD}"/>
               </a:ext>
             </a:extLst>
           </p:cNvPr>
@@ -3703,7 +3703,7 @@
           <p:cNvPr id="8" name="Title 7">
             <a:extLst>
               <a:ext uri="{FF2B5EF4-FFF2-40B4-BE49-F238E27FC236}">
-                <a16:creationId xmlns:a16="http://schemas.microsoft.com/office/drawing/2014/main" id="{8A6F1540-D306-D44E-B1B3-1ACCF1041F70}"/>
+                <a16:creationId xmlns:a16="http://schemas.microsoft.com/office/drawing/2014/main" xmlns="" id="{8A6F1540-D306-D44E-B1B3-1ACCF1041F70}"/>
               </a:ext>
             </a:extLst>
           </p:cNvPr>
@@ -3829,7 +3829,7 @@
           <a:graphicData uri="http://schemas.openxmlformats.org/presentationml/2006/ole">
             <mc:AlternateContent xmlns:mc="http://schemas.openxmlformats.org/markup-compatibility/2006">
               <mc:Choice xmlns:v="urn:schemas-microsoft-com:vml" Requires="v">
-                <p:oleObj spid="_x0000_s33854" name="think-cell Slide" r:id="rId4" imgW="216" imgH="216" progId="TCLayout.ActiveDocument.1">
+                <p:oleObj spid="_x0000_s33861" name="think-cell Slide" r:id="rId4" imgW="216" imgH="216" progId="TCLayout.ActiveDocument.1">
                   <p:embed/>
                 </p:oleObj>
               </mc:Choice>
@@ -3955,7 +3955,7 @@
           <p:cNvPr id="8" name="Title 7">
             <a:extLst>
               <a:ext uri="{FF2B5EF4-FFF2-40B4-BE49-F238E27FC236}">
-                <a16:creationId xmlns:a16="http://schemas.microsoft.com/office/drawing/2014/main" id="{8A6F1540-D306-D44E-B1B3-1ACCF1041F70}"/>
+                <a16:creationId xmlns:a16="http://schemas.microsoft.com/office/drawing/2014/main" xmlns="" id="{8A6F1540-D306-D44E-B1B3-1ACCF1041F70}"/>
               </a:ext>
             </a:extLst>
           </p:cNvPr>
@@ -3991,7 +3991,7 @@
           <p:cNvPr id="9" name="Content Placeholder 2">
             <a:extLst>
               <a:ext uri="{FF2B5EF4-FFF2-40B4-BE49-F238E27FC236}">
-                <a16:creationId xmlns:a16="http://schemas.microsoft.com/office/drawing/2014/main" id="{0A7C1352-3D49-F849-9BC3-BC0AF9CD8F04}"/>
+                <a16:creationId xmlns:a16="http://schemas.microsoft.com/office/drawing/2014/main" xmlns="" id="{0A7C1352-3D49-F849-9BC3-BC0AF9CD8F04}"/>
               </a:ext>
             </a:extLst>
           </p:cNvPr>
@@ -4083,7 +4083,7 @@
           <p:cNvPr id="10" name="Content Placeholder 2">
             <a:extLst>
               <a:ext uri="{FF2B5EF4-FFF2-40B4-BE49-F238E27FC236}">
-                <a16:creationId xmlns:a16="http://schemas.microsoft.com/office/drawing/2014/main" id="{D1AA7CFB-7669-2648-A3E1-E647E531399E}"/>
+                <a16:creationId xmlns:a16="http://schemas.microsoft.com/office/drawing/2014/main" xmlns="" id="{D1AA7CFB-7669-2648-A3E1-E647E531399E}"/>
               </a:ext>
             </a:extLst>
           </p:cNvPr>
@@ -4175,7 +4175,7 @@
           <p:cNvPr id="11" name="Content Placeholder 2">
             <a:extLst>
               <a:ext uri="{FF2B5EF4-FFF2-40B4-BE49-F238E27FC236}">
-                <a16:creationId xmlns:a16="http://schemas.microsoft.com/office/drawing/2014/main" id="{2E4B4082-D988-5D43-9C32-2C7F747717ED}"/>
+                <a16:creationId xmlns:a16="http://schemas.microsoft.com/office/drawing/2014/main" xmlns="" id="{2E4B4082-D988-5D43-9C32-2C7F747717ED}"/>
               </a:ext>
             </a:extLst>
           </p:cNvPr>
@@ -4267,7 +4267,7 @@
           <p:cNvPr id="12" name="Content Placeholder 2">
             <a:extLst>
               <a:ext uri="{FF2B5EF4-FFF2-40B4-BE49-F238E27FC236}">
-                <a16:creationId xmlns:a16="http://schemas.microsoft.com/office/drawing/2014/main" id="{45B8DE4D-1F9B-7341-8CB2-D70634815B55}"/>
+                <a16:creationId xmlns:a16="http://schemas.microsoft.com/office/drawing/2014/main" xmlns="" id="{45B8DE4D-1F9B-7341-8CB2-D70634815B55}"/>
               </a:ext>
             </a:extLst>
           </p:cNvPr>
@@ -4359,7 +4359,7 @@
           <p:cNvPr id="14" name="Footer Placeholder 3">
             <a:extLst>
               <a:ext uri="{FF2B5EF4-FFF2-40B4-BE49-F238E27FC236}">
-                <a16:creationId xmlns:a16="http://schemas.microsoft.com/office/drawing/2014/main" id="{DBA440F4-82E0-7E45-8A6F-4A8C7572AEE5}"/>
+                <a16:creationId xmlns:a16="http://schemas.microsoft.com/office/drawing/2014/main" xmlns="" id="{DBA440F4-82E0-7E45-8A6F-4A8C7572AEE5}"/>
               </a:ext>
             </a:extLst>
           </p:cNvPr>
@@ -4418,7 +4418,7 @@
           <p:cNvPr id="15" name="Slide Number Placeholder 5">
             <a:extLst>
               <a:ext uri="{FF2B5EF4-FFF2-40B4-BE49-F238E27FC236}">
-                <a16:creationId xmlns:a16="http://schemas.microsoft.com/office/drawing/2014/main" id="{CC67CD5C-67EC-5144-B858-5347C50D1ACD}"/>
+                <a16:creationId xmlns:a16="http://schemas.microsoft.com/office/drawing/2014/main" xmlns="" id="{CC67CD5C-67EC-5144-B858-5347C50D1ACD}"/>
               </a:ext>
             </a:extLst>
           </p:cNvPr>
@@ -4470,7 +4470,7 @@
           <p:cNvPr id="16" name="Straight Connector 15">
             <a:extLst>
               <a:ext uri="{FF2B5EF4-FFF2-40B4-BE49-F238E27FC236}">
-                <a16:creationId xmlns:a16="http://schemas.microsoft.com/office/drawing/2014/main" id="{95C486A1-9876-924E-85C2-906892F8B9AC}"/>
+                <a16:creationId xmlns:a16="http://schemas.microsoft.com/office/drawing/2014/main" xmlns="" id="{95C486A1-9876-924E-85C2-906892F8B9AC}"/>
               </a:ext>
             </a:extLst>
           </p:cNvPr>
@@ -4566,7 +4566,7 @@
           <a:graphicData uri="http://schemas.openxmlformats.org/presentationml/2006/ole">
             <mc:AlternateContent xmlns:mc="http://schemas.openxmlformats.org/markup-compatibility/2006">
               <mc:Choice xmlns:v="urn:schemas-microsoft-com:vml" Requires="v">
-                <p:oleObj spid="_x0000_s34878" name="think-cell Slide" r:id="rId4" imgW="216" imgH="216" progId="TCLayout.ActiveDocument.1">
+                <p:oleObj spid="_x0000_s34885" name="think-cell Slide" r:id="rId4" imgW="216" imgH="216" progId="TCLayout.ActiveDocument.1">
                   <p:embed/>
                 </p:oleObj>
               </mc:Choice>
@@ -4606,7 +4606,7 @@
           <p:cNvPr id="8" name="Title 7">
             <a:extLst>
               <a:ext uri="{FF2B5EF4-FFF2-40B4-BE49-F238E27FC236}">
-                <a16:creationId xmlns:a16="http://schemas.microsoft.com/office/drawing/2014/main" id="{8A6F1540-D306-D44E-B1B3-1ACCF1041F70}"/>
+                <a16:creationId xmlns:a16="http://schemas.microsoft.com/office/drawing/2014/main" xmlns="" id="{8A6F1540-D306-D44E-B1B3-1ACCF1041F70}"/>
               </a:ext>
             </a:extLst>
           </p:cNvPr>
@@ -5402,7 +5402,7 @@
           <p:cNvPr id="37" name="Footer Placeholder 3">
             <a:extLst>
               <a:ext uri="{FF2B5EF4-FFF2-40B4-BE49-F238E27FC236}">
-                <a16:creationId xmlns:a16="http://schemas.microsoft.com/office/drawing/2014/main" id="{DBA440F4-82E0-7E45-8A6F-4A8C7572AEE5}"/>
+                <a16:creationId xmlns:a16="http://schemas.microsoft.com/office/drawing/2014/main" xmlns="" id="{DBA440F4-82E0-7E45-8A6F-4A8C7572AEE5}"/>
               </a:ext>
             </a:extLst>
           </p:cNvPr>
@@ -5461,7 +5461,7 @@
           <p:cNvPr id="38" name="Slide Number Placeholder 5">
             <a:extLst>
               <a:ext uri="{FF2B5EF4-FFF2-40B4-BE49-F238E27FC236}">
-                <a16:creationId xmlns:a16="http://schemas.microsoft.com/office/drawing/2014/main" id="{CC67CD5C-67EC-5144-B858-5347C50D1ACD}"/>
+                <a16:creationId xmlns:a16="http://schemas.microsoft.com/office/drawing/2014/main" xmlns="" id="{CC67CD5C-67EC-5144-B858-5347C50D1ACD}"/>
               </a:ext>
             </a:extLst>
           </p:cNvPr>
@@ -5513,7 +5513,7 @@
           <p:cNvPr id="39" name="Straight Connector 38">
             <a:extLst>
               <a:ext uri="{FF2B5EF4-FFF2-40B4-BE49-F238E27FC236}">
-                <a16:creationId xmlns:a16="http://schemas.microsoft.com/office/drawing/2014/main" id="{95C486A1-9876-924E-85C2-906892F8B9AC}"/>
+                <a16:creationId xmlns:a16="http://schemas.microsoft.com/office/drawing/2014/main" xmlns="" id="{95C486A1-9876-924E-85C2-906892F8B9AC}"/>
               </a:ext>
             </a:extLst>
           </p:cNvPr>
@@ -5614,7 +5614,7 @@
           <a:graphicData uri="http://schemas.openxmlformats.org/presentationml/2006/ole">
             <mc:AlternateContent xmlns:mc="http://schemas.openxmlformats.org/markup-compatibility/2006">
               <mc:Choice xmlns:v="urn:schemas-microsoft-com:vml" Requires="v">
-                <p:oleObj spid="_x0000_s35902" name="think-cell Slide" r:id="rId5" imgW="216" imgH="216" progId="TCLayout.ActiveDocument.1">
+                <p:oleObj spid="_x0000_s35909" name="think-cell Slide" r:id="rId5" imgW="216" imgH="216" progId="TCLayout.ActiveDocument.1">
                   <p:embed/>
                 </p:oleObj>
               </mc:Choice>
@@ -5831,7 +5831,7 @@
           <p:cNvPr id="4" name="Footer Placeholder 3">
             <a:extLst>
               <a:ext uri="{FF2B5EF4-FFF2-40B4-BE49-F238E27FC236}">
-                <a16:creationId xmlns:a16="http://schemas.microsoft.com/office/drawing/2014/main" id="{17D6DE4C-D976-4B4B-B087-C035EF8D4F6F}"/>
+                <a16:creationId xmlns:a16="http://schemas.microsoft.com/office/drawing/2014/main" xmlns="" id="{17D6DE4C-D976-4B4B-B087-C035EF8D4F6F}"/>
               </a:ext>
             </a:extLst>
           </p:cNvPr>
@@ -5890,7 +5890,7 @@
           <p:cNvPr id="17" name="Slide Number Placeholder 5">
             <a:extLst>
               <a:ext uri="{FF2B5EF4-FFF2-40B4-BE49-F238E27FC236}">
-                <a16:creationId xmlns:a16="http://schemas.microsoft.com/office/drawing/2014/main" id="{CC67CD5C-67EC-5144-B858-5347C50D1ACD}"/>
+                <a16:creationId xmlns:a16="http://schemas.microsoft.com/office/drawing/2014/main" xmlns="" id="{CC67CD5C-67EC-5144-B858-5347C50D1ACD}"/>
               </a:ext>
             </a:extLst>
           </p:cNvPr>
@@ -5942,7 +5942,7 @@
           <p:cNvPr id="8" name="Title 7">
             <a:extLst>
               <a:ext uri="{FF2B5EF4-FFF2-40B4-BE49-F238E27FC236}">
-                <a16:creationId xmlns:a16="http://schemas.microsoft.com/office/drawing/2014/main" id="{8A6F1540-D306-D44E-B1B3-1ACCF1041F70}"/>
+                <a16:creationId xmlns:a16="http://schemas.microsoft.com/office/drawing/2014/main" xmlns="" id="{8A6F1540-D306-D44E-B1B3-1ACCF1041F70}"/>
               </a:ext>
             </a:extLst>
           </p:cNvPr>
@@ -5986,7 +5986,7 @@
           <p:cNvPr id="9" name="Straight Connector 8">
             <a:extLst>
               <a:ext uri="{FF2B5EF4-FFF2-40B4-BE49-F238E27FC236}">
-                <a16:creationId xmlns:a16="http://schemas.microsoft.com/office/drawing/2014/main" id="{BB1AA2BE-B537-254D-958A-FBAFDE7E90DC}"/>
+                <a16:creationId xmlns:a16="http://schemas.microsoft.com/office/drawing/2014/main" xmlns="" id="{BB1AA2BE-B537-254D-958A-FBAFDE7E90DC}"/>
               </a:ext>
             </a:extLst>
           </p:cNvPr>
@@ -6029,7 +6029,7 @@
           <p:cNvPr id="10" name="Straight Connector 9">
             <a:extLst>
               <a:ext uri="{FF2B5EF4-FFF2-40B4-BE49-F238E27FC236}">
-                <a16:creationId xmlns:a16="http://schemas.microsoft.com/office/drawing/2014/main" id="{95C486A1-9876-924E-85C2-906892F8B9AC}"/>
+                <a16:creationId xmlns:a16="http://schemas.microsoft.com/office/drawing/2014/main" xmlns="" id="{95C486A1-9876-924E-85C2-906892F8B9AC}"/>
               </a:ext>
             </a:extLst>
           </p:cNvPr>
@@ -6406,7 +6406,7 @@
           <a:graphicData uri="http://schemas.openxmlformats.org/presentationml/2006/ole">
             <mc:AlternateContent xmlns:mc="http://schemas.openxmlformats.org/markup-compatibility/2006">
               <mc:Choice xmlns:v="urn:schemas-microsoft-com:vml" Requires="v">
-                <p:oleObj spid="_x0000_s37950" name="think-cell Slide" r:id="rId5" imgW="216" imgH="216" progId="TCLayout.ActiveDocument.1">
+                <p:oleObj spid="_x0000_s37957" name="think-cell Slide" r:id="rId5" imgW="216" imgH="216" progId="TCLayout.ActiveDocument.1">
                   <p:embed/>
                 </p:oleObj>
               </mc:Choice>
@@ -6603,7 +6603,7 @@
           <p:cNvPr id="4" name="Footer Placeholder 3">
             <a:extLst>
               <a:ext uri="{FF2B5EF4-FFF2-40B4-BE49-F238E27FC236}">
-                <a16:creationId xmlns:a16="http://schemas.microsoft.com/office/drawing/2014/main" id="{17D6DE4C-D976-4B4B-B087-C035EF8D4F6F}"/>
+                <a16:creationId xmlns:a16="http://schemas.microsoft.com/office/drawing/2014/main" xmlns="" id="{17D6DE4C-D976-4B4B-B087-C035EF8D4F6F}"/>
               </a:ext>
             </a:extLst>
           </p:cNvPr>
@@ -6662,7 +6662,7 @@
           <p:cNvPr id="13" name="Straight Connector 12">
             <a:extLst>
               <a:ext uri="{FF2B5EF4-FFF2-40B4-BE49-F238E27FC236}">
-                <a16:creationId xmlns:a16="http://schemas.microsoft.com/office/drawing/2014/main" id="{95C486A1-9876-924E-85C2-906892F8B9AC}"/>
+                <a16:creationId xmlns:a16="http://schemas.microsoft.com/office/drawing/2014/main" xmlns="" id="{95C486A1-9876-924E-85C2-906892F8B9AC}"/>
               </a:ext>
             </a:extLst>
           </p:cNvPr>
@@ -6705,7 +6705,7 @@
           <p:cNvPr id="17" name="Slide Number Placeholder 5">
             <a:extLst>
               <a:ext uri="{FF2B5EF4-FFF2-40B4-BE49-F238E27FC236}">
-                <a16:creationId xmlns:a16="http://schemas.microsoft.com/office/drawing/2014/main" id="{CC67CD5C-67EC-5144-B858-5347C50D1ACD}"/>
+                <a16:creationId xmlns:a16="http://schemas.microsoft.com/office/drawing/2014/main" xmlns="" id="{CC67CD5C-67EC-5144-B858-5347C50D1ACD}"/>
               </a:ext>
             </a:extLst>
           </p:cNvPr>
@@ -6757,7 +6757,7 @@
           <p:cNvPr id="8" name="Title 7">
             <a:extLst>
               <a:ext uri="{FF2B5EF4-FFF2-40B4-BE49-F238E27FC236}">
-                <a16:creationId xmlns:a16="http://schemas.microsoft.com/office/drawing/2014/main" id="{8A6F1540-D306-D44E-B1B3-1ACCF1041F70}"/>
+                <a16:creationId xmlns:a16="http://schemas.microsoft.com/office/drawing/2014/main" xmlns="" id="{8A6F1540-D306-D44E-B1B3-1ACCF1041F70}"/>
               </a:ext>
             </a:extLst>
           </p:cNvPr>
@@ -6883,7 +6883,7 @@
           <a:graphicData uri="http://schemas.openxmlformats.org/presentationml/2006/ole">
             <mc:AlternateContent xmlns:mc="http://schemas.openxmlformats.org/markup-compatibility/2006">
               <mc:Choice xmlns:v="urn:schemas-microsoft-com:vml" Requires="v">
-                <p:oleObj spid="_x0000_s38974" name="think-cell Slide" r:id="rId4" imgW="216" imgH="216" progId="TCLayout.ActiveDocument.1">
+                <p:oleObj spid="_x0000_s38981" name="think-cell Slide" r:id="rId4" imgW="216" imgH="216" progId="TCLayout.ActiveDocument.1">
                   <p:embed/>
                 </p:oleObj>
               </mc:Choice>
@@ -7009,7 +7009,7 @@
           <p:cNvPr id="8" name="Title 7">
             <a:extLst>
               <a:ext uri="{FF2B5EF4-FFF2-40B4-BE49-F238E27FC236}">
-                <a16:creationId xmlns:a16="http://schemas.microsoft.com/office/drawing/2014/main" id="{8A6F1540-D306-D44E-B1B3-1ACCF1041F70}"/>
+                <a16:creationId xmlns:a16="http://schemas.microsoft.com/office/drawing/2014/main" xmlns="" id="{8A6F1540-D306-D44E-B1B3-1ACCF1041F70}"/>
               </a:ext>
             </a:extLst>
           </p:cNvPr>
@@ -7045,7 +7045,7 @@
           <p:cNvPr id="9" name="Content Placeholder 2">
             <a:extLst>
               <a:ext uri="{FF2B5EF4-FFF2-40B4-BE49-F238E27FC236}">
-                <a16:creationId xmlns:a16="http://schemas.microsoft.com/office/drawing/2014/main" id="{0A7C1352-3D49-F849-9BC3-BC0AF9CD8F04}"/>
+                <a16:creationId xmlns:a16="http://schemas.microsoft.com/office/drawing/2014/main" xmlns="" id="{0A7C1352-3D49-F849-9BC3-BC0AF9CD8F04}"/>
               </a:ext>
             </a:extLst>
           </p:cNvPr>
@@ -7137,7 +7137,7 @@
           <p:cNvPr id="10" name="Content Placeholder 2">
             <a:extLst>
               <a:ext uri="{FF2B5EF4-FFF2-40B4-BE49-F238E27FC236}">
-                <a16:creationId xmlns:a16="http://schemas.microsoft.com/office/drawing/2014/main" id="{D1AA7CFB-7669-2648-A3E1-E647E531399E}"/>
+                <a16:creationId xmlns:a16="http://schemas.microsoft.com/office/drawing/2014/main" xmlns="" id="{D1AA7CFB-7669-2648-A3E1-E647E531399E}"/>
               </a:ext>
             </a:extLst>
           </p:cNvPr>
@@ -7229,7 +7229,7 @@
           <p:cNvPr id="11" name="Content Placeholder 2">
             <a:extLst>
               <a:ext uri="{FF2B5EF4-FFF2-40B4-BE49-F238E27FC236}">
-                <a16:creationId xmlns:a16="http://schemas.microsoft.com/office/drawing/2014/main" id="{2E4B4082-D988-5D43-9C32-2C7F747717ED}"/>
+                <a16:creationId xmlns:a16="http://schemas.microsoft.com/office/drawing/2014/main" xmlns="" id="{2E4B4082-D988-5D43-9C32-2C7F747717ED}"/>
               </a:ext>
             </a:extLst>
           </p:cNvPr>
@@ -7321,7 +7321,7 @@
           <p:cNvPr id="12" name="Content Placeholder 2">
             <a:extLst>
               <a:ext uri="{FF2B5EF4-FFF2-40B4-BE49-F238E27FC236}">
-                <a16:creationId xmlns:a16="http://schemas.microsoft.com/office/drawing/2014/main" id="{45B8DE4D-1F9B-7341-8CB2-D70634815B55}"/>
+                <a16:creationId xmlns:a16="http://schemas.microsoft.com/office/drawing/2014/main" xmlns="" id="{45B8DE4D-1F9B-7341-8CB2-D70634815B55}"/>
               </a:ext>
             </a:extLst>
           </p:cNvPr>
@@ -7413,7 +7413,7 @@
           <p:cNvPr id="14" name="Footer Placeholder 3">
             <a:extLst>
               <a:ext uri="{FF2B5EF4-FFF2-40B4-BE49-F238E27FC236}">
-                <a16:creationId xmlns:a16="http://schemas.microsoft.com/office/drawing/2014/main" id="{DBA440F4-82E0-7E45-8A6F-4A8C7572AEE5}"/>
+                <a16:creationId xmlns:a16="http://schemas.microsoft.com/office/drawing/2014/main" xmlns="" id="{DBA440F4-82E0-7E45-8A6F-4A8C7572AEE5}"/>
               </a:ext>
             </a:extLst>
           </p:cNvPr>
@@ -7472,7 +7472,7 @@
           <p:cNvPr id="15" name="Slide Number Placeholder 5">
             <a:extLst>
               <a:ext uri="{FF2B5EF4-FFF2-40B4-BE49-F238E27FC236}">
-                <a16:creationId xmlns:a16="http://schemas.microsoft.com/office/drawing/2014/main" id="{CC67CD5C-67EC-5144-B858-5347C50D1ACD}"/>
+                <a16:creationId xmlns:a16="http://schemas.microsoft.com/office/drawing/2014/main" xmlns="" id="{CC67CD5C-67EC-5144-B858-5347C50D1ACD}"/>
               </a:ext>
             </a:extLst>
           </p:cNvPr>
@@ -7524,7 +7524,7 @@
           <p:cNvPr id="16" name="Straight Connector 15">
             <a:extLst>
               <a:ext uri="{FF2B5EF4-FFF2-40B4-BE49-F238E27FC236}">
-                <a16:creationId xmlns:a16="http://schemas.microsoft.com/office/drawing/2014/main" id="{95C486A1-9876-924E-85C2-906892F8B9AC}"/>
+                <a16:creationId xmlns:a16="http://schemas.microsoft.com/office/drawing/2014/main" xmlns="" id="{95C486A1-9876-924E-85C2-906892F8B9AC}"/>
               </a:ext>
             </a:extLst>
           </p:cNvPr>
@@ -7691,7 +7691,7 @@
           <a:p>
             <a:fld id="{CB9F8517-1271-4F8B-9742-ECB8BBF22693}" type="datetimeFigureOut">
               <a:rPr lang="en-US" smtClean="0"/>
-              <a:t>4/23/2022</a:t>
+              <a:t>4/24/2022</a:t>
             </a:fld>
             <a:endParaRPr lang="en-US"/>
           </a:p>
@@ -7790,7 +7790,7 @@
           <a:graphicData uri="http://schemas.openxmlformats.org/presentationml/2006/ole">
             <mc:AlternateContent xmlns:mc="http://schemas.openxmlformats.org/markup-compatibility/2006">
               <mc:Choice xmlns:v="urn:schemas-microsoft-com:vml" Requires="v">
-                <p:oleObj spid="_x0000_s39998" name="think-cell Slide" r:id="rId4" imgW="216" imgH="216" progId="TCLayout.ActiveDocument.1">
+                <p:oleObj spid="_x0000_s40005" name="think-cell Slide" r:id="rId4" imgW="216" imgH="216" progId="TCLayout.ActiveDocument.1">
                   <p:embed/>
                 </p:oleObj>
               </mc:Choice>
@@ -7830,7 +7830,7 @@
           <p:cNvPr id="8" name="Title 7">
             <a:extLst>
               <a:ext uri="{FF2B5EF4-FFF2-40B4-BE49-F238E27FC236}">
-                <a16:creationId xmlns:a16="http://schemas.microsoft.com/office/drawing/2014/main" id="{8A6F1540-D306-D44E-B1B3-1ACCF1041F70}"/>
+                <a16:creationId xmlns:a16="http://schemas.microsoft.com/office/drawing/2014/main" xmlns="" id="{8A6F1540-D306-D44E-B1B3-1ACCF1041F70}"/>
               </a:ext>
             </a:extLst>
           </p:cNvPr>
@@ -8626,7 +8626,7 @@
           <p:cNvPr id="37" name="Footer Placeholder 3">
             <a:extLst>
               <a:ext uri="{FF2B5EF4-FFF2-40B4-BE49-F238E27FC236}">
-                <a16:creationId xmlns:a16="http://schemas.microsoft.com/office/drawing/2014/main" id="{DBA440F4-82E0-7E45-8A6F-4A8C7572AEE5}"/>
+                <a16:creationId xmlns:a16="http://schemas.microsoft.com/office/drawing/2014/main" xmlns="" id="{DBA440F4-82E0-7E45-8A6F-4A8C7572AEE5}"/>
               </a:ext>
             </a:extLst>
           </p:cNvPr>
@@ -8685,7 +8685,7 @@
           <p:cNvPr id="38" name="Slide Number Placeholder 5">
             <a:extLst>
               <a:ext uri="{FF2B5EF4-FFF2-40B4-BE49-F238E27FC236}">
-                <a16:creationId xmlns:a16="http://schemas.microsoft.com/office/drawing/2014/main" id="{CC67CD5C-67EC-5144-B858-5347C50D1ACD}"/>
+                <a16:creationId xmlns:a16="http://schemas.microsoft.com/office/drawing/2014/main" xmlns="" id="{CC67CD5C-67EC-5144-B858-5347C50D1ACD}"/>
               </a:ext>
             </a:extLst>
           </p:cNvPr>
@@ -8737,7 +8737,7 @@
           <p:cNvPr id="39" name="Straight Connector 38">
             <a:extLst>
               <a:ext uri="{FF2B5EF4-FFF2-40B4-BE49-F238E27FC236}">
-                <a16:creationId xmlns:a16="http://schemas.microsoft.com/office/drawing/2014/main" id="{95C486A1-9876-924E-85C2-906892F8B9AC}"/>
+                <a16:creationId xmlns:a16="http://schemas.microsoft.com/office/drawing/2014/main" xmlns="" id="{95C486A1-9876-924E-85C2-906892F8B9AC}"/>
               </a:ext>
             </a:extLst>
           </p:cNvPr>
@@ -8838,7 +8838,7 @@
           <a:graphicData uri="http://schemas.openxmlformats.org/presentationml/2006/ole">
             <mc:AlternateContent xmlns:mc="http://schemas.openxmlformats.org/markup-compatibility/2006">
               <mc:Choice xmlns:v="urn:schemas-microsoft-com:vml" Requires="v">
-                <p:oleObj spid="_x0000_s41022" name="think-cell Slide" r:id="rId5" imgW="216" imgH="216" progId="TCLayout.ActiveDocument.1">
+                <p:oleObj spid="_x0000_s41029" name="think-cell Slide" r:id="rId5" imgW="216" imgH="216" progId="TCLayout.ActiveDocument.1">
                   <p:embed/>
                 </p:oleObj>
               </mc:Choice>
@@ -9055,7 +9055,7 @@
           <p:cNvPr id="4" name="Footer Placeholder 3">
             <a:extLst>
               <a:ext uri="{FF2B5EF4-FFF2-40B4-BE49-F238E27FC236}">
-                <a16:creationId xmlns:a16="http://schemas.microsoft.com/office/drawing/2014/main" id="{17D6DE4C-D976-4B4B-B087-C035EF8D4F6F}"/>
+                <a16:creationId xmlns:a16="http://schemas.microsoft.com/office/drawing/2014/main" xmlns="" id="{17D6DE4C-D976-4B4B-B087-C035EF8D4F6F}"/>
               </a:ext>
             </a:extLst>
           </p:cNvPr>
@@ -9114,7 +9114,7 @@
           <p:cNvPr id="17" name="Slide Number Placeholder 5">
             <a:extLst>
               <a:ext uri="{FF2B5EF4-FFF2-40B4-BE49-F238E27FC236}">
-                <a16:creationId xmlns:a16="http://schemas.microsoft.com/office/drawing/2014/main" id="{CC67CD5C-67EC-5144-B858-5347C50D1ACD}"/>
+                <a16:creationId xmlns:a16="http://schemas.microsoft.com/office/drawing/2014/main" xmlns="" id="{CC67CD5C-67EC-5144-B858-5347C50D1ACD}"/>
               </a:ext>
             </a:extLst>
           </p:cNvPr>
@@ -9166,7 +9166,7 @@
           <p:cNvPr id="8" name="Title 7">
             <a:extLst>
               <a:ext uri="{FF2B5EF4-FFF2-40B4-BE49-F238E27FC236}">
-                <a16:creationId xmlns:a16="http://schemas.microsoft.com/office/drawing/2014/main" id="{8A6F1540-D306-D44E-B1B3-1ACCF1041F70}"/>
+                <a16:creationId xmlns:a16="http://schemas.microsoft.com/office/drawing/2014/main" xmlns="" id="{8A6F1540-D306-D44E-B1B3-1ACCF1041F70}"/>
               </a:ext>
             </a:extLst>
           </p:cNvPr>
@@ -9210,7 +9210,7 @@
           <p:cNvPr id="9" name="Straight Connector 8">
             <a:extLst>
               <a:ext uri="{FF2B5EF4-FFF2-40B4-BE49-F238E27FC236}">
-                <a16:creationId xmlns:a16="http://schemas.microsoft.com/office/drawing/2014/main" id="{BB1AA2BE-B537-254D-958A-FBAFDE7E90DC}"/>
+                <a16:creationId xmlns:a16="http://schemas.microsoft.com/office/drawing/2014/main" xmlns="" id="{BB1AA2BE-B537-254D-958A-FBAFDE7E90DC}"/>
               </a:ext>
             </a:extLst>
           </p:cNvPr>
@@ -9253,7 +9253,7 @@
           <p:cNvPr id="10" name="Straight Connector 9">
             <a:extLst>
               <a:ext uri="{FF2B5EF4-FFF2-40B4-BE49-F238E27FC236}">
-                <a16:creationId xmlns:a16="http://schemas.microsoft.com/office/drawing/2014/main" id="{95C486A1-9876-924E-85C2-906892F8B9AC}"/>
+                <a16:creationId xmlns:a16="http://schemas.microsoft.com/office/drawing/2014/main" xmlns="" id="{95C486A1-9876-924E-85C2-906892F8B9AC}"/>
               </a:ext>
             </a:extLst>
           </p:cNvPr>
@@ -9777,7 +9777,7 @@
           <a:p>
             <a:fld id="{CB9F8517-1271-4F8B-9742-ECB8BBF22693}" type="datetimeFigureOut">
               <a:rPr lang="en-US" smtClean="0"/>
-              <a:t>4/23/2022</a:t>
+              <a:t>4/24/2022</a:t>
             </a:fld>
             <a:endParaRPr lang="en-US"/>
           </a:p>
@@ -10009,7 +10009,7 @@
           <a:p>
             <a:fld id="{CB9F8517-1271-4F8B-9742-ECB8BBF22693}" type="datetimeFigureOut">
               <a:rPr lang="en-US" smtClean="0"/>
-              <a:t>4/23/2022</a:t>
+              <a:t>4/24/2022</a:t>
             </a:fld>
             <a:endParaRPr lang="en-US"/>
           </a:p>
@@ -10376,7 +10376,7 @@
           <a:p>
             <a:fld id="{CB9F8517-1271-4F8B-9742-ECB8BBF22693}" type="datetimeFigureOut">
               <a:rPr lang="en-US" smtClean="0"/>
-              <a:t>4/23/2022</a:t>
+              <a:t>4/24/2022</a:t>
             </a:fld>
             <a:endParaRPr lang="en-US"/>
           </a:p>
@@ -10494,7 +10494,7 @@
           <a:p>
             <a:fld id="{CB9F8517-1271-4F8B-9742-ECB8BBF22693}" type="datetimeFigureOut">
               <a:rPr lang="en-US" smtClean="0"/>
-              <a:t>4/23/2022</a:t>
+              <a:t>4/24/2022</a:t>
             </a:fld>
             <a:endParaRPr lang="en-US"/>
           </a:p>
@@ -10589,7 +10589,7 @@
           <a:p>
             <a:fld id="{CB9F8517-1271-4F8B-9742-ECB8BBF22693}" type="datetimeFigureOut">
               <a:rPr lang="en-US" smtClean="0"/>
-              <a:t>4/23/2022</a:t>
+              <a:t>4/24/2022</a:t>
             </a:fld>
             <a:endParaRPr lang="en-US"/>
           </a:p>
@@ -10866,7 +10866,7 @@
           <a:p>
             <a:fld id="{CB9F8517-1271-4F8B-9742-ECB8BBF22693}" type="datetimeFigureOut">
               <a:rPr lang="en-US" smtClean="0"/>
-              <a:t>4/23/2022</a:t>
+              <a:t>4/24/2022</a:t>
             </a:fld>
             <a:endParaRPr lang="en-US"/>
           </a:p>
@@ -11119,7 +11119,7 @@
           <a:p>
             <a:fld id="{CB9F8517-1271-4F8B-9742-ECB8BBF22693}" type="datetimeFigureOut">
               <a:rPr lang="en-US" smtClean="0"/>
-              <a:t>4/23/2022</a:t>
+              <a:t>4/24/2022</a:t>
             </a:fld>
             <a:endParaRPr lang="en-US"/>
           </a:p>
@@ -11227,7 +11227,7 @@
           <a:graphicData uri="http://schemas.openxmlformats.org/presentationml/2006/ole">
             <mc:AlternateContent xmlns:mc="http://schemas.openxmlformats.org/markup-compatibility/2006">
               <mc:Choice xmlns:v="urn:schemas-microsoft-com:vml" Requires="v">
-                <p:oleObj spid="_x0000_s1098" name="think-cell Slide" r:id="rId16" imgW="416" imgH="416" progId="TCLayout.ActiveDocument.1">
+                <p:oleObj spid="_x0000_s1105" name="think-cell Slide" r:id="rId16" imgW="416" imgH="416" progId="TCLayout.ActiveDocument.1">
                   <p:embed/>
                 </p:oleObj>
               </mc:Choice>
@@ -11392,7 +11392,7 @@
           <a:p>
             <a:fld id="{CB9F8517-1271-4F8B-9742-ECB8BBF22693}" type="datetimeFigureOut">
               <a:rPr lang="en-US" smtClean="0"/>
-              <a:t>4/23/2022</a:t>
+              <a:t>4/24/2022</a:t>
             </a:fld>
             <a:endParaRPr lang="en-US"/>
           </a:p>
@@ -11828,7 +11828,7 @@
           <a:graphicData uri="http://schemas.openxmlformats.org/presentationml/2006/ole">
             <mc:AlternateContent xmlns:mc="http://schemas.openxmlformats.org/markup-compatibility/2006">
               <mc:Choice xmlns:v="urn:schemas-microsoft-com:vml" Requires="v">
-                <p:oleObj spid="_x0000_s31806" name="think-cell Slide" r:id="rId10" imgW="216" imgH="216" progId="TCLayout.ActiveDocument.1">
+                <p:oleObj spid="_x0000_s31813" name="think-cell Slide" r:id="rId10" imgW="216" imgH="216" progId="TCLayout.ActiveDocument.1">
                   <p:embed/>
                 </p:oleObj>
               </mc:Choice>
@@ -11948,7 +11948,7 @@
           <p:cNvPr id="10" name="Straight Connector 9">
             <a:extLst>
               <a:ext uri="{FF2B5EF4-FFF2-40B4-BE49-F238E27FC236}">
-                <a16:creationId xmlns:a16="http://schemas.microsoft.com/office/drawing/2014/main" id="{BB1AA2BE-B537-254D-958A-FBAFDE7E90DC}"/>
+                <a16:creationId xmlns:a16="http://schemas.microsoft.com/office/drawing/2014/main" xmlns="" id="{BB1AA2BE-B537-254D-958A-FBAFDE7E90DC}"/>
               </a:ext>
             </a:extLst>
           </p:cNvPr>
@@ -11991,7 +11991,7 @@
           <p:cNvPr id="15" name="Footer Placeholder 3">
             <a:extLst>
               <a:ext uri="{FF2B5EF4-FFF2-40B4-BE49-F238E27FC236}">
-                <a16:creationId xmlns:a16="http://schemas.microsoft.com/office/drawing/2014/main" id="{DBA440F4-82E0-7E45-8A6F-4A8C7572AEE5}"/>
+                <a16:creationId xmlns:a16="http://schemas.microsoft.com/office/drawing/2014/main" xmlns="" id="{DBA440F4-82E0-7E45-8A6F-4A8C7572AEE5}"/>
               </a:ext>
             </a:extLst>
           </p:cNvPr>
@@ -12050,7 +12050,7 @@
           <p:cNvPr id="16" name="Slide Number Placeholder 5">
             <a:extLst>
               <a:ext uri="{FF2B5EF4-FFF2-40B4-BE49-F238E27FC236}">
-                <a16:creationId xmlns:a16="http://schemas.microsoft.com/office/drawing/2014/main" id="{2D9636C8-FF6B-E141-B9E1-70C7091B23B1}"/>
+                <a16:creationId xmlns:a16="http://schemas.microsoft.com/office/drawing/2014/main" xmlns="" id="{2D9636C8-FF6B-E141-B9E1-70C7091B23B1}"/>
               </a:ext>
             </a:extLst>
           </p:cNvPr>
@@ -12417,7 +12417,7 @@
   </p:txStyles>
   <p:extLst mod="1">
     <p:ext uri="{27BBF7A9-308A-43DC-89C8-2F10F3537804}">
-      <p15:sldGuideLst xmlns:p15="http://schemas.microsoft.com/office/powerpoint/2012/main">
+      <p15:sldGuideLst xmlns:p15="http://schemas.microsoft.com/office/powerpoint/2012/main" xmlns="">
         <p15:guide id="1" orient="horz" pos="2041">
           <p15:clr>
             <a:srgbClr val="F26B43"/>
@@ -12586,7 +12586,7 @@
           <a:graphicData uri="http://schemas.openxmlformats.org/presentationml/2006/ole">
             <mc:AlternateContent xmlns:mc="http://schemas.openxmlformats.org/markup-compatibility/2006">
               <mc:Choice xmlns:v="urn:schemas-microsoft-com:vml" Requires="v">
-                <p:oleObj spid="_x0000_s36927" name="think-cell Slide" r:id="rId10" imgW="216" imgH="216" progId="TCLayout.ActiveDocument.1">
+                <p:oleObj spid="_x0000_s36934" name="think-cell Slide" r:id="rId10" imgW="216" imgH="216" progId="TCLayout.ActiveDocument.1">
                   <p:embed/>
                 </p:oleObj>
               </mc:Choice>
@@ -12706,7 +12706,7 @@
           <p:cNvPr id="10" name="Straight Connector 9">
             <a:extLst>
               <a:ext uri="{FF2B5EF4-FFF2-40B4-BE49-F238E27FC236}">
-                <a16:creationId xmlns:a16="http://schemas.microsoft.com/office/drawing/2014/main" id="{BB1AA2BE-B537-254D-958A-FBAFDE7E90DC}"/>
+                <a16:creationId xmlns:a16="http://schemas.microsoft.com/office/drawing/2014/main" xmlns="" id="{BB1AA2BE-B537-254D-958A-FBAFDE7E90DC}"/>
               </a:ext>
             </a:extLst>
           </p:cNvPr>
@@ -12749,7 +12749,7 @@
           <p:cNvPr id="15" name="Footer Placeholder 3">
             <a:extLst>
               <a:ext uri="{FF2B5EF4-FFF2-40B4-BE49-F238E27FC236}">
-                <a16:creationId xmlns:a16="http://schemas.microsoft.com/office/drawing/2014/main" id="{DBA440F4-82E0-7E45-8A6F-4A8C7572AEE5}"/>
+                <a16:creationId xmlns:a16="http://schemas.microsoft.com/office/drawing/2014/main" xmlns="" id="{DBA440F4-82E0-7E45-8A6F-4A8C7572AEE5}"/>
               </a:ext>
             </a:extLst>
           </p:cNvPr>
@@ -12808,7 +12808,7 @@
           <p:cNvPr id="16" name="Slide Number Placeholder 5">
             <a:extLst>
               <a:ext uri="{FF2B5EF4-FFF2-40B4-BE49-F238E27FC236}">
-                <a16:creationId xmlns:a16="http://schemas.microsoft.com/office/drawing/2014/main" id="{2D9636C8-FF6B-E141-B9E1-70C7091B23B1}"/>
+                <a16:creationId xmlns:a16="http://schemas.microsoft.com/office/drawing/2014/main" xmlns="" id="{2D9636C8-FF6B-E141-B9E1-70C7091B23B1}"/>
               </a:ext>
             </a:extLst>
           </p:cNvPr>
@@ -13175,7 +13175,7 @@
   </p:txStyles>
   <p:extLst mod="1">
     <p:ext uri="{27BBF7A9-308A-43DC-89C8-2F10F3537804}">
-      <p15:sldGuideLst xmlns:p15="http://schemas.microsoft.com/office/powerpoint/2012/main">
+      <p15:sldGuideLst xmlns:p15="http://schemas.microsoft.com/office/powerpoint/2012/main" xmlns="">
         <p15:guide id="1" orient="horz" pos="2041">
           <p15:clr>
             <a:srgbClr val="F26B43"/>
@@ -13339,7 +13339,7 @@
           <a:graphicData uri="http://schemas.openxmlformats.org/presentationml/2006/ole">
             <mc:AlternateContent xmlns:mc="http://schemas.openxmlformats.org/markup-compatibility/2006">
               <mc:Choice xmlns:v="urn:schemas-microsoft-com:vml" Requires="v">
-                <p:oleObj spid="_x0000_s14413" name="think-cell Slide" r:id="rId5" imgW="396" imgH="396" progId="TCLayout.ActiveDocument.1">
+                <p:oleObj spid="_x0000_s14420" name="think-cell Slide" r:id="rId5" imgW="396" imgH="396" progId="TCLayout.ActiveDocument.1">
                   <p:embed/>
                 </p:oleObj>
               </mc:Choice>
@@ -13379,7 +13379,7 @@
           <p:cNvPr id="63" name="图片 2">
             <a:extLst>
               <a:ext uri="{FF2B5EF4-FFF2-40B4-BE49-F238E27FC236}">
-                <a16:creationId xmlns:a16="http://schemas.microsoft.com/office/drawing/2014/main" id="{321341A2-5A29-6A47-A5DC-E12071424359}"/>
+                <a16:creationId xmlns:a16="http://schemas.microsoft.com/office/drawing/2014/main" xmlns="" id="{321341A2-5A29-6A47-A5DC-E12071424359}"/>
               </a:ext>
             </a:extLst>
           </p:cNvPr>
@@ -13415,7 +13415,7 @@
           <p:cNvPr id="69" name="矩形 197">
             <a:extLst>
               <a:ext uri="{FF2B5EF4-FFF2-40B4-BE49-F238E27FC236}">
-                <a16:creationId xmlns:a16="http://schemas.microsoft.com/office/drawing/2014/main" id="{A26E02F6-ED45-2E46-B455-D7E64937829D}"/>
+                <a16:creationId xmlns:a16="http://schemas.microsoft.com/office/drawing/2014/main" xmlns="" id="{A26E02F6-ED45-2E46-B455-D7E64937829D}"/>
               </a:ext>
             </a:extLst>
           </p:cNvPr>
@@ -15238,7 +15238,7 @@
           <p:cNvPr id="37" name="Straight Connector 22">
             <a:extLst>
               <a:ext uri="{FF2B5EF4-FFF2-40B4-BE49-F238E27FC236}">
-                <a16:creationId xmlns:a16="http://schemas.microsoft.com/office/drawing/2014/main" id="{145705CD-70A8-344F-AEB6-14ED3BCA6F5B}"/>
+                <a16:creationId xmlns:a16="http://schemas.microsoft.com/office/drawing/2014/main" xmlns="" id="{145705CD-70A8-344F-AEB6-14ED3BCA6F5B}"/>
               </a:ext>
             </a:extLst>
           </p:cNvPr>
@@ -15291,7 +15291,7 @@
           <p:cNvPr id="42" name="Title 2">
             <a:extLst>
               <a:ext uri="{FF2B5EF4-FFF2-40B4-BE49-F238E27FC236}">
-                <a16:creationId xmlns:a16="http://schemas.microsoft.com/office/drawing/2014/main" id="{2AA0B7C0-B58E-2540-93F4-0E5771E03B19}"/>
+                <a16:creationId xmlns:a16="http://schemas.microsoft.com/office/drawing/2014/main" xmlns="" id="{2AA0B7C0-B58E-2540-93F4-0E5771E03B19}"/>
               </a:ext>
             </a:extLst>
           </p:cNvPr>
@@ -17709,7 +17709,7 @@
           <a:graphicData uri="http://schemas.openxmlformats.org/presentationml/2006/ole">
             <mc:AlternateContent xmlns:mc="http://schemas.openxmlformats.org/markup-compatibility/2006">
               <mc:Choice xmlns:v="urn:schemas-microsoft-com:vml" Requires="v">
-                <p:oleObj spid="_x0000_s42053" name="think-cell Slide" r:id="rId6" imgW="416" imgH="416" progId="TCLayout.ActiveDocument.1">
+                <p:oleObj spid="_x0000_s42061" name="think-cell Slide" r:id="rId6" imgW="416" imgH="416" progId="TCLayout.ActiveDocument.1">
                   <p:embed/>
                 </p:oleObj>
               </mc:Choice>
@@ -18113,7 +18113,7 @@
           <p:nvPr>
             <p:extLst>
               <p:ext uri="{D42A27DB-BD31-4B8C-83A1-F6EECF244321}">
-                <p14:modId xmlns:p14="http://schemas.microsoft.com/office/powerpoint/2010/main" val="2753780361"/>
+                <p14:modId xmlns:p14="http://schemas.microsoft.com/office/powerpoint/2010/main" val="1992910198"/>
               </p:ext>
             </p:extLst>
           </p:nvPr>
@@ -18132,35 +18132,35 @@
                 <a:gridCol w="1624339">
                   <a:extLst>
                     <a:ext uri="{9D8B030D-6E8A-4147-A177-3AD203B41FA5}">
-                      <a16:colId xmlns:a16="http://schemas.microsoft.com/office/drawing/2014/main" val="1228268629"/>
+                      <a16:colId xmlns:a16="http://schemas.microsoft.com/office/drawing/2014/main" xmlns="" val="1228268629"/>
                     </a:ext>
                   </a:extLst>
                 </a:gridCol>
                 <a:gridCol w="1886015">
                   <a:extLst>
                     <a:ext uri="{9D8B030D-6E8A-4147-A177-3AD203B41FA5}">
-                      <a16:colId xmlns:a16="http://schemas.microsoft.com/office/drawing/2014/main" val="4045974056"/>
+                      <a16:colId xmlns:a16="http://schemas.microsoft.com/office/drawing/2014/main" xmlns="" val="4045974056"/>
                     </a:ext>
                   </a:extLst>
                 </a:gridCol>
                 <a:gridCol w="1428139">
                   <a:extLst>
                     <a:ext uri="{9D8B030D-6E8A-4147-A177-3AD203B41FA5}">
-                      <a16:colId xmlns:a16="http://schemas.microsoft.com/office/drawing/2014/main" val="2462729159"/>
+                      <a16:colId xmlns:a16="http://schemas.microsoft.com/office/drawing/2014/main" xmlns="" val="2462729159"/>
                     </a:ext>
                   </a:extLst>
                 </a:gridCol>
                 <a:gridCol w="2349121">
                   <a:extLst>
                     <a:ext uri="{9D8B030D-6E8A-4147-A177-3AD203B41FA5}">
-                      <a16:colId xmlns:a16="http://schemas.microsoft.com/office/drawing/2014/main" val="978489334"/>
+                      <a16:colId xmlns:a16="http://schemas.microsoft.com/office/drawing/2014/main" xmlns="" val="978489334"/>
                     </a:ext>
                   </a:extLst>
                 </a:gridCol>
                 <a:gridCol w="3777260">
                   <a:extLst>
                     <a:ext uri="{9D8B030D-6E8A-4147-A177-3AD203B41FA5}">
-                      <a16:colId xmlns:a16="http://schemas.microsoft.com/office/drawing/2014/main" val="988664389"/>
+                      <a16:colId xmlns:a16="http://schemas.microsoft.com/office/drawing/2014/main" xmlns="" val="988664389"/>
                     </a:ext>
                   </a:extLst>
                 </a:gridCol>
@@ -18330,7 +18330,7 @@
                 </a:tc>
                 <a:extLst>
                   <a:ext uri="{0D108BD9-81ED-4DB2-BD59-A6C34878D82A}">
-                    <a16:rowId xmlns:a16="http://schemas.microsoft.com/office/drawing/2014/main" val="1879564901"/>
+                    <a16:rowId xmlns:a16="http://schemas.microsoft.com/office/drawing/2014/main" xmlns="" val="1879564901"/>
                   </a:ext>
                 </a:extLst>
               </a:tr>
@@ -18435,6 +18435,17 @@
                         <a:tabLst/>
                         <a:defRPr/>
                       </a:pPr>
+                      <a:r>
+                        <a:rPr lang="en-US" sz="1200" b="0" kern="1200" dirty="0" smtClean="0">
+                          <a:solidFill>
+                            <a:schemeClr val="tx1"/>
+                          </a:solidFill>
+                          <a:latin typeface="+mn-lt"/>
+                          <a:ea typeface="+mn-ea"/>
+                          <a:cs typeface="+mn-cs"/>
+                        </a:rPr>
+                        <a:t>  </a:t>
+                      </a:r>
                       <a:endParaRPr lang="en-US" sz="1200" b="0" kern="1200" dirty="0" smtClean="0">
                         <a:solidFill>
                           <a:schemeClr val="tx1"/>
@@ -18547,6 +18558,17 @@
                         <a:tabLst/>
                         <a:defRPr/>
                       </a:pPr>
+                      <a:r>
+                        <a:rPr lang="en-US" sz="1200" b="0" kern="1200" dirty="0" smtClean="0">
+                          <a:solidFill>
+                            <a:schemeClr val="tx1"/>
+                          </a:solidFill>
+                          <a:latin typeface="+mn-lt"/>
+                          <a:ea typeface="+mn-ea"/>
+                          <a:cs typeface="+mn-cs"/>
+                        </a:rPr>
+                        <a:t> </a:t>
+                      </a:r>
                       <a:endParaRPr lang="en-US" sz="1200" b="0" kern="1200" dirty="0" smtClean="0">
                         <a:solidFill>
                           <a:schemeClr val="tx1"/>
@@ -18565,7 +18587,7 @@
                 </a:tc>
                 <a:extLst>
                   <a:ext uri="{0D108BD9-81ED-4DB2-BD59-A6C34878D82A}">
-                    <a16:rowId xmlns:a16="http://schemas.microsoft.com/office/drawing/2014/main" val="359195167"/>
+                    <a16:rowId xmlns:a16="http://schemas.microsoft.com/office/drawing/2014/main" xmlns="" val="359195167"/>
                   </a:ext>
                 </a:extLst>
               </a:tr>
@@ -18638,6 +18660,14 @@
                     <a:bodyPr/>
                     <a:lstStyle/>
                     <a:p>
+                      <a:r>
+                        <a:rPr lang="en-US" sz="1200" dirty="0" smtClean="0">
+                          <a:solidFill>
+                            <a:schemeClr val="tx1"/>
+                          </a:solidFill>
+                        </a:rPr>
+                        <a:t>  </a:t>
+                      </a:r>
                       <a:endParaRPr lang="en-US" sz="1200" dirty="0">
                         <a:solidFill>
                           <a:schemeClr val="tx1"/>
@@ -18716,7 +18746,7 @@
                 </a:tc>
                 <a:extLst>
                   <a:ext uri="{0D108BD9-81ED-4DB2-BD59-A6C34878D82A}">
-                    <a16:rowId xmlns:a16="http://schemas.microsoft.com/office/drawing/2014/main" val="2388008764"/>
+                    <a16:rowId xmlns:a16="http://schemas.microsoft.com/office/drawing/2014/main" xmlns="" val="2388008764"/>
                   </a:ext>
                 </a:extLst>
               </a:tr>
@@ -19016,7 +19046,7 @@
                 </a:tc>
                 <a:extLst>
                   <a:ext uri="{0D108BD9-81ED-4DB2-BD59-A6C34878D82A}">
-                    <a16:rowId xmlns:a16="http://schemas.microsoft.com/office/drawing/2014/main" val="3742758418"/>
+                    <a16:rowId xmlns:a16="http://schemas.microsoft.com/office/drawing/2014/main" xmlns="" val="3742758418"/>
                   </a:ext>
                 </a:extLst>
               </a:tr>
@@ -19158,6 +19188,14 @@
                     <a:bodyPr/>
                     <a:lstStyle/>
                     <a:p>
+                      <a:r>
+                        <a:rPr lang="en-US" sz="1200" dirty="0" smtClean="0">
+                          <a:solidFill>
+                            <a:schemeClr val="tx1"/>
+                          </a:solidFill>
+                        </a:rPr>
+                        <a:t> </a:t>
+                      </a:r>
                       <a:endParaRPr lang="en-US" sz="1200" dirty="0">
                         <a:solidFill>
                           <a:schemeClr val="tx1"/>
@@ -19235,7 +19273,7 @@
                 </a:tc>
                 <a:extLst>
                   <a:ext uri="{0D108BD9-81ED-4DB2-BD59-A6C34878D82A}">
-                    <a16:rowId xmlns:a16="http://schemas.microsoft.com/office/drawing/2014/main" val="3286601418"/>
+                    <a16:rowId xmlns:a16="http://schemas.microsoft.com/office/drawing/2014/main" xmlns="" val="3286601418"/>
                   </a:ext>
                 </a:extLst>
               </a:tr>
@@ -19377,6 +19415,14 @@
                     <a:bodyPr/>
                     <a:lstStyle/>
                     <a:p>
+                      <a:r>
+                        <a:rPr lang="en-US" sz="1200" dirty="0" smtClean="0">
+                          <a:solidFill>
+                            <a:schemeClr val="tx1"/>
+                          </a:solidFill>
+                        </a:rPr>
+                        <a:t> </a:t>
+                      </a:r>
                       <a:endParaRPr lang="en-US" sz="1200" dirty="0">
                         <a:solidFill>
                           <a:schemeClr val="tx1"/>
@@ -19454,7 +19500,7 @@
                 </a:tc>
                 <a:extLst>
                   <a:ext uri="{0D108BD9-81ED-4DB2-BD59-A6C34878D82A}">
-                    <a16:rowId xmlns:a16="http://schemas.microsoft.com/office/drawing/2014/main" val="628591838"/>
+                    <a16:rowId xmlns:a16="http://schemas.microsoft.com/office/drawing/2014/main" xmlns="" val="628591838"/>
                   </a:ext>
                 </a:extLst>
               </a:tr>
@@ -19585,6 +19631,14 @@
                     <a:bodyPr/>
                     <a:lstStyle/>
                     <a:p>
+                      <a:r>
+                        <a:rPr lang="en-US" sz="1200" dirty="0" smtClean="0">
+                          <a:solidFill>
+                            <a:schemeClr val="tx1"/>
+                          </a:solidFill>
+                        </a:rPr>
+                        <a:t> </a:t>
+                      </a:r>
                       <a:endParaRPr lang="en-US" sz="1200" dirty="0">
                         <a:solidFill>
                           <a:schemeClr val="tx1"/>
@@ -19662,7 +19716,7 @@
                 </a:tc>
                 <a:extLst>
                   <a:ext uri="{0D108BD9-81ED-4DB2-BD59-A6C34878D82A}">
-                    <a16:rowId xmlns:a16="http://schemas.microsoft.com/office/drawing/2014/main" val="1485137538"/>
+                    <a16:rowId xmlns:a16="http://schemas.microsoft.com/office/drawing/2014/main" xmlns="" val="1485137538"/>
                   </a:ext>
                 </a:extLst>
               </a:tr>
@@ -19818,6 +19872,14 @@
                     <a:bodyPr/>
                     <a:lstStyle/>
                     <a:p>
+                      <a:r>
+                        <a:rPr lang="en-US" sz="1200" dirty="0" smtClean="0">
+                          <a:solidFill>
+                            <a:schemeClr val="tx1"/>
+                          </a:solidFill>
+                        </a:rPr>
+                        <a:t> </a:t>
+                      </a:r>
                       <a:endParaRPr lang="en-US" sz="1200" dirty="0">
                         <a:solidFill>
                           <a:schemeClr val="tx1"/>
@@ -19895,7 +19957,7 @@
                 </a:tc>
                 <a:extLst>
                   <a:ext uri="{0D108BD9-81ED-4DB2-BD59-A6C34878D82A}">
-                    <a16:rowId xmlns:a16="http://schemas.microsoft.com/office/drawing/2014/main" val="1220343380"/>
+                    <a16:rowId xmlns:a16="http://schemas.microsoft.com/office/drawing/2014/main" xmlns="" val="1220343380"/>
                   </a:ext>
                 </a:extLst>
               </a:tr>
@@ -19915,7 +19977,7 @@
             </p:custDataLst>
             <p:extLst>
               <p:ext uri="{D42A27DB-BD31-4B8C-83A1-F6EECF244321}">
-                <p14:modId xmlns:p14="http://schemas.microsoft.com/office/powerpoint/2010/main" val="781118153"/>
+                <p14:modId xmlns:p14="http://schemas.microsoft.com/office/powerpoint/2010/main" val="255624394"/>
               </p:ext>
             </p:extLst>
           </p:nvPr>
@@ -19932,35 +19994,35 @@
                 <a:gridCol w="2454326">
                   <a:extLst>
                     <a:ext uri="{9D8B030D-6E8A-4147-A177-3AD203B41FA5}">
-                      <a16:colId xmlns:a16="http://schemas.microsoft.com/office/drawing/2014/main" val="20000"/>
+                      <a16:colId xmlns:a16="http://schemas.microsoft.com/office/drawing/2014/main" xmlns="" val="20000"/>
                     </a:ext>
                   </a:extLst>
                 </a:gridCol>
                 <a:gridCol w="2306453">
                   <a:extLst>
                     <a:ext uri="{9D8B030D-6E8A-4147-A177-3AD203B41FA5}">
-                      <a16:colId xmlns:a16="http://schemas.microsoft.com/office/drawing/2014/main" val="20002"/>
+                      <a16:colId xmlns:a16="http://schemas.microsoft.com/office/drawing/2014/main" xmlns="" val="20002"/>
                     </a:ext>
                   </a:extLst>
                 </a:gridCol>
                 <a:gridCol w="2254336">
                   <a:extLst>
                     <a:ext uri="{9D8B030D-6E8A-4147-A177-3AD203B41FA5}">
-                      <a16:colId xmlns:a16="http://schemas.microsoft.com/office/drawing/2014/main" val="2575180168"/>
+                      <a16:colId xmlns:a16="http://schemas.microsoft.com/office/drawing/2014/main" xmlns="" val="2575180168"/>
                     </a:ext>
                   </a:extLst>
                 </a:gridCol>
                 <a:gridCol w="2355667">
                   <a:extLst>
                     <a:ext uri="{9D8B030D-6E8A-4147-A177-3AD203B41FA5}">
-                      <a16:colId xmlns:a16="http://schemas.microsoft.com/office/drawing/2014/main" val="20003"/>
+                      <a16:colId xmlns:a16="http://schemas.microsoft.com/office/drawing/2014/main" xmlns="" val="20003"/>
                     </a:ext>
                   </a:extLst>
                 </a:gridCol>
                 <a:gridCol w="1661586">
                   <a:extLst>
                     <a:ext uri="{9D8B030D-6E8A-4147-A177-3AD203B41FA5}">
-                      <a16:colId xmlns:a16="http://schemas.microsoft.com/office/drawing/2014/main" val="1141158204"/>
+                      <a16:colId xmlns:a16="http://schemas.microsoft.com/office/drawing/2014/main" xmlns="" val="1141158204"/>
                     </a:ext>
                   </a:extLst>
                 </a:gridCol>
@@ -20644,7 +20706,7 @@
                 </a:tc>
                 <a:extLst>
                   <a:ext uri="{0D108BD9-81ED-4DB2-BD59-A6C34878D82A}">
-                    <a16:rowId xmlns:a16="http://schemas.microsoft.com/office/drawing/2014/main" val="10000"/>
+                    <a16:rowId xmlns:a16="http://schemas.microsoft.com/office/drawing/2014/main" xmlns="" val="10000"/>
                   </a:ext>
                 </a:extLst>
               </a:tr>
@@ -20670,6 +20732,21 @@
                         <a:buNone/>
                         <a:tabLst/>
                       </a:pPr>
+                      <a:r>
+                        <a:rPr lang="en-US" sz="1200" b="0" kern="1200" dirty="0" smtClean="0">
+                          <a:solidFill>
+                            <a:schemeClr val="tx1">
+                              <a:lumMod val="75000"/>
+                              <a:lumOff val="25000"/>
+                            </a:schemeClr>
+                          </a:solidFill>
+                          <a:latin typeface="+mn-lt"/>
+                          <a:ea typeface="+mn-ea"/>
+                          <a:cs typeface="+mn-ea"/>
+                          <a:sym typeface="+mn-lt"/>
+                        </a:rPr>
+                        <a:t> </a:t>
+                      </a:r>
                       <a:endParaRPr lang="en-US" sz="1200" b="0" kern="1200" dirty="0">
                         <a:solidFill>
                           <a:schemeClr val="tx1">
@@ -20677,6 +20754,160 @@
                             <a:lumOff val="25000"/>
                           </a:schemeClr>
                         </a:solidFill>
+                        <a:latin typeface="+mn-lt"/>
+                        <a:ea typeface="+mn-ea"/>
+                        <a:cs typeface="+mn-ea"/>
+                        <a:sym typeface="+mn-lt"/>
+                      </a:endParaRPr>
+                    </a:p>
+                  </a:txBody>
+                  <a:tcPr marL="108666" marR="108666" marT="108522" marB="108522" anchor="ctr" horzOverflow="overflow">
+                    <a:lnL w="6350" cap="flat" cmpd="sng" algn="ctr">
+                      <a:solidFill>
+                        <a:schemeClr val="bg2"/>
+                      </a:solidFill>
+                      <a:prstDash val="solid"/>
+                      <a:round/>
+                      <a:headEnd type="none" w="med" len="med"/>
+                      <a:tailEnd type="none" w="med" len="med"/>
+                    </a:lnL>
+                    <a:lnR w="6350" cap="flat" cmpd="sng" algn="ctr">
+                      <a:solidFill>
+                        <a:schemeClr val="bg2"/>
+                      </a:solidFill>
+                      <a:prstDash val="solid"/>
+                      <a:round/>
+                      <a:headEnd type="none" w="med" len="med"/>
+                      <a:tailEnd type="none" w="med" len="med"/>
+                    </a:lnR>
+                    <a:lnT w="12700" cap="flat" cmpd="sng" algn="ctr">
+                      <a:noFill/>
+                      <a:prstDash val="solid"/>
+                      <a:round/>
+                      <a:headEnd type="none" w="med" len="med"/>
+                      <a:tailEnd type="none" w="med" len="med"/>
+                    </a:lnT>
+                    <a:lnB w="6350" cap="flat" cmpd="sng" algn="ctr">
+                      <a:solidFill>
+                        <a:schemeClr val="bg2"/>
+                      </a:solidFill>
+                      <a:prstDash val="solid"/>
+                      <a:round/>
+                      <a:headEnd type="none" w="med" len="med"/>
+                      <a:tailEnd type="none" w="med" len="med"/>
+                    </a:lnB>
+                    <a:lnTlToBr w="12700" cmpd="sng">
+                      <a:noFill/>
+                      <a:prstDash val="solid"/>
+                    </a:lnTlToBr>
+                    <a:lnBlToTr w="12700" cmpd="sng">
+                      <a:noFill/>
+                      <a:prstDash val="solid"/>
+                    </a:lnBlToTr>
+                  </a:tcPr>
+                </a:tc>
+                <a:tc>
+                  <a:txBody>
+                    <a:bodyPr/>
+                    <a:lstStyle/>
+                    <a:p>
+                      <a:pPr marL="0" marR="0" lvl="0" indent="0" algn="ctr" defTabSz="684213" rtl="0" eaLnBrk="0" fontAlgn="base" latinLnBrk="0" hangingPunct="0">
+                        <a:lnSpc>
+                          <a:spcPct val="100000"/>
+                        </a:lnSpc>
+                        <a:spcBef>
+                          <a:spcPts val="300"/>
+                        </a:spcBef>
+                        <a:spcAft>
+                          <a:spcPct val="0"/>
+                        </a:spcAft>
+                        <a:buClrTx/>
+                        <a:buSzPct val="100000"/>
+                        <a:buFont typeface="Arial" panose="020B0604020202020204" pitchFamily="34" charset="0"/>
+                        <a:buNone/>
+                        <a:tabLst/>
+                      </a:pPr>
+                      <a:r>
+                        <a:rPr lang="en-US" sz="1200" b="0" kern="1200" dirty="0" smtClean="0">
+                          <a:solidFill>
+                            <a:schemeClr val="tx1">
+                              <a:lumMod val="75000"/>
+                              <a:lumOff val="25000"/>
+                            </a:schemeClr>
+                          </a:solidFill>
+                          <a:latin typeface="+mn-lt"/>
+                          <a:ea typeface="+mn-ea"/>
+                          <a:cs typeface="+mn-ea"/>
+                          <a:sym typeface="+mn-lt"/>
+                        </a:rPr>
+                        <a:t> </a:t>
+                      </a:r>
+                      <a:endParaRPr lang="en-US" sz="1200" b="0" kern="1200" dirty="0">
+                        <a:solidFill>
+                          <a:schemeClr val="tx1">
+                            <a:lumMod val="75000"/>
+                            <a:lumOff val="25000"/>
+                          </a:schemeClr>
+                        </a:solidFill>
+                        <a:latin typeface="+mn-lt"/>
+                        <a:ea typeface="+mn-ea"/>
+                        <a:cs typeface="+mn-ea"/>
+                        <a:sym typeface="+mn-lt"/>
+                      </a:endParaRPr>
+                    </a:p>
+                  </a:txBody>
+                  <a:tcPr marL="108666" marR="108666" marT="108522" marB="108522" anchor="ctr" horzOverflow="overflow">
+                    <a:lnL w="6350" cap="flat" cmpd="sng" algn="ctr">
+                      <a:solidFill>
+                        <a:schemeClr val="bg2"/>
+                      </a:solidFill>
+                      <a:prstDash val="solid"/>
+                      <a:round/>
+                      <a:headEnd type="none" w="med" len="med"/>
+                      <a:tailEnd type="none" w="med" len="med"/>
+                    </a:lnL>
+                    <a:lnR w="6350" cap="flat" cmpd="sng" algn="ctr">
+                      <a:solidFill>
+                        <a:schemeClr val="bg2"/>
+                      </a:solidFill>
+                      <a:prstDash val="solid"/>
+                      <a:round/>
+                      <a:headEnd type="none" w="med" len="med"/>
+                      <a:tailEnd type="none" w="med" len="med"/>
+                    </a:lnR>
+                    <a:lnT w="12700" cap="flat" cmpd="sng" algn="ctr">
+                      <a:noFill/>
+                      <a:prstDash val="solid"/>
+                      <a:round/>
+                      <a:headEnd type="none" w="med" len="med"/>
+                      <a:tailEnd type="none" w="med" len="med"/>
+                    </a:lnT>
+                    <a:lnB w="6350" cap="flat" cmpd="sng" algn="ctr">
+                      <a:solidFill>
+                        <a:schemeClr val="bg2"/>
+                      </a:solidFill>
+                      <a:prstDash val="solid"/>
+                      <a:round/>
+                      <a:headEnd type="none" w="med" len="med"/>
+                      <a:tailEnd type="none" w="med" len="med"/>
+                    </a:lnB>
+                    <a:lnTlToBr w="12700" cmpd="sng">
+                      <a:noFill/>
+                      <a:prstDash val="solid"/>
+                    </a:lnTlToBr>
+                    <a:lnBlToTr w="12700" cmpd="sng">
+                      <a:noFill/>
+                      <a:prstDash val="solid"/>
+                    </a:lnBlToTr>
+                  </a:tcPr>
+                </a:tc>
+                <a:tc>
+                  <a:txBody>
+                    <a:bodyPr/>
+                    <a:lstStyle/>
+                    <a:p>
+                      <a:pPr algn="ctr"/>
+                      <a:endParaRPr lang="en-US" sz="1200" dirty="0">
                         <a:latin typeface="+mn-lt"/>
                         <a:ea typeface="+mn-ea"/>
                         <a:cs typeface="+mn-ea"/>
@@ -20814,65 +21045,6 @@
                     <a:bodyPr/>
                     <a:lstStyle/>
                     <a:p>
-                      <a:pPr algn="ctr"/>
-                      <a:endParaRPr lang="en-US" sz="1200" dirty="0">
-                        <a:latin typeface="+mn-lt"/>
-                        <a:ea typeface="+mn-ea"/>
-                        <a:cs typeface="+mn-ea"/>
-                        <a:sym typeface="+mn-lt"/>
-                      </a:endParaRPr>
-                    </a:p>
-                  </a:txBody>
-                  <a:tcPr marL="108666" marR="108666" marT="108522" marB="108522" anchor="ctr" horzOverflow="overflow">
-                    <a:lnL w="6350" cap="flat" cmpd="sng" algn="ctr">
-                      <a:solidFill>
-                        <a:schemeClr val="bg2"/>
-                      </a:solidFill>
-                      <a:prstDash val="solid"/>
-                      <a:round/>
-                      <a:headEnd type="none" w="med" len="med"/>
-                      <a:tailEnd type="none" w="med" len="med"/>
-                    </a:lnL>
-                    <a:lnR w="6350" cap="flat" cmpd="sng" algn="ctr">
-                      <a:solidFill>
-                        <a:schemeClr val="bg2"/>
-                      </a:solidFill>
-                      <a:prstDash val="solid"/>
-                      <a:round/>
-                      <a:headEnd type="none" w="med" len="med"/>
-                      <a:tailEnd type="none" w="med" len="med"/>
-                    </a:lnR>
-                    <a:lnT w="12700" cap="flat" cmpd="sng" algn="ctr">
-                      <a:noFill/>
-                      <a:prstDash val="solid"/>
-                      <a:round/>
-                      <a:headEnd type="none" w="med" len="med"/>
-                      <a:tailEnd type="none" w="med" len="med"/>
-                    </a:lnT>
-                    <a:lnB w="6350" cap="flat" cmpd="sng" algn="ctr">
-                      <a:solidFill>
-                        <a:schemeClr val="bg2"/>
-                      </a:solidFill>
-                      <a:prstDash val="solid"/>
-                      <a:round/>
-                      <a:headEnd type="none" w="med" len="med"/>
-                      <a:tailEnd type="none" w="med" len="med"/>
-                    </a:lnB>
-                    <a:lnTlToBr w="12700" cmpd="sng">
-                      <a:noFill/>
-                      <a:prstDash val="solid"/>
-                    </a:lnTlToBr>
-                    <a:lnBlToTr w="12700" cmpd="sng">
-                      <a:noFill/>
-                      <a:prstDash val="solid"/>
-                    </a:lnBlToTr>
-                  </a:tcPr>
-                </a:tc>
-                <a:tc>
-                  <a:txBody>
-                    <a:bodyPr/>
-                    <a:lstStyle/>
-                    <a:p>
                       <a:pPr marL="0" marR="0" lvl="0" indent="0" algn="ctr" defTabSz="684213" rtl="0" eaLnBrk="0" fontAlgn="base" latinLnBrk="0" hangingPunct="0">
                         <a:lnSpc>
                           <a:spcPct val="100000"/>
@@ -20922,8 +21094,10 @@
                       <a:headEnd type="none" w="med" len="med"/>
                       <a:tailEnd type="none" w="med" len="med"/>
                     </a:lnR>
-                    <a:lnT w="12700" cap="flat" cmpd="sng" algn="ctr">
-                      <a:noFill/>
+                    <a:lnT w="6350" cap="flat" cmpd="sng" algn="ctr">
+                      <a:solidFill>
+                        <a:schemeClr val="bg2"/>
+                      </a:solidFill>
                       <a:prstDash val="solid"/>
                       <a:round/>
                       <a:headEnd type="none" w="med" len="med"/>
@@ -20948,91 +21122,9 @@
                     </a:lnBlToTr>
                   </a:tcPr>
                 </a:tc>
-                <a:tc>
-                  <a:txBody>
-                    <a:bodyPr/>
-                    <a:lstStyle/>
-                    <a:p>
-                      <a:pPr marL="0" marR="0" lvl="0" indent="0" algn="ctr" defTabSz="684213" rtl="0" eaLnBrk="0" fontAlgn="base" latinLnBrk="0" hangingPunct="0">
-                        <a:lnSpc>
-                          <a:spcPct val="100000"/>
-                        </a:lnSpc>
-                        <a:spcBef>
-                          <a:spcPts val="300"/>
-                        </a:spcBef>
-                        <a:spcAft>
-                          <a:spcPct val="0"/>
-                        </a:spcAft>
-                        <a:buClrTx/>
-                        <a:buSzPct val="100000"/>
-                        <a:buFont typeface="Arial" panose="020B0604020202020204" pitchFamily="34" charset="0"/>
-                        <a:buNone/>
-                        <a:tabLst/>
-                      </a:pPr>
-                      <a:endParaRPr lang="en-US" sz="1200" b="0" kern="1200" dirty="0">
-                        <a:solidFill>
-                          <a:schemeClr val="tx1">
-                            <a:lumMod val="75000"/>
-                            <a:lumOff val="25000"/>
-                          </a:schemeClr>
-                        </a:solidFill>
-                        <a:latin typeface="+mn-lt"/>
-                        <a:ea typeface="+mn-ea"/>
-                        <a:cs typeface="+mn-ea"/>
-                        <a:sym typeface="+mn-lt"/>
-                      </a:endParaRPr>
-                    </a:p>
-                  </a:txBody>
-                  <a:tcPr marL="108666" marR="108666" marT="108522" marB="108522" anchor="ctr" horzOverflow="overflow">
-                    <a:lnL w="6350" cap="flat" cmpd="sng" algn="ctr">
-                      <a:solidFill>
-                        <a:schemeClr val="bg2"/>
-                      </a:solidFill>
-                      <a:prstDash val="solid"/>
-                      <a:round/>
-                      <a:headEnd type="none" w="med" len="med"/>
-                      <a:tailEnd type="none" w="med" len="med"/>
-                    </a:lnL>
-                    <a:lnR w="6350" cap="flat" cmpd="sng" algn="ctr">
-                      <a:solidFill>
-                        <a:schemeClr val="bg2"/>
-                      </a:solidFill>
-                      <a:prstDash val="solid"/>
-                      <a:round/>
-                      <a:headEnd type="none" w="med" len="med"/>
-                      <a:tailEnd type="none" w="med" len="med"/>
-                    </a:lnR>
-                    <a:lnT w="6350" cap="flat" cmpd="sng" algn="ctr">
-                      <a:solidFill>
-                        <a:schemeClr val="bg2"/>
-                      </a:solidFill>
-                      <a:prstDash val="solid"/>
-                      <a:round/>
-                      <a:headEnd type="none" w="med" len="med"/>
-                      <a:tailEnd type="none" w="med" len="med"/>
-                    </a:lnT>
-                    <a:lnB w="6350" cap="flat" cmpd="sng" algn="ctr">
-                      <a:solidFill>
-                        <a:schemeClr val="bg2"/>
-                      </a:solidFill>
-                      <a:prstDash val="solid"/>
-                      <a:round/>
-                      <a:headEnd type="none" w="med" len="med"/>
-                      <a:tailEnd type="none" w="med" len="med"/>
-                    </a:lnB>
-                    <a:lnTlToBr w="12700" cmpd="sng">
-                      <a:noFill/>
-                      <a:prstDash val="solid"/>
-                    </a:lnTlToBr>
-                    <a:lnBlToTr w="12700" cmpd="sng">
-                      <a:noFill/>
-                      <a:prstDash val="solid"/>
-                    </a:lnBlToTr>
-                  </a:tcPr>
-                </a:tc>
                 <a:extLst>
                   <a:ext uri="{0D108BD9-81ED-4DB2-BD59-A6C34878D82A}">
-                    <a16:rowId xmlns:a16="http://schemas.microsoft.com/office/drawing/2014/main" val="3242880312"/>
+                    <a16:rowId xmlns:a16="http://schemas.microsoft.com/office/drawing/2014/main" xmlns="" val="3242880312"/>
                   </a:ext>
                 </a:extLst>
               </a:tr>
@@ -21475,7 +21567,7 @@
           <p:nvPr>
             <p:extLst>
               <p:ext uri="{D42A27DB-BD31-4B8C-83A1-F6EECF244321}">
-                <p14:modId xmlns:p14="http://schemas.microsoft.com/office/powerpoint/2010/main" val="521586992"/>
+                <p14:modId xmlns:p14="http://schemas.microsoft.com/office/powerpoint/2010/main" val="3099473841"/>
               </p:ext>
             </p:extLst>
           </p:nvPr>
@@ -21494,49 +21586,49 @@
                 <a:gridCol w="1632001">
                   <a:extLst>
                     <a:ext uri="{9D8B030D-6E8A-4147-A177-3AD203B41FA5}">
-                      <a16:colId xmlns:a16="http://schemas.microsoft.com/office/drawing/2014/main" val="20000"/>
+                      <a16:colId xmlns:a16="http://schemas.microsoft.com/office/drawing/2014/main" xmlns="" val="20000"/>
                     </a:ext>
                   </a:extLst>
                 </a:gridCol>
                 <a:gridCol w="1318766">
                   <a:extLst>
                     <a:ext uri="{9D8B030D-6E8A-4147-A177-3AD203B41FA5}">
-                      <a16:colId xmlns:a16="http://schemas.microsoft.com/office/drawing/2014/main" val="20002"/>
+                      <a16:colId xmlns:a16="http://schemas.microsoft.com/office/drawing/2014/main" xmlns="" val="20002"/>
                     </a:ext>
                   </a:extLst>
                 </a:gridCol>
                 <a:gridCol w="2102761">
                   <a:extLst>
                     <a:ext uri="{9D8B030D-6E8A-4147-A177-3AD203B41FA5}">
-                      <a16:colId xmlns:a16="http://schemas.microsoft.com/office/drawing/2014/main" val="20001"/>
+                      <a16:colId xmlns:a16="http://schemas.microsoft.com/office/drawing/2014/main" xmlns="" val="20001"/>
                     </a:ext>
                   </a:extLst>
                 </a:gridCol>
                 <a:gridCol w="1376741">
                   <a:extLst>
                     <a:ext uri="{9D8B030D-6E8A-4147-A177-3AD203B41FA5}">
-                      <a16:colId xmlns:a16="http://schemas.microsoft.com/office/drawing/2014/main" val="20003"/>
+                      <a16:colId xmlns:a16="http://schemas.microsoft.com/office/drawing/2014/main" xmlns="" val="20003"/>
                     </a:ext>
                   </a:extLst>
                 </a:gridCol>
                 <a:gridCol w="1685234">
                   <a:extLst>
                     <a:ext uri="{9D8B030D-6E8A-4147-A177-3AD203B41FA5}">
-                      <a16:colId xmlns:a16="http://schemas.microsoft.com/office/drawing/2014/main" val="20004"/>
+                      <a16:colId xmlns:a16="http://schemas.microsoft.com/office/drawing/2014/main" xmlns="" val="20004"/>
                     </a:ext>
                   </a:extLst>
                 </a:gridCol>
                 <a:gridCol w="1194929">
                   <a:extLst>
                     <a:ext uri="{9D8B030D-6E8A-4147-A177-3AD203B41FA5}">
-                      <a16:colId xmlns:a16="http://schemas.microsoft.com/office/drawing/2014/main" val="20005"/>
+                      <a16:colId xmlns:a16="http://schemas.microsoft.com/office/drawing/2014/main" xmlns="" val="20005"/>
                     </a:ext>
                   </a:extLst>
                 </a:gridCol>
                 <a:gridCol w="1769560">
                   <a:extLst>
                     <a:ext uri="{9D8B030D-6E8A-4147-A177-3AD203B41FA5}">
-                      <a16:colId xmlns:a16="http://schemas.microsoft.com/office/drawing/2014/main" val="20006"/>
+                      <a16:colId xmlns:a16="http://schemas.microsoft.com/office/drawing/2014/main" xmlns="" val="20006"/>
                     </a:ext>
                   </a:extLst>
                 </a:gridCol>
@@ -22115,7 +22207,1175 @@
                 </a:tc>
                 <a:extLst>
                   <a:ext uri="{0D108BD9-81ED-4DB2-BD59-A6C34878D82A}">
-                    <a16:rowId xmlns:a16="http://schemas.microsoft.com/office/drawing/2014/main" val="10000"/>
+                    <a16:rowId xmlns:a16="http://schemas.microsoft.com/office/drawing/2014/main" xmlns="" val="10000"/>
+                  </a:ext>
+                </a:extLst>
+              </a:tr>
+              <a:tr h="445945">
+                <a:tc>
+                  <a:txBody>
+                    <a:bodyPr/>
+                    <a:lstStyle/>
+                    <a:p>
+                      <a:pPr marL="0" marR="0" lvl="0" indent="0" algn="ctr" defTabSz="685792" rtl="0" eaLnBrk="1" fontAlgn="auto" latinLnBrk="0" hangingPunct="1">
+                        <a:lnSpc>
+                          <a:spcPct val="130000"/>
+                        </a:lnSpc>
+                        <a:spcBef>
+                          <a:spcPts val="0"/>
+                        </a:spcBef>
+                        <a:spcAft>
+                          <a:spcPts val="0"/>
+                        </a:spcAft>
+                        <a:buClrTx/>
+                        <a:buSzTx/>
+                        <a:buFontTx/>
+                        <a:buNone/>
+                        <a:tabLst/>
+                        <a:defRPr/>
+                      </a:pPr>
+                      <a:r>
+                        <a:rPr lang="en-US" sz="1200" b="0" kern="1200" dirty="0" smtClean="0">
+                          <a:solidFill>
+                            <a:schemeClr val="tx1">
+                              <a:lumMod val="75000"/>
+                              <a:lumOff val="25000"/>
+                            </a:schemeClr>
+                          </a:solidFill>
+                          <a:latin typeface="+mn-lt"/>
+                          <a:ea typeface="+mn-ea"/>
+                          <a:cs typeface="+mn-ea"/>
+                          <a:sym typeface="+mn-lt"/>
+                        </a:rPr>
+                        <a:t> </a:t>
+                      </a:r>
+                      <a:endParaRPr lang="en-US" sz="1200" b="0" kern="1200" dirty="0" smtClean="0">
+                        <a:solidFill>
+                          <a:schemeClr val="tx1">
+                            <a:lumMod val="75000"/>
+                            <a:lumOff val="25000"/>
+                          </a:schemeClr>
+                        </a:solidFill>
+                        <a:latin typeface="+mn-lt"/>
+                        <a:ea typeface="+mn-ea"/>
+                        <a:cs typeface="+mn-ea"/>
+                        <a:sym typeface="+mn-lt"/>
+                      </a:endParaRPr>
+                    </a:p>
+                  </a:txBody>
+                  <a:tcPr marL="108666" marR="108666" marT="108522" marB="108522" anchor="ctr">
+                    <a:lnL w="57150" cap="flat" cmpd="sng" algn="ctr">
+                      <a:noFill/>
+                      <a:prstDash val="solid"/>
+                      <a:round/>
+                      <a:headEnd type="none" w="med" len="med"/>
+                      <a:tailEnd type="none" w="med" len="med"/>
+                    </a:lnL>
+                    <a:lnR w="3175" cap="flat" cmpd="sng" algn="ctr">
+                      <a:noFill/>
+                      <a:prstDash val="solid"/>
+                      <a:round/>
+                      <a:headEnd type="none" w="med" len="med"/>
+                      <a:tailEnd type="none" w="med" len="med"/>
+                    </a:lnR>
+                    <a:lnT w="6350" cap="flat" cmpd="sng" algn="ctr">
+                      <a:noFill/>
+                      <a:prstDash val="solid"/>
+                      <a:round/>
+                      <a:headEnd type="none" w="med" len="med"/>
+                      <a:tailEnd type="none" w="med" len="med"/>
+                    </a:lnT>
+                    <a:lnB w="3175" cap="flat" cmpd="sng" algn="ctr">
+                      <a:noFill/>
+                      <a:prstDash val="sysDot"/>
+                      <a:round/>
+                      <a:headEnd type="none" w="med" len="med"/>
+                      <a:tailEnd type="none" w="med" len="med"/>
+                    </a:lnB>
+                    <a:lnTlToBr w="12700" cmpd="sng">
+                      <a:noFill/>
+                      <a:prstDash val="solid"/>
+                    </a:lnTlToBr>
+                    <a:lnBlToTr w="12700" cmpd="sng">
+                      <a:noFill/>
+                      <a:prstDash val="solid"/>
+                    </a:lnBlToTr>
+                    <a:noFill/>
+                  </a:tcPr>
+                </a:tc>
+                <a:tc>
+                  <a:txBody>
+                    <a:bodyPr/>
+                    <a:lstStyle/>
+                    <a:p>
+                      <a:pPr marL="0" marR="0" lvl="0" indent="0" algn="l" defTabSz="685792" rtl="0" eaLnBrk="1" fontAlgn="auto" latinLnBrk="0" hangingPunct="1">
+                        <a:lnSpc>
+                          <a:spcPct val="130000"/>
+                        </a:lnSpc>
+                        <a:spcBef>
+                          <a:spcPts val="0"/>
+                        </a:spcBef>
+                        <a:spcAft>
+                          <a:spcPts val="0"/>
+                        </a:spcAft>
+                        <a:buClrTx/>
+                        <a:buSzTx/>
+                        <a:buFontTx/>
+                        <a:buNone/>
+                        <a:tabLst/>
+                        <a:defRPr/>
+                      </a:pPr>
+                      <a:r>
+                        <a:rPr lang="en-US" altLang="zh-CN" sz="1200" b="0" kern="1200" dirty="0" smtClean="0">
+                          <a:solidFill>
+                            <a:schemeClr val="tx1">
+                              <a:lumMod val="75000"/>
+                              <a:lumOff val="25000"/>
+                            </a:schemeClr>
+                          </a:solidFill>
+                          <a:latin typeface="+mn-lt"/>
+                          <a:ea typeface="+mn-ea"/>
+                          <a:cs typeface="+mn-ea"/>
+                          <a:sym typeface="+mn-lt"/>
+                        </a:rPr>
+                        <a:t> </a:t>
+                      </a:r>
+                      <a:endParaRPr lang="en-US" altLang="zh-CN" sz="1200" b="0" kern="1200" dirty="0">
+                        <a:solidFill>
+                          <a:schemeClr val="tx1">
+                            <a:lumMod val="75000"/>
+                            <a:lumOff val="25000"/>
+                          </a:schemeClr>
+                        </a:solidFill>
+                        <a:latin typeface="+mn-lt"/>
+                        <a:ea typeface="+mn-ea"/>
+                        <a:cs typeface="+mn-ea"/>
+                        <a:sym typeface="+mn-lt"/>
+                      </a:endParaRPr>
+                    </a:p>
+                  </a:txBody>
+                  <a:tcPr marL="108666" marR="108666" marT="108522" marB="108522" anchor="ctr">
+                    <a:lnL w="3175" cap="flat" cmpd="sng" algn="ctr">
+                      <a:noFill/>
+                      <a:prstDash val="solid"/>
+                      <a:round/>
+                      <a:headEnd type="none" w="med" len="med"/>
+                      <a:tailEnd type="none" w="med" len="med"/>
+                    </a:lnL>
+                    <a:lnR w="57150" cap="flat" cmpd="sng" algn="ctr">
+                      <a:noFill/>
+                      <a:prstDash val="solid"/>
+                      <a:round/>
+                      <a:headEnd type="none" w="med" len="med"/>
+                      <a:tailEnd type="none" w="med" len="med"/>
+                    </a:lnR>
+                    <a:lnT w="6350" cap="flat" cmpd="sng" algn="ctr">
+                      <a:noFill/>
+                      <a:prstDash val="solid"/>
+                      <a:round/>
+                      <a:headEnd type="none" w="med" len="med"/>
+                      <a:tailEnd type="none" w="med" len="med"/>
+                    </a:lnT>
+                    <a:lnB w="3175" cap="flat" cmpd="sng" algn="ctr">
+                      <a:noFill/>
+                      <a:prstDash val="sysDot"/>
+                      <a:round/>
+                      <a:headEnd type="none" w="med" len="med"/>
+                      <a:tailEnd type="none" w="med" len="med"/>
+                    </a:lnB>
+                    <a:lnTlToBr w="12700" cmpd="sng">
+                      <a:noFill/>
+                      <a:prstDash val="solid"/>
+                    </a:lnTlToBr>
+                    <a:lnBlToTr w="12700" cmpd="sng">
+                      <a:noFill/>
+                      <a:prstDash val="solid"/>
+                    </a:lnBlToTr>
+                    <a:noFill/>
+                  </a:tcPr>
+                </a:tc>
+                <a:tc>
+                  <a:txBody>
+                    <a:bodyPr/>
+                    <a:lstStyle/>
+                    <a:p>
+                      <a:pPr marL="0" marR="0" lvl="0" indent="0" algn="l" defTabSz="685792" rtl="0" eaLnBrk="1" fontAlgn="auto" latinLnBrk="0" hangingPunct="1">
+                        <a:lnSpc>
+                          <a:spcPct val="130000"/>
+                        </a:lnSpc>
+                        <a:spcBef>
+                          <a:spcPts val="0"/>
+                        </a:spcBef>
+                        <a:spcAft>
+                          <a:spcPts val="0"/>
+                        </a:spcAft>
+                        <a:buClrTx/>
+                        <a:buSzTx/>
+                        <a:buFontTx/>
+                        <a:buNone/>
+                        <a:tabLst/>
+                        <a:defRPr/>
+                      </a:pPr>
+                      <a:r>
+                        <a:rPr lang="en-US" altLang="zh-CN" sz="1200" b="0" kern="1200" dirty="0" smtClean="0">
+                          <a:solidFill>
+                            <a:schemeClr val="tx1">
+                              <a:lumMod val="75000"/>
+                              <a:lumOff val="25000"/>
+                            </a:schemeClr>
+                          </a:solidFill>
+                          <a:latin typeface="+mn-lt"/>
+                          <a:ea typeface="+mn-ea"/>
+                          <a:cs typeface="+mn-ea"/>
+                          <a:sym typeface="+mn-lt"/>
+                        </a:rPr>
+                        <a:t> </a:t>
+                      </a:r>
+                      <a:endParaRPr lang="en-US" altLang="zh-CN" sz="1200" b="0" kern="1200" dirty="0">
+                        <a:solidFill>
+                          <a:schemeClr val="tx1">
+                            <a:lumMod val="75000"/>
+                            <a:lumOff val="25000"/>
+                          </a:schemeClr>
+                        </a:solidFill>
+                        <a:latin typeface="+mn-lt"/>
+                        <a:ea typeface="+mn-ea"/>
+                        <a:cs typeface="+mn-ea"/>
+                        <a:sym typeface="+mn-lt"/>
+                      </a:endParaRPr>
+                    </a:p>
+                  </a:txBody>
+                  <a:tcPr marL="108666" marR="108666" marT="108522" marB="108522" anchor="ctr">
+                    <a:lnL w="3175" cap="flat" cmpd="sng" algn="ctr">
+                      <a:noFill/>
+                      <a:prstDash val="solid"/>
+                      <a:round/>
+                      <a:headEnd type="none" w="med" len="med"/>
+                      <a:tailEnd type="none" w="med" len="med"/>
+                    </a:lnL>
+                    <a:lnR w="57150" cap="flat" cmpd="sng" algn="ctr">
+                      <a:noFill/>
+                      <a:prstDash val="solid"/>
+                      <a:round/>
+                      <a:headEnd type="none" w="med" len="med"/>
+                      <a:tailEnd type="none" w="med" len="med"/>
+                    </a:lnR>
+                    <a:lnT w="6350" cap="flat" cmpd="sng" algn="ctr">
+                      <a:noFill/>
+                      <a:prstDash val="solid"/>
+                      <a:round/>
+                      <a:headEnd type="none" w="med" len="med"/>
+                      <a:tailEnd type="none" w="med" len="med"/>
+                    </a:lnT>
+                    <a:lnB w="3175" cap="flat" cmpd="sng" algn="ctr">
+                      <a:noFill/>
+                      <a:prstDash val="sysDot"/>
+                      <a:round/>
+                      <a:headEnd type="none" w="med" len="med"/>
+                      <a:tailEnd type="none" w="med" len="med"/>
+                    </a:lnB>
+                    <a:lnTlToBr w="12700" cmpd="sng">
+                      <a:noFill/>
+                      <a:prstDash val="solid"/>
+                    </a:lnTlToBr>
+                    <a:lnBlToTr w="12700" cmpd="sng">
+                      <a:noFill/>
+                      <a:prstDash val="solid"/>
+                    </a:lnBlToTr>
+                    <a:noFill/>
+                  </a:tcPr>
+                </a:tc>
+                <a:tc>
+                  <a:txBody>
+                    <a:bodyPr/>
+                    <a:lstStyle/>
+                    <a:p>
+                      <a:pPr marL="0" marR="0" lvl="0" indent="0" algn="l" defTabSz="685792" rtl="0" eaLnBrk="1" fontAlgn="auto" latinLnBrk="0" hangingPunct="1">
+                        <a:lnSpc>
+                          <a:spcPct val="130000"/>
+                        </a:lnSpc>
+                        <a:spcBef>
+                          <a:spcPts val="0"/>
+                        </a:spcBef>
+                        <a:spcAft>
+                          <a:spcPts val="0"/>
+                        </a:spcAft>
+                        <a:buClrTx/>
+                        <a:buSzTx/>
+                        <a:buFontTx/>
+                        <a:buNone/>
+                        <a:tabLst/>
+                        <a:defRPr/>
+                      </a:pPr>
+                      <a:r>
+                        <a:rPr lang="en-US" altLang="zh-CN" sz="1200" b="0" kern="1200" dirty="0" smtClean="0">
+                          <a:solidFill>
+                            <a:schemeClr val="tx1">
+                              <a:lumMod val="75000"/>
+                              <a:lumOff val="25000"/>
+                            </a:schemeClr>
+                          </a:solidFill>
+                          <a:latin typeface="+mn-lt"/>
+                          <a:ea typeface="+mn-ea"/>
+                          <a:cs typeface="+mn-ea"/>
+                          <a:sym typeface="+mn-lt"/>
+                        </a:rPr>
+                        <a:t> </a:t>
+                      </a:r>
+                      <a:endParaRPr lang="en-US" altLang="zh-CN" sz="1200" b="0" kern="1200" dirty="0">
+                        <a:solidFill>
+                          <a:schemeClr val="tx1">
+                            <a:lumMod val="75000"/>
+                            <a:lumOff val="25000"/>
+                          </a:schemeClr>
+                        </a:solidFill>
+                        <a:latin typeface="+mn-lt"/>
+                        <a:ea typeface="+mn-ea"/>
+                        <a:cs typeface="+mn-ea"/>
+                        <a:sym typeface="+mn-lt"/>
+                      </a:endParaRPr>
+                    </a:p>
+                  </a:txBody>
+                  <a:tcPr marL="108666" marR="108666" marT="108522" marB="108522" anchor="ctr">
+                    <a:lnL w="3175" cap="flat" cmpd="sng" algn="ctr">
+                      <a:noFill/>
+                      <a:prstDash val="solid"/>
+                      <a:round/>
+                      <a:headEnd type="none" w="med" len="med"/>
+                      <a:tailEnd type="none" w="med" len="med"/>
+                    </a:lnL>
+                    <a:lnR w="57150" cap="flat" cmpd="sng" algn="ctr">
+                      <a:noFill/>
+                      <a:prstDash val="solid"/>
+                      <a:round/>
+                      <a:headEnd type="none" w="med" len="med"/>
+                      <a:tailEnd type="none" w="med" len="med"/>
+                    </a:lnR>
+                    <a:lnT w="6350" cap="flat" cmpd="sng" algn="ctr">
+                      <a:noFill/>
+                      <a:prstDash val="solid"/>
+                      <a:round/>
+                      <a:headEnd type="none" w="med" len="med"/>
+                      <a:tailEnd type="none" w="med" len="med"/>
+                    </a:lnT>
+                    <a:lnB w="3175" cap="flat" cmpd="sng" algn="ctr">
+                      <a:noFill/>
+                      <a:prstDash val="sysDot"/>
+                      <a:round/>
+                      <a:headEnd type="none" w="med" len="med"/>
+                      <a:tailEnd type="none" w="med" len="med"/>
+                    </a:lnB>
+                    <a:lnTlToBr w="12700" cmpd="sng">
+                      <a:noFill/>
+                      <a:prstDash val="solid"/>
+                    </a:lnTlToBr>
+                    <a:lnBlToTr w="12700" cmpd="sng">
+                      <a:noFill/>
+                      <a:prstDash val="solid"/>
+                    </a:lnBlToTr>
+                    <a:noFill/>
+                  </a:tcPr>
+                </a:tc>
+                <a:tc>
+                  <a:txBody>
+                    <a:bodyPr/>
+                    <a:lstStyle/>
+                    <a:p>
+                      <a:pPr marL="0" marR="0" lvl="0" indent="0" algn="l" defTabSz="685792" rtl="0" eaLnBrk="1" fontAlgn="auto" latinLnBrk="0" hangingPunct="1">
+                        <a:lnSpc>
+                          <a:spcPct val="130000"/>
+                        </a:lnSpc>
+                        <a:spcBef>
+                          <a:spcPts val="0"/>
+                        </a:spcBef>
+                        <a:spcAft>
+                          <a:spcPts val="0"/>
+                        </a:spcAft>
+                        <a:buClrTx/>
+                        <a:buSzTx/>
+                        <a:buFontTx/>
+                        <a:buNone/>
+                        <a:tabLst/>
+                        <a:defRPr/>
+                      </a:pPr>
+                      <a:r>
+                        <a:rPr lang="en-US" altLang="zh-CN" sz="1200" b="0" kern="1200" dirty="0" smtClean="0">
+                          <a:solidFill>
+                            <a:schemeClr val="tx1">
+                              <a:lumMod val="75000"/>
+                              <a:lumOff val="25000"/>
+                            </a:schemeClr>
+                          </a:solidFill>
+                          <a:latin typeface="+mn-lt"/>
+                          <a:ea typeface="+mn-ea"/>
+                          <a:cs typeface="+mn-ea"/>
+                          <a:sym typeface="+mn-lt"/>
+                        </a:rPr>
+                        <a:t> </a:t>
+                      </a:r>
+                      <a:endParaRPr lang="en-US" altLang="zh-CN" sz="1200" b="0" kern="1200" dirty="0">
+                        <a:solidFill>
+                          <a:schemeClr val="tx1">
+                            <a:lumMod val="75000"/>
+                            <a:lumOff val="25000"/>
+                          </a:schemeClr>
+                        </a:solidFill>
+                        <a:latin typeface="+mn-lt"/>
+                        <a:ea typeface="+mn-ea"/>
+                        <a:cs typeface="+mn-ea"/>
+                        <a:sym typeface="+mn-lt"/>
+                      </a:endParaRPr>
+                    </a:p>
+                  </a:txBody>
+                  <a:tcPr marL="108666" marR="108666" marT="108522" marB="108522" anchor="ctr">
+                    <a:lnL w="3175" cap="flat" cmpd="sng" algn="ctr">
+                      <a:noFill/>
+                      <a:prstDash val="solid"/>
+                      <a:round/>
+                      <a:headEnd type="none" w="med" len="med"/>
+                      <a:tailEnd type="none" w="med" len="med"/>
+                    </a:lnL>
+                    <a:lnR w="57150" cap="flat" cmpd="sng" algn="ctr">
+                      <a:noFill/>
+                      <a:prstDash val="solid"/>
+                      <a:round/>
+                      <a:headEnd type="none" w="med" len="med"/>
+                      <a:tailEnd type="none" w="med" len="med"/>
+                    </a:lnR>
+                    <a:lnT w="6350" cap="flat" cmpd="sng" algn="ctr">
+                      <a:noFill/>
+                      <a:prstDash val="solid"/>
+                      <a:round/>
+                      <a:headEnd type="none" w="med" len="med"/>
+                      <a:tailEnd type="none" w="med" len="med"/>
+                    </a:lnT>
+                    <a:lnB w="3175" cap="flat" cmpd="sng" algn="ctr">
+                      <a:noFill/>
+                      <a:prstDash val="sysDot"/>
+                      <a:round/>
+                      <a:headEnd type="none" w="med" len="med"/>
+                      <a:tailEnd type="none" w="med" len="med"/>
+                    </a:lnB>
+                    <a:lnTlToBr w="12700" cmpd="sng">
+                      <a:noFill/>
+                      <a:prstDash val="solid"/>
+                    </a:lnTlToBr>
+                    <a:lnBlToTr w="12700" cmpd="sng">
+                      <a:noFill/>
+                      <a:prstDash val="solid"/>
+                    </a:lnBlToTr>
+                    <a:noFill/>
+                  </a:tcPr>
+                </a:tc>
+                <a:tc>
+                  <a:txBody>
+                    <a:bodyPr/>
+                    <a:lstStyle/>
+                    <a:p>
+                      <a:pPr marL="0" marR="0" lvl="0" indent="0" algn="l" defTabSz="685792" rtl="0" eaLnBrk="1" fontAlgn="auto" latinLnBrk="0" hangingPunct="1">
+                        <a:lnSpc>
+                          <a:spcPct val="130000"/>
+                        </a:lnSpc>
+                        <a:spcBef>
+                          <a:spcPts val="0"/>
+                        </a:spcBef>
+                        <a:spcAft>
+                          <a:spcPts val="0"/>
+                        </a:spcAft>
+                        <a:buClrTx/>
+                        <a:buSzTx/>
+                        <a:buFontTx/>
+                        <a:buNone/>
+                        <a:tabLst/>
+                        <a:defRPr/>
+                      </a:pPr>
+                      <a:r>
+                        <a:rPr lang="en-US" altLang="zh-CN" sz="1200" b="0" kern="1200" dirty="0" smtClean="0">
+                          <a:solidFill>
+                            <a:schemeClr val="tx1">
+                              <a:lumMod val="75000"/>
+                              <a:lumOff val="25000"/>
+                            </a:schemeClr>
+                          </a:solidFill>
+                          <a:latin typeface="+mn-lt"/>
+                          <a:ea typeface="+mn-ea"/>
+                          <a:cs typeface="+mn-ea"/>
+                          <a:sym typeface="+mn-lt"/>
+                        </a:rPr>
+                        <a:t> </a:t>
+                      </a:r>
+                      <a:endParaRPr lang="en-US" altLang="zh-CN" sz="1200" b="0" kern="1200" dirty="0">
+                        <a:solidFill>
+                          <a:schemeClr val="tx1">
+                            <a:lumMod val="75000"/>
+                            <a:lumOff val="25000"/>
+                          </a:schemeClr>
+                        </a:solidFill>
+                        <a:latin typeface="+mn-lt"/>
+                        <a:ea typeface="+mn-ea"/>
+                        <a:cs typeface="+mn-ea"/>
+                        <a:sym typeface="+mn-lt"/>
+                      </a:endParaRPr>
+                    </a:p>
+                  </a:txBody>
+                  <a:tcPr marL="108666" marR="108666" marT="108522" marB="108522" anchor="ctr">
+                    <a:lnL w="3175" cap="flat" cmpd="sng" algn="ctr">
+                      <a:noFill/>
+                      <a:prstDash val="solid"/>
+                      <a:round/>
+                      <a:headEnd type="none" w="med" len="med"/>
+                      <a:tailEnd type="none" w="med" len="med"/>
+                    </a:lnL>
+                    <a:lnR w="57150" cap="flat" cmpd="sng" algn="ctr">
+                      <a:noFill/>
+                      <a:prstDash val="solid"/>
+                      <a:round/>
+                      <a:headEnd type="none" w="med" len="med"/>
+                      <a:tailEnd type="none" w="med" len="med"/>
+                    </a:lnR>
+                    <a:lnT w="6350" cap="flat" cmpd="sng" algn="ctr">
+                      <a:noFill/>
+                      <a:prstDash val="solid"/>
+                      <a:round/>
+                      <a:headEnd type="none" w="med" len="med"/>
+                      <a:tailEnd type="none" w="med" len="med"/>
+                    </a:lnT>
+                    <a:lnB w="3175" cap="flat" cmpd="sng" algn="ctr">
+                      <a:noFill/>
+                      <a:prstDash val="sysDot"/>
+                      <a:round/>
+                      <a:headEnd type="none" w="med" len="med"/>
+                      <a:tailEnd type="none" w="med" len="med"/>
+                    </a:lnB>
+                    <a:lnTlToBr w="12700" cmpd="sng">
+                      <a:noFill/>
+                      <a:prstDash val="solid"/>
+                    </a:lnTlToBr>
+                    <a:lnBlToTr w="12700" cmpd="sng">
+                      <a:noFill/>
+                      <a:prstDash val="solid"/>
+                    </a:lnBlToTr>
+                    <a:noFill/>
+                  </a:tcPr>
+                </a:tc>
+                <a:tc>
+                  <a:txBody>
+                    <a:bodyPr/>
+                    <a:lstStyle/>
+                    <a:p>
+                      <a:pPr marL="0" marR="0" lvl="0" indent="0" algn="l" defTabSz="685792" rtl="0" eaLnBrk="1" fontAlgn="auto" latinLnBrk="0" hangingPunct="1">
+                        <a:lnSpc>
+                          <a:spcPct val="130000"/>
+                        </a:lnSpc>
+                        <a:spcBef>
+                          <a:spcPts val="0"/>
+                        </a:spcBef>
+                        <a:spcAft>
+                          <a:spcPts val="0"/>
+                        </a:spcAft>
+                        <a:buClrTx/>
+                        <a:buSzTx/>
+                        <a:buFontTx/>
+                        <a:buNone/>
+                        <a:tabLst/>
+                        <a:defRPr/>
+                      </a:pPr>
+                      <a:endParaRPr lang="en-US" altLang="zh-CN" sz="1200" b="0" kern="1200" dirty="0">
+                        <a:solidFill>
+                          <a:schemeClr val="tx1">
+                            <a:lumMod val="75000"/>
+                            <a:lumOff val="25000"/>
+                          </a:schemeClr>
+                        </a:solidFill>
+                        <a:latin typeface="+mn-lt"/>
+                        <a:ea typeface="+mn-ea"/>
+                        <a:cs typeface="+mn-ea"/>
+                        <a:sym typeface="+mn-lt"/>
+                      </a:endParaRPr>
+                    </a:p>
+                  </a:txBody>
+                  <a:tcPr marL="108666" marR="108666" marT="108522" marB="108522" anchor="ctr">
+                    <a:lnL w="3175" cap="flat" cmpd="sng" algn="ctr">
+                      <a:noFill/>
+                      <a:prstDash val="solid"/>
+                      <a:round/>
+                      <a:headEnd type="none" w="med" len="med"/>
+                      <a:tailEnd type="none" w="med" len="med"/>
+                    </a:lnL>
+                    <a:lnR w="57150" cap="flat" cmpd="sng" algn="ctr">
+                      <a:noFill/>
+                      <a:prstDash val="solid"/>
+                      <a:round/>
+                      <a:headEnd type="none" w="med" len="med"/>
+                      <a:tailEnd type="none" w="med" len="med"/>
+                    </a:lnR>
+                    <a:lnT w="6350" cap="flat" cmpd="sng" algn="ctr">
+                      <a:noFill/>
+                      <a:prstDash val="solid"/>
+                      <a:round/>
+                      <a:headEnd type="none" w="med" len="med"/>
+                      <a:tailEnd type="none" w="med" len="med"/>
+                    </a:lnT>
+                    <a:lnB w="3175" cap="flat" cmpd="sng" algn="ctr">
+                      <a:noFill/>
+                      <a:prstDash val="sysDot"/>
+                      <a:round/>
+                      <a:headEnd type="none" w="med" len="med"/>
+                      <a:tailEnd type="none" w="med" len="med"/>
+                    </a:lnB>
+                    <a:lnTlToBr w="12700" cmpd="sng">
+                      <a:noFill/>
+                      <a:prstDash val="solid"/>
+                    </a:lnTlToBr>
+                    <a:lnBlToTr w="12700" cmpd="sng">
+                      <a:noFill/>
+                      <a:prstDash val="solid"/>
+                    </a:lnBlToTr>
+                    <a:noFill/>
+                  </a:tcPr>
+                </a:tc>
+                <a:extLst>
+                  <a:ext uri="{0D108BD9-81ED-4DB2-BD59-A6C34878D82A}">
+                    <a16:rowId xmlns:a16="http://schemas.microsoft.com/office/drawing/2014/main" xmlns="" val="10005"/>
+                  </a:ext>
+                </a:extLst>
+              </a:tr>
+              <a:tr h="485669">
+                <a:tc>
+                  <a:txBody>
+                    <a:bodyPr/>
+                    <a:lstStyle/>
+                    <a:p>
+                      <a:pPr marL="0" marR="0" lvl="0" indent="0" algn="ctr" defTabSz="685792" rtl="0" eaLnBrk="1" fontAlgn="auto" latinLnBrk="0" hangingPunct="1">
+                        <a:lnSpc>
+                          <a:spcPct val="130000"/>
+                        </a:lnSpc>
+                        <a:spcBef>
+                          <a:spcPts val="0"/>
+                        </a:spcBef>
+                        <a:spcAft>
+                          <a:spcPts val="0"/>
+                        </a:spcAft>
+                        <a:buClrTx/>
+                        <a:buSzTx/>
+                        <a:buFontTx/>
+                        <a:buNone/>
+                        <a:tabLst/>
+                        <a:defRPr/>
+                      </a:pPr>
+                      <a:endParaRPr lang="en-US" sz="1200" b="0" kern="1200" dirty="0" smtClean="0">
+                        <a:solidFill>
+                          <a:schemeClr val="tx1">
+                            <a:lumMod val="75000"/>
+                            <a:lumOff val="25000"/>
+                          </a:schemeClr>
+                        </a:solidFill>
+                        <a:latin typeface="+mn-lt"/>
+                        <a:ea typeface="+mn-ea"/>
+                        <a:cs typeface="+mn-ea"/>
+                        <a:sym typeface="+mn-lt"/>
+                      </a:endParaRPr>
+                    </a:p>
+                  </a:txBody>
+                  <a:tcPr marL="108666" marR="108666" marT="108522" marB="108522" anchor="ctr">
+                    <a:lnL w="57150" cap="flat" cmpd="sng" algn="ctr">
+                      <a:noFill/>
+                      <a:prstDash val="solid"/>
+                      <a:round/>
+                      <a:headEnd type="none" w="med" len="med"/>
+                      <a:tailEnd type="none" w="med" len="med"/>
+                    </a:lnL>
+                    <a:lnR w="3175" cap="flat" cmpd="sng" algn="ctr">
+                      <a:noFill/>
+                      <a:prstDash val="solid"/>
+                      <a:round/>
+                      <a:headEnd type="none" w="med" len="med"/>
+                      <a:tailEnd type="none" w="med" len="med"/>
+                    </a:lnR>
+                    <a:lnT w="6350" cap="flat" cmpd="sng" algn="ctr">
+                      <a:noFill/>
+                      <a:prstDash val="solid"/>
+                      <a:round/>
+                      <a:headEnd type="none" w="med" len="med"/>
+                      <a:tailEnd type="none" w="med" len="med"/>
+                    </a:lnT>
+                    <a:lnB w="3175" cap="flat" cmpd="sng" algn="ctr">
+                      <a:noFill/>
+                      <a:prstDash val="sysDot"/>
+                      <a:round/>
+                      <a:headEnd type="none" w="med" len="med"/>
+                      <a:tailEnd type="none" w="med" len="med"/>
+                    </a:lnB>
+                    <a:lnTlToBr w="12700" cmpd="sng">
+                      <a:noFill/>
+                      <a:prstDash val="solid"/>
+                    </a:lnTlToBr>
+                    <a:lnBlToTr w="12700" cmpd="sng">
+                      <a:noFill/>
+                      <a:prstDash val="solid"/>
+                    </a:lnBlToTr>
+                    <a:noFill/>
+                  </a:tcPr>
+                </a:tc>
+                <a:tc>
+                  <a:txBody>
+                    <a:bodyPr/>
+                    <a:lstStyle/>
+                    <a:p>
+                      <a:pPr marL="0" marR="0" lvl="0" indent="0" algn="l" defTabSz="685792" rtl="0" eaLnBrk="1" fontAlgn="auto" latinLnBrk="0" hangingPunct="1">
+                        <a:lnSpc>
+                          <a:spcPct val="130000"/>
+                        </a:lnSpc>
+                        <a:spcBef>
+                          <a:spcPts val="0"/>
+                        </a:spcBef>
+                        <a:spcAft>
+                          <a:spcPts val="0"/>
+                        </a:spcAft>
+                        <a:buClrTx/>
+                        <a:buSzTx/>
+                        <a:buFontTx/>
+                        <a:buNone/>
+                        <a:tabLst/>
+                        <a:defRPr/>
+                      </a:pPr>
+                      <a:endParaRPr lang="en-US" altLang="zh-CN" sz="1200" b="0" kern="1200" dirty="0">
+                        <a:solidFill>
+                          <a:schemeClr val="tx1">
+                            <a:lumMod val="75000"/>
+                            <a:lumOff val="25000"/>
+                          </a:schemeClr>
+                        </a:solidFill>
+                        <a:latin typeface="+mn-lt"/>
+                        <a:ea typeface="+mn-ea"/>
+                        <a:cs typeface="+mn-ea"/>
+                        <a:sym typeface="+mn-lt"/>
+                      </a:endParaRPr>
+                    </a:p>
+                  </a:txBody>
+                  <a:tcPr marL="108666" marR="108666" marT="108522" marB="108522" anchor="ctr">
+                    <a:lnL w="3175" cap="flat" cmpd="sng" algn="ctr">
+                      <a:noFill/>
+                      <a:prstDash val="solid"/>
+                      <a:round/>
+                      <a:headEnd type="none" w="med" len="med"/>
+                      <a:tailEnd type="none" w="med" len="med"/>
+                    </a:lnL>
+                    <a:lnR w="57150" cap="flat" cmpd="sng" algn="ctr">
+                      <a:noFill/>
+                      <a:prstDash val="solid"/>
+                      <a:round/>
+                      <a:headEnd type="none" w="med" len="med"/>
+                      <a:tailEnd type="none" w="med" len="med"/>
+                    </a:lnR>
+                    <a:lnT w="6350" cap="flat" cmpd="sng" algn="ctr">
+                      <a:noFill/>
+                      <a:prstDash val="solid"/>
+                      <a:round/>
+                      <a:headEnd type="none" w="med" len="med"/>
+                      <a:tailEnd type="none" w="med" len="med"/>
+                    </a:lnT>
+                    <a:lnB w="3175" cap="flat" cmpd="sng" algn="ctr">
+                      <a:noFill/>
+                      <a:prstDash val="sysDot"/>
+                      <a:round/>
+                      <a:headEnd type="none" w="med" len="med"/>
+                      <a:tailEnd type="none" w="med" len="med"/>
+                    </a:lnB>
+                    <a:lnTlToBr w="12700" cmpd="sng">
+                      <a:noFill/>
+                      <a:prstDash val="solid"/>
+                    </a:lnTlToBr>
+                    <a:lnBlToTr w="12700" cmpd="sng">
+                      <a:noFill/>
+                      <a:prstDash val="solid"/>
+                    </a:lnBlToTr>
+                    <a:noFill/>
+                  </a:tcPr>
+                </a:tc>
+                <a:tc>
+                  <a:txBody>
+                    <a:bodyPr/>
+                    <a:lstStyle/>
+                    <a:p>
+                      <a:pPr marL="0" marR="0" lvl="0" indent="0" algn="l" defTabSz="685792" rtl="0" eaLnBrk="1" fontAlgn="auto" latinLnBrk="0" hangingPunct="1">
+                        <a:lnSpc>
+                          <a:spcPct val="130000"/>
+                        </a:lnSpc>
+                        <a:spcBef>
+                          <a:spcPts val="0"/>
+                        </a:spcBef>
+                        <a:spcAft>
+                          <a:spcPts val="0"/>
+                        </a:spcAft>
+                        <a:buClrTx/>
+                        <a:buSzTx/>
+                        <a:buFontTx/>
+                        <a:buNone/>
+                        <a:tabLst/>
+                        <a:defRPr/>
+                      </a:pPr>
+                      <a:endParaRPr lang="en-US" altLang="zh-CN" sz="1200" b="0" kern="1200" dirty="0">
+                        <a:solidFill>
+                          <a:schemeClr val="tx1">
+                            <a:lumMod val="75000"/>
+                            <a:lumOff val="25000"/>
+                          </a:schemeClr>
+                        </a:solidFill>
+                        <a:latin typeface="+mn-lt"/>
+                        <a:ea typeface="+mn-ea"/>
+                        <a:cs typeface="+mn-ea"/>
+                        <a:sym typeface="+mn-lt"/>
+                      </a:endParaRPr>
+                    </a:p>
+                  </a:txBody>
+                  <a:tcPr marL="108666" marR="108666" marT="108522" marB="108522" anchor="ctr">
+                    <a:lnL w="3175" cap="flat" cmpd="sng" algn="ctr">
+                      <a:noFill/>
+                      <a:prstDash val="solid"/>
+                      <a:round/>
+                      <a:headEnd type="none" w="med" len="med"/>
+                      <a:tailEnd type="none" w="med" len="med"/>
+                    </a:lnL>
+                    <a:lnR w="57150" cap="flat" cmpd="sng" algn="ctr">
+                      <a:noFill/>
+                      <a:prstDash val="solid"/>
+                      <a:round/>
+                      <a:headEnd type="none" w="med" len="med"/>
+                      <a:tailEnd type="none" w="med" len="med"/>
+                    </a:lnR>
+                    <a:lnT w="6350" cap="flat" cmpd="sng" algn="ctr">
+                      <a:noFill/>
+                      <a:prstDash val="solid"/>
+                      <a:round/>
+                      <a:headEnd type="none" w="med" len="med"/>
+                      <a:tailEnd type="none" w="med" len="med"/>
+                    </a:lnT>
+                    <a:lnB w="3175" cap="flat" cmpd="sng" algn="ctr">
+                      <a:noFill/>
+                      <a:prstDash val="sysDot"/>
+                      <a:round/>
+                      <a:headEnd type="none" w="med" len="med"/>
+                      <a:tailEnd type="none" w="med" len="med"/>
+                    </a:lnB>
+                    <a:lnTlToBr w="12700" cmpd="sng">
+                      <a:noFill/>
+                      <a:prstDash val="solid"/>
+                    </a:lnTlToBr>
+                    <a:lnBlToTr w="12700" cmpd="sng">
+                      <a:noFill/>
+                      <a:prstDash val="solid"/>
+                    </a:lnBlToTr>
+                    <a:noFill/>
+                  </a:tcPr>
+                </a:tc>
+                <a:tc>
+                  <a:txBody>
+                    <a:bodyPr/>
+                    <a:lstStyle/>
+                    <a:p>
+                      <a:pPr marL="0" marR="0" lvl="0" indent="0" algn="l" defTabSz="685792" rtl="0" eaLnBrk="1" fontAlgn="auto" latinLnBrk="0" hangingPunct="1">
+                        <a:lnSpc>
+                          <a:spcPct val="130000"/>
+                        </a:lnSpc>
+                        <a:spcBef>
+                          <a:spcPts val="0"/>
+                        </a:spcBef>
+                        <a:spcAft>
+                          <a:spcPts val="0"/>
+                        </a:spcAft>
+                        <a:buClrTx/>
+                        <a:buSzTx/>
+                        <a:buFontTx/>
+                        <a:buNone/>
+                        <a:tabLst/>
+                        <a:defRPr/>
+                      </a:pPr>
+                      <a:endParaRPr lang="en-US" altLang="zh-CN" sz="1200" b="0" kern="1200" dirty="0">
+                        <a:solidFill>
+                          <a:schemeClr val="tx1">
+                            <a:lumMod val="75000"/>
+                            <a:lumOff val="25000"/>
+                          </a:schemeClr>
+                        </a:solidFill>
+                        <a:latin typeface="+mn-lt"/>
+                        <a:ea typeface="+mn-ea"/>
+                        <a:cs typeface="+mn-ea"/>
+                        <a:sym typeface="+mn-lt"/>
+                      </a:endParaRPr>
+                    </a:p>
+                  </a:txBody>
+                  <a:tcPr marL="108666" marR="108666" marT="108522" marB="108522" anchor="ctr">
+                    <a:lnL w="3175" cap="flat" cmpd="sng" algn="ctr">
+                      <a:noFill/>
+                      <a:prstDash val="solid"/>
+                      <a:round/>
+                      <a:headEnd type="none" w="med" len="med"/>
+                      <a:tailEnd type="none" w="med" len="med"/>
+                    </a:lnL>
+                    <a:lnR w="57150" cap="flat" cmpd="sng" algn="ctr">
+                      <a:noFill/>
+                      <a:prstDash val="solid"/>
+                      <a:round/>
+                      <a:headEnd type="none" w="med" len="med"/>
+                      <a:tailEnd type="none" w="med" len="med"/>
+                    </a:lnR>
+                    <a:lnT w="6350" cap="flat" cmpd="sng" algn="ctr">
+                      <a:noFill/>
+                      <a:prstDash val="solid"/>
+                      <a:round/>
+                      <a:headEnd type="none" w="med" len="med"/>
+                      <a:tailEnd type="none" w="med" len="med"/>
+                    </a:lnT>
+                    <a:lnB w="3175" cap="flat" cmpd="sng" algn="ctr">
+                      <a:noFill/>
+                      <a:prstDash val="sysDot"/>
+                      <a:round/>
+                      <a:headEnd type="none" w="med" len="med"/>
+                      <a:tailEnd type="none" w="med" len="med"/>
+                    </a:lnB>
+                    <a:lnTlToBr w="12700" cmpd="sng">
+                      <a:noFill/>
+                      <a:prstDash val="solid"/>
+                    </a:lnTlToBr>
+                    <a:lnBlToTr w="12700" cmpd="sng">
+                      <a:noFill/>
+                      <a:prstDash val="solid"/>
+                    </a:lnBlToTr>
+                    <a:noFill/>
+                  </a:tcPr>
+                </a:tc>
+                <a:tc>
+                  <a:txBody>
+                    <a:bodyPr/>
+                    <a:lstStyle/>
+                    <a:p>
+                      <a:pPr marL="0" marR="0" lvl="0" indent="0" algn="l" defTabSz="685792" rtl="0" eaLnBrk="1" fontAlgn="auto" latinLnBrk="0" hangingPunct="1">
+                        <a:lnSpc>
+                          <a:spcPct val="130000"/>
+                        </a:lnSpc>
+                        <a:spcBef>
+                          <a:spcPts val="0"/>
+                        </a:spcBef>
+                        <a:spcAft>
+                          <a:spcPts val="0"/>
+                        </a:spcAft>
+                        <a:buClrTx/>
+                        <a:buSzTx/>
+                        <a:buFontTx/>
+                        <a:buNone/>
+                        <a:tabLst/>
+                        <a:defRPr/>
+                      </a:pPr>
+                      <a:endParaRPr lang="en-US" altLang="zh-CN" sz="1200" b="0" kern="1200" dirty="0">
+                        <a:solidFill>
+                          <a:schemeClr val="tx1">
+                            <a:lumMod val="75000"/>
+                            <a:lumOff val="25000"/>
+                          </a:schemeClr>
+                        </a:solidFill>
+                        <a:latin typeface="+mn-lt"/>
+                        <a:ea typeface="+mn-ea"/>
+                        <a:cs typeface="+mn-ea"/>
+                        <a:sym typeface="+mn-lt"/>
+                      </a:endParaRPr>
+                    </a:p>
+                  </a:txBody>
+                  <a:tcPr marL="108666" marR="108666" marT="108522" marB="108522" anchor="ctr">
+                    <a:lnL w="3175" cap="flat" cmpd="sng" algn="ctr">
+                      <a:noFill/>
+                      <a:prstDash val="solid"/>
+                      <a:round/>
+                      <a:headEnd type="none" w="med" len="med"/>
+                      <a:tailEnd type="none" w="med" len="med"/>
+                    </a:lnL>
+                    <a:lnR w="57150" cap="flat" cmpd="sng" algn="ctr">
+                      <a:noFill/>
+                      <a:prstDash val="solid"/>
+                      <a:round/>
+                      <a:headEnd type="none" w="med" len="med"/>
+                      <a:tailEnd type="none" w="med" len="med"/>
+                    </a:lnR>
+                    <a:lnT w="6350" cap="flat" cmpd="sng" algn="ctr">
+                      <a:noFill/>
+                      <a:prstDash val="solid"/>
+                      <a:round/>
+                      <a:headEnd type="none" w="med" len="med"/>
+                      <a:tailEnd type="none" w="med" len="med"/>
+                    </a:lnT>
+                    <a:lnB w="3175" cap="flat" cmpd="sng" algn="ctr">
+                      <a:noFill/>
+                      <a:prstDash val="sysDot"/>
+                      <a:round/>
+                      <a:headEnd type="none" w="med" len="med"/>
+                      <a:tailEnd type="none" w="med" len="med"/>
+                    </a:lnB>
+                    <a:lnTlToBr w="12700" cmpd="sng">
+                      <a:noFill/>
+                      <a:prstDash val="solid"/>
+                    </a:lnTlToBr>
+                    <a:lnBlToTr w="12700" cmpd="sng">
+                      <a:noFill/>
+                      <a:prstDash val="solid"/>
+                    </a:lnBlToTr>
+                    <a:noFill/>
+                  </a:tcPr>
+                </a:tc>
+                <a:tc>
+                  <a:txBody>
+                    <a:bodyPr/>
+                    <a:lstStyle/>
+                    <a:p>
+                      <a:pPr marL="0" marR="0" lvl="0" indent="0" algn="l" defTabSz="685792" rtl="0" eaLnBrk="1" fontAlgn="auto" latinLnBrk="0" hangingPunct="1">
+                        <a:lnSpc>
+                          <a:spcPct val="130000"/>
+                        </a:lnSpc>
+                        <a:spcBef>
+                          <a:spcPts val="0"/>
+                        </a:spcBef>
+                        <a:spcAft>
+                          <a:spcPts val="0"/>
+                        </a:spcAft>
+                        <a:buClrTx/>
+                        <a:buSzTx/>
+                        <a:buFontTx/>
+                        <a:buNone/>
+                        <a:tabLst/>
+                        <a:defRPr/>
+                      </a:pPr>
+                      <a:endParaRPr lang="en-US" altLang="zh-CN" sz="1200" b="0" kern="1200" dirty="0">
+                        <a:solidFill>
+                          <a:schemeClr val="tx1">
+                            <a:lumMod val="75000"/>
+                            <a:lumOff val="25000"/>
+                          </a:schemeClr>
+                        </a:solidFill>
+                        <a:latin typeface="+mn-lt"/>
+                        <a:ea typeface="+mn-ea"/>
+                        <a:cs typeface="+mn-ea"/>
+                        <a:sym typeface="+mn-lt"/>
+                      </a:endParaRPr>
+                    </a:p>
+                  </a:txBody>
+                  <a:tcPr marL="108666" marR="108666" marT="108522" marB="108522" anchor="ctr">
+                    <a:lnL w="3175" cap="flat" cmpd="sng" algn="ctr">
+                      <a:noFill/>
+                      <a:prstDash val="solid"/>
+                      <a:round/>
+                      <a:headEnd type="none" w="med" len="med"/>
+                      <a:tailEnd type="none" w="med" len="med"/>
+                    </a:lnL>
+                    <a:lnR w="57150" cap="flat" cmpd="sng" algn="ctr">
+                      <a:noFill/>
+                      <a:prstDash val="solid"/>
+                      <a:round/>
+                      <a:headEnd type="none" w="med" len="med"/>
+                      <a:tailEnd type="none" w="med" len="med"/>
+                    </a:lnR>
+                    <a:lnT w="6350" cap="flat" cmpd="sng" algn="ctr">
+                      <a:noFill/>
+                      <a:prstDash val="solid"/>
+                      <a:round/>
+                      <a:headEnd type="none" w="med" len="med"/>
+                      <a:tailEnd type="none" w="med" len="med"/>
+                    </a:lnT>
+                    <a:lnB w="3175" cap="flat" cmpd="sng" algn="ctr">
+                      <a:noFill/>
+                      <a:prstDash val="sysDot"/>
+                      <a:round/>
+                      <a:headEnd type="none" w="med" len="med"/>
+                      <a:tailEnd type="none" w="med" len="med"/>
+                    </a:lnB>
+                    <a:lnTlToBr w="12700" cmpd="sng">
+                      <a:noFill/>
+                      <a:prstDash val="solid"/>
+                    </a:lnTlToBr>
+                    <a:lnBlToTr w="12700" cmpd="sng">
+                      <a:noFill/>
+                      <a:prstDash val="solid"/>
+                    </a:lnBlToTr>
+                    <a:noFill/>
+                  </a:tcPr>
+                </a:tc>
+                <a:tc>
+                  <a:txBody>
+                    <a:bodyPr/>
+                    <a:lstStyle/>
+                    <a:p>
+                      <a:pPr marL="0" marR="0" lvl="0" indent="0" algn="l" defTabSz="685792" rtl="0" eaLnBrk="1" fontAlgn="auto" latinLnBrk="0" hangingPunct="1">
+                        <a:lnSpc>
+                          <a:spcPct val="130000"/>
+                        </a:lnSpc>
+                        <a:spcBef>
+                          <a:spcPts val="0"/>
+                        </a:spcBef>
+                        <a:spcAft>
+                          <a:spcPts val="0"/>
+                        </a:spcAft>
+                        <a:buClrTx/>
+                        <a:buSzTx/>
+                        <a:buFontTx/>
+                        <a:buNone/>
+                        <a:tabLst/>
+                        <a:defRPr/>
+                      </a:pPr>
+                      <a:endParaRPr lang="en-US" altLang="zh-CN" sz="1200" b="0" kern="1200" dirty="0">
+                        <a:solidFill>
+                          <a:schemeClr val="tx1">
+                            <a:lumMod val="75000"/>
+                            <a:lumOff val="25000"/>
+                          </a:schemeClr>
+                        </a:solidFill>
+                        <a:latin typeface="+mn-lt"/>
+                        <a:ea typeface="+mn-ea"/>
+                        <a:cs typeface="+mn-ea"/>
+                        <a:sym typeface="+mn-lt"/>
+                      </a:endParaRPr>
+                    </a:p>
+                  </a:txBody>
+                  <a:tcPr marL="108666" marR="108666" marT="108522" marB="108522" anchor="ctr">
+                    <a:lnL w="3175" cap="flat" cmpd="sng" algn="ctr">
+                      <a:noFill/>
+                      <a:prstDash val="solid"/>
+                      <a:round/>
+                      <a:headEnd type="none" w="med" len="med"/>
+                      <a:tailEnd type="none" w="med" len="med"/>
+                    </a:lnL>
+                    <a:lnR w="57150" cap="flat" cmpd="sng" algn="ctr">
+                      <a:noFill/>
+                      <a:prstDash val="solid"/>
+                      <a:round/>
+                      <a:headEnd type="none" w="med" len="med"/>
+                      <a:tailEnd type="none" w="med" len="med"/>
+                    </a:lnR>
+                    <a:lnT w="6350" cap="flat" cmpd="sng" algn="ctr">
+                      <a:noFill/>
+                      <a:prstDash val="solid"/>
+                      <a:round/>
+                      <a:headEnd type="none" w="med" len="med"/>
+                      <a:tailEnd type="none" w="med" len="med"/>
+                    </a:lnT>
+                    <a:lnB w="3175" cap="flat" cmpd="sng" algn="ctr">
+                      <a:noFill/>
+                      <a:prstDash val="sysDot"/>
+                      <a:round/>
+                      <a:headEnd type="none" w="med" len="med"/>
+                      <a:tailEnd type="none" w="med" len="med"/>
+                    </a:lnB>
+                    <a:lnTlToBr w="12700" cmpd="sng">
+                      <a:noFill/>
+                      <a:prstDash val="solid"/>
+                    </a:lnTlToBr>
+                    <a:lnBlToTr w="12700" cmpd="sng">
+                      <a:noFill/>
+                      <a:prstDash val="solid"/>
+                    </a:lnBlToTr>
+                    <a:noFill/>
+                  </a:tcPr>
+                </a:tc>
+                <a:extLst>
+                  <a:ext uri="{0D108BD9-81ED-4DB2-BD59-A6C34878D82A}">
+                    <a16:rowId xmlns:a16="http://schemas.microsoft.com/office/drawing/2014/main" xmlns="" val="10006"/>
                   </a:ext>
                 </a:extLst>
               </a:tr>
@@ -22179,7 +23439,11 @@
                       <a:tailEnd type="none" w="med" len="med"/>
                     </a:lnT>
                     <a:lnB w="3175" cap="flat" cmpd="sng" algn="ctr">
-                      <a:noFill/>
+                      <a:solidFill>
+                        <a:schemeClr val="bg1">
+                          <a:lumMod val="75000"/>
+                        </a:schemeClr>
+                      </a:solidFill>
                       <a:prstDash val="sysDot"/>
                       <a:round/>
                       <a:headEnd type="none" w="med" len="med"/>
@@ -22255,7 +23519,11 @@
                       <a:tailEnd type="none" w="med" len="med"/>
                     </a:lnT>
                     <a:lnB w="3175" cap="flat" cmpd="sng" algn="ctr">
-                      <a:noFill/>
+                      <a:solidFill>
+                        <a:schemeClr val="bg1">
+                          <a:lumMod val="75000"/>
+                        </a:schemeClr>
+                      </a:solidFill>
                       <a:prstDash val="sysDot"/>
                       <a:round/>
                       <a:headEnd type="none" w="med" len="med"/>
@@ -22331,7 +23599,11 @@
                       <a:tailEnd type="none" w="med" len="med"/>
                     </a:lnT>
                     <a:lnB w="3175" cap="flat" cmpd="sng" algn="ctr">
-                      <a:noFill/>
+                      <a:solidFill>
+                        <a:schemeClr val="bg1">
+                          <a:lumMod val="75000"/>
+                        </a:schemeClr>
+                      </a:solidFill>
                       <a:prstDash val="sysDot"/>
                       <a:round/>
                       <a:headEnd type="none" w="med" len="med"/>
@@ -22407,7 +23679,11 @@
                       <a:tailEnd type="none" w="med" len="med"/>
                     </a:lnT>
                     <a:lnB w="3175" cap="flat" cmpd="sng" algn="ctr">
-                      <a:noFill/>
+                      <a:solidFill>
+                        <a:schemeClr val="bg1">
+                          <a:lumMod val="75000"/>
+                        </a:schemeClr>
+                      </a:solidFill>
                       <a:prstDash val="sysDot"/>
                       <a:round/>
                       <a:headEnd type="none" w="med" len="med"/>
@@ -22483,7 +23759,11 @@
                       <a:tailEnd type="none" w="med" len="med"/>
                     </a:lnT>
                     <a:lnB w="3175" cap="flat" cmpd="sng" algn="ctr">
-                      <a:noFill/>
+                      <a:solidFill>
+                        <a:schemeClr val="bg1">
+                          <a:lumMod val="75000"/>
+                        </a:schemeClr>
+                      </a:solidFill>
                       <a:prstDash val="sysDot"/>
                       <a:round/>
                       <a:headEnd type="none" w="med" len="med"/>
@@ -22559,7 +23839,11 @@
                       <a:tailEnd type="none" w="med" len="med"/>
                     </a:lnT>
                     <a:lnB w="3175" cap="flat" cmpd="sng" algn="ctr">
-                      <a:noFill/>
+                      <a:solidFill>
+                        <a:schemeClr val="bg1">
+                          <a:lumMod val="75000"/>
+                        </a:schemeClr>
+                      </a:solidFill>
                       <a:prstDash val="sysDot"/>
                       <a:round/>
                       <a:headEnd type="none" w="med" len="med"/>
@@ -22635,7 +23919,11 @@
                       <a:tailEnd type="none" w="med" len="med"/>
                     </a:lnT>
                     <a:lnB w="3175" cap="flat" cmpd="sng" algn="ctr">
-                      <a:noFill/>
+                      <a:solidFill>
+                        <a:schemeClr val="bg1">
+                          <a:lumMod val="75000"/>
+                        </a:schemeClr>
+                      </a:solidFill>
                       <a:prstDash val="sysDot"/>
                       <a:round/>
                       <a:headEnd type="none" w="med" len="med"/>
@@ -22654,1113 +23942,7 @@
                 </a:tc>
                 <a:extLst>
                   <a:ext uri="{0D108BD9-81ED-4DB2-BD59-A6C34878D82A}">
-                    <a16:rowId xmlns:a16="http://schemas.microsoft.com/office/drawing/2014/main" val="10005"/>
-                  </a:ext>
-                </a:extLst>
-              </a:tr>
-              <a:tr h="485669">
-                <a:tc>
-                  <a:txBody>
-                    <a:bodyPr/>
-                    <a:lstStyle/>
-                    <a:p>
-                      <a:pPr marL="0" marR="0" lvl="0" indent="0" algn="ctr" defTabSz="685792" rtl="0" eaLnBrk="1" fontAlgn="auto" latinLnBrk="0" hangingPunct="1">
-                        <a:lnSpc>
-                          <a:spcPct val="130000"/>
-                        </a:lnSpc>
-                        <a:spcBef>
-                          <a:spcPts val="0"/>
-                        </a:spcBef>
-                        <a:spcAft>
-                          <a:spcPts val="0"/>
-                        </a:spcAft>
-                        <a:buClrTx/>
-                        <a:buSzTx/>
-                        <a:buFontTx/>
-                        <a:buNone/>
-                        <a:tabLst/>
-                        <a:defRPr/>
-                      </a:pPr>
-                      <a:endParaRPr lang="en-US" sz="1200" b="0" kern="1200" dirty="0" smtClean="0">
-                        <a:solidFill>
-                          <a:schemeClr val="tx1">
-                            <a:lumMod val="75000"/>
-                            <a:lumOff val="25000"/>
-                          </a:schemeClr>
-                        </a:solidFill>
-                        <a:latin typeface="+mn-lt"/>
-                        <a:ea typeface="+mn-ea"/>
-                        <a:cs typeface="+mn-ea"/>
-                        <a:sym typeface="+mn-lt"/>
-                      </a:endParaRPr>
-                    </a:p>
-                  </a:txBody>
-                  <a:tcPr marL="108666" marR="108666" marT="108522" marB="108522" anchor="ctr">
-                    <a:lnL w="57150" cap="flat" cmpd="sng" algn="ctr">
-                      <a:noFill/>
-                      <a:prstDash val="solid"/>
-                      <a:round/>
-                      <a:headEnd type="none" w="med" len="med"/>
-                      <a:tailEnd type="none" w="med" len="med"/>
-                    </a:lnL>
-                    <a:lnR w="3175" cap="flat" cmpd="sng" algn="ctr">
-                      <a:noFill/>
-                      <a:prstDash val="solid"/>
-                      <a:round/>
-                      <a:headEnd type="none" w="med" len="med"/>
-                      <a:tailEnd type="none" w="med" len="med"/>
-                    </a:lnR>
-                    <a:lnT w="6350" cap="flat" cmpd="sng" algn="ctr">
-                      <a:noFill/>
-                      <a:prstDash val="solid"/>
-                      <a:round/>
-                      <a:headEnd type="none" w="med" len="med"/>
-                      <a:tailEnd type="none" w="med" len="med"/>
-                    </a:lnT>
-                    <a:lnB w="3175" cap="flat" cmpd="sng" algn="ctr">
-                      <a:noFill/>
-                      <a:prstDash val="sysDot"/>
-                      <a:round/>
-                      <a:headEnd type="none" w="med" len="med"/>
-                      <a:tailEnd type="none" w="med" len="med"/>
-                    </a:lnB>
-                    <a:lnTlToBr w="12700" cmpd="sng">
-                      <a:noFill/>
-                      <a:prstDash val="solid"/>
-                    </a:lnTlToBr>
-                    <a:lnBlToTr w="12700" cmpd="sng">
-                      <a:noFill/>
-                      <a:prstDash val="solid"/>
-                    </a:lnBlToTr>
-                    <a:noFill/>
-                  </a:tcPr>
-                </a:tc>
-                <a:tc>
-                  <a:txBody>
-                    <a:bodyPr/>
-                    <a:lstStyle/>
-                    <a:p>
-                      <a:pPr marL="0" marR="0" lvl="0" indent="0" algn="l" defTabSz="685792" rtl="0" eaLnBrk="1" fontAlgn="auto" latinLnBrk="0" hangingPunct="1">
-                        <a:lnSpc>
-                          <a:spcPct val="130000"/>
-                        </a:lnSpc>
-                        <a:spcBef>
-                          <a:spcPts val="0"/>
-                        </a:spcBef>
-                        <a:spcAft>
-                          <a:spcPts val="0"/>
-                        </a:spcAft>
-                        <a:buClrTx/>
-                        <a:buSzTx/>
-                        <a:buFontTx/>
-                        <a:buNone/>
-                        <a:tabLst/>
-                        <a:defRPr/>
-                      </a:pPr>
-                      <a:endParaRPr lang="en-US" altLang="zh-CN" sz="1200" b="0" kern="1200" dirty="0">
-                        <a:solidFill>
-                          <a:schemeClr val="tx1">
-                            <a:lumMod val="75000"/>
-                            <a:lumOff val="25000"/>
-                          </a:schemeClr>
-                        </a:solidFill>
-                        <a:latin typeface="+mn-lt"/>
-                        <a:ea typeface="+mn-ea"/>
-                        <a:cs typeface="+mn-ea"/>
-                        <a:sym typeface="+mn-lt"/>
-                      </a:endParaRPr>
-                    </a:p>
-                  </a:txBody>
-                  <a:tcPr marL="108666" marR="108666" marT="108522" marB="108522" anchor="ctr">
-                    <a:lnL w="3175" cap="flat" cmpd="sng" algn="ctr">
-                      <a:noFill/>
-                      <a:prstDash val="solid"/>
-                      <a:round/>
-                      <a:headEnd type="none" w="med" len="med"/>
-                      <a:tailEnd type="none" w="med" len="med"/>
-                    </a:lnL>
-                    <a:lnR w="57150" cap="flat" cmpd="sng" algn="ctr">
-                      <a:noFill/>
-                      <a:prstDash val="solid"/>
-                      <a:round/>
-                      <a:headEnd type="none" w="med" len="med"/>
-                      <a:tailEnd type="none" w="med" len="med"/>
-                    </a:lnR>
-                    <a:lnT w="6350" cap="flat" cmpd="sng" algn="ctr">
-                      <a:noFill/>
-                      <a:prstDash val="solid"/>
-                      <a:round/>
-                      <a:headEnd type="none" w="med" len="med"/>
-                      <a:tailEnd type="none" w="med" len="med"/>
-                    </a:lnT>
-                    <a:lnB w="3175" cap="flat" cmpd="sng" algn="ctr">
-                      <a:noFill/>
-                      <a:prstDash val="sysDot"/>
-                      <a:round/>
-                      <a:headEnd type="none" w="med" len="med"/>
-                      <a:tailEnd type="none" w="med" len="med"/>
-                    </a:lnB>
-                    <a:lnTlToBr w="12700" cmpd="sng">
-                      <a:noFill/>
-                      <a:prstDash val="solid"/>
-                    </a:lnTlToBr>
-                    <a:lnBlToTr w="12700" cmpd="sng">
-                      <a:noFill/>
-                      <a:prstDash val="solid"/>
-                    </a:lnBlToTr>
-                    <a:noFill/>
-                  </a:tcPr>
-                </a:tc>
-                <a:tc>
-                  <a:txBody>
-                    <a:bodyPr/>
-                    <a:lstStyle/>
-                    <a:p>
-                      <a:pPr marL="0" marR="0" lvl="0" indent="0" algn="l" defTabSz="685792" rtl="0" eaLnBrk="1" fontAlgn="auto" latinLnBrk="0" hangingPunct="1">
-                        <a:lnSpc>
-                          <a:spcPct val="130000"/>
-                        </a:lnSpc>
-                        <a:spcBef>
-                          <a:spcPts val="0"/>
-                        </a:spcBef>
-                        <a:spcAft>
-                          <a:spcPts val="0"/>
-                        </a:spcAft>
-                        <a:buClrTx/>
-                        <a:buSzTx/>
-                        <a:buFontTx/>
-                        <a:buNone/>
-                        <a:tabLst/>
-                        <a:defRPr/>
-                      </a:pPr>
-                      <a:endParaRPr lang="en-US" altLang="zh-CN" sz="1200" b="0" kern="1200" dirty="0">
-                        <a:solidFill>
-                          <a:schemeClr val="tx1">
-                            <a:lumMod val="75000"/>
-                            <a:lumOff val="25000"/>
-                          </a:schemeClr>
-                        </a:solidFill>
-                        <a:latin typeface="+mn-lt"/>
-                        <a:ea typeface="+mn-ea"/>
-                        <a:cs typeface="+mn-ea"/>
-                        <a:sym typeface="+mn-lt"/>
-                      </a:endParaRPr>
-                    </a:p>
-                  </a:txBody>
-                  <a:tcPr marL="108666" marR="108666" marT="108522" marB="108522" anchor="ctr">
-                    <a:lnL w="3175" cap="flat" cmpd="sng" algn="ctr">
-                      <a:noFill/>
-                      <a:prstDash val="solid"/>
-                      <a:round/>
-                      <a:headEnd type="none" w="med" len="med"/>
-                      <a:tailEnd type="none" w="med" len="med"/>
-                    </a:lnL>
-                    <a:lnR w="57150" cap="flat" cmpd="sng" algn="ctr">
-                      <a:noFill/>
-                      <a:prstDash val="solid"/>
-                      <a:round/>
-                      <a:headEnd type="none" w="med" len="med"/>
-                      <a:tailEnd type="none" w="med" len="med"/>
-                    </a:lnR>
-                    <a:lnT w="6350" cap="flat" cmpd="sng" algn="ctr">
-                      <a:noFill/>
-                      <a:prstDash val="solid"/>
-                      <a:round/>
-                      <a:headEnd type="none" w="med" len="med"/>
-                      <a:tailEnd type="none" w="med" len="med"/>
-                    </a:lnT>
-                    <a:lnB w="3175" cap="flat" cmpd="sng" algn="ctr">
-                      <a:noFill/>
-                      <a:prstDash val="sysDot"/>
-                      <a:round/>
-                      <a:headEnd type="none" w="med" len="med"/>
-                      <a:tailEnd type="none" w="med" len="med"/>
-                    </a:lnB>
-                    <a:lnTlToBr w="12700" cmpd="sng">
-                      <a:noFill/>
-                      <a:prstDash val="solid"/>
-                    </a:lnTlToBr>
-                    <a:lnBlToTr w="12700" cmpd="sng">
-                      <a:noFill/>
-                      <a:prstDash val="solid"/>
-                    </a:lnBlToTr>
-                    <a:noFill/>
-                  </a:tcPr>
-                </a:tc>
-                <a:tc>
-                  <a:txBody>
-                    <a:bodyPr/>
-                    <a:lstStyle/>
-                    <a:p>
-                      <a:pPr marL="0" marR="0" lvl="0" indent="0" algn="l" defTabSz="685792" rtl="0" eaLnBrk="1" fontAlgn="auto" latinLnBrk="0" hangingPunct="1">
-                        <a:lnSpc>
-                          <a:spcPct val="130000"/>
-                        </a:lnSpc>
-                        <a:spcBef>
-                          <a:spcPts val="0"/>
-                        </a:spcBef>
-                        <a:spcAft>
-                          <a:spcPts val="0"/>
-                        </a:spcAft>
-                        <a:buClrTx/>
-                        <a:buSzTx/>
-                        <a:buFontTx/>
-                        <a:buNone/>
-                        <a:tabLst/>
-                        <a:defRPr/>
-                      </a:pPr>
-                      <a:endParaRPr lang="en-US" altLang="zh-CN" sz="1200" b="0" kern="1200" dirty="0">
-                        <a:solidFill>
-                          <a:schemeClr val="tx1">
-                            <a:lumMod val="75000"/>
-                            <a:lumOff val="25000"/>
-                          </a:schemeClr>
-                        </a:solidFill>
-                        <a:latin typeface="+mn-lt"/>
-                        <a:ea typeface="+mn-ea"/>
-                        <a:cs typeface="+mn-ea"/>
-                        <a:sym typeface="+mn-lt"/>
-                      </a:endParaRPr>
-                    </a:p>
-                  </a:txBody>
-                  <a:tcPr marL="108666" marR="108666" marT="108522" marB="108522" anchor="ctr">
-                    <a:lnL w="3175" cap="flat" cmpd="sng" algn="ctr">
-                      <a:noFill/>
-                      <a:prstDash val="solid"/>
-                      <a:round/>
-                      <a:headEnd type="none" w="med" len="med"/>
-                      <a:tailEnd type="none" w="med" len="med"/>
-                    </a:lnL>
-                    <a:lnR w="57150" cap="flat" cmpd="sng" algn="ctr">
-                      <a:noFill/>
-                      <a:prstDash val="solid"/>
-                      <a:round/>
-                      <a:headEnd type="none" w="med" len="med"/>
-                      <a:tailEnd type="none" w="med" len="med"/>
-                    </a:lnR>
-                    <a:lnT w="6350" cap="flat" cmpd="sng" algn="ctr">
-                      <a:noFill/>
-                      <a:prstDash val="solid"/>
-                      <a:round/>
-                      <a:headEnd type="none" w="med" len="med"/>
-                      <a:tailEnd type="none" w="med" len="med"/>
-                    </a:lnT>
-                    <a:lnB w="3175" cap="flat" cmpd="sng" algn="ctr">
-                      <a:noFill/>
-                      <a:prstDash val="sysDot"/>
-                      <a:round/>
-                      <a:headEnd type="none" w="med" len="med"/>
-                      <a:tailEnd type="none" w="med" len="med"/>
-                    </a:lnB>
-                    <a:lnTlToBr w="12700" cmpd="sng">
-                      <a:noFill/>
-                      <a:prstDash val="solid"/>
-                    </a:lnTlToBr>
-                    <a:lnBlToTr w="12700" cmpd="sng">
-                      <a:noFill/>
-                      <a:prstDash val="solid"/>
-                    </a:lnBlToTr>
-                    <a:noFill/>
-                  </a:tcPr>
-                </a:tc>
-                <a:tc>
-                  <a:txBody>
-                    <a:bodyPr/>
-                    <a:lstStyle/>
-                    <a:p>
-                      <a:pPr marL="0" marR="0" lvl="0" indent="0" algn="l" defTabSz="685792" rtl="0" eaLnBrk="1" fontAlgn="auto" latinLnBrk="0" hangingPunct="1">
-                        <a:lnSpc>
-                          <a:spcPct val="130000"/>
-                        </a:lnSpc>
-                        <a:spcBef>
-                          <a:spcPts val="0"/>
-                        </a:spcBef>
-                        <a:spcAft>
-                          <a:spcPts val="0"/>
-                        </a:spcAft>
-                        <a:buClrTx/>
-                        <a:buSzTx/>
-                        <a:buFontTx/>
-                        <a:buNone/>
-                        <a:tabLst/>
-                        <a:defRPr/>
-                      </a:pPr>
-                      <a:endParaRPr lang="en-US" altLang="zh-CN" sz="1200" b="0" kern="1200" dirty="0">
-                        <a:solidFill>
-                          <a:schemeClr val="tx1">
-                            <a:lumMod val="75000"/>
-                            <a:lumOff val="25000"/>
-                          </a:schemeClr>
-                        </a:solidFill>
-                        <a:latin typeface="+mn-lt"/>
-                        <a:ea typeface="+mn-ea"/>
-                        <a:cs typeface="+mn-ea"/>
-                        <a:sym typeface="+mn-lt"/>
-                      </a:endParaRPr>
-                    </a:p>
-                  </a:txBody>
-                  <a:tcPr marL="108666" marR="108666" marT="108522" marB="108522" anchor="ctr">
-                    <a:lnL w="3175" cap="flat" cmpd="sng" algn="ctr">
-                      <a:noFill/>
-                      <a:prstDash val="solid"/>
-                      <a:round/>
-                      <a:headEnd type="none" w="med" len="med"/>
-                      <a:tailEnd type="none" w="med" len="med"/>
-                    </a:lnL>
-                    <a:lnR w="57150" cap="flat" cmpd="sng" algn="ctr">
-                      <a:noFill/>
-                      <a:prstDash val="solid"/>
-                      <a:round/>
-                      <a:headEnd type="none" w="med" len="med"/>
-                      <a:tailEnd type="none" w="med" len="med"/>
-                    </a:lnR>
-                    <a:lnT w="6350" cap="flat" cmpd="sng" algn="ctr">
-                      <a:noFill/>
-                      <a:prstDash val="solid"/>
-                      <a:round/>
-                      <a:headEnd type="none" w="med" len="med"/>
-                      <a:tailEnd type="none" w="med" len="med"/>
-                    </a:lnT>
-                    <a:lnB w="3175" cap="flat" cmpd="sng" algn="ctr">
-                      <a:noFill/>
-                      <a:prstDash val="sysDot"/>
-                      <a:round/>
-                      <a:headEnd type="none" w="med" len="med"/>
-                      <a:tailEnd type="none" w="med" len="med"/>
-                    </a:lnB>
-                    <a:lnTlToBr w="12700" cmpd="sng">
-                      <a:noFill/>
-                      <a:prstDash val="solid"/>
-                    </a:lnTlToBr>
-                    <a:lnBlToTr w="12700" cmpd="sng">
-                      <a:noFill/>
-                      <a:prstDash val="solid"/>
-                    </a:lnBlToTr>
-                    <a:noFill/>
-                  </a:tcPr>
-                </a:tc>
-                <a:tc>
-                  <a:txBody>
-                    <a:bodyPr/>
-                    <a:lstStyle/>
-                    <a:p>
-                      <a:pPr marL="0" marR="0" lvl="0" indent="0" algn="l" defTabSz="685792" rtl="0" eaLnBrk="1" fontAlgn="auto" latinLnBrk="0" hangingPunct="1">
-                        <a:lnSpc>
-                          <a:spcPct val="130000"/>
-                        </a:lnSpc>
-                        <a:spcBef>
-                          <a:spcPts val="0"/>
-                        </a:spcBef>
-                        <a:spcAft>
-                          <a:spcPts val="0"/>
-                        </a:spcAft>
-                        <a:buClrTx/>
-                        <a:buSzTx/>
-                        <a:buFontTx/>
-                        <a:buNone/>
-                        <a:tabLst/>
-                        <a:defRPr/>
-                      </a:pPr>
-                      <a:endParaRPr lang="en-US" altLang="zh-CN" sz="1200" b="0" kern="1200" dirty="0">
-                        <a:solidFill>
-                          <a:schemeClr val="tx1">
-                            <a:lumMod val="75000"/>
-                            <a:lumOff val="25000"/>
-                          </a:schemeClr>
-                        </a:solidFill>
-                        <a:latin typeface="+mn-lt"/>
-                        <a:ea typeface="+mn-ea"/>
-                        <a:cs typeface="+mn-ea"/>
-                        <a:sym typeface="+mn-lt"/>
-                      </a:endParaRPr>
-                    </a:p>
-                  </a:txBody>
-                  <a:tcPr marL="108666" marR="108666" marT="108522" marB="108522" anchor="ctr">
-                    <a:lnL w="3175" cap="flat" cmpd="sng" algn="ctr">
-                      <a:noFill/>
-                      <a:prstDash val="solid"/>
-                      <a:round/>
-                      <a:headEnd type="none" w="med" len="med"/>
-                      <a:tailEnd type="none" w="med" len="med"/>
-                    </a:lnL>
-                    <a:lnR w="57150" cap="flat" cmpd="sng" algn="ctr">
-                      <a:noFill/>
-                      <a:prstDash val="solid"/>
-                      <a:round/>
-                      <a:headEnd type="none" w="med" len="med"/>
-                      <a:tailEnd type="none" w="med" len="med"/>
-                    </a:lnR>
-                    <a:lnT w="6350" cap="flat" cmpd="sng" algn="ctr">
-                      <a:noFill/>
-                      <a:prstDash val="solid"/>
-                      <a:round/>
-                      <a:headEnd type="none" w="med" len="med"/>
-                      <a:tailEnd type="none" w="med" len="med"/>
-                    </a:lnT>
-                    <a:lnB w="3175" cap="flat" cmpd="sng" algn="ctr">
-                      <a:noFill/>
-                      <a:prstDash val="sysDot"/>
-                      <a:round/>
-                      <a:headEnd type="none" w="med" len="med"/>
-                      <a:tailEnd type="none" w="med" len="med"/>
-                    </a:lnB>
-                    <a:lnTlToBr w="12700" cmpd="sng">
-                      <a:noFill/>
-                      <a:prstDash val="solid"/>
-                    </a:lnTlToBr>
-                    <a:lnBlToTr w="12700" cmpd="sng">
-                      <a:noFill/>
-                      <a:prstDash val="solid"/>
-                    </a:lnBlToTr>
-                    <a:noFill/>
-                  </a:tcPr>
-                </a:tc>
-                <a:tc>
-                  <a:txBody>
-                    <a:bodyPr/>
-                    <a:lstStyle/>
-                    <a:p>
-                      <a:pPr marL="0" marR="0" lvl="0" indent="0" algn="l" defTabSz="685792" rtl="0" eaLnBrk="1" fontAlgn="auto" latinLnBrk="0" hangingPunct="1">
-                        <a:lnSpc>
-                          <a:spcPct val="130000"/>
-                        </a:lnSpc>
-                        <a:spcBef>
-                          <a:spcPts val="0"/>
-                        </a:spcBef>
-                        <a:spcAft>
-                          <a:spcPts val="0"/>
-                        </a:spcAft>
-                        <a:buClrTx/>
-                        <a:buSzTx/>
-                        <a:buFontTx/>
-                        <a:buNone/>
-                        <a:tabLst/>
-                        <a:defRPr/>
-                      </a:pPr>
-                      <a:endParaRPr lang="en-US" altLang="zh-CN" sz="1200" b="0" kern="1200" dirty="0">
-                        <a:solidFill>
-                          <a:schemeClr val="tx1">
-                            <a:lumMod val="75000"/>
-                            <a:lumOff val="25000"/>
-                          </a:schemeClr>
-                        </a:solidFill>
-                        <a:latin typeface="+mn-lt"/>
-                        <a:ea typeface="+mn-ea"/>
-                        <a:cs typeface="+mn-ea"/>
-                        <a:sym typeface="+mn-lt"/>
-                      </a:endParaRPr>
-                    </a:p>
-                  </a:txBody>
-                  <a:tcPr marL="108666" marR="108666" marT="108522" marB="108522" anchor="ctr">
-                    <a:lnL w="3175" cap="flat" cmpd="sng" algn="ctr">
-                      <a:noFill/>
-                      <a:prstDash val="solid"/>
-                      <a:round/>
-                      <a:headEnd type="none" w="med" len="med"/>
-                      <a:tailEnd type="none" w="med" len="med"/>
-                    </a:lnL>
-                    <a:lnR w="57150" cap="flat" cmpd="sng" algn="ctr">
-                      <a:noFill/>
-                      <a:prstDash val="solid"/>
-                      <a:round/>
-                      <a:headEnd type="none" w="med" len="med"/>
-                      <a:tailEnd type="none" w="med" len="med"/>
-                    </a:lnR>
-                    <a:lnT w="6350" cap="flat" cmpd="sng" algn="ctr">
-                      <a:noFill/>
-                      <a:prstDash val="solid"/>
-                      <a:round/>
-                      <a:headEnd type="none" w="med" len="med"/>
-                      <a:tailEnd type="none" w="med" len="med"/>
-                    </a:lnT>
-                    <a:lnB w="3175" cap="flat" cmpd="sng" algn="ctr">
-                      <a:noFill/>
-                      <a:prstDash val="sysDot"/>
-                      <a:round/>
-                      <a:headEnd type="none" w="med" len="med"/>
-                      <a:tailEnd type="none" w="med" len="med"/>
-                    </a:lnB>
-                    <a:lnTlToBr w="12700" cmpd="sng">
-                      <a:noFill/>
-                      <a:prstDash val="solid"/>
-                    </a:lnTlToBr>
-                    <a:lnBlToTr w="12700" cmpd="sng">
-                      <a:noFill/>
-                      <a:prstDash val="solid"/>
-                    </a:lnBlToTr>
-                    <a:noFill/>
-                  </a:tcPr>
-                </a:tc>
-                <a:extLst>
-                  <a:ext uri="{0D108BD9-81ED-4DB2-BD59-A6C34878D82A}">
-                    <a16:rowId xmlns:a16="http://schemas.microsoft.com/office/drawing/2014/main" val="10006"/>
-                  </a:ext>
-                </a:extLst>
-              </a:tr>
-              <a:tr h="445945">
-                <a:tc>
-                  <a:txBody>
-                    <a:bodyPr/>
-                    <a:lstStyle/>
-                    <a:p>
-                      <a:pPr marL="0" marR="0" lvl="0" indent="0" algn="ctr" defTabSz="685792" rtl="0" eaLnBrk="1" fontAlgn="auto" latinLnBrk="0" hangingPunct="1">
-                        <a:lnSpc>
-                          <a:spcPct val="130000"/>
-                        </a:lnSpc>
-                        <a:spcBef>
-                          <a:spcPts val="0"/>
-                        </a:spcBef>
-                        <a:spcAft>
-                          <a:spcPts val="0"/>
-                        </a:spcAft>
-                        <a:buClrTx/>
-                        <a:buSzTx/>
-                        <a:buFontTx/>
-                        <a:buNone/>
-                        <a:tabLst/>
-                        <a:defRPr/>
-                      </a:pPr>
-                      <a:endParaRPr lang="en-US" sz="1200" b="0" kern="1200" dirty="0" smtClean="0">
-                        <a:solidFill>
-                          <a:schemeClr val="tx1">
-                            <a:lumMod val="75000"/>
-                            <a:lumOff val="25000"/>
-                          </a:schemeClr>
-                        </a:solidFill>
-                        <a:latin typeface="+mn-lt"/>
-                        <a:ea typeface="+mn-ea"/>
-                        <a:cs typeface="+mn-ea"/>
-                        <a:sym typeface="+mn-lt"/>
-                      </a:endParaRPr>
-                    </a:p>
-                  </a:txBody>
-                  <a:tcPr marL="108666" marR="108666" marT="108522" marB="108522" anchor="ctr">
-                    <a:lnL w="57150" cap="flat" cmpd="sng" algn="ctr">
-                      <a:noFill/>
-                      <a:prstDash val="solid"/>
-                      <a:round/>
-                      <a:headEnd type="none" w="med" len="med"/>
-                      <a:tailEnd type="none" w="med" len="med"/>
-                    </a:lnL>
-                    <a:lnR w="3175" cap="flat" cmpd="sng" algn="ctr">
-                      <a:noFill/>
-                      <a:prstDash val="solid"/>
-                      <a:round/>
-                      <a:headEnd type="none" w="med" len="med"/>
-                      <a:tailEnd type="none" w="med" len="med"/>
-                    </a:lnR>
-                    <a:lnT w="6350" cap="flat" cmpd="sng" algn="ctr">
-                      <a:noFill/>
-                      <a:prstDash val="solid"/>
-                      <a:round/>
-                      <a:headEnd type="none" w="med" len="med"/>
-                      <a:tailEnd type="none" w="med" len="med"/>
-                    </a:lnT>
-                    <a:lnB w="3175" cap="flat" cmpd="sng" algn="ctr">
-                      <a:solidFill>
-                        <a:schemeClr val="bg1">
-                          <a:lumMod val="75000"/>
-                        </a:schemeClr>
-                      </a:solidFill>
-                      <a:prstDash val="sysDot"/>
-                      <a:round/>
-                      <a:headEnd type="none" w="med" len="med"/>
-                      <a:tailEnd type="none" w="med" len="med"/>
-                    </a:lnB>
-                    <a:lnTlToBr w="12700" cmpd="sng">
-                      <a:noFill/>
-                      <a:prstDash val="solid"/>
-                    </a:lnTlToBr>
-                    <a:lnBlToTr w="12700" cmpd="sng">
-                      <a:noFill/>
-                      <a:prstDash val="solid"/>
-                    </a:lnBlToTr>
-                    <a:noFill/>
-                  </a:tcPr>
-                </a:tc>
-                <a:tc>
-                  <a:txBody>
-                    <a:bodyPr/>
-                    <a:lstStyle/>
-                    <a:p>
-                      <a:pPr marL="0" marR="0" lvl="0" indent="0" algn="l" defTabSz="685792" rtl="0" eaLnBrk="1" fontAlgn="auto" latinLnBrk="0" hangingPunct="1">
-                        <a:lnSpc>
-                          <a:spcPct val="130000"/>
-                        </a:lnSpc>
-                        <a:spcBef>
-                          <a:spcPts val="0"/>
-                        </a:spcBef>
-                        <a:spcAft>
-                          <a:spcPts val="0"/>
-                        </a:spcAft>
-                        <a:buClrTx/>
-                        <a:buSzTx/>
-                        <a:buFontTx/>
-                        <a:buNone/>
-                        <a:tabLst/>
-                        <a:defRPr/>
-                      </a:pPr>
-                      <a:endParaRPr lang="en-US" altLang="zh-CN" sz="1200" b="0" kern="1200" dirty="0">
-                        <a:solidFill>
-                          <a:schemeClr val="tx1">
-                            <a:lumMod val="75000"/>
-                            <a:lumOff val="25000"/>
-                          </a:schemeClr>
-                        </a:solidFill>
-                        <a:latin typeface="+mn-lt"/>
-                        <a:ea typeface="+mn-ea"/>
-                        <a:cs typeface="+mn-ea"/>
-                        <a:sym typeface="+mn-lt"/>
-                      </a:endParaRPr>
-                    </a:p>
-                  </a:txBody>
-                  <a:tcPr marL="108666" marR="108666" marT="108522" marB="108522" anchor="ctr">
-                    <a:lnL w="3175" cap="flat" cmpd="sng" algn="ctr">
-                      <a:noFill/>
-                      <a:prstDash val="solid"/>
-                      <a:round/>
-                      <a:headEnd type="none" w="med" len="med"/>
-                      <a:tailEnd type="none" w="med" len="med"/>
-                    </a:lnL>
-                    <a:lnR w="57150" cap="flat" cmpd="sng" algn="ctr">
-                      <a:noFill/>
-                      <a:prstDash val="solid"/>
-                      <a:round/>
-                      <a:headEnd type="none" w="med" len="med"/>
-                      <a:tailEnd type="none" w="med" len="med"/>
-                    </a:lnR>
-                    <a:lnT w="6350" cap="flat" cmpd="sng" algn="ctr">
-                      <a:noFill/>
-                      <a:prstDash val="solid"/>
-                      <a:round/>
-                      <a:headEnd type="none" w="med" len="med"/>
-                      <a:tailEnd type="none" w="med" len="med"/>
-                    </a:lnT>
-                    <a:lnB w="3175" cap="flat" cmpd="sng" algn="ctr">
-                      <a:solidFill>
-                        <a:schemeClr val="bg1">
-                          <a:lumMod val="75000"/>
-                        </a:schemeClr>
-                      </a:solidFill>
-                      <a:prstDash val="sysDot"/>
-                      <a:round/>
-                      <a:headEnd type="none" w="med" len="med"/>
-                      <a:tailEnd type="none" w="med" len="med"/>
-                    </a:lnB>
-                    <a:lnTlToBr w="12700" cmpd="sng">
-                      <a:noFill/>
-                      <a:prstDash val="solid"/>
-                    </a:lnTlToBr>
-                    <a:lnBlToTr w="12700" cmpd="sng">
-                      <a:noFill/>
-                      <a:prstDash val="solid"/>
-                    </a:lnBlToTr>
-                    <a:noFill/>
-                  </a:tcPr>
-                </a:tc>
-                <a:tc>
-                  <a:txBody>
-                    <a:bodyPr/>
-                    <a:lstStyle/>
-                    <a:p>
-                      <a:pPr marL="0" marR="0" lvl="0" indent="0" algn="l" defTabSz="685792" rtl="0" eaLnBrk="1" fontAlgn="auto" latinLnBrk="0" hangingPunct="1">
-                        <a:lnSpc>
-                          <a:spcPct val="130000"/>
-                        </a:lnSpc>
-                        <a:spcBef>
-                          <a:spcPts val="0"/>
-                        </a:spcBef>
-                        <a:spcAft>
-                          <a:spcPts val="0"/>
-                        </a:spcAft>
-                        <a:buClrTx/>
-                        <a:buSzTx/>
-                        <a:buFontTx/>
-                        <a:buNone/>
-                        <a:tabLst/>
-                        <a:defRPr/>
-                      </a:pPr>
-                      <a:endParaRPr lang="en-US" altLang="zh-CN" sz="1200" b="0" kern="1200" dirty="0">
-                        <a:solidFill>
-                          <a:schemeClr val="tx1">
-                            <a:lumMod val="75000"/>
-                            <a:lumOff val="25000"/>
-                          </a:schemeClr>
-                        </a:solidFill>
-                        <a:latin typeface="+mn-lt"/>
-                        <a:ea typeface="+mn-ea"/>
-                        <a:cs typeface="+mn-ea"/>
-                        <a:sym typeface="+mn-lt"/>
-                      </a:endParaRPr>
-                    </a:p>
-                  </a:txBody>
-                  <a:tcPr marL="108666" marR="108666" marT="108522" marB="108522" anchor="ctr">
-                    <a:lnL w="3175" cap="flat" cmpd="sng" algn="ctr">
-                      <a:noFill/>
-                      <a:prstDash val="solid"/>
-                      <a:round/>
-                      <a:headEnd type="none" w="med" len="med"/>
-                      <a:tailEnd type="none" w="med" len="med"/>
-                    </a:lnL>
-                    <a:lnR w="57150" cap="flat" cmpd="sng" algn="ctr">
-                      <a:noFill/>
-                      <a:prstDash val="solid"/>
-                      <a:round/>
-                      <a:headEnd type="none" w="med" len="med"/>
-                      <a:tailEnd type="none" w="med" len="med"/>
-                    </a:lnR>
-                    <a:lnT w="6350" cap="flat" cmpd="sng" algn="ctr">
-                      <a:noFill/>
-                      <a:prstDash val="solid"/>
-                      <a:round/>
-                      <a:headEnd type="none" w="med" len="med"/>
-                      <a:tailEnd type="none" w="med" len="med"/>
-                    </a:lnT>
-                    <a:lnB w="3175" cap="flat" cmpd="sng" algn="ctr">
-                      <a:solidFill>
-                        <a:schemeClr val="bg1">
-                          <a:lumMod val="75000"/>
-                        </a:schemeClr>
-                      </a:solidFill>
-                      <a:prstDash val="sysDot"/>
-                      <a:round/>
-                      <a:headEnd type="none" w="med" len="med"/>
-                      <a:tailEnd type="none" w="med" len="med"/>
-                    </a:lnB>
-                    <a:lnTlToBr w="12700" cmpd="sng">
-                      <a:noFill/>
-                      <a:prstDash val="solid"/>
-                    </a:lnTlToBr>
-                    <a:lnBlToTr w="12700" cmpd="sng">
-                      <a:noFill/>
-                      <a:prstDash val="solid"/>
-                    </a:lnBlToTr>
-                    <a:noFill/>
-                  </a:tcPr>
-                </a:tc>
-                <a:tc>
-                  <a:txBody>
-                    <a:bodyPr/>
-                    <a:lstStyle/>
-                    <a:p>
-                      <a:pPr marL="0" marR="0" lvl="0" indent="0" algn="l" defTabSz="685792" rtl="0" eaLnBrk="1" fontAlgn="auto" latinLnBrk="0" hangingPunct="1">
-                        <a:lnSpc>
-                          <a:spcPct val="130000"/>
-                        </a:lnSpc>
-                        <a:spcBef>
-                          <a:spcPts val="0"/>
-                        </a:spcBef>
-                        <a:spcAft>
-                          <a:spcPts val="0"/>
-                        </a:spcAft>
-                        <a:buClrTx/>
-                        <a:buSzTx/>
-                        <a:buFontTx/>
-                        <a:buNone/>
-                        <a:tabLst/>
-                        <a:defRPr/>
-                      </a:pPr>
-                      <a:endParaRPr lang="en-US" altLang="zh-CN" sz="1200" b="0" kern="1200" dirty="0">
-                        <a:solidFill>
-                          <a:schemeClr val="tx1">
-                            <a:lumMod val="75000"/>
-                            <a:lumOff val="25000"/>
-                          </a:schemeClr>
-                        </a:solidFill>
-                        <a:latin typeface="+mn-lt"/>
-                        <a:ea typeface="+mn-ea"/>
-                        <a:cs typeface="+mn-ea"/>
-                        <a:sym typeface="+mn-lt"/>
-                      </a:endParaRPr>
-                    </a:p>
-                  </a:txBody>
-                  <a:tcPr marL="108666" marR="108666" marT="108522" marB="108522" anchor="ctr">
-                    <a:lnL w="3175" cap="flat" cmpd="sng" algn="ctr">
-                      <a:noFill/>
-                      <a:prstDash val="solid"/>
-                      <a:round/>
-                      <a:headEnd type="none" w="med" len="med"/>
-                      <a:tailEnd type="none" w="med" len="med"/>
-                    </a:lnL>
-                    <a:lnR w="57150" cap="flat" cmpd="sng" algn="ctr">
-                      <a:noFill/>
-                      <a:prstDash val="solid"/>
-                      <a:round/>
-                      <a:headEnd type="none" w="med" len="med"/>
-                      <a:tailEnd type="none" w="med" len="med"/>
-                    </a:lnR>
-                    <a:lnT w="6350" cap="flat" cmpd="sng" algn="ctr">
-                      <a:noFill/>
-                      <a:prstDash val="solid"/>
-                      <a:round/>
-                      <a:headEnd type="none" w="med" len="med"/>
-                      <a:tailEnd type="none" w="med" len="med"/>
-                    </a:lnT>
-                    <a:lnB w="3175" cap="flat" cmpd="sng" algn="ctr">
-                      <a:solidFill>
-                        <a:schemeClr val="bg1">
-                          <a:lumMod val="75000"/>
-                        </a:schemeClr>
-                      </a:solidFill>
-                      <a:prstDash val="sysDot"/>
-                      <a:round/>
-                      <a:headEnd type="none" w="med" len="med"/>
-                      <a:tailEnd type="none" w="med" len="med"/>
-                    </a:lnB>
-                    <a:lnTlToBr w="12700" cmpd="sng">
-                      <a:noFill/>
-                      <a:prstDash val="solid"/>
-                    </a:lnTlToBr>
-                    <a:lnBlToTr w="12700" cmpd="sng">
-                      <a:noFill/>
-                      <a:prstDash val="solid"/>
-                    </a:lnBlToTr>
-                    <a:noFill/>
-                  </a:tcPr>
-                </a:tc>
-                <a:tc>
-                  <a:txBody>
-                    <a:bodyPr/>
-                    <a:lstStyle/>
-                    <a:p>
-                      <a:pPr marL="0" marR="0" lvl="0" indent="0" algn="l" defTabSz="685792" rtl="0" eaLnBrk="1" fontAlgn="auto" latinLnBrk="0" hangingPunct="1">
-                        <a:lnSpc>
-                          <a:spcPct val="130000"/>
-                        </a:lnSpc>
-                        <a:spcBef>
-                          <a:spcPts val="0"/>
-                        </a:spcBef>
-                        <a:spcAft>
-                          <a:spcPts val="0"/>
-                        </a:spcAft>
-                        <a:buClrTx/>
-                        <a:buSzTx/>
-                        <a:buFontTx/>
-                        <a:buNone/>
-                        <a:tabLst/>
-                        <a:defRPr/>
-                      </a:pPr>
-                      <a:endParaRPr lang="en-US" altLang="zh-CN" sz="1200" b="0" kern="1200" dirty="0">
-                        <a:solidFill>
-                          <a:schemeClr val="tx1">
-                            <a:lumMod val="75000"/>
-                            <a:lumOff val="25000"/>
-                          </a:schemeClr>
-                        </a:solidFill>
-                        <a:latin typeface="+mn-lt"/>
-                        <a:ea typeface="+mn-ea"/>
-                        <a:cs typeface="+mn-ea"/>
-                        <a:sym typeface="+mn-lt"/>
-                      </a:endParaRPr>
-                    </a:p>
-                  </a:txBody>
-                  <a:tcPr marL="108666" marR="108666" marT="108522" marB="108522" anchor="ctr">
-                    <a:lnL w="3175" cap="flat" cmpd="sng" algn="ctr">
-                      <a:noFill/>
-                      <a:prstDash val="solid"/>
-                      <a:round/>
-                      <a:headEnd type="none" w="med" len="med"/>
-                      <a:tailEnd type="none" w="med" len="med"/>
-                    </a:lnL>
-                    <a:lnR w="57150" cap="flat" cmpd="sng" algn="ctr">
-                      <a:noFill/>
-                      <a:prstDash val="solid"/>
-                      <a:round/>
-                      <a:headEnd type="none" w="med" len="med"/>
-                      <a:tailEnd type="none" w="med" len="med"/>
-                    </a:lnR>
-                    <a:lnT w="6350" cap="flat" cmpd="sng" algn="ctr">
-                      <a:noFill/>
-                      <a:prstDash val="solid"/>
-                      <a:round/>
-                      <a:headEnd type="none" w="med" len="med"/>
-                      <a:tailEnd type="none" w="med" len="med"/>
-                    </a:lnT>
-                    <a:lnB w="3175" cap="flat" cmpd="sng" algn="ctr">
-                      <a:solidFill>
-                        <a:schemeClr val="bg1">
-                          <a:lumMod val="75000"/>
-                        </a:schemeClr>
-                      </a:solidFill>
-                      <a:prstDash val="sysDot"/>
-                      <a:round/>
-                      <a:headEnd type="none" w="med" len="med"/>
-                      <a:tailEnd type="none" w="med" len="med"/>
-                    </a:lnB>
-                    <a:lnTlToBr w="12700" cmpd="sng">
-                      <a:noFill/>
-                      <a:prstDash val="solid"/>
-                    </a:lnTlToBr>
-                    <a:lnBlToTr w="12700" cmpd="sng">
-                      <a:noFill/>
-                      <a:prstDash val="solid"/>
-                    </a:lnBlToTr>
-                    <a:noFill/>
-                  </a:tcPr>
-                </a:tc>
-                <a:tc>
-                  <a:txBody>
-                    <a:bodyPr/>
-                    <a:lstStyle/>
-                    <a:p>
-                      <a:pPr marL="0" marR="0" lvl="0" indent="0" algn="l" defTabSz="685792" rtl="0" eaLnBrk="1" fontAlgn="auto" latinLnBrk="0" hangingPunct="1">
-                        <a:lnSpc>
-                          <a:spcPct val="130000"/>
-                        </a:lnSpc>
-                        <a:spcBef>
-                          <a:spcPts val="0"/>
-                        </a:spcBef>
-                        <a:spcAft>
-                          <a:spcPts val="0"/>
-                        </a:spcAft>
-                        <a:buClrTx/>
-                        <a:buSzTx/>
-                        <a:buFontTx/>
-                        <a:buNone/>
-                        <a:tabLst/>
-                        <a:defRPr/>
-                      </a:pPr>
-                      <a:endParaRPr lang="en-US" altLang="zh-CN" sz="1200" b="0" kern="1200" dirty="0">
-                        <a:solidFill>
-                          <a:schemeClr val="tx1">
-                            <a:lumMod val="75000"/>
-                            <a:lumOff val="25000"/>
-                          </a:schemeClr>
-                        </a:solidFill>
-                        <a:latin typeface="+mn-lt"/>
-                        <a:ea typeface="+mn-ea"/>
-                        <a:cs typeface="+mn-ea"/>
-                        <a:sym typeface="+mn-lt"/>
-                      </a:endParaRPr>
-                    </a:p>
-                  </a:txBody>
-                  <a:tcPr marL="108666" marR="108666" marT="108522" marB="108522" anchor="ctr">
-                    <a:lnL w="3175" cap="flat" cmpd="sng" algn="ctr">
-                      <a:noFill/>
-                      <a:prstDash val="solid"/>
-                      <a:round/>
-                      <a:headEnd type="none" w="med" len="med"/>
-                      <a:tailEnd type="none" w="med" len="med"/>
-                    </a:lnL>
-                    <a:lnR w="57150" cap="flat" cmpd="sng" algn="ctr">
-                      <a:noFill/>
-                      <a:prstDash val="solid"/>
-                      <a:round/>
-                      <a:headEnd type="none" w="med" len="med"/>
-                      <a:tailEnd type="none" w="med" len="med"/>
-                    </a:lnR>
-                    <a:lnT w="6350" cap="flat" cmpd="sng" algn="ctr">
-                      <a:noFill/>
-                      <a:prstDash val="solid"/>
-                      <a:round/>
-                      <a:headEnd type="none" w="med" len="med"/>
-                      <a:tailEnd type="none" w="med" len="med"/>
-                    </a:lnT>
-                    <a:lnB w="3175" cap="flat" cmpd="sng" algn="ctr">
-                      <a:solidFill>
-                        <a:schemeClr val="bg1">
-                          <a:lumMod val="75000"/>
-                        </a:schemeClr>
-                      </a:solidFill>
-                      <a:prstDash val="sysDot"/>
-                      <a:round/>
-                      <a:headEnd type="none" w="med" len="med"/>
-                      <a:tailEnd type="none" w="med" len="med"/>
-                    </a:lnB>
-                    <a:lnTlToBr w="12700" cmpd="sng">
-                      <a:noFill/>
-                      <a:prstDash val="solid"/>
-                    </a:lnTlToBr>
-                    <a:lnBlToTr w="12700" cmpd="sng">
-                      <a:noFill/>
-                      <a:prstDash val="solid"/>
-                    </a:lnBlToTr>
-                    <a:noFill/>
-                  </a:tcPr>
-                </a:tc>
-                <a:tc>
-                  <a:txBody>
-                    <a:bodyPr/>
-                    <a:lstStyle/>
-                    <a:p>
-                      <a:pPr marL="0" marR="0" lvl="0" indent="0" algn="l" defTabSz="685792" rtl="0" eaLnBrk="1" fontAlgn="auto" latinLnBrk="0" hangingPunct="1">
-                        <a:lnSpc>
-                          <a:spcPct val="130000"/>
-                        </a:lnSpc>
-                        <a:spcBef>
-                          <a:spcPts val="0"/>
-                        </a:spcBef>
-                        <a:spcAft>
-                          <a:spcPts val="0"/>
-                        </a:spcAft>
-                        <a:buClrTx/>
-                        <a:buSzTx/>
-                        <a:buFontTx/>
-                        <a:buNone/>
-                        <a:tabLst/>
-                        <a:defRPr/>
-                      </a:pPr>
-                      <a:endParaRPr lang="en-US" altLang="zh-CN" sz="1200" b="0" kern="1200" dirty="0">
-                        <a:solidFill>
-                          <a:schemeClr val="tx1">
-                            <a:lumMod val="75000"/>
-                            <a:lumOff val="25000"/>
-                          </a:schemeClr>
-                        </a:solidFill>
-                        <a:latin typeface="+mn-lt"/>
-                        <a:ea typeface="+mn-ea"/>
-                        <a:cs typeface="+mn-ea"/>
-                        <a:sym typeface="+mn-lt"/>
-                      </a:endParaRPr>
-                    </a:p>
-                  </a:txBody>
-                  <a:tcPr marL="108666" marR="108666" marT="108522" marB="108522" anchor="ctr">
-                    <a:lnL w="3175" cap="flat" cmpd="sng" algn="ctr">
-                      <a:noFill/>
-                      <a:prstDash val="solid"/>
-                      <a:round/>
-                      <a:headEnd type="none" w="med" len="med"/>
-                      <a:tailEnd type="none" w="med" len="med"/>
-                    </a:lnL>
-                    <a:lnR w="57150" cap="flat" cmpd="sng" algn="ctr">
-                      <a:noFill/>
-                      <a:prstDash val="solid"/>
-                      <a:round/>
-                      <a:headEnd type="none" w="med" len="med"/>
-                      <a:tailEnd type="none" w="med" len="med"/>
-                    </a:lnR>
-                    <a:lnT w="6350" cap="flat" cmpd="sng" algn="ctr">
-                      <a:noFill/>
-                      <a:prstDash val="solid"/>
-                      <a:round/>
-                      <a:headEnd type="none" w="med" len="med"/>
-                      <a:tailEnd type="none" w="med" len="med"/>
-                    </a:lnT>
-                    <a:lnB w="3175" cap="flat" cmpd="sng" algn="ctr">
-                      <a:solidFill>
-                        <a:schemeClr val="bg1">
-                          <a:lumMod val="75000"/>
-                        </a:schemeClr>
-                      </a:solidFill>
-                      <a:prstDash val="sysDot"/>
-                      <a:round/>
-                      <a:headEnd type="none" w="med" len="med"/>
-                      <a:tailEnd type="none" w="med" len="med"/>
-                    </a:lnB>
-                    <a:lnTlToBr w="12700" cmpd="sng">
-                      <a:noFill/>
-                      <a:prstDash val="solid"/>
-                    </a:lnTlToBr>
-                    <a:lnBlToTr w="12700" cmpd="sng">
-                      <a:noFill/>
-                      <a:prstDash val="solid"/>
-                    </a:lnBlToTr>
-                    <a:noFill/>
-                  </a:tcPr>
-                </a:tc>
-                <a:extLst>
-                  <a:ext uri="{0D108BD9-81ED-4DB2-BD59-A6C34878D82A}">
-                    <a16:rowId xmlns:a16="http://schemas.microsoft.com/office/drawing/2014/main" val="10001"/>
+                    <a16:rowId xmlns:a16="http://schemas.microsoft.com/office/drawing/2014/main" xmlns="" val="10001"/>
                   </a:ext>
                 </a:extLst>
               </a:tr>
@@ -24355,7 +24537,7 @@
                 </a:tc>
                 <a:extLst>
                   <a:ext uri="{0D108BD9-81ED-4DB2-BD59-A6C34878D82A}">
-                    <a16:rowId xmlns:a16="http://schemas.microsoft.com/office/drawing/2014/main" val="10002"/>
+                    <a16:rowId xmlns:a16="http://schemas.microsoft.com/office/drawing/2014/main" xmlns="" val="10002"/>
                   </a:ext>
                 </a:extLst>
               </a:tr>
@@ -24950,7 +25132,7 @@
                 </a:tc>
                 <a:extLst>
                   <a:ext uri="{0D108BD9-81ED-4DB2-BD59-A6C34878D82A}">
-                    <a16:rowId xmlns:a16="http://schemas.microsoft.com/office/drawing/2014/main" val="10003"/>
+                    <a16:rowId xmlns:a16="http://schemas.microsoft.com/office/drawing/2014/main" xmlns="" val="10003"/>
                   </a:ext>
                 </a:extLst>
               </a:tr>
@@ -25545,7 +25727,7 @@
                 </a:tc>
                 <a:extLst>
                   <a:ext uri="{0D108BD9-81ED-4DB2-BD59-A6C34878D82A}">
-                    <a16:rowId xmlns:a16="http://schemas.microsoft.com/office/drawing/2014/main" val="10007"/>
+                    <a16:rowId xmlns:a16="http://schemas.microsoft.com/office/drawing/2014/main" xmlns="" val="10007"/>
                   </a:ext>
                 </a:extLst>
               </a:tr>
@@ -26140,7 +26322,7 @@
                 </a:tc>
                 <a:extLst>
                   <a:ext uri="{0D108BD9-81ED-4DB2-BD59-A6C34878D82A}">
-                    <a16:rowId xmlns:a16="http://schemas.microsoft.com/office/drawing/2014/main" val="10008"/>
+                    <a16:rowId xmlns:a16="http://schemas.microsoft.com/office/drawing/2014/main" xmlns="" val="10008"/>
                   </a:ext>
                 </a:extLst>
               </a:tr>
@@ -26735,7 +26917,7 @@
                 </a:tc>
                 <a:extLst>
                   <a:ext uri="{0D108BD9-81ED-4DB2-BD59-A6C34878D82A}">
-                    <a16:rowId xmlns:a16="http://schemas.microsoft.com/office/drawing/2014/main" val="10004"/>
+                    <a16:rowId xmlns:a16="http://schemas.microsoft.com/office/drawing/2014/main" xmlns="" val="10004"/>
                   </a:ext>
                 </a:extLst>
               </a:tr>
@@ -27330,7 +27512,7 @@
                 </a:tc>
                 <a:extLst>
                   <a:ext uri="{0D108BD9-81ED-4DB2-BD59-A6C34878D82A}">
-                    <a16:rowId xmlns:a16="http://schemas.microsoft.com/office/drawing/2014/main" val="10009"/>
+                    <a16:rowId xmlns:a16="http://schemas.microsoft.com/office/drawing/2014/main" xmlns="" val="10009"/>
                   </a:ext>
                 </a:extLst>
               </a:tr>
@@ -27911,7 +28093,7 @@
                 </a:tc>
                 <a:extLst>
                   <a:ext uri="{0D108BD9-81ED-4DB2-BD59-A6C34878D82A}">
-                    <a16:rowId xmlns:a16="http://schemas.microsoft.com/office/drawing/2014/main" val="10010"/>
+                    <a16:rowId xmlns:a16="http://schemas.microsoft.com/office/drawing/2014/main" xmlns="" val="10010"/>
                   </a:ext>
                 </a:extLst>
               </a:tr>
@@ -28246,7 +28428,7 @@
                 <a:gridCol w="11048531">
                   <a:extLst>
                     <a:ext uri="{9D8B030D-6E8A-4147-A177-3AD203B41FA5}">
-                      <a16:colId xmlns:a16="http://schemas.microsoft.com/office/drawing/2014/main" val="1357581311"/>
+                      <a16:colId xmlns:a16="http://schemas.microsoft.com/office/drawing/2014/main" xmlns="" val="1357581311"/>
                     </a:ext>
                   </a:extLst>
                 </a:gridCol>
@@ -28333,7 +28515,7 @@
                 </a:tc>
                 <a:extLst>
                   <a:ext uri="{0D108BD9-81ED-4DB2-BD59-A6C34878D82A}">
-                    <a16:rowId xmlns:a16="http://schemas.microsoft.com/office/drawing/2014/main" val="3203583067"/>
+                    <a16:rowId xmlns:a16="http://schemas.microsoft.com/office/drawing/2014/main" xmlns="" val="3203583067"/>
                   </a:ext>
                 </a:extLst>
               </a:tr>
@@ -28350,7 +28532,7 @@
           <p:nvPr>
             <p:extLst>
               <p:ext uri="{D42A27DB-BD31-4B8C-83A1-F6EECF244321}">
-                <p14:modId xmlns:p14="http://schemas.microsoft.com/office/powerpoint/2010/main" val="1439891495"/>
+                <p14:modId xmlns:p14="http://schemas.microsoft.com/office/powerpoint/2010/main" val="1002290256"/>
               </p:ext>
             </p:extLst>
           </p:nvPr>
@@ -28369,21 +28551,21 @@
                 <a:gridCol w="3682842">
                   <a:extLst>
                     <a:ext uri="{9D8B030D-6E8A-4147-A177-3AD203B41FA5}">
-                      <a16:colId xmlns:a16="http://schemas.microsoft.com/office/drawing/2014/main" val="1109671872"/>
+                      <a16:colId xmlns:a16="http://schemas.microsoft.com/office/drawing/2014/main" xmlns="" val="1109671872"/>
                     </a:ext>
                   </a:extLst>
                 </a:gridCol>
                 <a:gridCol w="3682842">
                   <a:extLst>
                     <a:ext uri="{9D8B030D-6E8A-4147-A177-3AD203B41FA5}">
-                      <a16:colId xmlns:a16="http://schemas.microsoft.com/office/drawing/2014/main" val="390604985"/>
+                      <a16:colId xmlns:a16="http://schemas.microsoft.com/office/drawing/2014/main" xmlns="" val="390604985"/>
                     </a:ext>
                   </a:extLst>
                 </a:gridCol>
                 <a:gridCol w="3682842">
                   <a:extLst>
                     <a:ext uri="{9D8B030D-6E8A-4147-A177-3AD203B41FA5}">
-                      <a16:colId xmlns:a16="http://schemas.microsoft.com/office/drawing/2014/main" val="3548678291"/>
+                      <a16:colId xmlns:a16="http://schemas.microsoft.com/office/drawing/2014/main" xmlns="" val="3548678291"/>
                     </a:ext>
                   </a:extLst>
                 </a:gridCol>
@@ -28493,7 +28675,7 @@
                 </a:tc>
                 <a:extLst>
                   <a:ext uri="{0D108BD9-81ED-4DB2-BD59-A6C34878D82A}">
-                    <a16:rowId xmlns:a16="http://schemas.microsoft.com/office/drawing/2014/main" val="2826780448"/>
+                    <a16:rowId xmlns:a16="http://schemas.microsoft.com/office/drawing/2014/main" xmlns="" val="2826780448"/>
                   </a:ext>
                 </a:extLst>
               </a:tr>
@@ -28603,7 +28785,7 @@
                 </a:tc>
                 <a:extLst>
                   <a:ext uri="{0D108BD9-81ED-4DB2-BD59-A6C34878D82A}">
-                    <a16:rowId xmlns:a16="http://schemas.microsoft.com/office/drawing/2014/main" val="2074693909"/>
+                    <a16:rowId xmlns:a16="http://schemas.microsoft.com/office/drawing/2014/main" xmlns="" val="2074693909"/>
                   </a:ext>
                 </a:extLst>
               </a:tr>
@@ -28713,7 +28895,7 @@
                 </a:tc>
                 <a:extLst>
                   <a:ext uri="{0D108BD9-81ED-4DB2-BD59-A6C34878D82A}">
-                    <a16:rowId xmlns:a16="http://schemas.microsoft.com/office/drawing/2014/main" val="3442556936"/>
+                    <a16:rowId xmlns:a16="http://schemas.microsoft.com/office/drawing/2014/main" xmlns="" val="3442556936"/>
                   </a:ext>
                 </a:extLst>
               </a:tr>
@@ -28730,7 +28912,7 @@
           <p:nvPr>
             <p:extLst>
               <p:ext uri="{D42A27DB-BD31-4B8C-83A1-F6EECF244321}">
-                <p14:modId xmlns:p14="http://schemas.microsoft.com/office/powerpoint/2010/main" val="2021414945"/>
+                <p14:modId xmlns:p14="http://schemas.microsoft.com/office/powerpoint/2010/main" val="3852304426"/>
               </p:ext>
             </p:extLst>
           </p:nvPr>
@@ -28749,35 +28931,35 @@
                 <a:gridCol w="2209707">
                   <a:extLst>
                     <a:ext uri="{9D8B030D-6E8A-4147-A177-3AD203B41FA5}">
-                      <a16:colId xmlns:a16="http://schemas.microsoft.com/office/drawing/2014/main" val="4105844897"/>
+                      <a16:colId xmlns:a16="http://schemas.microsoft.com/office/drawing/2014/main" xmlns="" val="4105844897"/>
                     </a:ext>
                   </a:extLst>
                 </a:gridCol>
                 <a:gridCol w="2547324">
                   <a:extLst>
                     <a:ext uri="{9D8B030D-6E8A-4147-A177-3AD203B41FA5}">
-                      <a16:colId xmlns:a16="http://schemas.microsoft.com/office/drawing/2014/main" val="4142034472"/>
+                      <a16:colId xmlns:a16="http://schemas.microsoft.com/office/drawing/2014/main" xmlns="" val="4142034472"/>
                     </a:ext>
                   </a:extLst>
                 </a:gridCol>
                 <a:gridCol w="2601685">
                   <a:extLst>
                     <a:ext uri="{9D8B030D-6E8A-4147-A177-3AD203B41FA5}">
-                      <a16:colId xmlns:a16="http://schemas.microsoft.com/office/drawing/2014/main" val="2076643704"/>
+                      <a16:colId xmlns:a16="http://schemas.microsoft.com/office/drawing/2014/main" xmlns="" val="2076643704"/>
                     </a:ext>
                   </a:extLst>
                 </a:gridCol>
                 <a:gridCol w="1480110">
                   <a:extLst>
                     <a:ext uri="{9D8B030D-6E8A-4147-A177-3AD203B41FA5}">
-                      <a16:colId xmlns:a16="http://schemas.microsoft.com/office/drawing/2014/main" val="3774860856"/>
+                      <a16:colId xmlns:a16="http://schemas.microsoft.com/office/drawing/2014/main" xmlns="" val="3774860856"/>
                     </a:ext>
                   </a:extLst>
                 </a:gridCol>
                 <a:gridCol w="2209707">
                   <a:extLst>
                     <a:ext uri="{9D8B030D-6E8A-4147-A177-3AD203B41FA5}">
-                      <a16:colId xmlns:a16="http://schemas.microsoft.com/office/drawing/2014/main" val="690038618"/>
+                      <a16:colId xmlns:a16="http://schemas.microsoft.com/office/drawing/2014/main" xmlns="" val="690038618"/>
                     </a:ext>
                   </a:extLst>
                 </a:gridCol>
@@ -29065,7 +29247,7 @@
                 </a:tc>
                 <a:extLst>
                   <a:ext uri="{0D108BD9-81ED-4DB2-BD59-A6C34878D82A}">
-                    <a16:rowId xmlns:a16="http://schemas.microsoft.com/office/drawing/2014/main" val="2703049425"/>
+                    <a16:rowId xmlns:a16="http://schemas.microsoft.com/office/drawing/2014/main" xmlns="" val="2703049425"/>
                   </a:ext>
                 </a:extLst>
               </a:tr>
@@ -29291,7 +29473,7 @@
                 </a:tc>
                 <a:extLst>
                   <a:ext uri="{0D108BD9-81ED-4DB2-BD59-A6C34878D82A}">
-                    <a16:rowId xmlns:a16="http://schemas.microsoft.com/office/drawing/2014/main" val="741824064"/>
+                    <a16:rowId xmlns:a16="http://schemas.microsoft.com/office/drawing/2014/main" xmlns="" val="741824064"/>
                   </a:ext>
                 </a:extLst>
               </a:tr>
@@ -29534,7 +29716,7 @@
                 </a:tc>
                 <a:extLst>
                   <a:ext uri="{0D108BD9-81ED-4DB2-BD59-A6C34878D82A}">
-                    <a16:rowId xmlns:a16="http://schemas.microsoft.com/office/drawing/2014/main" val="3076205638"/>
+                    <a16:rowId xmlns:a16="http://schemas.microsoft.com/office/drawing/2014/main" xmlns="" val="3076205638"/>
                   </a:ext>
                 </a:extLst>
               </a:tr>
@@ -29779,7 +29961,7 @@
                 </a:tc>
                 <a:extLst>
                   <a:ext uri="{0D108BD9-81ED-4DB2-BD59-A6C34878D82A}">
-                    <a16:rowId xmlns:a16="http://schemas.microsoft.com/office/drawing/2014/main" val="2309071906"/>
+                    <a16:rowId xmlns:a16="http://schemas.microsoft.com/office/drawing/2014/main" xmlns="" val="2309071906"/>
                   </a:ext>
                 </a:extLst>
               </a:tr>
@@ -30003,7 +30185,7 @@
                 </a:tc>
                 <a:extLst>
                   <a:ext uri="{0D108BD9-81ED-4DB2-BD59-A6C34878D82A}">
-                    <a16:rowId xmlns:a16="http://schemas.microsoft.com/office/drawing/2014/main" val="932990606"/>
+                    <a16:rowId xmlns:a16="http://schemas.microsoft.com/office/drawing/2014/main" xmlns="" val="932990606"/>
                   </a:ext>
                 </a:extLst>
               </a:tr>
@@ -30239,7 +30421,7 @@
                 </a:tc>
                 <a:extLst>
                   <a:ext uri="{0D108BD9-81ED-4DB2-BD59-A6C34878D82A}">
-                    <a16:rowId xmlns:a16="http://schemas.microsoft.com/office/drawing/2014/main" val="3524779542"/>
+                    <a16:rowId xmlns:a16="http://schemas.microsoft.com/office/drawing/2014/main" xmlns="" val="3524779542"/>
                   </a:ext>
                 </a:extLst>
               </a:tr>
@@ -30475,7 +30657,7 @@
                 </a:tc>
                 <a:extLst>
                   <a:ext uri="{0D108BD9-81ED-4DB2-BD59-A6C34878D82A}">
-                    <a16:rowId xmlns:a16="http://schemas.microsoft.com/office/drawing/2014/main" val="2910126378"/>
+                    <a16:rowId xmlns:a16="http://schemas.microsoft.com/office/drawing/2014/main" xmlns="" val="2910126378"/>
                   </a:ext>
                 </a:extLst>
               </a:tr>
@@ -30678,14 +30860,6 @@
                     <a:lstStyle/>
                     <a:p>
                       <a:pPr algn="ctr"/>
-                      <a:r>
-                        <a:rPr lang="en-US" sz="1100" dirty="0" smtClean="0">
-                          <a:solidFill>
-                            <a:schemeClr val="accent1"/>
-                          </a:solidFill>
-                        </a:rPr>
-                        <a:t>/</a:t>
-                      </a:r>
                       <a:endParaRPr lang="en-US" sz="1100" dirty="0">
                         <a:solidFill>
                           <a:schemeClr val="accent1"/>
@@ -30716,7 +30890,7 @@
                 </a:tc>
                 <a:extLst>
                   <a:ext uri="{0D108BD9-81ED-4DB2-BD59-A6C34878D82A}">
-                    <a16:rowId xmlns:a16="http://schemas.microsoft.com/office/drawing/2014/main" val="2470890304"/>
+                    <a16:rowId xmlns:a16="http://schemas.microsoft.com/office/drawing/2014/main" xmlns="" val="2470890304"/>
                   </a:ext>
                 </a:extLst>
               </a:tr>
@@ -30919,14 +31093,6 @@
                     <a:lstStyle/>
                     <a:p>
                       <a:pPr algn="ctr"/>
-                      <a:r>
-                        <a:rPr lang="en-US" sz="1100" dirty="0" smtClean="0">
-                          <a:solidFill>
-                            <a:schemeClr val="accent1"/>
-                          </a:solidFill>
-                        </a:rPr>
-                        <a:t>/</a:t>
-                      </a:r>
                       <a:endParaRPr lang="en-US" sz="1100" dirty="0">
                         <a:solidFill>
                           <a:schemeClr val="accent1"/>
@@ -30957,7 +31123,7 @@
                 </a:tc>
                 <a:extLst>
                   <a:ext uri="{0D108BD9-81ED-4DB2-BD59-A6C34878D82A}">
-                    <a16:rowId xmlns:a16="http://schemas.microsoft.com/office/drawing/2014/main" val="2698866000"/>
+                    <a16:rowId xmlns:a16="http://schemas.microsoft.com/office/drawing/2014/main" xmlns="" val="2698866000"/>
                   </a:ext>
                 </a:extLst>
               </a:tr>
@@ -30993,7 +31159,7 @@
                 <a:gridCol w="11048534">
                   <a:extLst>
                     <a:ext uri="{9D8B030D-6E8A-4147-A177-3AD203B41FA5}">
-                      <a16:colId xmlns:a16="http://schemas.microsoft.com/office/drawing/2014/main" val="1357581311"/>
+                      <a16:colId xmlns:a16="http://schemas.microsoft.com/office/drawing/2014/main" xmlns="" val="1357581311"/>
                     </a:ext>
                   </a:extLst>
                 </a:gridCol>
@@ -31080,7 +31246,7 @@
                 </a:tc>
                 <a:extLst>
                   <a:ext uri="{0D108BD9-81ED-4DB2-BD59-A6C34878D82A}">
-                    <a16:rowId xmlns:a16="http://schemas.microsoft.com/office/drawing/2014/main" val="3203583067"/>
+                    <a16:rowId xmlns:a16="http://schemas.microsoft.com/office/drawing/2014/main" xmlns="" val="3203583067"/>
                   </a:ext>
                 </a:extLst>
               </a:tr>
@@ -31229,21 +31395,21 @@
                 <a:gridCol w="2292412">
                   <a:extLst>
                     <a:ext uri="{9D8B030D-6E8A-4147-A177-3AD203B41FA5}">
-                      <a16:colId xmlns:a16="http://schemas.microsoft.com/office/drawing/2014/main" val="1701192910"/>
+                      <a16:colId xmlns:a16="http://schemas.microsoft.com/office/drawing/2014/main" xmlns="" val="1701192910"/>
                     </a:ext>
                   </a:extLst>
                 </a:gridCol>
                 <a:gridCol w="2292412">
                   <a:extLst>
                     <a:ext uri="{9D8B030D-6E8A-4147-A177-3AD203B41FA5}">
-                      <a16:colId xmlns:a16="http://schemas.microsoft.com/office/drawing/2014/main" val="20000"/>
+                      <a16:colId xmlns:a16="http://schemas.microsoft.com/office/drawing/2014/main" xmlns="" val="20000"/>
                     </a:ext>
                   </a:extLst>
                 </a:gridCol>
                 <a:gridCol w="6495168">
                   <a:extLst>
                     <a:ext uri="{9D8B030D-6E8A-4147-A177-3AD203B41FA5}">
-                      <a16:colId xmlns:a16="http://schemas.microsoft.com/office/drawing/2014/main" val="20001"/>
+                      <a16:colId xmlns:a16="http://schemas.microsoft.com/office/drawing/2014/main" xmlns="" val="20001"/>
                     </a:ext>
                   </a:extLst>
                 </a:gridCol>
@@ -31526,7 +31692,7 @@
                 </a:tc>
                 <a:extLst>
                   <a:ext uri="{0D108BD9-81ED-4DB2-BD59-A6C34878D82A}">
-                    <a16:rowId xmlns:a16="http://schemas.microsoft.com/office/drawing/2014/main" val="10000"/>
+                    <a16:rowId xmlns:a16="http://schemas.microsoft.com/office/drawing/2014/main" xmlns="" val="10000"/>
                   </a:ext>
                 </a:extLst>
               </a:tr>
@@ -31773,7 +31939,7 @@
                 </a:tc>
                 <a:extLst>
                   <a:ext uri="{0D108BD9-81ED-4DB2-BD59-A6C34878D82A}">
-                    <a16:rowId xmlns:a16="http://schemas.microsoft.com/office/drawing/2014/main" val="10001"/>
+                    <a16:rowId xmlns:a16="http://schemas.microsoft.com/office/drawing/2014/main" xmlns="" val="10001"/>
                   </a:ext>
                 </a:extLst>
               </a:tr>
@@ -32032,7 +32198,7 @@
                 </a:tc>
                 <a:extLst>
                   <a:ext uri="{0D108BD9-81ED-4DB2-BD59-A6C34878D82A}">
-                    <a16:rowId xmlns:a16="http://schemas.microsoft.com/office/drawing/2014/main" val="10002"/>
+                    <a16:rowId xmlns:a16="http://schemas.microsoft.com/office/drawing/2014/main" xmlns="" val="10002"/>
                   </a:ext>
                 </a:extLst>
               </a:tr>
@@ -32291,7 +32457,7 @@
                 </a:tc>
                 <a:extLst>
                   <a:ext uri="{0D108BD9-81ED-4DB2-BD59-A6C34878D82A}">
-                    <a16:rowId xmlns:a16="http://schemas.microsoft.com/office/drawing/2014/main" val="10003"/>
+                    <a16:rowId xmlns:a16="http://schemas.microsoft.com/office/drawing/2014/main" xmlns="" val="10003"/>
                   </a:ext>
                 </a:extLst>
               </a:tr>
@@ -32544,7 +32710,7 @@
                 </a:tc>
                 <a:extLst>
                   <a:ext uri="{0D108BD9-81ED-4DB2-BD59-A6C34878D82A}">
-                    <a16:rowId xmlns:a16="http://schemas.microsoft.com/office/drawing/2014/main" val="10004"/>
+                    <a16:rowId xmlns:a16="http://schemas.microsoft.com/office/drawing/2014/main" xmlns="" val="10004"/>
                   </a:ext>
                 </a:extLst>
               </a:tr>
@@ -33893,7 +34059,7 @@
           <a:graphicData uri="http://schemas.openxmlformats.org/presentationml/2006/ole">
             <mc:AlternateContent xmlns:mc="http://schemas.openxmlformats.org/markup-compatibility/2006">
               <mc:Choice xmlns:v="urn:schemas-microsoft-com:vml" Requires="v">
-                <p:oleObj spid="_x0000_s44094" name="think-cell Slide" r:id="rId5" imgW="416" imgH="416" progId="TCLayout.ActiveDocument.1">
+                <p:oleObj spid="_x0000_s44101" name="think-cell Slide" r:id="rId5" imgW="416" imgH="416" progId="TCLayout.ActiveDocument.1">
                   <p:embed/>
                 </p:oleObj>
               </mc:Choice>
@@ -35183,7 +35349,7 @@
   <a:extraClrSchemeLst/>
   <a:extLst>
     <a:ext uri="{05A4C25C-085E-4340-85A3-A5531E510DB2}">
-      <thm15:themeFamily xmlns:thm15="http://schemas.microsoft.com/office/thememl/2012/main" name="Office Theme" id="{62F939B6-93AF-4DB8-9C6B-D6C7DFDC589F}" vid="{4A3C46E8-61CC-4603-A589-7422A47A8E4A}"/>
+      <thm15:themeFamily xmlns:thm15="http://schemas.microsoft.com/office/thememl/2012/main" xmlns="" name="Office Theme" id="{62F939B6-93AF-4DB8-9C6B-D6C7DFDC589F}" vid="{4A3C46E8-61CC-4603-A589-7422A47A8E4A}"/>
     </a:ext>
   </a:extLst>
 </a:theme>
@@ -35417,7 +35583,7 @@
   <a:extraClrSchemeLst/>
   <a:extLst>
     <a:ext uri="{05A4C25C-085E-4340-85A3-A5531E510DB2}">
-      <thm15:themeFamily xmlns:thm15="http://schemas.microsoft.com/office/thememl/2012/main" name="Bentley template 2021.potx" id="{C9F80F40-B2B1-4DB6-919B-71F3AAFFE5B0}" vid="{F9D38CA0-4F02-4029-A6BC-9642EF690A5C}"/>
+      <thm15:themeFamily xmlns:thm15="http://schemas.microsoft.com/office/thememl/2012/main" xmlns="" name="Bentley template 2021.potx" id="{C9F80F40-B2B1-4DB6-919B-71F3AAFFE5B0}" vid="{F9D38CA0-4F02-4029-A6BC-9642EF690A5C}"/>
     </a:ext>
   </a:extLst>
 </a:theme>
@@ -35651,7 +35817,7 @@
   <a:extraClrSchemeLst/>
   <a:extLst>
     <a:ext uri="{05A4C25C-085E-4340-85A3-A5531E510DB2}">
-      <thm15:themeFamily xmlns:thm15="http://schemas.microsoft.com/office/thememl/2012/main" name="Bentley template 2021.potx" id="{C9F80F40-B2B1-4DB6-919B-71F3AAFFE5B0}" vid="{F9D38CA0-4F02-4029-A6BC-9642EF690A5C}"/>
+      <thm15:themeFamily xmlns:thm15="http://schemas.microsoft.com/office/thememl/2012/main" xmlns="" name="Bentley template 2021.potx" id="{C9F80F40-B2B1-4DB6-919B-71F3AAFFE5B0}" vid="{F9D38CA0-4F02-4029-A6BC-9642EF690A5C}"/>
     </a:ext>
   </a:extLst>
 </a:theme>
@@ -35912,7 +36078,7 @@
   <a:extraClrSchemeLst/>
   <a:extLst>
     <a:ext uri="{05A4C25C-085E-4340-85A3-A5531E510DB2}">
-      <thm15:themeFamily xmlns:thm15="http://schemas.microsoft.com/office/thememl/2012/main" name="Office Theme" id="{62F939B6-93AF-4DB8-9C6B-D6C7DFDC589F}" vid="{4A3C46E8-61CC-4603-A589-7422A47A8E4A}"/>
+      <thm15:themeFamily xmlns:thm15="http://schemas.microsoft.com/office/thememl/2012/main" xmlns="" name="Office Theme" id="{62F939B6-93AF-4DB8-9C6B-D6C7DFDC589F}" vid="{4A3C46E8-61CC-4603-A589-7422A47A8E4A}"/>
     </a:ext>
   </a:extLst>
 </a:theme>

--- a/com.yrtech.bentleyAPI/com.yrtech.InventoryAPI/template/ReportOffLine.pptx
+++ b/com.yrtech.bentleyAPI/com.yrtech.InventoryAPI/template/ReportOffLine.pptx
@@ -126,7 +126,7 @@
   </p:defaultTextStyle>
   <p:extLst>
     <p:ext uri="{EFAFB233-063F-42B5-8137-9DF3F51BA10A}">
-      <p15:sldGuideLst xmlns:p15="http://schemas.microsoft.com/office/powerpoint/2012/main" xmlns="">
+      <p15:sldGuideLst xmlns:p15="http://schemas.microsoft.com/office/powerpoint/2012/main">
         <p15:guide id="1" pos="7310" userDrawn="1">
           <p15:clr>
             <a:srgbClr val="A4A3A4"/>
@@ -225,7 +225,7 @@
           <a:p>
             <a:fld id="{69A4D669-94F9-4D70-8C76-4C2D35D4E5D0}" type="datetimeFigureOut">
               <a:rPr lang="en-US" smtClean="0"/>
-              <a:t>4/24/2022</a:t>
+              <a:t>4/26/2022</a:t>
             </a:fld>
             <a:endParaRPr lang="en-US"/>
           </a:p>
@@ -1866,7 +1866,7 @@
           <a:p>
             <a:fld id="{CB9F8517-1271-4F8B-9742-ECB8BBF22693}" type="datetimeFigureOut">
               <a:rPr lang="en-US" smtClean="0"/>
-              <a:t>4/24/2022</a:t>
+              <a:t>4/26/2022</a:t>
             </a:fld>
             <a:endParaRPr lang="en-US"/>
           </a:p>
@@ -2036,7 +2036,7 @@
           <a:p>
             <a:fld id="{CB9F8517-1271-4F8B-9742-ECB8BBF22693}" type="datetimeFigureOut">
               <a:rPr lang="en-US" smtClean="0"/>
-              <a:t>4/24/2022</a:t>
+              <a:t>4/26/2022</a:t>
             </a:fld>
             <a:endParaRPr lang="en-US"/>
           </a:p>
@@ -2216,7 +2216,7 @@
           <a:p>
             <a:fld id="{CB9F8517-1271-4F8B-9742-ECB8BBF22693}" type="datetimeFigureOut">
               <a:rPr lang="en-US" smtClean="0"/>
-              <a:t>4/24/2022</a:t>
+              <a:t>4/26/2022</a:t>
             </a:fld>
             <a:endParaRPr lang="en-US"/>
           </a:p>
@@ -2314,7 +2314,7 @@
           <a:graphicData uri="http://schemas.openxmlformats.org/presentationml/2006/ole">
             <mc:AlternateContent xmlns:mc="http://schemas.openxmlformats.org/markup-compatibility/2006">
               <mc:Choice xmlns:v="urn:schemas-microsoft-com:vml" Requires="v">
-                <p:oleObj spid="_x0000_s3153" name="think-cell Slide" r:id="rId4" imgW="216" imgH="216" progId="TCLayout.ActiveDocument.1">
+                <p:oleObj spid="_x0000_s3154" name="think-cell Slide" r:id="rId4" imgW="216" imgH="216" progId="TCLayout.ActiveDocument.1">
                   <p:embed/>
                 </p:oleObj>
               </mc:Choice>
@@ -2354,7 +2354,7 @@
           <p:cNvPr id="8" name="Title 7">
             <a:extLst>
               <a:ext uri="{FF2B5EF4-FFF2-40B4-BE49-F238E27FC236}">
-                <a16:creationId xmlns:a16="http://schemas.microsoft.com/office/drawing/2014/main" xmlns="" id="{8A6F1540-D306-D44E-B1B3-1ACCF1041F70}"/>
+                <a16:creationId xmlns:a16="http://schemas.microsoft.com/office/drawing/2014/main" id="{8A6F1540-D306-D44E-B1B3-1ACCF1041F70}"/>
               </a:ext>
             </a:extLst>
           </p:cNvPr>
@@ -3150,7 +3150,7 @@
           <p:cNvPr id="37" name="Footer Placeholder 3">
             <a:extLst>
               <a:ext uri="{FF2B5EF4-FFF2-40B4-BE49-F238E27FC236}">
-                <a16:creationId xmlns:a16="http://schemas.microsoft.com/office/drawing/2014/main" xmlns="" id="{DBA440F4-82E0-7E45-8A6F-4A8C7572AEE5}"/>
+                <a16:creationId xmlns:a16="http://schemas.microsoft.com/office/drawing/2014/main" id="{DBA440F4-82E0-7E45-8A6F-4A8C7572AEE5}"/>
               </a:ext>
             </a:extLst>
           </p:cNvPr>
@@ -3209,7 +3209,7 @@
           <p:cNvPr id="38" name="Slide Number Placeholder 5">
             <a:extLst>
               <a:ext uri="{FF2B5EF4-FFF2-40B4-BE49-F238E27FC236}">
-                <a16:creationId xmlns:a16="http://schemas.microsoft.com/office/drawing/2014/main" xmlns="" id="{CC67CD5C-67EC-5144-B858-5347C50D1ACD}"/>
+                <a16:creationId xmlns:a16="http://schemas.microsoft.com/office/drawing/2014/main" id="{CC67CD5C-67EC-5144-B858-5347C50D1ACD}"/>
               </a:ext>
             </a:extLst>
           </p:cNvPr>
@@ -3256,7 +3256,7 @@
           <p:cNvPr id="39" name="Straight Connector 38">
             <a:extLst>
               <a:ext uri="{FF2B5EF4-FFF2-40B4-BE49-F238E27FC236}">
-                <a16:creationId xmlns:a16="http://schemas.microsoft.com/office/drawing/2014/main" xmlns="" id="{95C486A1-9876-924E-85C2-906892F8B9AC}"/>
+                <a16:creationId xmlns:a16="http://schemas.microsoft.com/office/drawing/2014/main" id="{95C486A1-9876-924E-85C2-906892F8B9AC}"/>
               </a:ext>
             </a:extLst>
           </p:cNvPr>
@@ -3352,7 +3352,7 @@
           <a:graphicData uri="http://schemas.openxmlformats.org/presentationml/2006/ole">
             <mc:AlternateContent xmlns:mc="http://schemas.openxmlformats.org/markup-compatibility/2006">
               <mc:Choice xmlns:v="urn:schemas-microsoft-com:vml" Requires="v">
-                <p:oleObj spid="_x0000_s32837" name="think-cell Slide" r:id="rId5" imgW="216" imgH="216" progId="TCLayout.ActiveDocument.1">
+                <p:oleObj spid="_x0000_s32838" name="think-cell Slide" r:id="rId5" imgW="216" imgH="216" progId="TCLayout.ActiveDocument.1">
                   <p:embed/>
                 </p:oleObj>
               </mc:Choice>
@@ -3549,7 +3549,7 @@
           <p:cNvPr id="4" name="Footer Placeholder 3">
             <a:extLst>
               <a:ext uri="{FF2B5EF4-FFF2-40B4-BE49-F238E27FC236}">
-                <a16:creationId xmlns:a16="http://schemas.microsoft.com/office/drawing/2014/main" xmlns="" id="{17D6DE4C-D976-4B4B-B087-C035EF8D4F6F}"/>
+                <a16:creationId xmlns:a16="http://schemas.microsoft.com/office/drawing/2014/main" id="{17D6DE4C-D976-4B4B-B087-C035EF8D4F6F}"/>
               </a:ext>
             </a:extLst>
           </p:cNvPr>
@@ -3608,7 +3608,7 @@
           <p:cNvPr id="13" name="Straight Connector 12">
             <a:extLst>
               <a:ext uri="{FF2B5EF4-FFF2-40B4-BE49-F238E27FC236}">
-                <a16:creationId xmlns:a16="http://schemas.microsoft.com/office/drawing/2014/main" xmlns="" id="{95C486A1-9876-924E-85C2-906892F8B9AC}"/>
+                <a16:creationId xmlns:a16="http://schemas.microsoft.com/office/drawing/2014/main" id="{95C486A1-9876-924E-85C2-906892F8B9AC}"/>
               </a:ext>
             </a:extLst>
           </p:cNvPr>
@@ -3651,7 +3651,7 @@
           <p:cNvPr id="17" name="Slide Number Placeholder 5">
             <a:extLst>
               <a:ext uri="{FF2B5EF4-FFF2-40B4-BE49-F238E27FC236}">
-                <a16:creationId xmlns:a16="http://schemas.microsoft.com/office/drawing/2014/main" xmlns="" id="{CC67CD5C-67EC-5144-B858-5347C50D1ACD}"/>
+                <a16:creationId xmlns:a16="http://schemas.microsoft.com/office/drawing/2014/main" id="{CC67CD5C-67EC-5144-B858-5347C50D1ACD}"/>
               </a:ext>
             </a:extLst>
           </p:cNvPr>
@@ -3703,7 +3703,7 @@
           <p:cNvPr id="8" name="Title 7">
             <a:extLst>
               <a:ext uri="{FF2B5EF4-FFF2-40B4-BE49-F238E27FC236}">
-                <a16:creationId xmlns:a16="http://schemas.microsoft.com/office/drawing/2014/main" xmlns="" id="{8A6F1540-D306-D44E-B1B3-1ACCF1041F70}"/>
+                <a16:creationId xmlns:a16="http://schemas.microsoft.com/office/drawing/2014/main" id="{8A6F1540-D306-D44E-B1B3-1ACCF1041F70}"/>
               </a:ext>
             </a:extLst>
           </p:cNvPr>
@@ -3829,7 +3829,7 @@
           <a:graphicData uri="http://schemas.openxmlformats.org/presentationml/2006/ole">
             <mc:AlternateContent xmlns:mc="http://schemas.openxmlformats.org/markup-compatibility/2006">
               <mc:Choice xmlns:v="urn:schemas-microsoft-com:vml" Requires="v">
-                <p:oleObj spid="_x0000_s33861" name="think-cell Slide" r:id="rId4" imgW="216" imgH="216" progId="TCLayout.ActiveDocument.1">
+                <p:oleObj spid="_x0000_s33862" name="think-cell Slide" r:id="rId4" imgW="216" imgH="216" progId="TCLayout.ActiveDocument.1">
                   <p:embed/>
                 </p:oleObj>
               </mc:Choice>
@@ -3955,7 +3955,7 @@
           <p:cNvPr id="8" name="Title 7">
             <a:extLst>
               <a:ext uri="{FF2B5EF4-FFF2-40B4-BE49-F238E27FC236}">
-                <a16:creationId xmlns:a16="http://schemas.microsoft.com/office/drawing/2014/main" xmlns="" id="{8A6F1540-D306-D44E-B1B3-1ACCF1041F70}"/>
+                <a16:creationId xmlns:a16="http://schemas.microsoft.com/office/drawing/2014/main" id="{8A6F1540-D306-D44E-B1B3-1ACCF1041F70}"/>
               </a:ext>
             </a:extLst>
           </p:cNvPr>
@@ -3991,7 +3991,7 @@
           <p:cNvPr id="9" name="Content Placeholder 2">
             <a:extLst>
               <a:ext uri="{FF2B5EF4-FFF2-40B4-BE49-F238E27FC236}">
-                <a16:creationId xmlns:a16="http://schemas.microsoft.com/office/drawing/2014/main" xmlns="" id="{0A7C1352-3D49-F849-9BC3-BC0AF9CD8F04}"/>
+                <a16:creationId xmlns:a16="http://schemas.microsoft.com/office/drawing/2014/main" id="{0A7C1352-3D49-F849-9BC3-BC0AF9CD8F04}"/>
               </a:ext>
             </a:extLst>
           </p:cNvPr>
@@ -4083,7 +4083,7 @@
           <p:cNvPr id="10" name="Content Placeholder 2">
             <a:extLst>
               <a:ext uri="{FF2B5EF4-FFF2-40B4-BE49-F238E27FC236}">
-                <a16:creationId xmlns:a16="http://schemas.microsoft.com/office/drawing/2014/main" xmlns="" id="{D1AA7CFB-7669-2648-A3E1-E647E531399E}"/>
+                <a16:creationId xmlns:a16="http://schemas.microsoft.com/office/drawing/2014/main" id="{D1AA7CFB-7669-2648-A3E1-E647E531399E}"/>
               </a:ext>
             </a:extLst>
           </p:cNvPr>
@@ -4175,7 +4175,7 @@
           <p:cNvPr id="11" name="Content Placeholder 2">
             <a:extLst>
               <a:ext uri="{FF2B5EF4-FFF2-40B4-BE49-F238E27FC236}">
-                <a16:creationId xmlns:a16="http://schemas.microsoft.com/office/drawing/2014/main" xmlns="" id="{2E4B4082-D988-5D43-9C32-2C7F747717ED}"/>
+                <a16:creationId xmlns:a16="http://schemas.microsoft.com/office/drawing/2014/main" id="{2E4B4082-D988-5D43-9C32-2C7F747717ED}"/>
               </a:ext>
             </a:extLst>
           </p:cNvPr>
@@ -4267,7 +4267,7 @@
           <p:cNvPr id="12" name="Content Placeholder 2">
             <a:extLst>
               <a:ext uri="{FF2B5EF4-FFF2-40B4-BE49-F238E27FC236}">
-                <a16:creationId xmlns:a16="http://schemas.microsoft.com/office/drawing/2014/main" xmlns="" id="{45B8DE4D-1F9B-7341-8CB2-D70634815B55}"/>
+                <a16:creationId xmlns:a16="http://schemas.microsoft.com/office/drawing/2014/main" id="{45B8DE4D-1F9B-7341-8CB2-D70634815B55}"/>
               </a:ext>
             </a:extLst>
           </p:cNvPr>
@@ -4359,7 +4359,7 @@
           <p:cNvPr id="14" name="Footer Placeholder 3">
             <a:extLst>
               <a:ext uri="{FF2B5EF4-FFF2-40B4-BE49-F238E27FC236}">
-                <a16:creationId xmlns:a16="http://schemas.microsoft.com/office/drawing/2014/main" xmlns="" id="{DBA440F4-82E0-7E45-8A6F-4A8C7572AEE5}"/>
+                <a16:creationId xmlns:a16="http://schemas.microsoft.com/office/drawing/2014/main" id="{DBA440F4-82E0-7E45-8A6F-4A8C7572AEE5}"/>
               </a:ext>
             </a:extLst>
           </p:cNvPr>
@@ -4418,7 +4418,7 @@
           <p:cNvPr id="15" name="Slide Number Placeholder 5">
             <a:extLst>
               <a:ext uri="{FF2B5EF4-FFF2-40B4-BE49-F238E27FC236}">
-                <a16:creationId xmlns:a16="http://schemas.microsoft.com/office/drawing/2014/main" xmlns="" id="{CC67CD5C-67EC-5144-B858-5347C50D1ACD}"/>
+                <a16:creationId xmlns:a16="http://schemas.microsoft.com/office/drawing/2014/main" id="{CC67CD5C-67EC-5144-B858-5347C50D1ACD}"/>
               </a:ext>
             </a:extLst>
           </p:cNvPr>
@@ -4470,7 +4470,7 @@
           <p:cNvPr id="16" name="Straight Connector 15">
             <a:extLst>
               <a:ext uri="{FF2B5EF4-FFF2-40B4-BE49-F238E27FC236}">
-                <a16:creationId xmlns:a16="http://schemas.microsoft.com/office/drawing/2014/main" xmlns="" id="{95C486A1-9876-924E-85C2-906892F8B9AC}"/>
+                <a16:creationId xmlns:a16="http://schemas.microsoft.com/office/drawing/2014/main" id="{95C486A1-9876-924E-85C2-906892F8B9AC}"/>
               </a:ext>
             </a:extLst>
           </p:cNvPr>
@@ -4566,7 +4566,7 @@
           <a:graphicData uri="http://schemas.openxmlformats.org/presentationml/2006/ole">
             <mc:AlternateContent xmlns:mc="http://schemas.openxmlformats.org/markup-compatibility/2006">
               <mc:Choice xmlns:v="urn:schemas-microsoft-com:vml" Requires="v">
-                <p:oleObj spid="_x0000_s34885" name="think-cell Slide" r:id="rId4" imgW="216" imgH="216" progId="TCLayout.ActiveDocument.1">
+                <p:oleObj spid="_x0000_s34886" name="think-cell Slide" r:id="rId4" imgW="216" imgH="216" progId="TCLayout.ActiveDocument.1">
                   <p:embed/>
                 </p:oleObj>
               </mc:Choice>
@@ -4606,7 +4606,7 @@
           <p:cNvPr id="8" name="Title 7">
             <a:extLst>
               <a:ext uri="{FF2B5EF4-FFF2-40B4-BE49-F238E27FC236}">
-                <a16:creationId xmlns:a16="http://schemas.microsoft.com/office/drawing/2014/main" xmlns="" id="{8A6F1540-D306-D44E-B1B3-1ACCF1041F70}"/>
+                <a16:creationId xmlns:a16="http://schemas.microsoft.com/office/drawing/2014/main" id="{8A6F1540-D306-D44E-B1B3-1ACCF1041F70}"/>
               </a:ext>
             </a:extLst>
           </p:cNvPr>
@@ -5402,7 +5402,7 @@
           <p:cNvPr id="37" name="Footer Placeholder 3">
             <a:extLst>
               <a:ext uri="{FF2B5EF4-FFF2-40B4-BE49-F238E27FC236}">
-                <a16:creationId xmlns:a16="http://schemas.microsoft.com/office/drawing/2014/main" xmlns="" id="{DBA440F4-82E0-7E45-8A6F-4A8C7572AEE5}"/>
+                <a16:creationId xmlns:a16="http://schemas.microsoft.com/office/drawing/2014/main" id="{DBA440F4-82E0-7E45-8A6F-4A8C7572AEE5}"/>
               </a:ext>
             </a:extLst>
           </p:cNvPr>
@@ -5461,7 +5461,7 @@
           <p:cNvPr id="38" name="Slide Number Placeholder 5">
             <a:extLst>
               <a:ext uri="{FF2B5EF4-FFF2-40B4-BE49-F238E27FC236}">
-                <a16:creationId xmlns:a16="http://schemas.microsoft.com/office/drawing/2014/main" xmlns="" id="{CC67CD5C-67EC-5144-B858-5347C50D1ACD}"/>
+                <a16:creationId xmlns:a16="http://schemas.microsoft.com/office/drawing/2014/main" id="{CC67CD5C-67EC-5144-B858-5347C50D1ACD}"/>
               </a:ext>
             </a:extLst>
           </p:cNvPr>
@@ -5513,7 +5513,7 @@
           <p:cNvPr id="39" name="Straight Connector 38">
             <a:extLst>
               <a:ext uri="{FF2B5EF4-FFF2-40B4-BE49-F238E27FC236}">
-                <a16:creationId xmlns:a16="http://schemas.microsoft.com/office/drawing/2014/main" xmlns="" id="{95C486A1-9876-924E-85C2-906892F8B9AC}"/>
+                <a16:creationId xmlns:a16="http://schemas.microsoft.com/office/drawing/2014/main" id="{95C486A1-9876-924E-85C2-906892F8B9AC}"/>
               </a:ext>
             </a:extLst>
           </p:cNvPr>
@@ -5614,7 +5614,7 @@
           <a:graphicData uri="http://schemas.openxmlformats.org/presentationml/2006/ole">
             <mc:AlternateContent xmlns:mc="http://schemas.openxmlformats.org/markup-compatibility/2006">
               <mc:Choice xmlns:v="urn:schemas-microsoft-com:vml" Requires="v">
-                <p:oleObj spid="_x0000_s35909" name="think-cell Slide" r:id="rId5" imgW="216" imgH="216" progId="TCLayout.ActiveDocument.1">
+                <p:oleObj spid="_x0000_s35910" name="think-cell Slide" r:id="rId5" imgW="216" imgH="216" progId="TCLayout.ActiveDocument.1">
                   <p:embed/>
                 </p:oleObj>
               </mc:Choice>
@@ -5831,7 +5831,7 @@
           <p:cNvPr id="4" name="Footer Placeholder 3">
             <a:extLst>
               <a:ext uri="{FF2B5EF4-FFF2-40B4-BE49-F238E27FC236}">
-                <a16:creationId xmlns:a16="http://schemas.microsoft.com/office/drawing/2014/main" xmlns="" id="{17D6DE4C-D976-4B4B-B087-C035EF8D4F6F}"/>
+                <a16:creationId xmlns:a16="http://schemas.microsoft.com/office/drawing/2014/main" id="{17D6DE4C-D976-4B4B-B087-C035EF8D4F6F}"/>
               </a:ext>
             </a:extLst>
           </p:cNvPr>
@@ -5890,7 +5890,7 @@
           <p:cNvPr id="17" name="Slide Number Placeholder 5">
             <a:extLst>
               <a:ext uri="{FF2B5EF4-FFF2-40B4-BE49-F238E27FC236}">
-                <a16:creationId xmlns:a16="http://schemas.microsoft.com/office/drawing/2014/main" xmlns="" id="{CC67CD5C-67EC-5144-B858-5347C50D1ACD}"/>
+                <a16:creationId xmlns:a16="http://schemas.microsoft.com/office/drawing/2014/main" id="{CC67CD5C-67EC-5144-B858-5347C50D1ACD}"/>
               </a:ext>
             </a:extLst>
           </p:cNvPr>
@@ -5942,7 +5942,7 @@
           <p:cNvPr id="8" name="Title 7">
             <a:extLst>
               <a:ext uri="{FF2B5EF4-FFF2-40B4-BE49-F238E27FC236}">
-                <a16:creationId xmlns:a16="http://schemas.microsoft.com/office/drawing/2014/main" xmlns="" id="{8A6F1540-D306-D44E-B1B3-1ACCF1041F70}"/>
+                <a16:creationId xmlns:a16="http://schemas.microsoft.com/office/drawing/2014/main" id="{8A6F1540-D306-D44E-B1B3-1ACCF1041F70}"/>
               </a:ext>
             </a:extLst>
           </p:cNvPr>
@@ -5986,7 +5986,7 @@
           <p:cNvPr id="9" name="Straight Connector 8">
             <a:extLst>
               <a:ext uri="{FF2B5EF4-FFF2-40B4-BE49-F238E27FC236}">
-                <a16:creationId xmlns:a16="http://schemas.microsoft.com/office/drawing/2014/main" xmlns="" id="{BB1AA2BE-B537-254D-958A-FBAFDE7E90DC}"/>
+                <a16:creationId xmlns:a16="http://schemas.microsoft.com/office/drawing/2014/main" id="{BB1AA2BE-B537-254D-958A-FBAFDE7E90DC}"/>
               </a:ext>
             </a:extLst>
           </p:cNvPr>
@@ -6029,7 +6029,7 @@
           <p:cNvPr id="10" name="Straight Connector 9">
             <a:extLst>
               <a:ext uri="{FF2B5EF4-FFF2-40B4-BE49-F238E27FC236}">
-                <a16:creationId xmlns:a16="http://schemas.microsoft.com/office/drawing/2014/main" xmlns="" id="{95C486A1-9876-924E-85C2-906892F8B9AC}"/>
+                <a16:creationId xmlns:a16="http://schemas.microsoft.com/office/drawing/2014/main" id="{95C486A1-9876-924E-85C2-906892F8B9AC}"/>
               </a:ext>
             </a:extLst>
           </p:cNvPr>
@@ -6406,7 +6406,7 @@
           <a:graphicData uri="http://schemas.openxmlformats.org/presentationml/2006/ole">
             <mc:AlternateContent xmlns:mc="http://schemas.openxmlformats.org/markup-compatibility/2006">
               <mc:Choice xmlns:v="urn:schemas-microsoft-com:vml" Requires="v">
-                <p:oleObj spid="_x0000_s37957" name="think-cell Slide" r:id="rId5" imgW="216" imgH="216" progId="TCLayout.ActiveDocument.1">
+                <p:oleObj spid="_x0000_s37958" name="think-cell Slide" r:id="rId5" imgW="216" imgH="216" progId="TCLayout.ActiveDocument.1">
                   <p:embed/>
                 </p:oleObj>
               </mc:Choice>
@@ -6603,7 +6603,7 @@
           <p:cNvPr id="4" name="Footer Placeholder 3">
             <a:extLst>
               <a:ext uri="{FF2B5EF4-FFF2-40B4-BE49-F238E27FC236}">
-                <a16:creationId xmlns:a16="http://schemas.microsoft.com/office/drawing/2014/main" xmlns="" id="{17D6DE4C-D976-4B4B-B087-C035EF8D4F6F}"/>
+                <a16:creationId xmlns:a16="http://schemas.microsoft.com/office/drawing/2014/main" id="{17D6DE4C-D976-4B4B-B087-C035EF8D4F6F}"/>
               </a:ext>
             </a:extLst>
           </p:cNvPr>
@@ -6662,7 +6662,7 @@
           <p:cNvPr id="13" name="Straight Connector 12">
             <a:extLst>
               <a:ext uri="{FF2B5EF4-FFF2-40B4-BE49-F238E27FC236}">
-                <a16:creationId xmlns:a16="http://schemas.microsoft.com/office/drawing/2014/main" xmlns="" id="{95C486A1-9876-924E-85C2-906892F8B9AC}"/>
+                <a16:creationId xmlns:a16="http://schemas.microsoft.com/office/drawing/2014/main" id="{95C486A1-9876-924E-85C2-906892F8B9AC}"/>
               </a:ext>
             </a:extLst>
           </p:cNvPr>
@@ -6705,7 +6705,7 @@
           <p:cNvPr id="17" name="Slide Number Placeholder 5">
             <a:extLst>
               <a:ext uri="{FF2B5EF4-FFF2-40B4-BE49-F238E27FC236}">
-                <a16:creationId xmlns:a16="http://schemas.microsoft.com/office/drawing/2014/main" xmlns="" id="{CC67CD5C-67EC-5144-B858-5347C50D1ACD}"/>
+                <a16:creationId xmlns:a16="http://schemas.microsoft.com/office/drawing/2014/main" id="{CC67CD5C-67EC-5144-B858-5347C50D1ACD}"/>
               </a:ext>
             </a:extLst>
           </p:cNvPr>
@@ -6757,7 +6757,7 @@
           <p:cNvPr id="8" name="Title 7">
             <a:extLst>
               <a:ext uri="{FF2B5EF4-FFF2-40B4-BE49-F238E27FC236}">
-                <a16:creationId xmlns:a16="http://schemas.microsoft.com/office/drawing/2014/main" xmlns="" id="{8A6F1540-D306-D44E-B1B3-1ACCF1041F70}"/>
+                <a16:creationId xmlns:a16="http://schemas.microsoft.com/office/drawing/2014/main" id="{8A6F1540-D306-D44E-B1B3-1ACCF1041F70}"/>
               </a:ext>
             </a:extLst>
           </p:cNvPr>
@@ -6883,7 +6883,7 @@
           <a:graphicData uri="http://schemas.openxmlformats.org/presentationml/2006/ole">
             <mc:AlternateContent xmlns:mc="http://schemas.openxmlformats.org/markup-compatibility/2006">
               <mc:Choice xmlns:v="urn:schemas-microsoft-com:vml" Requires="v">
-                <p:oleObj spid="_x0000_s38981" name="think-cell Slide" r:id="rId4" imgW="216" imgH="216" progId="TCLayout.ActiveDocument.1">
+                <p:oleObj spid="_x0000_s38982" name="think-cell Slide" r:id="rId4" imgW="216" imgH="216" progId="TCLayout.ActiveDocument.1">
                   <p:embed/>
                 </p:oleObj>
               </mc:Choice>
@@ -7009,7 +7009,7 @@
           <p:cNvPr id="8" name="Title 7">
             <a:extLst>
               <a:ext uri="{FF2B5EF4-FFF2-40B4-BE49-F238E27FC236}">
-                <a16:creationId xmlns:a16="http://schemas.microsoft.com/office/drawing/2014/main" xmlns="" id="{8A6F1540-D306-D44E-B1B3-1ACCF1041F70}"/>
+                <a16:creationId xmlns:a16="http://schemas.microsoft.com/office/drawing/2014/main" id="{8A6F1540-D306-D44E-B1B3-1ACCF1041F70}"/>
               </a:ext>
             </a:extLst>
           </p:cNvPr>
@@ -7045,7 +7045,7 @@
           <p:cNvPr id="9" name="Content Placeholder 2">
             <a:extLst>
               <a:ext uri="{FF2B5EF4-FFF2-40B4-BE49-F238E27FC236}">
-                <a16:creationId xmlns:a16="http://schemas.microsoft.com/office/drawing/2014/main" xmlns="" id="{0A7C1352-3D49-F849-9BC3-BC0AF9CD8F04}"/>
+                <a16:creationId xmlns:a16="http://schemas.microsoft.com/office/drawing/2014/main" id="{0A7C1352-3D49-F849-9BC3-BC0AF9CD8F04}"/>
               </a:ext>
             </a:extLst>
           </p:cNvPr>
@@ -7137,7 +7137,7 @@
           <p:cNvPr id="10" name="Content Placeholder 2">
             <a:extLst>
               <a:ext uri="{FF2B5EF4-FFF2-40B4-BE49-F238E27FC236}">
-                <a16:creationId xmlns:a16="http://schemas.microsoft.com/office/drawing/2014/main" xmlns="" id="{D1AA7CFB-7669-2648-A3E1-E647E531399E}"/>
+                <a16:creationId xmlns:a16="http://schemas.microsoft.com/office/drawing/2014/main" id="{D1AA7CFB-7669-2648-A3E1-E647E531399E}"/>
               </a:ext>
             </a:extLst>
           </p:cNvPr>
@@ -7229,7 +7229,7 @@
           <p:cNvPr id="11" name="Content Placeholder 2">
             <a:extLst>
               <a:ext uri="{FF2B5EF4-FFF2-40B4-BE49-F238E27FC236}">
-                <a16:creationId xmlns:a16="http://schemas.microsoft.com/office/drawing/2014/main" xmlns="" id="{2E4B4082-D988-5D43-9C32-2C7F747717ED}"/>
+                <a16:creationId xmlns:a16="http://schemas.microsoft.com/office/drawing/2014/main" id="{2E4B4082-D988-5D43-9C32-2C7F747717ED}"/>
               </a:ext>
             </a:extLst>
           </p:cNvPr>
@@ -7321,7 +7321,7 @@
           <p:cNvPr id="12" name="Content Placeholder 2">
             <a:extLst>
               <a:ext uri="{FF2B5EF4-FFF2-40B4-BE49-F238E27FC236}">
-                <a16:creationId xmlns:a16="http://schemas.microsoft.com/office/drawing/2014/main" xmlns="" id="{45B8DE4D-1F9B-7341-8CB2-D70634815B55}"/>
+                <a16:creationId xmlns:a16="http://schemas.microsoft.com/office/drawing/2014/main" id="{45B8DE4D-1F9B-7341-8CB2-D70634815B55}"/>
               </a:ext>
             </a:extLst>
           </p:cNvPr>
@@ -7413,7 +7413,7 @@
           <p:cNvPr id="14" name="Footer Placeholder 3">
             <a:extLst>
               <a:ext uri="{FF2B5EF4-FFF2-40B4-BE49-F238E27FC236}">
-                <a16:creationId xmlns:a16="http://schemas.microsoft.com/office/drawing/2014/main" xmlns="" id="{DBA440F4-82E0-7E45-8A6F-4A8C7572AEE5}"/>
+                <a16:creationId xmlns:a16="http://schemas.microsoft.com/office/drawing/2014/main" id="{DBA440F4-82E0-7E45-8A6F-4A8C7572AEE5}"/>
               </a:ext>
             </a:extLst>
           </p:cNvPr>
@@ -7472,7 +7472,7 @@
           <p:cNvPr id="15" name="Slide Number Placeholder 5">
             <a:extLst>
               <a:ext uri="{FF2B5EF4-FFF2-40B4-BE49-F238E27FC236}">
-                <a16:creationId xmlns:a16="http://schemas.microsoft.com/office/drawing/2014/main" xmlns="" id="{CC67CD5C-67EC-5144-B858-5347C50D1ACD}"/>
+                <a16:creationId xmlns:a16="http://schemas.microsoft.com/office/drawing/2014/main" id="{CC67CD5C-67EC-5144-B858-5347C50D1ACD}"/>
               </a:ext>
             </a:extLst>
           </p:cNvPr>
@@ -7524,7 +7524,7 @@
           <p:cNvPr id="16" name="Straight Connector 15">
             <a:extLst>
               <a:ext uri="{FF2B5EF4-FFF2-40B4-BE49-F238E27FC236}">
-                <a16:creationId xmlns:a16="http://schemas.microsoft.com/office/drawing/2014/main" xmlns="" id="{95C486A1-9876-924E-85C2-906892F8B9AC}"/>
+                <a16:creationId xmlns:a16="http://schemas.microsoft.com/office/drawing/2014/main" id="{95C486A1-9876-924E-85C2-906892F8B9AC}"/>
               </a:ext>
             </a:extLst>
           </p:cNvPr>
@@ -7691,7 +7691,7 @@
           <a:p>
             <a:fld id="{CB9F8517-1271-4F8B-9742-ECB8BBF22693}" type="datetimeFigureOut">
               <a:rPr lang="en-US" smtClean="0"/>
-              <a:t>4/24/2022</a:t>
+              <a:t>4/26/2022</a:t>
             </a:fld>
             <a:endParaRPr lang="en-US"/>
           </a:p>
@@ -7790,7 +7790,7 @@
           <a:graphicData uri="http://schemas.openxmlformats.org/presentationml/2006/ole">
             <mc:AlternateContent xmlns:mc="http://schemas.openxmlformats.org/markup-compatibility/2006">
               <mc:Choice xmlns:v="urn:schemas-microsoft-com:vml" Requires="v">
-                <p:oleObj spid="_x0000_s40005" name="think-cell Slide" r:id="rId4" imgW="216" imgH="216" progId="TCLayout.ActiveDocument.1">
+                <p:oleObj spid="_x0000_s40006" name="think-cell Slide" r:id="rId4" imgW="216" imgH="216" progId="TCLayout.ActiveDocument.1">
                   <p:embed/>
                 </p:oleObj>
               </mc:Choice>
@@ -7830,7 +7830,7 @@
           <p:cNvPr id="8" name="Title 7">
             <a:extLst>
               <a:ext uri="{FF2B5EF4-FFF2-40B4-BE49-F238E27FC236}">
-                <a16:creationId xmlns:a16="http://schemas.microsoft.com/office/drawing/2014/main" xmlns="" id="{8A6F1540-D306-D44E-B1B3-1ACCF1041F70}"/>
+                <a16:creationId xmlns:a16="http://schemas.microsoft.com/office/drawing/2014/main" id="{8A6F1540-D306-D44E-B1B3-1ACCF1041F70}"/>
               </a:ext>
             </a:extLst>
           </p:cNvPr>
@@ -8626,7 +8626,7 @@
           <p:cNvPr id="37" name="Footer Placeholder 3">
             <a:extLst>
               <a:ext uri="{FF2B5EF4-FFF2-40B4-BE49-F238E27FC236}">
-                <a16:creationId xmlns:a16="http://schemas.microsoft.com/office/drawing/2014/main" xmlns="" id="{DBA440F4-82E0-7E45-8A6F-4A8C7572AEE5}"/>
+                <a16:creationId xmlns:a16="http://schemas.microsoft.com/office/drawing/2014/main" id="{DBA440F4-82E0-7E45-8A6F-4A8C7572AEE5}"/>
               </a:ext>
             </a:extLst>
           </p:cNvPr>
@@ -8685,7 +8685,7 @@
           <p:cNvPr id="38" name="Slide Number Placeholder 5">
             <a:extLst>
               <a:ext uri="{FF2B5EF4-FFF2-40B4-BE49-F238E27FC236}">
-                <a16:creationId xmlns:a16="http://schemas.microsoft.com/office/drawing/2014/main" xmlns="" id="{CC67CD5C-67EC-5144-B858-5347C50D1ACD}"/>
+                <a16:creationId xmlns:a16="http://schemas.microsoft.com/office/drawing/2014/main" id="{CC67CD5C-67EC-5144-B858-5347C50D1ACD}"/>
               </a:ext>
             </a:extLst>
           </p:cNvPr>
@@ -8737,7 +8737,7 @@
           <p:cNvPr id="39" name="Straight Connector 38">
             <a:extLst>
               <a:ext uri="{FF2B5EF4-FFF2-40B4-BE49-F238E27FC236}">
-                <a16:creationId xmlns:a16="http://schemas.microsoft.com/office/drawing/2014/main" xmlns="" id="{95C486A1-9876-924E-85C2-906892F8B9AC}"/>
+                <a16:creationId xmlns:a16="http://schemas.microsoft.com/office/drawing/2014/main" id="{95C486A1-9876-924E-85C2-906892F8B9AC}"/>
               </a:ext>
             </a:extLst>
           </p:cNvPr>
@@ -8838,7 +8838,7 @@
           <a:graphicData uri="http://schemas.openxmlformats.org/presentationml/2006/ole">
             <mc:AlternateContent xmlns:mc="http://schemas.openxmlformats.org/markup-compatibility/2006">
               <mc:Choice xmlns:v="urn:schemas-microsoft-com:vml" Requires="v">
-                <p:oleObj spid="_x0000_s41029" name="think-cell Slide" r:id="rId5" imgW="216" imgH="216" progId="TCLayout.ActiveDocument.1">
+                <p:oleObj spid="_x0000_s41030" name="think-cell Slide" r:id="rId5" imgW="216" imgH="216" progId="TCLayout.ActiveDocument.1">
                   <p:embed/>
                 </p:oleObj>
               </mc:Choice>
@@ -9055,7 +9055,7 @@
           <p:cNvPr id="4" name="Footer Placeholder 3">
             <a:extLst>
               <a:ext uri="{FF2B5EF4-FFF2-40B4-BE49-F238E27FC236}">
-                <a16:creationId xmlns:a16="http://schemas.microsoft.com/office/drawing/2014/main" xmlns="" id="{17D6DE4C-D976-4B4B-B087-C035EF8D4F6F}"/>
+                <a16:creationId xmlns:a16="http://schemas.microsoft.com/office/drawing/2014/main" id="{17D6DE4C-D976-4B4B-B087-C035EF8D4F6F}"/>
               </a:ext>
             </a:extLst>
           </p:cNvPr>
@@ -9114,7 +9114,7 @@
           <p:cNvPr id="17" name="Slide Number Placeholder 5">
             <a:extLst>
               <a:ext uri="{FF2B5EF4-FFF2-40B4-BE49-F238E27FC236}">
-                <a16:creationId xmlns:a16="http://schemas.microsoft.com/office/drawing/2014/main" xmlns="" id="{CC67CD5C-67EC-5144-B858-5347C50D1ACD}"/>
+                <a16:creationId xmlns:a16="http://schemas.microsoft.com/office/drawing/2014/main" id="{CC67CD5C-67EC-5144-B858-5347C50D1ACD}"/>
               </a:ext>
             </a:extLst>
           </p:cNvPr>
@@ -9166,7 +9166,7 @@
           <p:cNvPr id="8" name="Title 7">
             <a:extLst>
               <a:ext uri="{FF2B5EF4-FFF2-40B4-BE49-F238E27FC236}">
-                <a16:creationId xmlns:a16="http://schemas.microsoft.com/office/drawing/2014/main" xmlns="" id="{8A6F1540-D306-D44E-B1B3-1ACCF1041F70}"/>
+                <a16:creationId xmlns:a16="http://schemas.microsoft.com/office/drawing/2014/main" id="{8A6F1540-D306-D44E-B1B3-1ACCF1041F70}"/>
               </a:ext>
             </a:extLst>
           </p:cNvPr>
@@ -9210,7 +9210,7 @@
           <p:cNvPr id="9" name="Straight Connector 8">
             <a:extLst>
               <a:ext uri="{FF2B5EF4-FFF2-40B4-BE49-F238E27FC236}">
-                <a16:creationId xmlns:a16="http://schemas.microsoft.com/office/drawing/2014/main" xmlns="" id="{BB1AA2BE-B537-254D-958A-FBAFDE7E90DC}"/>
+                <a16:creationId xmlns:a16="http://schemas.microsoft.com/office/drawing/2014/main" id="{BB1AA2BE-B537-254D-958A-FBAFDE7E90DC}"/>
               </a:ext>
             </a:extLst>
           </p:cNvPr>
@@ -9253,7 +9253,7 @@
           <p:cNvPr id="10" name="Straight Connector 9">
             <a:extLst>
               <a:ext uri="{FF2B5EF4-FFF2-40B4-BE49-F238E27FC236}">
-                <a16:creationId xmlns:a16="http://schemas.microsoft.com/office/drawing/2014/main" xmlns="" id="{95C486A1-9876-924E-85C2-906892F8B9AC}"/>
+                <a16:creationId xmlns:a16="http://schemas.microsoft.com/office/drawing/2014/main" id="{95C486A1-9876-924E-85C2-906892F8B9AC}"/>
               </a:ext>
             </a:extLst>
           </p:cNvPr>
@@ -9777,7 +9777,7 @@
           <a:p>
             <a:fld id="{CB9F8517-1271-4F8B-9742-ECB8BBF22693}" type="datetimeFigureOut">
               <a:rPr lang="en-US" smtClean="0"/>
-              <a:t>4/24/2022</a:t>
+              <a:t>4/26/2022</a:t>
             </a:fld>
             <a:endParaRPr lang="en-US"/>
           </a:p>
@@ -10009,7 +10009,7 @@
           <a:p>
             <a:fld id="{CB9F8517-1271-4F8B-9742-ECB8BBF22693}" type="datetimeFigureOut">
               <a:rPr lang="en-US" smtClean="0"/>
-              <a:t>4/24/2022</a:t>
+              <a:t>4/26/2022</a:t>
             </a:fld>
             <a:endParaRPr lang="en-US"/>
           </a:p>
@@ -10376,7 +10376,7 @@
           <a:p>
             <a:fld id="{CB9F8517-1271-4F8B-9742-ECB8BBF22693}" type="datetimeFigureOut">
               <a:rPr lang="en-US" smtClean="0"/>
-              <a:t>4/24/2022</a:t>
+              <a:t>4/26/2022</a:t>
             </a:fld>
             <a:endParaRPr lang="en-US"/>
           </a:p>
@@ -10494,7 +10494,7 @@
           <a:p>
             <a:fld id="{CB9F8517-1271-4F8B-9742-ECB8BBF22693}" type="datetimeFigureOut">
               <a:rPr lang="en-US" smtClean="0"/>
-              <a:t>4/24/2022</a:t>
+              <a:t>4/26/2022</a:t>
             </a:fld>
             <a:endParaRPr lang="en-US"/>
           </a:p>
@@ -10589,7 +10589,7 @@
           <a:p>
             <a:fld id="{CB9F8517-1271-4F8B-9742-ECB8BBF22693}" type="datetimeFigureOut">
               <a:rPr lang="en-US" smtClean="0"/>
-              <a:t>4/24/2022</a:t>
+              <a:t>4/26/2022</a:t>
             </a:fld>
             <a:endParaRPr lang="en-US"/>
           </a:p>
@@ -10866,7 +10866,7 @@
           <a:p>
             <a:fld id="{CB9F8517-1271-4F8B-9742-ECB8BBF22693}" type="datetimeFigureOut">
               <a:rPr lang="en-US" smtClean="0"/>
-              <a:t>4/24/2022</a:t>
+              <a:t>4/26/2022</a:t>
             </a:fld>
             <a:endParaRPr lang="en-US"/>
           </a:p>
@@ -11119,7 +11119,7 @@
           <a:p>
             <a:fld id="{CB9F8517-1271-4F8B-9742-ECB8BBF22693}" type="datetimeFigureOut">
               <a:rPr lang="en-US" smtClean="0"/>
-              <a:t>4/24/2022</a:t>
+              <a:t>4/26/2022</a:t>
             </a:fld>
             <a:endParaRPr lang="en-US"/>
           </a:p>
@@ -11227,7 +11227,7 @@
           <a:graphicData uri="http://schemas.openxmlformats.org/presentationml/2006/ole">
             <mc:AlternateContent xmlns:mc="http://schemas.openxmlformats.org/markup-compatibility/2006">
               <mc:Choice xmlns:v="urn:schemas-microsoft-com:vml" Requires="v">
-                <p:oleObj spid="_x0000_s1105" name="think-cell Slide" r:id="rId16" imgW="416" imgH="416" progId="TCLayout.ActiveDocument.1">
+                <p:oleObj spid="_x0000_s1106" name="think-cell Slide" r:id="rId16" imgW="416" imgH="416" progId="TCLayout.ActiveDocument.1">
                   <p:embed/>
                 </p:oleObj>
               </mc:Choice>
@@ -11392,7 +11392,7 @@
           <a:p>
             <a:fld id="{CB9F8517-1271-4F8B-9742-ECB8BBF22693}" type="datetimeFigureOut">
               <a:rPr lang="en-US" smtClean="0"/>
-              <a:t>4/24/2022</a:t>
+              <a:t>4/26/2022</a:t>
             </a:fld>
             <a:endParaRPr lang="en-US"/>
           </a:p>
@@ -11828,7 +11828,7 @@
           <a:graphicData uri="http://schemas.openxmlformats.org/presentationml/2006/ole">
             <mc:AlternateContent xmlns:mc="http://schemas.openxmlformats.org/markup-compatibility/2006">
               <mc:Choice xmlns:v="urn:schemas-microsoft-com:vml" Requires="v">
-                <p:oleObj spid="_x0000_s31813" name="think-cell Slide" r:id="rId10" imgW="216" imgH="216" progId="TCLayout.ActiveDocument.1">
+                <p:oleObj spid="_x0000_s31814" name="think-cell Slide" r:id="rId10" imgW="216" imgH="216" progId="TCLayout.ActiveDocument.1">
                   <p:embed/>
                 </p:oleObj>
               </mc:Choice>
@@ -11948,7 +11948,7 @@
           <p:cNvPr id="10" name="Straight Connector 9">
             <a:extLst>
               <a:ext uri="{FF2B5EF4-FFF2-40B4-BE49-F238E27FC236}">
-                <a16:creationId xmlns:a16="http://schemas.microsoft.com/office/drawing/2014/main" xmlns="" id="{BB1AA2BE-B537-254D-958A-FBAFDE7E90DC}"/>
+                <a16:creationId xmlns:a16="http://schemas.microsoft.com/office/drawing/2014/main" id="{BB1AA2BE-B537-254D-958A-FBAFDE7E90DC}"/>
               </a:ext>
             </a:extLst>
           </p:cNvPr>
@@ -11991,7 +11991,7 @@
           <p:cNvPr id="15" name="Footer Placeholder 3">
             <a:extLst>
               <a:ext uri="{FF2B5EF4-FFF2-40B4-BE49-F238E27FC236}">
-                <a16:creationId xmlns:a16="http://schemas.microsoft.com/office/drawing/2014/main" xmlns="" id="{DBA440F4-82E0-7E45-8A6F-4A8C7572AEE5}"/>
+                <a16:creationId xmlns:a16="http://schemas.microsoft.com/office/drawing/2014/main" id="{DBA440F4-82E0-7E45-8A6F-4A8C7572AEE5}"/>
               </a:ext>
             </a:extLst>
           </p:cNvPr>
@@ -12050,7 +12050,7 @@
           <p:cNvPr id="16" name="Slide Number Placeholder 5">
             <a:extLst>
               <a:ext uri="{FF2B5EF4-FFF2-40B4-BE49-F238E27FC236}">
-                <a16:creationId xmlns:a16="http://schemas.microsoft.com/office/drawing/2014/main" xmlns="" id="{2D9636C8-FF6B-E141-B9E1-70C7091B23B1}"/>
+                <a16:creationId xmlns:a16="http://schemas.microsoft.com/office/drawing/2014/main" id="{2D9636C8-FF6B-E141-B9E1-70C7091B23B1}"/>
               </a:ext>
             </a:extLst>
           </p:cNvPr>
@@ -12417,7 +12417,7 @@
   </p:txStyles>
   <p:extLst mod="1">
     <p:ext uri="{27BBF7A9-308A-43DC-89C8-2F10F3537804}">
-      <p15:sldGuideLst xmlns:p15="http://schemas.microsoft.com/office/powerpoint/2012/main" xmlns="">
+      <p15:sldGuideLst xmlns:p15="http://schemas.microsoft.com/office/powerpoint/2012/main">
         <p15:guide id="1" orient="horz" pos="2041">
           <p15:clr>
             <a:srgbClr val="F26B43"/>
@@ -12586,7 +12586,7 @@
           <a:graphicData uri="http://schemas.openxmlformats.org/presentationml/2006/ole">
             <mc:AlternateContent xmlns:mc="http://schemas.openxmlformats.org/markup-compatibility/2006">
               <mc:Choice xmlns:v="urn:schemas-microsoft-com:vml" Requires="v">
-                <p:oleObj spid="_x0000_s36934" name="think-cell Slide" r:id="rId10" imgW="216" imgH="216" progId="TCLayout.ActiveDocument.1">
+                <p:oleObj spid="_x0000_s36935" name="think-cell Slide" r:id="rId10" imgW="216" imgH="216" progId="TCLayout.ActiveDocument.1">
                   <p:embed/>
                 </p:oleObj>
               </mc:Choice>
@@ -12706,7 +12706,7 @@
           <p:cNvPr id="10" name="Straight Connector 9">
             <a:extLst>
               <a:ext uri="{FF2B5EF4-FFF2-40B4-BE49-F238E27FC236}">
-                <a16:creationId xmlns:a16="http://schemas.microsoft.com/office/drawing/2014/main" xmlns="" id="{BB1AA2BE-B537-254D-958A-FBAFDE7E90DC}"/>
+                <a16:creationId xmlns:a16="http://schemas.microsoft.com/office/drawing/2014/main" id="{BB1AA2BE-B537-254D-958A-FBAFDE7E90DC}"/>
               </a:ext>
             </a:extLst>
           </p:cNvPr>
@@ -12749,7 +12749,7 @@
           <p:cNvPr id="15" name="Footer Placeholder 3">
             <a:extLst>
               <a:ext uri="{FF2B5EF4-FFF2-40B4-BE49-F238E27FC236}">
-                <a16:creationId xmlns:a16="http://schemas.microsoft.com/office/drawing/2014/main" xmlns="" id="{DBA440F4-82E0-7E45-8A6F-4A8C7572AEE5}"/>
+                <a16:creationId xmlns:a16="http://schemas.microsoft.com/office/drawing/2014/main" id="{DBA440F4-82E0-7E45-8A6F-4A8C7572AEE5}"/>
               </a:ext>
             </a:extLst>
           </p:cNvPr>
@@ -12808,7 +12808,7 @@
           <p:cNvPr id="16" name="Slide Number Placeholder 5">
             <a:extLst>
               <a:ext uri="{FF2B5EF4-FFF2-40B4-BE49-F238E27FC236}">
-                <a16:creationId xmlns:a16="http://schemas.microsoft.com/office/drawing/2014/main" xmlns="" id="{2D9636C8-FF6B-E141-B9E1-70C7091B23B1}"/>
+                <a16:creationId xmlns:a16="http://schemas.microsoft.com/office/drawing/2014/main" id="{2D9636C8-FF6B-E141-B9E1-70C7091B23B1}"/>
               </a:ext>
             </a:extLst>
           </p:cNvPr>
@@ -13175,7 +13175,7 @@
   </p:txStyles>
   <p:extLst mod="1">
     <p:ext uri="{27BBF7A9-308A-43DC-89C8-2F10F3537804}">
-      <p15:sldGuideLst xmlns:p15="http://schemas.microsoft.com/office/powerpoint/2012/main" xmlns="">
+      <p15:sldGuideLst xmlns:p15="http://schemas.microsoft.com/office/powerpoint/2012/main">
         <p15:guide id="1" orient="horz" pos="2041">
           <p15:clr>
             <a:srgbClr val="F26B43"/>
@@ -13339,7 +13339,7 @@
           <a:graphicData uri="http://schemas.openxmlformats.org/presentationml/2006/ole">
             <mc:AlternateContent xmlns:mc="http://schemas.openxmlformats.org/markup-compatibility/2006">
               <mc:Choice xmlns:v="urn:schemas-microsoft-com:vml" Requires="v">
-                <p:oleObj spid="_x0000_s14420" name="think-cell Slide" r:id="rId5" imgW="396" imgH="396" progId="TCLayout.ActiveDocument.1">
+                <p:oleObj spid="_x0000_s14421" name="think-cell Slide" r:id="rId5" imgW="396" imgH="396" progId="TCLayout.ActiveDocument.1">
                   <p:embed/>
                 </p:oleObj>
               </mc:Choice>
@@ -13379,7 +13379,7 @@
           <p:cNvPr id="63" name="图片 2">
             <a:extLst>
               <a:ext uri="{FF2B5EF4-FFF2-40B4-BE49-F238E27FC236}">
-                <a16:creationId xmlns:a16="http://schemas.microsoft.com/office/drawing/2014/main" xmlns="" id="{321341A2-5A29-6A47-A5DC-E12071424359}"/>
+                <a16:creationId xmlns:a16="http://schemas.microsoft.com/office/drawing/2014/main" id="{321341A2-5A29-6A47-A5DC-E12071424359}"/>
               </a:ext>
             </a:extLst>
           </p:cNvPr>
@@ -13415,7 +13415,7 @@
           <p:cNvPr id="69" name="矩形 197">
             <a:extLst>
               <a:ext uri="{FF2B5EF4-FFF2-40B4-BE49-F238E27FC236}">
-                <a16:creationId xmlns:a16="http://schemas.microsoft.com/office/drawing/2014/main" xmlns="" id="{A26E02F6-ED45-2E46-B455-D7E64937829D}"/>
+                <a16:creationId xmlns:a16="http://schemas.microsoft.com/office/drawing/2014/main" id="{A26E02F6-ED45-2E46-B455-D7E64937829D}"/>
               </a:ext>
             </a:extLst>
           </p:cNvPr>
@@ -15238,7 +15238,7 @@
           <p:cNvPr id="37" name="Straight Connector 22">
             <a:extLst>
               <a:ext uri="{FF2B5EF4-FFF2-40B4-BE49-F238E27FC236}">
-                <a16:creationId xmlns:a16="http://schemas.microsoft.com/office/drawing/2014/main" xmlns="" id="{145705CD-70A8-344F-AEB6-14ED3BCA6F5B}"/>
+                <a16:creationId xmlns:a16="http://schemas.microsoft.com/office/drawing/2014/main" id="{145705CD-70A8-344F-AEB6-14ED3BCA6F5B}"/>
               </a:ext>
             </a:extLst>
           </p:cNvPr>
@@ -15291,7 +15291,7 @@
           <p:cNvPr id="42" name="Title 2">
             <a:extLst>
               <a:ext uri="{FF2B5EF4-FFF2-40B4-BE49-F238E27FC236}">
-                <a16:creationId xmlns:a16="http://schemas.microsoft.com/office/drawing/2014/main" xmlns="" id="{2AA0B7C0-B58E-2540-93F4-0E5771E03B19}"/>
+                <a16:creationId xmlns:a16="http://schemas.microsoft.com/office/drawing/2014/main" id="{2AA0B7C0-B58E-2540-93F4-0E5771E03B19}"/>
               </a:ext>
             </a:extLst>
           </p:cNvPr>
@@ -17615,7 +17615,7 @@
           <a:lstStyle/>
           <a:p>
             <a:r>
-              <a:rPr lang="zh-CN" altLang="en-US" sz="1600" dirty="0">
+              <a:rPr lang="en-US" altLang="zh-CN" sz="1600" smtClean="0">
                 <a:solidFill>
                   <a:schemeClr val="tx1">
                     <a:lumMod val="50000"/>
@@ -17623,18 +17623,7 @@
                   </a:schemeClr>
                 </a:solidFill>
               </a:rPr>
-              <a:t>* </a:t>
-            </a:r>
-            <a:r>
-              <a:rPr lang="en-US" altLang="zh-CN" sz="1600" dirty="0">
-                <a:solidFill>
-                  <a:schemeClr val="tx1">
-                    <a:lumMod val="50000"/>
-                    <a:lumOff val="50000"/>
-                  </a:schemeClr>
-                </a:solidFill>
-              </a:rPr>
-              <a:t>If the invoice cannot be provided temporarily due to special cause, please explain accordingly.</a:t>
+              <a:t>.</a:t>
             </a:r>
             <a:endParaRPr lang="en-US" sz="1600" dirty="0">
               <a:solidFill>
@@ -17709,7 +17698,7 @@
           <a:graphicData uri="http://schemas.openxmlformats.org/presentationml/2006/ole">
             <mc:AlternateContent xmlns:mc="http://schemas.openxmlformats.org/markup-compatibility/2006">
               <mc:Choice xmlns:v="urn:schemas-microsoft-com:vml" Requires="v">
-                <p:oleObj spid="_x0000_s42061" name="think-cell Slide" r:id="rId6" imgW="416" imgH="416" progId="TCLayout.ActiveDocument.1">
+                <p:oleObj spid="_x0000_s42062" name="think-cell Slide" r:id="rId6" imgW="416" imgH="416" progId="TCLayout.ActiveDocument.1">
                   <p:embed/>
                 </p:oleObj>
               </mc:Choice>
@@ -18132,35 +18121,35 @@
                 <a:gridCol w="1624339">
                   <a:extLst>
                     <a:ext uri="{9D8B030D-6E8A-4147-A177-3AD203B41FA5}">
-                      <a16:colId xmlns:a16="http://schemas.microsoft.com/office/drawing/2014/main" xmlns="" val="1228268629"/>
+                      <a16:colId xmlns:a16="http://schemas.microsoft.com/office/drawing/2014/main" val="1228268629"/>
                     </a:ext>
                   </a:extLst>
                 </a:gridCol>
                 <a:gridCol w="1886015">
                   <a:extLst>
                     <a:ext uri="{9D8B030D-6E8A-4147-A177-3AD203B41FA5}">
-                      <a16:colId xmlns:a16="http://schemas.microsoft.com/office/drawing/2014/main" xmlns="" val="4045974056"/>
+                      <a16:colId xmlns:a16="http://schemas.microsoft.com/office/drawing/2014/main" val="4045974056"/>
                     </a:ext>
                   </a:extLst>
                 </a:gridCol>
                 <a:gridCol w="1428139">
                   <a:extLst>
                     <a:ext uri="{9D8B030D-6E8A-4147-A177-3AD203B41FA5}">
-                      <a16:colId xmlns:a16="http://schemas.microsoft.com/office/drawing/2014/main" xmlns="" val="2462729159"/>
+                      <a16:colId xmlns:a16="http://schemas.microsoft.com/office/drawing/2014/main" val="2462729159"/>
                     </a:ext>
                   </a:extLst>
                 </a:gridCol>
                 <a:gridCol w="2349121">
                   <a:extLst>
                     <a:ext uri="{9D8B030D-6E8A-4147-A177-3AD203B41FA5}">
-                      <a16:colId xmlns:a16="http://schemas.microsoft.com/office/drawing/2014/main" xmlns="" val="978489334"/>
+                      <a16:colId xmlns:a16="http://schemas.microsoft.com/office/drawing/2014/main" val="978489334"/>
                     </a:ext>
                   </a:extLst>
                 </a:gridCol>
                 <a:gridCol w="3777260">
                   <a:extLst>
                     <a:ext uri="{9D8B030D-6E8A-4147-A177-3AD203B41FA5}">
-                      <a16:colId xmlns:a16="http://schemas.microsoft.com/office/drawing/2014/main" xmlns="" val="988664389"/>
+                      <a16:colId xmlns:a16="http://schemas.microsoft.com/office/drawing/2014/main" val="988664389"/>
                     </a:ext>
                   </a:extLst>
                 </a:gridCol>
@@ -18330,7 +18319,7 @@
                 </a:tc>
                 <a:extLst>
                   <a:ext uri="{0D108BD9-81ED-4DB2-BD59-A6C34878D82A}">
-                    <a16:rowId xmlns:a16="http://schemas.microsoft.com/office/drawing/2014/main" xmlns="" val="1879564901"/>
+                    <a16:rowId xmlns:a16="http://schemas.microsoft.com/office/drawing/2014/main" val="1879564901"/>
                   </a:ext>
                 </a:extLst>
               </a:tr>
@@ -18446,14 +18435,6 @@
                         </a:rPr>
                         <a:t>  </a:t>
                       </a:r>
-                      <a:endParaRPr lang="en-US" sz="1200" b="0" kern="1200" dirty="0" smtClean="0">
-                        <a:solidFill>
-                          <a:schemeClr val="tx1"/>
-                        </a:solidFill>
-                        <a:latin typeface="+mn-lt"/>
-                        <a:ea typeface="+mn-ea"/>
-                        <a:cs typeface="+mn-cs"/>
-                      </a:endParaRPr>
                     </a:p>
                   </a:txBody>
                   <a:tcPr marL="102727" marR="102727" marT="51364" marB="51364" anchor="ctr">
@@ -18569,14 +18550,6 @@
                         </a:rPr>
                         <a:t> </a:t>
                       </a:r>
-                      <a:endParaRPr lang="en-US" sz="1200" b="0" kern="1200" dirty="0" smtClean="0">
-                        <a:solidFill>
-                          <a:schemeClr val="tx1"/>
-                        </a:solidFill>
-                        <a:latin typeface="+mn-lt"/>
-                        <a:ea typeface="+mn-ea"/>
-                        <a:cs typeface="+mn-cs"/>
-                      </a:endParaRPr>
                     </a:p>
                   </a:txBody>
                   <a:tcPr marL="102727" marR="102727" marT="51364" marB="51364" anchor="ctr">
@@ -18587,7 +18560,7 @@
                 </a:tc>
                 <a:extLst>
                   <a:ext uri="{0D108BD9-81ED-4DB2-BD59-A6C34878D82A}">
-                    <a16:rowId xmlns:a16="http://schemas.microsoft.com/office/drawing/2014/main" xmlns="" val="359195167"/>
+                    <a16:rowId xmlns:a16="http://schemas.microsoft.com/office/drawing/2014/main" val="359195167"/>
                   </a:ext>
                 </a:extLst>
               </a:tr>
@@ -18746,7 +18719,7 @@
                 </a:tc>
                 <a:extLst>
                   <a:ext uri="{0D108BD9-81ED-4DB2-BD59-A6C34878D82A}">
-                    <a16:rowId xmlns:a16="http://schemas.microsoft.com/office/drawing/2014/main" xmlns="" val="2388008764"/>
+                    <a16:rowId xmlns:a16="http://schemas.microsoft.com/office/drawing/2014/main" val="2388008764"/>
                   </a:ext>
                 </a:extLst>
               </a:tr>
@@ -19046,7 +19019,7 @@
                 </a:tc>
                 <a:extLst>
                   <a:ext uri="{0D108BD9-81ED-4DB2-BD59-A6C34878D82A}">
-                    <a16:rowId xmlns:a16="http://schemas.microsoft.com/office/drawing/2014/main" xmlns="" val="3742758418"/>
+                    <a16:rowId xmlns:a16="http://schemas.microsoft.com/office/drawing/2014/main" val="3742758418"/>
                   </a:ext>
                 </a:extLst>
               </a:tr>
@@ -19273,7 +19246,7 @@
                 </a:tc>
                 <a:extLst>
                   <a:ext uri="{0D108BD9-81ED-4DB2-BD59-A6C34878D82A}">
-                    <a16:rowId xmlns:a16="http://schemas.microsoft.com/office/drawing/2014/main" xmlns="" val="3286601418"/>
+                    <a16:rowId xmlns:a16="http://schemas.microsoft.com/office/drawing/2014/main" val="3286601418"/>
                   </a:ext>
                 </a:extLst>
               </a:tr>
@@ -19500,7 +19473,7 @@
                 </a:tc>
                 <a:extLst>
                   <a:ext uri="{0D108BD9-81ED-4DB2-BD59-A6C34878D82A}">
-                    <a16:rowId xmlns:a16="http://schemas.microsoft.com/office/drawing/2014/main" xmlns="" val="628591838"/>
+                    <a16:rowId xmlns:a16="http://schemas.microsoft.com/office/drawing/2014/main" val="628591838"/>
                   </a:ext>
                 </a:extLst>
               </a:tr>
@@ -19716,7 +19689,7 @@
                 </a:tc>
                 <a:extLst>
                   <a:ext uri="{0D108BD9-81ED-4DB2-BD59-A6C34878D82A}">
-                    <a16:rowId xmlns:a16="http://schemas.microsoft.com/office/drawing/2014/main" xmlns="" val="1485137538"/>
+                    <a16:rowId xmlns:a16="http://schemas.microsoft.com/office/drawing/2014/main" val="1485137538"/>
                   </a:ext>
                 </a:extLst>
               </a:tr>
@@ -19957,7 +19930,7 @@
                 </a:tc>
                 <a:extLst>
                   <a:ext uri="{0D108BD9-81ED-4DB2-BD59-A6C34878D82A}">
-                    <a16:rowId xmlns:a16="http://schemas.microsoft.com/office/drawing/2014/main" xmlns="" val="1220343380"/>
+                    <a16:rowId xmlns:a16="http://schemas.microsoft.com/office/drawing/2014/main" val="1220343380"/>
                   </a:ext>
                 </a:extLst>
               </a:tr>
@@ -19994,35 +19967,35 @@
                 <a:gridCol w="2454326">
                   <a:extLst>
                     <a:ext uri="{9D8B030D-6E8A-4147-A177-3AD203B41FA5}">
-                      <a16:colId xmlns:a16="http://schemas.microsoft.com/office/drawing/2014/main" xmlns="" val="20000"/>
+                      <a16:colId xmlns:a16="http://schemas.microsoft.com/office/drawing/2014/main" val="20000"/>
                     </a:ext>
                   </a:extLst>
                 </a:gridCol>
                 <a:gridCol w="2306453">
                   <a:extLst>
                     <a:ext uri="{9D8B030D-6E8A-4147-A177-3AD203B41FA5}">
-                      <a16:colId xmlns:a16="http://schemas.microsoft.com/office/drawing/2014/main" xmlns="" val="20002"/>
+                      <a16:colId xmlns:a16="http://schemas.microsoft.com/office/drawing/2014/main" val="20002"/>
                     </a:ext>
                   </a:extLst>
                 </a:gridCol>
                 <a:gridCol w="2254336">
                   <a:extLst>
                     <a:ext uri="{9D8B030D-6E8A-4147-A177-3AD203B41FA5}">
-                      <a16:colId xmlns:a16="http://schemas.microsoft.com/office/drawing/2014/main" xmlns="" val="2575180168"/>
+                      <a16:colId xmlns:a16="http://schemas.microsoft.com/office/drawing/2014/main" val="2575180168"/>
                     </a:ext>
                   </a:extLst>
                 </a:gridCol>
                 <a:gridCol w="2355667">
                   <a:extLst>
                     <a:ext uri="{9D8B030D-6E8A-4147-A177-3AD203B41FA5}">
-                      <a16:colId xmlns:a16="http://schemas.microsoft.com/office/drawing/2014/main" xmlns="" val="20003"/>
+                      <a16:colId xmlns:a16="http://schemas.microsoft.com/office/drawing/2014/main" val="20003"/>
                     </a:ext>
                   </a:extLst>
                 </a:gridCol>
                 <a:gridCol w="1661586">
                   <a:extLst>
                     <a:ext uri="{9D8B030D-6E8A-4147-A177-3AD203B41FA5}">
-                      <a16:colId xmlns:a16="http://schemas.microsoft.com/office/drawing/2014/main" xmlns="" val="1141158204"/>
+                      <a16:colId xmlns:a16="http://schemas.microsoft.com/office/drawing/2014/main" val="1141158204"/>
                     </a:ext>
                   </a:extLst>
                 </a:gridCol>
@@ -20706,7 +20679,7 @@
                 </a:tc>
                 <a:extLst>
                   <a:ext uri="{0D108BD9-81ED-4DB2-BD59-A6C34878D82A}">
-                    <a16:rowId xmlns:a16="http://schemas.microsoft.com/office/drawing/2014/main" xmlns="" val="10000"/>
+                    <a16:rowId xmlns:a16="http://schemas.microsoft.com/office/drawing/2014/main" val="10000"/>
                   </a:ext>
                 </a:extLst>
               </a:tr>
@@ -21124,7 +21097,7 @@
                 </a:tc>
                 <a:extLst>
                   <a:ext uri="{0D108BD9-81ED-4DB2-BD59-A6C34878D82A}">
-                    <a16:rowId xmlns:a16="http://schemas.microsoft.com/office/drawing/2014/main" xmlns="" val="3242880312"/>
+                    <a16:rowId xmlns:a16="http://schemas.microsoft.com/office/drawing/2014/main" val="3242880312"/>
                   </a:ext>
                 </a:extLst>
               </a:tr>
@@ -21567,14 +21540,14 @@
           <p:nvPr>
             <p:extLst>
               <p:ext uri="{D42A27DB-BD31-4B8C-83A1-F6EECF244321}">
-                <p14:modId xmlns:p14="http://schemas.microsoft.com/office/powerpoint/2010/main" val="3099473841"/>
+                <p14:modId xmlns:p14="http://schemas.microsoft.com/office/powerpoint/2010/main" val="2316908062"/>
               </p:ext>
             </p:extLst>
           </p:nvPr>
         </p:nvGraphicFramePr>
         <p:xfrm>
-          <a:off x="539751" y="1205410"/>
-          <a:ext cx="11079992" cy="5324253"/>
+          <a:off x="563446" y="1148019"/>
+          <a:ext cx="11079992" cy="5540967"/>
         </p:xfrm>
         <a:graphic>
           <a:graphicData uri="http://schemas.openxmlformats.org/drawingml/2006/table">
@@ -21586,54 +21559,54 @@
                 <a:gridCol w="1632001">
                   <a:extLst>
                     <a:ext uri="{9D8B030D-6E8A-4147-A177-3AD203B41FA5}">
-                      <a16:colId xmlns:a16="http://schemas.microsoft.com/office/drawing/2014/main" xmlns="" val="20000"/>
+                      <a16:colId xmlns:a16="http://schemas.microsoft.com/office/drawing/2014/main" val="20000"/>
                     </a:ext>
                   </a:extLst>
                 </a:gridCol>
                 <a:gridCol w="1318766">
                   <a:extLst>
                     <a:ext uri="{9D8B030D-6E8A-4147-A177-3AD203B41FA5}">
-                      <a16:colId xmlns:a16="http://schemas.microsoft.com/office/drawing/2014/main" xmlns="" val="20002"/>
+                      <a16:colId xmlns:a16="http://schemas.microsoft.com/office/drawing/2014/main" val="20002"/>
                     </a:ext>
                   </a:extLst>
                 </a:gridCol>
                 <a:gridCol w="2102761">
                   <a:extLst>
                     <a:ext uri="{9D8B030D-6E8A-4147-A177-3AD203B41FA5}">
-                      <a16:colId xmlns:a16="http://schemas.microsoft.com/office/drawing/2014/main" xmlns="" val="20001"/>
+                      <a16:colId xmlns:a16="http://schemas.microsoft.com/office/drawing/2014/main" val="20001"/>
                     </a:ext>
                   </a:extLst>
                 </a:gridCol>
                 <a:gridCol w="1376741">
                   <a:extLst>
                     <a:ext uri="{9D8B030D-6E8A-4147-A177-3AD203B41FA5}">
-                      <a16:colId xmlns:a16="http://schemas.microsoft.com/office/drawing/2014/main" xmlns="" val="20003"/>
+                      <a16:colId xmlns:a16="http://schemas.microsoft.com/office/drawing/2014/main" val="20003"/>
                     </a:ext>
                   </a:extLst>
                 </a:gridCol>
                 <a:gridCol w="1685234">
                   <a:extLst>
                     <a:ext uri="{9D8B030D-6E8A-4147-A177-3AD203B41FA5}">
-                      <a16:colId xmlns:a16="http://schemas.microsoft.com/office/drawing/2014/main" xmlns="" val="20004"/>
+                      <a16:colId xmlns:a16="http://schemas.microsoft.com/office/drawing/2014/main" val="20004"/>
                     </a:ext>
                   </a:extLst>
                 </a:gridCol>
                 <a:gridCol w="1194929">
                   <a:extLst>
                     <a:ext uri="{9D8B030D-6E8A-4147-A177-3AD203B41FA5}">
-                      <a16:colId xmlns:a16="http://schemas.microsoft.com/office/drawing/2014/main" xmlns="" val="20005"/>
+                      <a16:colId xmlns:a16="http://schemas.microsoft.com/office/drawing/2014/main" val="20005"/>
                     </a:ext>
                   </a:extLst>
                 </a:gridCol>
                 <a:gridCol w="1769560">
                   <a:extLst>
                     <a:ext uri="{9D8B030D-6E8A-4147-A177-3AD203B41FA5}">
-                      <a16:colId xmlns:a16="http://schemas.microsoft.com/office/drawing/2014/main" xmlns="" val="20006"/>
+                      <a16:colId xmlns:a16="http://schemas.microsoft.com/office/drawing/2014/main" val="20006"/>
                     </a:ext>
                   </a:extLst>
                 </a:gridCol>
               </a:tblGrid>
-              <a:tr h="650361">
+              <a:tr h="506610">
                 <a:tc>
                   <a:txBody>
                     <a:bodyPr/>
@@ -22207,7 +22180,7 @@
                 </a:tc>
                 <a:extLst>
                   <a:ext uri="{0D108BD9-81ED-4DB2-BD59-A6C34878D82A}">
-                    <a16:rowId xmlns:a16="http://schemas.microsoft.com/office/drawing/2014/main" xmlns="" val="10000"/>
+                    <a16:rowId xmlns:a16="http://schemas.microsoft.com/office/drawing/2014/main" val="10000"/>
                   </a:ext>
                 </a:extLst>
               </a:tr>
@@ -22235,32 +22208,20 @@
                         <a:defRPr/>
                       </a:pPr>
                       <a:r>
-                        <a:rPr lang="en-US" sz="1200" b="0" kern="1200" dirty="0" smtClean="0">
+                        <a:rPr lang="en-US" sz="1200" b="0" kern="1200" baseline="0" dirty="0" smtClean="0">
                           <a:solidFill>
                             <a:schemeClr val="tx1">
                               <a:lumMod val="75000"/>
                               <a:lumOff val="25000"/>
                             </a:schemeClr>
                           </a:solidFill>
-                          <a:latin typeface="+mn-lt"/>
-                          <a:ea typeface="+mn-ea"/>
+                          <a:latin typeface="Bentley Light" panose="020B0404020201020102"/>
+                          <a:ea typeface="黑体" panose="02010609060101010101" pitchFamily="49" charset="-122"/>
                           <a:cs typeface="+mn-ea"/>
                           <a:sym typeface="+mn-lt"/>
                         </a:rPr>
                         <a:t> </a:t>
                       </a:r>
-                      <a:endParaRPr lang="en-US" sz="1200" b="0" kern="1200" dirty="0" smtClean="0">
-                        <a:solidFill>
-                          <a:schemeClr val="tx1">
-                            <a:lumMod val="75000"/>
-                            <a:lumOff val="25000"/>
-                          </a:schemeClr>
-                        </a:solidFill>
-                        <a:latin typeface="+mn-lt"/>
-                        <a:ea typeface="+mn-ea"/>
-                        <a:cs typeface="+mn-ea"/>
-                        <a:sym typeface="+mn-lt"/>
-                      </a:endParaRPr>
                     </a:p>
                   </a:txBody>
                   <a:tcPr marL="108666" marR="108666" marT="108522" marB="108522" anchor="ctr">
@@ -22326,29 +22287,29 @@
                         <a:defRPr/>
                       </a:pPr>
                       <a:r>
-                        <a:rPr lang="en-US" altLang="zh-CN" sz="1200" b="0" kern="1200" dirty="0" smtClean="0">
+                        <a:rPr lang="en-US" altLang="zh-CN" sz="1200" b="0" kern="1200" baseline="0" dirty="0" smtClean="0">
                           <a:solidFill>
                             <a:schemeClr val="tx1">
                               <a:lumMod val="75000"/>
                               <a:lumOff val="25000"/>
                             </a:schemeClr>
                           </a:solidFill>
-                          <a:latin typeface="+mn-lt"/>
-                          <a:ea typeface="+mn-ea"/>
+                          <a:latin typeface="Bentley Light" panose="020B0404020201020102"/>
+                          <a:ea typeface="黑体" panose="02010609060101010101" pitchFamily="49" charset="-122"/>
                           <a:cs typeface="+mn-ea"/>
                           <a:sym typeface="+mn-lt"/>
                         </a:rPr>
                         <a:t> </a:t>
                       </a:r>
-                      <a:endParaRPr lang="en-US" altLang="zh-CN" sz="1200" b="0" kern="1200" dirty="0">
+                      <a:endParaRPr lang="en-US" altLang="zh-CN" sz="1200" b="0" kern="1200" baseline="0" dirty="0">
                         <a:solidFill>
                           <a:schemeClr val="tx1">
                             <a:lumMod val="75000"/>
                             <a:lumOff val="25000"/>
                           </a:schemeClr>
                         </a:solidFill>
-                        <a:latin typeface="+mn-lt"/>
-                        <a:ea typeface="+mn-ea"/>
+                        <a:latin typeface="Bentley Light" panose="020B0404020201020102"/>
+                        <a:ea typeface="黑体" panose="02010609060101010101" pitchFamily="49" charset="-122"/>
                         <a:cs typeface="+mn-ea"/>
                         <a:sym typeface="+mn-lt"/>
                       </a:endParaRPr>
@@ -22417,29 +22378,29 @@
                         <a:defRPr/>
                       </a:pPr>
                       <a:r>
-                        <a:rPr lang="en-US" altLang="zh-CN" sz="1200" b="0" kern="1200" dirty="0" smtClean="0">
+                        <a:rPr lang="en-US" altLang="zh-CN" sz="1200" b="0" kern="1200" baseline="0" dirty="0" smtClean="0">
                           <a:solidFill>
                             <a:schemeClr val="tx1">
                               <a:lumMod val="75000"/>
                               <a:lumOff val="25000"/>
                             </a:schemeClr>
                           </a:solidFill>
-                          <a:latin typeface="+mn-lt"/>
-                          <a:ea typeface="+mn-ea"/>
+                          <a:latin typeface="Bentley Light" panose="020B0404020201020102"/>
+                          <a:ea typeface="黑体" panose="02010609060101010101" pitchFamily="49" charset="-122"/>
                           <a:cs typeface="+mn-ea"/>
                           <a:sym typeface="+mn-lt"/>
                         </a:rPr>
                         <a:t> </a:t>
                       </a:r>
-                      <a:endParaRPr lang="en-US" altLang="zh-CN" sz="1200" b="0" kern="1200" dirty="0">
+                      <a:endParaRPr lang="en-US" altLang="zh-CN" sz="1200" b="0" kern="1200" baseline="0" dirty="0">
                         <a:solidFill>
                           <a:schemeClr val="tx1">
                             <a:lumMod val="75000"/>
                             <a:lumOff val="25000"/>
                           </a:schemeClr>
                         </a:solidFill>
-                        <a:latin typeface="+mn-lt"/>
-                        <a:ea typeface="+mn-ea"/>
+                        <a:latin typeface="Bentley Light" panose="020B0404020201020102"/>
+                        <a:ea typeface="黑体" panose="02010609060101010101" pitchFamily="49" charset="-122"/>
                         <a:cs typeface="+mn-ea"/>
                         <a:sym typeface="+mn-lt"/>
                       </a:endParaRPr>
@@ -22508,29 +22469,29 @@
                         <a:defRPr/>
                       </a:pPr>
                       <a:r>
-                        <a:rPr lang="en-US" altLang="zh-CN" sz="1200" b="0" kern="1200" dirty="0" smtClean="0">
+                        <a:rPr lang="en-US" altLang="zh-CN" sz="1200" b="0" kern="1200" baseline="0" dirty="0" smtClean="0">
                           <a:solidFill>
                             <a:schemeClr val="tx1">
                               <a:lumMod val="75000"/>
                               <a:lumOff val="25000"/>
                             </a:schemeClr>
                           </a:solidFill>
-                          <a:latin typeface="+mn-lt"/>
-                          <a:ea typeface="+mn-ea"/>
+                          <a:latin typeface="Bentley Light" panose="020B0404020201020102"/>
+                          <a:ea typeface="黑体" panose="02010609060101010101" pitchFamily="49" charset="-122"/>
                           <a:cs typeface="+mn-ea"/>
                           <a:sym typeface="+mn-lt"/>
                         </a:rPr>
                         <a:t> </a:t>
                       </a:r>
-                      <a:endParaRPr lang="en-US" altLang="zh-CN" sz="1200" b="0" kern="1200" dirty="0">
+                      <a:endParaRPr lang="en-US" altLang="zh-CN" sz="1200" b="0" kern="1200" baseline="0" dirty="0">
                         <a:solidFill>
                           <a:schemeClr val="tx1">
                             <a:lumMod val="75000"/>
                             <a:lumOff val="25000"/>
                           </a:schemeClr>
                         </a:solidFill>
-                        <a:latin typeface="+mn-lt"/>
-                        <a:ea typeface="+mn-ea"/>
+                        <a:latin typeface="Bentley Light" panose="020B0404020201020102"/>
+                        <a:ea typeface="黑体" panose="02010609060101010101" pitchFamily="49" charset="-122"/>
                         <a:cs typeface="+mn-ea"/>
                         <a:sym typeface="+mn-lt"/>
                       </a:endParaRPr>
@@ -22599,29 +22560,29 @@
                         <a:defRPr/>
                       </a:pPr>
                       <a:r>
-                        <a:rPr lang="en-US" altLang="zh-CN" sz="1200" b="0" kern="1200" dirty="0" smtClean="0">
+                        <a:rPr lang="en-US" altLang="zh-CN" sz="1200" b="0" kern="1200" baseline="0" dirty="0" smtClean="0">
                           <a:solidFill>
                             <a:schemeClr val="tx1">
                               <a:lumMod val="75000"/>
                               <a:lumOff val="25000"/>
                             </a:schemeClr>
                           </a:solidFill>
-                          <a:latin typeface="+mn-lt"/>
-                          <a:ea typeface="+mn-ea"/>
+                          <a:latin typeface="Bentley Light" panose="020B0404020201020102"/>
+                          <a:ea typeface="黑体" panose="02010609060101010101" pitchFamily="49" charset="-122"/>
                           <a:cs typeface="+mn-ea"/>
                           <a:sym typeface="+mn-lt"/>
                         </a:rPr>
                         <a:t> </a:t>
                       </a:r>
-                      <a:endParaRPr lang="en-US" altLang="zh-CN" sz="1200" b="0" kern="1200" dirty="0">
+                      <a:endParaRPr lang="en-US" altLang="zh-CN" sz="1200" b="0" kern="1200" baseline="0" dirty="0">
                         <a:solidFill>
                           <a:schemeClr val="tx1">
                             <a:lumMod val="75000"/>
                             <a:lumOff val="25000"/>
                           </a:schemeClr>
                         </a:solidFill>
-                        <a:latin typeface="+mn-lt"/>
-                        <a:ea typeface="+mn-ea"/>
+                        <a:latin typeface="Bentley Light" panose="020B0404020201020102"/>
+                        <a:ea typeface="黑体" panose="02010609060101010101" pitchFamily="49" charset="-122"/>
                         <a:cs typeface="+mn-ea"/>
                         <a:sym typeface="+mn-lt"/>
                       </a:endParaRPr>
@@ -22690,29 +22651,29 @@
                         <a:defRPr/>
                       </a:pPr>
                       <a:r>
-                        <a:rPr lang="en-US" altLang="zh-CN" sz="1200" b="0" kern="1200" dirty="0" smtClean="0">
+                        <a:rPr lang="en-US" altLang="zh-CN" sz="1200" b="0" kern="1200" baseline="0" dirty="0" smtClean="0">
                           <a:solidFill>
                             <a:schemeClr val="tx1">
                               <a:lumMod val="75000"/>
                               <a:lumOff val="25000"/>
                             </a:schemeClr>
                           </a:solidFill>
-                          <a:latin typeface="+mn-lt"/>
-                          <a:ea typeface="+mn-ea"/>
+                          <a:latin typeface="Bentley Light" panose="020B0404020201020102"/>
+                          <a:ea typeface="黑体" panose="02010609060101010101" pitchFamily="49" charset="-122"/>
                           <a:cs typeface="+mn-ea"/>
                           <a:sym typeface="+mn-lt"/>
                         </a:rPr>
                         <a:t> </a:t>
                       </a:r>
-                      <a:endParaRPr lang="en-US" altLang="zh-CN" sz="1200" b="0" kern="1200" dirty="0">
+                      <a:endParaRPr lang="en-US" altLang="zh-CN" sz="1200" b="0" kern="1200" baseline="0" dirty="0">
                         <a:solidFill>
                           <a:schemeClr val="tx1">
                             <a:lumMod val="75000"/>
                             <a:lumOff val="25000"/>
                           </a:schemeClr>
                         </a:solidFill>
-                        <a:latin typeface="+mn-lt"/>
-                        <a:ea typeface="+mn-ea"/>
+                        <a:latin typeface="Bentley Light" panose="020B0404020201020102"/>
+                        <a:ea typeface="黑体" panose="02010609060101010101" pitchFamily="49" charset="-122"/>
                         <a:cs typeface="+mn-ea"/>
                         <a:sym typeface="+mn-lt"/>
                       </a:endParaRPr>
@@ -22780,15 +22741,15 @@
                         <a:tabLst/>
                         <a:defRPr/>
                       </a:pPr>
-                      <a:endParaRPr lang="en-US" altLang="zh-CN" sz="1200" b="0" kern="1200" dirty="0">
+                      <a:endParaRPr lang="en-US" altLang="zh-CN" sz="1200" b="0" kern="1200" baseline="0" dirty="0">
                         <a:solidFill>
                           <a:schemeClr val="tx1">
                             <a:lumMod val="75000"/>
                             <a:lumOff val="25000"/>
                           </a:schemeClr>
                         </a:solidFill>
-                        <a:latin typeface="+mn-lt"/>
-                        <a:ea typeface="+mn-ea"/>
+                        <a:latin typeface="Bentley Light" panose="020B0404020201020102"/>
+                        <a:ea typeface="黑体" panose="02010609060101010101" pitchFamily="49" charset="-122"/>
                         <a:cs typeface="+mn-ea"/>
                         <a:sym typeface="+mn-lt"/>
                       </a:endParaRPr>
@@ -22836,11 +22797,11 @@
                 </a:tc>
                 <a:extLst>
                   <a:ext uri="{0D108BD9-81ED-4DB2-BD59-A6C34878D82A}">
-                    <a16:rowId xmlns:a16="http://schemas.microsoft.com/office/drawing/2014/main" xmlns="" val="10005"/>
+                    <a16:rowId xmlns:a16="http://schemas.microsoft.com/office/drawing/2014/main" val="10005"/>
                   </a:ext>
                 </a:extLst>
               </a:tr>
-              <a:tr h="485669">
+              <a:tr h="508841">
                 <a:tc>
                   <a:txBody>
                     <a:bodyPr/>
@@ -22863,15 +22824,15 @@
                         <a:tabLst/>
                         <a:defRPr/>
                       </a:pPr>
-                      <a:endParaRPr lang="en-US" sz="1200" b="0" kern="1200" dirty="0" smtClean="0">
+                      <a:endParaRPr lang="en-US" sz="1200" b="0" kern="1200" baseline="0" dirty="0" smtClean="0">
                         <a:solidFill>
                           <a:schemeClr val="tx1">
                             <a:lumMod val="75000"/>
                             <a:lumOff val="25000"/>
                           </a:schemeClr>
                         </a:solidFill>
-                        <a:latin typeface="+mn-lt"/>
-                        <a:ea typeface="+mn-ea"/>
+                        <a:latin typeface="Bentley Light" panose="020B0404020201020102"/>
+                        <a:ea typeface="黑体" panose="02010609060101010101" pitchFamily="49" charset="-122"/>
                         <a:cs typeface="+mn-ea"/>
                         <a:sym typeface="+mn-lt"/>
                       </a:endParaRPr>
@@ -22939,15 +22900,15 @@
                         <a:tabLst/>
                         <a:defRPr/>
                       </a:pPr>
-                      <a:endParaRPr lang="en-US" altLang="zh-CN" sz="1200" b="0" kern="1200" dirty="0">
+                      <a:endParaRPr lang="en-US" altLang="zh-CN" sz="1200" b="0" kern="1200" baseline="0" dirty="0">
                         <a:solidFill>
                           <a:schemeClr val="tx1">
                             <a:lumMod val="75000"/>
                             <a:lumOff val="25000"/>
                           </a:schemeClr>
                         </a:solidFill>
-                        <a:latin typeface="+mn-lt"/>
-                        <a:ea typeface="+mn-ea"/>
+                        <a:latin typeface="Bentley Light" panose="020B0404020201020102"/>
+                        <a:ea typeface="黑体" panose="02010609060101010101" pitchFamily="49" charset="-122"/>
                         <a:cs typeface="+mn-ea"/>
                         <a:sym typeface="+mn-lt"/>
                       </a:endParaRPr>
@@ -23015,15 +22976,15 @@
                         <a:tabLst/>
                         <a:defRPr/>
                       </a:pPr>
-                      <a:endParaRPr lang="en-US" altLang="zh-CN" sz="1200" b="0" kern="1200" dirty="0">
+                      <a:endParaRPr lang="en-US" altLang="zh-CN" sz="1200" b="0" kern="1200" baseline="0" dirty="0">
                         <a:solidFill>
                           <a:schemeClr val="tx1">
                             <a:lumMod val="75000"/>
                             <a:lumOff val="25000"/>
                           </a:schemeClr>
                         </a:solidFill>
-                        <a:latin typeface="+mn-lt"/>
-                        <a:ea typeface="+mn-ea"/>
+                        <a:latin typeface="Bentley Light" panose="020B0404020201020102"/>
+                        <a:ea typeface="黑体" panose="02010609060101010101" pitchFamily="49" charset="-122"/>
                         <a:cs typeface="+mn-ea"/>
                         <a:sym typeface="+mn-lt"/>
                       </a:endParaRPr>
@@ -23091,15 +23052,15 @@
                         <a:tabLst/>
                         <a:defRPr/>
                       </a:pPr>
-                      <a:endParaRPr lang="en-US" altLang="zh-CN" sz="1200" b="0" kern="1200" dirty="0">
+                      <a:endParaRPr lang="en-US" altLang="zh-CN" sz="1200" b="0" kern="1200" baseline="0" dirty="0">
                         <a:solidFill>
                           <a:schemeClr val="tx1">
                             <a:lumMod val="75000"/>
                             <a:lumOff val="25000"/>
                           </a:schemeClr>
                         </a:solidFill>
-                        <a:latin typeface="+mn-lt"/>
-                        <a:ea typeface="+mn-ea"/>
+                        <a:latin typeface="Bentley Light" panose="020B0404020201020102"/>
+                        <a:ea typeface="黑体" panose="02010609060101010101" pitchFamily="49" charset="-122"/>
                         <a:cs typeface="+mn-ea"/>
                         <a:sym typeface="+mn-lt"/>
                       </a:endParaRPr>
@@ -23167,15 +23128,15 @@
                         <a:tabLst/>
                         <a:defRPr/>
                       </a:pPr>
-                      <a:endParaRPr lang="en-US" altLang="zh-CN" sz="1200" b="0" kern="1200" dirty="0">
+                      <a:endParaRPr lang="en-US" altLang="zh-CN" sz="1200" b="0" kern="1200" baseline="0" dirty="0">
                         <a:solidFill>
                           <a:schemeClr val="tx1">
                             <a:lumMod val="75000"/>
                             <a:lumOff val="25000"/>
                           </a:schemeClr>
                         </a:solidFill>
-                        <a:latin typeface="+mn-lt"/>
-                        <a:ea typeface="+mn-ea"/>
+                        <a:latin typeface="Bentley Light" panose="020B0404020201020102"/>
+                        <a:ea typeface="黑体" panose="02010609060101010101" pitchFamily="49" charset="-122"/>
                         <a:cs typeface="+mn-ea"/>
                         <a:sym typeface="+mn-lt"/>
                       </a:endParaRPr>
@@ -23243,15 +23204,15 @@
                         <a:tabLst/>
                         <a:defRPr/>
                       </a:pPr>
-                      <a:endParaRPr lang="en-US" altLang="zh-CN" sz="1200" b="0" kern="1200" dirty="0">
+                      <a:endParaRPr lang="en-US" altLang="zh-CN" sz="1200" b="0" kern="1200" baseline="0" dirty="0">
                         <a:solidFill>
                           <a:schemeClr val="tx1">
                             <a:lumMod val="75000"/>
                             <a:lumOff val="25000"/>
                           </a:schemeClr>
                         </a:solidFill>
-                        <a:latin typeface="+mn-lt"/>
-                        <a:ea typeface="+mn-ea"/>
+                        <a:latin typeface="Bentley Light" panose="020B0404020201020102"/>
+                        <a:ea typeface="黑体" panose="02010609060101010101" pitchFamily="49" charset="-122"/>
                         <a:cs typeface="+mn-ea"/>
                         <a:sym typeface="+mn-lt"/>
                       </a:endParaRPr>
@@ -23319,15 +23280,15 @@
                         <a:tabLst/>
                         <a:defRPr/>
                       </a:pPr>
-                      <a:endParaRPr lang="en-US" altLang="zh-CN" sz="1200" b="0" kern="1200" dirty="0">
+                      <a:endParaRPr lang="en-US" altLang="zh-CN" sz="1200" b="0" kern="1200" baseline="0" dirty="0">
                         <a:solidFill>
                           <a:schemeClr val="tx1">
                             <a:lumMod val="75000"/>
                             <a:lumOff val="25000"/>
                           </a:schemeClr>
                         </a:solidFill>
-                        <a:latin typeface="+mn-lt"/>
-                        <a:ea typeface="+mn-ea"/>
+                        <a:latin typeface="Bentley Light" panose="020B0404020201020102"/>
+                        <a:ea typeface="黑体" panose="02010609060101010101" pitchFamily="49" charset="-122"/>
                         <a:cs typeface="+mn-ea"/>
                         <a:sym typeface="+mn-lt"/>
                       </a:endParaRPr>
@@ -23375,11 +23336,11 @@
                 </a:tc>
                 <a:extLst>
                   <a:ext uri="{0D108BD9-81ED-4DB2-BD59-A6C34878D82A}">
-                    <a16:rowId xmlns:a16="http://schemas.microsoft.com/office/drawing/2014/main" xmlns="" val="10006"/>
+                    <a16:rowId xmlns:a16="http://schemas.microsoft.com/office/drawing/2014/main" val="10006"/>
                   </a:ext>
                 </a:extLst>
               </a:tr>
-              <a:tr h="445945">
+              <a:tr h="508841">
                 <a:tc>
                   <a:txBody>
                     <a:bodyPr/>
@@ -23402,15 +23363,15 @@
                         <a:tabLst/>
                         <a:defRPr/>
                       </a:pPr>
-                      <a:endParaRPr lang="en-US" sz="1200" b="0" kern="1200" dirty="0" smtClean="0">
+                      <a:endParaRPr lang="en-US" sz="1200" b="0" kern="1200" baseline="0" dirty="0" smtClean="0">
                         <a:solidFill>
                           <a:schemeClr val="tx1">
                             <a:lumMod val="75000"/>
                             <a:lumOff val="25000"/>
                           </a:schemeClr>
                         </a:solidFill>
-                        <a:latin typeface="+mn-lt"/>
-                        <a:ea typeface="+mn-ea"/>
+                        <a:latin typeface="Bentley Light" panose="020B0404020201020102"/>
+                        <a:ea typeface="黑体" panose="02010609060101010101" pitchFamily="49" charset="-122"/>
                         <a:cs typeface="+mn-ea"/>
                         <a:sym typeface="+mn-lt"/>
                       </a:endParaRPr>
@@ -23439,11 +23400,7 @@
                       <a:tailEnd type="none" w="med" len="med"/>
                     </a:lnT>
                     <a:lnB w="3175" cap="flat" cmpd="sng" algn="ctr">
-                      <a:solidFill>
-                        <a:schemeClr val="bg1">
-                          <a:lumMod val="75000"/>
-                        </a:schemeClr>
-                      </a:solidFill>
+                      <a:noFill/>
                       <a:prstDash val="sysDot"/>
                       <a:round/>
                       <a:headEnd type="none" w="med" len="med"/>
@@ -23482,15 +23439,15 @@
                         <a:tabLst/>
                         <a:defRPr/>
                       </a:pPr>
-                      <a:endParaRPr lang="en-US" altLang="zh-CN" sz="1200" b="0" kern="1200" dirty="0">
+                      <a:endParaRPr lang="en-US" altLang="zh-CN" sz="1200" b="0" kern="1200" baseline="0" dirty="0">
                         <a:solidFill>
                           <a:schemeClr val="tx1">
                             <a:lumMod val="75000"/>
                             <a:lumOff val="25000"/>
                           </a:schemeClr>
                         </a:solidFill>
-                        <a:latin typeface="+mn-lt"/>
-                        <a:ea typeface="+mn-ea"/>
+                        <a:latin typeface="Bentley Light" panose="020B0404020201020102"/>
+                        <a:ea typeface="黑体" panose="02010609060101010101" pitchFamily="49" charset="-122"/>
                         <a:cs typeface="+mn-ea"/>
                         <a:sym typeface="+mn-lt"/>
                       </a:endParaRPr>
@@ -23519,11 +23476,7 @@
                       <a:tailEnd type="none" w="med" len="med"/>
                     </a:lnT>
                     <a:lnB w="3175" cap="flat" cmpd="sng" algn="ctr">
-                      <a:solidFill>
-                        <a:schemeClr val="bg1">
-                          <a:lumMod val="75000"/>
-                        </a:schemeClr>
-                      </a:solidFill>
+                      <a:noFill/>
                       <a:prstDash val="sysDot"/>
                       <a:round/>
                       <a:headEnd type="none" w="med" len="med"/>
@@ -23562,15 +23515,15 @@
                         <a:tabLst/>
                         <a:defRPr/>
                       </a:pPr>
-                      <a:endParaRPr lang="en-US" altLang="zh-CN" sz="1200" b="0" kern="1200" dirty="0">
+                      <a:endParaRPr lang="en-US" altLang="zh-CN" sz="1200" b="0" kern="1200" baseline="0" dirty="0">
                         <a:solidFill>
                           <a:schemeClr val="tx1">
                             <a:lumMod val="75000"/>
                             <a:lumOff val="25000"/>
                           </a:schemeClr>
                         </a:solidFill>
-                        <a:latin typeface="+mn-lt"/>
-                        <a:ea typeface="+mn-ea"/>
+                        <a:latin typeface="Bentley Light" panose="020B0404020201020102"/>
+                        <a:ea typeface="黑体" panose="02010609060101010101" pitchFamily="49" charset="-122"/>
                         <a:cs typeface="+mn-ea"/>
                         <a:sym typeface="+mn-lt"/>
                       </a:endParaRPr>
@@ -23599,11 +23552,7 @@
                       <a:tailEnd type="none" w="med" len="med"/>
                     </a:lnT>
                     <a:lnB w="3175" cap="flat" cmpd="sng" algn="ctr">
-                      <a:solidFill>
-                        <a:schemeClr val="bg1">
-                          <a:lumMod val="75000"/>
-                        </a:schemeClr>
-                      </a:solidFill>
+                      <a:noFill/>
                       <a:prstDash val="sysDot"/>
                       <a:round/>
                       <a:headEnd type="none" w="med" len="med"/>
@@ -23642,15 +23591,15 @@
                         <a:tabLst/>
                         <a:defRPr/>
                       </a:pPr>
-                      <a:endParaRPr lang="en-US" altLang="zh-CN" sz="1200" b="0" kern="1200" dirty="0">
+                      <a:endParaRPr lang="en-US" altLang="zh-CN" sz="1200" b="0" kern="1200" baseline="0" dirty="0">
                         <a:solidFill>
                           <a:schemeClr val="tx1">
                             <a:lumMod val="75000"/>
                             <a:lumOff val="25000"/>
                           </a:schemeClr>
                         </a:solidFill>
-                        <a:latin typeface="+mn-lt"/>
-                        <a:ea typeface="+mn-ea"/>
+                        <a:latin typeface="Bentley Light" panose="020B0404020201020102"/>
+                        <a:ea typeface="黑体" panose="02010609060101010101" pitchFamily="49" charset="-122"/>
                         <a:cs typeface="+mn-ea"/>
                         <a:sym typeface="+mn-lt"/>
                       </a:endParaRPr>
@@ -23679,11 +23628,7 @@
                       <a:tailEnd type="none" w="med" len="med"/>
                     </a:lnT>
                     <a:lnB w="3175" cap="flat" cmpd="sng" algn="ctr">
-                      <a:solidFill>
-                        <a:schemeClr val="bg1">
-                          <a:lumMod val="75000"/>
-                        </a:schemeClr>
-                      </a:solidFill>
+                      <a:noFill/>
                       <a:prstDash val="sysDot"/>
                       <a:round/>
                       <a:headEnd type="none" w="med" len="med"/>
@@ -23722,15 +23667,15 @@
                         <a:tabLst/>
                         <a:defRPr/>
                       </a:pPr>
-                      <a:endParaRPr lang="en-US" altLang="zh-CN" sz="1200" b="0" kern="1200" dirty="0">
+                      <a:endParaRPr lang="en-US" altLang="zh-CN" sz="1200" b="0" kern="1200" baseline="0" dirty="0">
                         <a:solidFill>
                           <a:schemeClr val="tx1">
                             <a:lumMod val="75000"/>
                             <a:lumOff val="25000"/>
                           </a:schemeClr>
                         </a:solidFill>
-                        <a:latin typeface="+mn-lt"/>
-                        <a:ea typeface="+mn-ea"/>
+                        <a:latin typeface="Bentley Light" panose="020B0404020201020102"/>
+                        <a:ea typeface="黑体" panose="02010609060101010101" pitchFamily="49" charset="-122"/>
                         <a:cs typeface="+mn-ea"/>
                         <a:sym typeface="+mn-lt"/>
                       </a:endParaRPr>
@@ -23759,11 +23704,7 @@
                       <a:tailEnd type="none" w="med" len="med"/>
                     </a:lnT>
                     <a:lnB w="3175" cap="flat" cmpd="sng" algn="ctr">
-                      <a:solidFill>
-                        <a:schemeClr val="bg1">
-                          <a:lumMod val="75000"/>
-                        </a:schemeClr>
-                      </a:solidFill>
+                      <a:noFill/>
                       <a:prstDash val="sysDot"/>
                       <a:round/>
                       <a:headEnd type="none" w="med" len="med"/>
@@ -23802,15 +23743,15 @@
                         <a:tabLst/>
                         <a:defRPr/>
                       </a:pPr>
-                      <a:endParaRPr lang="en-US" altLang="zh-CN" sz="1200" b="0" kern="1200" dirty="0">
+                      <a:endParaRPr lang="en-US" altLang="zh-CN" sz="1200" b="0" kern="1200" baseline="0" dirty="0">
                         <a:solidFill>
                           <a:schemeClr val="tx1">
                             <a:lumMod val="75000"/>
                             <a:lumOff val="25000"/>
                           </a:schemeClr>
                         </a:solidFill>
-                        <a:latin typeface="+mn-lt"/>
-                        <a:ea typeface="+mn-ea"/>
+                        <a:latin typeface="Bentley Light" panose="020B0404020201020102"/>
+                        <a:ea typeface="黑体" panose="02010609060101010101" pitchFamily="49" charset="-122"/>
                         <a:cs typeface="+mn-ea"/>
                         <a:sym typeface="+mn-lt"/>
                       </a:endParaRPr>
@@ -23839,11 +23780,7 @@
                       <a:tailEnd type="none" w="med" len="med"/>
                     </a:lnT>
                     <a:lnB w="3175" cap="flat" cmpd="sng" algn="ctr">
-                      <a:solidFill>
-                        <a:schemeClr val="bg1">
-                          <a:lumMod val="75000"/>
-                        </a:schemeClr>
-                      </a:solidFill>
+                      <a:noFill/>
                       <a:prstDash val="sysDot"/>
                       <a:round/>
                       <a:headEnd type="none" w="med" len="med"/>
@@ -23882,15 +23819,15 @@
                         <a:tabLst/>
                         <a:defRPr/>
                       </a:pPr>
-                      <a:endParaRPr lang="en-US" altLang="zh-CN" sz="1200" b="0" kern="1200" dirty="0">
+                      <a:endParaRPr lang="en-US" altLang="zh-CN" sz="1200" b="0" kern="1200" baseline="0" dirty="0">
                         <a:solidFill>
                           <a:schemeClr val="tx1">
                             <a:lumMod val="75000"/>
                             <a:lumOff val="25000"/>
                           </a:schemeClr>
                         </a:solidFill>
-                        <a:latin typeface="+mn-lt"/>
-                        <a:ea typeface="+mn-ea"/>
+                        <a:latin typeface="Bentley Light" panose="020B0404020201020102"/>
+                        <a:ea typeface="黑体" panose="02010609060101010101" pitchFamily="49" charset="-122"/>
                         <a:cs typeface="+mn-ea"/>
                         <a:sym typeface="+mn-lt"/>
                       </a:endParaRPr>
@@ -23919,11 +23856,7 @@
                       <a:tailEnd type="none" w="med" len="med"/>
                     </a:lnT>
                     <a:lnB w="3175" cap="flat" cmpd="sng" algn="ctr">
-                      <a:solidFill>
-                        <a:schemeClr val="bg1">
-                          <a:lumMod val="75000"/>
-                        </a:schemeClr>
-                      </a:solidFill>
+                      <a:noFill/>
                       <a:prstDash val="sysDot"/>
                       <a:round/>
                       <a:headEnd type="none" w="med" len="med"/>
@@ -23942,11 +23875,11 @@
                 </a:tc>
                 <a:extLst>
                   <a:ext uri="{0D108BD9-81ED-4DB2-BD59-A6C34878D82A}">
-                    <a16:rowId xmlns:a16="http://schemas.microsoft.com/office/drawing/2014/main" xmlns="" val="10001"/>
+                    <a16:rowId xmlns:a16="http://schemas.microsoft.com/office/drawing/2014/main" val="1950357673"/>
                   </a:ext>
                 </a:extLst>
               </a:tr>
-              <a:tr h="445945">
+              <a:tr h="508841">
                 <a:tc>
                   <a:txBody>
                     <a:bodyPr/>
@@ -23969,15 +23902,15 @@
                         <a:tabLst/>
                         <a:defRPr/>
                       </a:pPr>
-                      <a:endParaRPr lang="zh-CN" altLang="en-US" sz="1200" b="0" kern="1200" dirty="0">
+                      <a:endParaRPr lang="en-US" sz="1200" b="0" kern="1200" baseline="0" dirty="0" smtClean="0">
                         <a:solidFill>
                           <a:schemeClr val="tx1">
                             <a:lumMod val="75000"/>
                             <a:lumOff val="25000"/>
                           </a:schemeClr>
                         </a:solidFill>
-                        <a:latin typeface="+mn-lt"/>
-                        <a:ea typeface="+mn-ea"/>
+                        <a:latin typeface="Bentley Light" panose="020B0404020201020102"/>
+                        <a:ea typeface="黑体" panose="02010609060101010101" pitchFamily="49" charset="-122"/>
                         <a:cs typeface="+mn-ea"/>
                         <a:sym typeface="+mn-lt"/>
                       </a:endParaRPr>
@@ -23998,23 +23931,15 @@
                       <a:headEnd type="none" w="med" len="med"/>
                       <a:tailEnd type="none" w="med" len="med"/>
                     </a:lnR>
-                    <a:lnT w="3175" cap="flat" cmpd="sng" algn="ctr">
-                      <a:solidFill>
-                        <a:schemeClr val="bg1">
-                          <a:lumMod val="75000"/>
-                        </a:schemeClr>
-                      </a:solidFill>
-                      <a:prstDash val="sysDot"/>
+                    <a:lnT w="6350" cap="flat" cmpd="sng" algn="ctr">
+                      <a:noFill/>
+                      <a:prstDash val="solid"/>
                       <a:round/>
                       <a:headEnd type="none" w="med" len="med"/>
                       <a:tailEnd type="none" w="med" len="med"/>
                     </a:lnT>
                     <a:lnB w="3175" cap="flat" cmpd="sng" algn="ctr">
-                      <a:solidFill>
-                        <a:schemeClr val="bg1">
-                          <a:lumMod val="75000"/>
-                        </a:schemeClr>
-                      </a:solidFill>
+                      <a:noFill/>
                       <a:prstDash val="sysDot"/>
                       <a:round/>
                       <a:headEnd type="none" w="med" len="med"/>
@@ -24053,15 +23978,15 @@
                         <a:tabLst/>
                         <a:defRPr/>
                       </a:pPr>
-                      <a:endParaRPr lang="zh-CN" altLang="en-US" sz="1200" b="0" kern="1200" dirty="0">
+                      <a:endParaRPr lang="en-US" altLang="zh-CN" sz="1200" b="0" kern="1200" baseline="0" dirty="0">
                         <a:solidFill>
                           <a:schemeClr val="tx1">
                             <a:lumMod val="75000"/>
                             <a:lumOff val="25000"/>
                           </a:schemeClr>
                         </a:solidFill>
-                        <a:latin typeface="+mn-lt"/>
-                        <a:ea typeface="+mn-ea"/>
+                        <a:latin typeface="Bentley Light" panose="020B0404020201020102"/>
+                        <a:ea typeface="黑体" panose="02010609060101010101" pitchFamily="49" charset="-122"/>
                         <a:cs typeface="+mn-ea"/>
                         <a:sym typeface="+mn-lt"/>
                       </a:endParaRPr>
@@ -24082,23 +24007,15 @@
                       <a:headEnd type="none" w="med" len="med"/>
                       <a:tailEnd type="none" w="med" len="med"/>
                     </a:lnR>
-                    <a:lnT w="3175" cap="flat" cmpd="sng" algn="ctr">
-                      <a:solidFill>
-                        <a:schemeClr val="bg1">
-                          <a:lumMod val="75000"/>
-                        </a:schemeClr>
-                      </a:solidFill>
-                      <a:prstDash val="sysDot"/>
+                    <a:lnT w="6350" cap="flat" cmpd="sng" algn="ctr">
+                      <a:noFill/>
+                      <a:prstDash val="solid"/>
                       <a:round/>
                       <a:headEnd type="none" w="med" len="med"/>
                       <a:tailEnd type="none" w="med" len="med"/>
                     </a:lnT>
                     <a:lnB w="3175" cap="flat" cmpd="sng" algn="ctr">
-                      <a:solidFill>
-                        <a:schemeClr val="bg1">
-                          <a:lumMod val="75000"/>
-                        </a:schemeClr>
-                      </a:solidFill>
+                      <a:noFill/>
                       <a:prstDash val="sysDot"/>
                       <a:round/>
                       <a:headEnd type="none" w="med" len="med"/>
@@ -24137,15 +24054,15 @@
                         <a:tabLst/>
                         <a:defRPr/>
                       </a:pPr>
-                      <a:endParaRPr lang="zh-CN" altLang="en-US" sz="1200" b="0" kern="1200" dirty="0">
+                      <a:endParaRPr lang="en-US" altLang="zh-CN" sz="1200" b="0" kern="1200" baseline="0" dirty="0">
                         <a:solidFill>
                           <a:schemeClr val="tx1">
                             <a:lumMod val="75000"/>
                             <a:lumOff val="25000"/>
                           </a:schemeClr>
                         </a:solidFill>
-                        <a:latin typeface="+mn-lt"/>
-                        <a:ea typeface="+mn-ea"/>
+                        <a:latin typeface="Bentley Light" panose="020B0404020201020102"/>
+                        <a:ea typeface="黑体" panose="02010609060101010101" pitchFamily="49" charset="-122"/>
                         <a:cs typeface="+mn-ea"/>
                         <a:sym typeface="+mn-lt"/>
                       </a:endParaRPr>
@@ -24166,23 +24083,15 @@
                       <a:headEnd type="none" w="med" len="med"/>
                       <a:tailEnd type="none" w="med" len="med"/>
                     </a:lnR>
-                    <a:lnT w="3175" cap="flat" cmpd="sng" algn="ctr">
-                      <a:solidFill>
-                        <a:schemeClr val="bg1">
-                          <a:lumMod val="75000"/>
-                        </a:schemeClr>
-                      </a:solidFill>
-                      <a:prstDash val="sysDot"/>
+                    <a:lnT w="6350" cap="flat" cmpd="sng" algn="ctr">
+                      <a:noFill/>
+                      <a:prstDash val="solid"/>
                       <a:round/>
                       <a:headEnd type="none" w="med" len="med"/>
                       <a:tailEnd type="none" w="med" len="med"/>
                     </a:lnT>
                     <a:lnB w="3175" cap="flat" cmpd="sng" algn="ctr">
-                      <a:solidFill>
-                        <a:schemeClr val="bg1">
-                          <a:lumMod val="75000"/>
-                        </a:schemeClr>
-                      </a:solidFill>
+                      <a:noFill/>
                       <a:prstDash val="sysDot"/>
                       <a:round/>
                       <a:headEnd type="none" w="med" len="med"/>
@@ -24221,15 +24130,15 @@
                         <a:tabLst/>
                         <a:defRPr/>
                       </a:pPr>
-                      <a:endParaRPr lang="zh-CN" altLang="en-US" sz="1200" b="0" kern="1200" dirty="0">
+                      <a:endParaRPr lang="en-US" altLang="zh-CN" sz="1200" b="0" kern="1200" baseline="0" dirty="0">
                         <a:solidFill>
                           <a:schemeClr val="tx1">
                             <a:lumMod val="75000"/>
                             <a:lumOff val="25000"/>
                           </a:schemeClr>
                         </a:solidFill>
-                        <a:latin typeface="+mn-lt"/>
-                        <a:ea typeface="+mn-ea"/>
+                        <a:latin typeface="Bentley Light" panose="020B0404020201020102"/>
+                        <a:ea typeface="黑体" panose="02010609060101010101" pitchFamily="49" charset="-122"/>
                         <a:cs typeface="+mn-ea"/>
                         <a:sym typeface="+mn-lt"/>
                       </a:endParaRPr>
@@ -24250,23 +24159,15 @@
                       <a:headEnd type="none" w="med" len="med"/>
                       <a:tailEnd type="none" w="med" len="med"/>
                     </a:lnR>
-                    <a:lnT w="3175" cap="flat" cmpd="sng" algn="ctr">
-                      <a:solidFill>
-                        <a:schemeClr val="bg1">
-                          <a:lumMod val="75000"/>
-                        </a:schemeClr>
-                      </a:solidFill>
-                      <a:prstDash val="sysDot"/>
+                    <a:lnT w="6350" cap="flat" cmpd="sng" algn="ctr">
+                      <a:noFill/>
+                      <a:prstDash val="solid"/>
                       <a:round/>
                       <a:headEnd type="none" w="med" len="med"/>
                       <a:tailEnd type="none" w="med" len="med"/>
                     </a:lnT>
                     <a:lnB w="3175" cap="flat" cmpd="sng" algn="ctr">
-                      <a:solidFill>
-                        <a:schemeClr val="bg1">
-                          <a:lumMod val="75000"/>
-                        </a:schemeClr>
-                      </a:solidFill>
+                      <a:noFill/>
                       <a:prstDash val="sysDot"/>
                       <a:round/>
                       <a:headEnd type="none" w="med" len="med"/>
@@ -24305,15 +24206,15 @@
                         <a:tabLst/>
                         <a:defRPr/>
                       </a:pPr>
-                      <a:endParaRPr lang="zh-CN" altLang="en-US" sz="1200" b="0" kern="1200" dirty="0">
+                      <a:endParaRPr lang="en-US" altLang="zh-CN" sz="1200" b="0" kern="1200" baseline="0" dirty="0">
                         <a:solidFill>
                           <a:schemeClr val="tx1">
                             <a:lumMod val="75000"/>
                             <a:lumOff val="25000"/>
                           </a:schemeClr>
                         </a:solidFill>
-                        <a:latin typeface="+mn-lt"/>
-                        <a:ea typeface="+mn-ea"/>
+                        <a:latin typeface="Bentley Light" panose="020B0404020201020102"/>
+                        <a:ea typeface="黑体" panose="02010609060101010101" pitchFamily="49" charset="-122"/>
                         <a:cs typeface="+mn-ea"/>
                         <a:sym typeface="+mn-lt"/>
                       </a:endParaRPr>
@@ -24334,23 +24235,15 @@
                       <a:headEnd type="none" w="med" len="med"/>
                       <a:tailEnd type="none" w="med" len="med"/>
                     </a:lnR>
-                    <a:lnT w="3175" cap="flat" cmpd="sng" algn="ctr">
-                      <a:solidFill>
-                        <a:schemeClr val="bg1">
-                          <a:lumMod val="75000"/>
-                        </a:schemeClr>
-                      </a:solidFill>
-                      <a:prstDash val="sysDot"/>
+                    <a:lnT w="6350" cap="flat" cmpd="sng" algn="ctr">
+                      <a:noFill/>
+                      <a:prstDash val="solid"/>
                       <a:round/>
                       <a:headEnd type="none" w="med" len="med"/>
                       <a:tailEnd type="none" w="med" len="med"/>
                     </a:lnT>
                     <a:lnB w="3175" cap="flat" cmpd="sng" algn="ctr">
-                      <a:solidFill>
-                        <a:schemeClr val="bg1">
-                          <a:lumMod val="75000"/>
-                        </a:schemeClr>
-                      </a:solidFill>
+                      <a:noFill/>
                       <a:prstDash val="sysDot"/>
                       <a:round/>
                       <a:headEnd type="none" w="med" len="med"/>
@@ -24389,15 +24282,15 @@
                         <a:tabLst/>
                         <a:defRPr/>
                       </a:pPr>
-                      <a:endParaRPr lang="zh-CN" altLang="en-US" sz="1200" b="0" kern="1200" dirty="0">
+                      <a:endParaRPr lang="en-US" altLang="zh-CN" sz="1200" b="0" kern="1200" baseline="0" dirty="0">
                         <a:solidFill>
                           <a:schemeClr val="tx1">
                             <a:lumMod val="75000"/>
                             <a:lumOff val="25000"/>
                           </a:schemeClr>
                         </a:solidFill>
-                        <a:latin typeface="+mn-lt"/>
-                        <a:ea typeface="+mn-ea"/>
+                        <a:latin typeface="Bentley Light" panose="020B0404020201020102"/>
+                        <a:ea typeface="黑体" panose="02010609060101010101" pitchFamily="49" charset="-122"/>
                         <a:cs typeface="+mn-ea"/>
                         <a:sym typeface="+mn-lt"/>
                       </a:endParaRPr>
@@ -24418,23 +24311,15 @@
                       <a:headEnd type="none" w="med" len="med"/>
                       <a:tailEnd type="none" w="med" len="med"/>
                     </a:lnR>
-                    <a:lnT w="3175" cap="flat" cmpd="sng" algn="ctr">
-                      <a:solidFill>
-                        <a:schemeClr val="bg1">
-                          <a:lumMod val="75000"/>
-                        </a:schemeClr>
-                      </a:solidFill>
-                      <a:prstDash val="sysDot"/>
+                    <a:lnT w="6350" cap="flat" cmpd="sng" algn="ctr">
+                      <a:noFill/>
+                      <a:prstDash val="solid"/>
                       <a:round/>
                       <a:headEnd type="none" w="med" len="med"/>
                       <a:tailEnd type="none" w="med" len="med"/>
                     </a:lnT>
                     <a:lnB w="3175" cap="flat" cmpd="sng" algn="ctr">
-                      <a:solidFill>
-                        <a:schemeClr val="bg1">
-                          <a:lumMod val="75000"/>
-                        </a:schemeClr>
-                      </a:solidFill>
+                      <a:noFill/>
                       <a:prstDash val="sysDot"/>
                       <a:round/>
                       <a:headEnd type="none" w="med" len="med"/>
@@ -24473,15 +24358,15 @@
                         <a:tabLst/>
                         <a:defRPr/>
                       </a:pPr>
-                      <a:endParaRPr lang="zh-CN" altLang="en-US" sz="1200" b="0" kern="1200" dirty="0">
+                      <a:endParaRPr lang="en-US" altLang="zh-CN" sz="1200" b="0" kern="1200" baseline="0" dirty="0">
                         <a:solidFill>
                           <a:schemeClr val="tx1">
                             <a:lumMod val="75000"/>
                             <a:lumOff val="25000"/>
                           </a:schemeClr>
                         </a:solidFill>
-                        <a:latin typeface="+mn-lt"/>
-                        <a:ea typeface="+mn-ea"/>
+                        <a:latin typeface="Bentley Light" panose="020B0404020201020102"/>
+                        <a:ea typeface="黑体" panose="02010609060101010101" pitchFamily="49" charset="-122"/>
                         <a:cs typeface="+mn-ea"/>
                         <a:sym typeface="+mn-lt"/>
                       </a:endParaRPr>
@@ -24502,23 +24387,15 @@
                       <a:headEnd type="none" w="med" len="med"/>
                       <a:tailEnd type="none" w="med" len="med"/>
                     </a:lnR>
-                    <a:lnT w="3175" cap="flat" cmpd="sng" algn="ctr">
-                      <a:solidFill>
-                        <a:schemeClr val="bg1">
-                          <a:lumMod val="75000"/>
-                        </a:schemeClr>
-                      </a:solidFill>
-                      <a:prstDash val="sysDot"/>
+                    <a:lnT w="6350" cap="flat" cmpd="sng" algn="ctr">
+                      <a:noFill/>
+                      <a:prstDash val="solid"/>
                       <a:round/>
                       <a:headEnd type="none" w="med" len="med"/>
                       <a:tailEnd type="none" w="med" len="med"/>
                     </a:lnT>
                     <a:lnB w="3175" cap="flat" cmpd="sng" algn="ctr">
-                      <a:solidFill>
-                        <a:schemeClr val="bg1">
-                          <a:lumMod val="75000"/>
-                        </a:schemeClr>
-                      </a:solidFill>
+                      <a:noFill/>
                       <a:prstDash val="sysDot"/>
                       <a:round/>
                       <a:headEnd type="none" w="med" len="med"/>
@@ -24537,11 +24414,11 @@
                 </a:tc>
                 <a:extLst>
                   <a:ext uri="{0D108BD9-81ED-4DB2-BD59-A6C34878D82A}">
-                    <a16:rowId xmlns:a16="http://schemas.microsoft.com/office/drawing/2014/main" xmlns="" val="10002"/>
+                    <a16:rowId xmlns:a16="http://schemas.microsoft.com/office/drawing/2014/main" val="2904252154"/>
                   </a:ext>
                 </a:extLst>
               </a:tr>
-              <a:tr h="465493">
+              <a:tr h="508841">
                 <a:tc>
                   <a:txBody>
                     <a:bodyPr/>
@@ -24564,15 +24441,15 @@
                         <a:tabLst/>
                         <a:defRPr/>
                       </a:pPr>
-                      <a:endParaRPr lang="zh-CN" altLang="en-US" sz="1200" b="0" kern="1200" dirty="0">
+                      <a:endParaRPr lang="en-US" sz="1200" b="0" kern="1200" baseline="0" dirty="0" smtClean="0">
                         <a:solidFill>
                           <a:schemeClr val="tx1">
                             <a:lumMod val="75000"/>
                             <a:lumOff val="25000"/>
                           </a:schemeClr>
                         </a:solidFill>
-                        <a:latin typeface="+mn-lt"/>
-                        <a:ea typeface="+mn-ea"/>
+                        <a:latin typeface="Bentley Light" panose="020B0404020201020102"/>
+                        <a:ea typeface="黑体" panose="02010609060101010101" pitchFamily="49" charset="-122"/>
                         <a:cs typeface="+mn-ea"/>
                         <a:sym typeface="+mn-lt"/>
                       </a:endParaRPr>
@@ -24593,23 +24470,15 @@
                       <a:headEnd type="none" w="med" len="med"/>
                       <a:tailEnd type="none" w="med" len="med"/>
                     </a:lnR>
-                    <a:lnT w="3175" cap="flat" cmpd="sng" algn="ctr">
-                      <a:solidFill>
-                        <a:schemeClr val="bg1">
-                          <a:lumMod val="75000"/>
-                        </a:schemeClr>
-                      </a:solidFill>
-                      <a:prstDash val="sysDot"/>
+                    <a:lnT w="6350" cap="flat" cmpd="sng" algn="ctr">
+                      <a:noFill/>
+                      <a:prstDash val="solid"/>
                       <a:round/>
                       <a:headEnd type="none" w="med" len="med"/>
                       <a:tailEnd type="none" w="med" len="med"/>
                     </a:lnT>
                     <a:lnB w="3175" cap="flat" cmpd="sng" algn="ctr">
-                      <a:solidFill>
-                        <a:schemeClr val="bg1">
-                          <a:lumMod val="75000"/>
-                        </a:schemeClr>
-                      </a:solidFill>
+                      <a:noFill/>
                       <a:prstDash val="sysDot"/>
                       <a:round/>
                       <a:headEnd type="none" w="med" len="med"/>
@@ -24648,15 +24517,15 @@
                         <a:tabLst/>
                         <a:defRPr/>
                       </a:pPr>
-                      <a:endParaRPr lang="zh-CN" altLang="en-US" sz="1200" b="0" kern="1200" dirty="0">
+                      <a:endParaRPr lang="en-US" altLang="zh-CN" sz="1200" b="0" kern="1200" baseline="0" dirty="0">
                         <a:solidFill>
                           <a:schemeClr val="tx1">
                             <a:lumMod val="75000"/>
                             <a:lumOff val="25000"/>
                           </a:schemeClr>
                         </a:solidFill>
-                        <a:latin typeface="+mn-lt"/>
-                        <a:ea typeface="+mn-ea"/>
+                        <a:latin typeface="Bentley Light" panose="020B0404020201020102"/>
+                        <a:ea typeface="黑体" panose="02010609060101010101" pitchFamily="49" charset="-122"/>
                         <a:cs typeface="+mn-ea"/>
                         <a:sym typeface="+mn-lt"/>
                       </a:endParaRPr>
@@ -24677,23 +24546,15 @@
                       <a:headEnd type="none" w="med" len="med"/>
                       <a:tailEnd type="none" w="med" len="med"/>
                     </a:lnR>
-                    <a:lnT w="3175" cap="flat" cmpd="sng" algn="ctr">
-                      <a:solidFill>
-                        <a:schemeClr val="bg1">
-                          <a:lumMod val="75000"/>
-                        </a:schemeClr>
-                      </a:solidFill>
-                      <a:prstDash val="sysDot"/>
+                    <a:lnT w="6350" cap="flat" cmpd="sng" algn="ctr">
+                      <a:noFill/>
+                      <a:prstDash val="solid"/>
                       <a:round/>
                       <a:headEnd type="none" w="med" len="med"/>
                       <a:tailEnd type="none" w="med" len="med"/>
                     </a:lnT>
                     <a:lnB w="3175" cap="flat" cmpd="sng" algn="ctr">
-                      <a:solidFill>
-                        <a:schemeClr val="bg1">
-                          <a:lumMod val="75000"/>
-                        </a:schemeClr>
-                      </a:solidFill>
+                      <a:noFill/>
                       <a:prstDash val="sysDot"/>
                       <a:round/>
                       <a:headEnd type="none" w="med" len="med"/>
@@ -24732,15 +24593,15 @@
                         <a:tabLst/>
                         <a:defRPr/>
                       </a:pPr>
-                      <a:endParaRPr lang="zh-CN" altLang="en-US" sz="1200" b="0" kern="1200" dirty="0">
+                      <a:endParaRPr lang="en-US" altLang="zh-CN" sz="1200" b="0" kern="1200" baseline="0" dirty="0">
                         <a:solidFill>
                           <a:schemeClr val="tx1">
                             <a:lumMod val="75000"/>
                             <a:lumOff val="25000"/>
                           </a:schemeClr>
                         </a:solidFill>
-                        <a:latin typeface="+mn-lt"/>
-                        <a:ea typeface="+mn-ea"/>
+                        <a:latin typeface="Bentley Light" panose="020B0404020201020102"/>
+                        <a:ea typeface="黑体" panose="02010609060101010101" pitchFamily="49" charset="-122"/>
                         <a:cs typeface="+mn-ea"/>
                         <a:sym typeface="+mn-lt"/>
                       </a:endParaRPr>
@@ -24761,23 +24622,15 @@
                       <a:headEnd type="none" w="med" len="med"/>
                       <a:tailEnd type="none" w="med" len="med"/>
                     </a:lnR>
-                    <a:lnT w="3175" cap="flat" cmpd="sng" algn="ctr">
-                      <a:solidFill>
-                        <a:schemeClr val="bg1">
-                          <a:lumMod val="75000"/>
-                        </a:schemeClr>
-                      </a:solidFill>
-                      <a:prstDash val="sysDot"/>
+                    <a:lnT w="6350" cap="flat" cmpd="sng" algn="ctr">
+                      <a:noFill/>
+                      <a:prstDash val="solid"/>
                       <a:round/>
                       <a:headEnd type="none" w="med" len="med"/>
                       <a:tailEnd type="none" w="med" len="med"/>
                     </a:lnT>
                     <a:lnB w="3175" cap="flat" cmpd="sng" algn="ctr">
-                      <a:solidFill>
-                        <a:schemeClr val="bg1">
-                          <a:lumMod val="75000"/>
-                        </a:schemeClr>
-                      </a:solidFill>
+                      <a:noFill/>
                       <a:prstDash val="sysDot"/>
                       <a:round/>
                       <a:headEnd type="none" w="med" len="med"/>
@@ -24816,15 +24669,15 @@
                         <a:tabLst/>
                         <a:defRPr/>
                       </a:pPr>
-                      <a:endParaRPr lang="zh-CN" altLang="en-US" sz="1200" b="0" kern="1200" dirty="0">
+                      <a:endParaRPr lang="en-US" altLang="zh-CN" sz="1200" b="0" kern="1200" baseline="0" dirty="0">
                         <a:solidFill>
                           <a:schemeClr val="tx1">
                             <a:lumMod val="75000"/>
                             <a:lumOff val="25000"/>
                           </a:schemeClr>
                         </a:solidFill>
-                        <a:latin typeface="+mn-lt"/>
-                        <a:ea typeface="+mn-ea"/>
+                        <a:latin typeface="Bentley Light" panose="020B0404020201020102"/>
+                        <a:ea typeface="黑体" panose="02010609060101010101" pitchFamily="49" charset="-122"/>
                         <a:cs typeface="+mn-ea"/>
                         <a:sym typeface="+mn-lt"/>
                       </a:endParaRPr>
@@ -24845,23 +24698,15 @@
                       <a:headEnd type="none" w="med" len="med"/>
                       <a:tailEnd type="none" w="med" len="med"/>
                     </a:lnR>
-                    <a:lnT w="3175" cap="flat" cmpd="sng" algn="ctr">
-                      <a:solidFill>
-                        <a:schemeClr val="bg1">
-                          <a:lumMod val="75000"/>
-                        </a:schemeClr>
-                      </a:solidFill>
-                      <a:prstDash val="sysDot"/>
+                    <a:lnT w="6350" cap="flat" cmpd="sng" algn="ctr">
+                      <a:noFill/>
+                      <a:prstDash val="solid"/>
                       <a:round/>
                       <a:headEnd type="none" w="med" len="med"/>
                       <a:tailEnd type="none" w="med" len="med"/>
                     </a:lnT>
                     <a:lnB w="3175" cap="flat" cmpd="sng" algn="ctr">
-                      <a:solidFill>
-                        <a:schemeClr val="bg1">
-                          <a:lumMod val="75000"/>
-                        </a:schemeClr>
-                      </a:solidFill>
+                      <a:noFill/>
                       <a:prstDash val="sysDot"/>
                       <a:round/>
                       <a:headEnd type="none" w="med" len="med"/>
@@ -24900,15 +24745,15 @@
                         <a:tabLst/>
                         <a:defRPr/>
                       </a:pPr>
-                      <a:endParaRPr lang="zh-CN" altLang="en-US" sz="1200" b="0" kern="1200" dirty="0">
+                      <a:endParaRPr lang="en-US" altLang="zh-CN" sz="1200" b="0" kern="1200" baseline="0" dirty="0">
                         <a:solidFill>
                           <a:schemeClr val="tx1">
                             <a:lumMod val="75000"/>
                             <a:lumOff val="25000"/>
                           </a:schemeClr>
                         </a:solidFill>
-                        <a:latin typeface="+mn-lt"/>
-                        <a:ea typeface="+mn-ea"/>
+                        <a:latin typeface="Bentley Light" panose="020B0404020201020102"/>
+                        <a:ea typeface="黑体" panose="02010609060101010101" pitchFamily="49" charset="-122"/>
                         <a:cs typeface="+mn-ea"/>
                         <a:sym typeface="+mn-lt"/>
                       </a:endParaRPr>
@@ -24929,23 +24774,15 @@
                       <a:headEnd type="none" w="med" len="med"/>
                       <a:tailEnd type="none" w="med" len="med"/>
                     </a:lnR>
-                    <a:lnT w="3175" cap="flat" cmpd="sng" algn="ctr">
-                      <a:solidFill>
-                        <a:schemeClr val="bg1">
-                          <a:lumMod val="75000"/>
-                        </a:schemeClr>
-                      </a:solidFill>
-                      <a:prstDash val="sysDot"/>
+                    <a:lnT w="6350" cap="flat" cmpd="sng" algn="ctr">
+                      <a:noFill/>
+                      <a:prstDash val="solid"/>
                       <a:round/>
                       <a:headEnd type="none" w="med" len="med"/>
                       <a:tailEnd type="none" w="med" len="med"/>
                     </a:lnT>
                     <a:lnB w="3175" cap="flat" cmpd="sng" algn="ctr">
-                      <a:solidFill>
-                        <a:schemeClr val="bg1">
-                          <a:lumMod val="75000"/>
-                        </a:schemeClr>
-                      </a:solidFill>
+                      <a:noFill/>
                       <a:prstDash val="sysDot"/>
                       <a:round/>
                       <a:headEnd type="none" w="med" len="med"/>
@@ -24984,15 +24821,15 @@
                         <a:tabLst/>
                         <a:defRPr/>
                       </a:pPr>
-                      <a:endParaRPr lang="zh-CN" altLang="en-US" sz="1200" b="0" kern="1200" dirty="0">
+                      <a:endParaRPr lang="en-US" altLang="zh-CN" sz="1200" b="0" kern="1200" baseline="0" dirty="0">
                         <a:solidFill>
                           <a:schemeClr val="tx1">
                             <a:lumMod val="75000"/>
                             <a:lumOff val="25000"/>
                           </a:schemeClr>
                         </a:solidFill>
-                        <a:latin typeface="+mn-lt"/>
-                        <a:ea typeface="+mn-ea"/>
+                        <a:latin typeface="Bentley Light" panose="020B0404020201020102"/>
+                        <a:ea typeface="黑体" panose="02010609060101010101" pitchFamily="49" charset="-122"/>
                         <a:cs typeface="+mn-ea"/>
                         <a:sym typeface="+mn-lt"/>
                       </a:endParaRPr>
@@ -25013,23 +24850,15 @@
                       <a:headEnd type="none" w="med" len="med"/>
                       <a:tailEnd type="none" w="med" len="med"/>
                     </a:lnR>
-                    <a:lnT w="3175" cap="flat" cmpd="sng" algn="ctr">
-                      <a:solidFill>
-                        <a:schemeClr val="bg1">
-                          <a:lumMod val="75000"/>
-                        </a:schemeClr>
-                      </a:solidFill>
-                      <a:prstDash val="sysDot"/>
+                    <a:lnT w="6350" cap="flat" cmpd="sng" algn="ctr">
+                      <a:noFill/>
+                      <a:prstDash val="solid"/>
                       <a:round/>
                       <a:headEnd type="none" w="med" len="med"/>
                       <a:tailEnd type="none" w="med" len="med"/>
                     </a:lnT>
                     <a:lnB w="3175" cap="flat" cmpd="sng" algn="ctr">
-                      <a:solidFill>
-                        <a:schemeClr val="bg1">
-                          <a:lumMod val="75000"/>
-                        </a:schemeClr>
-                      </a:solidFill>
+                      <a:noFill/>
                       <a:prstDash val="sysDot"/>
                       <a:round/>
                       <a:headEnd type="none" w="med" len="med"/>
@@ -25068,15 +24897,15 @@
                         <a:tabLst/>
                         <a:defRPr/>
                       </a:pPr>
-                      <a:endParaRPr lang="zh-CN" altLang="en-US" sz="1200" b="0" kern="1200" dirty="0">
+                      <a:endParaRPr lang="en-US" altLang="zh-CN" sz="1200" b="0" kern="1200" baseline="0" dirty="0">
                         <a:solidFill>
                           <a:schemeClr val="tx1">
                             <a:lumMod val="75000"/>
                             <a:lumOff val="25000"/>
                           </a:schemeClr>
                         </a:solidFill>
-                        <a:latin typeface="+mn-lt"/>
-                        <a:ea typeface="+mn-ea"/>
+                        <a:latin typeface="Bentley Light" panose="020B0404020201020102"/>
+                        <a:ea typeface="黑体" panose="02010609060101010101" pitchFamily="49" charset="-122"/>
                         <a:cs typeface="+mn-ea"/>
                         <a:sym typeface="+mn-lt"/>
                       </a:endParaRPr>
@@ -25097,23 +24926,15 @@
                       <a:headEnd type="none" w="med" len="med"/>
                       <a:tailEnd type="none" w="med" len="med"/>
                     </a:lnR>
-                    <a:lnT w="3175" cap="flat" cmpd="sng" algn="ctr">
-                      <a:solidFill>
-                        <a:schemeClr val="bg1">
-                          <a:lumMod val="75000"/>
-                        </a:schemeClr>
-                      </a:solidFill>
-                      <a:prstDash val="sysDot"/>
+                    <a:lnT w="6350" cap="flat" cmpd="sng" algn="ctr">
+                      <a:noFill/>
+                      <a:prstDash val="solid"/>
                       <a:round/>
                       <a:headEnd type="none" w="med" len="med"/>
                       <a:tailEnd type="none" w="med" len="med"/>
                     </a:lnT>
                     <a:lnB w="3175" cap="flat" cmpd="sng" algn="ctr">
-                      <a:solidFill>
-                        <a:schemeClr val="bg1">
-                          <a:lumMod val="75000"/>
-                        </a:schemeClr>
-                      </a:solidFill>
+                      <a:noFill/>
                       <a:prstDash val="sysDot"/>
                       <a:round/>
                       <a:headEnd type="none" w="med" len="med"/>
@@ -25132,11 +24953,11 @@
                 </a:tc>
                 <a:extLst>
                   <a:ext uri="{0D108BD9-81ED-4DB2-BD59-A6C34878D82A}">
-                    <a16:rowId xmlns:a16="http://schemas.microsoft.com/office/drawing/2014/main" xmlns="" val="10003"/>
+                    <a16:rowId xmlns:a16="http://schemas.microsoft.com/office/drawing/2014/main" val="636488177"/>
                   </a:ext>
                 </a:extLst>
               </a:tr>
-              <a:tr h="465493">
+              <a:tr h="508841">
                 <a:tc>
                   <a:txBody>
                     <a:bodyPr/>
@@ -25159,15 +24980,15 @@
                         <a:tabLst/>
                         <a:defRPr/>
                       </a:pPr>
-                      <a:endParaRPr lang="zh-CN" altLang="en-US" sz="1200" b="0" kern="1200" dirty="0">
+                      <a:endParaRPr lang="en-US" sz="1200" b="0" kern="1200" baseline="0" dirty="0" smtClean="0">
                         <a:solidFill>
                           <a:schemeClr val="tx1">
                             <a:lumMod val="75000"/>
                             <a:lumOff val="25000"/>
                           </a:schemeClr>
                         </a:solidFill>
-                        <a:latin typeface="+mn-lt"/>
-                        <a:ea typeface="+mn-ea"/>
+                        <a:latin typeface="Bentley Light" panose="020B0404020201020102"/>
+                        <a:ea typeface="黑体" panose="02010609060101010101" pitchFamily="49" charset="-122"/>
                         <a:cs typeface="+mn-ea"/>
                         <a:sym typeface="+mn-lt"/>
                       </a:endParaRPr>
@@ -25188,23 +25009,15 @@
                       <a:headEnd type="none" w="med" len="med"/>
                       <a:tailEnd type="none" w="med" len="med"/>
                     </a:lnR>
-                    <a:lnT w="3175" cap="flat" cmpd="sng" algn="ctr">
-                      <a:solidFill>
-                        <a:schemeClr val="bg1">
-                          <a:lumMod val="75000"/>
-                        </a:schemeClr>
-                      </a:solidFill>
-                      <a:prstDash val="sysDot"/>
+                    <a:lnT w="6350" cap="flat" cmpd="sng" algn="ctr">
+                      <a:noFill/>
+                      <a:prstDash val="solid"/>
                       <a:round/>
                       <a:headEnd type="none" w="med" len="med"/>
                       <a:tailEnd type="none" w="med" len="med"/>
                     </a:lnT>
                     <a:lnB w="3175" cap="flat" cmpd="sng" algn="ctr">
-                      <a:solidFill>
-                        <a:schemeClr val="bg1">
-                          <a:lumMod val="75000"/>
-                        </a:schemeClr>
-                      </a:solidFill>
+                      <a:noFill/>
                       <a:prstDash val="sysDot"/>
                       <a:round/>
                       <a:headEnd type="none" w="med" len="med"/>
@@ -25243,15 +25056,15 @@
                         <a:tabLst/>
                         <a:defRPr/>
                       </a:pPr>
-                      <a:endParaRPr lang="zh-CN" altLang="en-US" sz="1200" b="0" kern="1200" dirty="0">
+                      <a:endParaRPr lang="en-US" altLang="zh-CN" sz="1200" b="0" kern="1200" baseline="0" dirty="0">
                         <a:solidFill>
                           <a:schemeClr val="tx1">
                             <a:lumMod val="75000"/>
                             <a:lumOff val="25000"/>
                           </a:schemeClr>
                         </a:solidFill>
-                        <a:latin typeface="+mn-lt"/>
-                        <a:ea typeface="+mn-ea"/>
+                        <a:latin typeface="Bentley Light" panose="020B0404020201020102"/>
+                        <a:ea typeface="黑体" panose="02010609060101010101" pitchFamily="49" charset="-122"/>
                         <a:cs typeface="+mn-ea"/>
                         <a:sym typeface="+mn-lt"/>
                       </a:endParaRPr>
@@ -25272,23 +25085,15 @@
                       <a:headEnd type="none" w="med" len="med"/>
                       <a:tailEnd type="none" w="med" len="med"/>
                     </a:lnR>
-                    <a:lnT w="3175" cap="flat" cmpd="sng" algn="ctr">
-                      <a:solidFill>
-                        <a:schemeClr val="bg1">
-                          <a:lumMod val="75000"/>
-                        </a:schemeClr>
-                      </a:solidFill>
-                      <a:prstDash val="sysDot"/>
+                    <a:lnT w="6350" cap="flat" cmpd="sng" algn="ctr">
+                      <a:noFill/>
+                      <a:prstDash val="solid"/>
                       <a:round/>
                       <a:headEnd type="none" w="med" len="med"/>
                       <a:tailEnd type="none" w="med" len="med"/>
                     </a:lnT>
                     <a:lnB w="3175" cap="flat" cmpd="sng" algn="ctr">
-                      <a:solidFill>
-                        <a:schemeClr val="bg1">
-                          <a:lumMod val="75000"/>
-                        </a:schemeClr>
-                      </a:solidFill>
+                      <a:noFill/>
                       <a:prstDash val="sysDot"/>
                       <a:round/>
                       <a:headEnd type="none" w="med" len="med"/>
@@ -25327,15 +25132,15 @@
                         <a:tabLst/>
                         <a:defRPr/>
                       </a:pPr>
-                      <a:endParaRPr lang="zh-CN" altLang="en-US" sz="1200" b="0" kern="1200" dirty="0">
+                      <a:endParaRPr lang="en-US" altLang="zh-CN" sz="1200" b="0" kern="1200" baseline="0" dirty="0">
                         <a:solidFill>
                           <a:schemeClr val="tx1">
                             <a:lumMod val="75000"/>
                             <a:lumOff val="25000"/>
                           </a:schemeClr>
                         </a:solidFill>
-                        <a:latin typeface="+mn-lt"/>
-                        <a:ea typeface="+mn-ea"/>
+                        <a:latin typeface="Bentley Light" panose="020B0404020201020102"/>
+                        <a:ea typeface="黑体" panose="02010609060101010101" pitchFamily="49" charset="-122"/>
                         <a:cs typeface="+mn-ea"/>
                         <a:sym typeface="+mn-lt"/>
                       </a:endParaRPr>
@@ -25356,23 +25161,15 @@
                       <a:headEnd type="none" w="med" len="med"/>
                       <a:tailEnd type="none" w="med" len="med"/>
                     </a:lnR>
-                    <a:lnT w="3175" cap="flat" cmpd="sng" algn="ctr">
-                      <a:solidFill>
-                        <a:schemeClr val="bg1">
-                          <a:lumMod val="75000"/>
-                        </a:schemeClr>
-                      </a:solidFill>
-                      <a:prstDash val="sysDot"/>
+                    <a:lnT w="6350" cap="flat" cmpd="sng" algn="ctr">
+                      <a:noFill/>
+                      <a:prstDash val="solid"/>
                       <a:round/>
                       <a:headEnd type="none" w="med" len="med"/>
                       <a:tailEnd type="none" w="med" len="med"/>
                     </a:lnT>
                     <a:lnB w="3175" cap="flat" cmpd="sng" algn="ctr">
-                      <a:solidFill>
-                        <a:schemeClr val="bg1">
-                          <a:lumMod val="75000"/>
-                        </a:schemeClr>
-                      </a:solidFill>
+                      <a:noFill/>
                       <a:prstDash val="sysDot"/>
                       <a:round/>
                       <a:headEnd type="none" w="med" len="med"/>
@@ -25411,15 +25208,15 @@
                         <a:tabLst/>
                         <a:defRPr/>
                       </a:pPr>
-                      <a:endParaRPr lang="zh-CN" altLang="en-US" sz="1200" b="0" kern="1200" dirty="0">
+                      <a:endParaRPr lang="en-US" altLang="zh-CN" sz="1200" b="0" kern="1200" baseline="0" dirty="0">
                         <a:solidFill>
                           <a:schemeClr val="tx1">
                             <a:lumMod val="75000"/>
                             <a:lumOff val="25000"/>
                           </a:schemeClr>
                         </a:solidFill>
-                        <a:latin typeface="+mn-lt"/>
-                        <a:ea typeface="+mn-ea"/>
+                        <a:latin typeface="Bentley Light" panose="020B0404020201020102"/>
+                        <a:ea typeface="黑体" panose="02010609060101010101" pitchFamily="49" charset="-122"/>
                         <a:cs typeface="+mn-ea"/>
                         <a:sym typeface="+mn-lt"/>
                       </a:endParaRPr>
@@ -25440,23 +25237,15 @@
                       <a:headEnd type="none" w="med" len="med"/>
                       <a:tailEnd type="none" w="med" len="med"/>
                     </a:lnR>
-                    <a:lnT w="3175" cap="flat" cmpd="sng" algn="ctr">
-                      <a:solidFill>
-                        <a:schemeClr val="bg1">
-                          <a:lumMod val="75000"/>
-                        </a:schemeClr>
-                      </a:solidFill>
-                      <a:prstDash val="sysDot"/>
+                    <a:lnT w="6350" cap="flat" cmpd="sng" algn="ctr">
+                      <a:noFill/>
+                      <a:prstDash val="solid"/>
                       <a:round/>
                       <a:headEnd type="none" w="med" len="med"/>
                       <a:tailEnd type="none" w="med" len="med"/>
                     </a:lnT>
                     <a:lnB w="3175" cap="flat" cmpd="sng" algn="ctr">
-                      <a:solidFill>
-                        <a:schemeClr val="bg1">
-                          <a:lumMod val="75000"/>
-                        </a:schemeClr>
-                      </a:solidFill>
+                      <a:noFill/>
                       <a:prstDash val="sysDot"/>
                       <a:round/>
                       <a:headEnd type="none" w="med" len="med"/>
@@ -25495,15 +25284,15 @@
                         <a:tabLst/>
                         <a:defRPr/>
                       </a:pPr>
-                      <a:endParaRPr lang="zh-CN" altLang="en-US" sz="1200" b="0" kern="1200" dirty="0">
+                      <a:endParaRPr lang="en-US" altLang="zh-CN" sz="1200" b="0" kern="1200" baseline="0" dirty="0">
                         <a:solidFill>
                           <a:schemeClr val="tx1">
                             <a:lumMod val="75000"/>
                             <a:lumOff val="25000"/>
                           </a:schemeClr>
                         </a:solidFill>
-                        <a:latin typeface="+mn-lt"/>
-                        <a:ea typeface="+mn-ea"/>
+                        <a:latin typeface="Bentley Light" panose="020B0404020201020102"/>
+                        <a:ea typeface="黑体" panose="02010609060101010101" pitchFamily="49" charset="-122"/>
                         <a:cs typeface="+mn-ea"/>
                         <a:sym typeface="+mn-lt"/>
                       </a:endParaRPr>
@@ -25524,23 +25313,15 @@
                       <a:headEnd type="none" w="med" len="med"/>
                       <a:tailEnd type="none" w="med" len="med"/>
                     </a:lnR>
-                    <a:lnT w="3175" cap="flat" cmpd="sng" algn="ctr">
-                      <a:solidFill>
-                        <a:schemeClr val="bg1">
-                          <a:lumMod val="75000"/>
-                        </a:schemeClr>
-                      </a:solidFill>
-                      <a:prstDash val="sysDot"/>
+                    <a:lnT w="6350" cap="flat" cmpd="sng" algn="ctr">
+                      <a:noFill/>
+                      <a:prstDash val="solid"/>
                       <a:round/>
                       <a:headEnd type="none" w="med" len="med"/>
                       <a:tailEnd type="none" w="med" len="med"/>
                     </a:lnT>
                     <a:lnB w="3175" cap="flat" cmpd="sng" algn="ctr">
-                      <a:solidFill>
-                        <a:schemeClr val="bg1">
-                          <a:lumMod val="75000"/>
-                        </a:schemeClr>
-                      </a:solidFill>
+                      <a:noFill/>
                       <a:prstDash val="sysDot"/>
                       <a:round/>
                       <a:headEnd type="none" w="med" len="med"/>
@@ -25579,15 +25360,15 @@
                         <a:tabLst/>
                         <a:defRPr/>
                       </a:pPr>
-                      <a:endParaRPr lang="zh-CN" altLang="en-US" sz="1200" b="0" kern="1200" dirty="0">
+                      <a:endParaRPr lang="en-US" altLang="zh-CN" sz="1200" b="0" kern="1200" baseline="0" dirty="0">
                         <a:solidFill>
                           <a:schemeClr val="tx1">
                             <a:lumMod val="75000"/>
                             <a:lumOff val="25000"/>
                           </a:schemeClr>
                         </a:solidFill>
-                        <a:latin typeface="+mn-lt"/>
-                        <a:ea typeface="+mn-ea"/>
+                        <a:latin typeface="Bentley Light" panose="020B0404020201020102"/>
+                        <a:ea typeface="黑体" panose="02010609060101010101" pitchFamily="49" charset="-122"/>
                         <a:cs typeface="+mn-ea"/>
                         <a:sym typeface="+mn-lt"/>
                       </a:endParaRPr>
@@ -25608,23 +25389,15 @@
                       <a:headEnd type="none" w="med" len="med"/>
                       <a:tailEnd type="none" w="med" len="med"/>
                     </a:lnR>
-                    <a:lnT w="3175" cap="flat" cmpd="sng" algn="ctr">
-                      <a:solidFill>
-                        <a:schemeClr val="bg1">
-                          <a:lumMod val="75000"/>
-                        </a:schemeClr>
-                      </a:solidFill>
-                      <a:prstDash val="sysDot"/>
+                    <a:lnT w="6350" cap="flat" cmpd="sng" algn="ctr">
+                      <a:noFill/>
+                      <a:prstDash val="solid"/>
                       <a:round/>
                       <a:headEnd type="none" w="med" len="med"/>
                       <a:tailEnd type="none" w="med" len="med"/>
                     </a:lnT>
                     <a:lnB w="3175" cap="flat" cmpd="sng" algn="ctr">
-                      <a:solidFill>
-                        <a:schemeClr val="bg1">
-                          <a:lumMod val="75000"/>
-                        </a:schemeClr>
-                      </a:solidFill>
+                      <a:noFill/>
                       <a:prstDash val="sysDot"/>
                       <a:round/>
                       <a:headEnd type="none" w="med" len="med"/>
@@ -25663,15 +25436,15 @@
                         <a:tabLst/>
                         <a:defRPr/>
                       </a:pPr>
-                      <a:endParaRPr lang="zh-CN" altLang="en-US" sz="1200" b="0" kern="1200" dirty="0">
+                      <a:endParaRPr lang="en-US" altLang="zh-CN" sz="1200" b="0" kern="1200" baseline="0" dirty="0">
                         <a:solidFill>
                           <a:schemeClr val="tx1">
                             <a:lumMod val="75000"/>
                             <a:lumOff val="25000"/>
                           </a:schemeClr>
                         </a:solidFill>
-                        <a:latin typeface="+mn-lt"/>
-                        <a:ea typeface="+mn-ea"/>
+                        <a:latin typeface="Bentley Light" panose="020B0404020201020102"/>
+                        <a:ea typeface="黑体" panose="02010609060101010101" pitchFamily="49" charset="-122"/>
                         <a:cs typeface="+mn-ea"/>
                         <a:sym typeface="+mn-lt"/>
                       </a:endParaRPr>
@@ -25692,23 +25465,15 @@
                       <a:headEnd type="none" w="med" len="med"/>
                       <a:tailEnd type="none" w="med" len="med"/>
                     </a:lnR>
-                    <a:lnT w="3175" cap="flat" cmpd="sng" algn="ctr">
-                      <a:solidFill>
-                        <a:schemeClr val="bg1">
-                          <a:lumMod val="75000"/>
-                        </a:schemeClr>
-                      </a:solidFill>
-                      <a:prstDash val="sysDot"/>
+                    <a:lnT w="6350" cap="flat" cmpd="sng" algn="ctr">
+                      <a:noFill/>
+                      <a:prstDash val="solid"/>
                       <a:round/>
                       <a:headEnd type="none" w="med" len="med"/>
                       <a:tailEnd type="none" w="med" len="med"/>
                     </a:lnT>
                     <a:lnB w="3175" cap="flat" cmpd="sng" algn="ctr">
-                      <a:solidFill>
-                        <a:schemeClr val="bg1">
-                          <a:lumMod val="75000"/>
-                        </a:schemeClr>
-                      </a:solidFill>
+                      <a:noFill/>
                       <a:prstDash val="sysDot"/>
                       <a:round/>
                       <a:headEnd type="none" w="med" len="med"/>
@@ -25727,11 +25492,11 @@
                 </a:tc>
                 <a:extLst>
                   <a:ext uri="{0D108BD9-81ED-4DB2-BD59-A6C34878D82A}">
-                    <a16:rowId xmlns:a16="http://schemas.microsoft.com/office/drawing/2014/main" xmlns="" val="10007"/>
+                    <a16:rowId xmlns:a16="http://schemas.microsoft.com/office/drawing/2014/main" val="2429715701"/>
                   </a:ext>
                 </a:extLst>
               </a:tr>
-              <a:tr h="445945">
+              <a:tr h="508841">
                 <a:tc>
                   <a:txBody>
                     <a:bodyPr/>
@@ -25754,15 +25519,15 @@
                         <a:tabLst/>
                         <a:defRPr/>
                       </a:pPr>
-                      <a:endParaRPr lang="zh-CN" altLang="en-US" sz="1200" b="0" kern="1200" dirty="0">
+                      <a:endParaRPr lang="en-US" sz="1200" b="0" kern="1200" baseline="0" dirty="0" smtClean="0">
                         <a:solidFill>
                           <a:schemeClr val="tx1">
                             <a:lumMod val="75000"/>
                             <a:lumOff val="25000"/>
                           </a:schemeClr>
                         </a:solidFill>
-                        <a:latin typeface="+mn-lt"/>
-                        <a:ea typeface="+mn-ea"/>
+                        <a:latin typeface="Bentley Light" panose="020B0404020201020102"/>
+                        <a:ea typeface="黑体" panose="02010609060101010101" pitchFamily="49" charset="-122"/>
                         <a:cs typeface="+mn-ea"/>
                         <a:sym typeface="+mn-lt"/>
                       </a:endParaRPr>
@@ -25783,23 +25548,15 @@
                       <a:headEnd type="none" w="med" len="med"/>
                       <a:tailEnd type="none" w="med" len="med"/>
                     </a:lnR>
-                    <a:lnT w="3175" cap="flat" cmpd="sng" algn="ctr">
-                      <a:solidFill>
-                        <a:schemeClr val="bg1">
-                          <a:lumMod val="75000"/>
-                        </a:schemeClr>
-                      </a:solidFill>
-                      <a:prstDash val="sysDot"/>
+                    <a:lnT w="6350" cap="flat" cmpd="sng" algn="ctr">
+                      <a:noFill/>
+                      <a:prstDash val="solid"/>
                       <a:round/>
                       <a:headEnd type="none" w="med" len="med"/>
                       <a:tailEnd type="none" w="med" len="med"/>
                     </a:lnT>
                     <a:lnB w="3175" cap="flat" cmpd="sng" algn="ctr">
-                      <a:solidFill>
-                        <a:schemeClr val="bg1">
-                          <a:lumMod val="75000"/>
-                        </a:schemeClr>
-                      </a:solidFill>
+                      <a:noFill/>
                       <a:prstDash val="sysDot"/>
                       <a:round/>
                       <a:headEnd type="none" w="med" len="med"/>
@@ -25838,15 +25595,15 @@
                         <a:tabLst/>
                         <a:defRPr/>
                       </a:pPr>
-                      <a:endParaRPr lang="zh-CN" altLang="en-US" sz="1200" b="0" kern="1200" dirty="0">
+                      <a:endParaRPr lang="en-US" altLang="zh-CN" sz="1200" b="0" kern="1200" baseline="0" dirty="0">
                         <a:solidFill>
                           <a:schemeClr val="tx1">
                             <a:lumMod val="75000"/>
                             <a:lumOff val="25000"/>
                           </a:schemeClr>
                         </a:solidFill>
-                        <a:latin typeface="+mn-lt"/>
-                        <a:ea typeface="+mn-ea"/>
+                        <a:latin typeface="Bentley Light" panose="020B0404020201020102"/>
+                        <a:ea typeface="黑体" panose="02010609060101010101" pitchFamily="49" charset="-122"/>
                         <a:cs typeface="+mn-ea"/>
                         <a:sym typeface="+mn-lt"/>
                       </a:endParaRPr>
@@ -25867,23 +25624,15 @@
                       <a:headEnd type="none" w="med" len="med"/>
                       <a:tailEnd type="none" w="med" len="med"/>
                     </a:lnR>
-                    <a:lnT w="3175" cap="flat" cmpd="sng" algn="ctr">
-                      <a:solidFill>
-                        <a:schemeClr val="bg1">
-                          <a:lumMod val="75000"/>
-                        </a:schemeClr>
-                      </a:solidFill>
-                      <a:prstDash val="sysDot"/>
+                    <a:lnT w="6350" cap="flat" cmpd="sng" algn="ctr">
+                      <a:noFill/>
+                      <a:prstDash val="solid"/>
                       <a:round/>
                       <a:headEnd type="none" w="med" len="med"/>
                       <a:tailEnd type="none" w="med" len="med"/>
                     </a:lnT>
                     <a:lnB w="3175" cap="flat" cmpd="sng" algn="ctr">
-                      <a:solidFill>
-                        <a:schemeClr val="bg1">
-                          <a:lumMod val="75000"/>
-                        </a:schemeClr>
-                      </a:solidFill>
+                      <a:noFill/>
                       <a:prstDash val="sysDot"/>
                       <a:round/>
                       <a:headEnd type="none" w="med" len="med"/>
@@ -25922,15 +25671,15 @@
                         <a:tabLst/>
                         <a:defRPr/>
                       </a:pPr>
-                      <a:endParaRPr lang="zh-CN" altLang="en-US" sz="1200" b="0" kern="1200" dirty="0">
+                      <a:endParaRPr lang="en-US" altLang="zh-CN" sz="1200" b="0" kern="1200" baseline="0" dirty="0">
                         <a:solidFill>
                           <a:schemeClr val="tx1">
                             <a:lumMod val="75000"/>
                             <a:lumOff val="25000"/>
                           </a:schemeClr>
                         </a:solidFill>
-                        <a:latin typeface="+mn-lt"/>
-                        <a:ea typeface="+mn-ea"/>
+                        <a:latin typeface="Bentley Light" panose="020B0404020201020102"/>
+                        <a:ea typeface="黑体" panose="02010609060101010101" pitchFamily="49" charset="-122"/>
                         <a:cs typeface="+mn-ea"/>
                         <a:sym typeface="+mn-lt"/>
                       </a:endParaRPr>
@@ -25951,23 +25700,15 @@
                       <a:headEnd type="none" w="med" len="med"/>
                       <a:tailEnd type="none" w="med" len="med"/>
                     </a:lnR>
-                    <a:lnT w="3175" cap="flat" cmpd="sng" algn="ctr">
-                      <a:solidFill>
-                        <a:schemeClr val="bg1">
-                          <a:lumMod val="75000"/>
-                        </a:schemeClr>
-                      </a:solidFill>
-                      <a:prstDash val="sysDot"/>
+                    <a:lnT w="6350" cap="flat" cmpd="sng" algn="ctr">
+                      <a:noFill/>
+                      <a:prstDash val="solid"/>
                       <a:round/>
                       <a:headEnd type="none" w="med" len="med"/>
                       <a:tailEnd type="none" w="med" len="med"/>
                     </a:lnT>
                     <a:lnB w="3175" cap="flat" cmpd="sng" algn="ctr">
-                      <a:solidFill>
-                        <a:schemeClr val="bg1">
-                          <a:lumMod val="75000"/>
-                        </a:schemeClr>
-                      </a:solidFill>
+                      <a:noFill/>
                       <a:prstDash val="sysDot"/>
                       <a:round/>
                       <a:headEnd type="none" w="med" len="med"/>
@@ -26006,15 +25747,15 @@
                         <a:tabLst/>
                         <a:defRPr/>
                       </a:pPr>
-                      <a:endParaRPr lang="zh-CN" altLang="en-US" sz="1200" b="0" kern="1200" dirty="0">
+                      <a:endParaRPr lang="en-US" altLang="zh-CN" sz="1200" b="0" kern="1200" baseline="0" dirty="0">
                         <a:solidFill>
                           <a:schemeClr val="tx1">
                             <a:lumMod val="75000"/>
                             <a:lumOff val="25000"/>
                           </a:schemeClr>
                         </a:solidFill>
-                        <a:latin typeface="+mn-lt"/>
-                        <a:ea typeface="+mn-ea"/>
+                        <a:latin typeface="Bentley Light" panose="020B0404020201020102"/>
+                        <a:ea typeface="黑体" panose="02010609060101010101" pitchFamily="49" charset="-122"/>
                         <a:cs typeface="+mn-ea"/>
                         <a:sym typeface="+mn-lt"/>
                       </a:endParaRPr>
@@ -26035,23 +25776,15 @@
                       <a:headEnd type="none" w="med" len="med"/>
                       <a:tailEnd type="none" w="med" len="med"/>
                     </a:lnR>
-                    <a:lnT w="3175" cap="flat" cmpd="sng" algn="ctr">
-                      <a:solidFill>
-                        <a:schemeClr val="bg1">
-                          <a:lumMod val="75000"/>
-                        </a:schemeClr>
-                      </a:solidFill>
-                      <a:prstDash val="sysDot"/>
+                    <a:lnT w="6350" cap="flat" cmpd="sng" algn="ctr">
+                      <a:noFill/>
+                      <a:prstDash val="solid"/>
                       <a:round/>
                       <a:headEnd type="none" w="med" len="med"/>
                       <a:tailEnd type="none" w="med" len="med"/>
                     </a:lnT>
                     <a:lnB w="3175" cap="flat" cmpd="sng" algn="ctr">
-                      <a:solidFill>
-                        <a:schemeClr val="bg1">
-                          <a:lumMod val="75000"/>
-                        </a:schemeClr>
-                      </a:solidFill>
+                      <a:noFill/>
                       <a:prstDash val="sysDot"/>
                       <a:round/>
                       <a:headEnd type="none" w="med" len="med"/>
@@ -26090,15 +25823,15 @@
                         <a:tabLst/>
                         <a:defRPr/>
                       </a:pPr>
-                      <a:endParaRPr lang="zh-CN" altLang="en-US" sz="1200" b="0" kern="1200" dirty="0">
+                      <a:endParaRPr lang="en-US" altLang="zh-CN" sz="1200" b="0" kern="1200" baseline="0" dirty="0">
                         <a:solidFill>
                           <a:schemeClr val="tx1">
                             <a:lumMod val="75000"/>
                             <a:lumOff val="25000"/>
                           </a:schemeClr>
                         </a:solidFill>
-                        <a:latin typeface="+mn-lt"/>
-                        <a:ea typeface="+mn-ea"/>
+                        <a:latin typeface="Bentley Light" panose="020B0404020201020102"/>
+                        <a:ea typeface="黑体" panose="02010609060101010101" pitchFamily="49" charset="-122"/>
                         <a:cs typeface="+mn-ea"/>
                         <a:sym typeface="+mn-lt"/>
                       </a:endParaRPr>
@@ -26119,23 +25852,15 @@
                       <a:headEnd type="none" w="med" len="med"/>
                       <a:tailEnd type="none" w="med" len="med"/>
                     </a:lnR>
-                    <a:lnT w="3175" cap="flat" cmpd="sng" algn="ctr">
-                      <a:solidFill>
-                        <a:schemeClr val="bg1">
-                          <a:lumMod val="75000"/>
-                        </a:schemeClr>
-                      </a:solidFill>
-                      <a:prstDash val="sysDot"/>
+                    <a:lnT w="6350" cap="flat" cmpd="sng" algn="ctr">
+                      <a:noFill/>
+                      <a:prstDash val="solid"/>
                       <a:round/>
                       <a:headEnd type="none" w="med" len="med"/>
                       <a:tailEnd type="none" w="med" len="med"/>
                     </a:lnT>
                     <a:lnB w="3175" cap="flat" cmpd="sng" algn="ctr">
-                      <a:solidFill>
-                        <a:schemeClr val="bg1">
-                          <a:lumMod val="75000"/>
-                        </a:schemeClr>
-                      </a:solidFill>
+                      <a:noFill/>
                       <a:prstDash val="sysDot"/>
                       <a:round/>
                       <a:headEnd type="none" w="med" len="med"/>
@@ -26174,15 +25899,15 @@
                         <a:tabLst/>
                         <a:defRPr/>
                       </a:pPr>
-                      <a:endParaRPr lang="zh-CN" altLang="en-US" sz="1200" b="0" kern="1200" dirty="0">
+                      <a:endParaRPr lang="en-US" altLang="zh-CN" sz="1200" b="0" kern="1200" baseline="0" dirty="0">
                         <a:solidFill>
                           <a:schemeClr val="tx1">
                             <a:lumMod val="75000"/>
                             <a:lumOff val="25000"/>
                           </a:schemeClr>
                         </a:solidFill>
-                        <a:latin typeface="+mn-lt"/>
-                        <a:ea typeface="+mn-ea"/>
+                        <a:latin typeface="Bentley Light" panose="020B0404020201020102"/>
+                        <a:ea typeface="黑体" panose="02010609060101010101" pitchFamily="49" charset="-122"/>
                         <a:cs typeface="+mn-ea"/>
                         <a:sym typeface="+mn-lt"/>
                       </a:endParaRPr>
@@ -26203,23 +25928,15 @@
                       <a:headEnd type="none" w="med" len="med"/>
                       <a:tailEnd type="none" w="med" len="med"/>
                     </a:lnR>
-                    <a:lnT w="3175" cap="flat" cmpd="sng" algn="ctr">
-                      <a:solidFill>
-                        <a:schemeClr val="bg1">
-                          <a:lumMod val="75000"/>
-                        </a:schemeClr>
-                      </a:solidFill>
-                      <a:prstDash val="sysDot"/>
+                    <a:lnT w="6350" cap="flat" cmpd="sng" algn="ctr">
+                      <a:noFill/>
+                      <a:prstDash val="solid"/>
                       <a:round/>
                       <a:headEnd type="none" w="med" len="med"/>
                       <a:tailEnd type="none" w="med" len="med"/>
                     </a:lnT>
                     <a:lnB w="3175" cap="flat" cmpd="sng" algn="ctr">
-                      <a:solidFill>
-                        <a:schemeClr val="bg1">
-                          <a:lumMod val="75000"/>
-                        </a:schemeClr>
-                      </a:solidFill>
+                      <a:noFill/>
                       <a:prstDash val="sysDot"/>
                       <a:round/>
                       <a:headEnd type="none" w="med" len="med"/>
@@ -26258,15 +25975,15 @@
                         <a:tabLst/>
                         <a:defRPr/>
                       </a:pPr>
-                      <a:endParaRPr lang="zh-CN" altLang="en-US" sz="1200" b="0" kern="1200" dirty="0">
+                      <a:endParaRPr lang="en-US" altLang="zh-CN" sz="1200" b="0" kern="1200" baseline="0" dirty="0">
                         <a:solidFill>
                           <a:schemeClr val="tx1">
                             <a:lumMod val="75000"/>
                             <a:lumOff val="25000"/>
                           </a:schemeClr>
                         </a:solidFill>
-                        <a:latin typeface="+mn-lt"/>
-                        <a:ea typeface="+mn-ea"/>
+                        <a:latin typeface="Bentley Light" panose="020B0404020201020102"/>
+                        <a:ea typeface="黑体" panose="02010609060101010101" pitchFamily="49" charset="-122"/>
                         <a:cs typeface="+mn-ea"/>
                         <a:sym typeface="+mn-lt"/>
                       </a:endParaRPr>
@@ -26287,23 +26004,15 @@
                       <a:headEnd type="none" w="med" len="med"/>
                       <a:tailEnd type="none" w="med" len="med"/>
                     </a:lnR>
-                    <a:lnT w="3175" cap="flat" cmpd="sng" algn="ctr">
-                      <a:solidFill>
-                        <a:schemeClr val="bg1">
-                          <a:lumMod val="75000"/>
-                        </a:schemeClr>
-                      </a:solidFill>
-                      <a:prstDash val="sysDot"/>
+                    <a:lnT w="6350" cap="flat" cmpd="sng" algn="ctr">
+                      <a:noFill/>
+                      <a:prstDash val="solid"/>
                       <a:round/>
                       <a:headEnd type="none" w="med" len="med"/>
                       <a:tailEnd type="none" w="med" len="med"/>
                     </a:lnT>
                     <a:lnB w="3175" cap="flat" cmpd="sng" algn="ctr">
-                      <a:solidFill>
-                        <a:schemeClr val="bg1">
-                          <a:lumMod val="75000"/>
-                        </a:schemeClr>
-                      </a:solidFill>
+                      <a:noFill/>
                       <a:prstDash val="sysDot"/>
                       <a:round/>
                       <a:headEnd type="none" w="med" len="med"/>
@@ -26322,11 +26031,11 @@
                 </a:tc>
                 <a:extLst>
                   <a:ext uri="{0D108BD9-81ED-4DB2-BD59-A6C34878D82A}">
-                    <a16:rowId xmlns:a16="http://schemas.microsoft.com/office/drawing/2014/main" xmlns="" val="10008"/>
+                    <a16:rowId xmlns:a16="http://schemas.microsoft.com/office/drawing/2014/main" val="134576105"/>
                   </a:ext>
                 </a:extLst>
               </a:tr>
-              <a:tr h="510575">
+              <a:tr h="508841">
                 <a:tc>
                   <a:txBody>
                     <a:bodyPr/>
@@ -26349,15 +26058,15 @@
                         <a:tabLst/>
                         <a:defRPr/>
                       </a:pPr>
-                      <a:endParaRPr lang="zh-CN" altLang="en-US" sz="1200" b="0" kern="1200" dirty="0">
+                      <a:endParaRPr lang="en-US" sz="1200" b="0" kern="1200" baseline="0" dirty="0" smtClean="0">
                         <a:solidFill>
                           <a:schemeClr val="tx1">
                             <a:lumMod val="75000"/>
                             <a:lumOff val="25000"/>
                           </a:schemeClr>
                         </a:solidFill>
-                        <a:latin typeface="+mn-lt"/>
-                        <a:ea typeface="+mn-ea"/>
+                        <a:latin typeface="Bentley Light" panose="020B0404020201020102"/>
+                        <a:ea typeface="黑体" panose="02010609060101010101" pitchFamily="49" charset="-122"/>
                         <a:cs typeface="+mn-ea"/>
                         <a:sym typeface="+mn-lt"/>
                       </a:endParaRPr>
@@ -26378,23 +26087,15 @@
                       <a:headEnd type="none" w="med" len="med"/>
                       <a:tailEnd type="none" w="med" len="med"/>
                     </a:lnR>
-                    <a:lnT w="3175" cap="flat" cmpd="sng" algn="ctr">
-                      <a:solidFill>
-                        <a:schemeClr val="bg1">
-                          <a:lumMod val="75000"/>
-                        </a:schemeClr>
-                      </a:solidFill>
-                      <a:prstDash val="sysDot"/>
+                    <a:lnT w="6350" cap="flat" cmpd="sng" algn="ctr">
+                      <a:noFill/>
+                      <a:prstDash val="solid"/>
                       <a:round/>
                       <a:headEnd type="none" w="med" len="med"/>
                       <a:tailEnd type="none" w="med" len="med"/>
                     </a:lnT>
                     <a:lnB w="3175" cap="flat" cmpd="sng" algn="ctr">
-                      <a:solidFill>
-                        <a:schemeClr val="bg1">
-                          <a:lumMod val="75000"/>
-                        </a:schemeClr>
-                      </a:solidFill>
+                      <a:noFill/>
                       <a:prstDash val="sysDot"/>
                       <a:round/>
                       <a:headEnd type="none" w="med" len="med"/>
@@ -26433,15 +26134,15 @@
                         <a:tabLst/>
                         <a:defRPr/>
                       </a:pPr>
-                      <a:endParaRPr lang="zh-CN" altLang="en-US" sz="1200" b="0" kern="1200" dirty="0">
+                      <a:endParaRPr lang="en-US" altLang="zh-CN" sz="1200" b="0" kern="1200" baseline="0" dirty="0">
                         <a:solidFill>
                           <a:schemeClr val="tx1">
                             <a:lumMod val="75000"/>
                             <a:lumOff val="25000"/>
                           </a:schemeClr>
                         </a:solidFill>
-                        <a:latin typeface="+mn-lt"/>
-                        <a:ea typeface="+mn-ea"/>
+                        <a:latin typeface="Bentley Light" panose="020B0404020201020102"/>
+                        <a:ea typeface="黑体" panose="02010609060101010101" pitchFamily="49" charset="-122"/>
                         <a:cs typeface="+mn-ea"/>
                         <a:sym typeface="+mn-lt"/>
                       </a:endParaRPr>
@@ -26462,23 +26163,15 @@
                       <a:headEnd type="none" w="med" len="med"/>
                       <a:tailEnd type="none" w="med" len="med"/>
                     </a:lnR>
-                    <a:lnT w="3175" cap="flat" cmpd="sng" algn="ctr">
-                      <a:solidFill>
-                        <a:schemeClr val="bg1">
-                          <a:lumMod val="75000"/>
-                        </a:schemeClr>
-                      </a:solidFill>
-                      <a:prstDash val="sysDot"/>
+                    <a:lnT w="6350" cap="flat" cmpd="sng" algn="ctr">
+                      <a:noFill/>
+                      <a:prstDash val="solid"/>
                       <a:round/>
                       <a:headEnd type="none" w="med" len="med"/>
                       <a:tailEnd type="none" w="med" len="med"/>
                     </a:lnT>
                     <a:lnB w="3175" cap="flat" cmpd="sng" algn="ctr">
-                      <a:solidFill>
-                        <a:schemeClr val="bg1">
-                          <a:lumMod val="75000"/>
-                        </a:schemeClr>
-                      </a:solidFill>
+                      <a:noFill/>
                       <a:prstDash val="sysDot"/>
                       <a:round/>
                       <a:headEnd type="none" w="med" len="med"/>
@@ -26517,15 +26210,15 @@
                         <a:tabLst/>
                         <a:defRPr/>
                       </a:pPr>
-                      <a:endParaRPr lang="zh-CN" altLang="en-US" sz="1200" b="0" kern="1200" dirty="0">
+                      <a:endParaRPr lang="en-US" altLang="zh-CN" sz="1200" b="0" kern="1200" baseline="0" dirty="0">
                         <a:solidFill>
                           <a:schemeClr val="tx1">
                             <a:lumMod val="75000"/>
                             <a:lumOff val="25000"/>
                           </a:schemeClr>
                         </a:solidFill>
-                        <a:latin typeface="+mn-lt"/>
-                        <a:ea typeface="+mn-ea"/>
+                        <a:latin typeface="Bentley Light" panose="020B0404020201020102"/>
+                        <a:ea typeface="黑体" panose="02010609060101010101" pitchFamily="49" charset="-122"/>
                         <a:cs typeface="+mn-ea"/>
                         <a:sym typeface="+mn-lt"/>
                       </a:endParaRPr>
@@ -26546,23 +26239,15 @@
                       <a:headEnd type="none" w="med" len="med"/>
                       <a:tailEnd type="none" w="med" len="med"/>
                     </a:lnR>
-                    <a:lnT w="3175" cap="flat" cmpd="sng" algn="ctr">
-                      <a:solidFill>
-                        <a:schemeClr val="bg1">
-                          <a:lumMod val="75000"/>
-                        </a:schemeClr>
-                      </a:solidFill>
-                      <a:prstDash val="sysDot"/>
+                    <a:lnT w="6350" cap="flat" cmpd="sng" algn="ctr">
+                      <a:noFill/>
+                      <a:prstDash val="solid"/>
                       <a:round/>
                       <a:headEnd type="none" w="med" len="med"/>
                       <a:tailEnd type="none" w="med" len="med"/>
                     </a:lnT>
                     <a:lnB w="3175" cap="flat" cmpd="sng" algn="ctr">
-                      <a:solidFill>
-                        <a:schemeClr val="bg1">
-                          <a:lumMod val="75000"/>
-                        </a:schemeClr>
-                      </a:solidFill>
+                      <a:noFill/>
                       <a:prstDash val="sysDot"/>
                       <a:round/>
                       <a:headEnd type="none" w="med" len="med"/>
@@ -26601,15 +26286,15 @@
                         <a:tabLst/>
                         <a:defRPr/>
                       </a:pPr>
-                      <a:endParaRPr lang="zh-CN" altLang="en-US" sz="1200" b="0" kern="1200" dirty="0">
+                      <a:endParaRPr lang="en-US" altLang="zh-CN" sz="1200" b="0" kern="1200" baseline="0" dirty="0">
                         <a:solidFill>
                           <a:schemeClr val="tx1">
                             <a:lumMod val="75000"/>
                             <a:lumOff val="25000"/>
                           </a:schemeClr>
                         </a:solidFill>
-                        <a:latin typeface="+mn-lt"/>
-                        <a:ea typeface="+mn-ea"/>
+                        <a:latin typeface="Bentley Light" panose="020B0404020201020102"/>
+                        <a:ea typeface="黑体" panose="02010609060101010101" pitchFamily="49" charset="-122"/>
                         <a:cs typeface="+mn-ea"/>
                         <a:sym typeface="+mn-lt"/>
                       </a:endParaRPr>
@@ -26630,23 +26315,15 @@
                       <a:headEnd type="none" w="med" len="med"/>
                       <a:tailEnd type="none" w="med" len="med"/>
                     </a:lnR>
-                    <a:lnT w="3175" cap="flat" cmpd="sng" algn="ctr">
-                      <a:solidFill>
-                        <a:schemeClr val="bg1">
-                          <a:lumMod val="75000"/>
-                        </a:schemeClr>
-                      </a:solidFill>
-                      <a:prstDash val="sysDot"/>
+                    <a:lnT w="6350" cap="flat" cmpd="sng" algn="ctr">
+                      <a:noFill/>
+                      <a:prstDash val="solid"/>
                       <a:round/>
                       <a:headEnd type="none" w="med" len="med"/>
                       <a:tailEnd type="none" w="med" len="med"/>
                     </a:lnT>
                     <a:lnB w="3175" cap="flat" cmpd="sng" algn="ctr">
-                      <a:solidFill>
-                        <a:schemeClr val="bg1">
-                          <a:lumMod val="75000"/>
-                        </a:schemeClr>
-                      </a:solidFill>
+                      <a:noFill/>
                       <a:prstDash val="sysDot"/>
                       <a:round/>
                       <a:headEnd type="none" w="med" len="med"/>
@@ -26685,15 +26362,15 @@
                         <a:tabLst/>
                         <a:defRPr/>
                       </a:pPr>
-                      <a:endParaRPr lang="zh-CN" altLang="en-US" sz="1200" b="0" kern="1200" dirty="0">
+                      <a:endParaRPr lang="en-US" altLang="zh-CN" sz="1200" b="0" kern="1200" baseline="0" dirty="0">
                         <a:solidFill>
                           <a:schemeClr val="tx1">
                             <a:lumMod val="75000"/>
                             <a:lumOff val="25000"/>
                           </a:schemeClr>
                         </a:solidFill>
-                        <a:latin typeface="+mn-lt"/>
-                        <a:ea typeface="+mn-ea"/>
+                        <a:latin typeface="Bentley Light" panose="020B0404020201020102"/>
+                        <a:ea typeface="黑体" panose="02010609060101010101" pitchFamily="49" charset="-122"/>
                         <a:cs typeface="+mn-ea"/>
                         <a:sym typeface="+mn-lt"/>
                       </a:endParaRPr>
@@ -26714,23 +26391,15 @@
                       <a:headEnd type="none" w="med" len="med"/>
                       <a:tailEnd type="none" w="med" len="med"/>
                     </a:lnR>
-                    <a:lnT w="3175" cap="flat" cmpd="sng" algn="ctr">
-                      <a:solidFill>
-                        <a:schemeClr val="bg1">
-                          <a:lumMod val="75000"/>
-                        </a:schemeClr>
-                      </a:solidFill>
-                      <a:prstDash val="sysDot"/>
+                    <a:lnT w="6350" cap="flat" cmpd="sng" algn="ctr">
+                      <a:noFill/>
+                      <a:prstDash val="solid"/>
                       <a:round/>
                       <a:headEnd type="none" w="med" len="med"/>
                       <a:tailEnd type="none" w="med" len="med"/>
                     </a:lnT>
                     <a:lnB w="3175" cap="flat" cmpd="sng" algn="ctr">
-                      <a:solidFill>
-                        <a:schemeClr val="bg1">
-                          <a:lumMod val="75000"/>
-                        </a:schemeClr>
-                      </a:solidFill>
+                      <a:noFill/>
                       <a:prstDash val="sysDot"/>
                       <a:round/>
                       <a:headEnd type="none" w="med" len="med"/>
@@ -26769,15 +26438,15 @@
                         <a:tabLst/>
                         <a:defRPr/>
                       </a:pPr>
-                      <a:endParaRPr lang="zh-CN" altLang="en-US" sz="1200" b="0" kern="1200" dirty="0">
+                      <a:endParaRPr lang="en-US" altLang="zh-CN" sz="1200" b="0" kern="1200" baseline="0" dirty="0">
                         <a:solidFill>
                           <a:schemeClr val="tx1">
                             <a:lumMod val="75000"/>
                             <a:lumOff val="25000"/>
                           </a:schemeClr>
                         </a:solidFill>
-                        <a:latin typeface="+mn-lt"/>
-                        <a:ea typeface="+mn-ea"/>
+                        <a:latin typeface="Bentley Light" panose="020B0404020201020102"/>
+                        <a:ea typeface="黑体" panose="02010609060101010101" pitchFamily="49" charset="-122"/>
                         <a:cs typeface="+mn-ea"/>
                         <a:sym typeface="+mn-lt"/>
                       </a:endParaRPr>
@@ -26798,23 +26467,15 @@
                       <a:headEnd type="none" w="med" len="med"/>
                       <a:tailEnd type="none" w="med" len="med"/>
                     </a:lnR>
-                    <a:lnT w="3175" cap="flat" cmpd="sng" algn="ctr">
-                      <a:solidFill>
-                        <a:schemeClr val="bg1">
-                          <a:lumMod val="75000"/>
-                        </a:schemeClr>
-                      </a:solidFill>
-                      <a:prstDash val="sysDot"/>
+                    <a:lnT w="6350" cap="flat" cmpd="sng" algn="ctr">
+                      <a:noFill/>
+                      <a:prstDash val="solid"/>
                       <a:round/>
                       <a:headEnd type="none" w="med" len="med"/>
                       <a:tailEnd type="none" w="med" len="med"/>
                     </a:lnT>
                     <a:lnB w="3175" cap="flat" cmpd="sng" algn="ctr">
-                      <a:solidFill>
-                        <a:schemeClr val="bg1">
-                          <a:lumMod val="75000"/>
-                        </a:schemeClr>
-                      </a:solidFill>
+                      <a:noFill/>
                       <a:prstDash val="sysDot"/>
                       <a:round/>
                       <a:headEnd type="none" w="med" len="med"/>
@@ -26853,15 +26514,15 @@
                         <a:tabLst/>
                         <a:defRPr/>
                       </a:pPr>
-                      <a:endParaRPr lang="zh-CN" altLang="en-US" sz="1200" b="0" kern="1200" dirty="0">
+                      <a:endParaRPr lang="en-US" altLang="zh-CN" sz="1200" b="0" kern="1200" baseline="0" dirty="0">
                         <a:solidFill>
                           <a:schemeClr val="tx1">
                             <a:lumMod val="75000"/>
                             <a:lumOff val="25000"/>
                           </a:schemeClr>
                         </a:solidFill>
-                        <a:latin typeface="+mn-lt"/>
-                        <a:ea typeface="+mn-ea"/>
+                        <a:latin typeface="Bentley Light" panose="020B0404020201020102"/>
+                        <a:ea typeface="黑体" panose="02010609060101010101" pitchFamily="49" charset="-122"/>
                         <a:cs typeface="+mn-ea"/>
                         <a:sym typeface="+mn-lt"/>
                       </a:endParaRPr>
@@ -26882,23 +26543,15 @@
                       <a:headEnd type="none" w="med" len="med"/>
                       <a:tailEnd type="none" w="med" len="med"/>
                     </a:lnR>
-                    <a:lnT w="3175" cap="flat" cmpd="sng" algn="ctr">
-                      <a:solidFill>
-                        <a:schemeClr val="bg1">
-                          <a:lumMod val="75000"/>
-                        </a:schemeClr>
-                      </a:solidFill>
-                      <a:prstDash val="sysDot"/>
+                    <a:lnT w="6350" cap="flat" cmpd="sng" algn="ctr">
+                      <a:noFill/>
+                      <a:prstDash val="solid"/>
                       <a:round/>
                       <a:headEnd type="none" w="med" len="med"/>
                       <a:tailEnd type="none" w="med" len="med"/>
                     </a:lnT>
                     <a:lnB w="3175" cap="flat" cmpd="sng" algn="ctr">
-                      <a:solidFill>
-                        <a:schemeClr val="bg1">
-                          <a:lumMod val="75000"/>
-                        </a:schemeClr>
-                      </a:solidFill>
+                      <a:noFill/>
                       <a:prstDash val="sysDot"/>
                       <a:round/>
                       <a:headEnd type="none" w="med" len="med"/>
@@ -26917,11 +26570,11 @@
                 </a:tc>
                 <a:extLst>
                   <a:ext uri="{0D108BD9-81ED-4DB2-BD59-A6C34878D82A}">
-                    <a16:rowId xmlns:a16="http://schemas.microsoft.com/office/drawing/2014/main" xmlns="" val="10004"/>
+                    <a16:rowId xmlns:a16="http://schemas.microsoft.com/office/drawing/2014/main" val="3653933619"/>
                   </a:ext>
                 </a:extLst>
               </a:tr>
-              <a:tr h="463755">
+              <a:tr h="508841">
                 <a:tc>
                   <a:txBody>
                     <a:bodyPr/>
@@ -26944,15 +26597,15 @@
                         <a:tabLst/>
                         <a:defRPr/>
                       </a:pPr>
-                      <a:endParaRPr lang="zh-CN" altLang="en-US" sz="1200" b="0" kern="1200" dirty="0">
+                      <a:endParaRPr lang="en-US" sz="1200" b="0" kern="1200" baseline="0" dirty="0" smtClean="0">
                         <a:solidFill>
                           <a:schemeClr val="tx1">
                             <a:lumMod val="75000"/>
                             <a:lumOff val="25000"/>
                           </a:schemeClr>
                         </a:solidFill>
-                        <a:latin typeface="+mn-lt"/>
-                        <a:ea typeface="+mn-ea"/>
+                        <a:latin typeface="Bentley Light" panose="020B0404020201020102"/>
+                        <a:ea typeface="黑体" panose="02010609060101010101" pitchFamily="49" charset="-122"/>
                         <a:cs typeface="+mn-ea"/>
                         <a:sym typeface="+mn-lt"/>
                       </a:endParaRPr>
@@ -26973,23 +26626,15 @@
                       <a:headEnd type="none" w="med" len="med"/>
                       <a:tailEnd type="none" w="med" len="med"/>
                     </a:lnR>
-                    <a:lnT w="3175" cap="flat" cmpd="sng" algn="ctr">
-                      <a:solidFill>
-                        <a:schemeClr val="bg1">
-                          <a:lumMod val="75000"/>
-                        </a:schemeClr>
-                      </a:solidFill>
-                      <a:prstDash val="sysDot"/>
+                    <a:lnT w="6350" cap="flat" cmpd="sng" algn="ctr">
+                      <a:noFill/>
+                      <a:prstDash val="solid"/>
                       <a:round/>
                       <a:headEnd type="none" w="med" len="med"/>
                       <a:tailEnd type="none" w="med" len="med"/>
                     </a:lnT>
                     <a:lnB w="3175" cap="flat" cmpd="sng" algn="ctr">
-                      <a:solidFill>
-                        <a:schemeClr val="bg1">
-                          <a:lumMod val="75000"/>
-                        </a:schemeClr>
-                      </a:solidFill>
+                      <a:noFill/>
                       <a:prstDash val="sysDot"/>
                       <a:round/>
                       <a:headEnd type="none" w="med" len="med"/>
@@ -27028,15 +26673,15 @@
                         <a:tabLst/>
                         <a:defRPr/>
                       </a:pPr>
-                      <a:endParaRPr lang="zh-CN" altLang="en-US" sz="1200" b="0" kern="1200" dirty="0">
+                      <a:endParaRPr lang="en-US" altLang="zh-CN" sz="1200" b="0" kern="1200" baseline="0" dirty="0">
                         <a:solidFill>
                           <a:schemeClr val="tx1">
                             <a:lumMod val="75000"/>
                             <a:lumOff val="25000"/>
                           </a:schemeClr>
                         </a:solidFill>
-                        <a:latin typeface="+mn-lt"/>
-                        <a:ea typeface="+mn-ea"/>
+                        <a:latin typeface="Bentley Light" panose="020B0404020201020102"/>
+                        <a:ea typeface="黑体" panose="02010609060101010101" pitchFamily="49" charset="-122"/>
                         <a:cs typeface="+mn-ea"/>
                         <a:sym typeface="+mn-lt"/>
                       </a:endParaRPr>
@@ -27057,23 +26702,15 @@
                       <a:headEnd type="none" w="med" len="med"/>
                       <a:tailEnd type="none" w="med" len="med"/>
                     </a:lnR>
-                    <a:lnT w="3175" cap="flat" cmpd="sng" algn="ctr">
-                      <a:solidFill>
-                        <a:schemeClr val="bg1">
-                          <a:lumMod val="75000"/>
-                        </a:schemeClr>
-                      </a:solidFill>
-                      <a:prstDash val="sysDot"/>
+                    <a:lnT w="6350" cap="flat" cmpd="sng" algn="ctr">
+                      <a:noFill/>
+                      <a:prstDash val="solid"/>
                       <a:round/>
                       <a:headEnd type="none" w="med" len="med"/>
                       <a:tailEnd type="none" w="med" len="med"/>
                     </a:lnT>
                     <a:lnB w="3175" cap="flat" cmpd="sng" algn="ctr">
-                      <a:solidFill>
-                        <a:schemeClr val="bg1">
-                          <a:lumMod val="75000"/>
-                        </a:schemeClr>
-                      </a:solidFill>
+                      <a:noFill/>
                       <a:prstDash val="sysDot"/>
                       <a:round/>
                       <a:headEnd type="none" w="med" len="med"/>
@@ -27112,15 +26749,15 @@
                         <a:tabLst/>
                         <a:defRPr/>
                       </a:pPr>
-                      <a:endParaRPr lang="zh-CN" altLang="en-US" sz="1200" b="0" kern="1200" dirty="0">
+                      <a:endParaRPr lang="en-US" altLang="zh-CN" sz="1200" b="0" kern="1200" baseline="0" dirty="0">
                         <a:solidFill>
                           <a:schemeClr val="tx1">
                             <a:lumMod val="75000"/>
                             <a:lumOff val="25000"/>
                           </a:schemeClr>
                         </a:solidFill>
-                        <a:latin typeface="+mn-lt"/>
-                        <a:ea typeface="+mn-ea"/>
+                        <a:latin typeface="Bentley Light" panose="020B0404020201020102"/>
+                        <a:ea typeface="黑体" panose="02010609060101010101" pitchFamily="49" charset="-122"/>
                         <a:cs typeface="+mn-ea"/>
                         <a:sym typeface="+mn-lt"/>
                       </a:endParaRPr>
@@ -27141,23 +26778,15 @@
                       <a:headEnd type="none" w="med" len="med"/>
                       <a:tailEnd type="none" w="med" len="med"/>
                     </a:lnR>
-                    <a:lnT w="3175" cap="flat" cmpd="sng" algn="ctr">
-                      <a:solidFill>
-                        <a:schemeClr val="bg1">
-                          <a:lumMod val="75000"/>
-                        </a:schemeClr>
-                      </a:solidFill>
-                      <a:prstDash val="sysDot"/>
+                    <a:lnT w="6350" cap="flat" cmpd="sng" algn="ctr">
+                      <a:noFill/>
+                      <a:prstDash val="solid"/>
                       <a:round/>
                       <a:headEnd type="none" w="med" len="med"/>
                       <a:tailEnd type="none" w="med" len="med"/>
                     </a:lnT>
                     <a:lnB w="3175" cap="flat" cmpd="sng" algn="ctr">
-                      <a:solidFill>
-                        <a:schemeClr val="bg1">
-                          <a:lumMod val="75000"/>
-                        </a:schemeClr>
-                      </a:solidFill>
+                      <a:noFill/>
                       <a:prstDash val="sysDot"/>
                       <a:round/>
                       <a:headEnd type="none" w="med" len="med"/>
@@ -27196,15 +26825,15 @@
                         <a:tabLst/>
                         <a:defRPr/>
                       </a:pPr>
-                      <a:endParaRPr lang="zh-CN" altLang="en-US" sz="1200" b="0" kern="1200" dirty="0">
+                      <a:endParaRPr lang="en-US" altLang="zh-CN" sz="1200" b="0" kern="1200" baseline="0" dirty="0">
                         <a:solidFill>
                           <a:schemeClr val="tx1">
                             <a:lumMod val="75000"/>
                             <a:lumOff val="25000"/>
                           </a:schemeClr>
                         </a:solidFill>
-                        <a:latin typeface="+mn-lt"/>
-                        <a:ea typeface="+mn-ea"/>
+                        <a:latin typeface="Bentley Light" panose="020B0404020201020102"/>
+                        <a:ea typeface="黑体" panose="02010609060101010101" pitchFamily="49" charset="-122"/>
                         <a:cs typeface="+mn-ea"/>
                         <a:sym typeface="+mn-lt"/>
                       </a:endParaRPr>
@@ -27225,23 +26854,15 @@
                       <a:headEnd type="none" w="med" len="med"/>
                       <a:tailEnd type="none" w="med" len="med"/>
                     </a:lnR>
-                    <a:lnT w="3175" cap="flat" cmpd="sng" algn="ctr">
-                      <a:solidFill>
-                        <a:schemeClr val="bg1">
-                          <a:lumMod val="75000"/>
-                        </a:schemeClr>
-                      </a:solidFill>
-                      <a:prstDash val="sysDot"/>
+                    <a:lnT w="6350" cap="flat" cmpd="sng" algn="ctr">
+                      <a:noFill/>
+                      <a:prstDash val="solid"/>
                       <a:round/>
                       <a:headEnd type="none" w="med" len="med"/>
                       <a:tailEnd type="none" w="med" len="med"/>
                     </a:lnT>
                     <a:lnB w="3175" cap="flat" cmpd="sng" algn="ctr">
-                      <a:solidFill>
-                        <a:schemeClr val="bg1">
-                          <a:lumMod val="75000"/>
-                        </a:schemeClr>
-                      </a:solidFill>
+                      <a:noFill/>
                       <a:prstDash val="sysDot"/>
                       <a:round/>
                       <a:headEnd type="none" w="med" len="med"/>
@@ -27280,15 +26901,15 @@
                         <a:tabLst/>
                         <a:defRPr/>
                       </a:pPr>
-                      <a:endParaRPr lang="zh-CN" altLang="en-US" sz="1200" b="0" kern="1200" dirty="0">
+                      <a:endParaRPr lang="en-US" altLang="zh-CN" sz="1200" b="0" kern="1200" baseline="0" dirty="0">
                         <a:solidFill>
                           <a:schemeClr val="tx1">
                             <a:lumMod val="75000"/>
                             <a:lumOff val="25000"/>
                           </a:schemeClr>
                         </a:solidFill>
-                        <a:latin typeface="+mn-lt"/>
-                        <a:ea typeface="+mn-ea"/>
+                        <a:latin typeface="Bentley Light" panose="020B0404020201020102"/>
+                        <a:ea typeface="黑体" panose="02010609060101010101" pitchFamily="49" charset="-122"/>
                         <a:cs typeface="+mn-ea"/>
                         <a:sym typeface="+mn-lt"/>
                       </a:endParaRPr>
@@ -27309,23 +26930,15 @@
                       <a:headEnd type="none" w="med" len="med"/>
                       <a:tailEnd type="none" w="med" len="med"/>
                     </a:lnR>
-                    <a:lnT w="3175" cap="flat" cmpd="sng" algn="ctr">
-                      <a:solidFill>
-                        <a:schemeClr val="bg1">
-                          <a:lumMod val="75000"/>
-                        </a:schemeClr>
-                      </a:solidFill>
-                      <a:prstDash val="sysDot"/>
+                    <a:lnT w="6350" cap="flat" cmpd="sng" algn="ctr">
+                      <a:noFill/>
+                      <a:prstDash val="solid"/>
                       <a:round/>
                       <a:headEnd type="none" w="med" len="med"/>
                       <a:tailEnd type="none" w="med" len="med"/>
                     </a:lnT>
                     <a:lnB w="3175" cap="flat" cmpd="sng" algn="ctr">
-                      <a:solidFill>
-                        <a:schemeClr val="bg1">
-                          <a:lumMod val="75000"/>
-                        </a:schemeClr>
-                      </a:solidFill>
+                      <a:noFill/>
                       <a:prstDash val="sysDot"/>
                       <a:round/>
                       <a:headEnd type="none" w="med" len="med"/>
@@ -27364,15 +26977,15 @@
                         <a:tabLst/>
                         <a:defRPr/>
                       </a:pPr>
-                      <a:endParaRPr lang="zh-CN" altLang="en-US" sz="1200" b="0" kern="1200" dirty="0">
+                      <a:endParaRPr lang="en-US" altLang="zh-CN" sz="1200" b="0" kern="1200" baseline="0" dirty="0">
                         <a:solidFill>
                           <a:schemeClr val="tx1">
                             <a:lumMod val="75000"/>
                             <a:lumOff val="25000"/>
                           </a:schemeClr>
                         </a:solidFill>
-                        <a:latin typeface="+mn-lt"/>
-                        <a:ea typeface="+mn-ea"/>
+                        <a:latin typeface="Bentley Light" panose="020B0404020201020102"/>
+                        <a:ea typeface="黑体" panose="02010609060101010101" pitchFamily="49" charset="-122"/>
                         <a:cs typeface="+mn-ea"/>
                         <a:sym typeface="+mn-lt"/>
                       </a:endParaRPr>
@@ -27393,23 +27006,15 @@
                       <a:headEnd type="none" w="med" len="med"/>
                       <a:tailEnd type="none" w="med" len="med"/>
                     </a:lnR>
-                    <a:lnT w="3175" cap="flat" cmpd="sng" algn="ctr">
-                      <a:solidFill>
-                        <a:schemeClr val="bg1">
-                          <a:lumMod val="75000"/>
-                        </a:schemeClr>
-                      </a:solidFill>
-                      <a:prstDash val="sysDot"/>
+                    <a:lnT w="6350" cap="flat" cmpd="sng" algn="ctr">
+                      <a:noFill/>
+                      <a:prstDash val="solid"/>
                       <a:round/>
                       <a:headEnd type="none" w="med" len="med"/>
                       <a:tailEnd type="none" w="med" len="med"/>
                     </a:lnT>
                     <a:lnB w="3175" cap="flat" cmpd="sng" algn="ctr">
-                      <a:solidFill>
-                        <a:schemeClr val="bg1">
-                          <a:lumMod val="75000"/>
-                        </a:schemeClr>
-                      </a:solidFill>
+                      <a:noFill/>
                       <a:prstDash val="sysDot"/>
                       <a:round/>
                       <a:headEnd type="none" w="med" len="med"/>
@@ -27448,15 +27053,15 @@
                         <a:tabLst/>
                         <a:defRPr/>
                       </a:pPr>
-                      <a:endParaRPr lang="zh-CN" altLang="en-US" sz="1200" b="0" kern="1200" dirty="0">
+                      <a:endParaRPr lang="en-US" altLang="zh-CN" sz="1200" b="0" kern="1200" baseline="0" dirty="0">
                         <a:solidFill>
                           <a:schemeClr val="tx1">
                             <a:lumMod val="75000"/>
                             <a:lumOff val="25000"/>
                           </a:schemeClr>
                         </a:solidFill>
-                        <a:latin typeface="+mn-lt"/>
-                        <a:ea typeface="+mn-ea"/>
+                        <a:latin typeface="Bentley Light" panose="020B0404020201020102"/>
+                        <a:ea typeface="黑体" panose="02010609060101010101" pitchFamily="49" charset="-122"/>
                         <a:cs typeface="+mn-ea"/>
                         <a:sym typeface="+mn-lt"/>
                       </a:endParaRPr>
@@ -27477,23 +27082,15 @@
                       <a:headEnd type="none" w="med" len="med"/>
                       <a:tailEnd type="none" w="med" len="med"/>
                     </a:lnR>
-                    <a:lnT w="3175" cap="flat" cmpd="sng" algn="ctr">
-                      <a:solidFill>
-                        <a:schemeClr val="bg1">
-                          <a:lumMod val="75000"/>
-                        </a:schemeClr>
-                      </a:solidFill>
-                      <a:prstDash val="sysDot"/>
+                    <a:lnT w="6350" cap="flat" cmpd="sng" algn="ctr">
+                      <a:noFill/>
+                      <a:prstDash val="solid"/>
                       <a:round/>
                       <a:headEnd type="none" w="med" len="med"/>
                       <a:tailEnd type="none" w="med" len="med"/>
                     </a:lnT>
                     <a:lnB w="3175" cap="flat" cmpd="sng" algn="ctr">
-                      <a:solidFill>
-                        <a:schemeClr val="bg1">
-                          <a:lumMod val="75000"/>
-                        </a:schemeClr>
-                      </a:solidFill>
+                      <a:noFill/>
                       <a:prstDash val="sysDot"/>
                       <a:round/>
                       <a:headEnd type="none" w="med" len="med"/>
@@ -27512,11 +27109,11 @@
                 </a:tc>
                 <a:extLst>
                   <a:ext uri="{0D108BD9-81ED-4DB2-BD59-A6C34878D82A}">
-                    <a16:rowId xmlns:a16="http://schemas.microsoft.com/office/drawing/2014/main" xmlns="" val="10009"/>
+                    <a16:rowId xmlns:a16="http://schemas.microsoft.com/office/drawing/2014/main" val="973473952"/>
                   </a:ext>
                 </a:extLst>
               </a:tr>
-              <a:tr h="463755">
+              <a:tr h="508841">
                 <a:tc>
                   <a:txBody>
                     <a:bodyPr/>
@@ -27539,15 +27136,15 @@
                         <a:tabLst/>
                         <a:defRPr/>
                       </a:pPr>
-                      <a:endParaRPr lang="zh-CN" altLang="en-US" sz="1200" b="0" kern="1200" dirty="0">
+                      <a:endParaRPr lang="en-US" sz="1200" b="0" kern="1200" baseline="0" dirty="0" smtClean="0">
                         <a:solidFill>
                           <a:schemeClr val="tx1">
                             <a:lumMod val="75000"/>
                             <a:lumOff val="25000"/>
                           </a:schemeClr>
                         </a:solidFill>
-                        <a:latin typeface="+mn-lt"/>
-                        <a:ea typeface="+mn-ea"/>
+                        <a:latin typeface="Bentley Light" panose="020B0404020201020102"/>
+                        <a:ea typeface="黑体" panose="02010609060101010101" pitchFamily="49" charset="-122"/>
                         <a:cs typeface="+mn-ea"/>
                         <a:sym typeface="+mn-lt"/>
                       </a:endParaRPr>
@@ -27568,22 +27165,16 @@
                       <a:headEnd type="none" w="med" len="med"/>
                       <a:tailEnd type="none" w="med" len="med"/>
                     </a:lnR>
-                    <a:lnT w="3175" cap="flat" cmpd="sng" algn="ctr">
-                      <a:solidFill>
-                        <a:schemeClr val="bg1">
-                          <a:lumMod val="75000"/>
-                        </a:schemeClr>
-                      </a:solidFill>
+                    <a:lnT w="6350" cap="flat" cmpd="sng" algn="ctr">
+                      <a:noFill/>
+                      <a:prstDash val="solid"/>
+                      <a:round/>
+                      <a:headEnd type="none" w="med" len="med"/>
+                      <a:tailEnd type="none" w="med" len="med"/>
+                    </a:lnT>
+                    <a:lnB w="3175" cap="flat" cmpd="sng" algn="ctr">
+                      <a:noFill/>
                       <a:prstDash val="sysDot"/>
-                      <a:round/>
-                      <a:headEnd type="none" w="med" len="med"/>
-                      <a:tailEnd type="none" w="med" len="med"/>
-                    </a:lnT>
-                    <a:lnB w="6350" cap="flat" cmpd="sng" algn="ctr">
-                      <a:solidFill>
-                        <a:srgbClr val="BBBCBC"/>
-                      </a:solidFill>
-                      <a:prstDash val="solid"/>
                       <a:round/>
                       <a:headEnd type="none" w="med" len="med"/>
                       <a:tailEnd type="none" w="med" len="med"/>
@@ -27621,15 +27212,15 @@
                         <a:tabLst/>
                         <a:defRPr/>
                       </a:pPr>
-                      <a:endParaRPr lang="zh-CN" altLang="en-US" sz="1200" b="0" kern="1200" dirty="0">
+                      <a:endParaRPr lang="en-US" altLang="zh-CN" sz="1200" b="0" kern="1200" baseline="0" dirty="0">
                         <a:solidFill>
                           <a:schemeClr val="tx1">
                             <a:lumMod val="75000"/>
                             <a:lumOff val="25000"/>
                           </a:schemeClr>
                         </a:solidFill>
-                        <a:latin typeface="+mn-lt"/>
-                        <a:ea typeface="+mn-ea"/>
+                        <a:latin typeface="Bentley Light" panose="020B0404020201020102"/>
+                        <a:ea typeface="黑体" panose="02010609060101010101" pitchFamily="49" charset="-122"/>
                         <a:cs typeface="+mn-ea"/>
                         <a:sym typeface="+mn-lt"/>
                       </a:endParaRPr>
@@ -27650,22 +27241,16 @@
                       <a:headEnd type="none" w="med" len="med"/>
                       <a:tailEnd type="none" w="med" len="med"/>
                     </a:lnR>
-                    <a:lnT w="3175" cap="flat" cmpd="sng" algn="ctr">
-                      <a:solidFill>
-                        <a:schemeClr val="bg1">
-                          <a:lumMod val="75000"/>
-                        </a:schemeClr>
-                      </a:solidFill>
+                    <a:lnT w="6350" cap="flat" cmpd="sng" algn="ctr">
+                      <a:noFill/>
+                      <a:prstDash val="solid"/>
+                      <a:round/>
+                      <a:headEnd type="none" w="med" len="med"/>
+                      <a:tailEnd type="none" w="med" len="med"/>
+                    </a:lnT>
+                    <a:lnB w="3175" cap="flat" cmpd="sng" algn="ctr">
+                      <a:noFill/>
                       <a:prstDash val="sysDot"/>
-                      <a:round/>
-                      <a:headEnd type="none" w="med" len="med"/>
-                      <a:tailEnd type="none" w="med" len="med"/>
-                    </a:lnT>
-                    <a:lnB w="6350" cap="flat" cmpd="sng" algn="ctr">
-                      <a:solidFill>
-                        <a:srgbClr val="BBBCBC"/>
-                      </a:solidFill>
-                      <a:prstDash val="solid"/>
                       <a:round/>
                       <a:headEnd type="none" w="med" len="med"/>
                       <a:tailEnd type="none" w="med" len="med"/>
@@ -27703,15 +27288,15 @@
                         <a:tabLst/>
                         <a:defRPr/>
                       </a:pPr>
-                      <a:endParaRPr lang="zh-CN" altLang="en-US" sz="1200" b="0" kern="1200" dirty="0">
+                      <a:endParaRPr lang="en-US" altLang="zh-CN" sz="1200" b="0" kern="1200" baseline="0" dirty="0">
                         <a:solidFill>
                           <a:schemeClr val="tx1">
                             <a:lumMod val="75000"/>
                             <a:lumOff val="25000"/>
                           </a:schemeClr>
                         </a:solidFill>
-                        <a:latin typeface="+mn-lt"/>
-                        <a:ea typeface="+mn-ea"/>
+                        <a:latin typeface="Bentley Light" panose="020B0404020201020102"/>
+                        <a:ea typeface="黑体" panose="02010609060101010101" pitchFamily="49" charset="-122"/>
                         <a:cs typeface="+mn-ea"/>
                         <a:sym typeface="+mn-lt"/>
                       </a:endParaRPr>
@@ -27732,22 +27317,16 @@
                       <a:headEnd type="none" w="med" len="med"/>
                       <a:tailEnd type="none" w="med" len="med"/>
                     </a:lnR>
-                    <a:lnT w="3175" cap="flat" cmpd="sng" algn="ctr">
-                      <a:solidFill>
-                        <a:schemeClr val="bg1">
-                          <a:lumMod val="75000"/>
-                        </a:schemeClr>
-                      </a:solidFill>
+                    <a:lnT w="6350" cap="flat" cmpd="sng" algn="ctr">
+                      <a:noFill/>
+                      <a:prstDash val="solid"/>
+                      <a:round/>
+                      <a:headEnd type="none" w="med" len="med"/>
+                      <a:tailEnd type="none" w="med" len="med"/>
+                    </a:lnT>
+                    <a:lnB w="3175" cap="flat" cmpd="sng" algn="ctr">
+                      <a:noFill/>
                       <a:prstDash val="sysDot"/>
-                      <a:round/>
-                      <a:headEnd type="none" w="med" len="med"/>
-                      <a:tailEnd type="none" w="med" len="med"/>
-                    </a:lnT>
-                    <a:lnB w="6350" cap="flat" cmpd="sng" algn="ctr">
-                      <a:solidFill>
-                        <a:srgbClr val="BBBCBC"/>
-                      </a:solidFill>
-                      <a:prstDash val="solid"/>
                       <a:round/>
                       <a:headEnd type="none" w="med" len="med"/>
                       <a:tailEnd type="none" w="med" len="med"/>
@@ -27785,15 +27364,15 @@
                         <a:tabLst/>
                         <a:defRPr/>
                       </a:pPr>
-                      <a:endParaRPr lang="zh-CN" altLang="en-US" sz="1200" b="0" kern="1200" dirty="0">
+                      <a:endParaRPr lang="en-US" altLang="zh-CN" sz="1200" b="0" kern="1200" baseline="0" dirty="0">
                         <a:solidFill>
                           <a:schemeClr val="tx1">
                             <a:lumMod val="75000"/>
                             <a:lumOff val="25000"/>
                           </a:schemeClr>
                         </a:solidFill>
-                        <a:latin typeface="+mn-lt"/>
-                        <a:ea typeface="+mn-ea"/>
+                        <a:latin typeface="Bentley Light" panose="020B0404020201020102"/>
+                        <a:ea typeface="黑体" panose="02010609060101010101" pitchFamily="49" charset="-122"/>
                         <a:cs typeface="+mn-ea"/>
                         <a:sym typeface="+mn-lt"/>
                       </a:endParaRPr>
@@ -27814,22 +27393,16 @@
                       <a:headEnd type="none" w="med" len="med"/>
                       <a:tailEnd type="none" w="med" len="med"/>
                     </a:lnR>
-                    <a:lnT w="3175" cap="flat" cmpd="sng" algn="ctr">
-                      <a:solidFill>
-                        <a:schemeClr val="bg1">
-                          <a:lumMod val="75000"/>
-                        </a:schemeClr>
-                      </a:solidFill>
+                    <a:lnT w="6350" cap="flat" cmpd="sng" algn="ctr">
+                      <a:noFill/>
+                      <a:prstDash val="solid"/>
+                      <a:round/>
+                      <a:headEnd type="none" w="med" len="med"/>
+                      <a:tailEnd type="none" w="med" len="med"/>
+                    </a:lnT>
+                    <a:lnB w="3175" cap="flat" cmpd="sng" algn="ctr">
+                      <a:noFill/>
                       <a:prstDash val="sysDot"/>
-                      <a:round/>
-                      <a:headEnd type="none" w="med" len="med"/>
-                      <a:tailEnd type="none" w="med" len="med"/>
-                    </a:lnT>
-                    <a:lnB w="6350" cap="flat" cmpd="sng" algn="ctr">
-                      <a:solidFill>
-                        <a:srgbClr val="BBBCBC"/>
-                      </a:solidFill>
-                      <a:prstDash val="solid"/>
                       <a:round/>
                       <a:headEnd type="none" w="med" len="med"/>
                       <a:tailEnd type="none" w="med" len="med"/>
@@ -27867,15 +27440,15 @@
                         <a:tabLst/>
                         <a:defRPr/>
                       </a:pPr>
-                      <a:endParaRPr lang="zh-CN" altLang="en-US" sz="1200" b="0" kern="1200" dirty="0">
+                      <a:endParaRPr lang="en-US" altLang="zh-CN" sz="1200" b="0" kern="1200" baseline="0" dirty="0">
                         <a:solidFill>
                           <a:schemeClr val="tx1">
                             <a:lumMod val="75000"/>
                             <a:lumOff val="25000"/>
                           </a:schemeClr>
                         </a:solidFill>
-                        <a:latin typeface="+mn-lt"/>
-                        <a:ea typeface="+mn-ea"/>
+                        <a:latin typeface="Bentley Light" panose="020B0404020201020102"/>
+                        <a:ea typeface="黑体" panose="02010609060101010101" pitchFamily="49" charset="-122"/>
                         <a:cs typeface="+mn-ea"/>
                         <a:sym typeface="+mn-lt"/>
                       </a:endParaRPr>
@@ -27896,22 +27469,16 @@
                       <a:headEnd type="none" w="med" len="med"/>
                       <a:tailEnd type="none" w="med" len="med"/>
                     </a:lnR>
-                    <a:lnT w="3175" cap="flat" cmpd="sng" algn="ctr">
-                      <a:solidFill>
-                        <a:schemeClr val="bg1">
-                          <a:lumMod val="75000"/>
-                        </a:schemeClr>
-                      </a:solidFill>
+                    <a:lnT w="6350" cap="flat" cmpd="sng" algn="ctr">
+                      <a:noFill/>
+                      <a:prstDash val="solid"/>
+                      <a:round/>
+                      <a:headEnd type="none" w="med" len="med"/>
+                      <a:tailEnd type="none" w="med" len="med"/>
+                    </a:lnT>
+                    <a:lnB w="3175" cap="flat" cmpd="sng" algn="ctr">
+                      <a:noFill/>
                       <a:prstDash val="sysDot"/>
-                      <a:round/>
-                      <a:headEnd type="none" w="med" len="med"/>
-                      <a:tailEnd type="none" w="med" len="med"/>
-                    </a:lnT>
-                    <a:lnB w="6350" cap="flat" cmpd="sng" algn="ctr">
-                      <a:solidFill>
-                        <a:srgbClr val="BBBCBC"/>
-                      </a:solidFill>
-                      <a:prstDash val="solid"/>
                       <a:round/>
                       <a:headEnd type="none" w="med" len="med"/>
                       <a:tailEnd type="none" w="med" len="med"/>
@@ -27949,15 +27516,15 @@
                         <a:tabLst/>
                         <a:defRPr/>
                       </a:pPr>
-                      <a:endParaRPr lang="zh-CN" altLang="en-US" sz="1200" b="0" kern="1200" dirty="0">
+                      <a:endParaRPr lang="en-US" altLang="zh-CN" sz="1200" b="0" kern="1200" baseline="0" dirty="0">
                         <a:solidFill>
                           <a:schemeClr val="tx1">
                             <a:lumMod val="75000"/>
                             <a:lumOff val="25000"/>
                           </a:schemeClr>
                         </a:solidFill>
-                        <a:latin typeface="+mn-lt"/>
-                        <a:ea typeface="+mn-ea"/>
+                        <a:latin typeface="Bentley Light" panose="020B0404020201020102"/>
+                        <a:ea typeface="黑体" panose="02010609060101010101" pitchFamily="49" charset="-122"/>
                         <a:cs typeface="+mn-ea"/>
                         <a:sym typeface="+mn-lt"/>
                       </a:endParaRPr>
@@ -27978,22 +27545,16 @@
                       <a:headEnd type="none" w="med" len="med"/>
                       <a:tailEnd type="none" w="med" len="med"/>
                     </a:lnR>
-                    <a:lnT w="3175" cap="flat" cmpd="sng" algn="ctr">
-                      <a:solidFill>
-                        <a:schemeClr val="bg1">
-                          <a:lumMod val="75000"/>
-                        </a:schemeClr>
-                      </a:solidFill>
+                    <a:lnT w="6350" cap="flat" cmpd="sng" algn="ctr">
+                      <a:noFill/>
+                      <a:prstDash val="solid"/>
+                      <a:round/>
+                      <a:headEnd type="none" w="med" len="med"/>
+                      <a:tailEnd type="none" w="med" len="med"/>
+                    </a:lnT>
+                    <a:lnB w="3175" cap="flat" cmpd="sng" algn="ctr">
+                      <a:noFill/>
                       <a:prstDash val="sysDot"/>
-                      <a:round/>
-                      <a:headEnd type="none" w="med" len="med"/>
-                      <a:tailEnd type="none" w="med" len="med"/>
-                    </a:lnT>
-                    <a:lnB w="6350" cap="flat" cmpd="sng" algn="ctr">
-                      <a:solidFill>
-                        <a:srgbClr val="BBBCBC"/>
-                      </a:solidFill>
-                      <a:prstDash val="solid"/>
                       <a:round/>
                       <a:headEnd type="none" w="med" len="med"/>
                       <a:tailEnd type="none" w="med" len="med"/>
@@ -28031,15 +27592,15 @@
                         <a:tabLst/>
                         <a:defRPr/>
                       </a:pPr>
-                      <a:endParaRPr lang="zh-CN" altLang="en-US" sz="1200" b="0" kern="1200" dirty="0">
+                      <a:endParaRPr lang="en-US" altLang="zh-CN" sz="1200" b="0" kern="1200" baseline="0" dirty="0">
                         <a:solidFill>
                           <a:schemeClr val="tx1">
                             <a:lumMod val="75000"/>
                             <a:lumOff val="25000"/>
                           </a:schemeClr>
                         </a:solidFill>
-                        <a:latin typeface="+mn-lt"/>
-                        <a:ea typeface="+mn-ea"/>
+                        <a:latin typeface="Bentley Light" panose="020B0404020201020102"/>
+                        <a:ea typeface="黑体" panose="02010609060101010101" pitchFamily="49" charset="-122"/>
                         <a:cs typeface="+mn-ea"/>
                         <a:sym typeface="+mn-lt"/>
                       </a:endParaRPr>
@@ -28060,22 +27621,16 @@
                       <a:headEnd type="none" w="med" len="med"/>
                       <a:tailEnd type="none" w="med" len="med"/>
                     </a:lnR>
-                    <a:lnT w="3175" cap="flat" cmpd="sng" algn="ctr">
-                      <a:solidFill>
-                        <a:schemeClr val="bg1">
-                          <a:lumMod val="75000"/>
-                        </a:schemeClr>
-                      </a:solidFill>
+                    <a:lnT w="6350" cap="flat" cmpd="sng" algn="ctr">
+                      <a:noFill/>
+                      <a:prstDash val="solid"/>
+                      <a:round/>
+                      <a:headEnd type="none" w="med" len="med"/>
+                      <a:tailEnd type="none" w="med" len="med"/>
+                    </a:lnT>
+                    <a:lnB w="3175" cap="flat" cmpd="sng" algn="ctr">
+                      <a:noFill/>
                       <a:prstDash val="sysDot"/>
-                      <a:round/>
-                      <a:headEnd type="none" w="med" len="med"/>
-                      <a:tailEnd type="none" w="med" len="med"/>
-                    </a:lnT>
-                    <a:lnB w="6350" cap="flat" cmpd="sng" algn="ctr">
-                      <a:solidFill>
-                        <a:srgbClr val="BBBCBC"/>
-                      </a:solidFill>
-                      <a:prstDash val="solid"/>
                       <a:round/>
                       <a:headEnd type="none" w="med" len="med"/>
                       <a:tailEnd type="none" w="med" len="med"/>
@@ -28093,7 +27648,7 @@
                 </a:tc>
                 <a:extLst>
                   <a:ext uri="{0D108BD9-81ED-4DB2-BD59-A6C34878D82A}">
-                    <a16:rowId xmlns:a16="http://schemas.microsoft.com/office/drawing/2014/main" xmlns="" val="10010"/>
+                    <a16:rowId xmlns:a16="http://schemas.microsoft.com/office/drawing/2014/main" val="196847442"/>
                   </a:ext>
                 </a:extLst>
               </a:tr>
@@ -28428,7 +27983,7 @@
                 <a:gridCol w="11048531">
                   <a:extLst>
                     <a:ext uri="{9D8B030D-6E8A-4147-A177-3AD203B41FA5}">
-                      <a16:colId xmlns:a16="http://schemas.microsoft.com/office/drawing/2014/main" xmlns="" val="1357581311"/>
+                      <a16:colId xmlns:a16="http://schemas.microsoft.com/office/drawing/2014/main" val="1357581311"/>
                     </a:ext>
                   </a:extLst>
                 </a:gridCol>
@@ -28515,7 +28070,7 @@
                 </a:tc>
                 <a:extLst>
                   <a:ext uri="{0D108BD9-81ED-4DB2-BD59-A6C34878D82A}">
-                    <a16:rowId xmlns:a16="http://schemas.microsoft.com/office/drawing/2014/main" xmlns="" val="3203583067"/>
+                    <a16:rowId xmlns:a16="http://schemas.microsoft.com/office/drawing/2014/main" val="3203583067"/>
                   </a:ext>
                 </a:extLst>
               </a:tr>
@@ -28532,14 +28087,14 @@
           <p:nvPr>
             <p:extLst>
               <p:ext uri="{D42A27DB-BD31-4B8C-83A1-F6EECF244321}">
-                <p14:modId xmlns:p14="http://schemas.microsoft.com/office/powerpoint/2010/main" val="1002290256"/>
+                <p14:modId xmlns:p14="http://schemas.microsoft.com/office/powerpoint/2010/main" val="734013613"/>
               </p:ext>
             </p:extLst>
           </p:nvPr>
         </p:nvGraphicFramePr>
         <p:xfrm>
           <a:off x="544314" y="1551213"/>
-          <a:ext cx="11048526" cy="1085424"/>
+          <a:ext cx="11048526" cy="933024"/>
         </p:xfrm>
         <a:graphic>
           <a:graphicData uri="http://schemas.openxmlformats.org/drawingml/2006/table">
@@ -28551,21 +28106,21 @@
                 <a:gridCol w="3682842">
                   <a:extLst>
                     <a:ext uri="{9D8B030D-6E8A-4147-A177-3AD203B41FA5}">
-                      <a16:colId xmlns:a16="http://schemas.microsoft.com/office/drawing/2014/main" xmlns="" val="1109671872"/>
+                      <a16:colId xmlns:a16="http://schemas.microsoft.com/office/drawing/2014/main" val="1109671872"/>
                     </a:ext>
                   </a:extLst>
                 </a:gridCol>
                 <a:gridCol w="3682842">
                   <a:extLst>
                     <a:ext uri="{9D8B030D-6E8A-4147-A177-3AD203B41FA5}">
-                      <a16:colId xmlns:a16="http://schemas.microsoft.com/office/drawing/2014/main" xmlns="" val="390604985"/>
+                      <a16:colId xmlns:a16="http://schemas.microsoft.com/office/drawing/2014/main" val="390604985"/>
                     </a:ext>
                   </a:extLst>
                 </a:gridCol>
                 <a:gridCol w="3682842">
                   <a:extLst>
                     <a:ext uri="{9D8B030D-6E8A-4147-A177-3AD203B41FA5}">
-                      <a16:colId xmlns:a16="http://schemas.microsoft.com/office/drawing/2014/main" xmlns="" val="3548678291"/>
+                      <a16:colId xmlns:a16="http://schemas.microsoft.com/office/drawing/2014/main" val="3548678291"/>
                     </a:ext>
                   </a:extLst>
                 </a:gridCol>
@@ -28675,7 +28230,7 @@
                 </a:tc>
                 <a:extLst>
                   <a:ext uri="{0D108BD9-81ED-4DB2-BD59-A6C34878D82A}">
-                    <a16:rowId xmlns:a16="http://schemas.microsoft.com/office/drawing/2014/main" xmlns="" val="2826780448"/>
+                    <a16:rowId xmlns:a16="http://schemas.microsoft.com/office/drawing/2014/main" val="2826780448"/>
                   </a:ext>
                 </a:extLst>
               </a:tr>
@@ -28703,7 +28258,7 @@
                         <a:defRPr/>
                       </a:pPr>
                       <a:r>
-                        <a:rPr lang="en-US" altLang="zh-CN" sz="1100" b="0" kern="1200" dirty="0" smtClean="0">
+                        <a:rPr lang="en-US" altLang="zh-CN" sz="1200" b="0" kern="1200" dirty="0" smtClean="0">
                           <a:solidFill>
                             <a:schemeClr val="tx1"/>
                           </a:solidFill>
@@ -28715,7 +28270,7 @@
                         <a:t>Total Spending Amount</a:t>
                       </a:r>
                       <a:r>
-                        <a:rPr lang="en-US" altLang="zh-CN" sz="1100" b="0" kern="1200" baseline="0" dirty="0" smtClean="0">
+                        <a:rPr lang="en-US" altLang="zh-CN" sz="1200" b="0" kern="1200" baseline="0" dirty="0" smtClean="0">
                           <a:solidFill>
                             <a:schemeClr val="tx1"/>
                           </a:solidFill>
@@ -28727,7 +28282,7 @@
                         <a:t> </a:t>
                       </a:r>
                       <a:r>
-                        <a:rPr lang="zh-CN" altLang="en-US" sz="1100" b="0" kern="1200" dirty="0" smtClean="0">
+                        <a:rPr lang="zh-CN" altLang="en-US" sz="1200" b="0" kern="1200" dirty="0" smtClean="0">
                           <a:solidFill>
                             <a:schemeClr val="tx1"/>
                           </a:solidFill>
@@ -28749,7 +28304,7 @@
                     <a:bodyPr/>
                     <a:lstStyle/>
                     <a:p>
-                      <a:endParaRPr lang="en-US" sz="1700" dirty="0">
+                      <a:endParaRPr lang="en-US" sz="1200" dirty="0">
                         <a:solidFill>
                           <a:schemeClr val="tx1"/>
                         </a:solidFill>
@@ -28770,7 +28325,7 @@
                     <a:bodyPr/>
                     <a:lstStyle/>
                     <a:p>
-                      <a:endParaRPr lang="en-US" sz="1700" dirty="0">
+                      <a:endParaRPr lang="en-US" sz="1200" dirty="0">
                         <a:solidFill>
                           <a:schemeClr val="tx1"/>
                         </a:solidFill>
@@ -28785,7 +28340,7 @@
                 </a:tc>
                 <a:extLst>
                   <a:ext uri="{0D108BD9-81ED-4DB2-BD59-A6C34878D82A}">
-                    <a16:rowId xmlns:a16="http://schemas.microsoft.com/office/drawing/2014/main" xmlns="" val="2074693909"/>
+                    <a16:rowId xmlns:a16="http://schemas.microsoft.com/office/drawing/2014/main" val="2074693909"/>
                   </a:ext>
                 </a:extLst>
               </a:tr>
@@ -28813,7 +28368,7 @@
                         <a:defRPr/>
                       </a:pPr>
                       <a:r>
-                        <a:rPr lang="en-US" altLang="zh-CN" sz="1100" b="0" kern="1200" dirty="0" smtClean="0">
+                        <a:rPr lang="en-US" altLang="zh-CN" sz="1200" b="0" kern="1200" dirty="0" smtClean="0">
                           <a:solidFill>
                             <a:schemeClr val="tx1"/>
                           </a:solidFill>
@@ -28825,7 +28380,7 @@
                         <a:t>Coop Fund Amount</a:t>
                       </a:r>
                       <a:r>
-                        <a:rPr lang="en-US" altLang="zh-CN" sz="1100" b="0" kern="1200" baseline="0" dirty="0" smtClean="0">
+                        <a:rPr lang="en-US" altLang="zh-CN" sz="1200" b="0" kern="1200" baseline="0" dirty="0" smtClean="0">
                           <a:solidFill>
                             <a:schemeClr val="tx1"/>
                           </a:solidFill>
@@ -28837,7 +28392,7 @@
                         <a:t> </a:t>
                       </a:r>
                       <a:r>
-                        <a:rPr lang="zh-CN" altLang="en-US" sz="1100" b="0" kern="1200" dirty="0" smtClean="0">
+                        <a:rPr lang="zh-CN" altLang="en-US" sz="1200" b="0" kern="1200" dirty="0" smtClean="0">
                           <a:solidFill>
                             <a:schemeClr val="tx1"/>
                           </a:solidFill>
@@ -28859,7 +28414,7 @@
                     <a:bodyPr/>
                     <a:lstStyle/>
                     <a:p>
-                      <a:endParaRPr lang="en-US" sz="1700" dirty="0">
+                      <a:endParaRPr lang="en-US" sz="1200" dirty="0">
                         <a:solidFill>
                           <a:schemeClr val="tx1"/>
                         </a:solidFill>
@@ -28880,7 +28435,7 @@
                     <a:bodyPr/>
                     <a:lstStyle/>
                     <a:p>
-                      <a:endParaRPr lang="en-US" sz="1700" dirty="0">
+                      <a:endParaRPr lang="en-US" sz="1200" dirty="0">
                         <a:solidFill>
                           <a:schemeClr val="tx1"/>
                         </a:solidFill>
@@ -28895,7 +28450,7 @@
                 </a:tc>
                 <a:extLst>
                   <a:ext uri="{0D108BD9-81ED-4DB2-BD59-A6C34878D82A}">
-                    <a16:rowId xmlns:a16="http://schemas.microsoft.com/office/drawing/2014/main" xmlns="" val="3442556936"/>
+                    <a16:rowId xmlns:a16="http://schemas.microsoft.com/office/drawing/2014/main" val="3442556936"/>
                   </a:ext>
                 </a:extLst>
               </a:tr>
@@ -28912,7 +28467,7 @@
           <p:nvPr>
             <p:extLst>
               <p:ext uri="{D42A27DB-BD31-4B8C-83A1-F6EECF244321}">
-                <p14:modId xmlns:p14="http://schemas.microsoft.com/office/powerpoint/2010/main" val="3852304426"/>
+                <p14:modId xmlns:p14="http://schemas.microsoft.com/office/powerpoint/2010/main" val="254678205"/>
               </p:ext>
             </p:extLst>
           </p:nvPr>
@@ -28931,35 +28486,35 @@
                 <a:gridCol w="2209707">
                   <a:extLst>
                     <a:ext uri="{9D8B030D-6E8A-4147-A177-3AD203B41FA5}">
-                      <a16:colId xmlns:a16="http://schemas.microsoft.com/office/drawing/2014/main" xmlns="" val="4105844897"/>
+                      <a16:colId xmlns:a16="http://schemas.microsoft.com/office/drawing/2014/main" val="4105844897"/>
                     </a:ext>
                   </a:extLst>
                 </a:gridCol>
                 <a:gridCol w="2547324">
                   <a:extLst>
                     <a:ext uri="{9D8B030D-6E8A-4147-A177-3AD203B41FA5}">
-                      <a16:colId xmlns:a16="http://schemas.microsoft.com/office/drawing/2014/main" xmlns="" val="4142034472"/>
+                      <a16:colId xmlns:a16="http://schemas.microsoft.com/office/drawing/2014/main" val="4142034472"/>
                     </a:ext>
                   </a:extLst>
                 </a:gridCol>
                 <a:gridCol w="2601685">
                   <a:extLst>
                     <a:ext uri="{9D8B030D-6E8A-4147-A177-3AD203B41FA5}">
-                      <a16:colId xmlns:a16="http://schemas.microsoft.com/office/drawing/2014/main" xmlns="" val="2076643704"/>
+                      <a16:colId xmlns:a16="http://schemas.microsoft.com/office/drawing/2014/main" val="2076643704"/>
                     </a:ext>
                   </a:extLst>
                 </a:gridCol>
                 <a:gridCol w="1480110">
                   <a:extLst>
                     <a:ext uri="{9D8B030D-6E8A-4147-A177-3AD203B41FA5}">
-                      <a16:colId xmlns:a16="http://schemas.microsoft.com/office/drawing/2014/main" xmlns="" val="3774860856"/>
+                      <a16:colId xmlns:a16="http://schemas.microsoft.com/office/drawing/2014/main" val="3774860856"/>
                     </a:ext>
                   </a:extLst>
                 </a:gridCol>
                 <a:gridCol w="2209707">
                   <a:extLst>
                     <a:ext uri="{9D8B030D-6E8A-4147-A177-3AD203B41FA5}">
-                      <a16:colId xmlns:a16="http://schemas.microsoft.com/office/drawing/2014/main" xmlns="" val="690038618"/>
+                      <a16:colId xmlns:a16="http://schemas.microsoft.com/office/drawing/2014/main" val="690038618"/>
                     </a:ext>
                   </a:extLst>
                 </a:gridCol>
@@ -29247,7 +28802,7 @@
                 </a:tc>
                 <a:extLst>
                   <a:ext uri="{0D108BD9-81ED-4DB2-BD59-A6C34878D82A}">
-                    <a16:rowId xmlns:a16="http://schemas.microsoft.com/office/drawing/2014/main" xmlns="" val="2703049425"/>
+                    <a16:rowId xmlns:a16="http://schemas.microsoft.com/office/drawing/2014/main" val="2703049425"/>
                   </a:ext>
                 </a:extLst>
               </a:tr>
@@ -29275,47 +28830,47 @@
                         <a:defRPr/>
                       </a:pPr>
                       <a:r>
-                        <a:rPr lang="en-US" altLang="zh-CN" sz="1100" b="0" kern="1200" dirty="0" smtClean="0">
+                        <a:rPr lang="en-US" altLang="zh-CN" sz="1200" b="0" kern="1200" dirty="0" smtClean="0">
                           <a:solidFill>
                             <a:schemeClr val="tx1"/>
                           </a:solidFill>
-                          <a:latin typeface="+mn-lt"/>
-                          <a:ea typeface="+mj-ea"/>
+                          <a:latin typeface="Bentley Light" panose="020B0404020201020102"/>
+                          <a:ea typeface="仿宋" panose="02010609060101010101" pitchFamily="49" charset="-122"/>
                           <a:cs typeface="+mn-ea"/>
                           <a:sym typeface="+mn-lt"/>
                         </a:rPr>
                         <a:t>Venue Rental </a:t>
                       </a:r>
                       <a:r>
-                        <a:rPr lang="en-US" altLang="zh-CN" sz="1100" b="0" kern="1200" baseline="0" dirty="0" smtClean="0">
+                        <a:rPr lang="en-US" altLang="zh-CN" sz="1200" b="0" kern="1200" baseline="0" dirty="0" smtClean="0">
                           <a:solidFill>
                             <a:schemeClr val="tx1"/>
                           </a:solidFill>
-                          <a:latin typeface="+mn-lt"/>
-                          <a:ea typeface="+mj-ea"/>
+                          <a:latin typeface="Bentley Light" panose="020B0404020201020102"/>
+                          <a:ea typeface="仿宋" panose="02010609060101010101" pitchFamily="49" charset="-122"/>
                           <a:cs typeface="+mn-ea"/>
                           <a:sym typeface="+mn-lt"/>
                         </a:rPr>
                         <a:t> </a:t>
                       </a:r>
                       <a:r>
-                        <a:rPr lang="zh-CN" altLang="en-US" sz="1100" b="0" kern="1200" dirty="0" smtClean="0">
+                        <a:rPr lang="zh-CN" altLang="en-US" sz="1200" b="0" kern="1200" dirty="0" smtClean="0">
                           <a:solidFill>
                             <a:schemeClr val="tx1"/>
                           </a:solidFill>
-                          <a:latin typeface="+mj-ea"/>
-                          <a:ea typeface="+mj-ea"/>
+                          <a:latin typeface="Bentley Light" panose="020B0404020201020102"/>
+                          <a:ea typeface="仿宋" panose="02010609060101010101" pitchFamily="49" charset="-122"/>
                           <a:cs typeface="+mn-ea"/>
                           <a:sym typeface="+mn-lt"/>
                         </a:rPr>
                         <a:t>场地租赁</a:t>
                       </a:r>
-                      <a:endParaRPr lang="en-US" altLang="zh-CN" sz="1100" b="0" kern="1200" dirty="0" smtClean="0">
+                      <a:endParaRPr lang="en-US" altLang="zh-CN" sz="1200" b="0" kern="1200" dirty="0" smtClean="0">
                         <a:solidFill>
                           <a:schemeClr val="tx1"/>
                         </a:solidFill>
-                        <a:latin typeface="+mj-ea"/>
-                        <a:ea typeface="+mj-ea"/>
+                        <a:latin typeface="Bentley Light" panose="020B0404020201020102"/>
+                        <a:ea typeface="仿宋" panose="02010609060101010101" pitchFamily="49" charset="-122"/>
                         <a:cs typeface="+mn-ea"/>
                         <a:sym typeface="+mn-lt"/>
                       </a:endParaRPr>
@@ -29347,12 +28902,12 @@
                         <a:tabLst/>
                         <a:defRPr/>
                       </a:pPr>
-                      <a:endParaRPr lang="en-US" altLang="zh-CN" sz="1100" b="0" dirty="0" smtClean="0">
+                      <a:endParaRPr lang="en-US" altLang="zh-CN" sz="1200" b="0" dirty="0" smtClean="0">
                         <a:solidFill>
                           <a:schemeClr val="tx1"/>
                         </a:solidFill>
-                        <a:latin typeface="+mn-lt"/>
-                        <a:ea typeface="+mn-ea"/>
+                        <a:latin typeface="Bentley Light" panose="020B0404020201020102"/>
+                        <a:ea typeface="仿宋" panose="02010609060101010101" pitchFamily="49" charset="-122"/>
                         <a:cs typeface="+mn-ea"/>
                         <a:sym typeface="+mn-lt"/>
                       </a:endParaRPr>
@@ -29389,12 +28944,12 @@
                         <a:tabLst/>
                         <a:defRPr/>
                       </a:pPr>
-                      <a:endParaRPr lang="en-US" altLang="zh-CN" sz="1100" b="0" dirty="0" smtClean="0">
+                      <a:endParaRPr lang="en-US" altLang="zh-CN" sz="1200" b="0" dirty="0" smtClean="0">
                         <a:solidFill>
                           <a:schemeClr val="tx1"/>
                         </a:solidFill>
-                        <a:latin typeface="+mn-lt"/>
-                        <a:ea typeface="+mn-ea"/>
+                        <a:latin typeface="Bentley Light" panose="020B0404020201020102"/>
+                        <a:ea typeface="仿宋" panose="02010609060101010101" pitchFamily="49" charset="-122"/>
                         <a:cs typeface="+mn-ea"/>
                         <a:sym typeface="+mn-lt"/>
                       </a:endParaRPr>
@@ -29412,10 +28967,12 @@
                     <a:lstStyle/>
                     <a:p>
                       <a:pPr algn="ctr"/>
-                      <a:endParaRPr lang="en-US" sz="1100" dirty="0">
+                      <a:endParaRPr lang="en-US" sz="1200" dirty="0">
                         <a:solidFill>
                           <a:schemeClr val="tx1"/>
                         </a:solidFill>
+                        <a:latin typeface="Bentley Light" panose="020B0404020201020102"/>
+                        <a:ea typeface="仿宋" panose="02010609060101010101" pitchFamily="49" charset="-122"/>
                       </a:endParaRPr>
                     </a:p>
                   </a:txBody>
@@ -29437,14 +28994,14 @@
                         <a:buFontTx/>
                         <a:buNone/>
                       </a:pPr>
-                      <a:endParaRPr lang="zh-CN" altLang="en-US" sz="1100" b="0" dirty="0" smtClean="0">
+                      <a:endParaRPr lang="zh-CN" altLang="en-US" sz="1200" b="0" dirty="0" smtClean="0">
                         <a:solidFill>
                           <a:schemeClr val="accent1">
                             <a:lumMod val="75000"/>
                           </a:schemeClr>
                         </a:solidFill>
-                        <a:latin typeface="+mn-lt"/>
-                        <a:ea typeface="+mn-ea"/>
+                        <a:latin typeface="Bentley Light" panose="020B0404020201020102"/>
+                        <a:ea typeface="仿宋" panose="02010609060101010101" pitchFamily="49" charset="-122"/>
                         <a:cs typeface="+mn-ea"/>
                         <a:sym typeface="+mn-lt"/>
                       </a:endParaRPr>
@@ -29473,7 +29030,7 @@
                 </a:tc>
                 <a:extLst>
                   <a:ext uri="{0D108BD9-81ED-4DB2-BD59-A6C34878D82A}">
-                    <a16:rowId xmlns:a16="http://schemas.microsoft.com/office/drawing/2014/main" xmlns="" val="741824064"/>
+                    <a16:rowId xmlns:a16="http://schemas.microsoft.com/office/drawing/2014/main" val="741824064"/>
                   </a:ext>
                 </a:extLst>
               </a:tr>
@@ -29501,35 +29058,35 @@
                         <a:defRPr/>
                       </a:pPr>
                       <a:r>
-                        <a:rPr lang="en-US" altLang="zh-CN" sz="1100" b="0" kern="1200" dirty="0" smtClean="0">
+                        <a:rPr lang="en-US" altLang="zh-CN" sz="1200" b="0" kern="1200" dirty="0" smtClean="0">
                           <a:solidFill>
                             <a:schemeClr val="tx1"/>
                           </a:solidFill>
-                          <a:latin typeface="+mj-lt"/>
-                          <a:ea typeface="+mj-ea"/>
+                          <a:latin typeface="Bentley Light" panose="020B0404020201020102"/>
+                          <a:ea typeface="仿宋" panose="02010609060101010101" pitchFamily="49" charset="-122"/>
                           <a:cs typeface="+mn-ea"/>
                           <a:sym typeface="+mn-lt"/>
                         </a:rPr>
                         <a:t>Setup </a:t>
                       </a:r>
                       <a:r>
-                        <a:rPr lang="zh-CN" altLang="en-US" sz="1100" b="0" kern="1200" dirty="0" smtClean="0">
+                        <a:rPr lang="zh-CN" altLang="en-US" sz="1200" b="0" kern="1200" dirty="0" smtClean="0">
                           <a:solidFill>
                             <a:schemeClr val="tx1"/>
                           </a:solidFill>
-                          <a:latin typeface="+mj-ea"/>
-                          <a:ea typeface="+mj-ea"/>
+                          <a:latin typeface="Bentley Light" panose="020B0404020201020102"/>
+                          <a:ea typeface="仿宋" panose="02010609060101010101" pitchFamily="49" charset="-122"/>
                           <a:cs typeface="+mn-ea"/>
                           <a:sym typeface="+mn-lt"/>
                         </a:rPr>
                         <a:t>搭建</a:t>
                       </a:r>
-                      <a:endParaRPr lang="en-US" altLang="zh-CN" sz="1100" b="0" kern="1200" dirty="0" smtClean="0">
+                      <a:endParaRPr lang="en-US" altLang="zh-CN" sz="1200" b="0" kern="1200" dirty="0" smtClean="0">
                         <a:solidFill>
                           <a:schemeClr val="tx1"/>
                         </a:solidFill>
-                        <a:latin typeface="+mj-ea"/>
-                        <a:ea typeface="+mj-ea"/>
+                        <a:latin typeface="Bentley Light" panose="020B0404020201020102"/>
+                        <a:ea typeface="仿宋" panose="02010609060101010101" pitchFamily="49" charset="-122"/>
                         <a:cs typeface="+mn-ea"/>
                         <a:sym typeface="+mn-lt"/>
                       </a:endParaRPr>
@@ -29561,12 +29118,12 @@
                         <a:tabLst/>
                         <a:defRPr/>
                       </a:pPr>
-                      <a:endParaRPr lang="en-US" altLang="zh-CN" sz="1100" b="0" dirty="0" smtClean="0">
+                      <a:endParaRPr lang="en-US" altLang="zh-CN" sz="1200" b="0" dirty="0" smtClean="0">
                         <a:solidFill>
                           <a:schemeClr val="tx1"/>
                         </a:solidFill>
-                        <a:latin typeface="+mn-lt"/>
-                        <a:ea typeface="+mn-ea"/>
+                        <a:latin typeface="Bentley Light" panose="020B0404020201020102"/>
+                        <a:ea typeface="仿宋" panose="02010609060101010101" pitchFamily="49" charset="-122"/>
                         <a:cs typeface="+mn-ea"/>
                         <a:sym typeface="+mn-lt"/>
                       </a:endParaRPr>
@@ -29603,12 +29160,12 @@
                         <a:tabLst/>
                         <a:defRPr/>
                       </a:pPr>
-                      <a:endParaRPr lang="en-US" altLang="zh-CN" sz="1100" b="0" dirty="0" smtClean="0">
+                      <a:endParaRPr lang="en-US" altLang="zh-CN" sz="1200" b="0" dirty="0" smtClean="0">
                         <a:solidFill>
                           <a:schemeClr val="tx1"/>
                         </a:solidFill>
-                        <a:latin typeface="+mn-lt"/>
-                        <a:ea typeface="+mn-ea"/>
+                        <a:latin typeface="Bentley Light" panose="020B0404020201020102"/>
+                        <a:ea typeface="仿宋" panose="02010609060101010101" pitchFamily="49" charset="-122"/>
                         <a:cs typeface="+mn-ea"/>
                         <a:sym typeface="+mn-lt"/>
                       </a:endParaRPr>
@@ -29642,10 +29199,12 @@
                         <a:tabLst/>
                         <a:defRPr/>
                       </a:pPr>
-                      <a:endParaRPr lang="en-US" sz="1100" dirty="0" smtClean="0">
+                      <a:endParaRPr lang="en-US" sz="1200" dirty="0" smtClean="0">
                         <a:solidFill>
                           <a:schemeClr val="tx1"/>
                         </a:solidFill>
+                        <a:latin typeface="Bentley Light" panose="020B0404020201020102"/>
+                        <a:ea typeface="仿宋" panose="02010609060101010101" pitchFamily="49" charset="-122"/>
                       </a:endParaRPr>
                     </a:p>
                   </a:txBody>
@@ -29680,14 +29239,14 @@
                         <a:tabLst/>
                         <a:defRPr/>
                       </a:pPr>
-                      <a:endParaRPr lang="en-US" altLang="zh-CN" sz="1100" b="0" dirty="0" smtClean="0">
+                      <a:endParaRPr lang="en-US" altLang="zh-CN" sz="1200" b="0" dirty="0" smtClean="0">
                         <a:solidFill>
                           <a:schemeClr val="accent1">
                             <a:lumMod val="75000"/>
                           </a:schemeClr>
                         </a:solidFill>
-                        <a:latin typeface="+mn-lt"/>
-                        <a:ea typeface="+mn-ea"/>
+                        <a:latin typeface="Bentley Light" panose="020B0404020201020102"/>
+                        <a:ea typeface="仿宋" panose="02010609060101010101" pitchFamily="49" charset="-122"/>
                         <a:cs typeface="+mn-ea"/>
                         <a:sym typeface="+mn-lt"/>
                       </a:endParaRPr>
@@ -29716,7 +29275,7 @@
                 </a:tc>
                 <a:extLst>
                   <a:ext uri="{0D108BD9-81ED-4DB2-BD59-A6C34878D82A}">
-                    <a16:rowId xmlns:a16="http://schemas.microsoft.com/office/drawing/2014/main" xmlns="" val="3076205638"/>
+                    <a16:rowId xmlns:a16="http://schemas.microsoft.com/office/drawing/2014/main" val="3076205638"/>
                   </a:ext>
                 </a:extLst>
               </a:tr>
@@ -29744,47 +29303,47 @@
                         <a:defRPr/>
                       </a:pPr>
                       <a:r>
-                        <a:rPr lang="en-US" altLang="zh-CN" sz="1100" b="0" kern="1200" dirty="0" smtClean="0">
+                        <a:rPr lang="en-US" altLang="zh-CN" sz="1200" b="0" kern="1200" dirty="0" smtClean="0">
                           <a:solidFill>
                             <a:schemeClr val="tx1"/>
                           </a:solidFill>
-                          <a:latin typeface="+mn-lt"/>
-                          <a:ea typeface="+mj-ea"/>
+                          <a:latin typeface="Bentley Light" panose="020B0404020201020102"/>
+                          <a:ea typeface="仿宋" panose="02010609060101010101" pitchFamily="49" charset="-122"/>
                           <a:cs typeface="+mn-ea"/>
                           <a:sym typeface="+mn-lt"/>
                         </a:rPr>
                         <a:t>Photography</a:t>
                       </a:r>
                       <a:r>
-                        <a:rPr lang="en-US" altLang="zh-CN" sz="1100" b="0" kern="1200" baseline="0" dirty="0" smtClean="0">
+                        <a:rPr lang="en-US" altLang="zh-CN" sz="1200" b="0" kern="1200" baseline="0" dirty="0" smtClean="0">
                           <a:solidFill>
                             <a:schemeClr val="tx1"/>
                           </a:solidFill>
-                          <a:latin typeface="+mn-lt"/>
-                          <a:ea typeface="+mj-ea"/>
+                          <a:latin typeface="Bentley Light" panose="020B0404020201020102"/>
+                          <a:ea typeface="仿宋" panose="02010609060101010101" pitchFamily="49" charset="-122"/>
                           <a:cs typeface="+mn-ea"/>
                           <a:sym typeface="+mn-lt"/>
                         </a:rPr>
                         <a:t> </a:t>
                       </a:r>
                       <a:r>
-                        <a:rPr lang="zh-CN" altLang="en-US" sz="1100" b="0" kern="1200" dirty="0" smtClean="0">
+                        <a:rPr lang="zh-CN" altLang="en-US" sz="1200" b="0" kern="1200" dirty="0" smtClean="0">
                           <a:solidFill>
                             <a:schemeClr val="tx1"/>
                           </a:solidFill>
-                          <a:latin typeface="+mj-ea"/>
-                          <a:ea typeface="+mj-ea"/>
+                          <a:latin typeface="Bentley Light" panose="020B0404020201020102"/>
+                          <a:ea typeface="仿宋" panose="02010609060101010101" pitchFamily="49" charset="-122"/>
                           <a:cs typeface="+mn-ea"/>
                           <a:sym typeface="+mn-lt"/>
                         </a:rPr>
                         <a:t>摄影</a:t>
                       </a:r>
-                      <a:endParaRPr lang="en-US" altLang="zh-CN" sz="1100" b="0" kern="1200" dirty="0" smtClean="0">
+                      <a:endParaRPr lang="en-US" altLang="zh-CN" sz="1200" b="0" kern="1200" dirty="0" smtClean="0">
                         <a:solidFill>
                           <a:schemeClr val="tx1"/>
                         </a:solidFill>
-                        <a:latin typeface="+mj-ea"/>
-                        <a:ea typeface="+mj-ea"/>
+                        <a:latin typeface="Bentley Light" panose="020B0404020201020102"/>
+                        <a:ea typeface="仿宋" panose="02010609060101010101" pitchFamily="49" charset="-122"/>
                         <a:cs typeface="+mn-ea"/>
                         <a:sym typeface="+mn-lt"/>
                       </a:endParaRPr>
@@ -29816,12 +29375,12 @@
                         <a:tabLst/>
                         <a:defRPr/>
                       </a:pPr>
-                      <a:endParaRPr lang="en-US" altLang="zh-CN" sz="1100" b="0" dirty="0" smtClean="0">
+                      <a:endParaRPr lang="en-US" altLang="zh-CN" sz="1200" b="0" dirty="0" smtClean="0">
                         <a:solidFill>
                           <a:schemeClr val="tx1"/>
                         </a:solidFill>
-                        <a:latin typeface="+mn-lt"/>
-                        <a:ea typeface="+mn-ea"/>
+                        <a:latin typeface="Bentley Light" panose="020B0404020201020102"/>
+                        <a:ea typeface="仿宋" panose="02010609060101010101" pitchFamily="49" charset="-122"/>
                         <a:cs typeface="+mn-ea"/>
                         <a:sym typeface="+mn-lt"/>
                       </a:endParaRPr>
@@ -29858,12 +29417,12 @@
                         <a:tabLst/>
                         <a:defRPr/>
                       </a:pPr>
-                      <a:endParaRPr lang="en-US" altLang="zh-CN" sz="1100" b="0" dirty="0" smtClean="0">
+                      <a:endParaRPr lang="en-US" altLang="zh-CN" sz="1200" b="0" dirty="0" smtClean="0">
                         <a:solidFill>
                           <a:schemeClr val="tx1"/>
                         </a:solidFill>
-                        <a:latin typeface="+mn-lt"/>
-                        <a:ea typeface="+mn-ea"/>
+                        <a:latin typeface="Bentley Light" panose="020B0404020201020102"/>
+                        <a:ea typeface="仿宋" panose="02010609060101010101" pitchFamily="49" charset="-122"/>
                         <a:cs typeface="+mn-ea"/>
                         <a:sym typeface="+mn-lt"/>
                       </a:endParaRPr>
@@ -29881,10 +29440,12 @@
                     <a:lstStyle/>
                     <a:p>
                       <a:pPr algn="ctr"/>
-                      <a:endParaRPr lang="en-US" sz="1100" dirty="0">
+                      <a:endParaRPr lang="en-US" sz="1200" dirty="0">
                         <a:solidFill>
                           <a:schemeClr val="tx1"/>
                         </a:solidFill>
+                        <a:latin typeface="Bentley Light" panose="020B0404020201020102"/>
+                        <a:ea typeface="仿宋" panose="02010609060101010101" pitchFamily="49" charset="-122"/>
                       </a:endParaRPr>
                     </a:p>
                   </a:txBody>
@@ -29919,7 +29480,7 @@
                         <a:tabLst/>
                         <a:defRPr/>
                       </a:pPr>
-                      <a:endParaRPr kumimoji="0" lang="en-US" altLang="zh-CN" sz="1100" b="0" i="0" u="none" strike="noStrike" kern="1200" cap="none" spc="0" normalizeH="0" baseline="0" noProof="0" dirty="0" smtClean="0">
+                      <a:endParaRPr kumimoji="0" lang="en-US" altLang="zh-CN" sz="1200" b="0" i="0" u="none" strike="noStrike" kern="1200" cap="none" spc="0" normalizeH="0" baseline="0" noProof="0" dirty="0" smtClean="0">
                         <a:ln>
                           <a:noFill/>
                         </a:ln>
@@ -29931,8 +29492,8 @@
                         <a:effectLst/>
                         <a:uLnTx/>
                         <a:uFillTx/>
-                        <a:latin typeface="+mn-lt"/>
-                        <a:ea typeface="+mn-ea"/>
+                        <a:latin typeface="Bentley Light" panose="020B0404020201020102"/>
+                        <a:ea typeface="仿宋" panose="02010609060101010101" pitchFamily="49" charset="-122"/>
                         <a:cs typeface="+mn-ea"/>
                         <a:sym typeface="+mn-lt"/>
                       </a:endParaRPr>
@@ -29961,7 +29522,7 @@
                 </a:tc>
                 <a:extLst>
                   <a:ext uri="{0D108BD9-81ED-4DB2-BD59-A6C34878D82A}">
-                    <a16:rowId xmlns:a16="http://schemas.microsoft.com/office/drawing/2014/main" xmlns="" val="2309071906"/>
+                    <a16:rowId xmlns:a16="http://schemas.microsoft.com/office/drawing/2014/main" val="2309071906"/>
                   </a:ext>
                 </a:extLst>
               </a:tr>
@@ -29989,24 +29550,24 @@
                         <a:defRPr/>
                       </a:pPr>
                       <a:r>
-                        <a:rPr lang="en-US" sz="1100" b="0" kern="1200" dirty="0" smtClean="0">
+                        <a:rPr lang="en-US" sz="1200" b="0" kern="1200" dirty="0" smtClean="0">
                           <a:solidFill>
                             <a:schemeClr val="tx1"/>
                           </a:solidFill>
-                          <a:latin typeface="+mn-lt"/>
-                          <a:ea typeface="+mj-ea"/>
+                          <a:latin typeface="Bentley Light" panose="020B0404020201020102"/>
+                          <a:ea typeface="仿宋" panose="02010609060101010101" pitchFamily="49" charset="-122"/>
                           <a:cs typeface="+mn-ea"/>
                           <a:sym typeface="+mn-lt"/>
                         </a:rPr>
                         <a:t>Performance </a:t>
                       </a:r>
                       <a:r>
-                        <a:rPr lang="zh-CN" altLang="en-US" sz="1100" b="0" kern="1200" dirty="0" smtClean="0">
+                        <a:rPr lang="zh-CN" altLang="en-US" sz="1200" b="0" kern="1200" dirty="0" smtClean="0">
                           <a:solidFill>
                             <a:schemeClr val="tx1"/>
                           </a:solidFill>
-                          <a:latin typeface="+mj-ea"/>
-                          <a:ea typeface="+mj-ea"/>
+                          <a:latin typeface="Bentley Light" panose="020B0404020201020102"/>
+                          <a:ea typeface="仿宋" panose="02010609060101010101" pitchFamily="49" charset="-122"/>
                           <a:cs typeface="+mn-ea"/>
                           <a:sym typeface="+mn-lt"/>
                         </a:rPr>
@@ -30040,12 +29601,12 @@
                         <a:tabLst/>
                         <a:defRPr/>
                       </a:pPr>
-                      <a:endParaRPr lang="en-US" altLang="zh-CN" sz="1100" b="0" dirty="0" smtClean="0">
+                      <a:endParaRPr lang="en-US" altLang="zh-CN" sz="1200" b="0" dirty="0" smtClean="0">
                         <a:solidFill>
                           <a:schemeClr val="tx1"/>
                         </a:solidFill>
-                        <a:latin typeface="+mn-lt"/>
-                        <a:ea typeface="+mn-ea"/>
+                        <a:latin typeface="Bentley Light" panose="020B0404020201020102"/>
+                        <a:ea typeface="仿宋" panose="02010609060101010101" pitchFamily="49" charset="-122"/>
                         <a:cs typeface="+mn-ea"/>
                         <a:sym typeface="+mn-lt"/>
                       </a:endParaRPr>
@@ -30082,12 +29643,12 @@
                         <a:tabLst/>
                         <a:defRPr/>
                       </a:pPr>
-                      <a:endParaRPr lang="en-US" altLang="zh-CN" sz="1100" b="0" dirty="0" smtClean="0">
+                      <a:endParaRPr lang="en-US" altLang="zh-CN" sz="1200" b="0" dirty="0" smtClean="0">
                         <a:solidFill>
                           <a:schemeClr val="tx1"/>
                         </a:solidFill>
-                        <a:latin typeface="+mn-lt"/>
-                        <a:ea typeface="+mn-ea"/>
+                        <a:latin typeface="Bentley Light" panose="020B0404020201020102"/>
+                        <a:ea typeface="仿宋" panose="02010609060101010101" pitchFamily="49" charset="-122"/>
                         <a:cs typeface="+mn-ea"/>
                         <a:sym typeface="+mn-lt"/>
                       </a:endParaRPr>
@@ -30105,10 +29666,12 @@
                     <a:lstStyle/>
                     <a:p>
                       <a:pPr algn="ctr"/>
-                      <a:endParaRPr lang="en-US" sz="1100" dirty="0">
+                      <a:endParaRPr lang="en-US" sz="1200" dirty="0">
                         <a:solidFill>
                           <a:schemeClr val="tx1"/>
                         </a:solidFill>
+                        <a:latin typeface="Bentley Light" panose="020B0404020201020102"/>
+                        <a:ea typeface="仿宋" panose="02010609060101010101" pitchFamily="49" charset="-122"/>
                       </a:endParaRPr>
                     </a:p>
                   </a:txBody>
@@ -30143,7 +29706,7 @@
                         <a:tabLst/>
                         <a:defRPr/>
                       </a:pPr>
-                      <a:endParaRPr kumimoji="0" lang="en-US" altLang="zh-CN" sz="1100" b="0" i="0" u="none" strike="noStrike" kern="1200" cap="none" spc="0" normalizeH="0" baseline="0" noProof="0" dirty="0" smtClean="0">
+                      <a:endParaRPr kumimoji="0" lang="en-US" altLang="zh-CN" sz="1200" b="0" i="0" u="none" strike="noStrike" kern="1200" cap="none" spc="0" normalizeH="0" baseline="0" noProof="0" dirty="0" smtClean="0">
                         <a:ln>
                           <a:noFill/>
                         </a:ln>
@@ -30155,8 +29718,8 @@
                         <a:effectLst/>
                         <a:uLnTx/>
                         <a:uFillTx/>
-                        <a:latin typeface="+mn-lt"/>
-                        <a:ea typeface="+mn-ea"/>
+                        <a:latin typeface="Bentley Light" panose="020B0404020201020102"/>
+                        <a:ea typeface="仿宋" panose="02010609060101010101" pitchFamily="49" charset="-122"/>
                         <a:cs typeface="+mn-ea"/>
                         <a:sym typeface="+mn-lt"/>
                       </a:endParaRPr>
@@ -30185,7 +29748,7 @@
                 </a:tc>
                 <a:extLst>
                   <a:ext uri="{0D108BD9-81ED-4DB2-BD59-A6C34878D82A}">
-                    <a16:rowId xmlns:a16="http://schemas.microsoft.com/office/drawing/2014/main" xmlns="" val="932990606"/>
+                    <a16:rowId xmlns:a16="http://schemas.microsoft.com/office/drawing/2014/main" val="932990606"/>
                   </a:ext>
                 </a:extLst>
               </a:tr>
@@ -30213,36 +29776,36 @@
                         <a:defRPr/>
                       </a:pPr>
                       <a:r>
-                        <a:rPr lang="en-US" sz="1100" b="0" kern="1200" dirty="0" smtClean="0">
+                        <a:rPr lang="en-US" sz="1200" b="0" kern="1200" dirty="0" smtClean="0">
                           <a:solidFill>
                             <a:schemeClr val="tx1"/>
                           </a:solidFill>
-                          <a:latin typeface="+mn-lt"/>
-                          <a:ea typeface="+mj-ea"/>
+                          <a:latin typeface="Bentley Light" panose="020B0404020201020102"/>
+                          <a:ea typeface="仿宋" panose="02010609060101010101" pitchFamily="49" charset="-122"/>
                           <a:cs typeface="+mn-ea"/>
                           <a:sym typeface="+mn-lt"/>
                         </a:rPr>
                         <a:t>MC</a:t>
                       </a:r>
                       <a:r>
-                        <a:rPr lang="en-US" sz="1100" b="0" kern="1200" baseline="0" dirty="0" smtClean="0">
+                        <a:rPr lang="en-US" sz="1200" b="0" kern="1200" baseline="0" dirty="0" smtClean="0">
                           <a:solidFill>
                             <a:schemeClr val="tx1"/>
                           </a:solidFill>
-                          <a:latin typeface="+mn-lt"/>
-                          <a:ea typeface="+mj-ea"/>
+                          <a:latin typeface="Bentley Light" panose="020B0404020201020102"/>
+                          <a:ea typeface="仿宋" panose="02010609060101010101" pitchFamily="49" charset="-122"/>
                           <a:cs typeface="+mn-ea"/>
                           <a:sym typeface="+mn-lt"/>
                         </a:rPr>
                         <a:t> </a:t>
                       </a:r>
                       <a:r>
-                        <a:rPr lang="zh-CN" altLang="en-US" sz="1100" b="0" kern="1200" dirty="0" smtClean="0">
+                        <a:rPr lang="zh-CN" altLang="en-US" sz="1200" b="0" kern="1200" dirty="0" smtClean="0">
                           <a:solidFill>
                             <a:schemeClr val="tx1"/>
                           </a:solidFill>
-                          <a:latin typeface="+mj-ea"/>
-                          <a:ea typeface="+mj-ea"/>
+                          <a:latin typeface="Bentley Light" panose="020B0404020201020102"/>
+                          <a:ea typeface="仿宋" panose="02010609060101010101" pitchFamily="49" charset="-122"/>
                           <a:cs typeface="+mn-ea"/>
                           <a:sym typeface="+mn-lt"/>
                         </a:rPr>
@@ -30276,12 +29839,12 @@
                         <a:tabLst/>
                         <a:defRPr/>
                       </a:pPr>
-                      <a:endParaRPr lang="en-US" altLang="zh-CN" sz="1100" b="0" dirty="0" smtClean="0">
+                      <a:endParaRPr lang="en-US" altLang="zh-CN" sz="1200" b="0" dirty="0" smtClean="0">
                         <a:solidFill>
                           <a:schemeClr val="tx1"/>
                         </a:solidFill>
-                        <a:latin typeface="+mn-lt"/>
-                        <a:ea typeface="+mn-ea"/>
+                        <a:latin typeface="Bentley Light" panose="020B0404020201020102"/>
+                        <a:ea typeface="仿宋" panose="02010609060101010101" pitchFamily="49" charset="-122"/>
                         <a:cs typeface="+mn-ea"/>
                         <a:sym typeface="+mn-lt"/>
                       </a:endParaRPr>
@@ -30318,12 +29881,12 @@
                         <a:tabLst/>
                         <a:defRPr/>
                       </a:pPr>
-                      <a:endParaRPr lang="en-US" altLang="zh-CN" sz="1100" b="0" dirty="0" smtClean="0">
+                      <a:endParaRPr lang="en-US" altLang="zh-CN" sz="1200" b="0" dirty="0" smtClean="0">
                         <a:solidFill>
                           <a:schemeClr val="tx1"/>
                         </a:solidFill>
-                        <a:latin typeface="+mn-lt"/>
-                        <a:ea typeface="+mn-ea"/>
+                        <a:latin typeface="Bentley Light" panose="020B0404020201020102"/>
+                        <a:ea typeface="仿宋" panose="02010609060101010101" pitchFamily="49" charset="-122"/>
                         <a:cs typeface="+mn-ea"/>
                         <a:sym typeface="+mn-lt"/>
                       </a:endParaRPr>
@@ -30341,10 +29904,12 @@
                     <a:lstStyle/>
                     <a:p>
                       <a:pPr algn="ctr"/>
-                      <a:endParaRPr lang="en-US" sz="1100" dirty="0">
+                      <a:endParaRPr lang="en-US" sz="1200" dirty="0">
                         <a:solidFill>
                           <a:schemeClr val="tx1"/>
                         </a:solidFill>
+                        <a:latin typeface="Bentley Light" panose="020B0404020201020102"/>
+                        <a:ea typeface="仿宋" panose="02010609060101010101" pitchFamily="49" charset="-122"/>
                       </a:endParaRPr>
                     </a:p>
                   </a:txBody>
@@ -30379,7 +29944,7 @@
                         <a:tabLst/>
                         <a:defRPr/>
                       </a:pPr>
-                      <a:endParaRPr kumimoji="0" lang="en-US" altLang="zh-CN" sz="1100" b="0" i="0" u="none" strike="noStrike" kern="1200" cap="none" spc="0" normalizeH="0" baseline="0" noProof="0" dirty="0" smtClean="0">
+                      <a:endParaRPr kumimoji="0" lang="en-US" altLang="zh-CN" sz="1200" b="0" i="0" u="none" strike="noStrike" kern="1200" cap="none" spc="0" normalizeH="0" baseline="0" noProof="0" dirty="0" smtClean="0">
                         <a:ln>
                           <a:noFill/>
                         </a:ln>
@@ -30391,8 +29956,8 @@
                         <a:effectLst/>
                         <a:uLnTx/>
                         <a:uFillTx/>
-                        <a:latin typeface="+mn-lt"/>
-                        <a:ea typeface="+mn-ea"/>
+                        <a:latin typeface="Bentley Light" panose="020B0404020201020102"/>
+                        <a:ea typeface="仿宋" panose="02010609060101010101" pitchFamily="49" charset="-122"/>
                         <a:cs typeface="+mn-ea"/>
                         <a:sym typeface="+mn-lt"/>
                       </a:endParaRPr>
@@ -30421,7 +29986,7 @@
                 </a:tc>
                 <a:extLst>
                   <a:ext uri="{0D108BD9-81ED-4DB2-BD59-A6C34878D82A}">
-                    <a16:rowId xmlns:a16="http://schemas.microsoft.com/office/drawing/2014/main" xmlns="" val="3524779542"/>
+                    <a16:rowId xmlns:a16="http://schemas.microsoft.com/office/drawing/2014/main" val="3524779542"/>
                   </a:ext>
                 </a:extLst>
               </a:tr>
@@ -30449,36 +30014,36 @@
                         <a:defRPr/>
                       </a:pPr>
                       <a:r>
-                        <a:rPr lang="en-US" altLang="zh-CN" sz="1100" b="0" kern="1200" dirty="0" smtClean="0">
+                        <a:rPr lang="en-US" altLang="zh-CN" sz="1200" b="0" kern="1200" dirty="0" smtClean="0">
                           <a:solidFill>
                             <a:schemeClr val="tx1"/>
                           </a:solidFill>
-                          <a:latin typeface="+mn-lt"/>
-                          <a:ea typeface="+mj-ea"/>
+                          <a:latin typeface="Bentley Light" panose="020B0404020201020102"/>
+                          <a:ea typeface="仿宋" panose="02010609060101010101" pitchFamily="49" charset="-122"/>
                           <a:cs typeface="+mn-ea"/>
                           <a:sym typeface="+mn-lt"/>
                         </a:rPr>
                         <a:t>Hospitality</a:t>
                       </a:r>
                       <a:r>
-                        <a:rPr lang="en-US" altLang="zh-CN" sz="1100" b="0" kern="1200" baseline="0" dirty="0" smtClean="0">
+                        <a:rPr lang="en-US" altLang="zh-CN" sz="1200" b="0" kern="1200" baseline="0" dirty="0" smtClean="0">
                           <a:solidFill>
                             <a:schemeClr val="tx1"/>
                           </a:solidFill>
-                          <a:latin typeface="+mn-lt"/>
-                          <a:ea typeface="+mj-ea"/>
+                          <a:latin typeface="Bentley Light" panose="020B0404020201020102"/>
+                          <a:ea typeface="仿宋" panose="02010609060101010101" pitchFamily="49" charset="-122"/>
                           <a:cs typeface="+mn-ea"/>
                           <a:sym typeface="+mn-lt"/>
                         </a:rPr>
                         <a:t> </a:t>
                       </a:r>
                       <a:r>
-                        <a:rPr lang="zh-CN" altLang="en-US" sz="1100" b="0" kern="1200" dirty="0" smtClean="0">
+                        <a:rPr lang="zh-CN" altLang="en-US" sz="1200" b="0" kern="1200" dirty="0" smtClean="0">
                           <a:solidFill>
                             <a:schemeClr val="tx1"/>
                           </a:solidFill>
-                          <a:latin typeface="+mj-ea"/>
-                          <a:ea typeface="+mj-ea"/>
+                          <a:latin typeface="Bentley Light" panose="020B0404020201020102"/>
+                          <a:ea typeface="仿宋" panose="02010609060101010101" pitchFamily="49" charset="-122"/>
                           <a:cs typeface="+mn-ea"/>
                           <a:sym typeface="+mn-lt"/>
                         </a:rPr>
@@ -30512,12 +30077,12 @@
                         <a:tabLst/>
                         <a:defRPr/>
                       </a:pPr>
-                      <a:endParaRPr lang="en-US" altLang="zh-CN" sz="1100" b="0" dirty="0" smtClean="0">
+                      <a:endParaRPr lang="en-US" altLang="zh-CN" sz="1200" b="0" dirty="0" smtClean="0">
                         <a:solidFill>
                           <a:schemeClr val="tx1"/>
                         </a:solidFill>
-                        <a:latin typeface="+mn-lt"/>
-                        <a:ea typeface="+mn-ea"/>
+                        <a:latin typeface="Bentley Light" panose="020B0404020201020102"/>
+                        <a:ea typeface="仿宋" panose="02010609060101010101" pitchFamily="49" charset="-122"/>
                         <a:cs typeface="+mn-ea"/>
                         <a:sym typeface="+mn-lt"/>
                       </a:endParaRPr>
@@ -30554,12 +30119,12 @@
                         <a:tabLst/>
                         <a:defRPr/>
                       </a:pPr>
-                      <a:endParaRPr lang="en-US" altLang="zh-CN" sz="1100" b="0" dirty="0" smtClean="0">
+                      <a:endParaRPr lang="en-US" altLang="zh-CN" sz="1200" b="0" dirty="0" smtClean="0">
                         <a:solidFill>
                           <a:schemeClr val="tx1"/>
                         </a:solidFill>
-                        <a:latin typeface="+mn-lt"/>
-                        <a:ea typeface="+mn-ea"/>
+                        <a:latin typeface="Bentley Light" panose="020B0404020201020102"/>
+                        <a:ea typeface="仿宋" panose="02010609060101010101" pitchFamily="49" charset="-122"/>
                         <a:cs typeface="+mn-ea"/>
                         <a:sym typeface="+mn-lt"/>
                       </a:endParaRPr>
@@ -30577,10 +30142,12 @@
                     <a:lstStyle/>
                     <a:p>
                       <a:pPr algn="ctr"/>
-                      <a:endParaRPr lang="en-US" sz="1100" dirty="0">
+                      <a:endParaRPr lang="en-US" sz="1200" dirty="0">
                         <a:solidFill>
                           <a:schemeClr val="tx1"/>
                         </a:solidFill>
+                        <a:latin typeface="Bentley Light" panose="020B0404020201020102"/>
+                        <a:ea typeface="仿宋" panose="02010609060101010101" pitchFamily="49" charset="-122"/>
                       </a:endParaRPr>
                     </a:p>
                   </a:txBody>
@@ -30615,7 +30182,7 @@
                         <a:tabLst/>
                         <a:defRPr/>
                       </a:pPr>
-                      <a:endParaRPr kumimoji="0" lang="en-US" altLang="zh-CN" sz="1100" b="0" i="0" u="none" strike="noStrike" kern="1200" cap="none" spc="0" normalizeH="0" baseline="0" noProof="0" dirty="0" smtClean="0">
+                      <a:endParaRPr kumimoji="0" lang="en-US" altLang="zh-CN" sz="1200" b="0" i="0" u="none" strike="noStrike" kern="1200" cap="none" spc="0" normalizeH="0" baseline="0" noProof="0" dirty="0" smtClean="0">
                         <a:ln>
                           <a:noFill/>
                         </a:ln>
@@ -30627,8 +30194,8 @@
                         <a:effectLst/>
                         <a:uLnTx/>
                         <a:uFillTx/>
-                        <a:latin typeface="+mn-lt"/>
-                        <a:ea typeface="+mn-ea"/>
+                        <a:latin typeface="Bentley Light" panose="020B0404020201020102"/>
+                        <a:ea typeface="仿宋" panose="02010609060101010101" pitchFamily="49" charset="-122"/>
                         <a:cs typeface="+mn-ea"/>
                         <a:sym typeface="+mn-lt"/>
                       </a:endParaRPr>
@@ -30657,7 +30224,7 @@
                 </a:tc>
                 <a:extLst>
                   <a:ext uri="{0D108BD9-81ED-4DB2-BD59-A6C34878D82A}">
-                    <a16:rowId xmlns:a16="http://schemas.microsoft.com/office/drawing/2014/main" xmlns="" val="2910126378"/>
+                    <a16:rowId xmlns:a16="http://schemas.microsoft.com/office/drawing/2014/main" val="2910126378"/>
                   </a:ext>
                 </a:extLst>
               </a:tr>
@@ -30685,47 +30252,47 @@
                         <a:defRPr/>
                       </a:pPr>
                       <a:r>
-                        <a:rPr lang="en-US" altLang="zh-CN" sz="1100" b="0" kern="1200" dirty="0" smtClean="0">
+                        <a:rPr lang="en-US" altLang="zh-CN" sz="1200" b="0" kern="1200" dirty="0" smtClean="0">
                           <a:solidFill>
                             <a:schemeClr val="tx1"/>
                           </a:solidFill>
-                          <a:latin typeface="+mn-lt"/>
-                          <a:ea typeface="+mj-ea"/>
+                          <a:latin typeface="Bentley Light" panose="020B0404020201020102"/>
+                          <a:ea typeface="仿宋" panose="02010609060101010101" pitchFamily="49" charset="-122"/>
                           <a:cs typeface="+mn-ea"/>
                           <a:sym typeface="+mn-lt"/>
                         </a:rPr>
                         <a:t>Catering</a:t>
                       </a:r>
                       <a:r>
-                        <a:rPr lang="en-US" altLang="zh-CN" sz="1100" b="0" kern="1200" baseline="0" dirty="0" smtClean="0">
+                        <a:rPr lang="en-US" altLang="zh-CN" sz="1200" b="0" kern="1200" baseline="0" dirty="0" smtClean="0">
                           <a:solidFill>
                             <a:schemeClr val="tx1"/>
                           </a:solidFill>
-                          <a:latin typeface="+mn-lt"/>
-                          <a:ea typeface="+mj-ea"/>
+                          <a:latin typeface="Bentley Light" panose="020B0404020201020102"/>
+                          <a:ea typeface="仿宋" panose="02010609060101010101" pitchFamily="49" charset="-122"/>
                           <a:cs typeface="+mn-ea"/>
                           <a:sym typeface="+mn-lt"/>
                         </a:rPr>
                         <a:t> </a:t>
                       </a:r>
                       <a:r>
-                        <a:rPr lang="zh-CN" altLang="en-US" sz="1100" b="0" kern="1200" dirty="0" smtClean="0">
+                        <a:rPr lang="zh-CN" altLang="en-US" sz="1200" b="0" kern="1200" dirty="0" smtClean="0">
                           <a:solidFill>
                             <a:schemeClr val="tx1"/>
                           </a:solidFill>
-                          <a:latin typeface="+mj-ea"/>
-                          <a:ea typeface="+mj-ea"/>
+                          <a:latin typeface="Bentley Light" panose="020B0404020201020102"/>
+                          <a:ea typeface="仿宋" panose="02010609060101010101" pitchFamily="49" charset="-122"/>
                           <a:cs typeface="+mn-ea"/>
                           <a:sym typeface="+mn-lt"/>
                         </a:rPr>
                         <a:t>餐饮</a:t>
                       </a:r>
-                      <a:endParaRPr lang="en-US" altLang="zh-CN" sz="1100" b="0" kern="1200" dirty="0" smtClean="0">
+                      <a:endParaRPr lang="en-US" altLang="zh-CN" sz="1200" b="0" kern="1200" dirty="0" smtClean="0">
                         <a:solidFill>
                           <a:schemeClr val="tx1"/>
                         </a:solidFill>
-                        <a:latin typeface="+mj-ea"/>
-                        <a:ea typeface="+mj-ea"/>
+                        <a:latin typeface="Bentley Light" panose="020B0404020201020102"/>
+                        <a:ea typeface="仿宋" panose="02010609060101010101" pitchFamily="49" charset="-122"/>
                         <a:cs typeface="+mn-ea"/>
                         <a:sym typeface="+mn-lt"/>
                       </a:endParaRPr>
@@ -30757,12 +30324,12 @@
                         <a:tabLst/>
                         <a:defRPr/>
                       </a:pPr>
-                      <a:endParaRPr lang="en-US" altLang="zh-CN" sz="1100" b="0" dirty="0" smtClean="0">
+                      <a:endParaRPr lang="en-US" altLang="zh-CN" sz="1200" b="0" dirty="0" smtClean="0">
                         <a:solidFill>
                           <a:schemeClr val="tx1"/>
                         </a:solidFill>
-                        <a:latin typeface="+mn-lt"/>
-                        <a:ea typeface="+mn-ea"/>
+                        <a:latin typeface="Bentley Light" panose="020B0404020201020102"/>
+                        <a:ea typeface="仿宋" panose="02010609060101010101" pitchFamily="49" charset="-122"/>
                         <a:cs typeface="+mn-ea"/>
                         <a:sym typeface="+mn-lt"/>
                       </a:endParaRPr>
@@ -30799,12 +30366,12 @@
                         <a:tabLst/>
                         <a:defRPr/>
                       </a:pPr>
-                      <a:endParaRPr lang="en-US" altLang="zh-CN" sz="1100" b="0" dirty="0" smtClean="0">
+                      <a:endParaRPr lang="en-US" altLang="zh-CN" sz="1200" b="0" dirty="0" smtClean="0">
                         <a:solidFill>
                           <a:schemeClr val="tx1"/>
                         </a:solidFill>
-                        <a:latin typeface="+mn-lt"/>
-                        <a:ea typeface="+mn-ea"/>
+                        <a:latin typeface="Bentley Light" panose="020B0404020201020102"/>
+                        <a:ea typeface="仿宋" panose="02010609060101010101" pitchFamily="49" charset="-122"/>
                         <a:cs typeface="+mn-ea"/>
                         <a:sym typeface="+mn-lt"/>
                       </a:endParaRPr>
@@ -30838,10 +30405,12 @@
                         <a:tabLst/>
                         <a:defRPr/>
                       </a:pPr>
-                      <a:endParaRPr lang="en-US" sz="1100" dirty="0" smtClean="0">
+                      <a:endParaRPr lang="en-US" sz="1200" dirty="0" smtClean="0">
                         <a:solidFill>
                           <a:schemeClr val="tx1"/>
                         </a:solidFill>
+                        <a:latin typeface="Bentley Light" panose="020B0404020201020102"/>
+                        <a:ea typeface="仿宋" panose="02010609060101010101" pitchFamily="49" charset="-122"/>
                       </a:endParaRPr>
                     </a:p>
                   </a:txBody>
@@ -30860,10 +30429,12 @@
                     <a:lstStyle/>
                     <a:p>
                       <a:pPr algn="ctr"/>
-                      <a:endParaRPr lang="en-US" sz="1100" dirty="0">
+                      <a:endParaRPr lang="en-US" sz="1200" dirty="0">
                         <a:solidFill>
                           <a:schemeClr val="accent1"/>
                         </a:solidFill>
+                        <a:latin typeface="Bentley Light" panose="020B0404020201020102"/>
+                        <a:ea typeface="仿宋" panose="02010609060101010101" pitchFamily="49" charset="-122"/>
                       </a:endParaRPr>
                     </a:p>
                   </a:txBody>
@@ -30890,7 +30461,7 @@
                 </a:tc>
                 <a:extLst>
                   <a:ext uri="{0D108BD9-81ED-4DB2-BD59-A6C34878D82A}">
-                    <a16:rowId xmlns:a16="http://schemas.microsoft.com/office/drawing/2014/main" xmlns="" val="2470890304"/>
+                    <a16:rowId xmlns:a16="http://schemas.microsoft.com/office/drawing/2014/main" val="2470890304"/>
                   </a:ext>
                 </a:extLst>
               </a:tr>
@@ -30918,47 +30489,47 @@
                         <a:defRPr/>
                       </a:pPr>
                       <a:r>
-                        <a:rPr lang="en-US" altLang="zh-CN" sz="1100" b="0" kern="1200" dirty="0" smtClean="0">
+                        <a:rPr lang="en-US" altLang="zh-CN" sz="1200" b="0" kern="1200" dirty="0" smtClean="0">
                           <a:solidFill>
                             <a:schemeClr val="tx1"/>
                           </a:solidFill>
-                          <a:latin typeface="+mn-lt"/>
-                          <a:ea typeface="+mj-ea"/>
+                          <a:latin typeface="Bentley Light" panose="020B0404020201020102"/>
+                          <a:ea typeface="仿宋" panose="02010609060101010101" pitchFamily="49" charset="-122"/>
                           <a:cs typeface="+mn-ea"/>
                           <a:sym typeface="+mn-lt"/>
                         </a:rPr>
                         <a:t>Others</a:t>
                       </a:r>
                       <a:r>
-                        <a:rPr lang="en-US" altLang="zh-CN" sz="1100" b="0" kern="1200" baseline="0" dirty="0" smtClean="0">
+                        <a:rPr lang="en-US" altLang="zh-CN" sz="1200" b="0" kern="1200" baseline="0" dirty="0" smtClean="0">
                           <a:solidFill>
                             <a:schemeClr val="tx1"/>
                           </a:solidFill>
-                          <a:latin typeface="+mn-lt"/>
-                          <a:ea typeface="+mj-ea"/>
+                          <a:latin typeface="Bentley Light" panose="020B0404020201020102"/>
+                          <a:ea typeface="仿宋" panose="02010609060101010101" pitchFamily="49" charset="-122"/>
                           <a:cs typeface="+mn-ea"/>
                           <a:sym typeface="+mn-lt"/>
                         </a:rPr>
                         <a:t> </a:t>
                       </a:r>
                       <a:r>
-                        <a:rPr lang="zh-CN" altLang="en-US" sz="1100" b="0" kern="1200" dirty="0" smtClean="0">
+                        <a:rPr lang="zh-CN" altLang="en-US" sz="1200" b="0" kern="1200" dirty="0" smtClean="0">
                           <a:solidFill>
                             <a:schemeClr val="tx1"/>
                           </a:solidFill>
-                          <a:latin typeface="+mj-ea"/>
-                          <a:ea typeface="+mj-ea"/>
+                          <a:latin typeface="Bentley Light" panose="020B0404020201020102"/>
+                          <a:ea typeface="仿宋" panose="02010609060101010101" pitchFamily="49" charset="-122"/>
                           <a:cs typeface="+mn-ea"/>
                           <a:sym typeface="+mn-lt"/>
                         </a:rPr>
                         <a:t>其他</a:t>
                       </a:r>
-                      <a:endParaRPr lang="en-US" altLang="zh-CN" sz="1100" b="0" kern="1200" dirty="0" smtClean="0">
+                      <a:endParaRPr lang="en-US" altLang="zh-CN" sz="1200" b="0" kern="1200" dirty="0" smtClean="0">
                         <a:solidFill>
                           <a:schemeClr val="tx1"/>
                         </a:solidFill>
-                        <a:latin typeface="+mj-ea"/>
-                        <a:ea typeface="+mj-ea"/>
+                        <a:latin typeface="Bentley Light" panose="020B0404020201020102"/>
+                        <a:ea typeface="仿宋" panose="02010609060101010101" pitchFamily="49" charset="-122"/>
                         <a:cs typeface="+mn-ea"/>
                         <a:sym typeface="+mn-lt"/>
                       </a:endParaRPr>
@@ -30990,12 +30561,12 @@
                         <a:tabLst/>
                         <a:defRPr/>
                       </a:pPr>
-                      <a:endParaRPr lang="en-US" altLang="zh-CN" sz="1100" b="0" dirty="0" smtClean="0">
+                      <a:endParaRPr lang="en-US" altLang="zh-CN" sz="1200" b="0" dirty="0" smtClean="0">
                         <a:solidFill>
                           <a:schemeClr val="tx1"/>
                         </a:solidFill>
-                        <a:latin typeface="+mn-lt"/>
-                        <a:ea typeface="+mn-ea"/>
+                        <a:latin typeface="Bentley Light" panose="020B0404020201020102"/>
+                        <a:ea typeface="仿宋" panose="02010609060101010101" pitchFamily="49" charset="-122"/>
                         <a:cs typeface="+mn-ea"/>
                         <a:sym typeface="+mn-lt"/>
                       </a:endParaRPr>
@@ -31032,12 +30603,12 @@
                         <a:tabLst/>
                         <a:defRPr/>
                       </a:pPr>
-                      <a:endParaRPr lang="en-US" altLang="zh-CN" sz="1100" b="0" dirty="0" smtClean="0">
+                      <a:endParaRPr lang="en-US" altLang="zh-CN" sz="1200" b="0" dirty="0" smtClean="0">
                         <a:solidFill>
                           <a:schemeClr val="tx1"/>
                         </a:solidFill>
-                        <a:latin typeface="+mn-lt"/>
-                        <a:ea typeface="+mn-ea"/>
+                        <a:latin typeface="Bentley Light" panose="020B0404020201020102"/>
+                        <a:ea typeface="仿宋" panose="02010609060101010101" pitchFamily="49" charset="-122"/>
                         <a:cs typeface="+mn-ea"/>
                         <a:sym typeface="+mn-lt"/>
                       </a:endParaRPr>
@@ -31071,10 +30642,12 @@
                         <a:tabLst/>
                         <a:defRPr/>
                       </a:pPr>
-                      <a:endParaRPr lang="en-US" sz="1100" dirty="0" smtClean="0">
+                      <a:endParaRPr lang="en-US" sz="1200" dirty="0" smtClean="0">
                         <a:solidFill>
                           <a:schemeClr val="tx1"/>
                         </a:solidFill>
+                        <a:latin typeface="Bentley Light" panose="020B0404020201020102"/>
+                        <a:ea typeface="仿宋" panose="02010609060101010101" pitchFamily="49" charset="-122"/>
                       </a:endParaRPr>
                     </a:p>
                   </a:txBody>
@@ -31093,10 +30666,12 @@
                     <a:lstStyle/>
                     <a:p>
                       <a:pPr algn="ctr"/>
-                      <a:endParaRPr lang="en-US" sz="1100" dirty="0">
+                      <a:endParaRPr lang="en-US" sz="1200" dirty="0">
                         <a:solidFill>
                           <a:schemeClr val="accent1"/>
                         </a:solidFill>
+                        <a:latin typeface="Bentley Light" panose="020B0404020201020102"/>
+                        <a:ea typeface="仿宋" panose="02010609060101010101" pitchFamily="49" charset="-122"/>
                       </a:endParaRPr>
                     </a:p>
                   </a:txBody>
@@ -31123,7 +30698,7 @@
                 </a:tc>
                 <a:extLst>
                   <a:ext uri="{0D108BD9-81ED-4DB2-BD59-A6C34878D82A}">
-                    <a16:rowId xmlns:a16="http://schemas.microsoft.com/office/drawing/2014/main" xmlns="" val="2698866000"/>
+                    <a16:rowId xmlns:a16="http://schemas.microsoft.com/office/drawing/2014/main" val="2698866000"/>
                   </a:ext>
                 </a:extLst>
               </a:tr>
@@ -31159,7 +30734,7 @@
                 <a:gridCol w="11048534">
                   <a:extLst>
                     <a:ext uri="{9D8B030D-6E8A-4147-A177-3AD203B41FA5}">
-                      <a16:colId xmlns:a16="http://schemas.microsoft.com/office/drawing/2014/main" xmlns="" val="1357581311"/>
+                      <a16:colId xmlns:a16="http://schemas.microsoft.com/office/drawing/2014/main" val="1357581311"/>
                     </a:ext>
                   </a:extLst>
                 </a:gridCol>
@@ -31246,7 +30821,7 @@
                 </a:tc>
                 <a:extLst>
                   <a:ext uri="{0D108BD9-81ED-4DB2-BD59-A6C34878D82A}">
-                    <a16:rowId xmlns:a16="http://schemas.microsoft.com/office/drawing/2014/main" xmlns="" val="3203583067"/>
+                    <a16:rowId xmlns:a16="http://schemas.microsoft.com/office/drawing/2014/main" val="3203583067"/>
                   </a:ext>
                 </a:extLst>
               </a:tr>
@@ -31376,14 +30951,14 @@
           <p:nvPr>
             <p:extLst>
               <p:ext uri="{D42A27DB-BD31-4B8C-83A1-F6EECF244321}">
-                <p14:modId xmlns:p14="http://schemas.microsoft.com/office/powerpoint/2010/main" val="2997684753"/>
+                <p14:modId xmlns:p14="http://schemas.microsoft.com/office/powerpoint/2010/main" val="1098310082"/>
               </p:ext>
             </p:extLst>
           </p:nvPr>
         </p:nvGraphicFramePr>
         <p:xfrm>
           <a:off x="539750" y="1254424"/>
-          <a:ext cx="11079992" cy="4762914"/>
+          <a:ext cx="11079992" cy="5436245"/>
         </p:xfrm>
         <a:graphic>
           <a:graphicData uri="http://schemas.openxmlformats.org/drawingml/2006/table">
@@ -31395,26 +30970,26 @@
                 <a:gridCol w="2292412">
                   <a:extLst>
                     <a:ext uri="{9D8B030D-6E8A-4147-A177-3AD203B41FA5}">
-                      <a16:colId xmlns:a16="http://schemas.microsoft.com/office/drawing/2014/main" xmlns="" val="1701192910"/>
+                      <a16:colId xmlns:a16="http://schemas.microsoft.com/office/drawing/2014/main" val="1701192910"/>
                     </a:ext>
                   </a:extLst>
                 </a:gridCol>
                 <a:gridCol w="2292412">
                   <a:extLst>
                     <a:ext uri="{9D8B030D-6E8A-4147-A177-3AD203B41FA5}">
-                      <a16:colId xmlns:a16="http://schemas.microsoft.com/office/drawing/2014/main" xmlns="" val="20000"/>
+                      <a16:colId xmlns:a16="http://schemas.microsoft.com/office/drawing/2014/main" val="20000"/>
                     </a:ext>
                   </a:extLst>
                 </a:gridCol>
                 <a:gridCol w="6495168">
                   <a:extLst>
                     <a:ext uri="{9D8B030D-6E8A-4147-A177-3AD203B41FA5}">
-                      <a16:colId xmlns:a16="http://schemas.microsoft.com/office/drawing/2014/main" xmlns="" val="20001"/>
+                      <a16:colId xmlns:a16="http://schemas.microsoft.com/office/drawing/2014/main" val="20001"/>
                     </a:ext>
                   </a:extLst>
                 </a:gridCol>
               </a:tblGrid>
-              <a:tr h="441918">
+              <a:tr h="397429">
                 <a:tc>
                   <a:txBody>
                     <a:bodyPr/>
@@ -31692,11 +31267,11 @@
                 </a:tc>
                 <a:extLst>
                   <a:ext uri="{0D108BD9-81ED-4DB2-BD59-A6C34878D82A}">
-                    <a16:rowId xmlns:a16="http://schemas.microsoft.com/office/drawing/2014/main" xmlns="" val="10000"/>
+                    <a16:rowId xmlns:a16="http://schemas.microsoft.com/office/drawing/2014/main" val="10000"/>
                   </a:ext>
                 </a:extLst>
               </a:tr>
-              <a:tr h="1166223">
+              <a:tr h="422607">
                 <a:tc>
                   <a:txBody>
                     <a:bodyPr/>
@@ -31719,15 +31294,15 @@
                         <a:tabLst/>
                         <a:defRPr/>
                       </a:pPr>
-                      <a:endParaRPr lang="en-US" sz="1200" b="0" kern="1200" dirty="0" smtClean="0">
+                      <a:endParaRPr lang="en-US" sz="1200" b="0" kern="1200" baseline="0" dirty="0" smtClean="0">
                         <a:solidFill>
                           <a:schemeClr val="tx1">
                             <a:lumMod val="75000"/>
                             <a:lumOff val="25000"/>
                           </a:schemeClr>
                         </a:solidFill>
-                        <a:latin typeface="+mn-lt"/>
-                        <a:ea typeface="+mn-ea"/>
+                        <a:latin typeface="Bentley Light" panose="020B0404020201020102"/>
+                        <a:ea typeface="黑体" panose="02010609060101010101" pitchFamily="49" charset="-122"/>
                         <a:cs typeface="+mn-ea"/>
                         <a:sym typeface="+mn-lt"/>
                       </a:endParaRPr>
@@ -31799,15 +31374,15 @@
                         <a:tabLst/>
                         <a:defRPr/>
                       </a:pPr>
-                      <a:endParaRPr lang="en-US" sz="1200" b="0" kern="1200" dirty="0" smtClean="0">
+                      <a:endParaRPr lang="en-US" sz="1200" b="0" kern="1200" baseline="0" dirty="0" smtClean="0">
                         <a:solidFill>
                           <a:schemeClr val="tx1">
                             <a:lumMod val="75000"/>
                             <a:lumOff val="25000"/>
                           </a:schemeClr>
                         </a:solidFill>
-                        <a:latin typeface="+mn-lt"/>
-                        <a:ea typeface="+mn-ea"/>
+                        <a:latin typeface="Bentley Light" panose="020B0404020201020102"/>
+                        <a:ea typeface="黑体" panose="02010609060101010101" pitchFamily="49" charset="-122"/>
                         <a:cs typeface="+mn-ea"/>
                         <a:sym typeface="+mn-lt"/>
                       </a:endParaRPr>
@@ -31879,15 +31454,15 @@
                         <a:tabLst/>
                         <a:defRPr/>
                       </a:pPr>
-                      <a:endParaRPr lang="en-US" altLang="zh-CN" sz="1200" b="0" kern="1200" dirty="0">
+                      <a:endParaRPr lang="en-US" altLang="zh-CN" sz="1200" b="0" kern="1200" baseline="0" dirty="0">
                         <a:solidFill>
                           <a:schemeClr val="tx1">
                             <a:lumMod val="75000"/>
                             <a:lumOff val="25000"/>
                           </a:schemeClr>
                         </a:solidFill>
-                        <a:latin typeface="+mn-lt"/>
-                        <a:ea typeface="+mn-ea"/>
+                        <a:latin typeface="Bentley Light" panose="020B0404020201020102"/>
+                        <a:ea typeface="黑体" panose="02010609060101010101" pitchFamily="49" charset="-122"/>
                         <a:cs typeface="+mn-ea"/>
                         <a:sym typeface="+mn-lt"/>
                       </a:endParaRPr>
@@ -31939,11 +31514,11 @@
                 </a:tc>
                 <a:extLst>
                   <a:ext uri="{0D108BD9-81ED-4DB2-BD59-A6C34878D82A}">
-                    <a16:rowId xmlns:a16="http://schemas.microsoft.com/office/drawing/2014/main" xmlns="" val="10001"/>
+                    <a16:rowId xmlns:a16="http://schemas.microsoft.com/office/drawing/2014/main" val="10001"/>
                   </a:ext>
                 </a:extLst>
               </a:tr>
-              <a:tr h="1051591">
+              <a:tr h="409003">
                 <a:tc>
                   <a:txBody>
                     <a:bodyPr/>
@@ -31966,15 +31541,15 @@
                         <a:tabLst/>
                         <a:defRPr/>
                       </a:pPr>
-                      <a:endParaRPr lang="zh-CN" altLang="en-US" sz="1200" b="0" kern="1200" dirty="0">
+                      <a:endParaRPr lang="en-US" sz="1200" b="0" kern="1200" baseline="0" dirty="0" smtClean="0">
                         <a:solidFill>
                           <a:schemeClr val="tx1">
                             <a:lumMod val="75000"/>
                             <a:lumOff val="25000"/>
                           </a:schemeClr>
                         </a:solidFill>
-                        <a:latin typeface="+mn-lt"/>
-                        <a:ea typeface="+mn-ea"/>
+                        <a:latin typeface="Bentley Light" panose="020B0404020201020102"/>
+                        <a:ea typeface="黑体" panose="02010609060101010101" pitchFamily="49" charset="-122"/>
                         <a:cs typeface="+mn-ea"/>
                         <a:sym typeface="+mn-lt"/>
                       </a:endParaRPr>
@@ -32050,15 +31625,15 @@
                         <a:tabLst/>
                         <a:defRPr/>
                       </a:pPr>
-                      <a:endParaRPr lang="zh-CN" altLang="en-US" sz="1200" b="0" kern="1200" dirty="0">
+                      <a:endParaRPr lang="en-US" sz="1200" b="0" kern="1200" baseline="0" dirty="0" smtClean="0">
                         <a:solidFill>
                           <a:schemeClr val="tx1">
                             <a:lumMod val="75000"/>
                             <a:lumOff val="25000"/>
                           </a:schemeClr>
                         </a:solidFill>
-                        <a:latin typeface="+mn-lt"/>
-                        <a:ea typeface="+mn-ea"/>
+                        <a:latin typeface="Bentley Light" panose="020B0404020201020102"/>
+                        <a:ea typeface="黑体" panose="02010609060101010101" pitchFamily="49" charset="-122"/>
                         <a:cs typeface="+mn-ea"/>
                         <a:sym typeface="+mn-lt"/>
                       </a:endParaRPr>
@@ -32134,15 +31709,15 @@
                         <a:tabLst/>
                         <a:defRPr/>
                       </a:pPr>
-                      <a:endParaRPr lang="zh-CN" altLang="en-US" sz="1200" b="0" kern="1200" dirty="0">
+                      <a:endParaRPr lang="en-US" altLang="zh-CN" sz="1200" b="0" kern="1200" baseline="0" dirty="0">
                         <a:solidFill>
                           <a:schemeClr val="tx1">
                             <a:lumMod val="75000"/>
                             <a:lumOff val="25000"/>
                           </a:schemeClr>
                         </a:solidFill>
-                        <a:latin typeface="+mn-lt"/>
-                        <a:ea typeface="+mn-ea"/>
+                        <a:latin typeface="Bentley Light" panose="020B0404020201020102"/>
+                        <a:ea typeface="黑体" panose="02010609060101010101" pitchFamily="49" charset="-122"/>
                         <a:cs typeface="+mn-ea"/>
                         <a:sym typeface="+mn-lt"/>
                       </a:endParaRPr>
@@ -32198,11 +31773,11 @@
                 </a:tc>
                 <a:extLst>
                   <a:ext uri="{0D108BD9-81ED-4DB2-BD59-A6C34878D82A}">
-                    <a16:rowId xmlns:a16="http://schemas.microsoft.com/office/drawing/2014/main" xmlns="" val="10002"/>
+                    <a16:rowId xmlns:a16="http://schemas.microsoft.com/office/drawing/2014/main" val="137456389"/>
                   </a:ext>
                 </a:extLst>
               </a:tr>
-              <a:tr h="1051591">
+              <a:tr h="409003">
                 <a:tc>
                   <a:txBody>
                     <a:bodyPr/>
@@ -32225,15 +31800,15 @@
                         <a:tabLst/>
                         <a:defRPr/>
                       </a:pPr>
-                      <a:endParaRPr lang="zh-CN" altLang="en-US" sz="1200" b="0" kern="1200" dirty="0">
+                      <a:endParaRPr lang="zh-CN" altLang="en-US" sz="1200" b="0" kern="1200" baseline="0" dirty="0">
                         <a:solidFill>
                           <a:schemeClr val="tx1">
                             <a:lumMod val="75000"/>
                             <a:lumOff val="25000"/>
                           </a:schemeClr>
                         </a:solidFill>
-                        <a:latin typeface="+mn-lt"/>
-                        <a:ea typeface="+mn-ea"/>
+                        <a:latin typeface="Bentley Light" panose="020B0404020201020102"/>
+                        <a:ea typeface="黑体" panose="02010609060101010101" pitchFamily="49" charset="-122"/>
                         <a:cs typeface="+mn-ea"/>
                         <a:sym typeface="+mn-lt"/>
                       </a:endParaRPr>
@@ -32309,15 +31884,15 @@
                         <a:tabLst/>
                         <a:defRPr/>
                       </a:pPr>
-                      <a:endParaRPr lang="zh-CN" altLang="en-US" sz="1200" b="0" kern="1200" dirty="0">
+                      <a:endParaRPr lang="zh-CN" altLang="en-US" sz="1200" b="0" kern="1200" baseline="0" dirty="0">
                         <a:solidFill>
                           <a:schemeClr val="tx1">
                             <a:lumMod val="75000"/>
                             <a:lumOff val="25000"/>
                           </a:schemeClr>
                         </a:solidFill>
-                        <a:latin typeface="+mn-lt"/>
-                        <a:ea typeface="+mn-ea"/>
+                        <a:latin typeface="Bentley Light" panose="020B0404020201020102"/>
+                        <a:ea typeface="黑体" panose="02010609060101010101" pitchFamily="49" charset="-122"/>
                         <a:cs typeface="+mn-ea"/>
                         <a:sym typeface="+mn-lt"/>
                       </a:endParaRPr>
@@ -32393,15 +31968,15 @@
                         <a:tabLst/>
                         <a:defRPr/>
                       </a:pPr>
-                      <a:endParaRPr lang="zh-CN" altLang="en-US" sz="1200" b="0" kern="1200" dirty="0">
+                      <a:endParaRPr lang="zh-CN" altLang="en-US" sz="1200" b="0" kern="1200" baseline="0" dirty="0">
                         <a:solidFill>
                           <a:schemeClr val="tx1">
                             <a:lumMod val="75000"/>
                             <a:lumOff val="25000"/>
                           </a:schemeClr>
                         </a:solidFill>
-                        <a:latin typeface="+mn-lt"/>
-                        <a:ea typeface="+mn-ea"/>
+                        <a:latin typeface="Bentley Light" panose="020B0404020201020102"/>
+                        <a:ea typeface="黑体" panose="02010609060101010101" pitchFamily="49" charset="-122"/>
                         <a:cs typeface="+mn-ea"/>
                         <a:sym typeface="+mn-lt"/>
                       </a:endParaRPr>
@@ -32457,11 +32032,11 @@
                 </a:tc>
                 <a:extLst>
                   <a:ext uri="{0D108BD9-81ED-4DB2-BD59-A6C34878D82A}">
-                    <a16:rowId xmlns:a16="http://schemas.microsoft.com/office/drawing/2014/main" xmlns="" val="10003"/>
+                    <a16:rowId xmlns:a16="http://schemas.microsoft.com/office/drawing/2014/main" val="10002"/>
                   </a:ext>
                 </a:extLst>
               </a:tr>
-              <a:tr h="1051591">
+              <a:tr h="454670">
                 <a:tc>
                   <a:txBody>
                     <a:bodyPr/>
@@ -32484,15 +32059,15 @@
                         <a:tabLst/>
                         <a:defRPr/>
                       </a:pPr>
-                      <a:endParaRPr lang="zh-CN" altLang="en-US" sz="1200" b="0" kern="1200" dirty="0">
+                      <a:endParaRPr lang="zh-CN" altLang="en-US" sz="1200" b="0" kern="1200" baseline="0" dirty="0">
                         <a:solidFill>
                           <a:schemeClr val="tx1">
                             <a:lumMod val="75000"/>
                             <a:lumOff val="25000"/>
                           </a:schemeClr>
                         </a:solidFill>
-                        <a:latin typeface="+mn-lt"/>
-                        <a:ea typeface="+mn-ea"/>
+                        <a:latin typeface="Bentley Light" panose="020B0404020201020102"/>
+                        <a:ea typeface="黑体" panose="02010609060101010101" pitchFamily="49" charset="-122"/>
                         <a:cs typeface="+mn-ea"/>
                         <a:sym typeface="+mn-lt"/>
                       </a:endParaRPr>
@@ -32524,11 +32099,13 @@
                       <a:headEnd type="none" w="med" len="med"/>
                       <a:tailEnd type="none" w="med" len="med"/>
                     </a:lnT>
-                    <a:lnB w="6350" cap="flat" cmpd="sng" algn="ctr">
+                    <a:lnB w="3175" cap="flat" cmpd="sng" algn="ctr">
                       <a:solidFill>
-                        <a:srgbClr val="BBBCBC"/>
+                        <a:schemeClr val="bg1">
+                          <a:lumMod val="75000"/>
+                        </a:schemeClr>
                       </a:solidFill>
-                      <a:prstDash val="solid"/>
+                      <a:prstDash val="sysDot"/>
                       <a:round/>
                       <a:headEnd type="none" w="med" len="med"/>
                       <a:tailEnd type="none" w="med" len="med"/>
@@ -32566,15 +32143,15 @@
                         <a:tabLst/>
                         <a:defRPr/>
                       </a:pPr>
-                      <a:endParaRPr lang="zh-CN" altLang="en-US" sz="1200" b="0" kern="1200" dirty="0">
+                      <a:endParaRPr lang="zh-CN" altLang="en-US" sz="1200" b="0" kern="1200" baseline="0" dirty="0">
                         <a:solidFill>
                           <a:schemeClr val="tx1">
                             <a:lumMod val="75000"/>
                             <a:lumOff val="25000"/>
                           </a:schemeClr>
                         </a:solidFill>
-                        <a:latin typeface="+mn-lt"/>
-                        <a:ea typeface="+mn-ea"/>
+                        <a:latin typeface="Bentley Light" panose="020B0404020201020102"/>
+                        <a:ea typeface="黑体" panose="02010609060101010101" pitchFamily="49" charset="-122"/>
                         <a:cs typeface="+mn-ea"/>
                         <a:sym typeface="+mn-lt"/>
                       </a:endParaRPr>
@@ -32606,11 +32183,13 @@
                       <a:headEnd type="none" w="med" len="med"/>
                       <a:tailEnd type="none" w="med" len="med"/>
                     </a:lnT>
-                    <a:lnB w="6350" cap="flat" cmpd="sng" algn="ctr">
+                    <a:lnB w="3175" cap="flat" cmpd="sng" algn="ctr">
                       <a:solidFill>
-                        <a:srgbClr val="BBBCBC"/>
+                        <a:schemeClr val="bg1">
+                          <a:lumMod val="75000"/>
+                        </a:schemeClr>
                       </a:solidFill>
-                      <a:prstDash val="solid"/>
+                      <a:prstDash val="sysDot"/>
                       <a:round/>
                       <a:headEnd type="none" w="med" len="med"/>
                       <a:tailEnd type="none" w="med" len="med"/>
@@ -32648,15 +32227,15 @@
                         <a:tabLst/>
                         <a:defRPr/>
                       </a:pPr>
-                      <a:endParaRPr lang="zh-CN" altLang="en-US" sz="1200" b="0" kern="1200" dirty="0">
+                      <a:endParaRPr lang="zh-CN" altLang="en-US" sz="1200" b="0" kern="1200" baseline="0" dirty="0">
                         <a:solidFill>
                           <a:schemeClr val="tx1">
                             <a:lumMod val="75000"/>
                             <a:lumOff val="25000"/>
                           </a:schemeClr>
                         </a:solidFill>
-                        <a:latin typeface="+mn-lt"/>
-                        <a:ea typeface="+mn-ea"/>
+                        <a:latin typeface="Bentley Light" panose="020B0404020201020102"/>
+                        <a:ea typeface="黑体" panose="02010609060101010101" pitchFamily="49" charset="-122"/>
                         <a:cs typeface="+mn-ea"/>
                         <a:sym typeface="+mn-lt"/>
                       </a:endParaRPr>
@@ -32688,11 +32267,13 @@
                       <a:headEnd type="none" w="med" len="med"/>
                       <a:tailEnd type="none" w="med" len="med"/>
                     </a:lnT>
-                    <a:lnB w="6350" cap="flat" cmpd="sng" algn="ctr">
+                    <a:lnB w="3175" cap="flat" cmpd="sng" algn="ctr">
                       <a:solidFill>
-                        <a:srgbClr val="BBBCBC"/>
+                        <a:schemeClr val="bg1">
+                          <a:lumMod val="75000"/>
+                        </a:schemeClr>
                       </a:solidFill>
-                      <a:prstDash val="solid"/>
+                      <a:prstDash val="sysDot"/>
                       <a:round/>
                       <a:headEnd type="none" w="med" len="med"/>
                       <a:tailEnd type="none" w="med" len="med"/>
@@ -32710,7 +32291,1555 @@
                 </a:tc>
                 <a:extLst>
                   <a:ext uri="{0D108BD9-81ED-4DB2-BD59-A6C34878D82A}">
-                    <a16:rowId xmlns:a16="http://schemas.microsoft.com/office/drawing/2014/main" xmlns="" val="10004"/>
+                    <a16:rowId xmlns:a16="http://schemas.microsoft.com/office/drawing/2014/main" val="10003"/>
+                  </a:ext>
+                </a:extLst>
+              </a:tr>
+              <a:tr h="454670">
+                <a:tc>
+                  <a:txBody>
+                    <a:bodyPr/>
+                    <a:lstStyle/>
+                    <a:p>
+                      <a:pPr marL="0" marR="0" lvl="0" indent="0" algn="ctr" defTabSz="685792" rtl="0" eaLnBrk="1" fontAlgn="auto" latinLnBrk="0" hangingPunct="1">
+                        <a:lnSpc>
+                          <a:spcPct val="130000"/>
+                        </a:lnSpc>
+                        <a:spcBef>
+                          <a:spcPts val="0"/>
+                        </a:spcBef>
+                        <a:spcAft>
+                          <a:spcPts val="0"/>
+                        </a:spcAft>
+                        <a:buClrTx/>
+                        <a:buSzTx/>
+                        <a:buFontTx/>
+                        <a:buNone/>
+                        <a:tabLst/>
+                        <a:defRPr/>
+                      </a:pPr>
+                      <a:endParaRPr lang="zh-CN" altLang="en-US" sz="1200" b="0" kern="1200" baseline="0" dirty="0">
+                        <a:solidFill>
+                          <a:schemeClr val="tx1">
+                            <a:lumMod val="75000"/>
+                            <a:lumOff val="25000"/>
+                          </a:schemeClr>
+                        </a:solidFill>
+                        <a:latin typeface="Bentley Light" panose="020B0404020201020102"/>
+                        <a:ea typeface="黑体" panose="02010609060101010101" pitchFamily="49" charset="-122"/>
+                        <a:cs typeface="+mn-ea"/>
+                        <a:sym typeface="+mn-lt"/>
+                      </a:endParaRPr>
+                    </a:p>
+                  </a:txBody>
+                  <a:tcPr marL="108666" marR="108666" marT="108522" marB="108522" anchor="ctr">
+                    <a:lnL w="57150" cap="flat" cmpd="sng" algn="ctr">
+                      <a:noFill/>
+                      <a:prstDash val="solid"/>
+                      <a:round/>
+                      <a:headEnd type="none" w="med" len="med"/>
+                      <a:tailEnd type="none" w="med" len="med"/>
+                    </a:lnL>
+                    <a:lnR w="3175" cap="flat" cmpd="sng" algn="ctr">
+                      <a:noFill/>
+                      <a:prstDash val="solid"/>
+                      <a:round/>
+                      <a:headEnd type="none" w="med" len="med"/>
+                      <a:tailEnd type="none" w="med" len="med"/>
+                    </a:lnR>
+                    <a:lnT w="3175" cap="flat" cmpd="sng" algn="ctr">
+                      <a:solidFill>
+                        <a:schemeClr val="bg1">
+                          <a:lumMod val="75000"/>
+                        </a:schemeClr>
+                      </a:solidFill>
+                      <a:prstDash val="sysDot"/>
+                      <a:round/>
+                      <a:headEnd type="none" w="med" len="med"/>
+                      <a:tailEnd type="none" w="med" len="med"/>
+                    </a:lnT>
+                    <a:lnB w="3175" cap="flat" cmpd="sng" algn="ctr">
+                      <a:solidFill>
+                        <a:schemeClr val="bg1">
+                          <a:lumMod val="75000"/>
+                        </a:schemeClr>
+                      </a:solidFill>
+                      <a:prstDash val="sysDot"/>
+                      <a:round/>
+                      <a:headEnd type="none" w="med" len="med"/>
+                      <a:tailEnd type="none" w="med" len="med"/>
+                    </a:lnB>
+                    <a:lnTlToBr w="12700" cmpd="sng">
+                      <a:noFill/>
+                      <a:prstDash val="solid"/>
+                    </a:lnTlToBr>
+                    <a:lnBlToTr w="12700" cmpd="sng">
+                      <a:noFill/>
+                      <a:prstDash val="solid"/>
+                    </a:lnBlToTr>
+                    <a:noFill/>
+                  </a:tcPr>
+                </a:tc>
+                <a:tc>
+                  <a:txBody>
+                    <a:bodyPr/>
+                    <a:lstStyle/>
+                    <a:p>
+                      <a:pPr marL="0" marR="0" lvl="0" indent="0" algn="ctr" defTabSz="685792" rtl="0" eaLnBrk="1" fontAlgn="auto" latinLnBrk="0" hangingPunct="1">
+                        <a:lnSpc>
+                          <a:spcPct val="130000"/>
+                        </a:lnSpc>
+                        <a:spcBef>
+                          <a:spcPts val="0"/>
+                        </a:spcBef>
+                        <a:spcAft>
+                          <a:spcPts val="0"/>
+                        </a:spcAft>
+                        <a:buClrTx/>
+                        <a:buSzTx/>
+                        <a:buFontTx/>
+                        <a:buNone/>
+                        <a:tabLst/>
+                        <a:defRPr/>
+                      </a:pPr>
+                      <a:endParaRPr lang="zh-CN" altLang="en-US" sz="1200" b="0" kern="1200" baseline="0" dirty="0">
+                        <a:solidFill>
+                          <a:schemeClr val="tx1">
+                            <a:lumMod val="75000"/>
+                            <a:lumOff val="25000"/>
+                          </a:schemeClr>
+                        </a:solidFill>
+                        <a:latin typeface="Bentley Light" panose="020B0404020201020102"/>
+                        <a:ea typeface="黑体" panose="02010609060101010101" pitchFamily="49" charset="-122"/>
+                        <a:cs typeface="+mn-ea"/>
+                        <a:sym typeface="+mn-lt"/>
+                      </a:endParaRPr>
+                    </a:p>
+                  </a:txBody>
+                  <a:tcPr marL="108666" marR="108666" marT="108522" marB="108522" anchor="ctr">
+                    <a:lnL w="57150" cap="flat" cmpd="sng" algn="ctr">
+                      <a:noFill/>
+                      <a:prstDash val="solid"/>
+                      <a:round/>
+                      <a:headEnd type="none" w="med" len="med"/>
+                      <a:tailEnd type="none" w="med" len="med"/>
+                    </a:lnL>
+                    <a:lnR w="3175" cap="flat" cmpd="sng" algn="ctr">
+                      <a:noFill/>
+                      <a:prstDash val="solid"/>
+                      <a:round/>
+                      <a:headEnd type="none" w="med" len="med"/>
+                      <a:tailEnd type="none" w="med" len="med"/>
+                    </a:lnR>
+                    <a:lnT w="3175" cap="flat" cmpd="sng" algn="ctr">
+                      <a:solidFill>
+                        <a:schemeClr val="bg1">
+                          <a:lumMod val="75000"/>
+                        </a:schemeClr>
+                      </a:solidFill>
+                      <a:prstDash val="sysDot"/>
+                      <a:round/>
+                      <a:headEnd type="none" w="med" len="med"/>
+                      <a:tailEnd type="none" w="med" len="med"/>
+                    </a:lnT>
+                    <a:lnB w="3175" cap="flat" cmpd="sng" algn="ctr">
+                      <a:solidFill>
+                        <a:schemeClr val="bg1">
+                          <a:lumMod val="75000"/>
+                        </a:schemeClr>
+                      </a:solidFill>
+                      <a:prstDash val="sysDot"/>
+                      <a:round/>
+                      <a:headEnd type="none" w="med" len="med"/>
+                      <a:tailEnd type="none" w="med" len="med"/>
+                    </a:lnB>
+                    <a:lnTlToBr w="12700" cmpd="sng">
+                      <a:noFill/>
+                      <a:prstDash val="solid"/>
+                    </a:lnTlToBr>
+                    <a:lnBlToTr w="12700" cmpd="sng">
+                      <a:noFill/>
+                      <a:prstDash val="solid"/>
+                    </a:lnBlToTr>
+                    <a:noFill/>
+                  </a:tcPr>
+                </a:tc>
+                <a:tc>
+                  <a:txBody>
+                    <a:bodyPr/>
+                    <a:lstStyle/>
+                    <a:p>
+                      <a:pPr marL="0" marR="0" lvl="0" indent="0" algn="l" defTabSz="685792" rtl="0" eaLnBrk="1" fontAlgn="auto" latinLnBrk="0" hangingPunct="1">
+                        <a:lnSpc>
+                          <a:spcPct val="130000"/>
+                        </a:lnSpc>
+                        <a:spcBef>
+                          <a:spcPts val="0"/>
+                        </a:spcBef>
+                        <a:spcAft>
+                          <a:spcPts val="0"/>
+                        </a:spcAft>
+                        <a:buClrTx/>
+                        <a:buSzTx/>
+                        <a:buFontTx/>
+                        <a:buNone/>
+                        <a:tabLst/>
+                        <a:defRPr/>
+                      </a:pPr>
+                      <a:endParaRPr lang="zh-CN" altLang="en-US" sz="1200" b="0" kern="1200" baseline="0" dirty="0">
+                        <a:solidFill>
+                          <a:schemeClr val="tx1">
+                            <a:lumMod val="75000"/>
+                            <a:lumOff val="25000"/>
+                          </a:schemeClr>
+                        </a:solidFill>
+                        <a:latin typeface="Bentley Light" panose="020B0404020201020102"/>
+                        <a:ea typeface="黑体" panose="02010609060101010101" pitchFamily="49" charset="-122"/>
+                        <a:cs typeface="+mn-ea"/>
+                        <a:sym typeface="+mn-lt"/>
+                      </a:endParaRPr>
+                    </a:p>
+                  </a:txBody>
+                  <a:tcPr marL="108666" marR="108666" marT="108522" marB="108522" anchor="ctr">
+                    <a:lnL w="3175" cap="flat" cmpd="sng" algn="ctr">
+                      <a:noFill/>
+                      <a:prstDash val="solid"/>
+                      <a:round/>
+                      <a:headEnd type="none" w="med" len="med"/>
+                      <a:tailEnd type="none" w="med" len="med"/>
+                    </a:lnL>
+                    <a:lnR w="57150" cap="flat" cmpd="sng" algn="ctr">
+                      <a:noFill/>
+                      <a:prstDash val="solid"/>
+                      <a:round/>
+                      <a:headEnd type="none" w="med" len="med"/>
+                      <a:tailEnd type="none" w="med" len="med"/>
+                    </a:lnR>
+                    <a:lnT w="3175" cap="flat" cmpd="sng" algn="ctr">
+                      <a:solidFill>
+                        <a:schemeClr val="bg1">
+                          <a:lumMod val="75000"/>
+                        </a:schemeClr>
+                      </a:solidFill>
+                      <a:prstDash val="sysDot"/>
+                      <a:round/>
+                      <a:headEnd type="none" w="med" len="med"/>
+                      <a:tailEnd type="none" w="med" len="med"/>
+                    </a:lnT>
+                    <a:lnB w="3175" cap="flat" cmpd="sng" algn="ctr">
+                      <a:solidFill>
+                        <a:schemeClr val="bg1">
+                          <a:lumMod val="75000"/>
+                        </a:schemeClr>
+                      </a:solidFill>
+                      <a:prstDash val="sysDot"/>
+                      <a:round/>
+                      <a:headEnd type="none" w="med" len="med"/>
+                      <a:tailEnd type="none" w="med" len="med"/>
+                    </a:lnB>
+                    <a:lnTlToBr w="12700" cmpd="sng">
+                      <a:noFill/>
+                      <a:prstDash val="solid"/>
+                    </a:lnTlToBr>
+                    <a:lnBlToTr w="12700" cmpd="sng">
+                      <a:noFill/>
+                      <a:prstDash val="solid"/>
+                    </a:lnBlToTr>
+                    <a:noFill/>
+                  </a:tcPr>
+                </a:tc>
+                <a:extLst>
+                  <a:ext uri="{0D108BD9-81ED-4DB2-BD59-A6C34878D82A}">
+                    <a16:rowId xmlns:a16="http://schemas.microsoft.com/office/drawing/2014/main" val="1788811563"/>
+                  </a:ext>
+                </a:extLst>
+              </a:tr>
+              <a:tr h="454670">
+                <a:tc>
+                  <a:txBody>
+                    <a:bodyPr/>
+                    <a:lstStyle/>
+                    <a:p>
+                      <a:pPr marL="0" marR="0" lvl="0" indent="0" algn="ctr" defTabSz="685792" rtl="0" eaLnBrk="1" fontAlgn="auto" latinLnBrk="0" hangingPunct="1">
+                        <a:lnSpc>
+                          <a:spcPct val="130000"/>
+                        </a:lnSpc>
+                        <a:spcBef>
+                          <a:spcPts val="0"/>
+                        </a:spcBef>
+                        <a:spcAft>
+                          <a:spcPts val="0"/>
+                        </a:spcAft>
+                        <a:buClrTx/>
+                        <a:buSzTx/>
+                        <a:buFontTx/>
+                        <a:buNone/>
+                        <a:tabLst/>
+                        <a:defRPr/>
+                      </a:pPr>
+                      <a:endParaRPr lang="zh-CN" altLang="en-US" sz="1200" b="0" kern="1200" baseline="0" dirty="0">
+                        <a:solidFill>
+                          <a:schemeClr val="tx1">
+                            <a:lumMod val="75000"/>
+                            <a:lumOff val="25000"/>
+                          </a:schemeClr>
+                        </a:solidFill>
+                        <a:latin typeface="Bentley Light" panose="020B0404020201020102"/>
+                        <a:ea typeface="黑体" panose="02010609060101010101" pitchFamily="49" charset="-122"/>
+                        <a:cs typeface="+mn-ea"/>
+                        <a:sym typeface="+mn-lt"/>
+                      </a:endParaRPr>
+                    </a:p>
+                  </a:txBody>
+                  <a:tcPr marL="108666" marR="108666" marT="108522" marB="108522" anchor="ctr">
+                    <a:lnL w="57150" cap="flat" cmpd="sng" algn="ctr">
+                      <a:noFill/>
+                      <a:prstDash val="solid"/>
+                      <a:round/>
+                      <a:headEnd type="none" w="med" len="med"/>
+                      <a:tailEnd type="none" w="med" len="med"/>
+                    </a:lnL>
+                    <a:lnR w="3175" cap="flat" cmpd="sng" algn="ctr">
+                      <a:noFill/>
+                      <a:prstDash val="solid"/>
+                      <a:round/>
+                      <a:headEnd type="none" w="med" len="med"/>
+                      <a:tailEnd type="none" w="med" len="med"/>
+                    </a:lnR>
+                    <a:lnT w="3175" cap="flat" cmpd="sng" algn="ctr">
+                      <a:solidFill>
+                        <a:schemeClr val="bg1">
+                          <a:lumMod val="75000"/>
+                        </a:schemeClr>
+                      </a:solidFill>
+                      <a:prstDash val="sysDot"/>
+                      <a:round/>
+                      <a:headEnd type="none" w="med" len="med"/>
+                      <a:tailEnd type="none" w="med" len="med"/>
+                    </a:lnT>
+                    <a:lnB w="3175" cap="flat" cmpd="sng" algn="ctr">
+                      <a:solidFill>
+                        <a:schemeClr val="bg1">
+                          <a:lumMod val="75000"/>
+                        </a:schemeClr>
+                      </a:solidFill>
+                      <a:prstDash val="sysDot"/>
+                      <a:round/>
+                      <a:headEnd type="none" w="med" len="med"/>
+                      <a:tailEnd type="none" w="med" len="med"/>
+                    </a:lnB>
+                    <a:lnTlToBr w="12700" cmpd="sng">
+                      <a:noFill/>
+                      <a:prstDash val="solid"/>
+                    </a:lnTlToBr>
+                    <a:lnBlToTr w="12700" cmpd="sng">
+                      <a:noFill/>
+                      <a:prstDash val="solid"/>
+                    </a:lnBlToTr>
+                    <a:noFill/>
+                  </a:tcPr>
+                </a:tc>
+                <a:tc>
+                  <a:txBody>
+                    <a:bodyPr/>
+                    <a:lstStyle/>
+                    <a:p>
+                      <a:pPr marL="0" marR="0" lvl="0" indent="0" algn="ctr" defTabSz="685792" rtl="0" eaLnBrk="1" fontAlgn="auto" latinLnBrk="0" hangingPunct="1">
+                        <a:lnSpc>
+                          <a:spcPct val="130000"/>
+                        </a:lnSpc>
+                        <a:spcBef>
+                          <a:spcPts val="0"/>
+                        </a:spcBef>
+                        <a:spcAft>
+                          <a:spcPts val="0"/>
+                        </a:spcAft>
+                        <a:buClrTx/>
+                        <a:buSzTx/>
+                        <a:buFontTx/>
+                        <a:buNone/>
+                        <a:tabLst/>
+                        <a:defRPr/>
+                      </a:pPr>
+                      <a:endParaRPr lang="zh-CN" altLang="en-US" sz="1200" b="0" kern="1200" baseline="0" dirty="0">
+                        <a:solidFill>
+                          <a:schemeClr val="tx1">
+                            <a:lumMod val="75000"/>
+                            <a:lumOff val="25000"/>
+                          </a:schemeClr>
+                        </a:solidFill>
+                        <a:latin typeface="Bentley Light" panose="020B0404020201020102"/>
+                        <a:ea typeface="黑体" panose="02010609060101010101" pitchFamily="49" charset="-122"/>
+                        <a:cs typeface="+mn-ea"/>
+                        <a:sym typeface="+mn-lt"/>
+                      </a:endParaRPr>
+                    </a:p>
+                  </a:txBody>
+                  <a:tcPr marL="108666" marR="108666" marT="108522" marB="108522" anchor="ctr">
+                    <a:lnL w="57150" cap="flat" cmpd="sng" algn="ctr">
+                      <a:noFill/>
+                      <a:prstDash val="solid"/>
+                      <a:round/>
+                      <a:headEnd type="none" w="med" len="med"/>
+                      <a:tailEnd type="none" w="med" len="med"/>
+                    </a:lnL>
+                    <a:lnR w="3175" cap="flat" cmpd="sng" algn="ctr">
+                      <a:noFill/>
+                      <a:prstDash val="solid"/>
+                      <a:round/>
+                      <a:headEnd type="none" w="med" len="med"/>
+                      <a:tailEnd type="none" w="med" len="med"/>
+                    </a:lnR>
+                    <a:lnT w="3175" cap="flat" cmpd="sng" algn="ctr">
+                      <a:solidFill>
+                        <a:schemeClr val="bg1">
+                          <a:lumMod val="75000"/>
+                        </a:schemeClr>
+                      </a:solidFill>
+                      <a:prstDash val="sysDot"/>
+                      <a:round/>
+                      <a:headEnd type="none" w="med" len="med"/>
+                      <a:tailEnd type="none" w="med" len="med"/>
+                    </a:lnT>
+                    <a:lnB w="3175" cap="flat" cmpd="sng" algn="ctr">
+                      <a:solidFill>
+                        <a:schemeClr val="bg1">
+                          <a:lumMod val="75000"/>
+                        </a:schemeClr>
+                      </a:solidFill>
+                      <a:prstDash val="sysDot"/>
+                      <a:round/>
+                      <a:headEnd type="none" w="med" len="med"/>
+                      <a:tailEnd type="none" w="med" len="med"/>
+                    </a:lnB>
+                    <a:lnTlToBr w="12700" cmpd="sng">
+                      <a:noFill/>
+                      <a:prstDash val="solid"/>
+                    </a:lnTlToBr>
+                    <a:lnBlToTr w="12700" cmpd="sng">
+                      <a:noFill/>
+                      <a:prstDash val="solid"/>
+                    </a:lnBlToTr>
+                    <a:noFill/>
+                  </a:tcPr>
+                </a:tc>
+                <a:tc>
+                  <a:txBody>
+                    <a:bodyPr/>
+                    <a:lstStyle/>
+                    <a:p>
+                      <a:pPr marL="0" marR="0" lvl="0" indent="0" algn="l" defTabSz="685792" rtl="0" eaLnBrk="1" fontAlgn="auto" latinLnBrk="0" hangingPunct="1">
+                        <a:lnSpc>
+                          <a:spcPct val="130000"/>
+                        </a:lnSpc>
+                        <a:spcBef>
+                          <a:spcPts val="0"/>
+                        </a:spcBef>
+                        <a:spcAft>
+                          <a:spcPts val="0"/>
+                        </a:spcAft>
+                        <a:buClrTx/>
+                        <a:buSzTx/>
+                        <a:buFontTx/>
+                        <a:buNone/>
+                        <a:tabLst/>
+                        <a:defRPr/>
+                      </a:pPr>
+                      <a:endParaRPr lang="zh-CN" altLang="en-US" sz="1200" b="0" kern="1200" baseline="0" dirty="0">
+                        <a:solidFill>
+                          <a:schemeClr val="tx1">
+                            <a:lumMod val="75000"/>
+                            <a:lumOff val="25000"/>
+                          </a:schemeClr>
+                        </a:solidFill>
+                        <a:latin typeface="Bentley Light" panose="020B0404020201020102"/>
+                        <a:ea typeface="黑体" panose="02010609060101010101" pitchFamily="49" charset="-122"/>
+                        <a:cs typeface="+mn-ea"/>
+                        <a:sym typeface="+mn-lt"/>
+                      </a:endParaRPr>
+                    </a:p>
+                  </a:txBody>
+                  <a:tcPr marL="108666" marR="108666" marT="108522" marB="108522" anchor="ctr">
+                    <a:lnL w="3175" cap="flat" cmpd="sng" algn="ctr">
+                      <a:noFill/>
+                      <a:prstDash val="solid"/>
+                      <a:round/>
+                      <a:headEnd type="none" w="med" len="med"/>
+                      <a:tailEnd type="none" w="med" len="med"/>
+                    </a:lnL>
+                    <a:lnR w="57150" cap="flat" cmpd="sng" algn="ctr">
+                      <a:noFill/>
+                      <a:prstDash val="solid"/>
+                      <a:round/>
+                      <a:headEnd type="none" w="med" len="med"/>
+                      <a:tailEnd type="none" w="med" len="med"/>
+                    </a:lnR>
+                    <a:lnT w="3175" cap="flat" cmpd="sng" algn="ctr">
+                      <a:solidFill>
+                        <a:schemeClr val="bg1">
+                          <a:lumMod val="75000"/>
+                        </a:schemeClr>
+                      </a:solidFill>
+                      <a:prstDash val="sysDot"/>
+                      <a:round/>
+                      <a:headEnd type="none" w="med" len="med"/>
+                      <a:tailEnd type="none" w="med" len="med"/>
+                    </a:lnT>
+                    <a:lnB w="3175" cap="flat" cmpd="sng" algn="ctr">
+                      <a:solidFill>
+                        <a:schemeClr val="bg1">
+                          <a:lumMod val="75000"/>
+                        </a:schemeClr>
+                      </a:solidFill>
+                      <a:prstDash val="sysDot"/>
+                      <a:round/>
+                      <a:headEnd type="none" w="med" len="med"/>
+                      <a:tailEnd type="none" w="med" len="med"/>
+                    </a:lnB>
+                    <a:lnTlToBr w="12700" cmpd="sng">
+                      <a:noFill/>
+                      <a:prstDash val="solid"/>
+                    </a:lnTlToBr>
+                    <a:lnBlToTr w="12700" cmpd="sng">
+                      <a:noFill/>
+                      <a:prstDash val="solid"/>
+                    </a:lnBlToTr>
+                    <a:noFill/>
+                  </a:tcPr>
+                </a:tc>
+                <a:extLst>
+                  <a:ext uri="{0D108BD9-81ED-4DB2-BD59-A6C34878D82A}">
+                    <a16:rowId xmlns:a16="http://schemas.microsoft.com/office/drawing/2014/main" val="1434788661"/>
+                  </a:ext>
+                </a:extLst>
+              </a:tr>
+              <a:tr h="454670">
+                <a:tc>
+                  <a:txBody>
+                    <a:bodyPr/>
+                    <a:lstStyle/>
+                    <a:p>
+                      <a:pPr marL="0" marR="0" lvl="0" indent="0" algn="ctr" defTabSz="685792" rtl="0" eaLnBrk="1" fontAlgn="auto" latinLnBrk="0" hangingPunct="1">
+                        <a:lnSpc>
+                          <a:spcPct val="130000"/>
+                        </a:lnSpc>
+                        <a:spcBef>
+                          <a:spcPts val="0"/>
+                        </a:spcBef>
+                        <a:spcAft>
+                          <a:spcPts val="0"/>
+                        </a:spcAft>
+                        <a:buClrTx/>
+                        <a:buSzTx/>
+                        <a:buFontTx/>
+                        <a:buNone/>
+                        <a:tabLst/>
+                        <a:defRPr/>
+                      </a:pPr>
+                      <a:endParaRPr lang="zh-CN" altLang="en-US" sz="1200" b="0" kern="1200" baseline="0" dirty="0">
+                        <a:solidFill>
+                          <a:schemeClr val="tx1">
+                            <a:lumMod val="75000"/>
+                            <a:lumOff val="25000"/>
+                          </a:schemeClr>
+                        </a:solidFill>
+                        <a:latin typeface="Bentley Light" panose="020B0404020201020102"/>
+                        <a:ea typeface="黑体" panose="02010609060101010101" pitchFamily="49" charset="-122"/>
+                        <a:cs typeface="+mn-ea"/>
+                        <a:sym typeface="+mn-lt"/>
+                      </a:endParaRPr>
+                    </a:p>
+                  </a:txBody>
+                  <a:tcPr marL="108666" marR="108666" marT="108522" marB="108522" anchor="ctr">
+                    <a:lnL w="57150" cap="flat" cmpd="sng" algn="ctr">
+                      <a:noFill/>
+                      <a:prstDash val="solid"/>
+                      <a:round/>
+                      <a:headEnd type="none" w="med" len="med"/>
+                      <a:tailEnd type="none" w="med" len="med"/>
+                    </a:lnL>
+                    <a:lnR w="3175" cap="flat" cmpd="sng" algn="ctr">
+                      <a:noFill/>
+                      <a:prstDash val="solid"/>
+                      <a:round/>
+                      <a:headEnd type="none" w="med" len="med"/>
+                      <a:tailEnd type="none" w="med" len="med"/>
+                    </a:lnR>
+                    <a:lnT w="3175" cap="flat" cmpd="sng" algn="ctr">
+                      <a:solidFill>
+                        <a:schemeClr val="bg1">
+                          <a:lumMod val="75000"/>
+                        </a:schemeClr>
+                      </a:solidFill>
+                      <a:prstDash val="sysDot"/>
+                      <a:round/>
+                      <a:headEnd type="none" w="med" len="med"/>
+                      <a:tailEnd type="none" w="med" len="med"/>
+                    </a:lnT>
+                    <a:lnB w="3175" cap="flat" cmpd="sng" algn="ctr">
+                      <a:solidFill>
+                        <a:schemeClr val="bg1">
+                          <a:lumMod val="75000"/>
+                        </a:schemeClr>
+                      </a:solidFill>
+                      <a:prstDash val="sysDot"/>
+                      <a:round/>
+                      <a:headEnd type="none" w="med" len="med"/>
+                      <a:tailEnd type="none" w="med" len="med"/>
+                    </a:lnB>
+                    <a:lnTlToBr w="12700" cmpd="sng">
+                      <a:noFill/>
+                      <a:prstDash val="solid"/>
+                    </a:lnTlToBr>
+                    <a:lnBlToTr w="12700" cmpd="sng">
+                      <a:noFill/>
+                      <a:prstDash val="solid"/>
+                    </a:lnBlToTr>
+                    <a:noFill/>
+                  </a:tcPr>
+                </a:tc>
+                <a:tc>
+                  <a:txBody>
+                    <a:bodyPr/>
+                    <a:lstStyle/>
+                    <a:p>
+                      <a:pPr marL="0" marR="0" lvl="0" indent="0" algn="ctr" defTabSz="685792" rtl="0" eaLnBrk="1" fontAlgn="auto" latinLnBrk="0" hangingPunct="1">
+                        <a:lnSpc>
+                          <a:spcPct val="130000"/>
+                        </a:lnSpc>
+                        <a:spcBef>
+                          <a:spcPts val="0"/>
+                        </a:spcBef>
+                        <a:spcAft>
+                          <a:spcPts val="0"/>
+                        </a:spcAft>
+                        <a:buClrTx/>
+                        <a:buSzTx/>
+                        <a:buFontTx/>
+                        <a:buNone/>
+                        <a:tabLst/>
+                        <a:defRPr/>
+                      </a:pPr>
+                      <a:endParaRPr lang="zh-CN" altLang="en-US" sz="1200" b="0" kern="1200" baseline="0" dirty="0">
+                        <a:solidFill>
+                          <a:schemeClr val="tx1">
+                            <a:lumMod val="75000"/>
+                            <a:lumOff val="25000"/>
+                          </a:schemeClr>
+                        </a:solidFill>
+                        <a:latin typeface="Bentley Light" panose="020B0404020201020102"/>
+                        <a:ea typeface="黑体" panose="02010609060101010101" pitchFamily="49" charset="-122"/>
+                        <a:cs typeface="+mn-ea"/>
+                        <a:sym typeface="+mn-lt"/>
+                      </a:endParaRPr>
+                    </a:p>
+                  </a:txBody>
+                  <a:tcPr marL="108666" marR="108666" marT="108522" marB="108522" anchor="ctr">
+                    <a:lnL w="57150" cap="flat" cmpd="sng" algn="ctr">
+                      <a:noFill/>
+                      <a:prstDash val="solid"/>
+                      <a:round/>
+                      <a:headEnd type="none" w="med" len="med"/>
+                      <a:tailEnd type="none" w="med" len="med"/>
+                    </a:lnL>
+                    <a:lnR w="3175" cap="flat" cmpd="sng" algn="ctr">
+                      <a:noFill/>
+                      <a:prstDash val="solid"/>
+                      <a:round/>
+                      <a:headEnd type="none" w="med" len="med"/>
+                      <a:tailEnd type="none" w="med" len="med"/>
+                    </a:lnR>
+                    <a:lnT w="3175" cap="flat" cmpd="sng" algn="ctr">
+                      <a:solidFill>
+                        <a:schemeClr val="bg1">
+                          <a:lumMod val="75000"/>
+                        </a:schemeClr>
+                      </a:solidFill>
+                      <a:prstDash val="sysDot"/>
+                      <a:round/>
+                      <a:headEnd type="none" w="med" len="med"/>
+                      <a:tailEnd type="none" w="med" len="med"/>
+                    </a:lnT>
+                    <a:lnB w="3175" cap="flat" cmpd="sng" algn="ctr">
+                      <a:solidFill>
+                        <a:schemeClr val="bg1">
+                          <a:lumMod val="75000"/>
+                        </a:schemeClr>
+                      </a:solidFill>
+                      <a:prstDash val="sysDot"/>
+                      <a:round/>
+                      <a:headEnd type="none" w="med" len="med"/>
+                      <a:tailEnd type="none" w="med" len="med"/>
+                    </a:lnB>
+                    <a:lnTlToBr w="12700" cmpd="sng">
+                      <a:noFill/>
+                      <a:prstDash val="solid"/>
+                    </a:lnTlToBr>
+                    <a:lnBlToTr w="12700" cmpd="sng">
+                      <a:noFill/>
+                      <a:prstDash val="solid"/>
+                    </a:lnBlToTr>
+                    <a:noFill/>
+                  </a:tcPr>
+                </a:tc>
+                <a:tc>
+                  <a:txBody>
+                    <a:bodyPr/>
+                    <a:lstStyle/>
+                    <a:p>
+                      <a:pPr marL="0" marR="0" lvl="0" indent="0" algn="l" defTabSz="685792" rtl="0" eaLnBrk="1" fontAlgn="auto" latinLnBrk="0" hangingPunct="1">
+                        <a:lnSpc>
+                          <a:spcPct val="130000"/>
+                        </a:lnSpc>
+                        <a:spcBef>
+                          <a:spcPts val="0"/>
+                        </a:spcBef>
+                        <a:spcAft>
+                          <a:spcPts val="0"/>
+                        </a:spcAft>
+                        <a:buClrTx/>
+                        <a:buSzTx/>
+                        <a:buFontTx/>
+                        <a:buNone/>
+                        <a:tabLst/>
+                        <a:defRPr/>
+                      </a:pPr>
+                      <a:endParaRPr lang="zh-CN" altLang="en-US" sz="1200" b="0" kern="1200" baseline="0" dirty="0">
+                        <a:solidFill>
+                          <a:schemeClr val="tx1">
+                            <a:lumMod val="75000"/>
+                            <a:lumOff val="25000"/>
+                          </a:schemeClr>
+                        </a:solidFill>
+                        <a:latin typeface="Bentley Light" panose="020B0404020201020102"/>
+                        <a:ea typeface="黑体" panose="02010609060101010101" pitchFamily="49" charset="-122"/>
+                        <a:cs typeface="+mn-ea"/>
+                        <a:sym typeface="+mn-lt"/>
+                      </a:endParaRPr>
+                    </a:p>
+                  </a:txBody>
+                  <a:tcPr marL="108666" marR="108666" marT="108522" marB="108522" anchor="ctr">
+                    <a:lnL w="3175" cap="flat" cmpd="sng" algn="ctr">
+                      <a:noFill/>
+                      <a:prstDash val="solid"/>
+                      <a:round/>
+                      <a:headEnd type="none" w="med" len="med"/>
+                      <a:tailEnd type="none" w="med" len="med"/>
+                    </a:lnL>
+                    <a:lnR w="57150" cap="flat" cmpd="sng" algn="ctr">
+                      <a:noFill/>
+                      <a:prstDash val="solid"/>
+                      <a:round/>
+                      <a:headEnd type="none" w="med" len="med"/>
+                      <a:tailEnd type="none" w="med" len="med"/>
+                    </a:lnR>
+                    <a:lnT w="3175" cap="flat" cmpd="sng" algn="ctr">
+                      <a:solidFill>
+                        <a:schemeClr val="bg1">
+                          <a:lumMod val="75000"/>
+                        </a:schemeClr>
+                      </a:solidFill>
+                      <a:prstDash val="sysDot"/>
+                      <a:round/>
+                      <a:headEnd type="none" w="med" len="med"/>
+                      <a:tailEnd type="none" w="med" len="med"/>
+                    </a:lnT>
+                    <a:lnB w="3175" cap="flat" cmpd="sng" algn="ctr">
+                      <a:solidFill>
+                        <a:schemeClr val="bg1">
+                          <a:lumMod val="75000"/>
+                        </a:schemeClr>
+                      </a:solidFill>
+                      <a:prstDash val="sysDot"/>
+                      <a:round/>
+                      <a:headEnd type="none" w="med" len="med"/>
+                      <a:tailEnd type="none" w="med" len="med"/>
+                    </a:lnB>
+                    <a:lnTlToBr w="12700" cmpd="sng">
+                      <a:noFill/>
+                      <a:prstDash val="solid"/>
+                    </a:lnTlToBr>
+                    <a:lnBlToTr w="12700" cmpd="sng">
+                      <a:noFill/>
+                      <a:prstDash val="solid"/>
+                    </a:lnBlToTr>
+                    <a:noFill/>
+                  </a:tcPr>
+                </a:tc>
+                <a:extLst>
+                  <a:ext uri="{0D108BD9-81ED-4DB2-BD59-A6C34878D82A}">
+                    <a16:rowId xmlns:a16="http://schemas.microsoft.com/office/drawing/2014/main" val="2308117639"/>
+                  </a:ext>
+                </a:extLst>
+              </a:tr>
+              <a:tr h="454670">
+                <a:tc>
+                  <a:txBody>
+                    <a:bodyPr/>
+                    <a:lstStyle/>
+                    <a:p>
+                      <a:pPr marL="0" marR="0" lvl="0" indent="0" algn="ctr" defTabSz="685792" rtl="0" eaLnBrk="1" fontAlgn="auto" latinLnBrk="0" hangingPunct="1">
+                        <a:lnSpc>
+                          <a:spcPct val="130000"/>
+                        </a:lnSpc>
+                        <a:spcBef>
+                          <a:spcPts val="0"/>
+                        </a:spcBef>
+                        <a:spcAft>
+                          <a:spcPts val="0"/>
+                        </a:spcAft>
+                        <a:buClrTx/>
+                        <a:buSzTx/>
+                        <a:buFontTx/>
+                        <a:buNone/>
+                        <a:tabLst/>
+                        <a:defRPr/>
+                      </a:pPr>
+                      <a:endParaRPr lang="zh-CN" altLang="en-US" sz="1200" b="0" kern="1200" baseline="0" dirty="0">
+                        <a:solidFill>
+                          <a:schemeClr val="tx1">
+                            <a:lumMod val="75000"/>
+                            <a:lumOff val="25000"/>
+                          </a:schemeClr>
+                        </a:solidFill>
+                        <a:latin typeface="Bentley Light" panose="020B0404020201020102"/>
+                        <a:ea typeface="黑体" panose="02010609060101010101" pitchFamily="49" charset="-122"/>
+                        <a:cs typeface="+mn-ea"/>
+                        <a:sym typeface="+mn-lt"/>
+                      </a:endParaRPr>
+                    </a:p>
+                  </a:txBody>
+                  <a:tcPr marL="108666" marR="108666" marT="108522" marB="108522" anchor="ctr">
+                    <a:lnL w="57150" cap="flat" cmpd="sng" algn="ctr">
+                      <a:noFill/>
+                      <a:prstDash val="solid"/>
+                      <a:round/>
+                      <a:headEnd type="none" w="med" len="med"/>
+                      <a:tailEnd type="none" w="med" len="med"/>
+                    </a:lnL>
+                    <a:lnR w="3175" cap="flat" cmpd="sng" algn="ctr">
+                      <a:noFill/>
+                      <a:prstDash val="solid"/>
+                      <a:round/>
+                      <a:headEnd type="none" w="med" len="med"/>
+                      <a:tailEnd type="none" w="med" len="med"/>
+                    </a:lnR>
+                    <a:lnT w="3175" cap="flat" cmpd="sng" algn="ctr">
+                      <a:solidFill>
+                        <a:schemeClr val="bg1">
+                          <a:lumMod val="75000"/>
+                        </a:schemeClr>
+                      </a:solidFill>
+                      <a:prstDash val="sysDot"/>
+                      <a:round/>
+                      <a:headEnd type="none" w="med" len="med"/>
+                      <a:tailEnd type="none" w="med" len="med"/>
+                    </a:lnT>
+                    <a:lnB w="3175" cap="flat" cmpd="sng" algn="ctr">
+                      <a:solidFill>
+                        <a:schemeClr val="bg1">
+                          <a:lumMod val="75000"/>
+                        </a:schemeClr>
+                      </a:solidFill>
+                      <a:prstDash val="sysDot"/>
+                      <a:round/>
+                      <a:headEnd type="none" w="med" len="med"/>
+                      <a:tailEnd type="none" w="med" len="med"/>
+                    </a:lnB>
+                    <a:lnTlToBr w="12700" cmpd="sng">
+                      <a:noFill/>
+                      <a:prstDash val="solid"/>
+                    </a:lnTlToBr>
+                    <a:lnBlToTr w="12700" cmpd="sng">
+                      <a:noFill/>
+                      <a:prstDash val="solid"/>
+                    </a:lnBlToTr>
+                    <a:noFill/>
+                  </a:tcPr>
+                </a:tc>
+                <a:tc>
+                  <a:txBody>
+                    <a:bodyPr/>
+                    <a:lstStyle/>
+                    <a:p>
+                      <a:pPr marL="0" marR="0" lvl="0" indent="0" algn="ctr" defTabSz="685792" rtl="0" eaLnBrk="1" fontAlgn="auto" latinLnBrk="0" hangingPunct="1">
+                        <a:lnSpc>
+                          <a:spcPct val="130000"/>
+                        </a:lnSpc>
+                        <a:spcBef>
+                          <a:spcPts val="0"/>
+                        </a:spcBef>
+                        <a:spcAft>
+                          <a:spcPts val="0"/>
+                        </a:spcAft>
+                        <a:buClrTx/>
+                        <a:buSzTx/>
+                        <a:buFontTx/>
+                        <a:buNone/>
+                        <a:tabLst/>
+                        <a:defRPr/>
+                      </a:pPr>
+                      <a:endParaRPr lang="zh-CN" altLang="en-US" sz="1200" b="0" kern="1200" baseline="0" dirty="0">
+                        <a:solidFill>
+                          <a:schemeClr val="tx1">
+                            <a:lumMod val="75000"/>
+                            <a:lumOff val="25000"/>
+                          </a:schemeClr>
+                        </a:solidFill>
+                        <a:latin typeface="Bentley Light" panose="020B0404020201020102"/>
+                        <a:ea typeface="黑体" panose="02010609060101010101" pitchFamily="49" charset="-122"/>
+                        <a:cs typeface="+mn-ea"/>
+                        <a:sym typeface="+mn-lt"/>
+                      </a:endParaRPr>
+                    </a:p>
+                  </a:txBody>
+                  <a:tcPr marL="108666" marR="108666" marT="108522" marB="108522" anchor="ctr">
+                    <a:lnL w="57150" cap="flat" cmpd="sng" algn="ctr">
+                      <a:noFill/>
+                      <a:prstDash val="solid"/>
+                      <a:round/>
+                      <a:headEnd type="none" w="med" len="med"/>
+                      <a:tailEnd type="none" w="med" len="med"/>
+                    </a:lnL>
+                    <a:lnR w="3175" cap="flat" cmpd="sng" algn="ctr">
+                      <a:noFill/>
+                      <a:prstDash val="solid"/>
+                      <a:round/>
+                      <a:headEnd type="none" w="med" len="med"/>
+                      <a:tailEnd type="none" w="med" len="med"/>
+                    </a:lnR>
+                    <a:lnT w="3175" cap="flat" cmpd="sng" algn="ctr">
+                      <a:solidFill>
+                        <a:schemeClr val="bg1">
+                          <a:lumMod val="75000"/>
+                        </a:schemeClr>
+                      </a:solidFill>
+                      <a:prstDash val="sysDot"/>
+                      <a:round/>
+                      <a:headEnd type="none" w="med" len="med"/>
+                      <a:tailEnd type="none" w="med" len="med"/>
+                    </a:lnT>
+                    <a:lnB w="3175" cap="flat" cmpd="sng" algn="ctr">
+                      <a:solidFill>
+                        <a:schemeClr val="bg1">
+                          <a:lumMod val="75000"/>
+                        </a:schemeClr>
+                      </a:solidFill>
+                      <a:prstDash val="sysDot"/>
+                      <a:round/>
+                      <a:headEnd type="none" w="med" len="med"/>
+                      <a:tailEnd type="none" w="med" len="med"/>
+                    </a:lnB>
+                    <a:lnTlToBr w="12700" cmpd="sng">
+                      <a:noFill/>
+                      <a:prstDash val="solid"/>
+                    </a:lnTlToBr>
+                    <a:lnBlToTr w="12700" cmpd="sng">
+                      <a:noFill/>
+                      <a:prstDash val="solid"/>
+                    </a:lnBlToTr>
+                    <a:noFill/>
+                  </a:tcPr>
+                </a:tc>
+                <a:tc>
+                  <a:txBody>
+                    <a:bodyPr/>
+                    <a:lstStyle/>
+                    <a:p>
+                      <a:pPr marL="0" marR="0" lvl="0" indent="0" algn="l" defTabSz="685792" rtl="0" eaLnBrk="1" fontAlgn="auto" latinLnBrk="0" hangingPunct="1">
+                        <a:lnSpc>
+                          <a:spcPct val="130000"/>
+                        </a:lnSpc>
+                        <a:spcBef>
+                          <a:spcPts val="0"/>
+                        </a:spcBef>
+                        <a:spcAft>
+                          <a:spcPts val="0"/>
+                        </a:spcAft>
+                        <a:buClrTx/>
+                        <a:buSzTx/>
+                        <a:buFontTx/>
+                        <a:buNone/>
+                        <a:tabLst/>
+                        <a:defRPr/>
+                      </a:pPr>
+                      <a:endParaRPr lang="zh-CN" altLang="en-US" sz="1200" b="0" kern="1200" baseline="0" dirty="0">
+                        <a:solidFill>
+                          <a:schemeClr val="tx1">
+                            <a:lumMod val="75000"/>
+                            <a:lumOff val="25000"/>
+                          </a:schemeClr>
+                        </a:solidFill>
+                        <a:latin typeface="Bentley Light" panose="020B0404020201020102"/>
+                        <a:ea typeface="黑体" panose="02010609060101010101" pitchFamily="49" charset="-122"/>
+                        <a:cs typeface="+mn-ea"/>
+                        <a:sym typeface="+mn-lt"/>
+                      </a:endParaRPr>
+                    </a:p>
+                  </a:txBody>
+                  <a:tcPr marL="108666" marR="108666" marT="108522" marB="108522" anchor="ctr">
+                    <a:lnL w="3175" cap="flat" cmpd="sng" algn="ctr">
+                      <a:noFill/>
+                      <a:prstDash val="solid"/>
+                      <a:round/>
+                      <a:headEnd type="none" w="med" len="med"/>
+                      <a:tailEnd type="none" w="med" len="med"/>
+                    </a:lnL>
+                    <a:lnR w="57150" cap="flat" cmpd="sng" algn="ctr">
+                      <a:noFill/>
+                      <a:prstDash val="solid"/>
+                      <a:round/>
+                      <a:headEnd type="none" w="med" len="med"/>
+                      <a:tailEnd type="none" w="med" len="med"/>
+                    </a:lnR>
+                    <a:lnT w="3175" cap="flat" cmpd="sng" algn="ctr">
+                      <a:solidFill>
+                        <a:schemeClr val="bg1">
+                          <a:lumMod val="75000"/>
+                        </a:schemeClr>
+                      </a:solidFill>
+                      <a:prstDash val="sysDot"/>
+                      <a:round/>
+                      <a:headEnd type="none" w="med" len="med"/>
+                      <a:tailEnd type="none" w="med" len="med"/>
+                    </a:lnT>
+                    <a:lnB w="3175" cap="flat" cmpd="sng" algn="ctr">
+                      <a:solidFill>
+                        <a:schemeClr val="bg1">
+                          <a:lumMod val="75000"/>
+                        </a:schemeClr>
+                      </a:solidFill>
+                      <a:prstDash val="sysDot"/>
+                      <a:round/>
+                      <a:headEnd type="none" w="med" len="med"/>
+                      <a:tailEnd type="none" w="med" len="med"/>
+                    </a:lnB>
+                    <a:lnTlToBr w="12700" cmpd="sng">
+                      <a:noFill/>
+                      <a:prstDash val="solid"/>
+                    </a:lnTlToBr>
+                    <a:lnBlToTr w="12700" cmpd="sng">
+                      <a:noFill/>
+                      <a:prstDash val="solid"/>
+                    </a:lnBlToTr>
+                    <a:noFill/>
+                  </a:tcPr>
+                </a:tc>
+                <a:extLst>
+                  <a:ext uri="{0D108BD9-81ED-4DB2-BD59-A6C34878D82A}">
+                    <a16:rowId xmlns:a16="http://schemas.microsoft.com/office/drawing/2014/main" val="255417531"/>
+                  </a:ext>
+                </a:extLst>
+              </a:tr>
+              <a:tr h="409003">
+                <a:tc>
+                  <a:txBody>
+                    <a:bodyPr/>
+                    <a:lstStyle/>
+                    <a:p>
+                      <a:pPr marL="0" marR="0" lvl="0" indent="0" algn="ctr" defTabSz="685792" rtl="0" eaLnBrk="1" fontAlgn="auto" latinLnBrk="0" hangingPunct="1">
+                        <a:lnSpc>
+                          <a:spcPct val="130000"/>
+                        </a:lnSpc>
+                        <a:spcBef>
+                          <a:spcPts val="0"/>
+                        </a:spcBef>
+                        <a:spcAft>
+                          <a:spcPts val="0"/>
+                        </a:spcAft>
+                        <a:buClrTx/>
+                        <a:buSzTx/>
+                        <a:buFontTx/>
+                        <a:buNone/>
+                        <a:tabLst/>
+                        <a:defRPr/>
+                      </a:pPr>
+                      <a:endParaRPr lang="zh-CN" altLang="en-US" sz="1200" b="0" kern="1200" baseline="0" dirty="0">
+                        <a:solidFill>
+                          <a:schemeClr val="tx1">
+                            <a:lumMod val="75000"/>
+                            <a:lumOff val="25000"/>
+                          </a:schemeClr>
+                        </a:solidFill>
+                        <a:latin typeface="Bentley Light" panose="020B0404020201020102"/>
+                        <a:ea typeface="黑体" panose="02010609060101010101" pitchFamily="49" charset="-122"/>
+                        <a:cs typeface="+mn-ea"/>
+                        <a:sym typeface="+mn-lt"/>
+                      </a:endParaRPr>
+                    </a:p>
+                  </a:txBody>
+                  <a:tcPr marL="108666" marR="108666" marT="108522" marB="108522" anchor="ctr">
+                    <a:lnL w="57150" cap="flat" cmpd="sng" algn="ctr">
+                      <a:noFill/>
+                      <a:prstDash val="solid"/>
+                      <a:round/>
+                      <a:headEnd type="none" w="med" len="med"/>
+                      <a:tailEnd type="none" w="med" len="med"/>
+                    </a:lnL>
+                    <a:lnR w="3175" cap="flat" cmpd="sng" algn="ctr">
+                      <a:noFill/>
+                      <a:prstDash val="solid"/>
+                      <a:round/>
+                      <a:headEnd type="none" w="med" len="med"/>
+                      <a:tailEnd type="none" w="med" len="med"/>
+                    </a:lnR>
+                    <a:lnT w="3175" cap="flat" cmpd="sng" algn="ctr">
+                      <a:solidFill>
+                        <a:schemeClr val="bg1">
+                          <a:lumMod val="75000"/>
+                        </a:schemeClr>
+                      </a:solidFill>
+                      <a:prstDash val="sysDot"/>
+                      <a:round/>
+                      <a:headEnd type="none" w="med" len="med"/>
+                      <a:tailEnd type="none" w="med" len="med"/>
+                    </a:lnT>
+                    <a:lnB w="3175" cap="flat" cmpd="sng" algn="ctr">
+                      <a:solidFill>
+                        <a:schemeClr val="bg1">
+                          <a:lumMod val="75000"/>
+                        </a:schemeClr>
+                      </a:solidFill>
+                      <a:prstDash val="sysDot"/>
+                      <a:round/>
+                      <a:headEnd type="none" w="med" len="med"/>
+                      <a:tailEnd type="none" w="med" len="med"/>
+                    </a:lnB>
+                    <a:lnTlToBr w="12700" cmpd="sng">
+                      <a:noFill/>
+                      <a:prstDash val="solid"/>
+                    </a:lnTlToBr>
+                    <a:lnBlToTr w="12700" cmpd="sng">
+                      <a:noFill/>
+                      <a:prstDash val="solid"/>
+                    </a:lnBlToTr>
+                    <a:noFill/>
+                  </a:tcPr>
+                </a:tc>
+                <a:tc>
+                  <a:txBody>
+                    <a:bodyPr/>
+                    <a:lstStyle/>
+                    <a:p>
+                      <a:pPr marL="0" marR="0" lvl="0" indent="0" algn="ctr" defTabSz="685792" rtl="0" eaLnBrk="1" fontAlgn="auto" latinLnBrk="0" hangingPunct="1">
+                        <a:lnSpc>
+                          <a:spcPct val="130000"/>
+                        </a:lnSpc>
+                        <a:spcBef>
+                          <a:spcPts val="0"/>
+                        </a:spcBef>
+                        <a:spcAft>
+                          <a:spcPts val="0"/>
+                        </a:spcAft>
+                        <a:buClrTx/>
+                        <a:buSzTx/>
+                        <a:buFontTx/>
+                        <a:buNone/>
+                        <a:tabLst/>
+                        <a:defRPr/>
+                      </a:pPr>
+                      <a:endParaRPr lang="zh-CN" altLang="en-US" sz="1200" b="0" kern="1200" baseline="0" dirty="0">
+                        <a:solidFill>
+                          <a:schemeClr val="tx1">
+                            <a:lumMod val="75000"/>
+                            <a:lumOff val="25000"/>
+                          </a:schemeClr>
+                        </a:solidFill>
+                        <a:latin typeface="Bentley Light" panose="020B0404020201020102"/>
+                        <a:ea typeface="黑体" panose="02010609060101010101" pitchFamily="49" charset="-122"/>
+                        <a:cs typeface="+mn-ea"/>
+                        <a:sym typeface="+mn-lt"/>
+                      </a:endParaRPr>
+                    </a:p>
+                  </a:txBody>
+                  <a:tcPr marL="108666" marR="108666" marT="108522" marB="108522" anchor="ctr">
+                    <a:lnL w="57150" cap="flat" cmpd="sng" algn="ctr">
+                      <a:noFill/>
+                      <a:prstDash val="solid"/>
+                      <a:round/>
+                      <a:headEnd type="none" w="med" len="med"/>
+                      <a:tailEnd type="none" w="med" len="med"/>
+                    </a:lnL>
+                    <a:lnR w="3175" cap="flat" cmpd="sng" algn="ctr">
+                      <a:noFill/>
+                      <a:prstDash val="solid"/>
+                      <a:round/>
+                      <a:headEnd type="none" w="med" len="med"/>
+                      <a:tailEnd type="none" w="med" len="med"/>
+                    </a:lnR>
+                    <a:lnT w="3175" cap="flat" cmpd="sng" algn="ctr">
+                      <a:solidFill>
+                        <a:schemeClr val="bg1">
+                          <a:lumMod val="75000"/>
+                        </a:schemeClr>
+                      </a:solidFill>
+                      <a:prstDash val="sysDot"/>
+                      <a:round/>
+                      <a:headEnd type="none" w="med" len="med"/>
+                      <a:tailEnd type="none" w="med" len="med"/>
+                    </a:lnT>
+                    <a:lnB w="3175" cap="flat" cmpd="sng" algn="ctr">
+                      <a:solidFill>
+                        <a:schemeClr val="bg1">
+                          <a:lumMod val="75000"/>
+                        </a:schemeClr>
+                      </a:solidFill>
+                      <a:prstDash val="sysDot"/>
+                      <a:round/>
+                      <a:headEnd type="none" w="med" len="med"/>
+                      <a:tailEnd type="none" w="med" len="med"/>
+                    </a:lnB>
+                    <a:lnTlToBr w="12700" cmpd="sng">
+                      <a:noFill/>
+                      <a:prstDash val="solid"/>
+                    </a:lnTlToBr>
+                    <a:lnBlToTr w="12700" cmpd="sng">
+                      <a:noFill/>
+                      <a:prstDash val="solid"/>
+                    </a:lnBlToTr>
+                    <a:noFill/>
+                  </a:tcPr>
+                </a:tc>
+                <a:tc>
+                  <a:txBody>
+                    <a:bodyPr/>
+                    <a:lstStyle/>
+                    <a:p>
+                      <a:pPr marL="0" marR="0" lvl="0" indent="0" algn="l" defTabSz="685792" rtl="0" eaLnBrk="1" fontAlgn="auto" latinLnBrk="0" hangingPunct="1">
+                        <a:lnSpc>
+                          <a:spcPct val="130000"/>
+                        </a:lnSpc>
+                        <a:spcBef>
+                          <a:spcPts val="0"/>
+                        </a:spcBef>
+                        <a:spcAft>
+                          <a:spcPts val="0"/>
+                        </a:spcAft>
+                        <a:buClrTx/>
+                        <a:buSzTx/>
+                        <a:buFontTx/>
+                        <a:buNone/>
+                        <a:tabLst/>
+                        <a:defRPr/>
+                      </a:pPr>
+                      <a:endParaRPr lang="zh-CN" altLang="en-US" sz="1200" b="0" kern="1200" baseline="0" dirty="0">
+                        <a:solidFill>
+                          <a:schemeClr val="tx1">
+                            <a:lumMod val="75000"/>
+                            <a:lumOff val="25000"/>
+                          </a:schemeClr>
+                        </a:solidFill>
+                        <a:latin typeface="Bentley Light" panose="020B0404020201020102"/>
+                        <a:ea typeface="黑体" panose="02010609060101010101" pitchFamily="49" charset="-122"/>
+                        <a:cs typeface="+mn-ea"/>
+                        <a:sym typeface="+mn-lt"/>
+                      </a:endParaRPr>
+                    </a:p>
+                  </a:txBody>
+                  <a:tcPr marL="108666" marR="108666" marT="108522" marB="108522" anchor="ctr">
+                    <a:lnL w="3175" cap="flat" cmpd="sng" algn="ctr">
+                      <a:noFill/>
+                      <a:prstDash val="solid"/>
+                      <a:round/>
+                      <a:headEnd type="none" w="med" len="med"/>
+                      <a:tailEnd type="none" w="med" len="med"/>
+                    </a:lnL>
+                    <a:lnR w="57150" cap="flat" cmpd="sng" algn="ctr">
+                      <a:noFill/>
+                      <a:prstDash val="solid"/>
+                      <a:round/>
+                      <a:headEnd type="none" w="med" len="med"/>
+                      <a:tailEnd type="none" w="med" len="med"/>
+                    </a:lnR>
+                    <a:lnT w="3175" cap="flat" cmpd="sng" algn="ctr">
+                      <a:solidFill>
+                        <a:schemeClr val="bg1">
+                          <a:lumMod val="75000"/>
+                        </a:schemeClr>
+                      </a:solidFill>
+                      <a:prstDash val="sysDot"/>
+                      <a:round/>
+                      <a:headEnd type="none" w="med" len="med"/>
+                      <a:tailEnd type="none" w="med" len="med"/>
+                    </a:lnT>
+                    <a:lnB w="3175" cap="flat" cmpd="sng" algn="ctr">
+                      <a:solidFill>
+                        <a:schemeClr val="bg1">
+                          <a:lumMod val="75000"/>
+                        </a:schemeClr>
+                      </a:solidFill>
+                      <a:prstDash val="sysDot"/>
+                      <a:round/>
+                      <a:headEnd type="none" w="med" len="med"/>
+                      <a:tailEnd type="none" w="med" len="med"/>
+                    </a:lnB>
+                    <a:lnTlToBr w="12700" cmpd="sng">
+                      <a:noFill/>
+                      <a:prstDash val="solid"/>
+                    </a:lnTlToBr>
+                    <a:lnBlToTr w="12700" cmpd="sng">
+                      <a:noFill/>
+                      <a:prstDash val="solid"/>
+                    </a:lnBlToTr>
+                    <a:noFill/>
+                  </a:tcPr>
+                </a:tc>
+                <a:extLst>
+                  <a:ext uri="{0D108BD9-81ED-4DB2-BD59-A6C34878D82A}">
+                    <a16:rowId xmlns:a16="http://schemas.microsoft.com/office/drawing/2014/main" val="10004"/>
+                  </a:ext>
+                </a:extLst>
+              </a:tr>
+              <a:tr h="945724">
+                <a:tc>
+                  <a:txBody>
+                    <a:bodyPr/>
+                    <a:lstStyle/>
+                    <a:p>
+                      <a:pPr marL="0" marR="0" lvl="0" indent="0" algn="ctr" defTabSz="685792" rtl="0" eaLnBrk="1" fontAlgn="auto" latinLnBrk="0" hangingPunct="1">
+                        <a:lnSpc>
+                          <a:spcPct val="130000"/>
+                        </a:lnSpc>
+                        <a:spcBef>
+                          <a:spcPts val="0"/>
+                        </a:spcBef>
+                        <a:spcAft>
+                          <a:spcPts val="0"/>
+                        </a:spcAft>
+                        <a:buClrTx/>
+                        <a:buSzTx/>
+                        <a:buFontTx/>
+                        <a:buNone/>
+                        <a:tabLst/>
+                        <a:defRPr/>
+                      </a:pPr>
+                      <a:endParaRPr lang="zh-CN" altLang="en-US" sz="1200" b="0" kern="1200" baseline="0" dirty="0">
+                        <a:solidFill>
+                          <a:schemeClr val="tx1">
+                            <a:lumMod val="75000"/>
+                            <a:lumOff val="25000"/>
+                          </a:schemeClr>
+                        </a:solidFill>
+                        <a:latin typeface="Bentley Light" panose="020B0404020201020102"/>
+                        <a:ea typeface="黑体" panose="02010609060101010101" pitchFamily="49" charset="-122"/>
+                        <a:cs typeface="+mn-ea"/>
+                        <a:sym typeface="+mn-lt"/>
+                      </a:endParaRPr>
+                    </a:p>
+                  </a:txBody>
+                  <a:tcPr marL="108666" marR="108666" marT="108522" marB="108522" anchor="ctr">
+                    <a:lnL w="57150" cap="flat" cmpd="sng" algn="ctr">
+                      <a:noFill/>
+                      <a:prstDash val="solid"/>
+                      <a:round/>
+                      <a:headEnd type="none" w="med" len="med"/>
+                      <a:tailEnd type="none" w="med" len="med"/>
+                    </a:lnL>
+                    <a:lnR w="3175" cap="flat" cmpd="sng" algn="ctr">
+                      <a:noFill/>
+                      <a:prstDash val="solid"/>
+                      <a:round/>
+                      <a:headEnd type="none" w="med" len="med"/>
+                      <a:tailEnd type="none" w="med" len="med"/>
+                    </a:lnR>
+                    <a:lnT w="3175" cap="flat" cmpd="sng" algn="ctr">
+                      <a:solidFill>
+                        <a:schemeClr val="bg1">
+                          <a:lumMod val="75000"/>
+                        </a:schemeClr>
+                      </a:solidFill>
+                      <a:prstDash val="sysDot"/>
+                      <a:round/>
+                      <a:headEnd type="none" w="med" len="med"/>
+                      <a:tailEnd type="none" w="med" len="med"/>
+                    </a:lnT>
+                    <a:lnB w="6350" cap="flat" cmpd="sng" algn="ctr">
+                      <a:solidFill>
+                        <a:srgbClr val="BBBCBC"/>
+                      </a:solidFill>
+                      <a:prstDash val="solid"/>
+                      <a:round/>
+                      <a:headEnd type="none" w="med" len="med"/>
+                      <a:tailEnd type="none" w="med" len="med"/>
+                    </a:lnB>
+                    <a:lnTlToBr w="12700" cmpd="sng">
+                      <a:noFill/>
+                      <a:prstDash val="solid"/>
+                    </a:lnTlToBr>
+                    <a:lnBlToTr w="12700" cmpd="sng">
+                      <a:noFill/>
+                      <a:prstDash val="solid"/>
+                    </a:lnBlToTr>
+                    <a:noFill/>
+                  </a:tcPr>
+                </a:tc>
+                <a:tc>
+                  <a:txBody>
+                    <a:bodyPr/>
+                    <a:lstStyle/>
+                    <a:p>
+                      <a:pPr marL="0" marR="0" lvl="0" indent="0" algn="ctr" defTabSz="685792" rtl="0" eaLnBrk="1" fontAlgn="auto" latinLnBrk="0" hangingPunct="1">
+                        <a:lnSpc>
+                          <a:spcPct val="130000"/>
+                        </a:lnSpc>
+                        <a:spcBef>
+                          <a:spcPts val="0"/>
+                        </a:spcBef>
+                        <a:spcAft>
+                          <a:spcPts val="0"/>
+                        </a:spcAft>
+                        <a:buClrTx/>
+                        <a:buSzTx/>
+                        <a:buFontTx/>
+                        <a:buNone/>
+                        <a:tabLst/>
+                        <a:defRPr/>
+                      </a:pPr>
+                      <a:endParaRPr lang="zh-CN" altLang="en-US" sz="1200" b="0" kern="1200" baseline="0" dirty="0">
+                        <a:solidFill>
+                          <a:schemeClr val="tx1">
+                            <a:lumMod val="75000"/>
+                            <a:lumOff val="25000"/>
+                          </a:schemeClr>
+                        </a:solidFill>
+                        <a:latin typeface="Bentley Light" panose="020B0404020201020102"/>
+                        <a:ea typeface="黑体" panose="02010609060101010101" pitchFamily="49" charset="-122"/>
+                        <a:cs typeface="+mn-ea"/>
+                        <a:sym typeface="+mn-lt"/>
+                      </a:endParaRPr>
+                    </a:p>
+                  </a:txBody>
+                  <a:tcPr marL="108666" marR="108666" marT="108522" marB="108522" anchor="ctr">
+                    <a:lnL w="57150" cap="flat" cmpd="sng" algn="ctr">
+                      <a:noFill/>
+                      <a:prstDash val="solid"/>
+                      <a:round/>
+                      <a:headEnd type="none" w="med" len="med"/>
+                      <a:tailEnd type="none" w="med" len="med"/>
+                    </a:lnL>
+                    <a:lnR w="3175" cap="flat" cmpd="sng" algn="ctr">
+                      <a:noFill/>
+                      <a:prstDash val="solid"/>
+                      <a:round/>
+                      <a:headEnd type="none" w="med" len="med"/>
+                      <a:tailEnd type="none" w="med" len="med"/>
+                    </a:lnR>
+                    <a:lnT w="3175" cap="flat" cmpd="sng" algn="ctr">
+                      <a:solidFill>
+                        <a:schemeClr val="bg1">
+                          <a:lumMod val="75000"/>
+                        </a:schemeClr>
+                      </a:solidFill>
+                      <a:prstDash val="sysDot"/>
+                      <a:round/>
+                      <a:headEnd type="none" w="med" len="med"/>
+                      <a:tailEnd type="none" w="med" len="med"/>
+                    </a:lnT>
+                    <a:lnB w="6350" cap="flat" cmpd="sng" algn="ctr">
+                      <a:solidFill>
+                        <a:srgbClr val="BBBCBC"/>
+                      </a:solidFill>
+                      <a:prstDash val="solid"/>
+                      <a:round/>
+                      <a:headEnd type="none" w="med" len="med"/>
+                      <a:tailEnd type="none" w="med" len="med"/>
+                    </a:lnB>
+                    <a:lnTlToBr w="12700" cmpd="sng">
+                      <a:noFill/>
+                      <a:prstDash val="solid"/>
+                    </a:lnTlToBr>
+                    <a:lnBlToTr w="12700" cmpd="sng">
+                      <a:noFill/>
+                      <a:prstDash val="solid"/>
+                    </a:lnBlToTr>
+                    <a:noFill/>
+                  </a:tcPr>
+                </a:tc>
+                <a:tc>
+                  <a:txBody>
+                    <a:bodyPr/>
+                    <a:lstStyle/>
+                    <a:p>
+                      <a:pPr marL="0" marR="0" lvl="0" indent="0" algn="l" defTabSz="685792" rtl="0" eaLnBrk="1" fontAlgn="auto" latinLnBrk="0" hangingPunct="1">
+                        <a:lnSpc>
+                          <a:spcPct val="130000"/>
+                        </a:lnSpc>
+                        <a:spcBef>
+                          <a:spcPts val="0"/>
+                        </a:spcBef>
+                        <a:spcAft>
+                          <a:spcPts val="0"/>
+                        </a:spcAft>
+                        <a:buClrTx/>
+                        <a:buSzTx/>
+                        <a:buFontTx/>
+                        <a:buNone/>
+                        <a:tabLst/>
+                        <a:defRPr/>
+                      </a:pPr>
+                      <a:endParaRPr lang="zh-CN" altLang="en-US" sz="1200" b="0" kern="1200" baseline="0" dirty="0">
+                        <a:solidFill>
+                          <a:schemeClr val="tx1">
+                            <a:lumMod val="75000"/>
+                            <a:lumOff val="25000"/>
+                          </a:schemeClr>
+                        </a:solidFill>
+                        <a:latin typeface="Bentley Light" panose="020B0404020201020102"/>
+                        <a:ea typeface="黑体" panose="02010609060101010101" pitchFamily="49" charset="-122"/>
+                        <a:cs typeface="+mn-ea"/>
+                        <a:sym typeface="+mn-lt"/>
+                      </a:endParaRPr>
+                    </a:p>
+                  </a:txBody>
+                  <a:tcPr marL="108666" marR="108666" marT="108522" marB="108522" anchor="ctr">
+                    <a:lnL w="3175" cap="flat" cmpd="sng" algn="ctr">
+                      <a:noFill/>
+                      <a:prstDash val="solid"/>
+                      <a:round/>
+                      <a:headEnd type="none" w="med" len="med"/>
+                      <a:tailEnd type="none" w="med" len="med"/>
+                    </a:lnL>
+                    <a:lnR w="57150" cap="flat" cmpd="sng" algn="ctr">
+                      <a:noFill/>
+                      <a:prstDash val="solid"/>
+                      <a:round/>
+                      <a:headEnd type="none" w="med" len="med"/>
+                      <a:tailEnd type="none" w="med" len="med"/>
+                    </a:lnR>
+                    <a:lnT w="3175" cap="flat" cmpd="sng" algn="ctr">
+                      <a:solidFill>
+                        <a:schemeClr val="bg1">
+                          <a:lumMod val="75000"/>
+                        </a:schemeClr>
+                      </a:solidFill>
+                      <a:prstDash val="sysDot"/>
+                      <a:round/>
+                      <a:headEnd type="none" w="med" len="med"/>
+                      <a:tailEnd type="none" w="med" len="med"/>
+                    </a:lnT>
+                    <a:lnB w="6350" cap="flat" cmpd="sng" algn="ctr">
+                      <a:solidFill>
+                        <a:srgbClr val="BBBCBC"/>
+                      </a:solidFill>
+                      <a:prstDash val="solid"/>
+                      <a:round/>
+                      <a:headEnd type="none" w="med" len="med"/>
+                      <a:tailEnd type="none" w="med" len="med"/>
+                    </a:lnB>
+                    <a:lnTlToBr w="12700" cmpd="sng">
+                      <a:noFill/>
+                      <a:prstDash val="solid"/>
+                    </a:lnTlToBr>
+                    <a:lnBlToTr w="12700" cmpd="sng">
+                      <a:noFill/>
+                      <a:prstDash val="solid"/>
+                    </a:lnBlToTr>
+                    <a:noFill/>
+                  </a:tcPr>
+                </a:tc>
+                <a:extLst>
+                  <a:ext uri="{0D108BD9-81ED-4DB2-BD59-A6C34878D82A}">
+                    <a16:rowId xmlns:a16="http://schemas.microsoft.com/office/drawing/2014/main" val="2040632797"/>
                   </a:ext>
                 </a:extLst>
               </a:tr>
@@ -34059,7 +35188,7 @@
           <a:graphicData uri="http://schemas.openxmlformats.org/presentationml/2006/ole">
             <mc:AlternateContent xmlns:mc="http://schemas.openxmlformats.org/markup-compatibility/2006">
               <mc:Choice xmlns:v="urn:schemas-microsoft-com:vml" Requires="v">
-                <p:oleObj spid="_x0000_s44101" name="think-cell Slide" r:id="rId5" imgW="416" imgH="416" progId="TCLayout.ActiveDocument.1">
+                <p:oleObj spid="_x0000_s44102" name="think-cell Slide" r:id="rId5" imgW="416" imgH="416" progId="TCLayout.ActiveDocument.1">
                   <p:embed/>
                 </p:oleObj>
               </mc:Choice>
@@ -35349,7 +36478,7 @@
   <a:extraClrSchemeLst/>
   <a:extLst>
     <a:ext uri="{05A4C25C-085E-4340-85A3-A5531E510DB2}">
-      <thm15:themeFamily xmlns:thm15="http://schemas.microsoft.com/office/thememl/2012/main" xmlns="" name="Office Theme" id="{62F939B6-93AF-4DB8-9C6B-D6C7DFDC589F}" vid="{4A3C46E8-61CC-4603-A589-7422A47A8E4A}"/>
+      <thm15:themeFamily xmlns:thm15="http://schemas.microsoft.com/office/thememl/2012/main" name="Office Theme" id="{62F939B6-93AF-4DB8-9C6B-D6C7DFDC589F}" vid="{4A3C46E8-61CC-4603-A589-7422A47A8E4A}"/>
     </a:ext>
   </a:extLst>
 </a:theme>
@@ -35583,7 +36712,7 @@
   <a:extraClrSchemeLst/>
   <a:extLst>
     <a:ext uri="{05A4C25C-085E-4340-85A3-A5531E510DB2}">
-      <thm15:themeFamily xmlns:thm15="http://schemas.microsoft.com/office/thememl/2012/main" xmlns="" name="Bentley template 2021.potx" id="{C9F80F40-B2B1-4DB6-919B-71F3AAFFE5B0}" vid="{F9D38CA0-4F02-4029-A6BC-9642EF690A5C}"/>
+      <thm15:themeFamily xmlns:thm15="http://schemas.microsoft.com/office/thememl/2012/main" name="Bentley template 2021.potx" id="{C9F80F40-B2B1-4DB6-919B-71F3AAFFE5B0}" vid="{F9D38CA0-4F02-4029-A6BC-9642EF690A5C}"/>
     </a:ext>
   </a:extLst>
 </a:theme>
@@ -35817,7 +36946,7 @@
   <a:extraClrSchemeLst/>
   <a:extLst>
     <a:ext uri="{05A4C25C-085E-4340-85A3-A5531E510DB2}">
-      <thm15:themeFamily xmlns:thm15="http://schemas.microsoft.com/office/thememl/2012/main" xmlns="" name="Bentley template 2021.potx" id="{C9F80F40-B2B1-4DB6-919B-71F3AAFFE5B0}" vid="{F9D38CA0-4F02-4029-A6BC-9642EF690A5C}"/>
+      <thm15:themeFamily xmlns:thm15="http://schemas.microsoft.com/office/thememl/2012/main" name="Bentley template 2021.potx" id="{C9F80F40-B2B1-4DB6-919B-71F3AAFFE5B0}" vid="{F9D38CA0-4F02-4029-A6BC-9642EF690A5C}"/>
     </a:ext>
   </a:extLst>
 </a:theme>
@@ -36078,7 +37207,7 @@
   <a:extraClrSchemeLst/>
   <a:extLst>
     <a:ext uri="{05A4C25C-085E-4340-85A3-A5531E510DB2}">
-      <thm15:themeFamily xmlns:thm15="http://schemas.microsoft.com/office/thememl/2012/main" xmlns="" name="Office Theme" id="{62F939B6-93AF-4DB8-9C6B-D6C7DFDC589F}" vid="{4A3C46E8-61CC-4603-A589-7422A47A8E4A}"/>
+      <thm15:themeFamily xmlns:thm15="http://schemas.microsoft.com/office/thememl/2012/main" name="Office Theme" id="{62F939B6-93AF-4DB8-9C6B-D6C7DFDC589F}" vid="{4A3C46E8-61CC-4603-A589-7422A47A8E4A}"/>
     </a:ext>
   </a:extLst>
 </a:theme>

--- a/com.yrtech.bentleyAPI/com.yrtech.InventoryAPI/template/ReportOffLine.pptx
+++ b/com.yrtech.bentleyAPI/com.yrtech.InventoryAPI/template/ReportOffLine.pptx
@@ -225,7 +225,7 @@
           <a:p>
             <a:fld id="{69A4D669-94F9-4D70-8C76-4C2D35D4E5D0}" type="datetimeFigureOut">
               <a:rPr lang="en-US" smtClean="0"/>
-              <a:t>4/26/2022</a:t>
+              <a:t>5/5/2022</a:t>
             </a:fld>
             <a:endParaRPr lang="en-US"/>
           </a:p>
@@ -1866,7 +1866,7 @@
           <a:p>
             <a:fld id="{CB9F8517-1271-4F8B-9742-ECB8BBF22693}" type="datetimeFigureOut">
               <a:rPr lang="en-US" smtClean="0"/>
-              <a:t>4/26/2022</a:t>
+              <a:t>5/5/2022</a:t>
             </a:fld>
             <a:endParaRPr lang="en-US"/>
           </a:p>
@@ -2036,7 +2036,7 @@
           <a:p>
             <a:fld id="{CB9F8517-1271-4F8B-9742-ECB8BBF22693}" type="datetimeFigureOut">
               <a:rPr lang="en-US" smtClean="0"/>
-              <a:t>4/26/2022</a:t>
+              <a:t>5/5/2022</a:t>
             </a:fld>
             <a:endParaRPr lang="en-US"/>
           </a:p>
@@ -2216,7 +2216,7 @@
           <a:p>
             <a:fld id="{CB9F8517-1271-4F8B-9742-ECB8BBF22693}" type="datetimeFigureOut">
               <a:rPr lang="en-US" smtClean="0"/>
-              <a:t>4/26/2022</a:t>
+              <a:t>5/5/2022</a:t>
             </a:fld>
             <a:endParaRPr lang="en-US"/>
           </a:p>
@@ -2314,7 +2314,7 @@
           <a:graphicData uri="http://schemas.openxmlformats.org/presentationml/2006/ole">
             <mc:AlternateContent xmlns:mc="http://schemas.openxmlformats.org/markup-compatibility/2006">
               <mc:Choice xmlns:v="urn:schemas-microsoft-com:vml" Requires="v">
-                <p:oleObj spid="_x0000_s3154" name="think-cell Slide" r:id="rId4" imgW="216" imgH="216" progId="TCLayout.ActiveDocument.1">
+                <p:oleObj spid="_x0000_s3156" name="think-cell Slide" r:id="rId4" imgW="216" imgH="216" progId="TCLayout.ActiveDocument.1">
                   <p:embed/>
                 </p:oleObj>
               </mc:Choice>
@@ -3352,7 +3352,7 @@
           <a:graphicData uri="http://schemas.openxmlformats.org/presentationml/2006/ole">
             <mc:AlternateContent xmlns:mc="http://schemas.openxmlformats.org/markup-compatibility/2006">
               <mc:Choice xmlns:v="urn:schemas-microsoft-com:vml" Requires="v">
-                <p:oleObj spid="_x0000_s32838" name="think-cell Slide" r:id="rId5" imgW="216" imgH="216" progId="TCLayout.ActiveDocument.1">
+                <p:oleObj spid="_x0000_s32840" name="think-cell Slide" r:id="rId5" imgW="216" imgH="216" progId="TCLayout.ActiveDocument.1">
                   <p:embed/>
                 </p:oleObj>
               </mc:Choice>
@@ -3829,7 +3829,7 @@
           <a:graphicData uri="http://schemas.openxmlformats.org/presentationml/2006/ole">
             <mc:AlternateContent xmlns:mc="http://schemas.openxmlformats.org/markup-compatibility/2006">
               <mc:Choice xmlns:v="urn:schemas-microsoft-com:vml" Requires="v">
-                <p:oleObj spid="_x0000_s33862" name="think-cell Slide" r:id="rId4" imgW="216" imgH="216" progId="TCLayout.ActiveDocument.1">
+                <p:oleObj spid="_x0000_s33864" name="think-cell Slide" r:id="rId4" imgW="216" imgH="216" progId="TCLayout.ActiveDocument.1">
                   <p:embed/>
                 </p:oleObj>
               </mc:Choice>
@@ -4566,7 +4566,7 @@
           <a:graphicData uri="http://schemas.openxmlformats.org/presentationml/2006/ole">
             <mc:AlternateContent xmlns:mc="http://schemas.openxmlformats.org/markup-compatibility/2006">
               <mc:Choice xmlns:v="urn:schemas-microsoft-com:vml" Requires="v">
-                <p:oleObj spid="_x0000_s34886" name="think-cell Slide" r:id="rId4" imgW="216" imgH="216" progId="TCLayout.ActiveDocument.1">
+                <p:oleObj spid="_x0000_s34888" name="think-cell Slide" r:id="rId4" imgW="216" imgH="216" progId="TCLayout.ActiveDocument.1">
                   <p:embed/>
                 </p:oleObj>
               </mc:Choice>
@@ -5614,7 +5614,7 @@
           <a:graphicData uri="http://schemas.openxmlformats.org/presentationml/2006/ole">
             <mc:AlternateContent xmlns:mc="http://schemas.openxmlformats.org/markup-compatibility/2006">
               <mc:Choice xmlns:v="urn:schemas-microsoft-com:vml" Requires="v">
-                <p:oleObj spid="_x0000_s35910" name="think-cell Slide" r:id="rId5" imgW="216" imgH="216" progId="TCLayout.ActiveDocument.1">
+                <p:oleObj spid="_x0000_s35912" name="think-cell Slide" r:id="rId5" imgW="216" imgH="216" progId="TCLayout.ActiveDocument.1">
                   <p:embed/>
                 </p:oleObj>
               </mc:Choice>
@@ -6406,7 +6406,7 @@
           <a:graphicData uri="http://schemas.openxmlformats.org/presentationml/2006/ole">
             <mc:AlternateContent xmlns:mc="http://schemas.openxmlformats.org/markup-compatibility/2006">
               <mc:Choice xmlns:v="urn:schemas-microsoft-com:vml" Requires="v">
-                <p:oleObj spid="_x0000_s37958" name="think-cell Slide" r:id="rId5" imgW="216" imgH="216" progId="TCLayout.ActiveDocument.1">
+                <p:oleObj spid="_x0000_s37960" name="think-cell Slide" r:id="rId5" imgW="216" imgH="216" progId="TCLayout.ActiveDocument.1">
                   <p:embed/>
                 </p:oleObj>
               </mc:Choice>
@@ -6883,7 +6883,7 @@
           <a:graphicData uri="http://schemas.openxmlformats.org/presentationml/2006/ole">
             <mc:AlternateContent xmlns:mc="http://schemas.openxmlformats.org/markup-compatibility/2006">
               <mc:Choice xmlns:v="urn:schemas-microsoft-com:vml" Requires="v">
-                <p:oleObj spid="_x0000_s38982" name="think-cell Slide" r:id="rId4" imgW="216" imgH="216" progId="TCLayout.ActiveDocument.1">
+                <p:oleObj spid="_x0000_s38984" name="think-cell Slide" r:id="rId4" imgW="216" imgH="216" progId="TCLayout.ActiveDocument.1">
                   <p:embed/>
                 </p:oleObj>
               </mc:Choice>
@@ -7691,7 +7691,7 @@
           <a:p>
             <a:fld id="{CB9F8517-1271-4F8B-9742-ECB8BBF22693}" type="datetimeFigureOut">
               <a:rPr lang="en-US" smtClean="0"/>
-              <a:t>4/26/2022</a:t>
+              <a:t>5/5/2022</a:t>
             </a:fld>
             <a:endParaRPr lang="en-US"/>
           </a:p>
@@ -7790,7 +7790,7 @@
           <a:graphicData uri="http://schemas.openxmlformats.org/presentationml/2006/ole">
             <mc:AlternateContent xmlns:mc="http://schemas.openxmlformats.org/markup-compatibility/2006">
               <mc:Choice xmlns:v="urn:schemas-microsoft-com:vml" Requires="v">
-                <p:oleObj spid="_x0000_s40006" name="think-cell Slide" r:id="rId4" imgW="216" imgH="216" progId="TCLayout.ActiveDocument.1">
+                <p:oleObj spid="_x0000_s40008" name="think-cell Slide" r:id="rId4" imgW="216" imgH="216" progId="TCLayout.ActiveDocument.1">
                   <p:embed/>
                 </p:oleObj>
               </mc:Choice>
@@ -8838,7 +8838,7 @@
           <a:graphicData uri="http://schemas.openxmlformats.org/presentationml/2006/ole">
             <mc:AlternateContent xmlns:mc="http://schemas.openxmlformats.org/markup-compatibility/2006">
               <mc:Choice xmlns:v="urn:schemas-microsoft-com:vml" Requires="v">
-                <p:oleObj spid="_x0000_s41030" name="think-cell Slide" r:id="rId5" imgW="216" imgH="216" progId="TCLayout.ActiveDocument.1">
+                <p:oleObj spid="_x0000_s41032" name="think-cell Slide" r:id="rId5" imgW="216" imgH="216" progId="TCLayout.ActiveDocument.1">
                   <p:embed/>
                 </p:oleObj>
               </mc:Choice>
@@ -9777,7 +9777,7 @@
           <a:p>
             <a:fld id="{CB9F8517-1271-4F8B-9742-ECB8BBF22693}" type="datetimeFigureOut">
               <a:rPr lang="en-US" smtClean="0"/>
-              <a:t>4/26/2022</a:t>
+              <a:t>5/5/2022</a:t>
             </a:fld>
             <a:endParaRPr lang="en-US"/>
           </a:p>
@@ -10009,7 +10009,7 @@
           <a:p>
             <a:fld id="{CB9F8517-1271-4F8B-9742-ECB8BBF22693}" type="datetimeFigureOut">
               <a:rPr lang="en-US" smtClean="0"/>
-              <a:t>4/26/2022</a:t>
+              <a:t>5/5/2022</a:t>
             </a:fld>
             <a:endParaRPr lang="en-US"/>
           </a:p>
@@ -10376,7 +10376,7 @@
           <a:p>
             <a:fld id="{CB9F8517-1271-4F8B-9742-ECB8BBF22693}" type="datetimeFigureOut">
               <a:rPr lang="en-US" smtClean="0"/>
-              <a:t>4/26/2022</a:t>
+              <a:t>5/5/2022</a:t>
             </a:fld>
             <a:endParaRPr lang="en-US"/>
           </a:p>
@@ -10494,7 +10494,7 @@
           <a:p>
             <a:fld id="{CB9F8517-1271-4F8B-9742-ECB8BBF22693}" type="datetimeFigureOut">
               <a:rPr lang="en-US" smtClean="0"/>
-              <a:t>4/26/2022</a:t>
+              <a:t>5/5/2022</a:t>
             </a:fld>
             <a:endParaRPr lang="en-US"/>
           </a:p>
@@ -10589,7 +10589,7 @@
           <a:p>
             <a:fld id="{CB9F8517-1271-4F8B-9742-ECB8BBF22693}" type="datetimeFigureOut">
               <a:rPr lang="en-US" smtClean="0"/>
-              <a:t>4/26/2022</a:t>
+              <a:t>5/5/2022</a:t>
             </a:fld>
             <a:endParaRPr lang="en-US"/>
           </a:p>
@@ -10866,7 +10866,7 @@
           <a:p>
             <a:fld id="{CB9F8517-1271-4F8B-9742-ECB8BBF22693}" type="datetimeFigureOut">
               <a:rPr lang="en-US" smtClean="0"/>
-              <a:t>4/26/2022</a:t>
+              <a:t>5/5/2022</a:t>
             </a:fld>
             <a:endParaRPr lang="en-US"/>
           </a:p>
@@ -11119,7 +11119,7 @@
           <a:p>
             <a:fld id="{CB9F8517-1271-4F8B-9742-ECB8BBF22693}" type="datetimeFigureOut">
               <a:rPr lang="en-US" smtClean="0"/>
-              <a:t>4/26/2022</a:t>
+              <a:t>5/5/2022</a:t>
             </a:fld>
             <a:endParaRPr lang="en-US"/>
           </a:p>
@@ -11227,7 +11227,7 @@
           <a:graphicData uri="http://schemas.openxmlformats.org/presentationml/2006/ole">
             <mc:AlternateContent xmlns:mc="http://schemas.openxmlformats.org/markup-compatibility/2006">
               <mc:Choice xmlns:v="urn:schemas-microsoft-com:vml" Requires="v">
-                <p:oleObj spid="_x0000_s1106" name="think-cell Slide" r:id="rId16" imgW="416" imgH="416" progId="TCLayout.ActiveDocument.1">
+                <p:oleObj spid="_x0000_s1108" name="think-cell Slide" r:id="rId16" imgW="416" imgH="416" progId="TCLayout.ActiveDocument.1">
                   <p:embed/>
                 </p:oleObj>
               </mc:Choice>
@@ -11392,7 +11392,7 @@
           <a:p>
             <a:fld id="{CB9F8517-1271-4F8B-9742-ECB8BBF22693}" type="datetimeFigureOut">
               <a:rPr lang="en-US" smtClean="0"/>
-              <a:t>4/26/2022</a:t>
+              <a:t>5/5/2022</a:t>
             </a:fld>
             <a:endParaRPr lang="en-US"/>
           </a:p>
@@ -11828,7 +11828,7 @@
           <a:graphicData uri="http://schemas.openxmlformats.org/presentationml/2006/ole">
             <mc:AlternateContent xmlns:mc="http://schemas.openxmlformats.org/markup-compatibility/2006">
               <mc:Choice xmlns:v="urn:schemas-microsoft-com:vml" Requires="v">
-                <p:oleObj spid="_x0000_s31814" name="think-cell Slide" r:id="rId10" imgW="216" imgH="216" progId="TCLayout.ActiveDocument.1">
+                <p:oleObj spid="_x0000_s31816" name="think-cell Slide" r:id="rId10" imgW="216" imgH="216" progId="TCLayout.ActiveDocument.1">
                   <p:embed/>
                 </p:oleObj>
               </mc:Choice>
@@ -12586,7 +12586,7 @@
           <a:graphicData uri="http://schemas.openxmlformats.org/presentationml/2006/ole">
             <mc:AlternateContent xmlns:mc="http://schemas.openxmlformats.org/markup-compatibility/2006">
               <mc:Choice xmlns:v="urn:schemas-microsoft-com:vml" Requires="v">
-                <p:oleObj spid="_x0000_s36935" name="think-cell Slide" r:id="rId10" imgW="216" imgH="216" progId="TCLayout.ActiveDocument.1">
+                <p:oleObj spid="_x0000_s36937" name="think-cell Slide" r:id="rId10" imgW="216" imgH="216" progId="TCLayout.ActiveDocument.1">
                   <p:embed/>
                 </p:oleObj>
               </mc:Choice>
@@ -13339,7 +13339,7 @@
           <a:graphicData uri="http://schemas.openxmlformats.org/presentationml/2006/ole">
             <mc:AlternateContent xmlns:mc="http://schemas.openxmlformats.org/markup-compatibility/2006">
               <mc:Choice xmlns:v="urn:schemas-microsoft-com:vml" Requires="v">
-                <p:oleObj spid="_x0000_s14421" name="think-cell Slide" r:id="rId5" imgW="396" imgH="396" progId="TCLayout.ActiveDocument.1">
+                <p:oleObj spid="_x0000_s14423" name="think-cell Slide" r:id="rId5" imgW="396" imgH="396" progId="TCLayout.ActiveDocument.1">
                   <p:embed/>
                 </p:oleObj>
               </mc:Choice>
@@ -15900,7 +15900,7 @@
               <a:t> </a:t>
             </a:r>
             <a:r>
-              <a:rPr lang="en-US" altLang="zh-CN" sz="1400" b="1" dirty="0" smtClean="0">
+              <a:rPr lang="en-US" altLang="zh-CN" sz="1000" b="1" dirty="0" smtClean="0">
                 <a:solidFill>
                   <a:srgbClr val="FFFFFF"/>
                 </a:solidFill>
@@ -15910,7 +15910,7 @@
               <a:t>Performance </a:t>
             </a:r>
             <a:r>
-              <a:rPr lang="zh-CN" altLang="en-US" sz="1400" b="1" dirty="0">
+              <a:rPr lang="zh-CN" altLang="en-US" sz="1000" b="1" dirty="0">
                 <a:solidFill>
                   <a:srgbClr val="FFFFFF"/>
                 </a:solidFill>
@@ -15919,7 +15919,7 @@
               </a:rPr>
               <a:t>表演</a:t>
             </a:r>
-            <a:endParaRPr lang="en-US" altLang="zh-CN" sz="1400" b="1" dirty="0">
+            <a:endParaRPr lang="en-US" altLang="zh-CN" sz="1000" b="1" dirty="0">
               <a:solidFill>
                 <a:srgbClr val="FFFFFF"/>
               </a:solidFill>
@@ -15975,7 +15975,7 @@
               <a:t> </a:t>
             </a:r>
             <a:r>
-              <a:rPr lang="en-US" altLang="zh-CN" sz="1400" b="1" dirty="0" smtClean="0">
+              <a:rPr lang="en-US" altLang="zh-CN" sz="1000" b="1" dirty="0" smtClean="0">
                 <a:solidFill>
                   <a:srgbClr val="FFFFFF"/>
                 </a:solidFill>
@@ -15985,7 +15985,7 @@
               <a:t>Sign-in </a:t>
             </a:r>
             <a:r>
-              <a:rPr lang="zh-CN" altLang="en-US" sz="1400" b="1" dirty="0" smtClean="0">
+              <a:rPr lang="zh-CN" altLang="en-US" sz="1000" b="1" dirty="0" smtClean="0">
                 <a:solidFill>
                   <a:srgbClr val="FFFFFF"/>
                 </a:solidFill>
@@ -15994,7 +15994,7 @@
               </a:rPr>
               <a:t>签到及其他互动环节</a:t>
             </a:r>
-            <a:endParaRPr lang="en-US" altLang="zh-CN" sz="1400" b="1" dirty="0">
+            <a:endParaRPr lang="en-US" altLang="zh-CN" sz="1000" b="1" dirty="0">
               <a:solidFill>
                 <a:srgbClr val="FFFFFF"/>
               </a:solidFill>
@@ -16112,7 +16112,7 @@
         <p:spPr>
           <a:xfrm>
             <a:off x="565597" y="1146150"/>
-            <a:ext cx="5336624" cy="307777"/>
+            <a:ext cx="5336624" cy="246221"/>
           </a:xfrm>
           <a:prstGeom prst="rect">
             <a:avLst/>
@@ -16139,7 +16139,7 @@
               <a:buSzPct val="100000"/>
             </a:pPr>
             <a:r>
-              <a:rPr lang="en-US" altLang="zh-CN" sz="1400" b="1" dirty="0">
+              <a:rPr lang="en-US" altLang="zh-CN" sz="1000" b="1" dirty="0">
                 <a:solidFill>
                   <a:srgbClr val="FFFFFF"/>
                 </a:solidFill>
@@ -16149,7 +16149,7 @@
               <a:t>Hospitality </a:t>
             </a:r>
             <a:r>
-              <a:rPr lang="zh-CN" altLang="en-US" sz="1400" b="1" dirty="0">
+              <a:rPr lang="zh-CN" altLang="en-US" sz="1000" b="1" dirty="0">
                 <a:solidFill>
                   <a:srgbClr val="FFFFFF"/>
                 </a:solidFill>
@@ -16158,7 +16158,7 @@
               </a:rPr>
               <a:t>礼仪</a:t>
             </a:r>
-            <a:endParaRPr lang="en-US" sz="1400" b="1" dirty="0">
+            <a:endParaRPr lang="en-US" sz="1000" b="1" dirty="0">
               <a:solidFill>
                 <a:srgbClr val="FFFFFF"/>
               </a:solidFill>
@@ -16269,7 +16269,7 @@
               <a:t> </a:t>
             </a:r>
             <a:r>
-              <a:rPr lang="en-US" altLang="zh-CN" sz="1400" b="1" dirty="0" smtClean="0">
+              <a:rPr lang="en-US" altLang="zh-CN" sz="1000" b="1" dirty="0" smtClean="0">
                 <a:solidFill>
                   <a:srgbClr val="FFFFFF"/>
                 </a:solidFill>
@@ -16279,7 +16279,7 @@
               <a:t>Others </a:t>
             </a:r>
             <a:r>
-              <a:rPr lang="zh-CN" altLang="en-US" sz="1400" b="1" dirty="0" smtClean="0">
+              <a:rPr lang="zh-CN" altLang="en-US" sz="1000" b="1" dirty="0" smtClean="0">
                 <a:solidFill>
                   <a:srgbClr val="FFFFFF"/>
                 </a:solidFill>
@@ -16288,7 +16288,7 @@
               </a:rPr>
               <a:t>其他工作人员</a:t>
             </a:r>
-            <a:endParaRPr lang="en-US" altLang="zh-CN" sz="1400" b="1" dirty="0">
+            <a:endParaRPr lang="en-US" altLang="zh-CN" sz="1000" b="1" dirty="0">
               <a:solidFill>
                 <a:srgbClr val="FFFFFF"/>
               </a:solidFill>
@@ -16878,7 +16878,7 @@
         <p:spPr>
           <a:xfrm>
             <a:off x="538849" y="1123920"/>
-            <a:ext cx="11081395" cy="307777"/>
+            <a:ext cx="11081395" cy="246221"/>
           </a:xfrm>
           <a:prstGeom prst="rect">
             <a:avLst/>
@@ -16905,7 +16905,7 @@
               <a:buSzPct val="100000"/>
             </a:pPr>
             <a:r>
-              <a:rPr lang="en-US" sz="1400" b="1" dirty="0">
+              <a:rPr lang="en-US" sz="1000" b="1" dirty="0">
                 <a:solidFill>
                   <a:srgbClr val="FFFFFF"/>
                 </a:solidFill>
@@ -16914,7 +16914,7 @@
               <a:t>Others- </a:t>
             </a:r>
             <a:r>
-              <a:rPr lang="zh-CN" altLang="en-US" sz="1400" b="1" dirty="0">
+              <a:rPr lang="zh-CN" altLang="en-US" sz="1000" b="1" dirty="0">
                 <a:solidFill>
                   <a:srgbClr val="FFFFFF"/>
                 </a:solidFill>
@@ -17292,7 +17292,7 @@
         <p:spPr>
           <a:xfrm>
             <a:off x="565598" y="1146150"/>
-            <a:ext cx="3534319" cy="307777"/>
+            <a:ext cx="3534319" cy="246221"/>
           </a:xfrm>
           <a:prstGeom prst="rect">
             <a:avLst/>
@@ -17313,7 +17313,7 @@
               <a:buSzPct val="100000"/>
             </a:pPr>
             <a:r>
-              <a:rPr lang="en-US" altLang="zh-CN" sz="1400" dirty="0">
+              <a:rPr lang="en-US" altLang="zh-CN" sz="1000" b="1" dirty="0">
                 <a:solidFill>
                   <a:schemeClr val="bg1"/>
                 </a:solidFill>
@@ -17323,7 +17323,7 @@
               <a:t>Contract </a:t>
             </a:r>
             <a:r>
-              <a:rPr lang="zh-CN" altLang="en-US" sz="1400" dirty="0">
+              <a:rPr lang="zh-CN" altLang="en-US" sz="1000" b="1" dirty="0">
                 <a:solidFill>
                   <a:schemeClr val="bg1"/>
                 </a:solidFill>
@@ -17375,7 +17375,7 @@
               <a:t> </a:t>
             </a:r>
             <a:r>
-              <a:rPr lang="en-US" altLang="zh-CN" sz="1400" dirty="0">
+              <a:rPr lang="en-US" altLang="zh-CN" sz="1000" b="1" dirty="0">
                 <a:solidFill>
                   <a:schemeClr val="bg1"/>
                 </a:solidFill>
@@ -17385,7 +17385,7 @@
               <a:t>Quotation </a:t>
             </a:r>
             <a:r>
-              <a:rPr lang="zh-CN" altLang="en-US" sz="1400" dirty="0" smtClean="0">
+              <a:rPr lang="zh-CN" altLang="en-US" sz="1000" b="1" dirty="0" smtClean="0">
                 <a:solidFill>
                   <a:schemeClr val="bg1"/>
                 </a:solidFill>
@@ -17394,7 +17394,7 @@
               </a:rPr>
               <a:t>报价单</a:t>
             </a:r>
-            <a:endParaRPr lang="en-US" altLang="zh-CN" sz="1400" dirty="0">
+            <a:endParaRPr lang="en-US" altLang="zh-CN" sz="1000" b="1" dirty="0">
               <a:solidFill>
                 <a:schemeClr val="bg1"/>
               </a:solidFill>
@@ -17550,7 +17550,7 @@
               <a:t> </a:t>
             </a:r>
             <a:r>
-              <a:rPr lang="en-US" altLang="zh-CN" sz="1400" dirty="0">
+              <a:rPr lang="en-US" altLang="zh-CN" sz="1000" b="1" dirty="0">
                 <a:solidFill>
                   <a:schemeClr val="bg1"/>
                 </a:solidFill>
@@ -17560,7 +17560,7 @@
               <a:t>Invoice </a:t>
             </a:r>
             <a:r>
-              <a:rPr lang="zh-CN" altLang="en-US" sz="1400" dirty="0">
+              <a:rPr lang="zh-CN" altLang="en-US" sz="1000" b="1" dirty="0">
                 <a:solidFill>
                   <a:schemeClr val="bg1"/>
                 </a:solidFill>
@@ -17569,7 +17569,7 @@
               </a:rPr>
               <a:t>发票</a:t>
             </a:r>
-            <a:endParaRPr lang="en-US" altLang="zh-CN" sz="1400" dirty="0">
+            <a:endParaRPr lang="en-US" altLang="zh-CN" sz="1000" b="1" dirty="0">
               <a:solidFill>
                 <a:schemeClr val="bg1"/>
               </a:solidFill>
@@ -17698,7 +17698,7 @@
           <a:graphicData uri="http://schemas.openxmlformats.org/presentationml/2006/ole">
             <mc:AlternateContent xmlns:mc="http://schemas.openxmlformats.org/markup-compatibility/2006">
               <mc:Choice xmlns:v="urn:schemas-microsoft-com:vml" Requires="v">
-                <p:oleObj spid="_x0000_s42062" name="think-cell Slide" r:id="rId6" imgW="416" imgH="416" progId="TCLayout.ActiveDocument.1">
+                <p:oleObj spid="_x0000_s42064" name="think-cell Slide" r:id="rId6" imgW="416" imgH="416" progId="TCLayout.ActiveDocument.1">
                   <p:embed/>
                 </p:oleObj>
               </mc:Choice>
@@ -18102,7 +18102,7 @@
           <p:nvPr>
             <p:extLst>
               <p:ext uri="{D42A27DB-BD31-4B8C-83A1-F6EECF244321}">
-                <p14:modId xmlns:p14="http://schemas.microsoft.com/office/powerpoint/2010/main" val="1992910198"/>
+                <p14:modId xmlns:p14="http://schemas.microsoft.com/office/powerpoint/2010/main" val="1989902261"/>
               </p:ext>
             </p:extLst>
           </p:nvPr>
@@ -18178,7 +18178,7 @@
                         <a:defRPr/>
                       </a:pPr>
                       <a:r>
-                        <a:rPr lang="zh-CN" altLang="en-US" sz="1300" b="1" kern="1200" dirty="0" smtClean="0">
+                        <a:rPr lang="zh-CN" altLang="en-US" sz="1000" b="1" kern="1200" dirty="0" smtClean="0">
                           <a:solidFill>
                             <a:schemeClr val="bg1"/>
                           </a:solidFill>
@@ -18189,7 +18189,7 @@
                         <a:t>活动总览</a:t>
                       </a:r>
                       <a:r>
-                        <a:rPr lang="en-US" altLang="zh-CN" sz="1300" b="1" kern="1200" dirty="0" smtClean="0">
+                        <a:rPr lang="en-US" altLang="zh-CN" sz="1000" b="1" kern="1200" dirty="0" smtClean="0">
                           <a:solidFill>
                             <a:schemeClr val="bg1"/>
                           </a:solidFill>
@@ -18199,7 +18199,7 @@
                         </a:rPr>
                         <a:t> Overview</a:t>
                       </a:r>
-                      <a:endParaRPr lang="en-US" sz="1300" b="1" kern="1200" dirty="0" smtClean="0">
+                      <a:endParaRPr lang="en-US" sz="1000" b="1" kern="1200" dirty="0" smtClean="0">
                         <a:solidFill>
                           <a:schemeClr val="bg1"/>
                         </a:solidFill>
@@ -18347,12 +18347,12 @@
                         <a:defRPr/>
                       </a:pPr>
                       <a:r>
-                        <a:rPr lang="en-US" sz="1200" b="0" kern="1200" dirty="0" smtClean="0">
+                        <a:rPr lang="en-US" sz="1000" b="0" kern="1200" baseline="0" dirty="0" smtClean="0">
                           <a:solidFill>
                             <a:schemeClr val="tx1"/>
                           </a:solidFill>
-                          <a:latin typeface="+mn-lt"/>
-                          <a:ea typeface="+mn-ea"/>
+                          <a:latin typeface="Bentley Light" panose="020B0404020201020102"/>
+                          <a:ea typeface="黑体" panose="02010609060101010101" pitchFamily="49" charset="-122"/>
                           <a:cs typeface="+mn-ea"/>
                           <a:sym typeface="+mn-lt"/>
                         </a:rPr>
@@ -18378,22 +18378,22 @@
                         <a:defRPr/>
                       </a:pPr>
                       <a:r>
-                        <a:rPr lang="zh-CN" altLang="en-US" sz="1200" b="0" kern="1200" dirty="0" smtClean="0">
+                        <a:rPr lang="zh-CN" altLang="en-US" sz="1000" b="0" kern="1200" baseline="0" dirty="0" smtClean="0">
                           <a:solidFill>
                             <a:schemeClr val="tx1"/>
                           </a:solidFill>
-                          <a:latin typeface="+mn-lt"/>
-                          <a:ea typeface="+mn-ea"/>
+                          <a:latin typeface="Bentley Light" panose="020B0404020201020102"/>
+                          <a:ea typeface="黑体" panose="02010609060101010101" pitchFamily="49" charset="-122"/>
                           <a:cs typeface="+mn-ea"/>
                         </a:rPr>
                         <a:t>活动名称</a:t>
                       </a:r>
-                      <a:endParaRPr lang="en-US" sz="1200" b="0" kern="1200" dirty="0" smtClean="0">
+                      <a:endParaRPr lang="en-US" sz="1000" b="0" kern="1200" baseline="0" dirty="0" smtClean="0">
                         <a:solidFill>
                           <a:schemeClr val="tx1"/>
                         </a:solidFill>
-                        <a:latin typeface="+mn-lt"/>
-                        <a:ea typeface="+mn-ea"/>
+                        <a:latin typeface="Bentley Light" panose="020B0404020201020102"/>
+                        <a:ea typeface="黑体" panose="02010609060101010101" pitchFamily="49" charset="-122"/>
                         <a:cs typeface="+mn-ea"/>
                       </a:endParaRPr>
                     </a:p>
@@ -18425,12 +18425,12 @@
                         <a:defRPr/>
                       </a:pPr>
                       <a:r>
-                        <a:rPr lang="en-US" sz="1200" b="0" kern="1200" dirty="0" smtClean="0">
+                        <a:rPr lang="en-US" sz="1000" b="0" kern="1200" baseline="0" dirty="0" smtClean="0">
                           <a:solidFill>
                             <a:schemeClr val="tx1"/>
                           </a:solidFill>
-                          <a:latin typeface="+mn-lt"/>
-                          <a:ea typeface="+mn-ea"/>
+                          <a:latin typeface="Bentley Light" panose="020B0404020201020102"/>
+                          <a:ea typeface="黑体" panose="02010609060101010101" pitchFamily="49" charset="-122"/>
                           <a:cs typeface="+mn-cs"/>
                         </a:rPr>
                         <a:t>  </a:t>
@@ -18479,35 +18479,35 @@
                         <a:defRPr/>
                       </a:pPr>
                       <a:r>
-                        <a:rPr lang="en-US" altLang="zh-CN" sz="1200" b="0" kern="1200" dirty="0" smtClean="0">
+                        <a:rPr lang="en-US" altLang="zh-CN" sz="1000" b="0" kern="1200" baseline="0" dirty="0" smtClean="0">
                           <a:solidFill>
                             <a:schemeClr val="tx1"/>
                           </a:solidFill>
-                          <a:latin typeface="+mn-lt"/>
-                          <a:ea typeface="+mn-ea"/>
+                          <a:latin typeface="Bentley Light" panose="020B0404020201020102"/>
+                          <a:ea typeface="黑体" panose="02010609060101010101" pitchFamily="49" charset="-122"/>
                           <a:cs typeface="+mn-ea"/>
                           <a:sym typeface="+mn-lt"/>
                         </a:rPr>
                         <a:t>Date </a:t>
                       </a:r>
                       <a:r>
-                        <a:rPr lang="zh-CN" altLang="en-US" sz="1200" b="0" kern="1200" dirty="0" smtClean="0">
+                        <a:rPr lang="zh-CN" altLang="en-US" sz="1000" b="0" kern="1200" baseline="0" dirty="0" smtClean="0">
                           <a:solidFill>
                             <a:schemeClr val="tx1"/>
                           </a:solidFill>
-                          <a:latin typeface="+mn-lt"/>
-                          <a:ea typeface="+mn-ea"/>
+                          <a:latin typeface="Bentley Light" panose="020B0404020201020102"/>
+                          <a:ea typeface="黑体" panose="02010609060101010101" pitchFamily="49" charset="-122"/>
                           <a:cs typeface="+mn-ea"/>
                           <a:sym typeface="+mn-lt"/>
                         </a:rPr>
                         <a:t>日期</a:t>
                       </a:r>
-                      <a:endParaRPr lang="en-US" altLang="zh-CN" sz="1200" b="0" kern="1200" dirty="0" smtClean="0">
+                      <a:endParaRPr lang="en-US" altLang="zh-CN" sz="1000" b="0" kern="1200" baseline="0" dirty="0" smtClean="0">
                         <a:solidFill>
                           <a:schemeClr val="tx1"/>
                         </a:solidFill>
-                        <a:latin typeface="+mn-lt"/>
-                        <a:ea typeface="+mn-ea"/>
+                        <a:latin typeface="Bentley Light" panose="020B0404020201020102"/>
+                        <a:ea typeface="黑体" panose="02010609060101010101" pitchFamily="49" charset="-122"/>
                         <a:cs typeface="+mn-ea"/>
                         <a:sym typeface="+mn-lt"/>
                       </a:endParaRPr>
@@ -18540,12 +18540,12 @@
                         <a:defRPr/>
                       </a:pPr>
                       <a:r>
-                        <a:rPr lang="en-US" sz="1200" b="0" kern="1200" dirty="0" smtClean="0">
+                        <a:rPr lang="en-US" sz="1000" b="0" kern="1200" baseline="0" dirty="0" smtClean="0">
                           <a:solidFill>
                             <a:schemeClr val="tx1"/>
                           </a:solidFill>
-                          <a:latin typeface="+mn-lt"/>
-                          <a:ea typeface="+mn-ea"/>
+                          <a:latin typeface="Bentley Light" panose="020B0404020201020102"/>
+                          <a:ea typeface="黑体" panose="02010609060101010101" pitchFamily="49" charset="-122"/>
                           <a:cs typeface="+mn-cs"/>
                         </a:rPr>
                         <a:t> </a:t>
@@ -18588,35 +18588,35 @@
                         <a:defRPr/>
                       </a:pPr>
                       <a:r>
-                        <a:rPr lang="en-US" altLang="zh-CN" sz="1200" b="0" kern="1200" dirty="0" smtClean="0">
+                        <a:rPr lang="en-US" altLang="zh-CN" sz="1000" b="0" kern="1200" baseline="0" dirty="0" smtClean="0">
                           <a:solidFill>
                             <a:schemeClr val="tx1"/>
                           </a:solidFill>
-                          <a:latin typeface="+mn-lt"/>
-                          <a:ea typeface="+mn-ea"/>
+                          <a:latin typeface="Bentley Light" panose="020B0404020201020102"/>
+                          <a:ea typeface="黑体" panose="02010609060101010101" pitchFamily="49" charset="-122"/>
                           <a:cs typeface="+mn-ea"/>
                           <a:sym typeface="+mn-lt"/>
                         </a:rPr>
                         <a:t>Location </a:t>
                       </a:r>
                       <a:r>
-                        <a:rPr lang="zh-CN" altLang="en-US" sz="1200" b="0" kern="1200" dirty="0" smtClean="0">
+                        <a:rPr lang="zh-CN" altLang="en-US" sz="1000" b="0" kern="1200" baseline="0" dirty="0" smtClean="0">
                           <a:solidFill>
                             <a:schemeClr val="tx1"/>
                           </a:solidFill>
-                          <a:latin typeface="+mn-lt"/>
-                          <a:ea typeface="+mn-ea"/>
+                          <a:latin typeface="Bentley Light" panose="020B0404020201020102"/>
+                          <a:ea typeface="黑体" panose="02010609060101010101" pitchFamily="49" charset="-122"/>
                           <a:cs typeface="+mn-ea"/>
                           <a:sym typeface="+mn-lt"/>
                         </a:rPr>
                         <a:t>地点</a:t>
                       </a:r>
-                      <a:endParaRPr lang="en-US" altLang="zh-CN" sz="1200" b="0" kern="1200" dirty="0" smtClean="0">
+                      <a:endParaRPr lang="en-US" altLang="zh-CN" sz="1000" b="0" kern="1200" baseline="0" dirty="0" smtClean="0">
                         <a:solidFill>
                           <a:schemeClr val="tx1"/>
                         </a:solidFill>
-                        <a:latin typeface="+mn-lt"/>
-                        <a:ea typeface="+mn-ea"/>
+                        <a:latin typeface="Bentley Light" panose="020B0404020201020102"/>
+                        <a:ea typeface="黑体" panose="02010609060101010101" pitchFamily="49" charset="-122"/>
                         <a:cs typeface="+mn-ea"/>
                         <a:sym typeface="+mn-lt"/>
                       </a:endParaRPr>
@@ -18634,17 +18634,21 @@
                     <a:lstStyle/>
                     <a:p>
                       <a:r>
-                        <a:rPr lang="en-US" sz="1200" dirty="0" smtClean="0">
+                        <a:rPr lang="en-US" sz="1000" baseline="0" dirty="0" smtClean="0">
                           <a:solidFill>
                             <a:schemeClr val="tx1"/>
                           </a:solidFill>
+                          <a:latin typeface="Bentley Light" panose="020B0404020201020102"/>
+                          <a:ea typeface="黑体" panose="02010609060101010101" pitchFamily="49" charset="-122"/>
                         </a:rPr>
                         <a:t>  </a:t>
                       </a:r>
-                      <a:endParaRPr lang="en-US" sz="1200" dirty="0">
+                      <a:endParaRPr lang="en-US" sz="1000" baseline="0" dirty="0">
                         <a:solidFill>
                           <a:schemeClr val="tx1"/>
                         </a:solidFill>
+                        <a:latin typeface="Bentley Light" panose="020B0404020201020102"/>
+                        <a:ea typeface="黑体" panose="02010609060101010101" pitchFamily="49" charset="-122"/>
                       </a:endParaRPr>
                     </a:p>
                   </a:txBody>
@@ -18747,47 +18751,47 @@
                         <a:defRPr/>
                       </a:pPr>
                       <a:r>
-                        <a:rPr lang="en-US" altLang="zh-CN" sz="1200" b="0" kern="1200" dirty="0" smtClean="0">
+                        <a:rPr lang="en-US" altLang="zh-CN" sz="1000" b="0" kern="1200" baseline="0" dirty="0" smtClean="0">
                           <a:solidFill>
                             <a:schemeClr val="tx1"/>
                           </a:solidFill>
-                          <a:latin typeface="+mn-lt"/>
-                          <a:ea typeface="+mn-ea"/>
+                          <a:latin typeface="Bentley Light" panose="020B0404020201020102"/>
+                          <a:ea typeface="黑体" panose="02010609060101010101" pitchFamily="49" charset="-122"/>
                           <a:cs typeface="+mn-ea"/>
                           <a:sym typeface="+mn-lt"/>
                         </a:rPr>
                         <a:t>Participants</a:t>
                       </a:r>
                       <a:r>
-                        <a:rPr lang="en-US" sz="1200" b="0" kern="1200" dirty="0" smtClean="0">
+                        <a:rPr lang="en-US" sz="1000" b="0" kern="1200" baseline="0" dirty="0" smtClean="0">
                           <a:solidFill>
                             <a:schemeClr val="tx1"/>
                           </a:solidFill>
-                          <a:latin typeface="+mn-lt"/>
-                          <a:ea typeface="+mn-ea"/>
+                          <a:latin typeface="Bentley Light" panose="020B0404020201020102"/>
+                          <a:ea typeface="黑体" panose="02010609060101010101" pitchFamily="49" charset="-122"/>
                           <a:cs typeface="+mn-ea"/>
                           <a:sym typeface="+mn-lt"/>
                         </a:rPr>
                         <a:t> </a:t>
                       </a:r>
                       <a:r>
-                        <a:rPr lang="zh-CN" altLang="en-US" sz="1200" b="0" kern="1200" dirty="0" smtClean="0">
+                        <a:rPr lang="zh-CN" altLang="en-US" sz="1000" b="0" kern="1200" baseline="0" dirty="0" smtClean="0">
                           <a:solidFill>
                             <a:schemeClr val="tx1"/>
                           </a:solidFill>
-                          <a:latin typeface="+mn-lt"/>
-                          <a:ea typeface="+mn-ea"/>
+                          <a:latin typeface="Bentley Light" panose="020B0404020201020102"/>
+                          <a:ea typeface="黑体" panose="02010609060101010101" pitchFamily="49" charset="-122"/>
                           <a:cs typeface="+mn-ea"/>
                           <a:sym typeface="+mn-lt"/>
                         </a:rPr>
                         <a:t>人员</a:t>
                       </a:r>
-                      <a:endParaRPr lang="en-US" sz="1200" b="0" kern="1200" dirty="0" smtClean="0">
+                      <a:endParaRPr lang="en-US" sz="1000" b="0" kern="1200" baseline="0" dirty="0" smtClean="0">
                         <a:solidFill>
                           <a:schemeClr val="tx1"/>
                         </a:solidFill>
-                        <a:latin typeface="+mn-lt"/>
-                        <a:ea typeface="+mn-ea"/>
+                        <a:latin typeface="Bentley Light" panose="020B0404020201020102"/>
+                        <a:ea typeface="黑体" panose="02010609060101010101" pitchFamily="49" charset="-122"/>
                         <a:cs typeface="+mn-ea"/>
                       </a:endParaRPr>
                     </a:p>
@@ -18809,12 +18813,12 @@
                         <a:tabLst/>
                         <a:defRPr/>
                       </a:pPr>
-                      <a:endParaRPr lang="en-US" altLang="zh-CN" sz="1200" b="0" kern="1200" dirty="0" smtClean="0">
+                      <a:endParaRPr lang="en-US" altLang="zh-CN" sz="1000" b="0" kern="1200" baseline="0" dirty="0" smtClean="0">
                         <a:solidFill>
                           <a:schemeClr val="tx1"/>
                         </a:solidFill>
-                        <a:latin typeface="+mn-lt"/>
-                        <a:ea typeface="+mn-ea"/>
+                        <a:latin typeface="Bentley Light" panose="020B0404020201020102"/>
+                        <a:ea typeface="黑体" panose="02010609060101010101" pitchFamily="49" charset="-122"/>
                         <a:cs typeface="+mn-ea"/>
                         <a:sym typeface="+mn-lt"/>
                       </a:endParaRPr>
@@ -18848,12 +18852,12 @@
                         <a:tabLst/>
                         <a:defRPr/>
                       </a:pPr>
-                      <a:endParaRPr lang="en-US" sz="1200" b="0" kern="1200" dirty="0" smtClean="0">
+                      <a:endParaRPr lang="en-US" sz="1000" b="0" kern="1200" baseline="0" dirty="0" smtClean="0">
                         <a:solidFill>
                           <a:schemeClr val="tx1"/>
                         </a:solidFill>
-                        <a:latin typeface="+mn-lt"/>
-                        <a:ea typeface="+mn-ea"/>
+                        <a:latin typeface="Bentley Light" panose="020B0404020201020102"/>
+                        <a:ea typeface="黑体" panose="02010609060101010101" pitchFamily="49" charset="-122"/>
                         <a:cs typeface="+mn-ea"/>
                       </a:endParaRPr>
                     </a:p>
@@ -18885,33 +18889,33 @@
                         <a:defRPr/>
                       </a:pPr>
                       <a:r>
-                        <a:rPr lang="en-US" sz="1200" b="0" kern="1200" dirty="0" smtClean="0">
+                        <a:rPr lang="en-US" sz="1000" b="0" kern="1200" baseline="0" dirty="0" smtClean="0">
                           <a:solidFill>
                             <a:schemeClr val="tx1"/>
                           </a:solidFill>
-                          <a:latin typeface="+mn-lt"/>
-                          <a:ea typeface="+mn-ea"/>
+                          <a:latin typeface="Bentley Light" panose="020B0404020201020102"/>
+                          <a:ea typeface="黑体" panose="02010609060101010101" pitchFamily="49" charset="-122"/>
                           <a:cs typeface="+mn-ea"/>
                         </a:rPr>
                         <a:t>Actual </a:t>
                       </a:r>
                       <a:r>
-                        <a:rPr lang="zh-CN" altLang="en-US" sz="1200" b="0" kern="1200" dirty="0" smtClean="0">
+                        <a:rPr lang="zh-CN" altLang="en-US" sz="1000" b="0" kern="1200" baseline="0" dirty="0" smtClean="0">
                           <a:solidFill>
                             <a:schemeClr val="tx1"/>
                           </a:solidFill>
-                          <a:latin typeface="+mn-lt"/>
-                          <a:ea typeface="+mn-ea"/>
+                          <a:latin typeface="Bentley Light" panose="020B0404020201020102"/>
+                          <a:ea typeface="黑体" panose="02010609060101010101" pitchFamily="49" charset="-122"/>
                           <a:cs typeface="+mn-ea"/>
                         </a:rPr>
                         <a:t>实际情况</a:t>
                       </a:r>
-                      <a:endParaRPr lang="en-US" sz="1200" b="0" kern="1200" dirty="0" smtClean="0">
+                      <a:endParaRPr lang="en-US" sz="1000" b="0" kern="1200" baseline="0" dirty="0" smtClean="0">
                         <a:solidFill>
                           <a:schemeClr val="tx1"/>
                         </a:solidFill>
-                        <a:latin typeface="+mn-lt"/>
-                        <a:ea typeface="+mn-ea"/>
+                        <a:latin typeface="Bentley Light" panose="020B0404020201020102"/>
+                        <a:ea typeface="黑体" panose="02010609060101010101" pitchFamily="49" charset="-122"/>
                         <a:cs typeface="+mn-ea"/>
                       </a:endParaRPr>
                     </a:p>
@@ -18982,33 +18986,33 @@
                         <a:defRPr/>
                       </a:pPr>
                       <a:r>
-                        <a:rPr lang="en-US" altLang="zh-CN" sz="1200" b="0" kern="1200" dirty="0" smtClean="0">
+                        <a:rPr lang="en-US" altLang="zh-CN" sz="1000" b="0" kern="1200" baseline="0" dirty="0" smtClean="0">
                           <a:solidFill>
                             <a:schemeClr val="tx1"/>
                           </a:solidFill>
-                          <a:latin typeface="+mn-lt"/>
-                          <a:ea typeface="+mn-ea"/>
+                          <a:latin typeface="Bentley Light" panose="020B0404020201020102"/>
+                          <a:ea typeface="黑体" panose="02010609060101010101" pitchFamily="49" charset="-122"/>
                           <a:cs typeface="+mn-ea"/>
                         </a:rPr>
                         <a:t>Plan </a:t>
                       </a:r>
                       <a:r>
-                        <a:rPr lang="zh-CN" altLang="en-US" sz="1200" b="0" kern="1200" dirty="0" smtClean="0">
+                        <a:rPr lang="zh-CN" altLang="en-US" sz="1000" b="0" kern="1200" baseline="0" dirty="0" smtClean="0">
                           <a:solidFill>
                             <a:schemeClr val="tx1"/>
                           </a:solidFill>
-                          <a:latin typeface="+mn-lt"/>
-                          <a:ea typeface="+mn-ea"/>
+                          <a:latin typeface="Bentley Light" panose="020B0404020201020102"/>
+                          <a:ea typeface="黑体" panose="02010609060101010101" pitchFamily="49" charset="-122"/>
                           <a:cs typeface="+mn-ea"/>
                         </a:rPr>
                         <a:t>计划</a:t>
                       </a:r>
-                      <a:endParaRPr lang="en-US" sz="1200" b="0" kern="1200" dirty="0" smtClean="0">
+                      <a:endParaRPr lang="en-US" sz="1000" b="0" kern="1200" baseline="0" dirty="0" smtClean="0">
                         <a:solidFill>
                           <a:schemeClr val="tx1"/>
                         </a:solidFill>
-                        <a:latin typeface="+mn-lt"/>
-                        <a:ea typeface="+mn-ea"/>
+                        <a:latin typeface="Bentley Light" panose="020B0404020201020102"/>
+                        <a:ea typeface="黑体" panose="02010609060101010101" pitchFamily="49" charset="-122"/>
                         <a:cs typeface="+mn-ea"/>
                       </a:endParaRPr>
                     </a:p>
@@ -19086,23 +19090,23 @@
                         <a:defRPr/>
                       </a:pPr>
                       <a:r>
-                        <a:rPr lang="en-US" altLang="zh-CN" sz="1200" b="0" kern="1200" dirty="0" smtClean="0">
+                        <a:rPr lang="en-US" altLang="zh-CN" sz="1000" b="0" kern="1200" baseline="0" dirty="0" smtClean="0">
                           <a:solidFill>
                             <a:schemeClr val="tx1"/>
                           </a:solidFill>
-                          <a:latin typeface="+mn-lt"/>
-                          <a:ea typeface="+mn-ea"/>
+                          <a:latin typeface="Bentley Light" panose="020B0404020201020102"/>
+                          <a:ea typeface="黑体" panose="02010609060101010101" pitchFamily="49" charset="-122"/>
                           <a:cs typeface="+mn-ea"/>
                         </a:rPr>
                         <a:t>No.</a:t>
                       </a:r>
                       <a:r>
-                        <a:rPr lang="en-US" sz="1200" b="0" kern="1200" dirty="0" smtClean="0">
+                        <a:rPr lang="en-US" sz="1000" b="0" kern="1200" baseline="0" dirty="0" smtClean="0">
                           <a:solidFill>
                             <a:schemeClr val="tx1"/>
                           </a:solidFill>
-                          <a:latin typeface="+mn-lt"/>
-                          <a:ea typeface="+mn-ea"/>
+                          <a:latin typeface="Bentley Light" panose="020B0404020201020102"/>
+                          <a:ea typeface="黑体" panose="02010609060101010101" pitchFamily="49" charset="-122"/>
                           <a:cs typeface="+mn-ea"/>
                         </a:rPr>
                         <a:t> of participants</a:t>
@@ -19127,22 +19131,22 @@
                         <a:defRPr/>
                       </a:pPr>
                       <a:r>
-                        <a:rPr lang="zh-CN" altLang="en-US" sz="1200" b="0" kern="1200" dirty="0" smtClean="0">
+                        <a:rPr lang="zh-CN" altLang="en-US" sz="1000" b="0" kern="1200" baseline="0" dirty="0" smtClean="0">
                           <a:solidFill>
                             <a:schemeClr val="tx1"/>
                           </a:solidFill>
-                          <a:latin typeface="+mn-lt"/>
-                          <a:ea typeface="+mn-ea"/>
+                          <a:latin typeface="Bentley Light" panose="020B0404020201020102"/>
+                          <a:ea typeface="黑体" panose="02010609060101010101" pitchFamily="49" charset="-122"/>
                           <a:cs typeface="+mn-ea"/>
                         </a:rPr>
                         <a:t>参与人数</a:t>
                       </a:r>
-                      <a:endParaRPr lang="en-US" sz="1200" b="0" kern="1200" dirty="0" smtClean="0">
+                      <a:endParaRPr lang="en-US" sz="1000" b="0" kern="1200" baseline="0" dirty="0" smtClean="0">
                         <a:solidFill>
                           <a:schemeClr val="tx1"/>
                         </a:solidFill>
-                        <a:latin typeface="+mn-lt"/>
-                        <a:ea typeface="+mn-ea"/>
+                        <a:latin typeface="Bentley Light" panose="020B0404020201020102"/>
+                        <a:ea typeface="黑体" panose="02010609060101010101" pitchFamily="49" charset="-122"/>
                         <a:cs typeface="+mn-ea"/>
                       </a:endParaRPr>
                     </a:p>
@@ -19162,17 +19166,21 @@
                     <a:lstStyle/>
                     <a:p>
                       <a:r>
-                        <a:rPr lang="en-US" sz="1200" dirty="0" smtClean="0">
+                        <a:rPr lang="en-US" sz="1000" baseline="0" dirty="0" smtClean="0">
                           <a:solidFill>
                             <a:schemeClr val="tx1"/>
                           </a:solidFill>
+                          <a:latin typeface="Bentley Light" panose="020B0404020201020102"/>
+                          <a:ea typeface="黑体" panose="02010609060101010101" pitchFamily="49" charset="-122"/>
                         </a:rPr>
                         <a:t> </a:t>
                       </a:r>
-                      <a:endParaRPr lang="en-US" sz="1200" dirty="0">
+                      <a:endParaRPr lang="en-US" sz="1000" baseline="0" dirty="0">
                         <a:solidFill>
                           <a:schemeClr val="tx1"/>
                         </a:solidFill>
+                        <a:latin typeface="Bentley Light" panose="020B0404020201020102"/>
+                        <a:ea typeface="黑体" panose="02010609060101010101" pitchFamily="49" charset="-122"/>
                       </a:endParaRPr>
                     </a:p>
                   </a:txBody>
@@ -19229,10 +19237,12 @@
                     <a:bodyPr/>
                     <a:lstStyle/>
                     <a:p>
-                      <a:endParaRPr lang="en-US" sz="1200" dirty="0">
+                      <a:endParaRPr lang="en-US" sz="1000" baseline="0" dirty="0">
                         <a:solidFill>
                           <a:schemeClr val="tx1"/>
                         </a:solidFill>
+                        <a:latin typeface="Bentley Light" panose="020B0404020201020102"/>
+                        <a:ea typeface="黑体" panose="02010609060101010101" pitchFamily="49" charset="-122"/>
                       </a:endParaRPr>
                     </a:p>
                   </a:txBody>
@@ -19313,12 +19323,12 @@
                         <a:defRPr/>
                       </a:pPr>
                       <a:r>
-                        <a:rPr lang="en-US" sz="1200" b="0" kern="1200" dirty="0" smtClean="0">
+                        <a:rPr lang="en-US" sz="1000" b="0" kern="1200" baseline="0" dirty="0" smtClean="0">
                           <a:solidFill>
                             <a:schemeClr val="tx1"/>
                           </a:solidFill>
-                          <a:latin typeface="+mn-lt"/>
-                          <a:ea typeface="+mn-ea"/>
+                          <a:latin typeface="Bentley Light" panose="020B0404020201020102"/>
+                          <a:ea typeface="黑体" panose="02010609060101010101" pitchFamily="49" charset="-122"/>
                           <a:cs typeface="+mn-ea"/>
                         </a:rPr>
                         <a:t>No. of DCPID</a:t>
@@ -19343,33 +19353,33 @@
                         <a:defRPr/>
                       </a:pPr>
                       <a:r>
-                        <a:rPr lang="en-US" sz="1200" b="0" kern="1200" dirty="0" smtClean="0">
+                        <a:rPr lang="en-US" sz="1000" b="0" kern="1200" baseline="0" dirty="0" smtClean="0">
                           <a:solidFill>
                             <a:schemeClr val="tx1"/>
                           </a:solidFill>
-                          <a:latin typeface="+mn-lt"/>
-                          <a:ea typeface="+mn-ea"/>
+                          <a:latin typeface="Bentley Light" panose="020B0404020201020102"/>
+                          <a:ea typeface="黑体" panose="02010609060101010101" pitchFamily="49" charset="-122"/>
                           <a:cs typeface="+mn-ea"/>
                         </a:rPr>
                         <a:t>DCPID </a:t>
                       </a:r>
                       <a:r>
-                        <a:rPr lang="zh-CN" altLang="en-US" sz="1200" b="0" kern="1200" dirty="0" smtClean="0">
+                        <a:rPr lang="zh-CN" altLang="en-US" sz="1000" b="0" kern="1200" baseline="0" dirty="0" smtClean="0">
                           <a:solidFill>
                             <a:schemeClr val="tx1"/>
                           </a:solidFill>
-                          <a:latin typeface="+mn-lt"/>
-                          <a:ea typeface="+mn-ea"/>
+                          <a:latin typeface="Bentley Light" panose="020B0404020201020102"/>
+                          <a:ea typeface="黑体" panose="02010609060101010101" pitchFamily="49" charset="-122"/>
                           <a:cs typeface="+mn-ea"/>
                         </a:rPr>
                         <a:t>客户数量</a:t>
                       </a:r>
-                      <a:endParaRPr lang="en-US" sz="1200" b="0" kern="1200" dirty="0" smtClean="0">
+                      <a:endParaRPr lang="en-US" sz="1000" b="0" kern="1200" baseline="0" dirty="0" smtClean="0">
                         <a:solidFill>
                           <a:schemeClr val="tx1"/>
                         </a:solidFill>
-                        <a:latin typeface="+mn-lt"/>
-                        <a:ea typeface="+mn-ea"/>
+                        <a:latin typeface="Bentley Light" panose="020B0404020201020102"/>
+                        <a:ea typeface="黑体" panose="02010609060101010101" pitchFamily="49" charset="-122"/>
                         <a:cs typeface="+mn-ea"/>
                       </a:endParaRPr>
                     </a:p>
@@ -19389,17 +19399,21 @@
                     <a:lstStyle/>
                     <a:p>
                       <a:r>
-                        <a:rPr lang="en-US" sz="1200" dirty="0" smtClean="0">
+                        <a:rPr lang="en-US" sz="1000" baseline="0" dirty="0" smtClean="0">
                           <a:solidFill>
                             <a:schemeClr val="tx1"/>
                           </a:solidFill>
+                          <a:latin typeface="Bentley Light" panose="020B0404020201020102"/>
+                          <a:ea typeface="黑体" panose="02010609060101010101" pitchFamily="49" charset="-122"/>
                         </a:rPr>
                         <a:t> </a:t>
                       </a:r>
-                      <a:endParaRPr lang="en-US" sz="1200" dirty="0">
+                      <a:endParaRPr lang="en-US" sz="1000" baseline="0" dirty="0">
                         <a:solidFill>
                           <a:schemeClr val="tx1"/>
                         </a:solidFill>
+                        <a:latin typeface="Bentley Light" panose="020B0404020201020102"/>
+                        <a:ea typeface="黑体" panose="02010609060101010101" pitchFamily="49" charset="-122"/>
                       </a:endParaRPr>
                     </a:p>
                   </a:txBody>
@@ -19456,10 +19470,12 @@
                     <a:bodyPr/>
                     <a:lstStyle/>
                     <a:p>
-                      <a:endParaRPr lang="en-US" sz="1200" dirty="0">
+                      <a:endParaRPr lang="en-US" sz="1000" baseline="0" dirty="0">
                         <a:solidFill>
                           <a:schemeClr val="tx1"/>
                         </a:solidFill>
+                        <a:latin typeface="Bentley Light" panose="020B0404020201020102"/>
+                        <a:ea typeface="黑体" panose="02010609060101010101" pitchFamily="49" charset="-122"/>
                       </a:endParaRPr>
                     </a:p>
                   </a:txBody>
@@ -19540,12 +19556,12 @@
                         <a:defRPr/>
                       </a:pPr>
                       <a:r>
-                        <a:rPr lang="en-US" sz="1200" b="0" kern="1200" dirty="0" smtClean="0">
+                        <a:rPr lang="en-US" sz="1000" b="0" kern="1200" baseline="0" dirty="0" smtClean="0">
                           <a:solidFill>
                             <a:schemeClr val="tx1"/>
                           </a:solidFill>
-                          <a:latin typeface="+mn-lt"/>
-                          <a:ea typeface="+mn-ea"/>
+                          <a:latin typeface="Bentley Light" panose="020B0404020201020102"/>
+                          <a:ea typeface="黑体" panose="02010609060101010101" pitchFamily="49" charset="-122"/>
                           <a:cs typeface="+mn-ea"/>
                         </a:rPr>
                         <a:t>Cost per leads</a:t>
@@ -19570,22 +19586,22 @@
                         <a:defRPr/>
                       </a:pPr>
                       <a:r>
-                        <a:rPr lang="zh-CN" altLang="en-US" sz="1200" b="0" kern="1200" dirty="0" smtClean="0">
+                        <a:rPr lang="zh-CN" altLang="en-US" sz="1000" b="0" kern="1200" baseline="0" dirty="0" smtClean="0">
                           <a:solidFill>
                             <a:schemeClr val="tx1"/>
                           </a:solidFill>
-                          <a:latin typeface="+mn-lt"/>
-                          <a:ea typeface="+mn-ea"/>
+                          <a:latin typeface="Bentley Light" panose="020B0404020201020102"/>
+                          <a:ea typeface="黑体" panose="02010609060101010101" pitchFamily="49" charset="-122"/>
                           <a:cs typeface="+mn-ea"/>
                         </a:rPr>
                         <a:t>每条线索成本</a:t>
                       </a:r>
-                      <a:endParaRPr lang="en-US" sz="1200" b="0" kern="1200" dirty="0" smtClean="0">
+                      <a:endParaRPr lang="en-US" sz="1000" b="0" kern="1200" baseline="0" dirty="0" smtClean="0">
                         <a:solidFill>
                           <a:schemeClr val="tx1"/>
                         </a:solidFill>
-                        <a:latin typeface="+mn-lt"/>
-                        <a:ea typeface="+mn-ea"/>
+                        <a:latin typeface="Bentley Light" panose="020B0404020201020102"/>
+                        <a:ea typeface="黑体" panose="02010609060101010101" pitchFamily="49" charset="-122"/>
                         <a:cs typeface="+mn-ea"/>
                       </a:endParaRPr>
                     </a:p>
@@ -19605,17 +19621,21 @@
                     <a:lstStyle/>
                     <a:p>
                       <a:r>
-                        <a:rPr lang="en-US" sz="1200" dirty="0" smtClean="0">
+                        <a:rPr lang="en-US" sz="1000" baseline="0" dirty="0" smtClean="0">
                           <a:solidFill>
                             <a:schemeClr val="tx1"/>
                           </a:solidFill>
+                          <a:latin typeface="Bentley Light" panose="020B0404020201020102"/>
+                          <a:ea typeface="黑体" panose="02010609060101010101" pitchFamily="49" charset="-122"/>
                         </a:rPr>
                         <a:t> </a:t>
                       </a:r>
-                      <a:endParaRPr lang="en-US" sz="1200" dirty="0">
+                      <a:endParaRPr lang="en-US" sz="1000" baseline="0" dirty="0">
                         <a:solidFill>
                           <a:schemeClr val="tx1"/>
                         </a:solidFill>
+                        <a:latin typeface="Bentley Light" panose="020B0404020201020102"/>
+                        <a:ea typeface="黑体" panose="02010609060101010101" pitchFamily="49" charset="-122"/>
                       </a:endParaRPr>
                     </a:p>
                   </a:txBody>
@@ -19672,10 +19692,12 @@
                     <a:bodyPr/>
                     <a:lstStyle/>
                     <a:p>
-                      <a:endParaRPr lang="en-US" sz="1200" dirty="0">
+                      <a:endParaRPr lang="en-US" sz="1000" baseline="0" dirty="0">
                         <a:solidFill>
                           <a:schemeClr val="tx1"/>
                         </a:solidFill>
+                        <a:latin typeface="Bentley Light" panose="020B0404020201020102"/>
+                        <a:ea typeface="黑体" panose="02010609060101010101" pitchFamily="49" charset="-122"/>
                       </a:endParaRPr>
                     </a:p>
                   </a:txBody>
@@ -19756,34 +19778,34 @@
                         <a:defRPr/>
                       </a:pPr>
                       <a:r>
-                        <a:rPr lang="en-US" altLang="zh-CN" sz="1200" b="0" kern="1200" dirty="0" smtClean="0">
+                        <a:rPr lang="en-US" altLang="zh-CN" sz="1000" b="0" kern="1200" baseline="0" dirty="0" smtClean="0">
                           <a:solidFill>
                             <a:schemeClr val="tx1"/>
                           </a:solidFill>
-                          <a:latin typeface="+mn-lt"/>
-                          <a:ea typeface="+mn-ea"/>
+                          <a:latin typeface="Bentley Light" panose="020B0404020201020102"/>
+                          <a:ea typeface="黑体" panose="02010609060101010101" pitchFamily="49" charset="-122"/>
                           <a:cs typeface="+mn-ea"/>
                         </a:rPr>
                         <a:t>No.</a:t>
                       </a:r>
                       <a:r>
-                        <a:rPr lang="en-US" sz="1200" b="0" kern="1200" dirty="0" smtClean="0">
+                        <a:rPr lang="en-US" sz="1000" b="0" kern="1200" baseline="0" dirty="0" smtClean="0">
                           <a:solidFill>
                             <a:schemeClr val="tx1"/>
                           </a:solidFill>
-                          <a:latin typeface="+mn-lt"/>
-                          <a:ea typeface="+mn-ea"/>
+                          <a:latin typeface="Bentley Light" panose="020B0404020201020102"/>
+                          <a:ea typeface="黑体" panose="02010609060101010101" pitchFamily="49" charset="-122"/>
                           <a:cs typeface="+mn-ea"/>
                         </a:rPr>
                         <a:t> of </a:t>
                       </a:r>
                       <a:r>
-                        <a:rPr lang="en-US" sz="1200" b="0" kern="1200" dirty="0" smtClean="0">
+                        <a:rPr lang="en-US" sz="1000" b="0" kern="1200" baseline="0" dirty="0" smtClean="0">
                           <a:solidFill>
                             <a:schemeClr val="tx1"/>
                           </a:solidFill>
-                          <a:latin typeface="+mn-lt"/>
-                          <a:ea typeface="+mn-ea"/>
+                          <a:latin typeface="Bentley Light" panose="020B0404020201020102"/>
+                          <a:ea typeface="黑体" panose="02010609060101010101" pitchFamily="49" charset="-122"/>
                           <a:cs typeface="+mn-ea"/>
                           <a:sym typeface="+mn-lt"/>
                         </a:rPr>
@@ -19809,23 +19831,23 @@
                         <a:defRPr/>
                       </a:pPr>
                       <a:r>
-                        <a:rPr lang="zh-CN" altLang="en-US" sz="1200" b="0" kern="1200" dirty="0" smtClean="0">
+                        <a:rPr lang="zh-CN" altLang="en-US" sz="1000" b="0" kern="1200" baseline="0" dirty="0" smtClean="0">
                           <a:solidFill>
                             <a:schemeClr val="tx1"/>
                           </a:solidFill>
-                          <a:latin typeface="+mn-lt"/>
-                          <a:ea typeface="+mn-ea"/>
+                          <a:latin typeface="Bentley Light" panose="020B0404020201020102"/>
+                          <a:ea typeface="黑体" panose="02010609060101010101" pitchFamily="49" charset="-122"/>
                           <a:cs typeface="+mn-ea"/>
                           <a:sym typeface="+mn-lt"/>
                         </a:rPr>
                         <a:t>今年新增线索数量</a:t>
                       </a:r>
-                      <a:endParaRPr lang="en-US" sz="1200" b="0" kern="1200" dirty="0" smtClean="0">
+                      <a:endParaRPr lang="en-US" sz="1000" b="0" kern="1200" baseline="0" dirty="0" smtClean="0">
                         <a:solidFill>
                           <a:schemeClr val="tx1"/>
                         </a:solidFill>
-                        <a:latin typeface="+mn-lt"/>
-                        <a:ea typeface="+mn-ea"/>
+                        <a:latin typeface="Bentley Light" panose="020B0404020201020102"/>
+                        <a:ea typeface="黑体" panose="02010609060101010101" pitchFamily="49" charset="-122"/>
                         <a:cs typeface="+mn-ea"/>
                         <a:sym typeface="+mn-lt"/>
                       </a:endParaRPr>
@@ -19846,17 +19868,21 @@
                     <a:lstStyle/>
                     <a:p>
                       <a:r>
-                        <a:rPr lang="en-US" sz="1200" dirty="0" smtClean="0">
+                        <a:rPr lang="en-US" sz="1000" baseline="0" dirty="0" smtClean="0">
                           <a:solidFill>
                             <a:schemeClr val="tx1"/>
                           </a:solidFill>
+                          <a:latin typeface="Bentley Light" panose="020B0404020201020102"/>
+                          <a:ea typeface="黑体" panose="02010609060101010101" pitchFamily="49" charset="-122"/>
                         </a:rPr>
                         <a:t> </a:t>
                       </a:r>
-                      <a:endParaRPr lang="en-US" sz="1200" dirty="0">
+                      <a:endParaRPr lang="en-US" sz="1000" baseline="0" dirty="0">
                         <a:solidFill>
                           <a:schemeClr val="tx1"/>
                         </a:solidFill>
+                        <a:latin typeface="Bentley Light" panose="020B0404020201020102"/>
+                        <a:ea typeface="黑体" panose="02010609060101010101" pitchFamily="49" charset="-122"/>
                       </a:endParaRPr>
                     </a:p>
                   </a:txBody>
@@ -19913,10 +19939,12 @@
                     <a:bodyPr/>
                     <a:lstStyle/>
                     <a:p>
-                      <a:endParaRPr lang="en-US" sz="1200" dirty="0">
+                      <a:endParaRPr lang="en-US" sz="1000" baseline="0" dirty="0">
                         <a:solidFill>
                           <a:schemeClr val="tx1"/>
                         </a:solidFill>
+                        <a:latin typeface="Bentley Light" panose="020B0404020201020102"/>
+                        <a:ea typeface="黑体" panose="02010609060101010101" pitchFamily="49" charset="-122"/>
                       </a:endParaRPr>
                     </a:p>
                   </a:txBody>
@@ -19950,14 +19978,14 @@
             </p:custDataLst>
             <p:extLst>
               <p:ext uri="{D42A27DB-BD31-4B8C-83A1-F6EECF244321}">
-                <p14:modId xmlns:p14="http://schemas.microsoft.com/office/powerpoint/2010/main" val="255624394"/>
+                <p14:modId xmlns:p14="http://schemas.microsoft.com/office/powerpoint/2010/main" val="985768189"/>
               </p:ext>
             </p:extLst>
           </p:nvPr>
         </p:nvGraphicFramePr>
         <p:xfrm>
           <a:off x="587375" y="5211029"/>
-          <a:ext cx="11032368" cy="871454"/>
+          <a:ext cx="11032368" cy="810494"/>
         </p:xfrm>
         <a:graphic>
           <a:graphicData uri="http://schemas.openxmlformats.org/drawingml/2006/table">
@@ -20023,7 +20051,7 @@
                         <a:tabLst/>
                       </a:pPr>
                       <a:r>
-                        <a:rPr kumimoji="0" lang="en-US" sz="1100" b="1" i="0" u="none" strike="noStrike" kern="1200" cap="none" normalizeH="0" baseline="0" dirty="0" smtClean="0">
+                        <a:rPr kumimoji="0" lang="en-US" sz="1000" b="1" i="0" u="none" strike="noStrike" kern="1200" cap="none" normalizeH="0" baseline="0" dirty="0" smtClean="0">
                           <a:ln>
                             <a:noFill/>
                           </a:ln>
@@ -20057,7 +20085,7 @@
                         <a:tabLst/>
                       </a:pPr>
                       <a:r>
-                        <a:rPr kumimoji="0" lang="zh-CN" altLang="en-US" sz="1100" b="1" i="0" u="none" strike="noStrike" kern="1200" cap="none" normalizeH="0" baseline="0" dirty="0" smtClean="0">
+                        <a:rPr kumimoji="0" lang="zh-CN" altLang="en-US" sz="1000" b="1" i="0" u="none" strike="noStrike" kern="1200" cap="none" normalizeH="0" baseline="0" dirty="0" smtClean="0">
                           <a:ln>
                             <a:noFill/>
                           </a:ln>
@@ -20072,7 +20100,7 @@
                         </a:rPr>
                         <a:t>实际参加人数</a:t>
                       </a:r>
-                      <a:endParaRPr kumimoji="0" lang="en-US" sz="1100" b="1" i="0" u="none" strike="noStrike" kern="1200" cap="none" normalizeH="0" baseline="0" dirty="0">
+                      <a:endParaRPr kumimoji="0" lang="en-US" sz="1000" b="1" i="0" u="none" strike="noStrike" kern="1200" cap="none" normalizeH="0" baseline="0" dirty="0">
                         <a:ln>
                           <a:noFill/>
                         </a:ln>
@@ -20159,7 +20187,7 @@
                         <a:tabLst/>
                       </a:pPr>
                       <a:r>
-                        <a:rPr kumimoji="0" lang="en-US" sz="1100" b="1" i="0" u="none" strike="noStrike" kern="1200" cap="none" normalizeH="0" baseline="0" dirty="0" smtClean="0">
+                        <a:rPr kumimoji="0" lang="en-US" sz="1000" b="1" i="0" u="none" strike="noStrike" kern="1200" cap="none" normalizeH="0" baseline="0" dirty="0" smtClean="0">
                           <a:ln>
                             <a:noFill/>
                           </a:ln>
@@ -20193,7 +20221,7 @@
                         <a:tabLst/>
                       </a:pPr>
                       <a:r>
-                        <a:rPr kumimoji="0" lang="zh-CN" altLang="en-US" sz="1100" b="1" i="0" u="none" strike="noStrike" kern="1200" cap="none" normalizeH="0" baseline="0" dirty="0" smtClean="0">
+                        <a:rPr kumimoji="0" lang="zh-CN" altLang="en-US" sz="1000" b="1" i="0" u="none" strike="noStrike" kern="1200" cap="none" normalizeH="0" baseline="0" dirty="0" smtClean="0">
                           <a:ln>
                             <a:noFill/>
                           </a:ln>
@@ -20208,7 +20236,7 @@
                         </a:rPr>
                         <a:t>车主</a:t>
                       </a:r>
-                      <a:endParaRPr kumimoji="0" lang="en-US" sz="1100" b="1" i="0" u="none" strike="noStrike" kern="1200" cap="none" normalizeH="0" baseline="0" dirty="0">
+                      <a:endParaRPr kumimoji="0" lang="en-US" sz="1000" b="1" i="0" u="none" strike="noStrike" kern="1200" cap="none" normalizeH="0" baseline="0" dirty="0">
                         <a:ln>
                           <a:noFill/>
                         </a:ln>
@@ -20293,7 +20321,7 @@
                         <a:tabLst/>
                       </a:pPr>
                       <a:r>
-                        <a:rPr kumimoji="0" lang="en-US" sz="1100" b="1" i="0" u="none" strike="noStrike" cap="none" normalizeH="0" baseline="0" dirty="0" smtClean="0">
+                        <a:rPr kumimoji="0" lang="en-US" sz="1000" b="1" i="0" u="none" strike="noStrike" cap="none" normalizeH="0" baseline="0" dirty="0" smtClean="0">
                           <a:ln>
                             <a:noFill/>
                           </a:ln>
@@ -20327,7 +20355,7 @@
                         <a:tabLst/>
                       </a:pPr>
                       <a:r>
-                        <a:rPr kumimoji="0" lang="zh-CN" altLang="en-US" sz="1100" b="0" i="0" u="none" strike="noStrike" cap="none" normalizeH="0" baseline="0" dirty="0" smtClean="0">
+                        <a:rPr kumimoji="0" lang="zh-CN" altLang="en-US" sz="1000" b="0" i="0" u="none" strike="noStrike" cap="none" normalizeH="0" baseline="0" dirty="0" smtClean="0">
                           <a:ln>
                             <a:noFill/>
                           </a:ln>
@@ -20342,7 +20370,7 @@
                         </a:rPr>
                         <a:t>订单客户</a:t>
                       </a:r>
-                      <a:endParaRPr kumimoji="0" lang="en-US" sz="1100" b="0" i="0" u="none" strike="noStrike" cap="none" normalizeH="0" baseline="0" dirty="0">
+                      <a:endParaRPr kumimoji="0" lang="en-US" sz="1000" b="0" i="0" u="none" strike="noStrike" cap="none" normalizeH="0" baseline="0" dirty="0">
                         <a:ln>
                           <a:noFill/>
                         </a:ln>
@@ -20427,7 +20455,7 @@
                         <a:tabLst/>
                       </a:pPr>
                       <a:r>
-                        <a:rPr kumimoji="0" lang="en-US" sz="1100" b="1" i="0" u="none" strike="noStrike" kern="1200" cap="none" normalizeH="0" baseline="0" dirty="0" smtClean="0">
+                        <a:rPr kumimoji="0" lang="en-US" sz="1000" b="1" i="0" u="none" strike="noStrike" kern="1200" cap="none" normalizeH="0" baseline="0" dirty="0" smtClean="0">
                           <a:ln>
                             <a:noFill/>
                           </a:ln>
@@ -20461,7 +20489,7 @@
                         <a:tabLst/>
                       </a:pPr>
                       <a:r>
-                        <a:rPr kumimoji="0" lang="zh-CN" altLang="en-US" sz="1100" b="1" i="0" u="none" strike="noStrike" kern="1200" cap="none" normalizeH="0" baseline="0" dirty="0" smtClean="0">
+                        <a:rPr kumimoji="0" lang="zh-CN" altLang="en-US" sz="1000" b="1" i="0" u="none" strike="noStrike" kern="1200" cap="none" normalizeH="0" baseline="0" dirty="0" smtClean="0">
                           <a:ln>
                             <a:noFill/>
                           </a:ln>
@@ -20476,7 +20504,7 @@
                         </a:rPr>
                         <a:t>潜在客户</a:t>
                       </a:r>
-                      <a:endParaRPr kumimoji="0" lang="en-US" sz="1100" b="1" i="0" u="none" strike="noStrike" kern="1200" cap="none" normalizeH="0" baseline="0" dirty="0">
+                      <a:endParaRPr kumimoji="0" lang="en-US" sz="1000" b="1" i="0" u="none" strike="noStrike" kern="1200" cap="none" normalizeH="0" baseline="0" dirty="0">
                         <a:ln>
                           <a:noFill/>
                         </a:ln>
@@ -20561,7 +20589,7 @@
                         <a:tabLst/>
                       </a:pPr>
                       <a:r>
-                        <a:rPr kumimoji="0" lang="en-US" altLang="zh-CN" sz="1100" b="1" i="0" u="none" strike="noStrike" kern="1200" cap="none" normalizeH="0" baseline="0" dirty="0" smtClean="0">
+                        <a:rPr kumimoji="0" lang="en-US" altLang="zh-CN" sz="1000" b="1" i="0" u="none" strike="noStrike" kern="1200" cap="none" normalizeH="0" baseline="0" dirty="0" smtClean="0">
                           <a:ln>
                             <a:noFill/>
                           </a:ln>
@@ -20595,7 +20623,7 @@
                         <a:tabLst/>
                       </a:pPr>
                       <a:r>
-                        <a:rPr kumimoji="0" lang="zh-CN" altLang="en-US" sz="1100" b="1" i="0" u="none" strike="noStrike" kern="1200" cap="none" normalizeH="0" baseline="0" dirty="0" smtClean="0">
+                        <a:rPr kumimoji="0" lang="zh-CN" altLang="en-US" sz="1000" b="1" i="0" u="none" strike="noStrike" kern="1200" cap="none" normalizeH="0" baseline="0" dirty="0" smtClean="0">
                           <a:ln>
                             <a:noFill/>
                           </a:ln>
@@ -20610,7 +20638,7 @@
                         </a:rPr>
                         <a:t>其他（如陪同）</a:t>
                       </a:r>
-                      <a:endParaRPr kumimoji="0" lang="en-US" sz="1100" b="1" i="0" u="none" strike="noStrike" kern="1200" cap="none" normalizeH="0" baseline="0" dirty="0">
+                      <a:endParaRPr kumimoji="0" lang="en-US" sz="1000" b="1" i="0" u="none" strike="noStrike" kern="1200" cap="none" normalizeH="0" baseline="0" dirty="0">
                         <a:ln>
                           <a:noFill/>
                         </a:ln>
@@ -20706,29 +20734,29 @@
                         <a:tabLst/>
                       </a:pPr>
                       <a:r>
-                        <a:rPr lang="en-US" sz="1200" b="0" kern="1200" dirty="0" smtClean="0">
+                        <a:rPr lang="en-US" sz="1000" b="0" kern="1200" baseline="0" dirty="0" smtClean="0">
                           <a:solidFill>
                             <a:schemeClr val="tx1">
                               <a:lumMod val="75000"/>
                               <a:lumOff val="25000"/>
                             </a:schemeClr>
                           </a:solidFill>
-                          <a:latin typeface="+mn-lt"/>
-                          <a:ea typeface="+mn-ea"/>
+                          <a:latin typeface="Bentley Light" panose="020B0404020201020102"/>
+                          <a:ea typeface="黑体" panose="02010609060101010101" pitchFamily="49" charset="-122"/>
                           <a:cs typeface="+mn-ea"/>
                           <a:sym typeface="+mn-lt"/>
                         </a:rPr>
                         <a:t> </a:t>
                       </a:r>
-                      <a:endParaRPr lang="en-US" sz="1200" b="0" kern="1200" dirty="0">
+                      <a:endParaRPr lang="en-US" sz="1000" b="0" kern="1200" baseline="0" dirty="0">
                         <a:solidFill>
                           <a:schemeClr val="tx1">
                             <a:lumMod val="75000"/>
                             <a:lumOff val="25000"/>
                           </a:schemeClr>
                         </a:solidFill>
-                        <a:latin typeface="+mn-lt"/>
-                        <a:ea typeface="+mn-ea"/>
+                        <a:latin typeface="Bentley Light" panose="020B0404020201020102"/>
+                        <a:ea typeface="黑体" panose="02010609060101010101" pitchFamily="49" charset="-122"/>
                         <a:cs typeface="+mn-ea"/>
                         <a:sym typeface="+mn-lt"/>
                       </a:endParaRPr>
@@ -20801,29 +20829,29 @@
                         <a:tabLst/>
                       </a:pPr>
                       <a:r>
-                        <a:rPr lang="en-US" sz="1200" b="0" kern="1200" dirty="0" smtClean="0">
+                        <a:rPr lang="en-US" sz="1000" b="0" kern="1200" baseline="0" dirty="0" smtClean="0">
                           <a:solidFill>
                             <a:schemeClr val="tx1">
                               <a:lumMod val="75000"/>
                               <a:lumOff val="25000"/>
                             </a:schemeClr>
                           </a:solidFill>
-                          <a:latin typeface="+mn-lt"/>
-                          <a:ea typeface="+mn-ea"/>
+                          <a:latin typeface="Bentley Light" panose="020B0404020201020102"/>
+                          <a:ea typeface="黑体" panose="02010609060101010101" pitchFamily="49" charset="-122"/>
                           <a:cs typeface="+mn-ea"/>
                           <a:sym typeface="+mn-lt"/>
                         </a:rPr>
                         <a:t> </a:t>
                       </a:r>
-                      <a:endParaRPr lang="en-US" sz="1200" b="0" kern="1200" dirty="0">
+                      <a:endParaRPr lang="en-US" sz="1000" b="0" kern="1200" baseline="0" dirty="0">
                         <a:solidFill>
                           <a:schemeClr val="tx1">
                             <a:lumMod val="75000"/>
                             <a:lumOff val="25000"/>
                           </a:schemeClr>
                         </a:solidFill>
-                        <a:latin typeface="+mn-lt"/>
-                        <a:ea typeface="+mn-ea"/>
+                        <a:latin typeface="Bentley Light" panose="020B0404020201020102"/>
+                        <a:ea typeface="黑体" panose="02010609060101010101" pitchFamily="49" charset="-122"/>
                         <a:cs typeface="+mn-ea"/>
                         <a:sym typeface="+mn-lt"/>
                       </a:endParaRPr>
@@ -20880,9 +20908,9 @@
                     <a:lstStyle/>
                     <a:p>
                       <a:pPr algn="ctr"/>
-                      <a:endParaRPr lang="en-US" sz="1200" dirty="0">
-                        <a:latin typeface="+mn-lt"/>
-                        <a:ea typeface="+mn-ea"/>
+                      <a:endParaRPr lang="en-US" sz="1000" baseline="0" dirty="0">
+                        <a:latin typeface="Bentley Light" panose="020B0404020201020102"/>
+                        <a:ea typeface="黑体" panose="02010609060101010101" pitchFamily="49" charset="-122"/>
                         <a:cs typeface="+mn-ea"/>
                         <a:sym typeface="+mn-lt"/>
                       </a:endParaRPr>
@@ -20954,15 +20982,15 @@
                         <a:buNone/>
                         <a:tabLst/>
                       </a:pPr>
-                      <a:endParaRPr lang="en-US" sz="1200" b="0" kern="1200" dirty="0">
+                      <a:endParaRPr lang="en-US" sz="1000" b="0" kern="1200" baseline="0" dirty="0">
                         <a:solidFill>
                           <a:schemeClr val="tx1">
                             <a:lumMod val="75000"/>
                             <a:lumOff val="25000"/>
                           </a:schemeClr>
                         </a:solidFill>
-                        <a:latin typeface="+mn-lt"/>
-                        <a:ea typeface="+mn-ea"/>
+                        <a:latin typeface="Bentley Light" panose="020B0404020201020102"/>
+                        <a:ea typeface="黑体" panose="02010609060101010101" pitchFamily="49" charset="-122"/>
                         <a:cs typeface="+mn-ea"/>
                         <a:sym typeface="+mn-lt"/>
                       </a:endParaRPr>
@@ -21034,15 +21062,15 @@
                         <a:buNone/>
                         <a:tabLst/>
                       </a:pPr>
-                      <a:endParaRPr lang="en-US" sz="1200" b="0" kern="1200" dirty="0">
+                      <a:endParaRPr lang="en-US" sz="1000" b="0" kern="1200" baseline="0" dirty="0">
                         <a:solidFill>
                           <a:schemeClr val="tx1">
                             <a:lumMod val="75000"/>
                             <a:lumOff val="25000"/>
                           </a:schemeClr>
                         </a:solidFill>
-                        <a:latin typeface="+mn-lt"/>
-                        <a:ea typeface="+mn-ea"/>
+                        <a:latin typeface="Bentley Light" panose="020B0404020201020102"/>
+                        <a:ea typeface="黑体" panose="02010609060101010101" pitchFamily="49" charset="-122"/>
                         <a:cs typeface="+mn-ea"/>
                         <a:sym typeface="+mn-lt"/>
                       </a:endParaRPr>
@@ -21540,14 +21568,14 @@
           <p:nvPr>
             <p:extLst>
               <p:ext uri="{D42A27DB-BD31-4B8C-83A1-F6EECF244321}">
-                <p14:modId xmlns:p14="http://schemas.microsoft.com/office/powerpoint/2010/main" val="2316908062"/>
+                <p14:modId xmlns:p14="http://schemas.microsoft.com/office/powerpoint/2010/main" val="1614842473"/>
               </p:ext>
             </p:extLst>
           </p:nvPr>
         </p:nvGraphicFramePr>
         <p:xfrm>
           <a:off x="563446" y="1148019"/>
-          <a:ext cx="11079992" cy="5540967"/>
+          <a:ext cx="11079992" cy="5532124"/>
         </p:xfrm>
         <a:graphic>
           <a:graphicData uri="http://schemas.openxmlformats.org/drawingml/2006/table">
@@ -21618,7 +21646,7 @@
                         </a:lnSpc>
                       </a:pPr>
                       <a:r>
-                        <a:rPr lang="zh-CN" altLang="en-US" sz="1400" b="1" kern="1200" dirty="0" smtClean="0">
+                        <a:rPr lang="zh-CN" altLang="en-US" sz="1000" b="1" kern="1200" dirty="0" smtClean="0">
                           <a:solidFill>
                             <a:schemeClr val="lt1"/>
                           </a:solidFill>
@@ -21628,7 +21656,7 @@
                         </a:rPr>
                         <a:t>客户姓名</a:t>
                       </a:r>
-                      <a:endParaRPr lang="zh-CN" altLang="en-US" sz="1400" b="1" kern="1200" dirty="0">
+                      <a:endParaRPr lang="zh-CN" altLang="en-US" sz="1000" b="1" kern="1200" dirty="0">
                         <a:solidFill>
                           <a:schemeClr val="lt1"/>
                         </a:solidFill>
@@ -21696,7 +21724,7 @@
                         </a:lnSpc>
                       </a:pPr>
                       <a:r>
-                        <a:rPr lang="en-US" altLang="zh-CN" sz="1400" b="1" kern="1200" dirty="0" smtClean="0">
+                        <a:rPr lang="en-US" altLang="zh-CN" sz="1000" b="1" kern="1200" dirty="0" smtClean="0">
                           <a:solidFill>
                             <a:schemeClr val="lt1"/>
                           </a:solidFill>
@@ -21707,7 +21735,7 @@
                         </a:rPr>
                         <a:t>DCPID</a:t>
                       </a:r>
-                      <a:endParaRPr lang="zh-CN" altLang="en-US" sz="1400" b="1" kern="1200" dirty="0">
+                      <a:endParaRPr lang="zh-CN" altLang="en-US" sz="1000" b="1" kern="1200" dirty="0">
                         <a:solidFill>
                           <a:schemeClr val="lt1"/>
                         </a:solidFill>
@@ -21777,7 +21805,7 @@
                         </a:lnSpc>
                       </a:pPr>
                       <a:r>
-                        <a:rPr lang="zh-CN" altLang="en-US" sz="1400" b="1" kern="1200" dirty="0" smtClean="0">
+                        <a:rPr lang="zh-CN" altLang="en-US" sz="1000" b="1" kern="1200" dirty="0" smtClean="0">
                           <a:solidFill>
                             <a:schemeClr val="lt1"/>
                           </a:solidFill>
@@ -21789,7 +21817,7 @@
                         <a:t>活动前是否已有</a:t>
                       </a:r>
                       <a:r>
-                        <a:rPr lang="en-US" altLang="zh-CN" sz="1400" b="1" kern="1200" dirty="0" smtClean="0">
+                        <a:rPr lang="en-US" altLang="zh-CN" sz="1000" b="1" kern="1200" dirty="0" smtClean="0">
                           <a:solidFill>
                             <a:schemeClr val="lt1"/>
                           </a:solidFill>
@@ -21800,7 +21828,7 @@
                         </a:rPr>
                         <a:t>DCP</a:t>
                       </a:r>
-                      <a:endParaRPr lang="zh-CN" altLang="en-US" sz="1400" b="1" kern="1200" dirty="0">
+                      <a:endParaRPr lang="zh-CN" altLang="en-US" sz="1000" b="1" kern="1200" dirty="0">
                         <a:solidFill>
                           <a:schemeClr val="lt1"/>
                         </a:solidFill>
@@ -21870,7 +21898,7 @@
                         </a:lnSpc>
                       </a:pPr>
                       <a:r>
-                        <a:rPr lang="zh-CN" altLang="en-US" sz="1400" b="1" kern="1200" dirty="0" smtClean="0">
+                        <a:rPr lang="zh-CN" altLang="en-US" sz="1000" b="1" kern="1200" dirty="0" smtClean="0">
                           <a:solidFill>
                             <a:schemeClr val="lt1"/>
                           </a:solidFill>
@@ -21881,7 +21909,7 @@
                         </a:rPr>
                         <a:t>是否为线索</a:t>
                       </a:r>
-                      <a:endParaRPr lang="zh-CN" altLang="en-US" sz="1400" b="1" kern="1200" dirty="0">
+                      <a:endParaRPr lang="zh-CN" altLang="en-US" sz="1000" b="1" kern="1200" dirty="0">
                         <a:solidFill>
                           <a:schemeClr val="lt1"/>
                         </a:solidFill>
@@ -21951,7 +21979,7 @@
                         </a:lnSpc>
                       </a:pPr>
                       <a:r>
-                        <a:rPr lang="zh-CN" altLang="en-US" sz="1400" b="1" kern="1200" dirty="0" smtClean="0">
+                        <a:rPr lang="zh-CN" altLang="en-US" sz="1000" b="1" kern="1200" dirty="0" smtClean="0">
                           <a:solidFill>
                             <a:schemeClr val="lt1"/>
                           </a:solidFill>
@@ -21961,7 +21989,7 @@
                         </a:rPr>
                         <a:t>感兴趣车型</a:t>
                       </a:r>
-                      <a:endParaRPr lang="zh-CN" altLang="en-US" sz="1400" b="1" kern="1200" dirty="0">
+                      <a:endParaRPr lang="zh-CN" altLang="en-US" sz="1000" b="1" kern="1200" dirty="0">
                         <a:solidFill>
                           <a:schemeClr val="lt1"/>
                         </a:solidFill>
@@ -22031,7 +22059,7 @@
                         </a:lnSpc>
                       </a:pPr>
                       <a:r>
-                        <a:rPr lang="zh-CN" altLang="en-US" sz="1400" b="1" kern="1200" dirty="0" smtClean="0">
+                        <a:rPr lang="zh-CN" altLang="en-US" sz="1000" b="1" kern="1200" dirty="0" smtClean="0">
                           <a:solidFill>
                             <a:schemeClr val="lt1"/>
                           </a:solidFill>
@@ -22041,7 +22069,7 @@
                         </a:rPr>
                         <a:t>是否成交</a:t>
                       </a:r>
-                      <a:endParaRPr lang="zh-CN" altLang="en-US" sz="1400" b="1" kern="1200" dirty="0">
+                      <a:endParaRPr lang="zh-CN" altLang="en-US" sz="1000" b="1" kern="1200" dirty="0">
                         <a:solidFill>
                           <a:schemeClr val="lt1"/>
                         </a:solidFill>
@@ -22111,7 +22139,7 @@
                         </a:lnSpc>
                       </a:pPr>
                       <a:r>
-                        <a:rPr lang="zh-CN" altLang="en-US" sz="1400" b="1" kern="1200" dirty="0" smtClean="0">
+                        <a:rPr lang="zh-CN" altLang="en-US" sz="1000" b="1" kern="1200" dirty="0" smtClean="0">
                           <a:solidFill>
                             <a:schemeClr val="lt1"/>
                           </a:solidFill>
@@ -22121,7 +22149,7 @@
                         </a:rPr>
                         <a:t>成交车型</a:t>
                       </a:r>
-                      <a:endParaRPr lang="zh-CN" altLang="en-US" sz="1400" b="1" kern="1200" dirty="0">
+                      <a:endParaRPr lang="zh-CN" altLang="en-US" sz="1000" b="1" kern="1200" dirty="0">
                         <a:solidFill>
                           <a:schemeClr val="lt1"/>
                         </a:solidFill>
@@ -22208,7 +22236,7 @@
                         <a:defRPr/>
                       </a:pPr>
                       <a:r>
-                        <a:rPr lang="en-US" sz="1200" b="0" kern="1200" baseline="0" dirty="0" smtClean="0">
+                        <a:rPr lang="en-US" sz="1000" b="0" kern="1200" baseline="0" dirty="0" smtClean="0">
                           <a:solidFill>
                             <a:schemeClr val="tx1">
                               <a:lumMod val="75000"/>
@@ -22287,7 +22315,7 @@
                         <a:defRPr/>
                       </a:pPr>
                       <a:r>
-                        <a:rPr lang="en-US" altLang="zh-CN" sz="1200" b="0" kern="1200" baseline="0" dirty="0" smtClean="0">
+                        <a:rPr lang="en-US" altLang="zh-CN" sz="1000" b="0" kern="1200" baseline="0" dirty="0" smtClean="0">
                           <a:solidFill>
                             <a:schemeClr val="tx1">
                               <a:lumMod val="75000"/>
@@ -22301,7 +22329,7 @@
                         </a:rPr>
                         <a:t> </a:t>
                       </a:r>
-                      <a:endParaRPr lang="en-US" altLang="zh-CN" sz="1200" b="0" kern="1200" baseline="0" dirty="0">
+                      <a:endParaRPr lang="en-US" altLang="zh-CN" sz="1000" b="0" kern="1200" baseline="0" dirty="0">
                         <a:solidFill>
                           <a:schemeClr val="tx1">
                             <a:lumMod val="75000"/>
@@ -22378,7 +22406,7 @@
                         <a:defRPr/>
                       </a:pPr>
                       <a:r>
-                        <a:rPr lang="en-US" altLang="zh-CN" sz="1200" b="0" kern="1200" baseline="0" dirty="0" smtClean="0">
+                        <a:rPr lang="en-US" altLang="zh-CN" sz="1000" b="0" kern="1200" baseline="0" dirty="0" smtClean="0">
                           <a:solidFill>
                             <a:schemeClr val="tx1">
                               <a:lumMod val="75000"/>
@@ -22392,7 +22420,7 @@
                         </a:rPr>
                         <a:t> </a:t>
                       </a:r>
-                      <a:endParaRPr lang="en-US" altLang="zh-CN" sz="1200" b="0" kern="1200" baseline="0" dirty="0">
+                      <a:endParaRPr lang="en-US" altLang="zh-CN" sz="1000" b="0" kern="1200" baseline="0" dirty="0">
                         <a:solidFill>
                           <a:schemeClr val="tx1">
                             <a:lumMod val="75000"/>
@@ -22469,7 +22497,7 @@
                         <a:defRPr/>
                       </a:pPr>
                       <a:r>
-                        <a:rPr lang="en-US" altLang="zh-CN" sz="1200" b="0" kern="1200" baseline="0" dirty="0" smtClean="0">
+                        <a:rPr lang="en-US" altLang="zh-CN" sz="1000" b="0" kern="1200" baseline="0" dirty="0" smtClean="0">
                           <a:solidFill>
                             <a:schemeClr val="tx1">
                               <a:lumMod val="75000"/>
@@ -22483,7 +22511,7 @@
                         </a:rPr>
                         <a:t> </a:t>
                       </a:r>
-                      <a:endParaRPr lang="en-US" altLang="zh-CN" sz="1200" b="0" kern="1200" baseline="0" dirty="0">
+                      <a:endParaRPr lang="en-US" altLang="zh-CN" sz="1000" b="0" kern="1200" baseline="0" dirty="0">
                         <a:solidFill>
                           <a:schemeClr val="tx1">
                             <a:lumMod val="75000"/>
@@ -22560,7 +22588,7 @@
                         <a:defRPr/>
                       </a:pPr>
                       <a:r>
-                        <a:rPr lang="en-US" altLang="zh-CN" sz="1200" b="0" kern="1200" baseline="0" dirty="0" smtClean="0">
+                        <a:rPr lang="en-US" altLang="zh-CN" sz="1000" b="0" kern="1200" baseline="0" dirty="0" smtClean="0">
                           <a:solidFill>
                             <a:schemeClr val="tx1">
                               <a:lumMod val="75000"/>
@@ -22574,7 +22602,7 @@
                         </a:rPr>
                         <a:t> </a:t>
                       </a:r>
-                      <a:endParaRPr lang="en-US" altLang="zh-CN" sz="1200" b="0" kern="1200" baseline="0" dirty="0">
+                      <a:endParaRPr lang="en-US" altLang="zh-CN" sz="1000" b="0" kern="1200" baseline="0" dirty="0">
                         <a:solidFill>
                           <a:schemeClr val="tx1">
                             <a:lumMod val="75000"/>
@@ -22651,7 +22679,7 @@
                         <a:defRPr/>
                       </a:pPr>
                       <a:r>
-                        <a:rPr lang="en-US" altLang="zh-CN" sz="1200" b="0" kern="1200" baseline="0" dirty="0" smtClean="0">
+                        <a:rPr lang="en-US" altLang="zh-CN" sz="1000" b="0" kern="1200" baseline="0" dirty="0" smtClean="0">
                           <a:solidFill>
                             <a:schemeClr val="tx1">
                               <a:lumMod val="75000"/>
@@ -22665,7 +22693,7 @@
                         </a:rPr>
                         <a:t> </a:t>
                       </a:r>
-                      <a:endParaRPr lang="en-US" altLang="zh-CN" sz="1200" b="0" kern="1200" baseline="0" dirty="0">
+                      <a:endParaRPr lang="en-US" altLang="zh-CN" sz="1000" b="0" kern="1200" baseline="0" dirty="0">
                         <a:solidFill>
                           <a:schemeClr val="tx1">
                             <a:lumMod val="75000"/>
@@ -22741,7 +22769,7 @@
                         <a:tabLst/>
                         <a:defRPr/>
                       </a:pPr>
-                      <a:endParaRPr lang="en-US" altLang="zh-CN" sz="1200" b="0" kern="1200" baseline="0" dirty="0">
+                      <a:endParaRPr lang="en-US" altLang="zh-CN" sz="1000" b="0" kern="1200" baseline="0" dirty="0">
                         <a:solidFill>
                           <a:schemeClr val="tx1">
                             <a:lumMod val="75000"/>
@@ -22824,7 +22852,7 @@
                         <a:tabLst/>
                         <a:defRPr/>
                       </a:pPr>
-                      <a:endParaRPr lang="en-US" sz="1200" b="0" kern="1200" baseline="0" dirty="0" smtClean="0">
+                      <a:endParaRPr lang="en-US" sz="1000" b="0" kern="1200" baseline="0" dirty="0" smtClean="0">
                         <a:solidFill>
                           <a:schemeClr val="tx1">
                             <a:lumMod val="75000"/>
@@ -22900,7 +22928,7 @@
                         <a:tabLst/>
                         <a:defRPr/>
                       </a:pPr>
-                      <a:endParaRPr lang="en-US" altLang="zh-CN" sz="1200" b="0" kern="1200" baseline="0" dirty="0">
+                      <a:endParaRPr lang="en-US" altLang="zh-CN" sz="1000" b="0" kern="1200" baseline="0" dirty="0">
                         <a:solidFill>
                           <a:schemeClr val="tx1">
                             <a:lumMod val="75000"/>
@@ -22976,7 +23004,7 @@
                         <a:tabLst/>
                         <a:defRPr/>
                       </a:pPr>
-                      <a:endParaRPr lang="en-US" altLang="zh-CN" sz="1200" b="0" kern="1200" baseline="0" dirty="0">
+                      <a:endParaRPr lang="en-US" altLang="zh-CN" sz="1000" b="0" kern="1200" baseline="0" dirty="0">
                         <a:solidFill>
                           <a:schemeClr val="tx1">
                             <a:lumMod val="75000"/>
@@ -23052,7 +23080,7 @@
                         <a:tabLst/>
                         <a:defRPr/>
                       </a:pPr>
-                      <a:endParaRPr lang="en-US" altLang="zh-CN" sz="1200" b="0" kern="1200" baseline="0" dirty="0">
+                      <a:endParaRPr lang="en-US" altLang="zh-CN" sz="1000" b="0" kern="1200" baseline="0" dirty="0">
                         <a:solidFill>
                           <a:schemeClr val="tx1">
                             <a:lumMod val="75000"/>
@@ -23128,7 +23156,7 @@
                         <a:tabLst/>
                         <a:defRPr/>
                       </a:pPr>
-                      <a:endParaRPr lang="en-US" altLang="zh-CN" sz="1200" b="0" kern="1200" baseline="0" dirty="0">
+                      <a:endParaRPr lang="en-US" altLang="zh-CN" sz="1000" b="0" kern="1200" baseline="0" dirty="0">
                         <a:solidFill>
                           <a:schemeClr val="tx1">
                             <a:lumMod val="75000"/>
@@ -23204,7 +23232,7 @@
                         <a:tabLst/>
                         <a:defRPr/>
                       </a:pPr>
-                      <a:endParaRPr lang="en-US" altLang="zh-CN" sz="1200" b="0" kern="1200" baseline="0" dirty="0">
+                      <a:endParaRPr lang="en-US" altLang="zh-CN" sz="1000" b="0" kern="1200" baseline="0" dirty="0">
                         <a:solidFill>
                           <a:schemeClr val="tx1">
                             <a:lumMod val="75000"/>
@@ -23280,7 +23308,7 @@
                         <a:tabLst/>
                         <a:defRPr/>
                       </a:pPr>
-                      <a:endParaRPr lang="en-US" altLang="zh-CN" sz="1200" b="0" kern="1200" baseline="0" dirty="0">
+                      <a:endParaRPr lang="en-US" altLang="zh-CN" sz="1000" b="0" kern="1200" baseline="0" dirty="0">
                         <a:solidFill>
                           <a:schemeClr val="tx1">
                             <a:lumMod val="75000"/>
@@ -23363,7 +23391,7 @@
                         <a:tabLst/>
                         <a:defRPr/>
                       </a:pPr>
-                      <a:endParaRPr lang="en-US" sz="1200" b="0" kern="1200" baseline="0" dirty="0" smtClean="0">
+                      <a:endParaRPr lang="en-US" sz="1000" b="0" kern="1200" baseline="0" dirty="0" smtClean="0">
                         <a:solidFill>
                           <a:schemeClr val="tx1">
                             <a:lumMod val="75000"/>
@@ -23439,7 +23467,7 @@
                         <a:tabLst/>
                         <a:defRPr/>
                       </a:pPr>
-                      <a:endParaRPr lang="en-US" altLang="zh-CN" sz="1200" b="0" kern="1200" baseline="0" dirty="0">
+                      <a:endParaRPr lang="en-US" altLang="zh-CN" sz="1000" b="0" kern="1200" baseline="0" dirty="0">
                         <a:solidFill>
                           <a:schemeClr val="tx1">
                             <a:lumMod val="75000"/>
@@ -23515,7 +23543,7 @@
                         <a:tabLst/>
                         <a:defRPr/>
                       </a:pPr>
-                      <a:endParaRPr lang="en-US" altLang="zh-CN" sz="1200" b="0" kern="1200" baseline="0" dirty="0">
+                      <a:endParaRPr lang="en-US" altLang="zh-CN" sz="1000" b="0" kern="1200" baseline="0" dirty="0">
                         <a:solidFill>
                           <a:schemeClr val="tx1">
                             <a:lumMod val="75000"/>
@@ -23591,7 +23619,7 @@
                         <a:tabLst/>
                         <a:defRPr/>
                       </a:pPr>
-                      <a:endParaRPr lang="en-US" altLang="zh-CN" sz="1200" b="0" kern="1200" baseline="0" dirty="0">
+                      <a:endParaRPr lang="en-US" altLang="zh-CN" sz="1000" b="0" kern="1200" baseline="0" dirty="0">
                         <a:solidFill>
                           <a:schemeClr val="tx1">
                             <a:lumMod val="75000"/>
@@ -23667,7 +23695,7 @@
                         <a:tabLst/>
                         <a:defRPr/>
                       </a:pPr>
-                      <a:endParaRPr lang="en-US" altLang="zh-CN" sz="1200" b="0" kern="1200" baseline="0" dirty="0">
+                      <a:endParaRPr lang="en-US" altLang="zh-CN" sz="1000" b="0" kern="1200" baseline="0" dirty="0">
                         <a:solidFill>
                           <a:schemeClr val="tx1">
                             <a:lumMod val="75000"/>
@@ -23743,7 +23771,7 @@
                         <a:tabLst/>
                         <a:defRPr/>
                       </a:pPr>
-                      <a:endParaRPr lang="en-US" altLang="zh-CN" sz="1200" b="0" kern="1200" baseline="0" dirty="0">
+                      <a:endParaRPr lang="en-US" altLang="zh-CN" sz="1000" b="0" kern="1200" baseline="0" dirty="0">
                         <a:solidFill>
                           <a:schemeClr val="tx1">
                             <a:lumMod val="75000"/>
@@ -23819,7 +23847,7 @@
                         <a:tabLst/>
                         <a:defRPr/>
                       </a:pPr>
-                      <a:endParaRPr lang="en-US" altLang="zh-CN" sz="1200" b="0" kern="1200" baseline="0" dirty="0">
+                      <a:endParaRPr lang="en-US" altLang="zh-CN" sz="1000" b="0" kern="1200" baseline="0" dirty="0">
                         <a:solidFill>
                           <a:schemeClr val="tx1">
                             <a:lumMod val="75000"/>
@@ -23902,7 +23930,7 @@
                         <a:tabLst/>
                         <a:defRPr/>
                       </a:pPr>
-                      <a:endParaRPr lang="en-US" sz="1200" b="0" kern="1200" baseline="0" dirty="0" smtClean="0">
+                      <a:endParaRPr lang="en-US" sz="1000" b="0" kern="1200" baseline="0" dirty="0" smtClean="0">
                         <a:solidFill>
                           <a:schemeClr val="tx1">
                             <a:lumMod val="75000"/>
@@ -23978,7 +24006,7 @@
                         <a:tabLst/>
                         <a:defRPr/>
                       </a:pPr>
-                      <a:endParaRPr lang="en-US" altLang="zh-CN" sz="1200" b="0" kern="1200" baseline="0" dirty="0">
+                      <a:endParaRPr lang="en-US" altLang="zh-CN" sz="1000" b="0" kern="1200" baseline="0" dirty="0">
                         <a:solidFill>
                           <a:schemeClr val="tx1">
                             <a:lumMod val="75000"/>
@@ -24054,7 +24082,7 @@
                         <a:tabLst/>
                         <a:defRPr/>
                       </a:pPr>
-                      <a:endParaRPr lang="en-US" altLang="zh-CN" sz="1200" b="0" kern="1200" baseline="0" dirty="0">
+                      <a:endParaRPr lang="en-US" altLang="zh-CN" sz="1000" b="0" kern="1200" baseline="0" dirty="0">
                         <a:solidFill>
                           <a:schemeClr val="tx1">
                             <a:lumMod val="75000"/>
@@ -24130,7 +24158,7 @@
                         <a:tabLst/>
                         <a:defRPr/>
                       </a:pPr>
-                      <a:endParaRPr lang="en-US" altLang="zh-CN" sz="1200" b="0" kern="1200" baseline="0" dirty="0">
+                      <a:endParaRPr lang="en-US" altLang="zh-CN" sz="1000" b="0" kern="1200" baseline="0" dirty="0">
                         <a:solidFill>
                           <a:schemeClr val="tx1">
                             <a:lumMod val="75000"/>
@@ -24206,7 +24234,7 @@
                         <a:tabLst/>
                         <a:defRPr/>
                       </a:pPr>
-                      <a:endParaRPr lang="en-US" altLang="zh-CN" sz="1200" b="0" kern="1200" baseline="0" dirty="0">
+                      <a:endParaRPr lang="en-US" altLang="zh-CN" sz="1000" b="0" kern="1200" baseline="0" dirty="0">
                         <a:solidFill>
                           <a:schemeClr val="tx1">
                             <a:lumMod val="75000"/>
@@ -24282,7 +24310,7 @@
                         <a:tabLst/>
                         <a:defRPr/>
                       </a:pPr>
-                      <a:endParaRPr lang="en-US" altLang="zh-CN" sz="1200" b="0" kern="1200" baseline="0" dirty="0">
+                      <a:endParaRPr lang="en-US" altLang="zh-CN" sz="1000" b="0" kern="1200" baseline="0" dirty="0">
                         <a:solidFill>
                           <a:schemeClr val="tx1">
                             <a:lumMod val="75000"/>
@@ -24358,7 +24386,7 @@
                         <a:tabLst/>
                         <a:defRPr/>
                       </a:pPr>
-                      <a:endParaRPr lang="en-US" altLang="zh-CN" sz="1200" b="0" kern="1200" baseline="0" dirty="0">
+                      <a:endParaRPr lang="en-US" altLang="zh-CN" sz="1000" b="0" kern="1200" baseline="0" dirty="0">
                         <a:solidFill>
                           <a:schemeClr val="tx1">
                             <a:lumMod val="75000"/>
@@ -24441,7 +24469,7 @@
                         <a:tabLst/>
                         <a:defRPr/>
                       </a:pPr>
-                      <a:endParaRPr lang="en-US" sz="1200" b="0" kern="1200" baseline="0" dirty="0" smtClean="0">
+                      <a:endParaRPr lang="en-US" sz="1000" b="0" kern="1200" baseline="0" dirty="0" smtClean="0">
                         <a:solidFill>
                           <a:schemeClr val="tx1">
                             <a:lumMod val="75000"/>
@@ -24517,7 +24545,7 @@
                         <a:tabLst/>
                         <a:defRPr/>
                       </a:pPr>
-                      <a:endParaRPr lang="en-US" altLang="zh-CN" sz="1200" b="0" kern="1200" baseline="0" dirty="0">
+                      <a:endParaRPr lang="en-US" altLang="zh-CN" sz="1000" b="0" kern="1200" baseline="0" dirty="0">
                         <a:solidFill>
                           <a:schemeClr val="tx1">
                             <a:lumMod val="75000"/>
@@ -24593,7 +24621,7 @@
                         <a:tabLst/>
                         <a:defRPr/>
                       </a:pPr>
-                      <a:endParaRPr lang="en-US" altLang="zh-CN" sz="1200" b="0" kern="1200" baseline="0" dirty="0">
+                      <a:endParaRPr lang="en-US" altLang="zh-CN" sz="1000" b="0" kern="1200" baseline="0" dirty="0">
                         <a:solidFill>
                           <a:schemeClr val="tx1">
                             <a:lumMod val="75000"/>
@@ -24669,7 +24697,7 @@
                         <a:tabLst/>
                         <a:defRPr/>
                       </a:pPr>
-                      <a:endParaRPr lang="en-US" altLang="zh-CN" sz="1200" b="0" kern="1200" baseline="0" dirty="0">
+                      <a:endParaRPr lang="en-US" altLang="zh-CN" sz="1000" b="0" kern="1200" baseline="0" dirty="0">
                         <a:solidFill>
                           <a:schemeClr val="tx1">
                             <a:lumMod val="75000"/>
@@ -24745,7 +24773,7 @@
                         <a:tabLst/>
                         <a:defRPr/>
                       </a:pPr>
-                      <a:endParaRPr lang="en-US" altLang="zh-CN" sz="1200" b="0" kern="1200" baseline="0" dirty="0">
+                      <a:endParaRPr lang="en-US" altLang="zh-CN" sz="1000" b="0" kern="1200" baseline="0" dirty="0">
                         <a:solidFill>
                           <a:schemeClr val="tx1">
                             <a:lumMod val="75000"/>
@@ -24821,7 +24849,7 @@
                         <a:tabLst/>
                         <a:defRPr/>
                       </a:pPr>
-                      <a:endParaRPr lang="en-US" altLang="zh-CN" sz="1200" b="0" kern="1200" baseline="0" dirty="0">
+                      <a:endParaRPr lang="en-US" altLang="zh-CN" sz="1000" b="0" kern="1200" baseline="0" dirty="0">
                         <a:solidFill>
                           <a:schemeClr val="tx1">
                             <a:lumMod val="75000"/>
@@ -24897,7 +24925,7 @@
                         <a:tabLst/>
                         <a:defRPr/>
                       </a:pPr>
-                      <a:endParaRPr lang="en-US" altLang="zh-CN" sz="1200" b="0" kern="1200" baseline="0" dirty="0">
+                      <a:endParaRPr lang="en-US" altLang="zh-CN" sz="1000" b="0" kern="1200" baseline="0" dirty="0">
                         <a:solidFill>
                           <a:schemeClr val="tx1">
                             <a:lumMod val="75000"/>
@@ -24980,7 +25008,7 @@
                         <a:tabLst/>
                         <a:defRPr/>
                       </a:pPr>
-                      <a:endParaRPr lang="en-US" sz="1200" b="0" kern="1200" baseline="0" dirty="0" smtClean="0">
+                      <a:endParaRPr lang="en-US" sz="1000" b="0" kern="1200" baseline="0" dirty="0" smtClean="0">
                         <a:solidFill>
                           <a:schemeClr val="tx1">
                             <a:lumMod val="75000"/>
@@ -25056,7 +25084,7 @@
                         <a:tabLst/>
                         <a:defRPr/>
                       </a:pPr>
-                      <a:endParaRPr lang="en-US" altLang="zh-CN" sz="1200" b="0" kern="1200" baseline="0" dirty="0">
+                      <a:endParaRPr lang="en-US" altLang="zh-CN" sz="1000" b="0" kern="1200" baseline="0" dirty="0">
                         <a:solidFill>
                           <a:schemeClr val="tx1">
                             <a:lumMod val="75000"/>
@@ -25132,7 +25160,7 @@
                         <a:tabLst/>
                         <a:defRPr/>
                       </a:pPr>
-                      <a:endParaRPr lang="en-US" altLang="zh-CN" sz="1200" b="0" kern="1200" baseline="0" dirty="0">
+                      <a:endParaRPr lang="en-US" altLang="zh-CN" sz="1000" b="0" kern="1200" baseline="0" dirty="0">
                         <a:solidFill>
                           <a:schemeClr val="tx1">
                             <a:lumMod val="75000"/>
@@ -25208,7 +25236,7 @@
                         <a:tabLst/>
                         <a:defRPr/>
                       </a:pPr>
-                      <a:endParaRPr lang="en-US" altLang="zh-CN" sz="1200" b="0" kern="1200" baseline="0" dirty="0">
+                      <a:endParaRPr lang="en-US" altLang="zh-CN" sz="1000" b="0" kern="1200" baseline="0" dirty="0">
                         <a:solidFill>
                           <a:schemeClr val="tx1">
                             <a:lumMod val="75000"/>
@@ -25284,7 +25312,7 @@
                         <a:tabLst/>
                         <a:defRPr/>
                       </a:pPr>
-                      <a:endParaRPr lang="en-US" altLang="zh-CN" sz="1200" b="0" kern="1200" baseline="0" dirty="0">
+                      <a:endParaRPr lang="en-US" altLang="zh-CN" sz="1000" b="0" kern="1200" baseline="0" dirty="0">
                         <a:solidFill>
                           <a:schemeClr val="tx1">
                             <a:lumMod val="75000"/>
@@ -25360,7 +25388,7 @@
                         <a:tabLst/>
                         <a:defRPr/>
                       </a:pPr>
-                      <a:endParaRPr lang="en-US" altLang="zh-CN" sz="1200" b="0" kern="1200" baseline="0" dirty="0">
+                      <a:endParaRPr lang="en-US" altLang="zh-CN" sz="1000" b="0" kern="1200" baseline="0" dirty="0">
                         <a:solidFill>
                           <a:schemeClr val="tx1">
                             <a:lumMod val="75000"/>
@@ -25436,7 +25464,7 @@
                         <a:tabLst/>
                         <a:defRPr/>
                       </a:pPr>
-                      <a:endParaRPr lang="en-US" altLang="zh-CN" sz="1200" b="0" kern="1200" baseline="0" dirty="0">
+                      <a:endParaRPr lang="en-US" altLang="zh-CN" sz="1000" b="0" kern="1200" baseline="0" dirty="0">
                         <a:solidFill>
                           <a:schemeClr val="tx1">
                             <a:lumMod val="75000"/>
@@ -25519,7 +25547,7 @@
                         <a:tabLst/>
                         <a:defRPr/>
                       </a:pPr>
-                      <a:endParaRPr lang="en-US" sz="1200" b="0" kern="1200" baseline="0" dirty="0" smtClean="0">
+                      <a:endParaRPr lang="en-US" sz="1000" b="0" kern="1200" baseline="0" dirty="0" smtClean="0">
                         <a:solidFill>
                           <a:schemeClr val="tx1">
                             <a:lumMod val="75000"/>
@@ -25595,7 +25623,7 @@
                         <a:tabLst/>
                         <a:defRPr/>
                       </a:pPr>
-                      <a:endParaRPr lang="en-US" altLang="zh-CN" sz="1200" b="0" kern="1200" baseline="0" dirty="0">
+                      <a:endParaRPr lang="en-US" altLang="zh-CN" sz="1000" b="0" kern="1200" baseline="0" dirty="0">
                         <a:solidFill>
                           <a:schemeClr val="tx1">
                             <a:lumMod val="75000"/>
@@ -25671,7 +25699,7 @@
                         <a:tabLst/>
                         <a:defRPr/>
                       </a:pPr>
-                      <a:endParaRPr lang="en-US" altLang="zh-CN" sz="1200" b="0" kern="1200" baseline="0" dirty="0">
+                      <a:endParaRPr lang="en-US" altLang="zh-CN" sz="1000" b="0" kern="1200" baseline="0" dirty="0">
                         <a:solidFill>
                           <a:schemeClr val="tx1">
                             <a:lumMod val="75000"/>
@@ -25747,7 +25775,7 @@
                         <a:tabLst/>
                         <a:defRPr/>
                       </a:pPr>
-                      <a:endParaRPr lang="en-US" altLang="zh-CN" sz="1200" b="0" kern="1200" baseline="0" dirty="0">
+                      <a:endParaRPr lang="en-US" altLang="zh-CN" sz="1000" b="0" kern="1200" baseline="0" dirty="0">
                         <a:solidFill>
                           <a:schemeClr val="tx1">
                             <a:lumMod val="75000"/>
@@ -25823,7 +25851,7 @@
                         <a:tabLst/>
                         <a:defRPr/>
                       </a:pPr>
-                      <a:endParaRPr lang="en-US" altLang="zh-CN" sz="1200" b="0" kern="1200" baseline="0" dirty="0">
+                      <a:endParaRPr lang="en-US" altLang="zh-CN" sz="1000" b="0" kern="1200" baseline="0" dirty="0">
                         <a:solidFill>
                           <a:schemeClr val="tx1">
                             <a:lumMod val="75000"/>
@@ -25899,7 +25927,7 @@
                         <a:tabLst/>
                         <a:defRPr/>
                       </a:pPr>
-                      <a:endParaRPr lang="en-US" altLang="zh-CN" sz="1200" b="0" kern="1200" baseline="0" dirty="0">
+                      <a:endParaRPr lang="en-US" altLang="zh-CN" sz="1000" b="0" kern="1200" baseline="0" dirty="0">
                         <a:solidFill>
                           <a:schemeClr val="tx1">
                             <a:lumMod val="75000"/>
@@ -25975,7 +26003,7 @@
                         <a:tabLst/>
                         <a:defRPr/>
                       </a:pPr>
-                      <a:endParaRPr lang="en-US" altLang="zh-CN" sz="1200" b="0" kern="1200" baseline="0" dirty="0">
+                      <a:endParaRPr lang="en-US" altLang="zh-CN" sz="1000" b="0" kern="1200" baseline="0" dirty="0">
                         <a:solidFill>
                           <a:schemeClr val="tx1">
                             <a:lumMod val="75000"/>
@@ -26058,7 +26086,7 @@
                         <a:tabLst/>
                         <a:defRPr/>
                       </a:pPr>
-                      <a:endParaRPr lang="en-US" sz="1200" b="0" kern="1200" baseline="0" dirty="0" smtClean="0">
+                      <a:endParaRPr lang="en-US" sz="1000" b="0" kern="1200" baseline="0" dirty="0" smtClean="0">
                         <a:solidFill>
                           <a:schemeClr val="tx1">
                             <a:lumMod val="75000"/>
@@ -26134,7 +26162,7 @@
                         <a:tabLst/>
                         <a:defRPr/>
                       </a:pPr>
-                      <a:endParaRPr lang="en-US" altLang="zh-CN" sz="1200" b="0" kern="1200" baseline="0" dirty="0">
+                      <a:endParaRPr lang="en-US" altLang="zh-CN" sz="1000" b="0" kern="1200" baseline="0" dirty="0">
                         <a:solidFill>
                           <a:schemeClr val="tx1">
                             <a:lumMod val="75000"/>
@@ -26210,7 +26238,7 @@
                         <a:tabLst/>
                         <a:defRPr/>
                       </a:pPr>
-                      <a:endParaRPr lang="en-US" altLang="zh-CN" sz="1200" b="0" kern="1200" baseline="0" dirty="0">
+                      <a:endParaRPr lang="en-US" altLang="zh-CN" sz="1000" b="0" kern="1200" baseline="0" dirty="0">
                         <a:solidFill>
                           <a:schemeClr val="tx1">
                             <a:lumMod val="75000"/>
@@ -26286,7 +26314,7 @@
                         <a:tabLst/>
                         <a:defRPr/>
                       </a:pPr>
-                      <a:endParaRPr lang="en-US" altLang="zh-CN" sz="1200" b="0" kern="1200" baseline="0" dirty="0">
+                      <a:endParaRPr lang="en-US" altLang="zh-CN" sz="1000" b="0" kern="1200" baseline="0" dirty="0">
                         <a:solidFill>
                           <a:schemeClr val="tx1">
                             <a:lumMod val="75000"/>
@@ -26362,7 +26390,7 @@
                         <a:tabLst/>
                         <a:defRPr/>
                       </a:pPr>
-                      <a:endParaRPr lang="en-US" altLang="zh-CN" sz="1200" b="0" kern="1200" baseline="0" dirty="0">
+                      <a:endParaRPr lang="en-US" altLang="zh-CN" sz="1000" b="0" kern="1200" baseline="0" dirty="0">
                         <a:solidFill>
                           <a:schemeClr val="tx1">
                             <a:lumMod val="75000"/>
@@ -26438,7 +26466,7 @@
                         <a:tabLst/>
                         <a:defRPr/>
                       </a:pPr>
-                      <a:endParaRPr lang="en-US" altLang="zh-CN" sz="1200" b="0" kern="1200" baseline="0" dirty="0">
+                      <a:endParaRPr lang="en-US" altLang="zh-CN" sz="1000" b="0" kern="1200" baseline="0" dirty="0">
                         <a:solidFill>
                           <a:schemeClr val="tx1">
                             <a:lumMod val="75000"/>
@@ -26514,7 +26542,7 @@
                         <a:tabLst/>
                         <a:defRPr/>
                       </a:pPr>
-                      <a:endParaRPr lang="en-US" altLang="zh-CN" sz="1200" b="0" kern="1200" baseline="0" dirty="0">
+                      <a:endParaRPr lang="en-US" altLang="zh-CN" sz="1000" b="0" kern="1200" baseline="0" dirty="0">
                         <a:solidFill>
                           <a:schemeClr val="tx1">
                             <a:lumMod val="75000"/>
@@ -26597,7 +26625,7 @@
                         <a:tabLst/>
                         <a:defRPr/>
                       </a:pPr>
-                      <a:endParaRPr lang="en-US" sz="1200" b="0" kern="1200" baseline="0" dirty="0" smtClean="0">
+                      <a:endParaRPr lang="en-US" sz="1000" b="0" kern="1200" baseline="0" dirty="0" smtClean="0">
                         <a:solidFill>
                           <a:schemeClr val="tx1">
                             <a:lumMod val="75000"/>
@@ -26673,7 +26701,7 @@
                         <a:tabLst/>
                         <a:defRPr/>
                       </a:pPr>
-                      <a:endParaRPr lang="en-US" altLang="zh-CN" sz="1200" b="0" kern="1200" baseline="0" dirty="0">
+                      <a:endParaRPr lang="en-US" altLang="zh-CN" sz="1000" b="0" kern="1200" baseline="0" dirty="0">
                         <a:solidFill>
                           <a:schemeClr val="tx1">
                             <a:lumMod val="75000"/>
@@ -26749,7 +26777,7 @@
                         <a:tabLst/>
                         <a:defRPr/>
                       </a:pPr>
-                      <a:endParaRPr lang="en-US" altLang="zh-CN" sz="1200" b="0" kern="1200" baseline="0" dirty="0">
+                      <a:endParaRPr lang="en-US" altLang="zh-CN" sz="1000" b="0" kern="1200" baseline="0" dirty="0">
                         <a:solidFill>
                           <a:schemeClr val="tx1">
                             <a:lumMod val="75000"/>
@@ -26825,7 +26853,7 @@
                         <a:tabLst/>
                         <a:defRPr/>
                       </a:pPr>
-                      <a:endParaRPr lang="en-US" altLang="zh-CN" sz="1200" b="0" kern="1200" baseline="0" dirty="0">
+                      <a:endParaRPr lang="en-US" altLang="zh-CN" sz="1000" b="0" kern="1200" baseline="0" dirty="0">
                         <a:solidFill>
                           <a:schemeClr val="tx1">
                             <a:lumMod val="75000"/>
@@ -26901,7 +26929,7 @@
                         <a:tabLst/>
                         <a:defRPr/>
                       </a:pPr>
-                      <a:endParaRPr lang="en-US" altLang="zh-CN" sz="1200" b="0" kern="1200" baseline="0" dirty="0">
+                      <a:endParaRPr lang="en-US" altLang="zh-CN" sz="1000" b="0" kern="1200" baseline="0" dirty="0">
                         <a:solidFill>
                           <a:schemeClr val="tx1">
                             <a:lumMod val="75000"/>
@@ -26977,7 +27005,7 @@
                         <a:tabLst/>
                         <a:defRPr/>
                       </a:pPr>
-                      <a:endParaRPr lang="en-US" altLang="zh-CN" sz="1200" b="0" kern="1200" baseline="0" dirty="0">
+                      <a:endParaRPr lang="en-US" altLang="zh-CN" sz="1000" b="0" kern="1200" baseline="0" dirty="0">
                         <a:solidFill>
                           <a:schemeClr val="tx1">
                             <a:lumMod val="75000"/>
@@ -27053,7 +27081,7 @@
                         <a:tabLst/>
                         <a:defRPr/>
                       </a:pPr>
-                      <a:endParaRPr lang="en-US" altLang="zh-CN" sz="1200" b="0" kern="1200" baseline="0" dirty="0">
+                      <a:endParaRPr lang="en-US" altLang="zh-CN" sz="1000" b="0" kern="1200" baseline="0" dirty="0">
                         <a:solidFill>
                           <a:schemeClr val="tx1">
                             <a:lumMod val="75000"/>
@@ -27136,7 +27164,7 @@
                         <a:tabLst/>
                         <a:defRPr/>
                       </a:pPr>
-                      <a:endParaRPr lang="en-US" sz="1200" b="0" kern="1200" baseline="0" dirty="0" smtClean="0">
+                      <a:endParaRPr lang="en-US" sz="1000" b="0" kern="1200" baseline="0" dirty="0" smtClean="0">
                         <a:solidFill>
                           <a:schemeClr val="tx1">
                             <a:lumMod val="75000"/>
@@ -27212,7 +27240,7 @@
                         <a:tabLst/>
                         <a:defRPr/>
                       </a:pPr>
-                      <a:endParaRPr lang="en-US" altLang="zh-CN" sz="1200" b="0" kern="1200" baseline="0" dirty="0">
+                      <a:endParaRPr lang="en-US" altLang="zh-CN" sz="1000" b="0" kern="1200" baseline="0" dirty="0">
                         <a:solidFill>
                           <a:schemeClr val="tx1">
                             <a:lumMod val="75000"/>
@@ -27288,7 +27316,7 @@
                         <a:tabLst/>
                         <a:defRPr/>
                       </a:pPr>
-                      <a:endParaRPr lang="en-US" altLang="zh-CN" sz="1200" b="0" kern="1200" baseline="0" dirty="0">
+                      <a:endParaRPr lang="en-US" altLang="zh-CN" sz="1000" b="0" kern="1200" baseline="0" dirty="0">
                         <a:solidFill>
                           <a:schemeClr val="tx1">
                             <a:lumMod val="75000"/>
@@ -27364,7 +27392,7 @@
                         <a:tabLst/>
                         <a:defRPr/>
                       </a:pPr>
-                      <a:endParaRPr lang="en-US" altLang="zh-CN" sz="1200" b="0" kern="1200" baseline="0" dirty="0">
+                      <a:endParaRPr lang="en-US" altLang="zh-CN" sz="1000" b="0" kern="1200" baseline="0" dirty="0">
                         <a:solidFill>
                           <a:schemeClr val="tx1">
                             <a:lumMod val="75000"/>
@@ -27440,7 +27468,7 @@
                         <a:tabLst/>
                         <a:defRPr/>
                       </a:pPr>
-                      <a:endParaRPr lang="en-US" altLang="zh-CN" sz="1200" b="0" kern="1200" baseline="0" dirty="0">
+                      <a:endParaRPr lang="en-US" altLang="zh-CN" sz="1000" b="0" kern="1200" baseline="0" dirty="0">
                         <a:solidFill>
                           <a:schemeClr val="tx1">
                             <a:lumMod val="75000"/>
@@ -27516,7 +27544,7 @@
                         <a:tabLst/>
                         <a:defRPr/>
                       </a:pPr>
-                      <a:endParaRPr lang="en-US" altLang="zh-CN" sz="1200" b="0" kern="1200" baseline="0" dirty="0">
+                      <a:endParaRPr lang="en-US" altLang="zh-CN" sz="1000" b="0" kern="1200" baseline="0" dirty="0">
                         <a:solidFill>
                           <a:schemeClr val="tx1">
                             <a:lumMod val="75000"/>
@@ -27592,7 +27620,7 @@
                         <a:tabLst/>
                         <a:defRPr/>
                       </a:pPr>
-                      <a:endParaRPr lang="en-US" altLang="zh-CN" sz="1200" b="0" kern="1200" baseline="0" dirty="0">
+                      <a:endParaRPr lang="en-US" altLang="zh-CN" sz="1000" b="0" kern="1200" baseline="0" dirty="0">
                         <a:solidFill>
                           <a:schemeClr val="tx1">
                             <a:lumMod val="75000"/>
@@ -27964,7 +27992,7 @@
           <p:nvPr>
             <p:extLst>
               <p:ext uri="{D42A27DB-BD31-4B8C-83A1-F6EECF244321}">
-                <p14:modId xmlns:p14="http://schemas.microsoft.com/office/powerpoint/2010/main" val="2540942871"/>
+                <p14:modId xmlns:p14="http://schemas.microsoft.com/office/powerpoint/2010/main" val="3275853583"/>
               </p:ext>
             </p:extLst>
           </p:nvPr>
@@ -27999,7 +28027,7 @@
                         <a:buNone/>
                       </a:pPr>
                       <a:r>
-                        <a:rPr lang="en-US" altLang="zh-CN" sz="1300" b="1" dirty="0" smtClean="0">
+                        <a:rPr lang="en-US" altLang="zh-CN" sz="1000" b="1" dirty="0" smtClean="0">
                           <a:solidFill>
                             <a:schemeClr val="bg1"/>
                           </a:solidFill>
@@ -28011,7 +28039,7 @@
                         <a:t>Spending Overview </a:t>
                       </a:r>
                       <a:r>
-                        <a:rPr lang="zh-CN" altLang="en-US" sz="1300" b="1" dirty="0" smtClean="0">
+                        <a:rPr lang="zh-CN" altLang="en-US" sz="1000" b="1" dirty="0" smtClean="0">
                           <a:solidFill>
                             <a:schemeClr val="bg1"/>
                           </a:solidFill>
@@ -28087,14 +28115,14 @@
           <p:nvPr>
             <p:extLst>
               <p:ext uri="{D42A27DB-BD31-4B8C-83A1-F6EECF244321}">
-                <p14:modId xmlns:p14="http://schemas.microsoft.com/office/powerpoint/2010/main" val="734013613"/>
+                <p14:modId xmlns:p14="http://schemas.microsoft.com/office/powerpoint/2010/main" val="1739593728"/>
               </p:ext>
             </p:extLst>
           </p:nvPr>
         </p:nvGraphicFramePr>
         <p:xfrm>
           <a:off x="544314" y="1551213"/>
-          <a:ext cx="11048526" cy="933024"/>
+          <a:ext cx="11048526" cy="765384"/>
         </p:xfrm>
         <a:graphic>
           <a:graphicData uri="http://schemas.openxmlformats.org/drawingml/2006/table">
@@ -28131,10 +28159,12 @@
                     <a:bodyPr/>
                     <a:lstStyle/>
                     <a:p>
-                      <a:endParaRPr lang="en-US" sz="1700" dirty="0">
+                      <a:endParaRPr lang="en-US" sz="1000" b="0" i="0" dirty="0">
                         <a:solidFill>
                           <a:schemeClr val="tx1"/>
                         </a:solidFill>
+                        <a:latin typeface="Bentley Light" panose="020B0404020201020102"/>
+                        <a:ea typeface="黑体" panose="02010609060101010101" pitchFamily="49" charset="-122"/>
                       </a:endParaRPr>
                     </a:p>
                   </a:txBody>
@@ -28165,12 +28195,12 @@
                         <a:defRPr/>
                       </a:pPr>
                       <a:r>
-                        <a:rPr lang="en-US" sz="1100" b="0" kern="1200" dirty="0" smtClean="0">
+                        <a:rPr lang="en-US" sz="1000" b="0" i="0" kern="1200" dirty="0" smtClean="0">
                           <a:solidFill>
                             <a:schemeClr val="tx1"/>
                           </a:solidFill>
-                          <a:latin typeface="+mn-lt"/>
-                          <a:ea typeface="+mn-ea"/>
+                          <a:latin typeface="Bentley Light" panose="020B0404020201020102"/>
+                          <a:ea typeface="黑体" panose="02010609060101010101" pitchFamily="49" charset="-122"/>
                           <a:cs typeface="+mn-ea"/>
                         </a:rPr>
                         <a:t>Actual</a:t>
@@ -28204,22 +28234,22 @@
                         <a:defRPr/>
                       </a:pPr>
                       <a:r>
-                        <a:rPr lang="en-US" altLang="zh-CN" sz="1100" b="0" kern="1200" dirty="0" smtClean="0">
+                        <a:rPr lang="en-US" altLang="zh-CN" sz="1000" b="0" i="0" kern="1200" dirty="0" smtClean="0">
                           <a:solidFill>
                             <a:schemeClr val="tx1"/>
                           </a:solidFill>
-                          <a:latin typeface="+mn-lt"/>
-                          <a:ea typeface="+mn-ea"/>
+                          <a:latin typeface="Bentley Light" panose="020B0404020201020102"/>
+                          <a:ea typeface="黑体" panose="02010609060101010101" pitchFamily="49" charset="-122"/>
                           <a:cs typeface="+mn-ea"/>
                         </a:rPr>
                         <a:t>Budget</a:t>
                       </a:r>
-                      <a:endParaRPr lang="en-US" sz="1100" b="0" kern="1200" dirty="0" smtClean="0">
+                      <a:endParaRPr lang="en-US" sz="1000" b="0" i="0" kern="1200" dirty="0" smtClean="0">
                         <a:solidFill>
                           <a:schemeClr val="tx1"/>
                         </a:solidFill>
-                        <a:latin typeface="+mn-lt"/>
-                        <a:ea typeface="+mn-ea"/>
+                        <a:latin typeface="Bentley Light" panose="020B0404020201020102"/>
+                        <a:ea typeface="黑体" panose="02010609060101010101" pitchFamily="49" charset="-122"/>
                         <a:cs typeface="+mn-ea"/>
                       </a:endParaRPr>
                     </a:p>
@@ -28258,36 +28288,36 @@
                         <a:defRPr/>
                       </a:pPr>
                       <a:r>
-                        <a:rPr lang="en-US" altLang="zh-CN" sz="1200" b="0" kern="1200" dirty="0" smtClean="0">
+                        <a:rPr lang="en-US" altLang="zh-CN" sz="1000" b="0" i="0" kern="1200" dirty="0" smtClean="0">
                           <a:solidFill>
                             <a:schemeClr val="tx1"/>
                           </a:solidFill>
-                          <a:latin typeface="+mn-lt"/>
-                          <a:ea typeface="+mn-ea"/>
+                          <a:latin typeface="Bentley Light" panose="020B0404020201020102"/>
+                          <a:ea typeface="黑体" panose="02010609060101010101" pitchFamily="49" charset="-122"/>
                           <a:cs typeface="+mn-ea"/>
                           <a:sym typeface="+mn-lt"/>
                         </a:rPr>
                         <a:t>Total Spending Amount</a:t>
                       </a:r>
                       <a:r>
-                        <a:rPr lang="en-US" altLang="zh-CN" sz="1200" b="0" kern="1200" baseline="0" dirty="0" smtClean="0">
+                        <a:rPr lang="en-US" altLang="zh-CN" sz="1000" b="0" i="0" kern="1200" baseline="0" dirty="0" smtClean="0">
                           <a:solidFill>
                             <a:schemeClr val="tx1"/>
                           </a:solidFill>
-                          <a:latin typeface="+mn-lt"/>
-                          <a:ea typeface="+mn-ea"/>
+                          <a:latin typeface="Bentley Light" panose="020B0404020201020102"/>
+                          <a:ea typeface="黑体" panose="02010609060101010101" pitchFamily="49" charset="-122"/>
                           <a:cs typeface="+mn-ea"/>
                           <a:sym typeface="+mn-lt"/>
                         </a:rPr>
                         <a:t> </a:t>
                       </a:r>
                       <a:r>
-                        <a:rPr lang="zh-CN" altLang="en-US" sz="1200" b="0" kern="1200" dirty="0" smtClean="0">
+                        <a:rPr lang="zh-CN" altLang="en-US" sz="1000" b="0" i="0" kern="1200" dirty="0" smtClean="0">
                           <a:solidFill>
                             <a:schemeClr val="tx1"/>
                           </a:solidFill>
-                          <a:latin typeface="+mn-lt"/>
-                          <a:ea typeface="+mn-ea"/>
+                          <a:latin typeface="Bentley Light" panose="020B0404020201020102"/>
+                          <a:ea typeface="黑体" panose="02010609060101010101" pitchFamily="49" charset="-122"/>
                           <a:cs typeface="+mn-ea"/>
                           <a:sym typeface="+mn-lt"/>
                         </a:rPr>
@@ -28304,10 +28334,12 @@
                     <a:bodyPr/>
                     <a:lstStyle/>
                     <a:p>
-                      <a:endParaRPr lang="en-US" sz="1200" dirty="0">
+                      <a:endParaRPr lang="en-US" sz="1000" b="0" i="0" dirty="0">
                         <a:solidFill>
                           <a:schemeClr val="tx1"/>
                         </a:solidFill>
+                        <a:latin typeface="Bentley Light" panose="020B0404020201020102"/>
+                        <a:ea typeface="黑体" panose="02010609060101010101" pitchFamily="49" charset="-122"/>
                       </a:endParaRPr>
                     </a:p>
                   </a:txBody>
@@ -28325,10 +28357,12 @@
                     <a:bodyPr/>
                     <a:lstStyle/>
                     <a:p>
-                      <a:endParaRPr lang="en-US" sz="1200" dirty="0">
+                      <a:endParaRPr lang="en-US" sz="1000" b="0" i="0" dirty="0">
                         <a:solidFill>
                           <a:schemeClr val="tx1"/>
                         </a:solidFill>
+                        <a:latin typeface="Bentley Light" panose="020B0404020201020102"/>
+                        <a:ea typeface="黑体" panose="02010609060101010101" pitchFamily="49" charset="-122"/>
                       </a:endParaRPr>
                     </a:p>
                   </a:txBody>
@@ -28368,36 +28402,36 @@
                         <a:defRPr/>
                       </a:pPr>
                       <a:r>
-                        <a:rPr lang="en-US" altLang="zh-CN" sz="1200" b="0" kern="1200" dirty="0" smtClean="0">
+                        <a:rPr lang="en-US" altLang="zh-CN" sz="1000" b="0" i="0" kern="1200" dirty="0" smtClean="0">
                           <a:solidFill>
                             <a:schemeClr val="tx1"/>
                           </a:solidFill>
-                          <a:latin typeface="+mn-lt"/>
-                          <a:ea typeface="+mn-ea"/>
+                          <a:latin typeface="Bentley Light" panose="020B0404020201020102"/>
+                          <a:ea typeface="黑体" panose="02010609060101010101" pitchFamily="49" charset="-122"/>
                           <a:cs typeface="+mn-ea"/>
                           <a:sym typeface="+mn-lt"/>
                         </a:rPr>
                         <a:t>Coop Fund Amount</a:t>
                       </a:r>
                       <a:r>
-                        <a:rPr lang="en-US" altLang="zh-CN" sz="1200" b="0" kern="1200" baseline="0" dirty="0" smtClean="0">
+                        <a:rPr lang="en-US" altLang="zh-CN" sz="1000" b="0" i="0" kern="1200" baseline="0" dirty="0" smtClean="0">
                           <a:solidFill>
                             <a:schemeClr val="tx1"/>
                           </a:solidFill>
-                          <a:latin typeface="+mn-lt"/>
-                          <a:ea typeface="+mn-ea"/>
+                          <a:latin typeface="Bentley Light" panose="020B0404020201020102"/>
+                          <a:ea typeface="黑体" panose="02010609060101010101" pitchFamily="49" charset="-122"/>
                           <a:cs typeface="+mn-ea"/>
                           <a:sym typeface="+mn-lt"/>
                         </a:rPr>
                         <a:t> </a:t>
                       </a:r>
                       <a:r>
-                        <a:rPr lang="zh-CN" altLang="en-US" sz="1200" b="0" kern="1200" dirty="0" smtClean="0">
+                        <a:rPr lang="zh-CN" altLang="en-US" sz="1000" b="0" i="0" kern="1200" dirty="0" smtClean="0">
                           <a:solidFill>
                             <a:schemeClr val="tx1"/>
                           </a:solidFill>
-                          <a:latin typeface="+mn-lt"/>
-                          <a:ea typeface="+mn-ea"/>
+                          <a:latin typeface="Bentley Light" panose="020B0404020201020102"/>
+                          <a:ea typeface="黑体" panose="02010609060101010101" pitchFamily="49" charset="-122"/>
                           <a:cs typeface="+mn-ea"/>
                           <a:sym typeface="+mn-lt"/>
                         </a:rPr>
@@ -28414,10 +28448,12 @@
                     <a:bodyPr/>
                     <a:lstStyle/>
                     <a:p>
-                      <a:endParaRPr lang="en-US" sz="1200" dirty="0">
+                      <a:endParaRPr lang="en-US" sz="1000" b="0" i="0" dirty="0">
                         <a:solidFill>
                           <a:schemeClr val="tx1"/>
                         </a:solidFill>
+                        <a:latin typeface="Bentley Light" panose="020B0404020201020102"/>
+                        <a:ea typeface="黑体" panose="02010609060101010101" pitchFamily="49" charset="-122"/>
                       </a:endParaRPr>
                     </a:p>
                   </a:txBody>
@@ -28435,10 +28471,12 @@
                     <a:bodyPr/>
                     <a:lstStyle/>
                     <a:p>
-                      <a:endParaRPr lang="en-US" sz="1200" dirty="0">
+                      <a:endParaRPr lang="en-US" sz="1000" b="0" i="0" dirty="0">
                         <a:solidFill>
                           <a:schemeClr val="tx1"/>
                         </a:solidFill>
+                        <a:latin typeface="Bentley Light" panose="020B0404020201020102"/>
+                        <a:ea typeface="黑体" panose="02010609060101010101" pitchFamily="49" charset="-122"/>
                       </a:endParaRPr>
                     </a:p>
                   </a:txBody>
@@ -28467,13 +28505,13 @@
           <p:nvPr>
             <p:extLst>
               <p:ext uri="{D42A27DB-BD31-4B8C-83A1-F6EECF244321}">
-                <p14:modId xmlns:p14="http://schemas.microsoft.com/office/powerpoint/2010/main" val="254678205"/>
+                <p14:modId xmlns:p14="http://schemas.microsoft.com/office/powerpoint/2010/main" val="2147168750"/>
               </p:ext>
             </p:extLst>
           </p:nvPr>
         </p:nvGraphicFramePr>
         <p:xfrm>
-          <a:off x="544310" y="3164422"/>
+          <a:off x="544307" y="3152323"/>
           <a:ext cx="11048533" cy="3239073"/>
         </p:xfrm>
         <a:graphic>
@@ -28543,7 +28581,7 @@
                         <a:defRPr/>
                       </a:pPr>
                       <a:r>
-                        <a:rPr lang="zh-CN" altLang="en-US" sz="1100" b="1" dirty="0" smtClean="0">
+                        <a:rPr lang="zh-CN" altLang="en-US" sz="1000" b="1" dirty="0" smtClean="0">
                           <a:solidFill>
                             <a:schemeClr val="tx1"/>
                           </a:solidFill>
@@ -28554,7 +28592,7 @@
                         </a:rPr>
                         <a:t>费用</a:t>
                       </a:r>
-                      <a:endParaRPr lang="en-US" altLang="zh-CN" sz="1100" b="1" dirty="0" smtClean="0">
+                      <a:endParaRPr lang="en-US" altLang="zh-CN" sz="1000" b="1" dirty="0" smtClean="0">
                         <a:solidFill>
                           <a:schemeClr val="tx1"/>
                         </a:solidFill>
@@ -28606,7 +28644,7 @@
                         <a:defRPr/>
                       </a:pPr>
                       <a:r>
-                        <a:rPr lang="en-US" sz="1100" b="1" kern="1200" dirty="0" smtClean="0">
+                        <a:rPr lang="en-US" sz="1000" b="1" kern="1200" dirty="0" smtClean="0">
                           <a:solidFill>
                             <a:schemeClr val="tx1"/>
                           </a:solidFill>
@@ -28647,7 +28685,7 @@
                         <a:defRPr/>
                       </a:pPr>
                       <a:r>
-                        <a:rPr lang="en-US" altLang="zh-CN" sz="1100" b="1" kern="1200" dirty="0" smtClean="0">
+                        <a:rPr lang="en-US" altLang="zh-CN" sz="1000" b="1" kern="1200" dirty="0" smtClean="0">
                           <a:solidFill>
                             <a:schemeClr val="tx1"/>
                           </a:solidFill>
@@ -28658,7 +28696,7 @@
                         <a:t>Plan</a:t>
                       </a:r>
                       <a:r>
-                        <a:rPr lang="en-US" altLang="zh-CN" sz="1100" b="1" kern="1200" baseline="0" dirty="0" smtClean="0">
+                        <a:rPr lang="en-US" altLang="zh-CN" sz="1000" b="1" kern="1200" baseline="0" dirty="0" smtClean="0">
                           <a:solidFill>
                             <a:schemeClr val="tx1"/>
                           </a:solidFill>
@@ -28669,7 +28707,7 @@
                         <a:t> </a:t>
                       </a:r>
                       <a:r>
-                        <a:rPr lang="en-US" altLang="zh-CN" sz="1100" b="1" kern="1200" dirty="0" smtClean="0">
+                        <a:rPr lang="en-US" altLang="zh-CN" sz="1000" b="1" kern="1200" dirty="0" smtClean="0">
                           <a:solidFill>
                             <a:schemeClr val="tx1"/>
                           </a:solidFill>
@@ -28679,7 +28717,7 @@
                         </a:rPr>
                         <a:t>Budget</a:t>
                       </a:r>
-                      <a:endParaRPr lang="en-US" sz="1100" b="1" kern="1200" dirty="0" smtClean="0">
+                      <a:endParaRPr lang="en-US" sz="1000" b="1" kern="1200" dirty="0" smtClean="0">
                         <a:solidFill>
                           <a:schemeClr val="tx1"/>
                         </a:solidFill>
@@ -28718,7 +28756,7 @@
                         <a:defRPr/>
                       </a:pPr>
                       <a:r>
-                        <a:rPr lang="zh-CN" altLang="en-US" sz="1100" b="1" kern="1200" dirty="0" smtClean="0">
+                        <a:rPr lang="zh-CN" altLang="en-US" sz="1000" b="1" kern="1200" dirty="0" smtClean="0">
                           <a:solidFill>
                             <a:schemeClr val="tx1"/>
                           </a:solidFill>
@@ -28728,7 +28766,7 @@
                         </a:rPr>
                         <a:t>是否报销</a:t>
                       </a:r>
-                      <a:endParaRPr lang="en-US" sz="1100" b="1" kern="1200" dirty="0">
+                      <a:endParaRPr lang="en-US" sz="1000" b="1" kern="1200" dirty="0">
                         <a:solidFill>
                           <a:schemeClr val="tx1"/>
                         </a:solidFill>
@@ -28767,7 +28805,7 @@
                         <a:defRPr/>
                       </a:pPr>
                       <a:r>
-                        <a:rPr lang="zh-CN" altLang="en-US" sz="1100" b="1" kern="1200" dirty="0" smtClean="0">
+                        <a:rPr lang="zh-CN" altLang="en-US" sz="1000" b="1" kern="1200" dirty="0" smtClean="0">
                           <a:solidFill>
                             <a:schemeClr val="tx1"/>
                           </a:solidFill>
@@ -28777,7 +28815,7 @@
                         </a:rPr>
                         <a:t>报销项目参考</a:t>
                       </a:r>
-                      <a:endParaRPr lang="en-US" sz="1100" b="1" kern="1200" dirty="0">
+                      <a:endParaRPr lang="en-US" sz="1000" b="1" kern="1200" dirty="0">
                         <a:solidFill>
                           <a:schemeClr val="tx1"/>
                         </a:solidFill>
@@ -28830,47 +28868,47 @@
                         <a:defRPr/>
                       </a:pPr>
                       <a:r>
-                        <a:rPr lang="en-US" altLang="zh-CN" sz="1200" b="0" kern="1200" dirty="0" smtClean="0">
+                        <a:rPr lang="en-US" altLang="zh-CN" sz="1000" b="0" kern="1200" dirty="0" smtClean="0">
                           <a:solidFill>
                             <a:schemeClr val="tx1"/>
                           </a:solidFill>
                           <a:latin typeface="Bentley Light" panose="020B0404020201020102"/>
-                          <a:ea typeface="仿宋" panose="02010609060101010101" pitchFamily="49" charset="-122"/>
+                          <a:ea typeface="黑体" panose="02010609060101010101" pitchFamily="49" charset="-122"/>
                           <a:cs typeface="+mn-ea"/>
                           <a:sym typeface="+mn-lt"/>
                         </a:rPr>
                         <a:t>Venue Rental </a:t>
                       </a:r>
                       <a:r>
-                        <a:rPr lang="en-US" altLang="zh-CN" sz="1200" b="0" kern="1200" baseline="0" dirty="0" smtClean="0">
+                        <a:rPr lang="en-US" altLang="zh-CN" sz="1000" b="0" kern="1200" baseline="0" dirty="0" smtClean="0">
                           <a:solidFill>
                             <a:schemeClr val="tx1"/>
                           </a:solidFill>
                           <a:latin typeface="Bentley Light" panose="020B0404020201020102"/>
-                          <a:ea typeface="仿宋" panose="02010609060101010101" pitchFamily="49" charset="-122"/>
+                          <a:ea typeface="黑体" panose="02010609060101010101" pitchFamily="49" charset="-122"/>
                           <a:cs typeface="+mn-ea"/>
                           <a:sym typeface="+mn-lt"/>
                         </a:rPr>
                         <a:t> </a:t>
                       </a:r>
                       <a:r>
-                        <a:rPr lang="zh-CN" altLang="en-US" sz="1200" b="0" kern="1200" dirty="0" smtClean="0">
+                        <a:rPr lang="zh-CN" altLang="en-US" sz="1000" b="0" kern="1200" dirty="0" smtClean="0">
                           <a:solidFill>
                             <a:schemeClr val="tx1"/>
                           </a:solidFill>
                           <a:latin typeface="Bentley Light" panose="020B0404020201020102"/>
-                          <a:ea typeface="仿宋" panose="02010609060101010101" pitchFamily="49" charset="-122"/>
+                          <a:ea typeface="黑体" panose="02010609060101010101" pitchFamily="49" charset="-122"/>
                           <a:cs typeface="+mn-ea"/>
                           <a:sym typeface="+mn-lt"/>
                         </a:rPr>
                         <a:t>场地租赁</a:t>
                       </a:r>
-                      <a:endParaRPr lang="en-US" altLang="zh-CN" sz="1200" b="0" kern="1200" dirty="0" smtClean="0">
+                      <a:endParaRPr lang="en-US" altLang="zh-CN" sz="1000" b="0" kern="1200" dirty="0" smtClean="0">
                         <a:solidFill>
                           <a:schemeClr val="tx1"/>
                         </a:solidFill>
                         <a:latin typeface="Bentley Light" panose="020B0404020201020102"/>
-                        <a:ea typeface="仿宋" panose="02010609060101010101" pitchFamily="49" charset="-122"/>
+                        <a:ea typeface="黑体" panose="02010609060101010101" pitchFamily="49" charset="-122"/>
                         <a:cs typeface="+mn-ea"/>
                         <a:sym typeface="+mn-lt"/>
                       </a:endParaRPr>
@@ -28902,12 +28940,12 @@
                         <a:tabLst/>
                         <a:defRPr/>
                       </a:pPr>
-                      <a:endParaRPr lang="en-US" altLang="zh-CN" sz="1200" b="0" dirty="0" smtClean="0">
+                      <a:endParaRPr lang="en-US" altLang="zh-CN" sz="1000" b="0" dirty="0" smtClean="0">
                         <a:solidFill>
                           <a:schemeClr val="tx1"/>
                         </a:solidFill>
                         <a:latin typeface="Bentley Light" panose="020B0404020201020102"/>
-                        <a:ea typeface="仿宋" panose="02010609060101010101" pitchFamily="49" charset="-122"/>
+                        <a:ea typeface="黑体" panose="02010609060101010101" pitchFamily="49" charset="-122"/>
                         <a:cs typeface="+mn-ea"/>
                         <a:sym typeface="+mn-lt"/>
                       </a:endParaRPr>
@@ -28944,12 +28982,12 @@
                         <a:tabLst/>
                         <a:defRPr/>
                       </a:pPr>
-                      <a:endParaRPr lang="en-US" altLang="zh-CN" sz="1200" b="0" dirty="0" smtClean="0">
+                      <a:endParaRPr lang="en-US" altLang="zh-CN" sz="1000" b="0" dirty="0" smtClean="0">
                         <a:solidFill>
                           <a:schemeClr val="tx1"/>
                         </a:solidFill>
                         <a:latin typeface="Bentley Light" panose="020B0404020201020102"/>
-                        <a:ea typeface="仿宋" panose="02010609060101010101" pitchFamily="49" charset="-122"/>
+                        <a:ea typeface="黑体" panose="02010609060101010101" pitchFamily="49" charset="-122"/>
                         <a:cs typeface="+mn-ea"/>
                         <a:sym typeface="+mn-lt"/>
                       </a:endParaRPr>
@@ -28967,12 +29005,12 @@
                     <a:lstStyle/>
                     <a:p>
                       <a:pPr algn="ctr"/>
-                      <a:endParaRPr lang="en-US" sz="1200" dirty="0">
+                      <a:endParaRPr lang="en-US" sz="1000" dirty="0">
                         <a:solidFill>
                           <a:schemeClr val="tx1"/>
                         </a:solidFill>
                         <a:latin typeface="Bentley Light" panose="020B0404020201020102"/>
-                        <a:ea typeface="仿宋" panose="02010609060101010101" pitchFamily="49" charset="-122"/>
+                        <a:ea typeface="黑体" panose="02010609060101010101" pitchFamily="49" charset="-122"/>
                       </a:endParaRPr>
                     </a:p>
                   </a:txBody>
@@ -28994,14 +29032,14 @@
                         <a:buFontTx/>
                         <a:buNone/>
                       </a:pPr>
-                      <a:endParaRPr lang="zh-CN" altLang="en-US" sz="1200" b="0" dirty="0" smtClean="0">
+                      <a:endParaRPr lang="zh-CN" altLang="en-US" sz="1000" b="0" dirty="0" smtClean="0">
                         <a:solidFill>
                           <a:schemeClr val="accent1">
                             <a:lumMod val="75000"/>
                           </a:schemeClr>
                         </a:solidFill>
                         <a:latin typeface="Bentley Light" panose="020B0404020201020102"/>
-                        <a:ea typeface="仿宋" panose="02010609060101010101" pitchFamily="49" charset="-122"/>
+                        <a:ea typeface="黑体" panose="02010609060101010101" pitchFamily="49" charset="-122"/>
                         <a:cs typeface="+mn-ea"/>
                         <a:sym typeface="+mn-lt"/>
                       </a:endParaRPr>
@@ -29058,35 +29096,35 @@
                         <a:defRPr/>
                       </a:pPr>
                       <a:r>
-                        <a:rPr lang="en-US" altLang="zh-CN" sz="1200" b="0" kern="1200" dirty="0" smtClean="0">
+                        <a:rPr lang="en-US" altLang="zh-CN" sz="1000" b="0" kern="1200" dirty="0" smtClean="0">
                           <a:solidFill>
                             <a:schemeClr val="tx1"/>
                           </a:solidFill>
                           <a:latin typeface="Bentley Light" panose="020B0404020201020102"/>
-                          <a:ea typeface="仿宋" panose="02010609060101010101" pitchFamily="49" charset="-122"/>
+                          <a:ea typeface="黑体" panose="02010609060101010101" pitchFamily="49" charset="-122"/>
                           <a:cs typeface="+mn-ea"/>
                           <a:sym typeface="+mn-lt"/>
                         </a:rPr>
                         <a:t>Setup </a:t>
                       </a:r>
                       <a:r>
-                        <a:rPr lang="zh-CN" altLang="en-US" sz="1200" b="0" kern="1200" dirty="0" smtClean="0">
+                        <a:rPr lang="zh-CN" altLang="en-US" sz="1000" b="0" kern="1200" dirty="0" smtClean="0">
                           <a:solidFill>
                             <a:schemeClr val="tx1"/>
                           </a:solidFill>
                           <a:latin typeface="Bentley Light" panose="020B0404020201020102"/>
-                          <a:ea typeface="仿宋" panose="02010609060101010101" pitchFamily="49" charset="-122"/>
+                          <a:ea typeface="黑体" panose="02010609060101010101" pitchFamily="49" charset="-122"/>
                           <a:cs typeface="+mn-ea"/>
                           <a:sym typeface="+mn-lt"/>
                         </a:rPr>
                         <a:t>搭建</a:t>
                       </a:r>
-                      <a:endParaRPr lang="en-US" altLang="zh-CN" sz="1200" b="0" kern="1200" dirty="0" smtClean="0">
+                      <a:endParaRPr lang="en-US" altLang="zh-CN" sz="1000" b="0" kern="1200" dirty="0" smtClean="0">
                         <a:solidFill>
                           <a:schemeClr val="tx1"/>
                         </a:solidFill>
                         <a:latin typeface="Bentley Light" panose="020B0404020201020102"/>
-                        <a:ea typeface="仿宋" panose="02010609060101010101" pitchFamily="49" charset="-122"/>
+                        <a:ea typeface="黑体" panose="02010609060101010101" pitchFamily="49" charset="-122"/>
                         <a:cs typeface="+mn-ea"/>
                         <a:sym typeface="+mn-lt"/>
                       </a:endParaRPr>
@@ -29118,12 +29156,12 @@
                         <a:tabLst/>
                         <a:defRPr/>
                       </a:pPr>
-                      <a:endParaRPr lang="en-US" altLang="zh-CN" sz="1200" b="0" dirty="0" smtClean="0">
+                      <a:endParaRPr lang="en-US" altLang="zh-CN" sz="1000" b="0" dirty="0" smtClean="0">
                         <a:solidFill>
                           <a:schemeClr val="tx1"/>
                         </a:solidFill>
                         <a:latin typeface="Bentley Light" panose="020B0404020201020102"/>
-                        <a:ea typeface="仿宋" panose="02010609060101010101" pitchFamily="49" charset="-122"/>
+                        <a:ea typeface="黑体" panose="02010609060101010101" pitchFamily="49" charset="-122"/>
                         <a:cs typeface="+mn-ea"/>
                         <a:sym typeface="+mn-lt"/>
                       </a:endParaRPr>
@@ -29160,12 +29198,12 @@
                         <a:tabLst/>
                         <a:defRPr/>
                       </a:pPr>
-                      <a:endParaRPr lang="en-US" altLang="zh-CN" sz="1200" b="0" dirty="0" smtClean="0">
+                      <a:endParaRPr lang="en-US" altLang="zh-CN" sz="1000" b="0" dirty="0" smtClean="0">
                         <a:solidFill>
                           <a:schemeClr val="tx1"/>
                         </a:solidFill>
                         <a:latin typeface="Bentley Light" panose="020B0404020201020102"/>
-                        <a:ea typeface="仿宋" panose="02010609060101010101" pitchFamily="49" charset="-122"/>
+                        <a:ea typeface="黑体" panose="02010609060101010101" pitchFamily="49" charset="-122"/>
                         <a:cs typeface="+mn-ea"/>
                         <a:sym typeface="+mn-lt"/>
                       </a:endParaRPr>
@@ -29199,12 +29237,12 @@
                         <a:tabLst/>
                         <a:defRPr/>
                       </a:pPr>
-                      <a:endParaRPr lang="en-US" sz="1200" dirty="0" smtClean="0">
+                      <a:endParaRPr lang="en-US" sz="1000" dirty="0" smtClean="0">
                         <a:solidFill>
                           <a:schemeClr val="tx1"/>
                         </a:solidFill>
                         <a:latin typeface="Bentley Light" panose="020B0404020201020102"/>
-                        <a:ea typeface="仿宋" panose="02010609060101010101" pitchFamily="49" charset="-122"/>
+                        <a:ea typeface="黑体" panose="02010609060101010101" pitchFamily="49" charset="-122"/>
                       </a:endParaRPr>
                     </a:p>
                   </a:txBody>
@@ -29239,14 +29277,14 @@
                         <a:tabLst/>
                         <a:defRPr/>
                       </a:pPr>
-                      <a:endParaRPr lang="en-US" altLang="zh-CN" sz="1200" b="0" dirty="0" smtClean="0">
+                      <a:endParaRPr lang="en-US" altLang="zh-CN" sz="1000" b="0" dirty="0" smtClean="0">
                         <a:solidFill>
                           <a:schemeClr val="accent1">
                             <a:lumMod val="75000"/>
                           </a:schemeClr>
                         </a:solidFill>
                         <a:latin typeface="Bentley Light" panose="020B0404020201020102"/>
-                        <a:ea typeface="仿宋" panose="02010609060101010101" pitchFamily="49" charset="-122"/>
+                        <a:ea typeface="黑体" panose="02010609060101010101" pitchFamily="49" charset="-122"/>
                         <a:cs typeface="+mn-ea"/>
                         <a:sym typeface="+mn-lt"/>
                       </a:endParaRPr>
@@ -29303,47 +29341,47 @@
                         <a:defRPr/>
                       </a:pPr>
                       <a:r>
-                        <a:rPr lang="en-US" altLang="zh-CN" sz="1200" b="0" kern="1200" dirty="0" smtClean="0">
+                        <a:rPr lang="en-US" altLang="zh-CN" sz="1000" b="0" kern="1200" dirty="0" smtClean="0">
                           <a:solidFill>
                             <a:schemeClr val="tx1"/>
                           </a:solidFill>
                           <a:latin typeface="Bentley Light" panose="020B0404020201020102"/>
-                          <a:ea typeface="仿宋" panose="02010609060101010101" pitchFamily="49" charset="-122"/>
+                          <a:ea typeface="黑体" panose="02010609060101010101" pitchFamily="49" charset="-122"/>
                           <a:cs typeface="+mn-ea"/>
                           <a:sym typeface="+mn-lt"/>
                         </a:rPr>
                         <a:t>Photography</a:t>
                       </a:r>
                       <a:r>
-                        <a:rPr lang="en-US" altLang="zh-CN" sz="1200" b="0" kern="1200" baseline="0" dirty="0" smtClean="0">
+                        <a:rPr lang="en-US" altLang="zh-CN" sz="1000" b="0" kern="1200" baseline="0" dirty="0" smtClean="0">
                           <a:solidFill>
                             <a:schemeClr val="tx1"/>
                           </a:solidFill>
                           <a:latin typeface="Bentley Light" panose="020B0404020201020102"/>
-                          <a:ea typeface="仿宋" panose="02010609060101010101" pitchFamily="49" charset="-122"/>
+                          <a:ea typeface="黑体" panose="02010609060101010101" pitchFamily="49" charset="-122"/>
                           <a:cs typeface="+mn-ea"/>
                           <a:sym typeface="+mn-lt"/>
                         </a:rPr>
                         <a:t> </a:t>
                       </a:r>
                       <a:r>
-                        <a:rPr lang="zh-CN" altLang="en-US" sz="1200" b="0" kern="1200" dirty="0" smtClean="0">
+                        <a:rPr lang="zh-CN" altLang="en-US" sz="1000" b="0" kern="1200" dirty="0" smtClean="0">
                           <a:solidFill>
                             <a:schemeClr val="tx1"/>
                           </a:solidFill>
                           <a:latin typeface="Bentley Light" panose="020B0404020201020102"/>
-                          <a:ea typeface="仿宋" panose="02010609060101010101" pitchFamily="49" charset="-122"/>
+                          <a:ea typeface="黑体" panose="02010609060101010101" pitchFamily="49" charset="-122"/>
                           <a:cs typeface="+mn-ea"/>
                           <a:sym typeface="+mn-lt"/>
                         </a:rPr>
                         <a:t>摄影</a:t>
                       </a:r>
-                      <a:endParaRPr lang="en-US" altLang="zh-CN" sz="1200" b="0" kern="1200" dirty="0" smtClean="0">
+                      <a:endParaRPr lang="en-US" altLang="zh-CN" sz="1000" b="0" kern="1200" dirty="0" smtClean="0">
                         <a:solidFill>
                           <a:schemeClr val="tx1"/>
                         </a:solidFill>
                         <a:latin typeface="Bentley Light" panose="020B0404020201020102"/>
-                        <a:ea typeface="仿宋" panose="02010609060101010101" pitchFamily="49" charset="-122"/>
+                        <a:ea typeface="黑体" panose="02010609060101010101" pitchFamily="49" charset="-122"/>
                         <a:cs typeface="+mn-ea"/>
                         <a:sym typeface="+mn-lt"/>
                       </a:endParaRPr>
@@ -29375,12 +29413,12 @@
                         <a:tabLst/>
                         <a:defRPr/>
                       </a:pPr>
-                      <a:endParaRPr lang="en-US" altLang="zh-CN" sz="1200" b="0" dirty="0" smtClean="0">
+                      <a:endParaRPr lang="en-US" altLang="zh-CN" sz="1000" b="0" dirty="0" smtClean="0">
                         <a:solidFill>
                           <a:schemeClr val="tx1"/>
                         </a:solidFill>
                         <a:latin typeface="Bentley Light" panose="020B0404020201020102"/>
-                        <a:ea typeface="仿宋" panose="02010609060101010101" pitchFamily="49" charset="-122"/>
+                        <a:ea typeface="黑体" panose="02010609060101010101" pitchFamily="49" charset="-122"/>
                         <a:cs typeface="+mn-ea"/>
                         <a:sym typeface="+mn-lt"/>
                       </a:endParaRPr>
@@ -29417,12 +29455,12 @@
                         <a:tabLst/>
                         <a:defRPr/>
                       </a:pPr>
-                      <a:endParaRPr lang="en-US" altLang="zh-CN" sz="1200" b="0" dirty="0" smtClean="0">
+                      <a:endParaRPr lang="en-US" altLang="zh-CN" sz="1000" b="0" dirty="0" smtClean="0">
                         <a:solidFill>
                           <a:schemeClr val="tx1"/>
                         </a:solidFill>
                         <a:latin typeface="Bentley Light" panose="020B0404020201020102"/>
-                        <a:ea typeface="仿宋" panose="02010609060101010101" pitchFamily="49" charset="-122"/>
+                        <a:ea typeface="黑体" panose="02010609060101010101" pitchFamily="49" charset="-122"/>
                         <a:cs typeface="+mn-ea"/>
                         <a:sym typeface="+mn-lt"/>
                       </a:endParaRPr>
@@ -29440,12 +29478,12 @@
                     <a:lstStyle/>
                     <a:p>
                       <a:pPr algn="ctr"/>
-                      <a:endParaRPr lang="en-US" sz="1200" dirty="0">
+                      <a:endParaRPr lang="en-US" sz="1000" dirty="0">
                         <a:solidFill>
                           <a:schemeClr val="tx1"/>
                         </a:solidFill>
                         <a:latin typeface="Bentley Light" panose="020B0404020201020102"/>
-                        <a:ea typeface="仿宋" panose="02010609060101010101" pitchFamily="49" charset="-122"/>
+                        <a:ea typeface="黑体" panose="02010609060101010101" pitchFamily="49" charset="-122"/>
                       </a:endParaRPr>
                     </a:p>
                   </a:txBody>
@@ -29480,7 +29518,7 @@
                         <a:tabLst/>
                         <a:defRPr/>
                       </a:pPr>
-                      <a:endParaRPr kumimoji="0" lang="en-US" altLang="zh-CN" sz="1200" b="0" i="0" u="none" strike="noStrike" kern="1200" cap="none" spc="0" normalizeH="0" baseline="0" noProof="0" dirty="0" smtClean="0">
+                      <a:endParaRPr kumimoji="0" lang="en-US" altLang="zh-CN" sz="1000" b="0" i="0" u="none" strike="noStrike" kern="1200" cap="none" spc="0" normalizeH="0" baseline="0" noProof="0" dirty="0" smtClean="0">
                         <a:ln>
                           <a:noFill/>
                         </a:ln>
@@ -29493,7 +29531,7 @@
                         <a:uLnTx/>
                         <a:uFillTx/>
                         <a:latin typeface="Bentley Light" panose="020B0404020201020102"/>
-                        <a:ea typeface="仿宋" panose="02010609060101010101" pitchFamily="49" charset="-122"/>
+                        <a:ea typeface="黑体" panose="02010609060101010101" pitchFamily="49" charset="-122"/>
                         <a:cs typeface="+mn-ea"/>
                         <a:sym typeface="+mn-lt"/>
                       </a:endParaRPr>
@@ -29550,24 +29588,24 @@
                         <a:defRPr/>
                       </a:pPr>
                       <a:r>
-                        <a:rPr lang="en-US" sz="1200" b="0" kern="1200" dirty="0" smtClean="0">
+                        <a:rPr lang="en-US" sz="1000" b="0" kern="1200" dirty="0" smtClean="0">
                           <a:solidFill>
                             <a:schemeClr val="tx1"/>
                           </a:solidFill>
                           <a:latin typeface="Bentley Light" panose="020B0404020201020102"/>
-                          <a:ea typeface="仿宋" panose="02010609060101010101" pitchFamily="49" charset="-122"/>
+                          <a:ea typeface="黑体" panose="02010609060101010101" pitchFamily="49" charset="-122"/>
                           <a:cs typeface="+mn-ea"/>
                           <a:sym typeface="+mn-lt"/>
                         </a:rPr>
                         <a:t>Performance </a:t>
                       </a:r>
                       <a:r>
-                        <a:rPr lang="zh-CN" altLang="en-US" sz="1200" b="0" kern="1200" dirty="0" smtClean="0">
+                        <a:rPr lang="zh-CN" altLang="en-US" sz="1000" b="0" kern="1200" dirty="0" smtClean="0">
                           <a:solidFill>
                             <a:schemeClr val="tx1"/>
                           </a:solidFill>
                           <a:latin typeface="Bentley Light" panose="020B0404020201020102"/>
-                          <a:ea typeface="仿宋" panose="02010609060101010101" pitchFamily="49" charset="-122"/>
+                          <a:ea typeface="黑体" panose="02010609060101010101" pitchFamily="49" charset="-122"/>
                           <a:cs typeface="+mn-ea"/>
                           <a:sym typeface="+mn-lt"/>
                         </a:rPr>
@@ -29601,12 +29639,12 @@
                         <a:tabLst/>
                         <a:defRPr/>
                       </a:pPr>
-                      <a:endParaRPr lang="en-US" altLang="zh-CN" sz="1200" b="0" dirty="0" smtClean="0">
+                      <a:endParaRPr lang="en-US" altLang="zh-CN" sz="1000" b="0" dirty="0" smtClean="0">
                         <a:solidFill>
                           <a:schemeClr val="tx1"/>
                         </a:solidFill>
                         <a:latin typeface="Bentley Light" panose="020B0404020201020102"/>
-                        <a:ea typeface="仿宋" panose="02010609060101010101" pitchFamily="49" charset="-122"/>
+                        <a:ea typeface="黑体" panose="02010609060101010101" pitchFamily="49" charset="-122"/>
                         <a:cs typeface="+mn-ea"/>
                         <a:sym typeface="+mn-lt"/>
                       </a:endParaRPr>
@@ -29643,12 +29681,12 @@
                         <a:tabLst/>
                         <a:defRPr/>
                       </a:pPr>
-                      <a:endParaRPr lang="en-US" altLang="zh-CN" sz="1200" b="0" dirty="0" smtClean="0">
+                      <a:endParaRPr lang="en-US" altLang="zh-CN" sz="1000" b="0" dirty="0" smtClean="0">
                         <a:solidFill>
                           <a:schemeClr val="tx1"/>
                         </a:solidFill>
                         <a:latin typeface="Bentley Light" panose="020B0404020201020102"/>
-                        <a:ea typeface="仿宋" panose="02010609060101010101" pitchFamily="49" charset="-122"/>
+                        <a:ea typeface="黑体" panose="02010609060101010101" pitchFamily="49" charset="-122"/>
                         <a:cs typeface="+mn-ea"/>
                         <a:sym typeface="+mn-lt"/>
                       </a:endParaRPr>
@@ -29666,12 +29704,12 @@
                     <a:lstStyle/>
                     <a:p>
                       <a:pPr algn="ctr"/>
-                      <a:endParaRPr lang="en-US" sz="1200" dirty="0">
+                      <a:endParaRPr lang="en-US" sz="1000" dirty="0">
                         <a:solidFill>
                           <a:schemeClr val="tx1"/>
                         </a:solidFill>
                         <a:latin typeface="Bentley Light" panose="020B0404020201020102"/>
-                        <a:ea typeface="仿宋" panose="02010609060101010101" pitchFamily="49" charset="-122"/>
+                        <a:ea typeface="黑体" panose="02010609060101010101" pitchFamily="49" charset="-122"/>
                       </a:endParaRPr>
                     </a:p>
                   </a:txBody>
@@ -29706,7 +29744,7 @@
                         <a:tabLst/>
                         <a:defRPr/>
                       </a:pPr>
-                      <a:endParaRPr kumimoji="0" lang="en-US" altLang="zh-CN" sz="1200" b="0" i="0" u="none" strike="noStrike" kern="1200" cap="none" spc="0" normalizeH="0" baseline="0" noProof="0" dirty="0" smtClean="0">
+                      <a:endParaRPr kumimoji="0" lang="en-US" altLang="zh-CN" sz="1000" b="0" i="0" u="none" strike="noStrike" kern="1200" cap="none" spc="0" normalizeH="0" baseline="0" noProof="0" dirty="0" smtClean="0">
                         <a:ln>
                           <a:noFill/>
                         </a:ln>
@@ -29719,7 +29757,7 @@
                         <a:uLnTx/>
                         <a:uFillTx/>
                         <a:latin typeface="Bentley Light" panose="020B0404020201020102"/>
-                        <a:ea typeface="仿宋" panose="02010609060101010101" pitchFamily="49" charset="-122"/>
+                        <a:ea typeface="黑体" panose="02010609060101010101" pitchFamily="49" charset="-122"/>
                         <a:cs typeface="+mn-ea"/>
                         <a:sym typeface="+mn-lt"/>
                       </a:endParaRPr>
@@ -29776,36 +29814,36 @@
                         <a:defRPr/>
                       </a:pPr>
                       <a:r>
-                        <a:rPr lang="en-US" sz="1200" b="0" kern="1200" dirty="0" smtClean="0">
+                        <a:rPr lang="en-US" sz="1000" b="0" kern="1200" dirty="0" smtClean="0">
                           <a:solidFill>
                             <a:schemeClr val="tx1"/>
                           </a:solidFill>
                           <a:latin typeface="Bentley Light" panose="020B0404020201020102"/>
-                          <a:ea typeface="仿宋" panose="02010609060101010101" pitchFamily="49" charset="-122"/>
+                          <a:ea typeface="黑体" panose="02010609060101010101" pitchFamily="49" charset="-122"/>
                           <a:cs typeface="+mn-ea"/>
                           <a:sym typeface="+mn-lt"/>
                         </a:rPr>
                         <a:t>MC</a:t>
                       </a:r>
                       <a:r>
-                        <a:rPr lang="en-US" sz="1200" b="0" kern="1200" baseline="0" dirty="0" smtClean="0">
+                        <a:rPr lang="en-US" sz="1000" b="0" kern="1200" baseline="0" dirty="0" smtClean="0">
                           <a:solidFill>
                             <a:schemeClr val="tx1"/>
                           </a:solidFill>
                           <a:latin typeface="Bentley Light" panose="020B0404020201020102"/>
-                          <a:ea typeface="仿宋" panose="02010609060101010101" pitchFamily="49" charset="-122"/>
+                          <a:ea typeface="黑体" panose="02010609060101010101" pitchFamily="49" charset="-122"/>
                           <a:cs typeface="+mn-ea"/>
                           <a:sym typeface="+mn-lt"/>
                         </a:rPr>
                         <a:t> </a:t>
                       </a:r>
                       <a:r>
-                        <a:rPr lang="zh-CN" altLang="en-US" sz="1200" b="0" kern="1200" dirty="0" smtClean="0">
+                        <a:rPr lang="zh-CN" altLang="en-US" sz="1000" b="0" kern="1200" dirty="0" smtClean="0">
                           <a:solidFill>
                             <a:schemeClr val="tx1"/>
                           </a:solidFill>
                           <a:latin typeface="Bentley Light" panose="020B0404020201020102"/>
-                          <a:ea typeface="仿宋" panose="02010609060101010101" pitchFamily="49" charset="-122"/>
+                          <a:ea typeface="黑体" panose="02010609060101010101" pitchFamily="49" charset="-122"/>
                           <a:cs typeface="+mn-ea"/>
                           <a:sym typeface="+mn-lt"/>
                         </a:rPr>
@@ -29839,12 +29877,12 @@
                         <a:tabLst/>
                         <a:defRPr/>
                       </a:pPr>
-                      <a:endParaRPr lang="en-US" altLang="zh-CN" sz="1200" b="0" dirty="0" smtClean="0">
+                      <a:endParaRPr lang="en-US" altLang="zh-CN" sz="1000" b="0" dirty="0" smtClean="0">
                         <a:solidFill>
                           <a:schemeClr val="tx1"/>
                         </a:solidFill>
                         <a:latin typeface="Bentley Light" panose="020B0404020201020102"/>
-                        <a:ea typeface="仿宋" panose="02010609060101010101" pitchFamily="49" charset="-122"/>
+                        <a:ea typeface="黑体" panose="02010609060101010101" pitchFamily="49" charset="-122"/>
                         <a:cs typeface="+mn-ea"/>
                         <a:sym typeface="+mn-lt"/>
                       </a:endParaRPr>
@@ -29881,12 +29919,12 @@
                         <a:tabLst/>
                         <a:defRPr/>
                       </a:pPr>
-                      <a:endParaRPr lang="en-US" altLang="zh-CN" sz="1200" b="0" dirty="0" smtClean="0">
+                      <a:endParaRPr lang="en-US" altLang="zh-CN" sz="1000" b="0" dirty="0" smtClean="0">
                         <a:solidFill>
                           <a:schemeClr val="tx1"/>
                         </a:solidFill>
                         <a:latin typeface="Bentley Light" panose="020B0404020201020102"/>
-                        <a:ea typeface="仿宋" panose="02010609060101010101" pitchFamily="49" charset="-122"/>
+                        <a:ea typeface="黑体" panose="02010609060101010101" pitchFamily="49" charset="-122"/>
                         <a:cs typeface="+mn-ea"/>
                         <a:sym typeface="+mn-lt"/>
                       </a:endParaRPr>
@@ -29904,12 +29942,12 @@
                     <a:lstStyle/>
                     <a:p>
                       <a:pPr algn="ctr"/>
-                      <a:endParaRPr lang="en-US" sz="1200" dirty="0">
+                      <a:endParaRPr lang="en-US" sz="1000" dirty="0">
                         <a:solidFill>
                           <a:schemeClr val="tx1"/>
                         </a:solidFill>
                         <a:latin typeface="Bentley Light" panose="020B0404020201020102"/>
-                        <a:ea typeface="仿宋" panose="02010609060101010101" pitchFamily="49" charset="-122"/>
+                        <a:ea typeface="黑体" panose="02010609060101010101" pitchFamily="49" charset="-122"/>
                       </a:endParaRPr>
                     </a:p>
                   </a:txBody>
@@ -29944,7 +29982,7 @@
                         <a:tabLst/>
                         <a:defRPr/>
                       </a:pPr>
-                      <a:endParaRPr kumimoji="0" lang="en-US" altLang="zh-CN" sz="1200" b="0" i="0" u="none" strike="noStrike" kern="1200" cap="none" spc="0" normalizeH="0" baseline="0" noProof="0" dirty="0" smtClean="0">
+                      <a:endParaRPr kumimoji="0" lang="en-US" altLang="zh-CN" sz="1000" b="0" i="0" u="none" strike="noStrike" kern="1200" cap="none" spc="0" normalizeH="0" baseline="0" noProof="0" dirty="0" smtClean="0">
                         <a:ln>
                           <a:noFill/>
                         </a:ln>
@@ -29957,7 +29995,7 @@
                         <a:uLnTx/>
                         <a:uFillTx/>
                         <a:latin typeface="Bentley Light" panose="020B0404020201020102"/>
-                        <a:ea typeface="仿宋" panose="02010609060101010101" pitchFamily="49" charset="-122"/>
+                        <a:ea typeface="黑体" panose="02010609060101010101" pitchFamily="49" charset="-122"/>
                         <a:cs typeface="+mn-ea"/>
                         <a:sym typeface="+mn-lt"/>
                       </a:endParaRPr>
@@ -30014,36 +30052,36 @@
                         <a:defRPr/>
                       </a:pPr>
                       <a:r>
-                        <a:rPr lang="en-US" altLang="zh-CN" sz="1200" b="0" kern="1200" dirty="0" smtClean="0">
+                        <a:rPr lang="en-US" altLang="zh-CN" sz="1000" b="0" kern="1200" dirty="0" smtClean="0">
                           <a:solidFill>
                             <a:schemeClr val="tx1"/>
                           </a:solidFill>
                           <a:latin typeface="Bentley Light" panose="020B0404020201020102"/>
-                          <a:ea typeface="仿宋" panose="02010609060101010101" pitchFamily="49" charset="-122"/>
+                          <a:ea typeface="黑体" panose="02010609060101010101" pitchFamily="49" charset="-122"/>
                           <a:cs typeface="+mn-ea"/>
                           <a:sym typeface="+mn-lt"/>
                         </a:rPr>
                         <a:t>Hospitality</a:t>
                       </a:r>
                       <a:r>
-                        <a:rPr lang="en-US" altLang="zh-CN" sz="1200" b="0" kern="1200" baseline="0" dirty="0" smtClean="0">
+                        <a:rPr lang="en-US" altLang="zh-CN" sz="1000" b="0" kern="1200" baseline="0" dirty="0" smtClean="0">
                           <a:solidFill>
                             <a:schemeClr val="tx1"/>
                           </a:solidFill>
                           <a:latin typeface="Bentley Light" panose="020B0404020201020102"/>
-                          <a:ea typeface="仿宋" panose="02010609060101010101" pitchFamily="49" charset="-122"/>
+                          <a:ea typeface="黑体" panose="02010609060101010101" pitchFamily="49" charset="-122"/>
                           <a:cs typeface="+mn-ea"/>
                           <a:sym typeface="+mn-lt"/>
                         </a:rPr>
                         <a:t> </a:t>
                       </a:r>
                       <a:r>
-                        <a:rPr lang="zh-CN" altLang="en-US" sz="1200" b="0" kern="1200" dirty="0" smtClean="0">
+                        <a:rPr lang="zh-CN" altLang="en-US" sz="1000" b="0" kern="1200" dirty="0" smtClean="0">
                           <a:solidFill>
                             <a:schemeClr val="tx1"/>
                           </a:solidFill>
                           <a:latin typeface="Bentley Light" panose="020B0404020201020102"/>
-                          <a:ea typeface="仿宋" panose="02010609060101010101" pitchFamily="49" charset="-122"/>
+                          <a:ea typeface="黑体" panose="02010609060101010101" pitchFamily="49" charset="-122"/>
                           <a:cs typeface="+mn-ea"/>
                           <a:sym typeface="+mn-lt"/>
                         </a:rPr>
@@ -30077,12 +30115,12 @@
                         <a:tabLst/>
                         <a:defRPr/>
                       </a:pPr>
-                      <a:endParaRPr lang="en-US" altLang="zh-CN" sz="1200" b="0" dirty="0" smtClean="0">
+                      <a:endParaRPr lang="en-US" altLang="zh-CN" sz="1000" b="0" dirty="0" smtClean="0">
                         <a:solidFill>
                           <a:schemeClr val="tx1"/>
                         </a:solidFill>
                         <a:latin typeface="Bentley Light" panose="020B0404020201020102"/>
-                        <a:ea typeface="仿宋" panose="02010609060101010101" pitchFamily="49" charset="-122"/>
+                        <a:ea typeface="黑体" panose="02010609060101010101" pitchFamily="49" charset="-122"/>
                         <a:cs typeface="+mn-ea"/>
                         <a:sym typeface="+mn-lt"/>
                       </a:endParaRPr>
@@ -30119,12 +30157,12 @@
                         <a:tabLst/>
                         <a:defRPr/>
                       </a:pPr>
-                      <a:endParaRPr lang="en-US" altLang="zh-CN" sz="1200" b="0" dirty="0" smtClean="0">
+                      <a:endParaRPr lang="en-US" altLang="zh-CN" sz="1000" b="0" dirty="0" smtClean="0">
                         <a:solidFill>
                           <a:schemeClr val="tx1"/>
                         </a:solidFill>
                         <a:latin typeface="Bentley Light" panose="020B0404020201020102"/>
-                        <a:ea typeface="仿宋" panose="02010609060101010101" pitchFamily="49" charset="-122"/>
+                        <a:ea typeface="黑体" panose="02010609060101010101" pitchFamily="49" charset="-122"/>
                         <a:cs typeface="+mn-ea"/>
                         <a:sym typeface="+mn-lt"/>
                       </a:endParaRPr>
@@ -30142,12 +30180,12 @@
                     <a:lstStyle/>
                     <a:p>
                       <a:pPr algn="ctr"/>
-                      <a:endParaRPr lang="en-US" sz="1200" dirty="0">
+                      <a:endParaRPr lang="en-US" sz="1000" dirty="0">
                         <a:solidFill>
                           <a:schemeClr val="tx1"/>
                         </a:solidFill>
                         <a:latin typeface="Bentley Light" panose="020B0404020201020102"/>
-                        <a:ea typeface="仿宋" panose="02010609060101010101" pitchFamily="49" charset="-122"/>
+                        <a:ea typeface="黑体" panose="02010609060101010101" pitchFamily="49" charset="-122"/>
                       </a:endParaRPr>
                     </a:p>
                   </a:txBody>
@@ -30182,7 +30220,7 @@
                         <a:tabLst/>
                         <a:defRPr/>
                       </a:pPr>
-                      <a:endParaRPr kumimoji="0" lang="en-US" altLang="zh-CN" sz="1200" b="0" i="0" u="none" strike="noStrike" kern="1200" cap="none" spc="0" normalizeH="0" baseline="0" noProof="0" dirty="0" smtClean="0">
+                      <a:endParaRPr kumimoji="0" lang="en-US" altLang="zh-CN" sz="1000" b="0" i="0" u="none" strike="noStrike" kern="1200" cap="none" spc="0" normalizeH="0" baseline="0" noProof="0" dirty="0" smtClean="0">
                         <a:ln>
                           <a:noFill/>
                         </a:ln>
@@ -30195,7 +30233,7 @@
                         <a:uLnTx/>
                         <a:uFillTx/>
                         <a:latin typeface="Bentley Light" panose="020B0404020201020102"/>
-                        <a:ea typeface="仿宋" panose="02010609060101010101" pitchFamily="49" charset="-122"/>
+                        <a:ea typeface="黑体" panose="02010609060101010101" pitchFamily="49" charset="-122"/>
                         <a:cs typeface="+mn-ea"/>
                         <a:sym typeface="+mn-lt"/>
                       </a:endParaRPr>
@@ -30252,47 +30290,47 @@
                         <a:defRPr/>
                       </a:pPr>
                       <a:r>
-                        <a:rPr lang="en-US" altLang="zh-CN" sz="1200" b="0" kern="1200" dirty="0" smtClean="0">
+                        <a:rPr lang="en-US" altLang="zh-CN" sz="1000" b="0" kern="1200" dirty="0" smtClean="0">
                           <a:solidFill>
                             <a:schemeClr val="tx1"/>
                           </a:solidFill>
                           <a:latin typeface="Bentley Light" panose="020B0404020201020102"/>
-                          <a:ea typeface="仿宋" panose="02010609060101010101" pitchFamily="49" charset="-122"/>
+                          <a:ea typeface="黑体" panose="02010609060101010101" pitchFamily="49" charset="-122"/>
                           <a:cs typeface="+mn-ea"/>
                           <a:sym typeface="+mn-lt"/>
                         </a:rPr>
                         <a:t>Catering</a:t>
                       </a:r>
                       <a:r>
-                        <a:rPr lang="en-US" altLang="zh-CN" sz="1200" b="0" kern="1200" baseline="0" dirty="0" smtClean="0">
+                        <a:rPr lang="en-US" altLang="zh-CN" sz="1000" b="0" kern="1200" baseline="0" dirty="0" smtClean="0">
                           <a:solidFill>
                             <a:schemeClr val="tx1"/>
                           </a:solidFill>
                           <a:latin typeface="Bentley Light" panose="020B0404020201020102"/>
-                          <a:ea typeface="仿宋" panose="02010609060101010101" pitchFamily="49" charset="-122"/>
+                          <a:ea typeface="黑体" panose="02010609060101010101" pitchFamily="49" charset="-122"/>
                           <a:cs typeface="+mn-ea"/>
                           <a:sym typeface="+mn-lt"/>
                         </a:rPr>
                         <a:t> </a:t>
                       </a:r>
                       <a:r>
-                        <a:rPr lang="zh-CN" altLang="en-US" sz="1200" b="0" kern="1200" dirty="0" smtClean="0">
+                        <a:rPr lang="zh-CN" altLang="en-US" sz="1000" b="0" kern="1200" dirty="0" smtClean="0">
                           <a:solidFill>
                             <a:schemeClr val="tx1"/>
                           </a:solidFill>
                           <a:latin typeface="Bentley Light" panose="020B0404020201020102"/>
-                          <a:ea typeface="仿宋" panose="02010609060101010101" pitchFamily="49" charset="-122"/>
+                          <a:ea typeface="黑体" panose="02010609060101010101" pitchFamily="49" charset="-122"/>
                           <a:cs typeface="+mn-ea"/>
                           <a:sym typeface="+mn-lt"/>
                         </a:rPr>
                         <a:t>餐饮</a:t>
                       </a:r>
-                      <a:endParaRPr lang="en-US" altLang="zh-CN" sz="1200" b="0" kern="1200" dirty="0" smtClean="0">
+                      <a:endParaRPr lang="en-US" altLang="zh-CN" sz="1000" b="0" kern="1200" dirty="0" smtClean="0">
                         <a:solidFill>
                           <a:schemeClr val="tx1"/>
                         </a:solidFill>
                         <a:latin typeface="Bentley Light" panose="020B0404020201020102"/>
-                        <a:ea typeface="仿宋" panose="02010609060101010101" pitchFamily="49" charset="-122"/>
+                        <a:ea typeface="黑体" panose="02010609060101010101" pitchFamily="49" charset="-122"/>
                         <a:cs typeface="+mn-ea"/>
                         <a:sym typeface="+mn-lt"/>
                       </a:endParaRPr>
@@ -30324,12 +30362,12 @@
                         <a:tabLst/>
                         <a:defRPr/>
                       </a:pPr>
-                      <a:endParaRPr lang="en-US" altLang="zh-CN" sz="1200" b="0" dirty="0" smtClean="0">
+                      <a:endParaRPr lang="en-US" altLang="zh-CN" sz="1000" b="0" dirty="0" smtClean="0">
                         <a:solidFill>
                           <a:schemeClr val="tx1"/>
                         </a:solidFill>
                         <a:latin typeface="Bentley Light" panose="020B0404020201020102"/>
-                        <a:ea typeface="仿宋" panose="02010609060101010101" pitchFamily="49" charset="-122"/>
+                        <a:ea typeface="黑体" panose="02010609060101010101" pitchFamily="49" charset="-122"/>
                         <a:cs typeface="+mn-ea"/>
                         <a:sym typeface="+mn-lt"/>
                       </a:endParaRPr>
@@ -30366,12 +30404,12 @@
                         <a:tabLst/>
                         <a:defRPr/>
                       </a:pPr>
-                      <a:endParaRPr lang="en-US" altLang="zh-CN" sz="1200" b="0" dirty="0" smtClean="0">
+                      <a:endParaRPr lang="en-US" altLang="zh-CN" sz="1000" b="0" dirty="0" smtClean="0">
                         <a:solidFill>
                           <a:schemeClr val="tx1"/>
                         </a:solidFill>
                         <a:latin typeface="Bentley Light" panose="020B0404020201020102"/>
-                        <a:ea typeface="仿宋" panose="02010609060101010101" pitchFamily="49" charset="-122"/>
+                        <a:ea typeface="黑体" panose="02010609060101010101" pitchFamily="49" charset="-122"/>
                         <a:cs typeface="+mn-ea"/>
                         <a:sym typeface="+mn-lt"/>
                       </a:endParaRPr>
@@ -30405,12 +30443,12 @@
                         <a:tabLst/>
                         <a:defRPr/>
                       </a:pPr>
-                      <a:endParaRPr lang="en-US" sz="1200" dirty="0" smtClean="0">
+                      <a:endParaRPr lang="en-US" sz="1000" dirty="0" smtClean="0">
                         <a:solidFill>
                           <a:schemeClr val="tx1"/>
                         </a:solidFill>
                         <a:latin typeface="Bentley Light" panose="020B0404020201020102"/>
-                        <a:ea typeface="仿宋" panose="02010609060101010101" pitchFamily="49" charset="-122"/>
+                        <a:ea typeface="黑体" panose="02010609060101010101" pitchFamily="49" charset="-122"/>
                       </a:endParaRPr>
                     </a:p>
                   </a:txBody>
@@ -30429,12 +30467,12 @@
                     <a:lstStyle/>
                     <a:p>
                       <a:pPr algn="ctr"/>
-                      <a:endParaRPr lang="en-US" sz="1200" dirty="0">
+                      <a:endParaRPr lang="en-US" sz="1000" dirty="0">
                         <a:solidFill>
                           <a:schemeClr val="accent1"/>
                         </a:solidFill>
                         <a:latin typeface="Bentley Light" panose="020B0404020201020102"/>
-                        <a:ea typeface="仿宋" panose="02010609060101010101" pitchFamily="49" charset="-122"/>
+                        <a:ea typeface="黑体" panose="02010609060101010101" pitchFamily="49" charset="-122"/>
                       </a:endParaRPr>
                     </a:p>
                   </a:txBody>
@@ -30489,47 +30527,47 @@
                         <a:defRPr/>
                       </a:pPr>
                       <a:r>
-                        <a:rPr lang="en-US" altLang="zh-CN" sz="1200" b="0" kern="1200" dirty="0" smtClean="0">
+                        <a:rPr lang="en-US" altLang="zh-CN" sz="1000" b="0" kern="1200" dirty="0" smtClean="0">
                           <a:solidFill>
                             <a:schemeClr val="tx1"/>
                           </a:solidFill>
                           <a:latin typeface="Bentley Light" panose="020B0404020201020102"/>
-                          <a:ea typeface="仿宋" panose="02010609060101010101" pitchFamily="49" charset="-122"/>
+                          <a:ea typeface="黑体" panose="02010609060101010101" pitchFamily="49" charset="-122"/>
                           <a:cs typeface="+mn-ea"/>
                           <a:sym typeface="+mn-lt"/>
                         </a:rPr>
                         <a:t>Others</a:t>
                       </a:r>
                       <a:r>
-                        <a:rPr lang="en-US" altLang="zh-CN" sz="1200" b="0" kern="1200" baseline="0" dirty="0" smtClean="0">
+                        <a:rPr lang="en-US" altLang="zh-CN" sz="1000" b="0" kern="1200" baseline="0" dirty="0" smtClean="0">
                           <a:solidFill>
                             <a:schemeClr val="tx1"/>
                           </a:solidFill>
                           <a:latin typeface="Bentley Light" panose="020B0404020201020102"/>
-                          <a:ea typeface="仿宋" panose="02010609060101010101" pitchFamily="49" charset="-122"/>
+                          <a:ea typeface="黑体" panose="02010609060101010101" pitchFamily="49" charset="-122"/>
                           <a:cs typeface="+mn-ea"/>
                           <a:sym typeface="+mn-lt"/>
                         </a:rPr>
                         <a:t> </a:t>
                       </a:r>
                       <a:r>
-                        <a:rPr lang="zh-CN" altLang="en-US" sz="1200" b="0" kern="1200" dirty="0" smtClean="0">
+                        <a:rPr lang="zh-CN" altLang="en-US" sz="1000" b="0" kern="1200" dirty="0" smtClean="0">
                           <a:solidFill>
                             <a:schemeClr val="tx1"/>
                           </a:solidFill>
                           <a:latin typeface="Bentley Light" panose="020B0404020201020102"/>
-                          <a:ea typeface="仿宋" panose="02010609060101010101" pitchFamily="49" charset="-122"/>
+                          <a:ea typeface="黑体" panose="02010609060101010101" pitchFamily="49" charset="-122"/>
                           <a:cs typeface="+mn-ea"/>
                           <a:sym typeface="+mn-lt"/>
                         </a:rPr>
                         <a:t>其他</a:t>
                       </a:r>
-                      <a:endParaRPr lang="en-US" altLang="zh-CN" sz="1200" b="0" kern="1200" dirty="0" smtClean="0">
+                      <a:endParaRPr lang="en-US" altLang="zh-CN" sz="1000" b="0" kern="1200" dirty="0" smtClean="0">
                         <a:solidFill>
                           <a:schemeClr val="tx1"/>
                         </a:solidFill>
                         <a:latin typeface="Bentley Light" panose="020B0404020201020102"/>
-                        <a:ea typeface="仿宋" panose="02010609060101010101" pitchFamily="49" charset="-122"/>
+                        <a:ea typeface="黑体" panose="02010609060101010101" pitchFamily="49" charset="-122"/>
                         <a:cs typeface="+mn-ea"/>
                         <a:sym typeface="+mn-lt"/>
                       </a:endParaRPr>
@@ -30561,12 +30599,12 @@
                         <a:tabLst/>
                         <a:defRPr/>
                       </a:pPr>
-                      <a:endParaRPr lang="en-US" altLang="zh-CN" sz="1200" b="0" dirty="0" smtClean="0">
+                      <a:endParaRPr lang="en-US" altLang="zh-CN" sz="1000" b="0" dirty="0" smtClean="0">
                         <a:solidFill>
                           <a:schemeClr val="tx1"/>
                         </a:solidFill>
                         <a:latin typeface="Bentley Light" panose="020B0404020201020102"/>
-                        <a:ea typeface="仿宋" panose="02010609060101010101" pitchFamily="49" charset="-122"/>
+                        <a:ea typeface="黑体" panose="02010609060101010101" pitchFamily="49" charset="-122"/>
                         <a:cs typeface="+mn-ea"/>
                         <a:sym typeface="+mn-lt"/>
                       </a:endParaRPr>
@@ -30603,12 +30641,12 @@
                         <a:tabLst/>
                         <a:defRPr/>
                       </a:pPr>
-                      <a:endParaRPr lang="en-US" altLang="zh-CN" sz="1200" b="0" dirty="0" smtClean="0">
+                      <a:endParaRPr lang="en-US" altLang="zh-CN" sz="1000" b="0" dirty="0" smtClean="0">
                         <a:solidFill>
                           <a:schemeClr val="tx1"/>
                         </a:solidFill>
                         <a:latin typeface="Bentley Light" panose="020B0404020201020102"/>
-                        <a:ea typeface="仿宋" panose="02010609060101010101" pitchFamily="49" charset="-122"/>
+                        <a:ea typeface="黑体" panose="02010609060101010101" pitchFamily="49" charset="-122"/>
                         <a:cs typeface="+mn-ea"/>
                         <a:sym typeface="+mn-lt"/>
                       </a:endParaRPr>
@@ -30642,12 +30680,12 @@
                         <a:tabLst/>
                         <a:defRPr/>
                       </a:pPr>
-                      <a:endParaRPr lang="en-US" sz="1200" dirty="0" smtClean="0">
+                      <a:endParaRPr lang="en-US" sz="1000" dirty="0" smtClean="0">
                         <a:solidFill>
                           <a:schemeClr val="tx1"/>
                         </a:solidFill>
                         <a:latin typeface="Bentley Light" panose="020B0404020201020102"/>
-                        <a:ea typeface="仿宋" panose="02010609060101010101" pitchFamily="49" charset="-122"/>
+                        <a:ea typeface="黑体" panose="02010609060101010101" pitchFamily="49" charset="-122"/>
                       </a:endParaRPr>
                     </a:p>
                   </a:txBody>
@@ -30666,12 +30704,12 @@
                     <a:lstStyle/>
                     <a:p>
                       <a:pPr algn="ctr"/>
-                      <a:endParaRPr lang="en-US" sz="1200" dirty="0">
+                      <a:endParaRPr lang="en-US" sz="1000" dirty="0">
                         <a:solidFill>
                           <a:schemeClr val="accent1"/>
                         </a:solidFill>
                         <a:latin typeface="Bentley Light" panose="020B0404020201020102"/>
-                        <a:ea typeface="仿宋" panose="02010609060101010101" pitchFamily="49" charset="-122"/>
+                        <a:ea typeface="黑体" panose="02010609060101010101" pitchFamily="49" charset="-122"/>
                       </a:endParaRPr>
                     </a:p>
                   </a:txBody>
@@ -30715,7 +30753,7 @@
           <p:nvPr>
             <p:extLst>
               <p:ext uri="{D42A27DB-BD31-4B8C-83A1-F6EECF244321}">
-                <p14:modId xmlns:p14="http://schemas.microsoft.com/office/powerpoint/2010/main" val="1379898088"/>
+                <p14:modId xmlns:p14="http://schemas.microsoft.com/office/powerpoint/2010/main" val="1223277037"/>
               </p:ext>
             </p:extLst>
           </p:nvPr>
@@ -30750,7 +30788,7 @@
                         <a:buNone/>
                       </a:pPr>
                       <a:r>
-                        <a:rPr lang="en-US" altLang="zh-CN" sz="1300" b="1" dirty="0" smtClean="0">
+                        <a:rPr lang="en-US" altLang="zh-CN" sz="1000" b="1" dirty="0" smtClean="0">
                           <a:solidFill>
                             <a:schemeClr val="bg1"/>
                           </a:solidFill>
@@ -30762,7 +30800,7 @@
                         <a:t>Spending Overview </a:t>
                       </a:r>
                       <a:r>
-                        <a:rPr lang="zh-CN" altLang="en-US" sz="1300" b="1" dirty="0" smtClean="0">
+                        <a:rPr lang="zh-CN" altLang="en-US" sz="1000" b="1" dirty="0" smtClean="0">
                           <a:solidFill>
                             <a:schemeClr val="bg1"/>
                           </a:solidFill>
@@ -30951,14 +30989,14 @@
           <p:nvPr>
             <p:extLst>
               <p:ext uri="{D42A27DB-BD31-4B8C-83A1-F6EECF244321}">
-                <p14:modId xmlns:p14="http://schemas.microsoft.com/office/powerpoint/2010/main" val="1098310082"/>
+                <p14:modId xmlns:p14="http://schemas.microsoft.com/office/powerpoint/2010/main" val="2075478034"/>
               </p:ext>
             </p:extLst>
           </p:nvPr>
         </p:nvGraphicFramePr>
         <p:xfrm>
           <a:off x="539750" y="1254424"/>
-          <a:ext cx="11079992" cy="5436245"/>
+          <a:ext cx="11079992" cy="5284602"/>
         </p:xfrm>
         <a:graphic>
           <a:graphicData uri="http://schemas.openxmlformats.org/drawingml/2006/table">
@@ -31001,7 +31039,7 @@
                         </a:lnSpc>
                       </a:pPr>
                       <a:r>
-                        <a:rPr lang="en-US" altLang="zh-CN" sz="1400" b="1" kern="1200" dirty="0" err="1" smtClean="0">
+                        <a:rPr lang="en-US" altLang="zh-CN" sz="1000" b="1" kern="1200" dirty="0" err="1" smtClean="0">
                           <a:solidFill>
                             <a:schemeClr val="lt1"/>
                           </a:solidFill>
@@ -31013,7 +31051,7 @@
                         <a:t>StartTime</a:t>
                       </a:r>
                       <a:r>
-                        <a:rPr lang="zh-CN" altLang="en-US" sz="1400" b="1" kern="1200" dirty="0" smtClean="0">
+                        <a:rPr lang="zh-CN" altLang="en-US" sz="1000" b="1" kern="1200" dirty="0" smtClean="0">
                           <a:solidFill>
                             <a:schemeClr val="lt1"/>
                           </a:solidFill>
@@ -31024,7 +31062,7 @@
                         </a:rPr>
                         <a:t>开始时间</a:t>
                       </a:r>
-                      <a:endParaRPr lang="zh-CN" altLang="en-US" sz="1400" b="1" kern="1200" dirty="0">
+                      <a:endParaRPr lang="zh-CN" altLang="en-US" sz="1000" b="1" kern="1200" dirty="0">
                         <a:solidFill>
                           <a:schemeClr val="lt1"/>
                         </a:solidFill>
@@ -31092,7 +31130,7 @@
                         </a:lnSpc>
                       </a:pPr>
                       <a:r>
-                        <a:rPr lang="en-US" altLang="zh-CN" sz="1400" b="1" kern="1200" smtClean="0">
+                        <a:rPr lang="en-US" altLang="zh-CN" sz="1000" b="1" kern="1200" dirty="0" err="1" smtClean="0">
                           <a:solidFill>
                             <a:schemeClr val="lt1"/>
                           </a:solidFill>
@@ -31101,10 +31139,22 @@
                           <a:cs typeface="+mn-ea"/>
                           <a:sym typeface="+mn-lt"/>
                         </a:rPr>
-                        <a:t>EndTime </a:t>
+                        <a:t>EndTime</a:t>
                       </a:r>
                       <a:r>
-                        <a:rPr lang="zh-CN" altLang="en-US" sz="1400" b="1" kern="1200" dirty="0" smtClean="0">
+                        <a:rPr lang="en-US" altLang="zh-CN" sz="1000" b="1" kern="1200" dirty="0" smtClean="0">
+                          <a:solidFill>
+                            <a:schemeClr val="lt1"/>
+                          </a:solidFill>
+                          <a:latin typeface="+mn-lt"/>
+                          <a:ea typeface="+mn-ea"/>
+                          <a:cs typeface="+mn-ea"/>
+                          <a:sym typeface="+mn-lt"/>
+                        </a:rPr>
+                        <a:t> </a:t>
+                      </a:r>
+                      <a:r>
+                        <a:rPr lang="zh-CN" altLang="en-US" sz="1000" b="1" kern="1200" dirty="0" smtClean="0">
                           <a:solidFill>
                             <a:schemeClr val="lt1"/>
                           </a:solidFill>
@@ -31115,7 +31165,7 @@
                         </a:rPr>
                         <a:t>结束时间</a:t>
                       </a:r>
-                      <a:endParaRPr lang="zh-CN" altLang="en-US" sz="1400" b="1" kern="1200" dirty="0">
+                      <a:endParaRPr lang="zh-CN" altLang="en-US" sz="1000" b="1" kern="1200" dirty="0">
                         <a:solidFill>
                           <a:schemeClr val="lt1"/>
                         </a:solidFill>
@@ -31185,7 +31235,7 @@
                         </a:lnSpc>
                       </a:pPr>
                       <a:r>
-                        <a:rPr lang="en-US" altLang="zh-CN" sz="1400" b="1" kern="1200" dirty="0" smtClean="0">
+                        <a:rPr lang="en-US" altLang="zh-CN" sz="1000" b="1" kern="1200" dirty="0" smtClean="0">
                           <a:solidFill>
                             <a:schemeClr val="lt1"/>
                           </a:solidFill>
@@ -31197,7 +31247,7 @@
                         <a:t>Process </a:t>
                       </a:r>
                       <a:r>
-                        <a:rPr lang="zh-CN" altLang="en-US" sz="1400" b="1" kern="1200" dirty="0" smtClean="0">
+                        <a:rPr lang="zh-CN" altLang="en-US" sz="1000" b="1" kern="1200" dirty="0" smtClean="0">
                           <a:solidFill>
                             <a:schemeClr val="lt1"/>
                           </a:solidFill>
@@ -31208,7 +31258,7 @@
                         </a:rPr>
                         <a:t>流程</a:t>
                       </a:r>
-                      <a:endParaRPr lang="zh-CN" altLang="en-US" sz="1400" b="1" kern="1200" dirty="0">
+                      <a:endParaRPr lang="zh-CN" altLang="en-US" sz="1000" b="1" kern="1200" dirty="0">
                         <a:solidFill>
                           <a:schemeClr val="lt1"/>
                         </a:solidFill>
@@ -31294,7 +31344,7 @@
                         <a:tabLst/>
                         <a:defRPr/>
                       </a:pPr>
-                      <a:endParaRPr lang="en-US" sz="1200" b="0" kern="1200" baseline="0" dirty="0" smtClean="0">
+                      <a:endParaRPr lang="en-US" sz="1000" b="0" kern="1200" baseline="0" dirty="0" smtClean="0">
                         <a:solidFill>
                           <a:schemeClr val="tx1">
                             <a:lumMod val="75000"/>
@@ -31374,7 +31424,7 @@
                         <a:tabLst/>
                         <a:defRPr/>
                       </a:pPr>
-                      <a:endParaRPr lang="en-US" sz="1200" b="0" kern="1200" baseline="0" dirty="0" smtClean="0">
+                      <a:endParaRPr lang="en-US" sz="1000" b="0" kern="1200" baseline="0" dirty="0" smtClean="0">
                         <a:solidFill>
                           <a:schemeClr val="tx1">
                             <a:lumMod val="75000"/>
@@ -31454,7 +31504,7 @@
                         <a:tabLst/>
                         <a:defRPr/>
                       </a:pPr>
-                      <a:endParaRPr lang="en-US" altLang="zh-CN" sz="1200" b="0" kern="1200" baseline="0" dirty="0">
+                      <a:endParaRPr lang="en-US" altLang="zh-CN" sz="1000" b="0" kern="1200" baseline="0" dirty="0">
                         <a:solidFill>
                           <a:schemeClr val="tx1">
                             <a:lumMod val="75000"/>
@@ -31541,7 +31591,7 @@
                         <a:tabLst/>
                         <a:defRPr/>
                       </a:pPr>
-                      <a:endParaRPr lang="en-US" sz="1200" b="0" kern="1200" baseline="0" dirty="0" smtClean="0">
+                      <a:endParaRPr lang="en-US" sz="1000" b="0" kern="1200" baseline="0" dirty="0" smtClean="0">
                         <a:solidFill>
                           <a:schemeClr val="tx1">
                             <a:lumMod val="75000"/>
@@ -31625,7 +31675,7 @@
                         <a:tabLst/>
                         <a:defRPr/>
                       </a:pPr>
-                      <a:endParaRPr lang="en-US" sz="1200" b="0" kern="1200" baseline="0" dirty="0" smtClean="0">
+                      <a:endParaRPr lang="en-US" sz="1000" b="0" kern="1200" baseline="0" dirty="0" smtClean="0">
                         <a:solidFill>
                           <a:schemeClr val="tx1">
                             <a:lumMod val="75000"/>
@@ -31709,7 +31759,7 @@
                         <a:tabLst/>
                         <a:defRPr/>
                       </a:pPr>
-                      <a:endParaRPr lang="en-US" altLang="zh-CN" sz="1200" b="0" kern="1200" baseline="0" dirty="0">
+                      <a:endParaRPr lang="en-US" altLang="zh-CN" sz="1000" b="0" kern="1200" baseline="0" dirty="0">
                         <a:solidFill>
                           <a:schemeClr val="tx1">
                             <a:lumMod val="75000"/>
@@ -31800,7 +31850,7 @@
                         <a:tabLst/>
                         <a:defRPr/>
                       </a:pPr>
-                      <a:endParaRPr lang="zh-CN" altLang="en-US" sz="1200" b="0" kern="1200" baseline="0" dirty="0">
+                      <a:endParaRPr lang="zh-CN" altLang="en-US" sz="1000" b="0" kern="1200" baseline="0" dirty="0">
                         <a:solidFill>
                           <a:schemeClr val="tx1">
                             <a:lumMod val="75000"/>
@@ -31884,7 +31934,7 @@
                         <a:tabLst/>
                         <a:defRPr/>
                       </a:pPr>
-                      <a:endParaRPr lang="zh-CN" altLang="en-US" sz="1200" b="0" kern="1200" baseline="0" dirty="0">
+                      <a:endParaRPr lang="zh-CN" altLang="en-US" sz="1000" b="0" kern="1200" baseline="0" dirty="0">
                         <a:solidFill>
                           <a:schemeClr val="tx1">
                             <a:lumMod val="75000"/>
@@ -31968,7 +32018,7 @@
                         <a:tabLst/>
                         <a:defRPr/>
                       </a:pPr>
-                      <a:endParaRPr lang="zh-CN" altLang="en-US" sz="1200" b="0" kern="1200" baseline="0" dirty="0">
+                      <a:endParaRPr lang="zh-CN" altLang="en-US" sz="1000" b="0" kern="1200" baseline="0" dirty="0">
                         <a:solidFill>
                           <a:schemeClr val="tx1">
                             <a:lumMod val="75000"/>
@@ -32059,7 +32109,7 @@
                         <a:tabLst/>
                         <a:defRPr/>
                       </a:pPr>
-                      <a:endParaRPr lang="zh-CN" altLang="en-US" sz="1200" b="0" kern="1200" baseline="0" dirty="0">
+                      <a:endParaRPr lang="zh-CN" altLang="en-US" sz="1000" b="0" kern="1200" baseline="0" dirty="0">
                         <a:solidFill>
                           <a:schemeClr val="tx1">
                             <a:lumMod val="75000"/>
@@ -32143,7 +32193,7 @@
                         <a:tabLst/>
                         <a:defRPr/>
                       </a:pPr>
-                      <a:endParaRPr lang="zh-CN" altLang="en-US" sz="1200" b="0" kern="1200" baseline="0" dirty="0">
+                      <a:endParaRPr lang="zh-CN" altLang="en-US" sz="1000" b="0" kern="1200" baseline="0" dirty="0">
                         <a:solidFill>
                           <a:schemeClr val="tx1">
                             <a:lumMod val="75000"/>
@@ -32227,7 +32277,7 @@
                         <a:tabLst/>
                         <a:defRPr/>
                       </a:pPr>
-                      <a:endParaRPr lang="zh-CN" altLang="en-US" sz="1200" b="0" kern="1200" baseline="0" dirty="0">
+                      <a:endParaRPr lang="zh-CN" altLang="en-US" sz="1000" b="0" kern="1200" baseline="0" dirty="0">
                         <a:solidFill>
                           <a:schemeClr val="tx1">
                             <a:lumMod val="75000"/>
@@ -32318,7 +32368,7 @@
                         <a:tabLst/>
                         <a:defRPr/>
                       </a:pPr>
-                      <a:endParaRPr lang="zh-CN" altLang="en-US" sz="1200" b="0" kern="1200" baseline="0" dirty="0">
+                      <a:endParaRPr lang="zh-CN" altLang="en-US" sz="1000" b="0" kern="1200" baseline="0" dirty="0">
                         <a:solidFill>
                           <a:schemeClr val="tx1">
                             <a:lumMod val="75000"/>
@@ -32402,7 +32452,7 @@
                         <a:tabLst/>
                         <a:defRPr/>
                       </a:pPr>
-                      <a:endParaRPr lang="zh-CN" altLang="en-US" sz="1200" b="0" kern="1200" baseline="0" dirty="0">
+                      <a:endParaRPr lang="zh-CN" altLang="en-US" sz="1000" b="0" kern="1200" baseline="0" dirty="0">
                         <a:solidFill>
                           <a:schemeClr val="tx1">
                             <a:lumMod val="75000"/>
@@ -32486,7 +32536,7 @@
                         <a:tabLst/>
                         <a:defRPr/>
                       </a:pPr>
-                      <a:endParaRPr lang="zh-CN" altLang="en-US" sz="1200" b="0" kern="1200" baseline="0" dirty="0">
+                      <a:endParaRPr lang="zh-CN" altLang="en-US" sz="1000" b="0" kern="1200" baseline="0" dirty="0">
                         <a:solidFill>
                           <a:schemeClr val="tx1">
                             <a:lumMod val="75000"/>
@@ -32577,7 +32627,7 @@
                         <a:tabLst/>
                         <a:defRPr/>
                       </a:pPr>
-                      <a:endParaRPr lang="zh-CN" altLang="en-US" sz="1200" b="0" kern="1200" baseline="0" dirty="0">
+                      <a:endParaRPr lang="zh-CN" altLang="en-US" sz="1000" b="0" kern="1200" baseline="0" dirty="0">
                         <a:solidFill>
                           <a:schemeClr val="tx1">
                             <a:lumMod val="75000"/>
@@ -32661,7 +32711,7 @@
                         <a:tabLst/>
                         <a:defRPr/>
                       </a:pPr>
-                      <a:endParaRPr lang="zh-CN" altLang="en-US" sz="1200" b="0" kern="1200" baseline="0" dirty="0">
+                      <a:endParaRPr lang="zh-CN" altLang="en-US" sz="1000" b="0" kern="1200" baseline="0" dirty="0">
                         <a:solidFill>
                           <a:schemeClr val="tx1">
                             <a:lumMod val="75000"/>
@@ -32745,7 +32795,7 @@
                         <a:tabLst/>
                         <a:defRPr/>
                       </a:pPr>
-                      <a:endParaRPr lang="zh-CN" altLang="en-US" sz="1200" b="0" kern="1200" baseline="0" dirty="0">
+                      <a:endParaRPr lang="zh-CN" altLang="en-US" sz="1000" b="0" kern="1200" baseline="0" dirty="0">
                         <a:solidFill>
                           <a:schemeClr val="tx1">
                             <a:lumMod val="75000"/>
@@ -32836,7 +32886,7 @@
                         <a:tabLst/>
                         <a:defRPr/>
                       </a:pPr>
-                      <a:endParaRPr lang="zh-CN" altLang="en-US" sz="1200" b="0" kern="1200" baseline="0" dirty="0">
+                      <a:endParaRPr lang="zh-CN" altLang="en-US" sz="1000" b="0" kern="1200" baseline="0" dirty="0">
                         <a:solidFill>
                           <a:schemeClr val="tx1">
                             <a:lumMod val="75000"/>
@@ -32920,7 +32970,7 @@
                         <a:tabLst/>
                         <a:defRPr/>
                       </a:pPr>
-                      <a:endParaRPr lang="zh-CN" altLang="en-US" sz="1200" b="0" kern="1200" baseline="0" dirty="0">
+                      <a:endParaRPr lang="zh-CN" altLang="en-US" sz="1000" b="0" kern="1200" baseline="0" dirty="0">
                         <a:solidFill>
                           <a:schemeClr val="tx1">
                             <a:lumMod val="75000"/>
@@ -33004,7 +33054,7 @@
                         <a:tabLst/>
                         <a:defRPr/>
                       </a:pPr>
-                      <a:endParaRPr lang="zh-CN" altLang="en-US" sz="1200" b="0" kern="1200" baseline="0" dirty="0">
+                      <a:endParaRPr lang="zh-CN" altLang="en-US" sz="1000" b="0" kern="1200" baseline="0" dirty="0">
                         <a:solidFill>
                           <a:schemeClr val="tx1">
                             <a:lumMod val="75000"/>
@@ -33095,7 +33145,7 @@
                         <a:tabLst/>
                         <a:defRPr/>
                       </a:pPr>
-                      <a:endParaRPr lang="zh-CN" altLang="en-US" sz="1200" b="0" kern="1200" baseline="0" dirty="0">
+                      <a:endParaRPr lang="zh-CN" altLang="en-US" sz="1000" b="0" kern="1200" baseline="0" dirty="0">
                         <a:solidFill>
                           <a:schemeClr val="tx1">
                             <a:lumMod val="75000"/>
@@ -33179,7 +33229,7 @@
                         <a:tabLst/>
                         <a:defRPr/>
                       </a:pPr>
-                      <a:endParaRPr lang="zh-CN" altLang="en-US" sz="1200" b="0" kern="1200" baseline="0" dirty="0">
+                      <a:endParaRPr lang="zh-CN" altLang="en-US" sz="1000" b="0" kern="1200" baseline="0" dirty="0">
                         <a:solidFill>
                           <a:schemeClr val="tx1">
                             <a:lumMod val="75000"/>
@@ -33263,7 +33313,7 @@
                         <a:tabLst/>
                         <a:defRPr/>
                       </a:pPr>
-                      <a:endParaRPr lang="zh-CN" altLang="en-US" sz="1200" b="0" kern="1200" baseline="0" dirty="0">
+                      <a:endParaRPr lang="zh-CN" altLang="en-US" sz="1000" b="0" kern="1200" baseline="0" dirty="0">
                         <a:solidFill>
                           <a:schemeClr val="tx1">
                             <a:lumMod val="75000"/>
@@ -33354,7 +33404,7 @@
                         <a:tabLst/>
                         <a:defRPr/>
                       </a:pPr>
-                      <a:endParaRPr lang="zh-CN" altLang="en-US" sz="1200" b="0" kern="1200" baseline="0" dirty="0">
+                      <a:endParaRPr lang="zh-CN" altLang="en-US" sz="1000" b="0" kern="1200" baseline="0" dirty="0">
                         <a:solidFill>
                           <a:schemeClr val="tx1">
                             <a:lumMod val="75000"/>
@@ -33438,7 +33488,7 @@
                         <a:tabLst/>
                         <a:defRPr/>
                       </a:pPr>
-                      <a:endParaRPr lang="zh-CN" altLang="en-US" sz="1200" b="0" kern="1200" baseline="0" dirty="0">
+                      <a:endParaRPr lang="zh-CN" altLang="en-US" sz="1000" b="0" kern="1200" baseline="0" dirty="0">
                         <a:solidFill>
                           <a:schemeClr val="tx1">
                             <a:lumMod val="75000"/>
@@ -33522,7 +33572,7 @@
                         <a:tabLst/>
                         <a:defRPr/>
                       </a:pPr>
-                      <a:endParaRPr lang="zh-CN" altLang="en-US" sz="1200" b="0" kern="1200" baseline="0" dirty="0">
+                      <a:endParaRPr lang="zh-CN" altLang="en-US" sz="1000" b="0" kern="1200" baseline="0" dirty="0">
                         <a:solidFill>
                           <a:schemeClr val="tx1">
                             <a:lumMod val="75000"/>
@@ -33613,7 +33663,7 @@
                         <a:tabLst/>
                         <a:defRPr/>
                       </a:pPr>
-                      <a:endParaRPr lang="zh-CN" altLang="en-US" sz="1200" b="0" kern="1200" baseline="0" dirty="0">
+                      <a:endParaRPr lang="zh-CN" altLang="en-US" sz="1000" b="0" kern="1200" baseline="0" dirty="0">
                         <a:solidFill>
                           <a:schemeClr val="tx1">
                             <a:lumMod val="75000"/>
@@ -33695,7 +33745,7 @@
                         <a:tabLst/>
                         <a:defRPr/>
                       </a:pPr>
-                      <a:endParaRPr lang="zh-CN" altLang="en-US" sz="1200" b="0" kern="1200" baseline="0" dirty="0">
+                      <a:endParaRPr lang="zh-CN" altLang="en-US" sz="1000" b="0" kern="1200" baseline="0" dirty="0">
                         <a:solidFill>
                           <a:schemeClr val="tx1">
                             <a:lumMod val="75000"/>
@@ -33777,7 +33827,7 @@
                         <a:tabLst/>
                         <a:defRPr/>
                       </a:pPr>
-                      <a:endParaRPr lang="zh-CN" altLang="en-US" sz="1200" b="0" kern="1200" baseline="0" dirty="0">
+                      <a:endParaRPr lang="zh-CN" altLang="en-US" sz="1000" b="0" kern="1200" baseline="0" dirty="0">
                         <a:solidFill>
                           <a:schemeClr val="tx1">
                             <a:lumMod val="75000"/>
@@ -34230,7 +34280,7 @@
         <p:spPr>
           <a:xfrm>
             <a:off x="538850" y="1123920"/>
-            <a:ext cx="5468560" cy="530658"/>
+            <a:ext cx="5468560" cy="400110"/>
           </a:xfrm>
           <a:prstGeom prst="rect">
             <a:avLst/>
@@ -34257,7 +34307,7 @@
               <a:buSzPct val="100000"/>
             </a:pPr>
             <a:r>
-              <a:rPr lang="en-US" altLang="zh-CN" sz="1400" b="1" dirty="0">
+              <a:rPr lang="en-US" altLang="zh-CN" sz="1000" b="1" dirty="0">
                 <a:solidFill>
                   <a:srgbClr val="FFFFFF"/>
                 </a:solidFill>
@@ -34278,7 +34328,7 @@
               <a:buSzPct val="100000"/>
             </a:pPr>
             <a:r>
-              <a:rPr lang="zh-CN" altLang="en-US" sz="1400" b="1" dirty="0">
+              <a:rPr lang="zh-CN" altLang="en-US" sz="1000" b="1" dirty="0">
                 <a:solidFill>
                   <a:srgbClr val="FFFFFF"/>
                 </a:solidFill>
@@ -34418,7 +34468,7 @@
         <p:spPr>
           <a:xfrm>
             <a:off x="6151512" y="1123920"/>
-            <a:ext cx="5468560" cy="530658"/>
+            <a:ext cx="5468560" cy="400110"/>
           </a:xfrm>
           <a:prstGeom prst="rect">
             <a:avLst/>
@@ -34445,7 +34495,7 @@
               <a:buSzPct val="100000"/>
             </a:pPr>
             <a:r>
-              <a:rPr lang="en-US" altLang="zh-CN" sz="1400" b="1" dirty="0">
+              <a:rPr lang="en-US" altLang="zh-CN" sz="1000" b="1" dirty="0">
                 <a:solidFill>
                   <a:srgbClr val="FFFFFF"/>
                 </a:solidFill>
@@ -34466,7 +34516,7 @@
               <a:buSzPct val="100000"/>
             </a:pPr>
             <a:r>
-              <a:rPr lang="zh-CN" altLang="en-US" sz="1400" b="1" dirty="0">
+              <a:rPr lang="zh-CN" altLang="en-US" sz="1000" b="1" dirty="0">
                 <a:solidFill>
                   <a:srgbClr val="FFFFFF"/>
                 </a:solidFill>
@@ -34738,7 +34788,7 @@
         <p:spPr>
           <a:xfrm>
             <a:off x="538849" y="1123920"/>
-            <a:ext cx="11081395" cy="307777"/>
+            <a:ext cx="11081395" cy="246221"/>
           </a:xfrm>
           <a:prstGeom prst="rect">
             <a:avLst/>
@@ -34765,7 +34815,7 @@
               <a:buSzPct val="100000"/>
             </a:pPr>
             <a:r>
-              <a:rPr lang="en-US" altLang="zh-CN" sz="1400" b="1" dirty="0" smtClean="0">
+              <a:rPr lang="en-US" altLang="zh-CN" sz="1000" b="1" dirty="0" smtClean="0">
                 <a:solidFill>
                   <a:srgbClr val="FFFFFF"/>
                 </a:solidFill>
@@ -34775,7 +34825,7 @@
               <a:t>Vehicle</a:t>
             </a:r>
             <a:r>
-              <a:rPr lang="zh-CN" altLang="en-US" sz="1400" b="1" dirty="0" smtClean="0">
+              <a:rPr lang="zh-CN" altLang="en-US" sz="1000" b="1" dirty="0" smtClean="0">
                 <a:solidFill>
                   <a:srgbClr val="FFFFFF"/>
                 </a:solidFill>
@@ -34785,7 +34835,7 @@
               <a:t> </a:t>
             </a:r>
             <a:r>
-              <a:rPr lang="en-US" altLang="zh-CN" sz="1400" b="1" dirty="0" smtClean="0">
+              <a:rPr lang="en-US" altLang="zh-CN" sz="1000" b="1" dirty="0" smtClean="0">
                 <a:solidFill>
                   <a:srgbClr val="FFFFFF"/>
                 </a:solidFill>
@@ -34795,7 +34845,7 @@
               <a:t>- </a:t>
             </a:r>
             <a:r>
-              <a:rPr lang="zh-CN" altLang="en-US" sz="1400" b="1" dirty="0" smtClean="0">
+              <a:rPr lang="zh-CN" altLang="en-US" sz="1000" b="1" dirty="0" smtClean="0">
                 <a:solidFill>
                   <a:srgbClr val="FFFFFF"/>
                 </a:solidFill>
@@ -34805,7 +34855,7 @@
               <a:t>车辆照片（动态</a:t>
             </a:r>
             <a:r>
-              <a:rPr lang="en-US" altLang="zh-CN" sz="1400" b="1" dirty="0" smtClean="0">
+              <a:rPr lang="en-US" altLang="zh-CN" sz="1000" b="1" dirty="0" smtClean="0">
                 <a:solidFill>
                   <a:srgbClr val="FFFFFF"/>
                 </a:solidFill>
@@ -34815,7 +34865,7 @@
               <a:t>&amp;</a:t>
             </a:r>
             <a:r>
-              <a:rPr lang="zh-CN" altLang="en-US" sz="1400" b="1" dirty="0" smtClean="0">
+              <a:rPr lang="zh-CN" altLang="en-US" sz="1000" b="1" dirty="0" smtClean="0">
                 <a:solidFill>
                   <a:srgbClr val="FFFFFF"/>
                 </a:solidFill>
@@ -34824,7 +34874,7 @@
               </a:rPr>
               <a:t>静态）</a:t>
             </a:r>
-            <a:endParaRPr lang="zh-CN" altLang="en-US" sz="1400" b="1" dirty="0">
+            <a:endParaRPr lang="zh-CN" altLang="en-US" sz="1000" b="1" dirty="0">
               <a:solidFill>
                 <a:srgbClr val="FFFFFF"/>
               </a:solidFill>
@@ -35188,7 +35238,7 @@
           <a:graphicData uri="http://schemas.openxmlformats.org/presentationml/2006/ole">
             <mc:AlternateContent xmlns:mc="http://schemas.openxmlformats.org/markup-compatibility/2006">
               <mc:Choice xmlns:v="urn:schemas-microsoft-com:vml" Requires="v">
-                <p:oleObj spid="_x0000_s44102" name="think-cell Slide" r:id="rId5" imgW="416" imgH="416" progId="TCLayout.ActiveDocument.1">
+                <p:oleObj spid="_x0000_s44104" name="think-cell Slide" r:id="rId5" imgW="416" imgH="416" progId="TCLayout.ActiveDocument.1">
                   <p:embed/>
                 </p:oleObj>
               </mc:Choice>
@@ -35504,7 +35554,7 @@
         <p:spPr>
           <a:xfrm>
             <a:off x="538849" y="1123920"/>
-            <a:ext cx="11081395" cy="307777"/>
+            <a:ext cx="11081395" cy="246221"/>
           </a:xfrm>
           <a:prstGeom prst="rect">
             <a:avLst/>
@@ -35531,7 +35581,7 @@
               <a:buSzPct val="100000"/>
             </a:pPr>
             <a:r>
-              <a:rPr lang="en-US" altLang="zh-CN" sz="1400" b="1" dirty="0">
+              <a:rPr lang="en-US" altLang="zh-CN" sz="1000" b="1" dirty="0">
                 <a:solidFill>
                   <a:srgbClr val="FFFFFF"/>
                 </a:solidFill>
@@ -35541,7 +35591,7 @@
               <a:t>Brand Representation </a:t>
             </a:r>
             <a:r>
-              <a:rPr lang="zh-CN" altLang="en-US" sz="1400" b="1" dirty="0">
+              <a:rPr lang="zh-CN" altLang="en-US" sz="1000" b="1" dirty="0">
                 <a:solidFill>
                   <a:srgbClr val="FFFFFF"/>
                 </a:solidFill>
@@ -36017,7 +36067,7 @@
         <p:spPr>
           <a:xfrm>
             <a:off x="538849" y="1123920"/>
-            <a:ext cx="11081395" cy="307777"/>
+            <a:ext cx="11081395" cy="246221"/>
           </a:xfrm>
           <a:prstGeom prst="rect">
             <a:avLst/>
@@ -36044,7 +36094,7 @@
               <a:buSzPct val="100000"/>
             </a:pPr>
             <a:r>
-              <a:rPr lang="en-US" altLang="zh-CN" sz="1400" b="1" dirty="0">
+              <a:rPr lang="en-US" altLang="zh-CN" sz="1000" b="1" dirty="0">
                 <a:solidFill>
                   <a:srgbClr val="FFFFFF"/>
                 </a:solidFill>
@@ -36054,7 +36104,7 @@
               <a:t>Event Setup </a:t>
             </a:r>
             <a:r>
-              <a:rPr lang="zh-CN" altLang="en-US" sz="1400" b="1" dirty="0">
+              <a:rPr lang="zh-CN" altLang="en-US" sz="1000" b="1" dirty="0">
                 <a:solidFill>
                   <a:srgbClr val="FFFFFF"/>
                 </a:solidFill>
